--- a/DesignPatterns/Structural Design Patterns/Structural Design Patterns.pptx
+++ b/DesignPatterns/Structural Design Patterns/Structural Design Patterns.pptx
@@ -116,6 +116,11 @@
       </a:defRPr>
     </a:lvl9pPr>
   </p:defaultTextStyle>
+  <p:extLst>
+    <p:ext uri="{EFAFB233-063F-42B5-8137-9DF3F51BA10A}">
+      <p15:sldGuideLst xmlns:p15="http://schemas.microsoft.com/office/powerpoint/2012/main"/>
+    </p:ext>
+  </p:extLst>
 </p:presentation>
 </file>
 
@@ -123,12 +128,182 @@
 <p1510:revInfo xmlns:a="http://schemas.openxmlformats.org/drawingml/2006/main" xmlns:r="http://schemas.openxmlformats.org/officeDocument/2006/relationships" xmlns:p1510="http://schemas.microsoft.com/office/powerpoint/2015/10/main">
   <p1510:revLst>
     <p1510:client id="{039C0BB2-5223-4BF8-91FB-72FD9236C204}" v="32" dt="2023-03-08T11:43:04.978"/>
+    <p1510:client id="{7272984E-1584-4374-8B38-3C1D27CF2CE8}" v="10" dt="2023-03-08T12:49:17.610"/>
   </p1510:revLst>
 </p1510:revInfo>
 </file>
 
 <file path=ppt/changesInfos/changesInfo1.xml><?xml version="1.0" encoding="utf-8"?>
 <pc:chgInfo xmlns:a="http://schemas.openxmlformats.org/drawingml/2006/main" xmlns:r="http://schemas.openxmlformats.org/officeDocument/2006/relationships" xmlns:ac="http://schemas.microsoft.com/office/drawing/2013/main/command" xmlns:pc="http://schemas.microsoft.com/office/powerpoint/2013/main/command">
+  <pc:docChgLst>
+    <pc:chgData name="Nancy Li" userId="afc5209a-cf39-48d8-a57f-08cc8b772ec9" providerId="ADAL" clId="{7272984E-1584-4374-8B38-3C1D27CF2CE8}"/>
+    <pc:docChg chg="undo custSel modSld">
+      <pc:chgData name="Nancy Li" userId="afc5209a-cf39-48d8-a57f-08cc8b772ec9" providerId="ADAL" clId="{7272984E-1584-4374-8B38-3C1D27CF2CE8}" dt="2023-03-08T12:51:11.052" v="158" actId="20577"/>
+      <pc:docMkLst>
+        <pc:docMk/>
+      </pc:docMkLst>
+      <pc:sldChg chg="modSp mod modNotesTx">
+        <pc:chgData name="Nancy Li" userId="afc5209a-cf39-48d8-a57f-08cc8b772ec9" providerId="ADAL" clId="{7272984E-1584-4374-8B38-3C1D27CF2CE8}" dt="2023-03-08T12:49:24.475" v="157" actId="20577"/>
+        <pc:sldMkLst>
+          <pc:docMk/>
+          <pc:sldMk cId="2674015533" sldId="258"/>
+        </pc:sldMkLst>
+        <pc:spChg chg="mod">
+          <ac:chgData name="Nancy Li" userId="afc5209a-cf39-48d8-a57f-08cc8b772ec9" providerId="ADAL" clId="{7272984E-1584-4374-8B38-3C1D27CF2CE8}" dt="2023-03-08T12:45:34.185" v="119"/>
+          <ac:spMkLst>
+            <pc:docMk/>
+            <pc:sldMk cId="2674015533" sldId="258"/>
+            <ac:spMk id="11" creationId="{A924C3A0-AB4B-6229-6777-0B2CEE376DCB}"/>
+          </ac:spMkLst>
+        </pc:spChg>
+        <pc:spChg chg="mod">
+          <ac:chgData name="Nancy Li" userId="afc5209a-cf39-48d8-a57f-08cc8b772ec9" providerId="ADAL" clId="{7272984E-1584-4374-8B38-3C1D27CF2CE8}" dt="2023-03-08T12:49:10.024" v="149" actId="14100"/>
+          <ac:spMkLst>
+            <pc:docMk/>
+            <pc:sldMk cId="2674015533" sldId="258"/>
+            <ac:spMk id="12" creationId="{0AC1BA93-1BF2-E303-BAC9-888FA19CF626}"/>
+          </ac:spMkLst>
+        </pc:spChg>
+      </pc:sldChg>
+      <pc:sldChg chg="addSp delSp modSp mod modNotesTx">
+        <pc:chgData name="Nancy Li" userId="afc5209a-cf39-48d8-a57f-08cc8b772ec9" providerId="ADAL" clId="{7272984E-1584-4374-8B38-3C1D27CF2CE8}" dt="2023-03-08T12:51:11.052" v="158" actId="20577"/>
+        <pc:sldMkLst>
+          <pc:docMk/>
+          <pc:sldMk cId="2255792575" sldId="261"/>
+        </pc:sldMkLst>
+        <pc:spChg chg="add del mod">
+          <ac:chgData name="Nancy Li" userId="afc5209a-cf39-48d8-a57f-08cc8b772ec9" providerId="ADAL" clId="{7272984E-1584-4374-8B38-3C1D27CF2CE8}" dt="2023-03-08T12:12:38.416" v="7"/>
+          <ac:spMkLst>
+            <pc:docMk/>
+            <pc:sldMk cId="2255792575" sldId="261"/>
+            <ac:spMk id="4" creationId="{CF325E66-2F74-F04B-E4C7-2A6423E8534D}"/>
+          </ac:spMkLst>
+        </pc:spChg>
+        <pc:picChg chg="add mod">
+          <ac:chgData name="Nancy Li" userId="afc5209a-cf39-48d8-a57f-08cc8b772ec9" providerId="ADAL" clId="{7272984E-1584-4374-8B38-3C1D27CF2CE8}" dt="2023-03-08T12:13:15.091" v="10" actId="1076"/>
+          <ac:picMkLst>
+            <pc:docMk/>
+            <pc:sldMk cId="2255792575" sldId="261"/>
+            <ac:picMk id="6" creationId="{42039D81-CE51-2587-2924-FDE22803ECF8}"/>
+          </ac:picMkLst>
+        </pc:picChg>
+        <pc:picChg chg="del">
+          <ac:chgData name="Nancy Li" userId="afc5209a-cf39-48d8-a57f-08cc8b772ec9" providerId="ADAL" clId="{7272984E-1584-4374-8B38-3C1D27CF2CE8}" dt="2023-03-08T12:12:37.386" v="6" actId="478"/>
+          <ac:picMkLst>
+            <pc:docMk/>
+            <pc:sldMk cId="2255792575" sldId="261"/>
+            <ac:picMk id="7" creationId="{CD710F0A-1967-D09D-026E-F6864B784BBA}"/>
+          </ac:picMkLst>
+        </pc:picChg>
+      </pc:sldChg>
+      <pc:sldChg chg="addSp delSp modSp mod modNotesTx">
+        <pc:chgData name="Nancy Li" userId="afc5209a-cf39-48d8-a57f-08cc8b772ec9" providerId="ADAL" clId="{7272984E-1584-4374-8B38-3C1D27CF2CE8}" dt="2023-03-08T12:38:27.772" v="74" actId="20577"/>
+        <pc:sldMkLst>
+          <pc:docMk/>
+          <pc:sldMk cId="642753227" sldId="262"/>
+        </pc:sldMkLst>
+        <pc:spChg chg="add del mod">
+          <ac:chgData name="Nancy Li" userId="afc5209a-cf39-48d8-a57f-08cc8b772ec9" providerId="ADAL" clId="{7272984E-1584-4374-8B38-3C1D27CF2CE8}" dt="2023-03-08T12:22:35.064" v="17" actId="478"/>
+          <ac:spMkLst>
+            <pc:docMk/>
+            <pc:sldMk cId="642753227" sldId="262"/>
+            <ac:spMk id="4" creationId="{AE9A8F35-D001-84B9-1BB8-AC97FC7F8BF8}"/>
+          </ac:spMkLst>
+        </pc:spChg>
+        <pc:picChg chg="add del">
+          <ac:chgData name="Nancy Li" userId="afc5209a-cf39-48d8-a57f-08cc8b772ec9" providerId="ADAL" clId="{7272984E-1584-4374-8B38-3C1D27CF2CE8}" dt="2023-03-08T12:22:35.064" v="17" actId="478"/>
+          <ac:picMkLst>
+            <pc:docMk/>
+            <pc:sldMk cId="642753227" sldId="262"/>
+            <ac:picMk id="6" creationId="{D728CF11-38D5-52C4-2A39-55225D5678E2}"/>
+          </ac:picMkLst>
+        </pc:picChg>
+        <pc:picChg chg="add del mod">
+          <ac:chgData name="Nancy Li" userId="afc5209a-cf39-48d8-a57f-08cc8b772ec9" providerId="ADAL" clId="{7272984E-1584-4374-8B38-3C1D27CF2CE8}" dt="2023-03-08T12:22:34.520" v="16"/>
+          <ac:picMkLst>
+            <pc:docMk/>
+            <pc:sldMk cId="642753227" sldId="262"/>
+            <ac:picMk id="7" creationId="{BFC7E836-804D-4509-4CB0-6DEBA3CF029B}"/>
+          </ac:picMkLst>
+        </pc:picChg>
+      </pc:sldChg>
+      <pc:sldChg chg="addSp delSp modSp mod modNotesTx">
+        <pc:chgData name="Nancy Li" userId="afc5209a-cf39-48d8-a57f-08cc8b772ec9" providerId="ADAL" clId="{7272984E-1584-4374-8B38-3C1D27CF2CE8}" dt="2023-03-08T12:39:30.451" v="82" actId="20577"/>
+        <pc:sldMkLst>
+          <pc:docMk/>
+          <pc:sldMk cId="636186760" sldId="263"/>
+        </pc:sldMkLst>
+        <pc:spChg chg="add del mod">
+          <ac:chgData name="Nancy Li" userId="afc5209a-cf39-48d8-a57f-08cc8b772ec9" providerId="ADAL" clId="{7272984E-1584-4374-8B38-3C1D27CF2CE8}" dt="2023-03-08T12:12:03.749" v="3"/>
+          <ac:spMkLst>
+            <pc:docMk/>
+            <pc:sldMk cId="636186760" sldId="263"/>
+            <ac:spMk id="7" creationId="{7E1205A5-CBEC-A083-5EDE-CA30C098036B}"/>
+          </ac:spMkLst>
+        </pc:spChg>
+        <pc:picChg chg="add del mod">
+          <ac:chgData name="Nancy Li" userId="afc5209a-cf39-48d8-a57f-08cc8b772ec9" providerId="ADAL" clId="{7272984E-1584-4374-8B38-3C1D27CF2CE8}" dt="2023-03-08T12:12:00.856" v="1"/>
+          <ac:picMkLst>
+            <pc:docMk/>
+            <pc:sldMk cId="636186760" sldId="263"/>
+            <ac:picMk id="4" creationId="{995E2320-0F26-8E1C-A90A-64317DB196F3}"/>
+          </ac:picMkLst>
+        </pc:picChg>
+        <pc:picChg chg="del">
+          <ac:chgData name="Nancy Li" userId="afc5209a-cf39-48d8-a57f-08cc8b772ec9" providerId="ADAL" clId="{7272984E-1584-4374-8B38-3C1D27CF2CE8}" dt="2023-03-08T12:12:02.501" v="2" actId="478"/>
+          <ac:picMkLst>
+            <pc:docMk/>
+            <pc:sldMk cId="636186760" sldId="263"/>
+            <ac:picMk id="6" creationId="{A48D9DBD-55BE-E0F9-3E14-ED4266B3012C}"/>
+          </ac:picMkLst>
+        </pc:picChg>
+        <pc:picChg chg="add mod">
+          <ac:chgData name="Nancy Li" userId="afc5209a-cf39-48d8-a57f-08cc8b772ec9" providerId="ADAL" clId="{7272984E-1584-4374-8B38-3C1D27CF2CE8}" dt="2023-03-08T12:12:04.617" v="5" actId="962"/>
+          <ac:picMkLst>
+            <pc:docMk/>
+            <pc:sldMk cId="636186760" sldId="263"/>
+            <ac:picMk id="9" creationId="{D189410A-02BD-23D0-6C0E-64F720C7D55C}"/>
+          </ac:picMkLst>
+        </pc:picChg>
+      </pc:sldChg>
+      <pc:sldChg chg="modNotesTx">
+        <pc:chgData name="Nancy Li" userId="afc5209a-cf39-48d8-a57f-08cc8b772ec9" providerId="ADAL" clId="{7272984E-1584-4374-8B38-3C1D27CF2CE8}" dt="2023-03-08T12:40:22.002" v="87" actId="33524"/>
+        <pc:sldMkLst>
+          <pc:docMk/>
+          <pc:sldMk cId="501764007" sldId="264"/>
+        </pc:sldMkLst>
+      </pc:sldChg>
+      <pc:sldChg chg="modSp mod modNotesTx">
+        <pc:chgData name="Nancy Li" userId="afc5209a-cf39-48d8-a57f-08cc8b772ec9" providerId="ADAL" clId="{7272984E-1584-4374-8B38-3C1D27CF2CE8}" dt="2023-03-08T12:29:23.322" v="54"/>
+        <pc:sldMkLst>
+          <pc:docMk/>
+          <pc:sldMk cId="3180066743" sldId="266"/>
+        </pc:sldMkLst>
+        <pc:spChg chg="mod">
+          <ac:chgData name="Nancy Li" userId="afc5209a-cf39-48d8-a57f-08cc8b772ec9" providerId="ADAL" clId="{7272984E-1584-4374-8B38-3C1D27CF2CE8}" dt="2023-03-08T12:27:37.144" v="48" actId="20577"/>
+          <ac:spMkLst>
+            <pc:docMk/>
+            <pc:sldMk cId="3180066743" sldId="266"/>
+            <ac:spMk id="6" creationId="{1911D57A-9510-6DC6-C794-74A5485183FE}"/>
+          </ac:spMkLst>
+        </pc:spChg>
+      </pc:sldChg>
+      <pc:sldChg chg="modNotesTx">
+        <pc:chgData name="Nancy Li" userId="afc5209a-cf39-48d8-a57f-08cc8b772ec9" providerId="ADAL" clId="{7272984E-1584-4374-8B38-3C1D27CF2CE8}" dt="2023-03-08T12:36:47.030" v="65" actId="6549"/>
+        <pc:sldMkLst>
+          <pc:docMk/>
+          <pc:sldMk cId="2428695418" sldId="267"/>
+        </pc:sldMkLst>
+      </pc:sldChg>
+      <pc:sldChg chg="modNotesTx">
+        <pc:chgData name="Nancy Li" userId="afc5209a-cf39-48d8-a57f-08cc8b772ec9" providerId="ADAL" clId="{7272984E-1584-4374-8B38-3C1D27CF2CE8}" dt="2023-03-08T12:37:59.304" v="73" actId="20577"/>
+        <pc:sldMkLst>
+          <pc:docMk/>
+          <pc:sldMk cId="2167652116" sldId="268"/>
+        </pc:sldMkLst>
+      </pc:sldChg>
+    </pc:docChg>
+  </pc:docChgLst>
   <pc:docChgLst>
     <pc:chgData name="Nancy Li" userId="afc5209a-cf39-48d8-a57f-08cc8b772ec9" providerId="ADAL" clId="{039C0BB2-5223-4BF8-91FB-72FD9236C204}"/>
     <pc:docChg chg="undo custSel addSld delSld modSld sldOrd">
@@ -1077,13 +1252,139 @@
           <a:lstStyle/>
           <a:p>
             <a:r>
+              <a:rPr lang="en-US" dirty="0"/>
+              <a:t>The </a:t>
+            </a:r>
+            <a:r>
               <a:rPr lang="en-US" b="1" dirty="0"/>
-              <a:t>Bridge</a:t>
+              <a:t>Client Interface</a:t>
             </a:r>
             <a:r>
               <a:rPr lang="en-US" dirty="0"/>
-              <a:t> is a structural design pattern that lets you split a large class or a set of closely related classes into two separate hierarchies—abstraction and implementation—which can be developed independently of each other.</a:t>
-            </a:r>
+              <a:t> describes a protocol that other classes must follow to be able to collaborate with the client code.</a:t>
+            </a:r>
+          </a:p>
+          <a:p>
+            <a:endParaRPr lang="en-US" dirty="0"/>
+          </a:p>
+          <a:p>
+            <a:r>
+              <a:rPr lang="en-US" dirty="0"/>
+              <a:t>The </a:t>
+            </a:r>
+            <a:r>
+              <a:rPr lang="en-US" b="1" dirty="0"/>
+              <a:t>Service</a:t>
+            </a:r>
+            <a:r>
+              <a:rPr lang="en-US" dirty="0"/>
+              <a:t> is some useful class (usually 3rd-party or legacy). The client can’t use this class directly because it has an incompatible interface.</a:t>
+            </a:r>
+          </a:p>
+          <a:p>
+            <a:endParaRPr lang="en-US" dirty="0"/>
+          </a:p>
+          <a:p>
+            <a:r>
+              <a:rPr lang="en-US" dirty="0"/>
+              <a:t>The </a:t>
+            </a:r>
+            <a:r>
+              <a:rPr lang="en-US" b="1" dirty="0"/>
+              <a:t>Adapter</a:t>
+            </a:r>
+            <a:r>
+              <a:rPr lang="en-US" dirty="0"/>
+              <a:t> is a class that’s able to work with both the client and the service: it implements the client interface, while wrapping the service object. </a:t>
+            </a:r>
+          </a:p>
+          <a:p>
+            <a:r>
+              <a:rPr lang="en-US" dirty="0"/>
+              <a:t>The adapter receives calls from the client via the adapter interface and translates them into calls to the wrapped service object in a format it can understand.</a:t>
+            </a:r>
+          </a:p>
+          <a:p>
+            <a:endParaRPr lang="en-US" dirty="0"/>
+          </a:p>
+          <a:p>
+            <a:pPr marL="0" marR="0" lvl="0" indent="0" algn="l" defTabSz="914400" rtl="0" eaLnBrk="1" fontAlgn="auto" latinLnBrk="0" hangingPunct="1">
+              <a:lnSpc>
+                <a:spcPct val="100000"/>
+              </a:lnSpc>
+              <a:spcBef>
+                <a:spcPts val="0"/>
+              </a:spcBef>
+              <a:spcAft>
+                <a:spcPts val="0"/>
+              </a:spcAft>
+              <a:buClrTx/>
+              <a:buSzTx/>
+              <a:buFontTx/>
+              <a:buNone/>
+              <a:tabLst/>
+              <a:defRPr/>
+            </a:pPr>
+            <a:r>
+              <a:rPr lang="en-US" dirty="0"/>
+              <a:t>Depending on the implementation, it can also be divided into </a:t>
+            </a:r>
+            <a:r>
+              <a:rPr lang="en-US" sz="1200" b="1" dirty="0"/>
+              <a:t>O</a:t>
+            </a:r>
+            <a:r>
+              <a:rPr lang="en-US" altLang="zh-CN" sz="1200" b="1" dirty="0"/>
+              <a:t>bject </a:t>
+            </a:r>
+            <a:r>
+              <a:rPr lang="en-US" sz="1200" b="1" dirty="0"/>
+              <a:t>Adapter </a:t>
+            </a:r>
+            <a:r>
+              <a:rPr lang="en-US" altLang="zh-CN" sz="1200" b="0" dirty="0"/>
+              <a:t>and</a:t>
+            </a:r>
+            <a:r>
+              <a:rPr lang="en-US" altLang="zh-CN" sz="1200" b="1" dirty="0"/>
+              <a:t> </a:t>
+            </a:r>
+            <a:r>
+              <a:rPr lang="en-US" sz="1200" b="1" dirty="0"/>
+              <a:t>C</a:t>
+            </a:r>
+            <a:r>
+              <a:rPr lang="en-US" altLang="zh-CN" sz="1200" b="1" dirty="0"/>
+              <a:t>lass </a:t>
+            </a:r>
+            <a:r>
+              <a:rPr lang="en-US" sz="1200" b="1" dirty="0"/>
+              <a:t>Adapter.</a:t>
+            </a:r>
+            <a:endParaRPr lang="en-US" sz="1200" dirty="0"/>
+          </a:p>
+          <a:p>
+            <a:pPr marL="0" marR="0" lvl="0" indent="0" algn="l" defTabSz="914400" rtl="0" eaLnBrk="1" fontAlgn="auto" latinLnBrk="0" hangingPunct="1">
+              <a:lnSpc>
+                <a:spcPct val="100000"/>
+              </a:lnSpc>
+              <a:spcBef>
+                <a:spcPts val="0"/>
+              </a:spcBef>
+              <a:spcAft>
+                <a:spcPts val="0"/>
+              </a:spcAft>
+              <a:buClrTx/>
+              <a:buSzTx/>
+              <a:buFontTx/>
+              <a:buNone/>
+              <a:tabLst/>
+              <a:defRPr/>
+            </a:pPr>
+            <a:endParaRPr lang="en-US" sz="1200" dirty="0"/>
+          </a:p>
+          <a:p>
+            <a:endParaRPr lang="en-US" dirty="0"/>
           </a:p>
         </p:txBody>
       </p:sp>
@@ -1104,7 +1405,7 @@
           <a:p>
             <a:fld id="{3960260C-8853-4159-8854-5A6834041865}" type="slidenum">
               <a:rPr lang="en-US" smtClean="0"/>
-              <a:t>3</a:t>
+              <a:t>2</a:t>
             </a:fld>
             <a:endParaRPr lang="en-US"/>
           </a:p>
@@ -1113,7 +1414,7 @@
     </p:spTree>
     <p:extLst>
       <p:ext uri="{BB962C8B-B14F-4D97-AF65-F5344CB8AC3E}">
-        <p14:creationId xmlns:p14="http://schemas.microsoft.com/office/powerpoint/2010/main" val="3524886519"/>
+        <p14:creationId xmlns:p14="http://schemas.microsoft.com/office/powerpoint/2010/main" val="288071428"/>
       </p:ext>
     </p:extLst>
   </p:cSld>
@@ -1169,11 +1470,37 @@
           <a:p>
             <a:r>
               <a:rPr lang="en-US" b="1" dirty="0"/>
-              <a:t>Decorator</a:t>
+              <a:t>Bridge</a:t>
             </a:r>
             <a:r>
               <a:rPr lang="en-US" dirty="0"/>
-              <a:t> is a structural design pattern that lets you attach new behaviors to objects by placing these objects inside special wrapper objects that contain the behaviors.</a:t>
+              <a:t> is a structural design pattern that lets you split a large class or a set of closely related classes into two separate hierarchies—abstraction and </a:t>
+            </a:r>
+            <a:r>
+              <a:rPr lang="en-US"/>
+              <a:t>implementation—</a:t>
+            </a:r>
+          </a:p>
+          <a:p>
+            <a:r>
+              <a:rPr lang="en-US"/>
+              <a:t>which </a:t>
+            </a:r>
+            <a:r>
+              <a:rPr lang="en-US" dirty="0"/>
+              <a:t>can be developed independently of each other.</a:t>
+            </a:r>
+          </a:p>
+          <a:p>
+            <a:endParaRPr lang="en-US" dirty="0"/>
+          </a:p>
+          <a:p>
+            <a:endParaRPr lang="en-US" dirty="0"/>
+          </a:p>
+          <a:p>
+            <a:r>
+              <a:rPr lang="en-US" dirty="0"/>
+              <a:t>Different implementations are interchangeable as long as they follow a common interface.</a:t>
             </a:r>
           </a:p>
         </p:txBody>
@@ -1195,7 +1522,7 @@
           <a:p>
             <a:fld id="{3960260C-8853-4159-8854-5A6834041865}" type="slidenum">
               <a:rPr lang="en-US" smtClean="0"/>
-              <a:t>5</a:t>
+              <a:t>3</a:t>
             </a:fld>
             <a:endParaRPr lang="en-US"/>
           </a:p>
@@ -1204,7 +1531,7 @@
     </p:spTree>
     <p:extLst>
       <p:ext uri="{BB962C8B-B14F-4D97-AF65-F5344CB8AC3E}">
-        <p14:creationId xmlns:p14="http://schemas.microsoft.com/office/powerpoint/2010/main" val="1414819557"/>
+        <p14:creationId xmlns:p14="http://schemas.microsoft.com/office/powerpoint/2010/main" val="3524886519"/>
       </p:ext>
     </p:extLst>
   </p:cSld>
@@ -1260,11 +1587,44 @@
           <a:p>
             <a:r>
               <a:rPr lang="en-US" b="1" dirty="0"/>
-              <a:t>Facade</a:t>
+              <a:t>Decorator</a:t>
             </a:r>
             <a:r>
               <a:rPr lang="en-US" dirty="0"/>
-              <a:t> is a structural design pattern that provides a simplified interface to a library, a framework, or any other complex set of classes.</a:t>
+              <a:t> is a structural design pattern that lets you attach new behaviors to objects by placing these objects inside special wrapper objects that contain the behaviors.</a:t>
+            </a:r>
+          </a:p>
+          <a:p>
+            <a:endParaRPr lang="en-US" dirty="0"/>
+          </a:p>
+          <a:p>
+            <a:r>
+              <a:rPr lang="en-US" dirty="0"/>
+              <a:t>Wearing clothes is an example of using decorators. </a:t>
+            </a:r>
+          </a:p>
+          <a:p>
+            <a:r>
+              <a:rPr lang="en-US" dirty="0"/>
+              <a:t>When you’re cold, you wrap yourself in a sweater. </a:t>
+            </a:r>
+          </a:p>
+          <a:p>
+            <a:r>
+              <a:rPr lang="en-US" dirty="0"/>
+              <a:t>If you’re still cold with a sweater, you can wear a jacket on top. </a:t>
+            </a:r>
+          </a:p>
+          <a:p>
+            <a:r>
+              <a:rPr lang="en-US" dirty="0"/>
+              <a:t>If it’s raining, you can put on a raincoat. </a:t>
+            </a:r>
+          </a:p>
+          <a:p>
+            <a:r>
+              <a:rPr lang="en-US" dirty="0"/>
+              <a:t>All these garments “extend” your basic behavior but aren’t part of you, and you can easily take off any piece of clothing whenever you don’t need it.</a:t>
             </a:r>
           </a:p>
         </p:txBody>
@@ -1286,7 +1646,7 @@
           <a:p>
             <a:fld id="{3960260C-8853-4159-8854-5A6834041865}" type="slidenum">
               <a:rPr lang="en-US" smtClean="0"/>
-              <a:t>7</a:t>
+              <a:t>5</a:t>
             </a:fld>
             <a:endParaRPr lang="en-US"/>
           </a:p>
@@ -1295,7 +1655,7 @@
     </p:spTree>
     <p:extLst>
       <p:ext uri="{BB962C8B-B14F-4D97-AF65-F5344CB8AC3E}">
-        <p14:creationId xmlns:p14="http://schemas.microsoft.com/office/powerpoint/2010/main" val="976043851"/>
+        <p14:creationId xmlns:p14="http://schemas.microsoft.com/office/powerpoint/2010/main" val="1414819557"/>
       </p:ext>
     </p:extLst>
   </p:cSld>
@@ -1349,13 +1709,631 @@
           <a:bodyPr/>
           <a:lstStyle/>
           <a:p>
+            <a:pPr marL="0" marR="0" lvl="0" indent="0" algn="l" defTabSz="914400" rtl="0" eaLnBrk="1" fontAlgn="auto" latinLnBrk="0" hangingPunct="1">
+              <a:lnSpc>
+                <a:spcPct val="100000"/>
+              </a:lnSpc>
+              <a:spcBef>
+                <a:spcPts val="0"/>
+              </a:spcBef>
+              <a:spcAft>
+                <a:spcPts val="0"/>
+              </a:spcAft>
+              <a:buClrTx/>
+              <a:buSzTx/>
+              <a:buFontTx/>
+              <a:buNone/>
+              <a:tabLst/>
+              <a:defRPr/>
+            </a:pPr>
+            <a:r>
+              <a:rPr lang="en-US" sz="2800" dirty="0"/>
+              <a:t>The </a:t>
+            </a:r>
+            <a:r>
+              <a:rPr lang="en-US" sz="2800" b="1" dirty="0"/>
+              <a:t>Component</a:t>
+            </a:r>
+            <a:r>
+              <a:rPr lang="en-US" sz="2800" dirty="0"/>
+              <a:t> declares the common interface for both wrappers and wrapped objects.</a:t>
+            </a:r>
+          </a:p>
+          <a:p>
+            <a:pPr marL="0" marR="0" lvl="0" indent="0" algn="l" defTabSz="914400" rtl="0" eaLnBrk="1" fontAlgn="auto" latinLnBrk="0" hangingPunct="1">
+              <a:lnSpc>
+                <a:spcPct val="100000"/>
+              </a:lnSpc>
+              <a:spcBef>
+                <a:spcPts val="0"/>
+              </a:spcBef>
+              <a:spcAft>
+                <a:spcPts val="0"/>
+              </a:spcAft>
+              <a:buClrTx/>
+              <a:buSzTx/>
+              <a:buFontTx/>
+              <a:buNone/>
+              <a:tabLst/>
+              <a:defRPr/>
+            </a:pPr>
+            <a:endParaRPr lang="en-US" sz="1800" b="1" dirty="0"/>
+          </a:p>
+          <a:p>
+            <a:pPr marL="0" marR="0" lvl="0" indent="0" algn="l" defTabSz="914400" rtl="0" eaLnBrk="1" fontAlgn="auto" latinLnBrk="0" hangingPunct="1">
+              <a:lnSpc>
+                <a:spcPct val="100000"/>
+              </a:lnSpc>
+              <a:spcBef>
+                <a:spcPts val="0"/>
+              </a:spcBef>
+              <a:spcAft>
+                <a:spcPts val="0"/>
+              </a:spcAft>
+              <a:buClrTx/>
+              <a:buSzTx/>
+              <a:buFontTx/>
+              <a:buNone/>
+              <a:tabLst/>
+              <a:defRPr/>
+            </a:pPr>
+            <a:r>
+              <a:rPr lang="en-US" sz="1800" b="1" dirty="0"/>
+              <a:t>Concrete Component</a:t>
+            </a:r>
+            <a:r>
+              <a:rPr lang="en-US" sz="1800" dirty="0"/>
+              <a:t> is a class of objects being wrapped. It defines the basic behavior, which can be altered by decorators.</a:t>
+            </a:r>
+          </a:p>
+          <a:p>
+            <a:pPr marL="0" marR="0" lvl="0" indent="0" algn="l" defTabSz="914400" rtl="0" eaLnBrk="1" fontAlgn="auto" latinLnBrk="0" hangingPunct="1">
+              <a:lnSpc>
+                <a:spcPct val="100000"/>
+              </a:lnSpc>
+              <a:spcBef>
+                <a:spcPts val="0"/>
+              </a:spcBef>
+              <a:spcAft>
+                <a:spcPts val="0"/>
+              </a:spcAft>
+              <a:buClrTx/>
+              <a:buSzTx/>
+              <a:buFontTx/>
+              <a:buNone/>
+              <a:tabLst/>
+              <a:defRPr/>
+            </a:pPr>
+            <a:endParaRPr lang="en-US" sz="1800" dirty="0"/>
+          </a:p>
+          <a:p>
+            <a:pPr marL="0" marR="0" lvl="0" indent="0" algn="l" defTabSz="914400" rtl="0" eaLnBrk="1" fontAlgn="auto" latinLnBrk="0" hangingPunct="1">
+              <a:lnSpc>
+                <a:spcPct val="100000"/>
+              </a:lnSpc>
+              <a:spcBef>
+                <a:spcPts val="0"/>
+              </a:spcBef>
+              <a:spcAft>
+                <a:spcPts val="0"/>
+              </a:spcAft>
+              <a:buClrTx/>
+              <a:buSzTx/>
+              <a:buFontTx/>
+              <a:buNone/>
+              <a:tabLst/>
+              <a:defRPr/>
+            </a:pPr>
+            <a:r>
+              <a:rPr lang="en-US" sz="2800" dirty="0"/>
+              <a:t>The </a:t>
+            </a:r>
+            <a:r>
+              <a:rPr lang="en-US" sz="2800" b="1" dirty="0"/>
+              <a:t>Base Decorator</a:t>
+            </a:r>
+            <a:r>
+              <a:rPr lang="en-US" sz="2800" dirty="0"/>
+              <a:t> class has a field for referencing a wrapped object. The field’s type should be declared as the component interface so it can contain both concrete components and decorators. </a:t>
+            </a:r>
+          </a:p>
+          <a:p>
+            <a:pPr marL="0" marR="0" lvl="0" indent="0" algn="l" defTabSz="914400" rtl="0" eaLnBrk="1" fontAlgn="auto" latinLnBrk="0" hangingPunct="1">
+              <a:lnSpc>
+                <a:spcPct val="100000"/>
+              </a:lnSpc>
+              <a:spcBef>
+                <a:spcPts val="0"/>
+              </a:spcBef>
+              <a:spcAft>
+                <a:spcPts val="0"/>
+              </a:spcAft>
+              <a:buClrTx/>
+              <a:buSzTx/>
+              <a:buFontTx/>
+              <a:buNone/>
+              <a:tabLst/>
+              <a:defRPr/>
+            </a:pPr>
+            <a:r>
+              <a:rPr lang="en-US" sz="2800" dirty="0"/>
+              <a:t>The </a:t>
+            </a:r>
+            <a:r>
+              <a:rPr lang="en-US" sz="2800" b="1" dirty="0"/>
+              <a:t>Base Decorator</a:t>
+            </a:r>
+            <a:r>
+              <a:rPr lang="en-US" sz="2800" dirty="0"/>
+              <a:t> delegates all operations to the wrapped object.</a:t>
+            </a:r>
+            <a:endParaRPr lang="en-US" sz="1800" dirty="0"/>
+          </a:p>
+          <a:p>
+            <a:pPr marL="0" marR="0" lvl="0" indent="0" algn="l" defTabSz="914400" rtl="0" eaLnBrk="1" fontAlgn="auto" latinLnBrk="0" hangingPunct="1">
+              <a:lnSpc>
+                <a:spcPct val="100000"/>
+              </a:lnSpc>
+              <a:spcBef>
+                <a:spcPts val="0"/>
+              </a:spcBef>
+              <a:spcAft>
+                <a:spcPts val="0"/>
+              </a:spcAft>
+              <a:buClrTx/>
+              <a:buSzTx/>
+              <a:buFontTx/>
+              <a:buNone/>
+              <a:tabLst/>
+              <a:defRPr/>
+            </a:pPr>
+            <a:endParaRPr lang="en-US" sz="1800" dirty="0"/>
+          </a:p>
+          <a:p>
+            <a:pPr marL="0" marR="0" lvl="0" indent="0" algn="l" defTabSz="914400" rtl="0" eaLnBrk="1" fontAlgn="auto" latinLnBrk="0" hangingPunct="1">
+              <a:lnSpc>
+                <a:spcPct val="100000"/>
+              </a:lnSpc>
+              <a:spcBef>
+                <a:spcPts val="0"/>
+              </a:spcBef>
+              <a:spcAft>
+                <a:spcPts val="0"/>
+              </a:spcAft>
+              <a:buClrTx/>
+              <a:buSzTx/>
+              <a:buFontTx/>
+              <a:buNone/>
+              <a:tabLst/>
+              <a:defRPr/>
+            </a:pPr>
+            <a:r>
+              <a:rPr lang="en-US" sz="1800" b="1" dirty="0"/>
+              <a:t>Concrete Decorators</a:t>
+            </a:r>
+            <a:r>
+              <a:rPr lang="en-US" sz="1800" dirty="0"/>
+              <a:t> define extra behaviors that can be added to components dynamically. </a:t>
+            </a:r>
+          </a:p>
+          <a:p>
+            <a:pPr marL="0" marR="0" lvl="0" indent="0" algn="l" defTabSz="914400" rtl="0" eaLnBrk="1" fontAlgn="auto" latinLnBrk="0" hangingPunct="1">
+              <a:lnSpc>
+                <a:spcPct val="100000"/>
+              </a:lnSpc>
+              <a:spcBef>
+                <a:spcPts val="0"/>
+              </a:spcBef>
+              <a:spcAft>
+                <a:spcPts val="0"/>
+              </a:spcAft>
+              <a:buClrTx/>
+              <a:buSzTx/>
+              <a:buFontTx/>
+              <a:buNone/>
+              <a:tabLst/>
+              <a:defRPr/>
+            </a:pPr>
+            <a:r>
+              <a:rPr lang="en-US" sz="1800" b="1" kern="1200" dirty="0">
+                <a:solidFill>
+                  <a:schemeClr val="tx1"/>
+                </a:solidFill>
+                <a:latin typeface="+mn-lt"/>
+                <a:ea typeface="+mn-ea"/>
+                <a:cs typeface="+mn-cs"/>
+              </a:rPr>
+              <a:t>Concrete </a:t>
+            </a:r>
+            <a:r>
+              <a:rPr lang="en-US" sz="1800" b="1" dirty="0"/>
+              <a:t>Decorators</a:t>
+            </a:r>
+            <a:r>
+              <a:rPr lang="en-US" sz="1800" b="1" kern="1200" dirty="0">
+                <a:solidFill>
+                  <a:schemeClr val="tx1"/>
+                </a:solidFill>
+                <a:latin typeface="+mn-lt"/>
+                <a:ea typeface="+mn-ea"/>
+                <a:cs typeface="+mn-cs"/>
+              </a:rPr>
+              <a:t> </a:t>
+            </a:r>
+            <a:r>
+              <a:rPr lang="en-US" sz="1800" dirty="0"/>
+              <a:t>override methods of the base decorator and execute their behavior either before or after calling the parent method.</a:t>
+            </a:r>
+            <a:endParaRPr lang="en-US" sz="1200" dirty="0">
+              <a:solidFill>
+                <a:srgbClr val="000000"/>
+              </a:solidFill>
+              <a:latin typeface="Cascadia Mono" panose="020B0609020000020004" pitchFamily="49" charset="0"/>
+            </a:endParaRPr>
+          </a:p>
+          <a:p>
+            <a:endParaRPr lang="en-US" sz="1800" dirty="0"/>
+          </a:p>
+        </p:txBody>
+      </p:sp>
+      <p:sp>
+        <p:nvSpPr>
+          <p:cNvPr id="4" name="Slide Number Placeholder 3"/>
+          <p:cNvSpPr>
+            <a:spLocks noGrp="1"/>
+          </p:cNvSpPr>
+          <p:nvPr>
+            <p:ph type="sldNum" sz="quarter" idx="5"/>
+          </p:nvPr>
+        </p:nvSpPr>
+        <p:spPr/>
+        <p:txBody>
+          <a:bodyPr/>
+          <a:lstStyle/>
+          <a:p>
+            <a:fld id="{3960260C-8853-4159-8854-5A6834041865}" type="slidenum">
+              <a:rPr lang="en-US" smtClean="0"/>
+              <a:t>6</a:t>
+            </a:fld>
+            <a:endParaRPr lang="en-US"/>
+          </a:p>
+        </p:txBody>
+      </p:sp>
+    </p:spTree>
+    <p:extLst>
+      <p:ext uri="{BB962C8B-B14F-4D97-AF65-F5344CB8AC3E}">
+        <p14:creationId xmlns:p14="http://schemas.microsoft.com/office/powerpoint/2010/main" val="3032899788"/>
+      </p:ext>
+    </p:extLst>
+  </p:cSld>
+  <p:clrMapOvr>
+    <a:masterClrMapping/>
+  </p:clrMapOvr>
+</p:notes>
+</file>
+
+<file path=ppt/notesSlides/notesSlide6.xml><?xml version="1.0" encoding="utf-8"?>
+<p:notes xmlns:a="http://schemas.openxmlformats.org/drawingml/2006/main" xmlns:r="http://schemas.openxmlformats.org/officeDocument/2006/relationships" xmlns:p="http://schemas.openxmlformats.org/presentationml/2006/main">
+  <p:cSld>
+    <p:spTree>
+      <p:nvGrpSpPr>
+        <p:cNvPr id="1" name=""/>
+        <p:cNvGrpSpPr/>
+        <p:nvPr/>
+      </p:nvGrpSpPr>
+      <p:grpSpPr>
+        <a:xfrm>
+          <a:off x="0" y="0"/>
+          <a:ext cx="0" cy="0"/>
+          <a:chOff x="0" y="0"/>
+          <a:chExt cx="0" cy="0"/>
+        </a:xfrm>
+      </p:grpSpPr>
+      <p:sp>
+        <p:nvSpPr>
+          <p:cNvPr id="2" name="Slide Image Placeholder 1"/>
+          <p:cNvSpPr>
+            <a:spLocks noGrp="1" noRot="1" noChangeAspect="1"/>
+          </p:cNvSpPr>
+          <p:nvPr>
+            <p:ph type="sldImg"/>
+          </p:nvPr>
+        </p:nvSpPr>
+        <p:spPr/>
+      </p:sp>
+      <p:sp>
+        <p:nvSpPr>
+          <p:cNvPr id="3" name="Notes Placeholder 2"/>
+          <p:cNvSpPr>
+            <a:spLocks noGrp="1"/>
+          </p:cNvSpPr>
+          <p:nvPr>
+            <p:ph type="body" idx="1"/>
+          </p:nvPr>
+        </p:nvSpPr>
+        <p:spPr/>
+        <p:txBody>
+          <a:bodyPr/>
+          <a:lstStyle/>
+          <a:p>
+            <a:r>
+              <a:rPr lang="en-US" b="1" dirty="0"/>
+              <a:t>Facade</a:t>
+            </a:r>
+            <a:r>
+              <a:rPr lang="en-US" dirty="0"/>
+              <a:t> is a structural design pattern that provides a simplified interface to a library, a framework, or any other complex set of classes.</a:t>
+            </a:r>
+          </a:p>
+          <a:p>
+            <a:endParaRPr lang="en-US" dirty="0"/>
+          </a:p>
+          <a:p>
+            <a:r>
+              <a:rPr lang="en-US" dirty="0"/>
+              <a:t>Imagine that you must make your code work with a broad set of objects that belong to a sophisticated library or framework. </a:t>
+            </a:r>
+          </a:p>
+          <a:p>
+            <a:r>
+              <a:rPr lang="en-US" dirty="0"/>
+              <a:t>Ordinarily, you’d need to initialize all those objects, keep track of dependencies, execute methods in the correct order, and so on.</a:t>
+            </a:r>
+          </a:p>
+          <a:p>
+            <a:r>
+              <a:rPr lang="en-US" dirty="0"/>
+              <a:t>As a result, the business logic of your classes would become tightly coupled to the implementation details of 3rd-party classes, making it hard to comprehend and maintain.</a:t>
+            </a:r>
+          </a:p>
+          <a:p>
+            <a:endParaRPr lang="en-US" dirty="0"/>
+          </a:p>
+        </p:txBody>
+      </p:sp>
+      <p:sp>
+        <p:nvSpPr>
+          <p:cNvPr id="4" name="Slide Number Placeholder 3"/>
+          <p:cNvSpPr>
+            <a:spLocks noGrp="1"/>
+          </p:cNvSpPr>
+          <p:nvPr>
+            <p:ph type="sldNum" sz="quarter" idx="5"/>
+          </p:nvPr>
+        </p:nvSpPr>
+        <p:spPr/>
+        <p:txBody>
+          <a:bodyPr/>
+          <a:lstStyle/>
+          <a:p>
+            <a:fld id="{3960260C-8853-4159-8854-5A6834041865}" type="slidenum">
+              <a:rPr lang="en-US" smtClean="0"/>
+              <a:t>7</a:t>
+            </a:fld>
+            <a:endParaRPr lang="en-US"/>
+          </a:p>
+        </p:txBody>
+      </p:sp>
+    </p:spTree>
+    <p:extLst>
+      <p:ext uri="{BB962C8B-B14F-4D97-AF65-F5344CB8AC3E}">
+        <p14:creationId xmlns:p14="http://schemas.microsoft.com/office/powerpoint/2010/main" val="976043851"/>
+      </p:ext>
+    </p:extLst>
+  </p:cSld>
+  <p:clrMapOvr>
+    <a:masterClrMapping/>
+  </p:clrMapOvr>
+</p:notes>
+</file>
+
+<file path=ppt/notesSlides/notesSlide7.xml><?xml version="1.0" encoding="utf-8"?>
+<p:notes xmlns:a="http://schemas.openxmlformats.org/drawingml/2006/main" xmlns:r="http://schemas.openxmlformats.org/officeDocument/2006/relationships" xmlns:p="http://schemas.openxmlformats.org/presentationml/2006/main">
+  <p:cSld>
+    <p:spTree>
+      <p:nvGrpSpPr>
+        <p:cNvPr id="1" name=""/>
+        <p:cNvGrpSpPr/>
+        <p:nvPr/>
+      </p:nvGrpSpPr>
+      <p:grpSpPr>
+        <a:xfrm>
+          <a:off x="0" y="0"/>
+          <a:ext cx="0" cy="0"/>
+          <a:chOff x="0" y="0"/>
+          <a:chExt cx="0" cy="0"/>
+        </a:xfrm>
+      </p:grpSpPr>
+      <p:sp>
+        <p:nvSpPr>
+          <p:cNvPr id="2" name="Slide Image Placeholder 1"/>
+          <p:cNvSpPr>
+            <a:spLocks noGrp="1" noRot="1" noChangeAspect="1"/>
+          </p:cNvSpPr>
+          <p:nvPr>
+            <p:ph type="sldImg"/>
+          </p:nvPr>
+        </p:nvSpPr>
+        <p:spPr/>
+      </p:sp>
+      <p:sp>
+        <p:nvSpPr>
+          <p:cNvPr id="3" name="Notes Placeholder 2"/>
+          <p:cNvSpPr>
+            <a:spLocks noGrp="1"/>
+          </p:cNvSpPr>
+          <p:nvPr>
+            <p:ph type="body" idx="1"/>
+          </p:nvPr>
+        </p:nvSpPr>
+        <p:spPr/>
+        <p:txBody>
+          <a:bodyPr/>
+          <a:lstStyle/>
+          <a:p>
+            <a:r>
+              <a:rPr lang="en-US" dirty="0"/>
+              <a:t>The </a:t>
+            </a:r>
+            <a:r>
+              <a:rPr lang="en-US" b="1" dirty="0"/>
+              <a:t>Facade</a:t>
+            </a:r>
+            <a:r>
+              <a:rPr lang="en-US" dirty="0"/>
+              <a:t> provides convenient access to a particular part of the subsystem’s functionality. It knows where to direct the client’s request and how to operate all the moving parts.</a:t>
+            </a:r>
+          </a:p>
+          <a:p>
+            <a:endParaRPr lang="en-US" dirty="0"/>
+          </a:p>
+          <a:p>
+            <a:r>
+              <a:rPr lang="en-US" dirty="0"/>
+              <a:t>The </a:t>
+            </a:r>
+            <a:r>
+              <a:rPr lang="en-US" b="1" dirty="0"/>
+              <a:t>Complex Subsystem</a:t>
+            </a:r>
+            <a:r>
+              <a:rPr lang="en-US" dirty="0"/>
+              <a:t> consists of dozens of various objects. </a:t>
+            </a:r>
+          </a:p>
+          <a:p>
+            <a:r>
+              <a:rPr lang="en-US" dirty="0"/>
+              <a:t>To make them all do something meaningful, you must dive deep into the subsystem’s implementation details, such as initializing objects in the correct order and supplying them with data in the proper format.</a:t>
+            </a:r>
+          </a:p>
+          <a:p>
+            <a:r>
+              <a:rPr lang="en-US" dirty="0"/>
+              <a:t>Subsystem classes aren’t aware of the facade’s existence. They operate within the system and work with each other directly.</a:t>
+            </a:r>
+          </a:p>
+          <a:p>
+            <a:endParaRPr lang="en-US" dirty="0"/>
+          </a:p>
+          <a:p>
+            <a:r>
+              <a:rPr lang="en-US" dirty="0"/>
+              <a:t>An </a:t>
+            </a:r>
+            <a:r>
+              <a:rPr lang="en-US" b="1" dirty="0"/>
+              <a:t>Additional Facade</a:t>
+            </a:r>
+            <a:r>
+              <a:rPr lang="en-US" dirty="0"/>
+              <a:t> class can be created to prevent polluting a single facade with unrelated features that might make it another complex structure. </a:t>
+            </a:r>
+          </a:p>
+          <a:p>
+            <a:r>
+              <a:rPr lang="en-US" dirty="0"/>
+              <a:t>Additional facades can be used by both clients and other facades.</a:t>
+            </a:r>
+          </a:p>
+          <a:p>
+            <a:endParaRPr lang="en-US" dirty="0"/>
+          </a:p>
+        </p:txBody>
+      </p:sp>
+      <p:sp>
+        <p:nvSpPr>
+          <p:cNvPr id="4" name="Slide Number Placeholder 3"/>
+          <p:cNvSpPr>
+            <a:spLocks noGrp="1"/>
+          </p:cNvSpPr>
+          <p:nvPr>
+            <p:ph type="sldNum" sz="quarter" idx="5"/>
+          </p:nvPr>
+        </p:nvSpPr>
+        <p:spPr/>
+        <p:txBody>
+          <a:bodyPr/>
+          <a:lstStyle/>
+          <a:p>
+            <a:fld id="{3960260C-8853-4159-8854-5A6834041865}" type="slidenum">
+              <a:rPr lang="en-US" smtClean="0"/>
+              <a:t>8</a:t>
+            </a:fld>
+            <a:endParaRPr lang="en-US"/>
+          </a:p>
+        </p:txBody>
+      </p:sp>
+    </p:spTree>
+    <p:extLst>
+      <p:ext uri="{BB962C8B-B14F-4D97-AF65-F5344CB8AC3E}">
+        <p14:creationId xmlns:p14="http://schemas.microsoft.com/office/powerpoint/2010/main" val="3520714539"/>
+      </p:ext>
+    </p:extLst>
+  </p:cSld>
+  <p:clrMapOvr>
+    <a:masterClrMapping/>
+  </p:clrMapOvr>
+</p:notes>
+</file>
+
+<file path=ppt/notesSlides/notesSlide8.xml><?xml version="1.0" encoding="utf-8"?>
+<p:notes xmlns:a="http://schemas.openxmlformats.org/drawingml/2006/main" xmlns:r="http://schemas.openxmlformats.org/officeDocument/2006/relationships" xmlns:p="http://schemas.openxmlformats.org/presentationml/2006/main">
+  <p:cSld>
+    <p:spTree>
+      <p:nvGrpSpPr>
+        <p:cNvPr id="1" name=""/>
+        <p:cNvGrpSpPr/>
+        <p:nvPr/>
+      </p:nvGrpSpPr>
+      <p:grpSpPr>
+        <a:xfrm>
+          <a:off x="0" y="0"/>
+          <a:ext cx="0" cy="0"/>
+          <a:chOff x="0" y="0"/>
+          <a:chExt cx="0" cy="0"/>
+        </a:xfrm>
+      </p:grpSpPr>
+      <p:sp>
+        <p:nvSpPr>
+          <p:cNvPr id="2" name="Slide Image Placeholder 1"/>
+          <p:cNvSpPr>
+            <a:spLocks noGrp="1" noRot="1" noChangeAspect="1"/>
+          </p:cNvSpPr>
+          <p:nvPr>
+            <p:ph type="sldImg"/>
+          </p:nvPr>
+        </p:nvSpPr>
+        <p:spPr/>
+      </p:sp>
+      <p:sp>
+        <p:nvSpPr>
+          <p:cNvPr id="3" name="Notes Placeholder 2"/>
+          <p:cNvSpPr>
+            <a:spLocks noGrp="1"/>
+          </p:cNvSpPr>
+          <p:nvPr>
+            <p:ph type="body" idx="1"/>
+          </p:nvPr>
+        </p:nvSpPr>
+        <p:spPr/>
+        <p:txBody>
+          <a:bodyPr/>
+          <a:lstStyle/>
+          <a:p>
             <a:r>
               <a:rPr lang="en-US" b="1" dirty="0"/>
               <a:t>Proxy</a:t>
             </a:r>
             <a:r>
               <a:rPr lang="en-US" dirty="0"/>
-              <a:t> is a structural design pattern that lets you provide a substitute or placeholder for another object. A proxy controls access to the original object, allowing you to perform something either before or after the request gets through to the original object.</a:t>
+              <a:t> is a structural design pattern that lets you provide a substitute or placeholder for another object. </a:t>
+            </a:r>
+          </a:p>
+          <a:p>
+            <a:r>
+              <a:rPr lang="en-US" dirty="0"/>
+              <a:t>A proxy controls access to the original object, allowing you to perform something either before or after the request gets through to the original object.</a:t>
             </a:r>
           </a:p>
         </p:txBody>
@@ -1387,6 +2365,150 @@
     <p:extLst>
       <p:ext uri="{BB962C8B-B14F-4D97-AF65-F5344CB8AC3E}">
         <p14:creationId xmlns:p14="http://schemas.microsoft.com/office/powerpoint/2010/main" val="2830808032"/>
+      </p:ext>
+    </p:extLst>
+  </p:cSld>
+  <p:clrMapOvr>
+    <a:masterClrMapping/>
+  </p:clrMapOvr>
+</p:notes>
+</file>
+
+<file path=ppt/notesSlides/notesSlide9.xml><?xml version="1.0" encoding="utf-8"?>
+<p:notes xmlns:a="http://schemas.openxmlformats.org/drawingml/2006/main" xmlns:r="http://schemas.openxmlformats.org/officeDocument/2006/relationships" xmlns:p="http://schemas.openxmlformats.org/presentationml/2006/main">
+  <p:cSld>
+    <p:spTree>
+      <p:nvGrpSpPr>
+        <p:cNvPr id="1" name=""/>
+        <p:cNvGrpSpPr/>
+        <p:nvPr/>
+      </p:nvGrpSpPr>
+      <p:grpSpPr>
+        <a:xfrm>
+          <a:off x="0" y="0"/>
+          <a:ext cx="0" cy="0"/>
+          <a:chOff x="0" y="0"/>
+          <a:chExt cx="0" cy="0"/>
+        </a:xfrm>
+      </p:grpSpPr>
+      <p:sp>
+        <p:nvSpPr>
+          <p:cNvPr id="2" name="Slide Image Placeholder 1"/>
+          <p:cNvSpPr>
+            <a:spLocks noGrp="1" noRot="1" noChangeAspect="1"/>
+          </p:cNvSpPr>
+          <p:nvPr>
+            <p:ph type="sldImg"/>
+          </p:nvPr>
+        </p:nvSpPr>
+        <p:spPr/>
+      </p:sp>
+      <p:sp>
+        <p:nvSpPr>
+          <p:cNvPr id="3" name="Notes Placeholder 2"/>
+          <p:cNvSpPr>
+            <a:spLocks noGrp="1"/>
+          </p:cNvSpPr>
+          <p:nvPr>
+            <p:ph type="body" idx="1"/>
+          </p:nvPr>
+        </p:nvSpPr>
+        <p:spPr/>
+        <p:txBody>
+          <a:bodyPr/>
+          <a:lstStyle/>
+          <a:p>
+            <a:r>
+              <a:rPr lang="en-US" dirty="0"/>
+              <a:t>The </a:t>
+            </a:r>
+            <a:r>
+              <a:rPr lang="en-US" b="1" dirty="0"/>
+              <a:t>Service Interface</a:t>
+            </a:r>
+            <a:r>
+              <a:rPr lang="en-US" dirty="0"/>
+              <a:t> declares the interface of the Service. The proxy must follow this interface to be able to disguise itself as a service object.</a:t>
+            </a:r>
+          </a:p>
+          <a:p>
+            <a:endParaRPr lang="en-US" dirty="0"/>
+          </a:p>
+          <a:p>
+            <a:r>
+              <a:rPr lang="en-US" dirty="0"/>
+              <a:t>The </a:t>
+            </a:r>
+            <a:r>
+              <a:rPr lang="en-US" b="1" dirty="0"/>
+              <a:t>Service</a:t>
+            </a:r>
+            <a:r>
+              <a:rPr lang="en-US" dirty="0"/>
+              <a:t> is a class that provides some useful business logic.</a:t>
+            </a:r>
+          </a:p>
+          <a:p>
+            <a:endParaRPr lang="en-US" dirty="0"/>
+          </a:p>
+          <a:p>
+            <a:r>
+              <a:rPr lang="en-US" dirty="0"/>
+              <a:t>The </a:t>
+            </a:r>
+            <a:r>
+              <a:rPr lang="en-US" b="1" dirty="0"/>
+              <a:t>Proxy</a:t>
+            </a:r>
+            <a:r>
+              <a:rPr lang="en-US" dirty="0"/>
+              <a:t> class has a reference field that points to a service object. </a:t>
+            </a:r>
+          </a:p>
+          <a:p>
+            <a:r>
+              <a:rPr lang="en-US" dirty="0"/>
+              <a:t>After the proxy finishes its processing (e.g., lazy initialization, logging, access control, caching, etc.), it passes the request to the service object.</a:t>
+            </a:r>
+          </a:p>
+          <a:p>
+            <a:r>
+              <a:rPr lang="en-US" dirty="0"/>
+              <a:t>Usually, proxies manage the full lifecycle of their service objects.</a:t>
+            </a:r>
+          </a:p>
+          <a:p>
+            <a:endParaRPr lang="en-US" dirty="0"/>
+          </a:p>
+        </p:txBody>
+      </p:sp>
+      <p:sp>
+        <p:nvSpPr>
+          <p:cNvPr id="4" name="Slide Number Placeholder 3"/>
+          <p:cNvSpPr>
+            <a:spLocks noGrp="1"/>
+          </p:cNvSpPr>
+          <p:nvPr>
+            <p:ph type="sldNum" sz="quarter" idx="5"/>
+          </p:nvPr>
+        </p:nvSpPr>
+        <p:spPr/>
+        <p:txBody>
+          <a:bodyPr/>
+          <a:lstStyle/>
+          <a:p>
+            <a:fld id="{3960260C-8853-4159-8854-5A6834041865}" type="slidenum">
+              <a:rPr lang="en-US" smtClean="0"/>
+              <a:t>10</a:t>
+            </a:fld>
+            <a:endParaRPr lang="en-US"/>
+          </a:p>
+        </p:txBody>
+      </p:sp>
+    </p:spTree>
+    <p:extLst>
+      <p:ext uri="{BB962C8B-B14F-4D97-AF65-F5344CB8AC3E}">
+        <p14:creationId xmlns:p14="http://schemas.microsoft.com/office/powerpoint/2010/main" val="3283522435"/>
       </p:ext>
     </p:extLst>
   </p:cSld>
@@ -4721,7 +5843,7 @@
           </p:nvPr>
         </p:nvPicPr>
         <p:blipFill>
-          <a:blip r:embed="rId2">
+          <a:blip r:embed="rId3">
             <a:extLst>
               <a:ext uri="{28A0092B-C50C-407E-A947-70E740481C1C}">
                 <a14:useLocalDpi xmlns:a14="http://schemas.microsoft.com/office/drawing/2010/main" val="0"/>
@@ -4899,7 +6021,7 @@
           <p:nvPr/>
         </p:nvPicPr>
         <p:blipFill>
-          <a:blip r:embed="rId2">
+          <a:blip r:embed="rId3">
             <a:extLst>
               <a:ext uri="{28A0092B-C50C-407E-A947-70E740481C1C}">
                 <a14:useLocalDpi xmlns:a14="http://schemas.microsoft.com/office/drawing/2010/main" val="0"/>
@@ -4949,7 +6071,7 @@
           <p:nvPr/>
         </p:nvPicPr>
         <p:blipFill>
-          <a:blip r:embed="rId3">
+          <a:blip r:embed="rId4">
             <a:extLst>
               <a:ext uri="{28A0092B-C50C-407E-A947-70E740481C1C}">
                 <a14:useLocalDpi xmlns:a14="http://schemas.microsoft.com/office/drawing/2010/main" val="0"/>
@@ -5064,7 +6186,7 @@
         <p:spPr>
           <a:xfrm>
             <a:off x="838200" y="365125"/>
-            <a:ext cx="2776728" cy="2341499"/>
+            <a:ext cx="7299960" cy="2341499"/>
           </a:xfrm>
           <a:prstGeom prst="rect">
             <a:avLst/>
@@ -5105,7 +6227,7 @@
                 </a:solidFill>
                 <a:latin typeface="Cascadia Mono" panose="020B0609020000020004" pitchFamily="49" charset="0"/>
               </a:rPr>
-              <a:t>Target</a:t>
+              <a:t>Target (Client Interface)</a:t>
             </a:r>
             <a:br>
               <a:rPr lang="en-US" sz="3400" dirty="0">
@@ -5135,6 +6257,15 @@
                 <a:latin typeface="Cascadia Mono" panose="020B0609020000020004" pitchFamily="49" charset="0"/>
               </a:rPr>
               <a:t>Adaptee</a:t>
+            </a:r>
+            <a:r>
+              <a:rPr lang="en-US" sz="3400" dirty="0">
+                <a:solidFill>
+                  <a:srgbClr val="000000"/>
+                </a:solidFill>
+                <a:latin typeface="Cascadia Mono" panose="020B0609020000020004" pitchFamily="49" charset="0"/>
+              </a:rPr>
+              <a:t> (Service)</a:t>
             </a:r>
             <a:br>
               <a:rPr lang="en-US" sz="3400" dirty="0">
@@ -5293,10 +6424,10 @@
       </p:sp>
       <p:pic>
         <p:nvPicPr>
-          <p:cNvPr id="7" name="Content Placeholder 6" descr="Diagram&#10;&#10;Description automatically generated">
-            <a:extLst>
-              <a:ext uri="{FF2B5EF4-FFF2-40B4-BE49-F238E27FC236}">
-                <a16:creationId xmlns:a16="http://schemas.microsoft.com/office/drawing/2014/main" id="{CD710F0A-1967-D09D-026E-F6864B784BBA}"/>
+          <p:cNvPr id="6" name="Content Placeholder 5" descr="A picture containing text&#10;&#10;Description automatically generated">
+            <a:extLst>
+              <a:ext uri="{FF2B5EF4-FFF2-40B4-BE49-F238E27FC236}">
+                <a16:creationId xmlns:a16="http://schemas.microsoft.com/office/drawing/2014/main" id="{42039D81-CE51-2587-2924-FDE22803ECF8}"/>
               </a:ext>
             </a:extLst>
           </p:cNvPr>
@@ -5321,8 +6452,8 @@
         </p:blipFill>
         <p:spPr>
           <a:xfrm>
-            <a:off x="2614930" y="1825625"/>
-            <a:ext cx="6962140" cy="4351338"/>
+            <a:off x="1744662" y="1790989"/>
+            <a:ext cx="8702676" cy="4351338"/>
           </a:xfrm>
         </p:spPr>
       </p:pic>
@@ -5641,10 +6772,10 @@
       </p:sp>
       <p:pic>
         <p:nvPicPr>
-          <p:cNvPr id="6" name="Content Placeholder 5" descr="Calendar&#10;&#10;Description automatically generated">
-            <a:extLst>
-              <a:ext uri="{FF2B5EF4-FFF2-40B4-BE49-F238E27FC236}">
-                <a16:creationId xmlns:a16="http://schemas.microsoft.com/office/drawing/2014/main" id="{A48D9DBD-55BE-E0F9-3E14-ED4266B3012C}"/>
+          <p:cNvPr id="9" name="Content Placeholder 8" descr="A picture containing text&#10;&#10;Description automatically generated">
+            <a:extLst>
+              <a:ext uri="{FF2B5EF4-FFF2-40B4-BE49-F238E27FC236}">
+                <a16:creationId xmlns:a16="http://schemas.microsoft.com/office/drawing/2014/main" id="{D189410A-02BD-23D0-6C0E-64F720C7D55C}"/>
               </a:ext>
             </a:extLst>
           </p:cNvPr>
@@ -5669,8 +6800,8 @@
         </p:blipFill>
         <p:spPr>
           <a:xfrm>
-            <a:off x="2614930" y="1825625"/>
-            <a:ext cx="6962140" cy="4351338"/>
+            <a:off x="1744662" y="1825625"/>
+            <a:ext cx="8702676" cy="4351338"/>
           </a:xfrm>
         </p:spPr>
       </p:pic>
@@ -5721,7 +6852,7 @@
           </p:nvPr>
         </p:nvPicPr>
         <p:blipFill>
-          <a:blip r:embed="rId2">
+          <a:blip r:embed="rId3">
             <a:extLst>
               <a:ext uri="{28A0092B-C50C-407E-A947-70E740481C1C}">
                 <a14:useLocalDpi xmlns:a14="http://schemas.microsoft.com/office/drawing/2010/main" val="0"/>
@@ -5865,6 +6996,10 @@
               <a:buFont typeface="Arial" panose="020B0604020202020204" pitchFamily="34" charset="0"/>
               <a:buChar char="•"/>
             </a:pPr>
+            <a:r>
+              <a:rPr lang="en-US" sz="3600" b="1" dirty="0"/>
+              <a:t>Base </a:t>
+            </a:r>
             <a:r>
               <a:rPr lang="en-US" sz="3300" dirty="0">
                 <a:solidFill>
@@ -6057,7 +7192,7 @@
           </p:nvPr>
         </p:nvPicPr>
         <p:blipFill>
-          <a:blip r:embed="rId2">
+          <a:blip r:embed="rId3">
             <a:extLst>
               <a:ext uri="{28A0092B-C50C-407E-A947-70E740481C1C}">
                 <a14:useLocalDpi xmlns:a14="http://schemas.microsoft.com/office/drawing/2010/main" val="0"/>

--- a/DesignPatterns/Structural Design Patterns/Structural Design Patterns.pptx
+++ b/DesignPatterns/Structural Design Patterns/Structural Design Patterns.pptx
@@ -5,19 +5,20 @@
     <p:sldMasterId id="2147483648" r:id="rId1"/>
   </p:sldMasterIdLst>
   <p:notesMasterIdLst>
-    <p:notesMasterId r:id="rId12"/>
+    <p:notesMasterId r:id="rId13"/>
   </p:notesMasterIdLst>
   <p:sldIdLst>
-    <p:sldId id="257" r:id="rId2"/>
-    <p:sldId id="258" r:id="rId3"/>
-    <p:sldId id="261" r:id="rId4"/>
-    <p:sldId id="265" r:id="rId5"/>
-    <p:sldId id="263" r:id="rId6"/>
-    <p:sldId id="266" r:id="rId7"/>
-    <p:sldId id="264" r:id="rId8"/>
-    <p:sldId id="267" r:id="rId9"/>
-    <p:sldId id="262" r:id="rId10"/>
-    <p:sldId id="268" r:id="rId11"/>
+    <p:sldId id="269" r:id="rId2"/>
+    <p:sldId id="257" r:id="rId3"/>
+    <p:sldId id="258" r:id="rId4"/>
+    <p:sldId id="264" r:id="rId5"/>
+    <p:sldId id="267" r:id="rId6"/>
+    <p:sldId id="262" r:id="rId7"/>
+    <p:sldId id="268" r:id="rId8"/>
+    <p:sldId id="261" r:id="rId9"/>
+    <p:sldId id="265" r:id="rId10"/>
+    <p:sldId id="263" r:id="rId11"/>
+    <p:sldId id="266" r:id="rId12"/>
   </p:sldIdLst>
   <p:sldSz cx="12192000" cy="6858000"/>
   <p:notesSz cx="6858000" cy="9144000"/>
@@ -127,8 +128,7 @@
 <file path=ppt/revisionInfo.xml><?xml version="1.0" encoding="utf-8"?>
 <p1510:revInfo xmlns:a="http://schemas.openxmlformats.org/drawingml/2006/main" xmlns:r="http://schemas.openxmlformats.org/officeDocument/2006/relationships" xmlns:p1510="http://schemas.microsoft.com/office/powerpoint/2015/10/main">
   <p1510:revLst>
-    <p1510:client id="{039C0BB2-5223-4BF8-91FB-72FD9236C204}" v="32" dt="2023-03-08T11:43:04.978"/>
-    <p1510:client id="{7272984E-1584-4374-8B38-3C1D27CF2CE8}" v="10" dt="2023-03-08T12:49:17.610"/>
+    <p1510:client id="{7272984E-1584-4374-8B38-3C1D27CF2CE8}" v="46" dt="2023-03-18T10:09:21.939"/>
   </p1510:revLst>
 </p1510:revInfo>
 </file>
@@ -137,13 +137,13 @@
 <pc:chgInfo xmlns:a="http://schemas.openxmlformats.org/drawingml/2006/main" xmlns:r="http://schemas.openxmlformats.org/officeDocument/2006/relationships" xmlns:ac="http://schemas.microsoft.com/office/drawing/2013/main/command" xmlns:pc="http://schemas.microsoft.com/office/powerpoint/2013/main/command">
   <pc:docChgLst>
     <pc:chgData name="Nancy Li" userId="afc5209a-cf39-48d8-a57f-08cc8b772ec9" providerId="ADAL" clId="{7272984E-1584-4374-8B38-3C1D27CF2CE8}"/>
-    <pc:docChg chg="undo custSel modSld">
-      <pc:chgData name="Nancy Li" userId="afc5209a-cf39-48d8-a57f-08cc8b772ec9" providerId="ADAL" clId="{7272984E-1584-4374-8B38-3C1D27CF2CE8}" dt="2023-03-08T12:51:11.052" v="158" actId="20577"/>
+    <pc:docChg chg="undo redo custSel addSld modSld sldOrd">
+      <pc:chgData name="Nancy Li" userId="afc5209a-cf39-48d8-a57f-08cc8b772ec9" providerId="ADAL" clId="{7272984E-1584-4374-8B38-3C1D27CF2CE8}" dt="2023-03-18T10:12:41.286" v="347" actId="20577"/>
       <pc:docMkLst>
         <pc:docMk/>
       </pc:docMkLst>
       <pc:sldChg chg="modSp mod modNotesTx">
-        <pc:chgData name="Nancy Li" userId="afc5209a-cf39-48d8-a57f-08cc8b772ec9" providerId="ADAL" clId="{7272984E-1584-4374-8B38-3C1D27CF2CE8}" dt="2023-03-08T12:49:24.475" v="157" actId="20577"/>
+        <pc:chgData name="Nancy Li" userId="afc5209a-cf39-48d8-a57f-08cc8b772ec9" providerId="ADAL" clId="{7272984E-1584-4374-8B38-3C1D27CF2CE8}" dt="2023-03-18T10:09:25.313" v="323"/>
         <pc:sldMkLst>
           <pc:docMk/>
           <pc:sldMk cId="2674015533" sldId="258"/>
@@ -166,11 +166,19 @@
         </pc:spChg>
       </pc:sldChg>
       <pc:sldChg chg="addSp delSp modSp mod modNotesTx">
-        <pc:chgData name="Nancy Li" userId="afc5209a-cf39-48d8-a57f-08cc8b772ec9" providerId="ADAL" clId="{7272984E-1584-4374-8B38-3C1D27CF2CE8}" dt="2023-03-08T12:51:11.052" v="158" actId="20577"/>
+        <pc:chgData name="Nancy Li" userId="afc5209a-cf39-48d8-a57f-08cc8b772ec9" providerId="ADAL" clId="{7272984E-1584-4374-8B38-3C1D27CF2CE8}" dt="2023-03-18T10:12:37.264" v="345" actId="20577"/>
         <pc:sldMkLst>
           <pc:docMk/>
           <pc:sldMk cId="2255792575" sldId="261"/>
         </pc:sldMkLst>
+        <pc:spChg chg="mod">
+          <ac:chgData name="Nancy Li" userId="afc5209a-cf39-48d8-a57f-08cc8b772ec9" providerId="ADAL" clId="{7272984E-1584-4374-8B38-3C1D27CF2CE8}" dt="2023-03-18T10:12:37.264" v="345" actId="20577"/>
+          <ac:spMkLst>
+            <pc:docMk/>
+            <pc:sldMk cId="2255792575" sldId="261"/>
+            <ac:spMk id="2" creationId="{8DE78398-2207-9753-79EF-15D1EC6C1D98}"/>
+          </ac:spMkLst>
+        </pc:spChg>
         <pc:spChg chg="add del mod">
           <ac:chgData name="Nancy Li" userId="afc5209a-cf39-48d8-a57f-08cc8b772ec9" providerId="ADAL" clId="{7272984E-1584-4374-8B38-3C1D27CF2CE8}" dt="2023-03-08T12:12:38.416" v="7"/>
           <ac:spMkLst>
@@ -196,12 +204,20 @@
           </ac:picMkLst>
         </pc:picChg>
       </pc:sldChg>
-      <pc:sldChg chg="addSp delSp modSp mod modNotesTx">
-        <pc:chgData name="Nancy Li" userId="afc5209a-cf39-48d8-a57f-08cc8b772ec9" providerId="ADAL" clId="{7272984E-1584-4374-8B38-3C1D27CF2CE8}" dt="2023-03-08T12:38:27.772" v="74" actId="20577"/>
+      <pc:sldChg chg="addSp delSp modSp mod ord modNotesTx">
+        <pc:chgData name="Nancy Li" userId="afc5209a-cf39-48d8-a57f-08cc8b772ec9" providerId="ADAL" clId="{7272984E-1584-4374-8B38-3C1D27CF2CE8}" dt="2023-03-18T10:12:27.847" v="341" actId="20577"/>
         <pc:sldMkLst>
           <pc:docMk/>
           <pc:sldMk cId="642753227" sldId="262"/>
         </pc:sldMkLst>
+        <pc:spChg chg="mod">
+          <ac:chgData name="Nancy Li" userId="afc5209a-cf39-48d8-a57f-08cc8b772ec9" providerId="ADAL" clId="{7272984E-1584-4374-8B38-3C1D27CF2CE8}" dt="2023-03-18T10:12:27.847" v="341" actId="20577"/>
+          <ac:spMkLst>
+            <pc:docMk/>
+            <pc:sldMk cId="642753227" sldId="262"/>
+            <ac:spMk id="2" creationId="{8DE78398-2207-9753-79EF-15D1EC6C1D98}"/>
+          </ac:spMkLst>
+        </pc:spChg>
         <pc:spChg chg="add del mod">
           <ac:chgData name="Nancy Li" userId="afc5209a-cf39-48d8-a57f-08cc8b772ec9" providerId="ADAL" clId="{7272984E-1584-4374-8B38-3C1D27CF2CE8}" dt="2023-03-08T12:22:35.064" v="17" actId="478"/>
           <ac:spMkLst>
@@ -228,11 +244,19 @@
         </pc:picChg>
       </pc:sldChg>
       <pc:sldChg chg="addSp delSp modSp mod modNotesTx">
-        <pc:chgData name="Nancy Li" userId="afc5209a-cf39-48d8-a57f-08cc8b772ec9" providerId="ADAL" clId="{7272984E-1584-4374-8B38-3C1D27CF2CE8}" dt="2023-03-08T12:39:30.451" v="82" actId="20577"/>
+        <pc:chgData name="Nancy Li" userId="afc5209a-cf39-48d8-a57f-08cc8b772ec9" providerId="ADAL" clId="{7272984E-1584-4374-8B38-3C1D27CF2CE8}" dt="2023-03-18T10:12:41.286" v="347" actId="20577"/>
         <pc:sldMkLst>
           <pc:docMk/>
           <pc:sldMk cId="636186760" sldId="263"/>
         </pc:sldMkLst>
+        <pc:spChg chg="mod">
+          <ac:chgData name="Nancy Li" userId="afc5209a-cf39-48d8-a57f-08cc8b772ec9" providerId="ADAL" clId="{7272984E-1584-4374-8B38-3C1D27CF2CE8}" dt="2023-03-18T10:12:41.286" v="347" actId="20577"/>
+          <ac:spMkLst>
+            <pc:docMk/>
+            <pc:sldMk cId="636186760" sldId="263"/>
+            <ac:spMk id="2" creationId="{8DE78398-2207-9753-79EF-15D1EC6C1D98}"/>
+          </ac:spMkLst>
+        </pc:spChg>
         <pc:spChg chg="add del mod">
           <ac:chgData name="Nancy Li" userId="afc5209a-cf39-48d8-a57f-08cc8b772ec9" providerId="ADAL" clId="{7272984E-1584-4374-8B38-3C1D27CF2CE8}" dt="2023-03-08T12:12:03.749" v="3"/>
           <ac:spMkLst>
@@ -266,12 +290,20 @@
           </ac:picMkLst>
         </pc:picChg>
       </pc:sldChg>
-      <pc:sldChg chg="modNotesTx">
-        <pc:chgData name="Nancy Li" userId="afc5209a-cf39-48d8-a57f-08cc8b772ec9" providerId="ADAL" clId="{7272984E-1584-4374-8B38-3C1D27CF2CE8}" dt="2023-03-08T12:40:22.002" v="87" actId="33524"/>
+      <pc:sldChg chg="modSp mod ord modNotesTx">
+        <pc:chgData name="Nancy Li" userId="afc5209a-cf39-48d8-a57f-08cc8b772ec9" providerId="ADAL" clId="{7272984E-1584-4374-8B38-3C1D27CF2CE8}" dt="2023-03-18T10:12:22.046" v="337" actId="20577"/>
         <pc:sldMkLst>
           <pc:docMk/>
           <pc:sldMk cId="501764007" sldId="264"/>
         </pc:sldMkLst>
+        <pc:spChg chg="mod">
+          <ac:chgData name="Nancy Li" userId="afc5209a-cf39-48d8-a57f-08cc8b772ec9" providerId="ADAL" clId="{7272984E-1584-4374-8B38-3C1D27CF2CE8}" dt="2023-03-18T10:12:22.046" v="337" actId="20577"/>
+          <ac:spMkLst>
+            <pc:docMk/>
+            <pc:sldMk cId="501764007" sldId="264"/>
+            <ac:spMk id="2" creationId="{8DE78398-2207-9753-79EF-15D1EC6C1D98}"/>
+          </ac:spMkLst>
+        </pc:spChg>
       </pc:sldChg>
       <pc:sldChg chg="modSp mod modNotesTx">
         <pc:chgData name="Nancy Li" userId="afc5209a-cf39-48d8-a57f-08cc8b772ec9" providerId="ADAL" clId="{7272984E-1584-4374-8B38-3C1D27CF2CE8}" dt="2023-03-08T12:29:23.322" v="54"/>
@@ -288,19 +320,1178 @@
           </ac:spMkLst>
         </pc:spChg>
       </pc:sldChg>
-      <pc:sldChg chg="modNotesTx">
-        <pc:chgData name="Nancy Li" userId="afc5209a-cf39-48d8-a57f-08cc8b772ec9" providerId="ADAL" clId="{7272984E-1584-4374-8B38-3C1D27CF2CE8}" dt="2023-03-08T12:36:47.030" v="65" actId="6549"/>
+      <pc:sldChg chg="ord modNotesTx">
+        <pc:chgData name="Nancy Li" userId="afc5209a-cf39-48d8-a57f-08cc8b772ec9" providerId="ADAL" clId="{7272984E-1584-4374-8B38-3C1D27CF2CE8}" dt="2023-03-18T10:11:33.169" v="329"/>
         <pc:sldMkLst>
           <pc:docMk/>
           <pc:sldMk cId="2428695418" sldId="267"/>
         </pc:sldMkLst>
       </pc:sldChg>
-      <pc:sldChg chg="modNotesTx">
-        <pc:chgData name="Nancy Li" userId="afc5209a-cf39-48d8-a57f-08cc8b772ec9" providerId="ADAL" clId="{7272984E-1584-4374-8B38-3C1D27CF2CE8}" dt="2023-03-08T12:37:59.304" v="73" actId="20577"/>
+      <pc:sldChg chg="ord modNotesTx">
+        <pc:chgData name="Nancy Li" userId="afc5209a-cf39-48d8-a57f-08cc8b772ec9" providerId="ADAL" clId="{7272984E-1584-4374-8B38-3C1D27CF2CE8}" dt="2023-03-18T10:11:41.417" v="333"/>
         <pc:sldMkLst>
           <pc:docMk/>
           <pc:sldMk cId="2167652116" sldId="268"/>
         </pc:sldMkLst>
+      </pc:sldChg>
+      <pc:sldChg chg="addSp delSp modSp new mod ord setBg setClrOvrMap">
+        <pc:chgData name="Nancy Li" userId="afc5209a-cf39-48d8-a57f-08cc8b772ec9" providerId="ADAL" clId="{7272984E-1584-4374-8B38-3C1D27CF2CE8}" dt="2023-03-18T10:07:10.968" v="321" actId="1076"/>
+        <pc:sldMkLst>
+          <pc:docMk/>
+          <pc:sldMk cId="3779576144" sldId="269"/>
+        </pc:sldMkLst>
+        <pc:spChg chg="add del mod">
+          <ac:chgData name="Nancy Li" userId="afc5209a-cf39-48d8-a57f-08cc8b772ec9" providerId="ADAL" clId="{7272984E-1584-4374-8B38-3C1D27CF2CE8}" dt="2023-03-18T10:05:48.983" v="313" actId="26606"/>
+          <ac:spMkLst>
+            <pc:docMk/>
+            <pc:sldMk cId="3779576144" sldId="269"/>
+            <ac:spMk id="2" creationId="{1ECEEA58-2936-A969-9C58-D03DBA4B24F5}"/>
+          </ac:spMkLst>
+        </pc:spChg>
+        <pc:spChg chg="add del mod">
+          <ac:chgData name="Nancy Li" userId="afc5209a-cf39-48d8-a57f-08cc8b772ec9" providerId="ADAL" clId="{7272984E-1584-4374-8B38-3C1D27CF2CE8}" dt="2023-03-18T10:05:00.425" v="308" actId="478"/>
+          <ac:spMkLst>
+            <pc:docMk/>
+            <pc:sldMk cId="3779576144" sldId="269"/>
+            <ac:spMk id="3" creationId="{4D573CD2-002D-ABA4-B7DD-50A25C60A780}"/>
+          </ac:spMkLst>
+        </pc:spChg>
+        <pc:spChg chg="add del mod">
+          <ac:chgData name="Nancy Li" userId="afc5209a-cf39-48d8-a57f-08cc8b772ec9" providerId="ADAL" clId="{7272984E-1584-4374-8B38-3C1D27CF2CE8}" dt="2023-03-18T10:01:24.331" v="193" actId="478"/>
+          <ac:spMkLst>
+            <pc:docMk/>
+            <pc:sldMk cId="3779576144" sldId="269"/>
+            <ac:spMk id="6" creationId="{B42663C9-49DB-9E54-808B-8A8C985AB714}"/>
+          </ac:spMkLst>
+        </pc:spChg>
+        <pc:spChg chg="add del">
+          <ac:chgData name="Nancy Li" userId="afc5209a-cf39-48d8-a57f-08cc8b772ec9" providerId="ADAL" clId="{7272984E-1584-4374-8B38-3C1D27CF2CE8}" dt="2023-03-18T09:57:58.808" v="170" actId="26606"/>
+          <ac:spMkLst>
+            <pc:docMk/>
+            <pc:sldMk cId="3779576144" sldId="269"/>
+            <ac:spMk id="8" creationId="{A7AE9375-4664-4DB2-922D-2782A6E439AC}"/>
+          </ac:spMkLst>
+        </pc:spChg>
+        <pc:spChg chg="add del mod">
+          <ac:chgData name="Nancy Li" userId="afc5209a-cf39-48d8-a57f-08cc8b772ec9" providerId="ADAL" clId="{7272984E-1584-4374-8B38-3C1D27CF2CE8}" dt="2023-03-18T10:01:24.080" v="192" actId="478"/>
+          <ac:spMkLst>
+            <pc:docMk/>
+            <pc:sldMk cId="3779576144" sldId="269"/>
+            <ac:spMk id="9" creationId="{F13ACC57-1B13-FE4D-57AC-B8D4C0C2FB43}"/>
+          </ac:spMkLst>
+        </pc:spChg>
+        <pc:spChg chg="add del">
+          <ac:chgData name="Nancy Li" userId="afc5209a-cf39-48d8-a57f-08cc8b772ec9" providerId="ADAL" clId="{7272984E-1584-4374-8B38-3C1D27CF2CE8}" dt="2023-03-18T09:57:58.808" v="170" actId="26606"/>
+          <ac:spMkLst>
+            <pc:docMk/>
+            <pc:sldMk cId="3779576144" sldId="269"/>
+            <ac:spMk id="12" creationId="{9DD005C1-8C51-42D6-9BEE-B9B83849743D}"/>
+          </ac:spMkLst>
+        </pc:spChg>
+        <pc:spChg chg="add del">
+          <ac:chgData name="Nancy Li" userId="afc5209a-cf39-48d8-a57f-08cc8b772ec9" providerId="ADAL" clId="{7272984E-1584-4374-8B38-3C1D27CF2CE8}" dt="2023-03-18T10:01:25.986" v="195" actId="26606"/>
+          <ac:spMkLst>
+            <pc:docMk/>
+            <pc:sldMk cId="3779576144" sldId="269"/>
+            <ac:spMk id="17" creationId="{FA3C7DEA-BCC2-4295-8850-147993296189}"/>
+          </ac:spMkLst>
+        </pc:spChg>
+        <pc:spChg chg="add del">
+          <ac:chgData name="Nancy Li" userId="afc5209a-cf39-48d8-a57f-08cc8b772ec9" providerId="ADAL" clId="{7272984E-1584-4374-8B38-3C1D27CF2CE8}" dt="2023-03-18T10:01:25.986" v="195" actId="26606"/>
+          <ac:spMkLst>
+            <pc:docMk/>
+            <pc:sldMk cId="3779576144" sldId="269"/>
+            <ac:spMk id="18" creationId="{C289949D-B9F6-468A-86FE-2694DC5AE773}"/>
+          </ac:spMkLst>
+        </pc:spChg>
+        <pc:spChg chg="add del mod">
+          <ac:chgData name="Nancy Li" userId="afc5209a-cf39-48d8-a57f-08cc8b772ec9" providerId="ADAL" clId="{7272984E-1584-4374-8B38-3C1D27CF2CE8}" dt="2023-03-18T10:05:01.240" v="309" actId="478"/>
+          <ac:spMkLst>
+            <pc:docMk/>
+            <pc:sldMk cId="3779576144" sldId="269"/>
+            <ac:spMk id="21" creationId="{C0FF5228-4339-2B35-195F-B8570CEDD09C}"/>
+          </ac:spMkLst>
+        </pc:spChg>
+        <pc:spChg chg="add del">
+          <ac:chgData name="Nancy Li" userId="afc5209a-cf39-48d8-a57f-08cc8b772ec9" providerId="ADAL" clId="{7272984E-1584-4374-8B38-3C1D27CF2CE8}" dt="2023-03-18T10:02:24.407" v="209" actId="26606"/>
+          <ac:spMkLst>
+            <pc:docMk/>
+            <pc:sldMk cId="3779576144" sldId="269"/>
+            <ac:spMk id="24" creationId="{9228552E-C8B1-4A80-8448-0787CE0FC704}"/>
+          </ac:spMkLst>
+        </pc:spChg>
+        <pc:spChg chg="add del">
+          <ac:chgData name="Nancy Li" userId="afc5209a-cf39-48d8-a57f-08cc8b772ec9" providerId="ADAL" clId="{7272984E-1584-4374-8B38-3C1D27CF2CE8}" dt="2023-03-18T10:02:58.155" v="235" actId="26606"/>
+          <ac:spMkLst>
+            <pc:docMk/>
+            <pc:sldMk cId="3779576144" sldId="269"/>
+            <ac:spMk id="25" creationId="{CB6E2F43-29E9-49D9-91FC-E5FEFAAA70DE}"/>
+          </ac:spMkLst>
+        </pc:spChg>
+        <pc:spChg chg="add del">
+          <ac:chgData name="Nancy Li" userId="afc5209a-cf39-48d8-a57f-08cc8b772ec9" providerId="ADAL" clId="{7272984E-1584-4374-8B38-3C1D27CF2CE8}" dt="2023-03-18T10:02:25.301" v="211" actId="26606"/>
+          <ac:spMkLst>
+            <pc:docMk/>
+            <pc:sldMk cId="3779576144" sldId="269"/>
+            <ac:spMk id="26" creationId="{B50AB553-2A96-4A92-96F2-93548E096954}"/>
+          </ac:spMkLst>
+        </pc:spChg>
+        <pc:spChg chg="add del">
+          <ac:chgData name="Nancy Li" userId="afc5209a-cf39-48d8-a57f-08cc8b772ec9" providerId="ADAL" clId="{7272984E-1584-4374-8B38-3C1D27CF2CE8}" dt="2023-03-18T10:02:13.223" v="203" actId="26606"/>
+          <ac:spMkLst>
+            <pc:docMk/>
+            <pc:sldMk cId="3779576144" sldId="269"/>
+            <ac:spMk id="27" creationId="{955A2079-FA98-4876-80F0-72364A7D2EA4}"/>
+          </ac:spMkLst>
+        </pc:spChg>
+        <pc:spChg chg="add del">
+          <ac:chgData name="Nancy Li" userId="afc5209a-cf39-48d8-a57f-08cc8b772ec9" providerId="ADAL" clId="{7272984E-1584-4374-8B38-3C1D27CF2CE8}" dt="2023-03-18T10:02:26.951" v="213" actId="26606"/>
+          <ac:spMkLst>
+            <pc:docMk/>
+            <pc:sldMk cId="3779576144" sldId="269"/>
+            <ac:spMk id="28" creationId="{E02239D2-A05D-4A1C-9F06-FBA7FC730E1B}"/>
+          </ac:spMkLst>
+        </pc:spChg>
+        <pc:spChg chg="add del">
+          <ac:chgData name="Nancy Li" userId="afc5209a-cf39-48d8-a57f-08cc8b772ec9" providerId="ADAL" clId="{7272984E-1584-4374-8B38-3C1D27CF2CE8}" dt="2023-03-18T10:02:18.205" v="205" actId="26606"/>
+          <ac:spMkLst>
+            <pc:docMk/>
+            <pc:sldMk cId="3779576144" sldId="269"/>
+            <ac:spMk id="29" creationId="{6C4028FD-8BAA-4A19-BFDE-594D991B7552}"/>
+          </ac:spMkLst>
+        </pc:spChg>
+        <pc:spChg chg="add del">
+          <ac:chgData name="Nancy Li" userId="afc5209a-cf39-48d8-a57f-08cc8b772ec9" providerId="ADAL" clId="{7272984E-1584-4374-8B38-3C1D27CF2CE8}" dt="2023-03-18T10:02:58.155" v="235" actId="26606"/>
+          <ac:spMkLst>
+            <pc:docMk/>
+            <pc:sldMk cId="3779576144" sldId="269"/>
+            <ac:spMk id="30" creationId="{3BA62E19-CD42-4C09-B825-844B4943D49D}"/>
+          </ac:spMkLst>
+        </pc:spChg>
+        <pc:spChg chg="add del">
+          <ac:chgData name="Nancy Li" userId="afc5209a-cf39-48d8-a57f-08cc8b772ec9" providerId="ADAL" clId="{7272984E-1584-4374-8B38-3C1D27CF2CE8}" dt="2023-03-18T10:02:37.934" v="219" actId="26606"/>
+          <ac:spMkLst>
+            <pc:docMk/>
+            <pc:sldMk cId="3779576144" sldId="269"/>
+            <ac:spMk id="31" creationId="{BB48116A-278A-4CC5-89D3-9DE8E8FF1245}"/>
+          </ac:spMkLst>
+        </pc:spChg>
+        <pc:spChg chg="add del">
+          <ac:chgData name="Nancy Li" userId="afc5209a-cf39-48d8-a57f-08cc8b772ec9" providerId="ADAL" clId="{7272984E-1584-4374-8B38-3C1D27CF2CE8}" dt="2023-03-18T10:02:58.155" v="235" actId="26606"/>
+          <ac:spMkLst>
+            <pc:docMk/>
+            <pc:sldMk cId="3779576144" sldId="269"/>
+            <ac:spMk id="32" creationId="{8E63CC27-1C86-4653-8866-79C24C5C51FB}"/>
+          </ac:spMkLst>
+        </pc:spChg>
+        <pc:spChg chg="add del">
+          <ac:chgData name="Nancy Li" userId="afc5209a-cf39-48d8-a57f-08cc8b772ec9" providerId="ADAL" clId="{7272984E-1584-4374-8B38-3C1D27CF2CE8}" dt="2023-03-18T10:03:10.976" v="243" actId="26606"/>
+          <ac:spMkLst>
+            <pc:docMk/>
+            <pc:sldMk cId="3779576144" sldId="269"/>
+            <ac:spMk id="33" creationId="{5A55FBCD-CD42-40F5-8A1B-3203F9CAEEAA}"/>
+          </ac:spMkLst>
+        </pc:spChg>
+        <pc:spChg chg="add del">
+          <ac:chgData name="Nancy Li" userId="afc5209a-cf39-48d8-a57f-08cc8b772ec9" providerId="ADAL" clId="{7272984E-1584-4374-8B38-3C1D27CF2CE8}" dt="2023-03-18T10:02:29.277" v="215" actId="26606"/>
+          <ac:spMkLst>
+            <pc:docMk/>
+            <pc:sldMk cId="3779576144" sldId="269"/>
+            <ac:spMk id="34" creationId="{C2B4C0C7-2745-46BE-B15F-E50582545365}"/>
+          </ac:spMkLst>
+        </pc:spChg>
+        <pc:spChg chg="add del">
+          <ac:chgData name="Nancy Li" userId="afc5209a-cf39-48d8-a57f-08cc8b772ec9" providerId="ADAL" clId="{7272984E-1584-4374-8B38-3C1D27CF2CE8}" dt="2023-03-18T10:03:00.236" v="237" actId="26606"/>
+          <ac:spMkLst>
+            <pc:docMk/>
+            <pc:sldMk cId="3779576144" sldId="269"/>
+            <ac:spMk id="36" creationId="{B47A3059-69F2-4E12-ACD8-A5FE28191966}"/>
+          </ac:spMkLst>
+        </pc:spChg>
+        <pc:spChg chg="add del">
+          <ac:chgData name="Nancy Li" userId="afc5209a-cf39-48d8-a57f-08cc8b772ec9" providerId="ADAL" clId="{7272984E-1584-4374-8B38-3C1D27CF2CE8}" dt="2023-03-18T10:02:37.246" v="217" actId="26606"/>
+          <ac:spMkLst>
+            <pc:docMk/>
+            <pc:sldMk cId="3779576144" sldId="269"/>
+            <ac:spMk id="37" creationId="{2EB492CD-616E-47F8-933B-5E2D952A0593}"/>
+          </ac:spMkLst>
+        </pc:spChg>
+        <pc:spChg chg="add del">
+          <ac:chgData name="Nancy Li" userId="afc5209a-cf39-48d8-a57f-08cc8b772ec9" providerId="ADAL" clId="{7272984E-1584-4374-8B38-3C1D27CF2CE8}" dt="2023-03-18T10:02:37.246" v="217" actId="26606"/>
+          <ac:spMkLst>
+            <pc:docMk/>
+            <pc:sldMk cId="3779576144" sldId="269"/>
+            <ac:spMk id="38" creationId="{59383CF9-23B5-4335-9B21-1791C4CF1C75}"/>
+          </ac:spMkLst>
+        </pc:spChg>
+        <pc:spChg chg="add del">
+          <ac:chgData name="Nancy Li" userId="afc5209a-cf39-48d8-a57f-08cc8b772ec9" providerId="ADAL" clId="{7272984E-1584-4374-8B38-3C1D27CF2CE8}" dt="2023-03-18T10:02:37.246" v="217" actId="26606"/>
+          <ac:spMkLst>
+            <pc:docMk/>
+            <pc:sldMk cId="3779576144" sldId="269"/>
+            <ac:spMk id="39" creationId="{0007FE00-9498-4706-B255-6437B0252C02}"/>
+          </ac:spMkLst>
+        </pc:spChg>
+        <pc:spChg chg="add del">
+          <ac:chgData name="Nancy Li" userId="afc5209a-cf39-48d8-a57f-08cc8b772ec9" providerId="ADAL" clId="{7272984E-1584-4374-8B38-3C1D27CF2CE8}" dt="2023-03-18T10:03:00.236" v="237" actId="26606"/>
+          <ac:spMkLst>
+            <pc:docMk/>
+            <pc:sldMk cId="3779576144" sldId="269"/>
+            <ac:spMk id="40" creationId="{33AE4636-AEEC-45D6-84D4-7AC2DA48ECF8}"/>
+          </ac:spMkLst>
+        </pc:spChg>
+        <pc:spChg chg="add del">
+          <ac:chgData name="Nancy Li" userId="afc5209a-cf39-48d8-a57f-08cc8b772ec9" providerId="ADAL" clId="{7272984E-1584-4374-8B38-3C1D27CF2CE8}" dt="2023-03-18T10:02:37.934" v="219" actId="26606"/>
+          <ac:spMkLst>
+            <pc:docMk/>
+            <pc:sldMk cId="3779576144" sldId="269"/>
+            <ac:spMk id="41" creationId="{DB304A14-32D0-4873-B914-423ED7B8DAFD}"/>
+          </ac:spMkLst>
+        </pc:spChg>
+        <pc:spChg chg="add del">
+          <ac:chgData name="Nancy Li" userId="afc5209a-cf39-48d8-a57f-08cc8b772ec9" providerId="ADAL" clId="{7272984E-1584-4374-8B38-3C1D27CF2CE8}" dt="2023-03-18T10:02:37.934" v="219" actId="26606"/>
+          <ac:spMkLst>
+            <pc:docMk/>
+            <pc:sldMk cId="3779576144" sldId="269"/>
+            <ac:spMk id="42" creationId="{1D460C86-854F-4FB3-ABC2-E823D8FEB9DB}"/>
+          </ac:spMkLst>
+        </pc:spChg>
+        <pc:spChg chg="add del">
+          <ac:chgData name="Nancy Li" userId="afc5209a-cf39-48d8-a57f-08cc8b772ec9" providerId="ADAL" clId="{7272984E-1584-4374-8B38-3C1D27CF2CE8}" dt="2023-03-18T10:03:00.236" v="237" actId="26606"/>
+          <ac:spMkLst>
+            <pc:docMk/>
+            <pc:sldMk cId="3779576144" sldId="269"/>
+            <ac:spMk id="43" creationId="{8D9CE0F4-2EB2-4F1F-8AAC-DB3571D9FE10}"/>
+          </ac:spMkLst>
+        </pc:spChg>
+        <pc:spChg chg="add del">
+          <ac:chgData name="Nancy Li" userId="afc5209a-cf39-48d8-a57f-08cc8b772ec9" providerId="ADAL" clId="{7272984E-1584-4374-8B38-3C1D27CF2CE8}" dt="2023-03-18T10:02:41.258" v="221" actId="26606"/>
+          <ac:spMkLst>
+            <pc:docMk/>
+            <pc:sldMk cId="3779576144" sldId="269"/>
+            <ac:spMk id="44" creationId="{6753252F-4873-4F63-801D-CC719279A7D5}"/>
+          </ac:spMkLst>
+        </pc:spChg>
+        <pc:spChg chg="add del">
+          <ac:chgData name="Nancy Li" userId="afc5209a-cf39-48d8-a57f-08cc8b772ec9" providerId="ADAL" clId="{7272984E-1584-4374-8B38-3C1D27CF2CE8}" dt="2023-03-18T10:02:41.258" v="221" actId="26606"/>
+          <ac:spMkLst>
+            <pc:docMk/>
+            <pc:sldMk cId="3779576144" sldId="269"/>
+            <ac:spMk id="45" creationId="{047C8CCB-F95D-4249-92DD-651249D3535A}"/>
+          </ac:spMkLst>
+        </pc:spChg>
+        <pc:spChg chg="add del">
+          <ac:chgData name="Nancy Li" userId="afc5209a-cf39-48d8-a57f-08cc8b772ec9" providerId="ADAL" clId="{7272984E-1584-4374-8B38-3C1D27CF2CE8}" dt="2023-03-18T10:03:03.909" v="239" actId="26606"/>
+          <ac:spMkLst>
+            <pc:docMk/>
+            <pc:sldMk cId="3779576144" sldId="269"/>
+            <ac:spMk id="46" creationId="{B6FACB3C-9069-4791-BC5C-0DB7CD19B853}"/>
+          </ac:spMkLst>
+        </pc:spChg>
+        <pc:spChg chg="add del">
+          <ac:chgData name="Nancy Li" userId="afc5209a-cf39-48d8-a57f-08cc8b772ec9" providerId="ADAL" clId="{7272984E-1584-4374-8B38-3C1D27CF2CE8}" dt="2023-03-18T10:02:42.447" v="223" actId="26606"/>
+          <ac:spMkLst>
+            <pc:docMk/>
+            <pc:sldMk cId="3779576144" sldId="269"/>
+            <ac:spMk id="47" creationId="{50811073-89F5-46D6-83D8-BA764464977D}"/>
+          </ac:spMkLst>
+        </pc:spChg>
+        <pc:spChg chg="add del">
+          <ac:chgData name="Nancy Li" userId="afc5209a-cf39-48d8-a57f-08cc8b772ec9" providerId="ADAL" clId="{7272984E-1584-4374-8B38-3C1D27CF2CE8}" dt="2023-03-18T10:02:42.447" v="223" actId="26606"/>
+          <ac:spMkLst>
+            <pc:docMk/>
+            <pc:sldMk cId="3779576144" sldId="269"/>
+            <ac:spMk id="48" creationId="{608CD17C-4A7C-477D-A659-BA8A89A78700}"/>
+          </ac:spMkLst>
+        </pc:spChg>
+        <pc:spChg chg="add del">
+          <ac:chgData name="Nancy Li" userId="afc5209a-cf39-48d8-a57f-08cc8b772ec9" providerId="ADAL" clId="{7272984E-1584-4374-8B38-3C1D27CF2CE8}" dt="2023-03-18T10:03:03.909" v="239" actId="26606"/>
+          <ac:spMkLst>
+            <pc:docMk/>
+            <pc:sldMk cId="3779576144" sldId="269"/>
+            <ac:spMk id="49" creationId="{71F2038E-D777-4B76-81DD-DD13EE91B9DD}"/>
+          </ac:spMkLst>
+        </pc:spChg>
+        <pc:spChg chg="add del">
+          <ac:chgData name="Nancy Li" userId="afc5209a-cf39-48d8-a57f-08cc8b772ec9" providerId="ADAL" clId="{7272984E-1584-4374-8B38-3C1D27CF2CE8}" dt="2023-03-18T10:02:46.431" v="225" actId="26606"/>
+          <ac:spMkLst>
+            <pc:docMk/>
+            <pc:sldMk cId="3779576144" sldId="269"/>
+            <ac:spMk id="50" creationId="{4AC6B390-BC59-4F1D-A0EE-D71A92F0A0B2}"/>
+          </ac:spMkLst>
+        </pc:spChg>
+        <pc:spChg chg="add del">
+          <ac:chgData name="Nancy Li" userId="afc5209a-cf39-48d8-a57f-08cc8b772ec9" providerId="ADAL" clId="{7272984E-1584-4374-8B38-3C1D27CF2CE8}" dt="2023-03-18T10:02:46.431" v="225" actId="26606"/>
+          <ac:spMkLst>
+            <pc:docMk/>
+            <pc:sldMk cId="3779576144" sldId="269"/>
+            <ac:spMk id="51" creationId="{B6C60D79-16F1-4C4B-B7E3-7634E7069CDE}"/>
+          </ac:spMkLst>
+        </pc:spChg>
+        <pc:spChg chg="add del">
+          <ac:chgData name="Nancy Li" userId="afc5209a-cf39-48d8-a57f-08cc8b772ec9" providerId="ADAL" clId="{7272984E-1584-4374-8B38-3C1D27CF2CE8}" dt="2023-03-18T10:02:46.431" v="225" actId="26606"/>
+          <ac:spMkLst>
+            <pc:docMk/>
+            <pc:sldMk cId="3779576144" sldId="269"/>
+            <ac:spMk id="52" creationId="{426B127E-6498-4C77-9C9D-4553A5113B80}"/>
+          </ac:spMkLst>
+        </pc:spChg>
+        <pc:spChg chg="add del">
+          <ac:chgData name="Nancy Li" userId="afc5209a-cf39-48d8-a57f-08cc8b772ec9" providerId="ADAL" clId="{7272984E-1584-4374-8B38-3C1D27CF2CE8}" dt="2023-03-18T10:02:47.768" v="227" actId="26606"/>
+          <ac:spMkLst>
+            <pc:docMk/>
+            <pc:sldMk cId="3779576144" sldId="269"/>
+            <ac:spMk id="54" creationId="{50811073-89F5-46D6-83D8-BA764464977D}"/>
+          </ac:spMkLst>
+        </pc:spChg>
+        <pc:spChg chg="add del">
+          <ac:chgData name="Nancy Li" userId="afc5209a-cf39-48d8-a57f-08cc8b772ec9" providerId="ADAL" clId="{7272984E-1584-4374-8B38-3C1D27CF2CE8}" dt="2023-03-18T10:02:47.768" v="227" actId="26606"/>
+          <ac:spMkLst>
+            <pc:docMk/>
+            <pc:sldMk cId="3779576144" sldId="269"/>
+            <ac:spMk id="55" creationId="{608CD17C-4A7C-477D-A659-BA8A89A78700}"/>
+          </ac:spMkLst>
+        </pc:spChg>
+        <pc:spChg chg="add del">
+          <ac:chgData name="Nancy Li" userId="afc5209a-cf39-48d8-a57f-08cc8b772ec9" providerId="ADAL" clId="{7272984E-1584-4374-8B38-3C1D27CF2CE8}" dt="2023-03-18T10:02:49.061" v="229" actId="26606"/>
+          <ac:spMkLst>
+            <pc:docMk/>
+            <pc:sldMk cId="3779576144" sldId="269"/>
+            <ac:spMk id="57" creationId="{D1942232-83D0-49E2-AF9B-1F97E3C1EF8E}"/>
+          </ac:spMkLst>
+        </pc:spChg>
+        <pc:spChg chg="add del">
+          <ac:chgData name="Nancy Li" userId="afc5209a-cf39-48d8-a57f-08cc8b772ec9" providerId="ADAL" clId="{7272984E-1584-4374-8B38-3C1D27CF2CE8}" dt="2023-03-18T10:02:49.061" v="229" actId="26606"/>
+          <ac:spMkLst>
+            <pc:docMk/>
+            <pc:sldMk cId="3779576144" sldId="269"/>
+            <ac:spMk id="58" creationId="{E9E70D72-6E23-4015-A4A6-85C120C19167}"/>
+          </ac:spMkLst>
+        </pc:spChg>
+        <pc:spChg chg="add del">
+          <ac:chgData name="Nancy Li" userId="afc5209a-cf39-48d8-a57f-08cc8b772ec9" providerId="ADAL" clId="{7272984E-1584-4374-8B38-3C1D27CF2CE8}" dt="2023-03-18T10:03:09.302" v="241" actId="26606"/>
+          <ac:spMkLst>
+            <pc:docMk/>
+            <pc:sldMk cId="3779576144" sldId="269"/>
+            <ac:spMk id="63" creationId="{45D37F4E-DDB4-456B-97E0-9937730A039F}"/>
+          </ac:spMkLst>
+        </pc:spChg>
+        <pc:spChg chg="add del">
+          <ac:chgData name="Nancy Li" userId="afc5209a-cf39-48d8-a57f-08cc8b772ec9" providerId="ADAL" clId="{7272984E-1584-4374-8B38-3C1D27CF2CE8}" dt="2023-03-18T10:03:09.302" v="241" actId="26606"/>
+          <ac:spMkLst>
+            <pc:docMk/>
+            <pc:sldMk cId="3779576144" sldId="269"/>
+            <ac:spMk id="64" creationId="{B2DD41CD-8F47-4F56-AD12-4E2FF7696987}"/>
+          </ac:spMkLst>
+        </pc:spChg>
+        <pc:spChg chg="add del">
+          <ac:chgData name="Nancy Li" userId="afc5209a-cf39-48d8-a57f-08cc8b772ec9" providerId="ADAL" clId="{7272984E-1584-4374-8B38-3C1D27CF2CE8}" dt="2023-03-18T10:03:10.976" v="243" actId="26606"/>
+          <ac:spMkLst>
+            <pc:docMk/>
+            <pc:sldMk cId="3779576144" sldId="269"/>
+            <ac:spMk id="66" creationId="{FFB60E8C-7224-44A4-87A0-46A1711DD2ED}"/>
+          </ac:spMkLst>
+        </pc:spChg>
+        <pc:spChg chg="add del">
+          <ac:chgData name="Nancy Li" userId="afc5209a-cf39-48d8-a57f-08cc8b772ec9" providerId="ADAL" clId="{7272984E-1584-4374-8B38-3C1D27CF2CE8}" dt="2023-03-18T10:02:53.021" v="231" actId="26606"/>
+          <ac:spMkLst>
+            <pc:docMk/>
+            <pc:sldMk cId="3779576144" sldId="269"/>
+            <ac:spMk id="67" creationId="{84ECDE7A-6944-466D-8FFE-149A29BA6BAE}"/>
+          </ac:spMkLst>
+        </pc:spChg>
+        <pc:spChg chg="add del">
+          <ac:chgData name="Nancy Li" userId="afc5209a-cf39-48d8-a57f-08cc8b772ec9" providerId="ADAL" clId="{7272984E-1584-4374-8B38-3C1D27CF2CE8}" dt="2023-03-18T10:02:53.021" v="231" actId="26606"/>
+          <ac:spMkLst>
+            <pc:docMk/>
+            <pc:sldMk cId="3779576144" sldId="269"/>
+            <ac:spMk id="68" creationId="{B3420082-9415-44EC-802E-C77D71D59C57}"/>
+          </ac:spMkLst>
+        </pc:spChg>
+        <pc:spChg chg="add del">
+          <ac:chgData name="Nancy Li" userId="afc5209a-cf39-48d8-a57f-08cc8b772ec9" providerId="ADAL" clId="{7272984E-1584-4374-8B38-3C1D27CF2CE8}" dt="2023-03-18T10:02:53.021" v="231" actId="26606"/>
+          <ac:spMkLst>
+            <pc:docMk/>
+            <pc:sldMk cId="3779576144" sldId="269"/>
+            <ac:spMk id="69" creationId="{55A52C45-1FCB-4636-A80F-2849B8226C01}"/>
+          </ac:spMkLst>
+        </pc:spChg>
+        <pc:spChg chg="add del">
+          <ac:chgData name="Nancy Li" userId="afc5209a-cf39-48d8-a57f-08cc8b772ec9" providerId="ADAL" clId="{7272984E-1584-4374-8B38-3C1D27CF2CE8}" dt="2023-03-18T10:02:53.021" v="231" actId="26606"/>
+          <ac:spMkLst>
+            <pc:docMk/>
+            <pc:sldMk cId="3779576144" sldId="269"/>
+            <ac:spMk id="70" creationId="{768EB4DD-3704-43AD-92B3-C4E0C6EA92CB}"/>
+          </ac:spMkLst>
+        </pc:spChg>
+        <pc:spChg chg="add del">
+          <ac:chgData name="Nancy Li" userId="afc5209a-cf39-48d8-a57f-08cc8b772ec9" providerId="ADAL" clId="{7272984E-1584-4374-8B38-3C1D27CF2CE8}" dt="2023-03-18T10:03:10.976" v="243" actId="26606"/>
+          <ac:spMkLst>
+            <pc:docMk/>
+            <pc:sldMk cId="3779576144" sldId="269"/>
+            <ac:spMk id="71" creationId="{5DA32751-37A2-45C0-BE94-63D375E27003}"/>
+          </ac:spMkLst>
+        </pc:spChg>
+        <pc:spChg chg="add del">
+          <ac:chgData name="Nancy Li" userId="afc5209a-cf39-48d8-a57f-08cc8b772ec9" providerId="ADAL" clId="{7272984E-1584-4374-8B38-3C1D27CF2CE8}" dt="2023-03-18T10:03:10.976" v="243" actId="26606"/>
+          <ac:spMkLst>
+            <pc:docMk/>
+            <pc:sldMk cId="3779576144" sldId="269"/>
+            <ac:spMk id="72" creationId="{E659831F-0D9A-4C63-9EBB-8435B85A440F}"/>
+          </ac:spMkLst>
+        </pc:spChg>
+        <pc:spChg chg="add del">
+          <ac:chgData name="Nancy Li" userId="afc5209a-cf39-48d8-a57f-08cc8b772ec9" providerId="ADAL" clId="{7272984E-1584-4374-8B38-3C1D27CF2CE8}" dt="2023-03-18T10:03:11.605" v="245" actId="26606"/>
+          <ac:spMkLst>
+            <pc:docMk/>
+            <pc:sldMk cId="3779576144" sldId="269"/>
+            <ac:spMk id="74" creationId="{17BDD930-0E65-490A-9CE5-554C357C4428}"/>
+          </ac:spMkLst>
+        </pc:spChg>
+        <pc:spChg chg="add del">
+          <ac:chgData name="Nancy Li" userId="afc5209a-cf39-48d8-a57f-08cc8b772ec9" providerId="ADAL" clId="{7272984E-1584-4374-8B38-3C1D27CF2CE8}" dt="2023-03-18T10:03:11.605" v="245" actId="26606"/>
+          <ac:spMkLst>
+            <pc:docMk/>
+            <pc:sldMk cId="3779576144" sldId="269"/>
+            <ac:spMk id="75" creationId="{3A912C67-99A1-4956-8F68-1846C21771E8}"/>
+          </ac:spMkLst>
+        </pc:spChg>
+        <pc:spChg chg="add del">
+          <ac:chgData name="Nancy Li" userId="afc5209a-cf39-48d8-a57f-08cc8b772ec9" providerId="ADAL" clId="{7272984E-1584-4374-8B38-3C1D27CF2CE8}" dt="2023-03-18T10:03:13.038" v="247" actId="26606"/>
+          <ac:spMkLst>
+            <pc:docMk/>
+            <pc:sldMk cId="3779576144" sldId="269"/>
+            <ac:spMk id="87" creationId="{1500B4A4-B1F1-41EA-886A-B8A210DBCA3B}"/>
+          </ac:spMkLst>
+        </pc:spChg>
+        <pc:spChg chg="add del">
+          <ac:chgData name="Nancy Li" userId="afc5209a-cf39-48d8-a57f-08cc8b772ec9" providerId="ADAL" clId="{7272984E-1584-4374-8B38-3C1D27CF2CE8}" dt="2023-03-18T10:03:13.038" v="247" actId="26606"/>
+          <ac:spMkLst>
+            <pc:docMk/>
+            <pc:sldMk cId="3779576144" sldId="269"/>
+            <ac:spMk id="88" creationId="{5E55A99C-0BDC-4DBE-8E40-9FA66F629FA1}"/>
+          </ac:spMkLst>
+        </pc:spChg>
+        <pc:spChg chg="add del">
+          <ac:chgData name="Nancy Li" userId="afc5209a-cf39-48d8-a57f-08cc8b772ec9" providerId="ADAL" clId="{7272984E-1584-4374-8B38-3C1D27CF2CE8}" dt="2023-03-18T10:03:16.924" v="249" actId="26606"/>
+          <ac:spMkLst>
+            <pc:docMk/>
+            <pc:sldMk cId="3779576144" sldId="269"/>
+            <ac:spMk id="90" creationId="{637B2035-1FCB-439A-B421-095E136C7E07}"/>
+          </ac:spMkLst>
+        </pc:spChg>
+        <pc:spChg chg="add del">
+          <ac:chgData name="Nancy Li" userId="afc5209a-cf39-48d8-a57f-08cc8b772ec9" providerId="ADAL" clId="{7272984E-1584-4374-8B38-3C1D27CF2CE8}" dt="2023-03-18T10:03:16.924" v="249" actId="26606"/>
+          <ac:spMkLst>
+            <pc:docMk/>
+            <pc:sldMk cId="3779576144" sldId="269"/>
+            <ac:spMk id="91" creationId="{B39A1F5A-E57E-4178-8F57-A18DC747E5E1}"/>
+          </ac:spMkLst>
+        </pc:spChg>
+        <pc:spChg chg="add del">
+          <ac:chgData name="Nancy Li" userId="afc5209a-cf39-48d8-a57f-08cc8b772ec9" providerId="ADAL" clId="{7272984E-1584-4374-8B38-3C1D27CF2CE8}" dt="2023-03-18T10:03:16.924" v="249" actId="26606"/>
+          <ac:spMkLst>
+            <pc:docMk/>
+            <pc:sldMk cId="3779576144" sldId="269"/>
+            <ac:spMk id="92" creationId="{CF93DC6C-1BFD-4414-BF23-471C8831CA04}"/>
+          </ac:spMkLst>
+        </pc:spChg>
+        <pc:spChg chg="add del">
+          <ac:chgData name="Nancy Li" userId="afc5209a-cf39-48d8-a57f-08cc8b772ec9" providerId="ADAL" clId="{7272984E-1584-4374-8B38-3C1D27CF2CE8}" dt="2023-03-18T10:03:16.924" v="249" actId="26606"/>
+          <ac:spMkLst>
+            <pc:docMk/>
+            <pc:sldMk cId="3779576144" sldId="269"/>
+            <ac:spMk id="93" creationId="{001928A5-13A8-4372-8A77-BCAAE5553E6F}"/>
+          </ac:spMkLst>
+        </pc:spChg>
+        <pc:spChg chg="add del">
+          <ac:chgData name="Nancy Li" userId="afc5209a-cf39-48d8-a57f-08cc8b772ec9" providerId="ADAL" clId="{7272984E-1584-4374-8B38-3C1D27CF2CE8}" dt="2023-03-18T10:03:17.722" v="251" actId="26606"/>
+          <ac:spMkLst>
+            <pc:docMk/>
+            <pc:sldMk cId="3779576144" sldId="269"/>
+            <ac:spMk id="95" creationId="{16DFB507-A35C-45A4-A4B1-88B692EB6BFB}"/>
+          </ac:spMkLst>
+        </pc:spChg>
+        <pc:spChg chg="add del">
+          <ac:chgData name="Nancy Li" userId="afc5209a-cf39-48d8-a57f-08cc8b772ec9" providerId="ADAL" clId="{7272984E-1584-4374-8B38-3C1D27CF2CE8}" dt="2023-03-18T10:03:17.722" v="251" actId="26606"/>
+          <ac:spMkLst>
+            <pc:docMk/>
+            <pc:sldMk cId="3779576144" sldId="269"/>
+            <ac:spMk id="96" creationId="{321407B0-5659-48D2-B8DE-DF83D5749533}"/>
+          </ac:spMkLst>
+        </pc:spChg>
+        <pc:spChg chg="add del">
+          <ac:chgData name="Nancy Li" userId="afc5209a-cf39-48d8-a57f-08cc8b772ec9" providerId="ADAL" clId="{7272984E-1584-4374-8B38-3C1D27CF2CE8}" dt="2023-03-18T10:03:17.722" v="251" actId="26606"/>
+          <ac:spMkLst>
+            <pc:docMk/>
+            <pc:sldMk cId="3779576144" sldId="269"/>
+            <ac:spMk id="97" creationId="{B9D22E60-9194-4252-8812-A1355DB6E613}"/>
+          </ac:spMkLst>
+        </pc:spChg>
+        <pc:spChg chg="add del">
+          <ac:chgData name="Nancy Li" userId="afc5209a-cf39-48d8-a57f-08cc8b772ec9" providerId="ADAL" clId="{7272984E-1584-4374-8B38-3C1D27CF2CE8}" dt="2023-03-18T10:03:22.351" v="253" actId="26606"/>
+          <ac:spMkLst>
+            <pc:docMk/>
+            <pc:sldMk cId="3779576144" sldId="269"/>
+            <ac:spMk id="99" creationId="{637B2035-1FCB-439A-B421-095E136C7E07}"/>
+          </ac:spMkLst>
+        </pc:spChg>
+        <pc:spChg chg="add del">
+          <ac:chgData name="Nancy Li" userId="afc5209a-cf39-48d8-a57f-08cc8b772ec9" providerId="ADAL" clId="{7272984E-1584-4374-8B38-3C1D27CF2CE8}" dt="2023-03-18T10:03:22.351" v="253" actId="26606"/>
+          <ac:spMkLst>
+            <pc:docMk/>
+            <pc:sldMk cId="3779576144" sldId="269"/>
+            <ac:spMk id="100" creationId="{B39A1F5A-E57E-4178-8F57-A18DC747E5E1}"/>
+          </ac:spMkLst>
+        </pc:spChg>
+        <pc:spChg chg="add del">
+          <ac:chgData name="Nancy Li" userId="afc5209a-cf39-48d8-a57f-08cc8b772ec9" providerId="ADAL" clId="{7272984E-1584-4374-8B38-3C1D27CF2CE8}" dt="2023-03-18T10:03:22.351" v="253" actId="26606"/>
+          <ac:spMkLst>
+            <pc:docMk/>
+            <pc:sldMk cId="3779576144" sldId="269"/>
+            <ac:spMk id="101" creationId="{CF93DC6C-1BFD-4414-BF23-471C8831CA04}"/>
+          </ac:spMkLst>
+        </pc:spChg>
+        <pc:spChg chg="add del">
+          <ac:chgData name="Nancy Li" userId="afc5209a-cf39-48d8-a57f-08cc8b772ec9" providerId="ADAL" clId="{7272984E-1584-4374-8B38-3C1D27CF2CE8}" dt="2023-03-18T10:03:22.351" v="253" actId="26606"/>
+          <ac:spMkLst>
+            <pc:docMk/>
+            <pc:sldMk cId="3779576144" sldId="269"/>
+            <ac:spMk id="102" creationId="{001928A5-13A8-4372-8A77-BCAAE5553E6F}"/>
+          </ac:spMkLst>
+        </pc:spChg>
+        <pc:spChg chg="add del">
+          <ac:chgData name="Nancy Li" userId="afc5209a-cf39-48d8-a57f-08cc8b772ec9" providerId="ADAL" clId="{7272984E-1584-4374-8B38-3C1D27CF2CE8}" dt="2023-03-18T10:03:32.620" v="255" actId="26606"/>
+          <ac:spMkLst>
+            <pc:docMk/>
+            <pc:sldMk cId="3779576144" sldId="269"/>
+            <ac:spMk id="104" creationId="{460B0EFB-53ED-4F35-B05D-F658EA021C65}"/>
+          </ac:spMkLst>
+        </pc:spChg>
+        <pc:spChg chg="add del">
+          <ac:chgData name="Nancy Li" userId="afc5209a-cf39-48d8-a57f-08cc8b772ec9" providerId="ADAL" clId="{7272984E-1584-4374-8B38-3C1D27CF2CE8}" dt="2023-03-18T10:03:32.620" v="255" actId="26606"/>
+          <ac:spMkLst>
+            <pc:docMk/>
+            <pc:sldMk cId="3779576144" sldId="269"/>
+            <ac:spMk id="105" creationId="{835EF3DD-7D43-4A27-8967-A92FD8CC9365}"/>
+          </ac:spMkLst>
+        </pc:spChg>
+        <pc:spChg chg="add del">
+          <ac:chgData name="Nancy Li" userId="afc5209a-cf39-48d8-a57f-08cc8b772ec9" providerId="ADAL" clId="{7272984E-1584-4374-8B38-3C1D27CF2CE8}" dt="2023-03-18T10:03:41.918" v="257" actId="26606"/>
+          <ac:spMkLst>
+            <pc:docMk/>
+            <pc:sldMk cId="3779576144" sldId="269"/>
+            <ac:spMk id="107" creationId="{4AC6B390-BC59-4F1D-A0EE-D71A92F0A0B2}"/>
+          </ac:spMkLst>
+        </pc:spChg>
+        <pc:spChg chg="add del">
+          <ac:chgData name="Nancy Li" userId="afc5209a-cf39-48d8-a57f-08cc8b772ec9" providerId="ADAL" clId="{7272984E-1584-4374-8B38-3C1D27CF2CE8}" dt="2023-03-18T10:03:41.918" v="257" actId="26606"/>
+          <ac:spMkLst>
+            <pc:docMk/>
+            <pc:sldMk cId="3779576144" sldId="269"/>
+            <ac:spMk id="108" creationId="{B6C60D79-16F1-4C4B-B7E3-7634E7069CDE}"/>
+          </ac:spMkLst>
+        </pc:spChg>
+        <pc:spChg chg="add del">
+          <ac:chgData name="Nancy Li" userId="afc5209a-cf39-48d8-a57f-08cc8b772ec9" providerId="ADAL" clId="{7272984E-1584-4374-8B38-3C1D27CF2CE8}" dt="2023-03-18T10:03:41.918" v="257" actId="26606"/>
+          <ac:spMkLst>
+            <pc:docMk/>
+            <pc:sldMk cId="3779576144" sldId="269"/>
+            <ac:spMk id="109" creationId="{426B127E-6498-4C77-9C9D-4553A5113B80}"/>
+          </ac:spMkLst>
+        </pc:spChg>
+        <pc:spChg chg="add del">
+          <ac:chgData name="Nancy Li" userId="afc5209a-cf39-48d8-a57f-08cc8b772ec9" providerId="ADAL" clId="{7272984E-1584-4374-8B38-3C1D27CF2CE8}" dt="2023-03-18T10:03:46.221" v="259" actId="26606"/>
+          <ac:spMkLst>
+            <pc:docMk/>
+            <pc:sldMk cId="3779576144" sldId="269"/>
+            <ac:spMk id="111" creationId="{70DFA0FD-AB28-4B25-B870-4D2BBC35BA1D}"/>
+          </ac:spMkLst>
+        </pc:spChg>
+        <pc:spChg chg="add del">
+          <ac:chgData name="Nancy Li" userId="afc5209a-cf39-48d8-a57f-08cc8b772ec9" providerId="ADAL" clId="{7272984E-1584-4374-8B38-3C1D27CF2CE8}" dt="2023-03-18T10:03:46.757" v="261" actId="26606"/>
+          <ac:spMkLst>
+            <pc:docMk/>
+            <pc:sldMk cId="3779576144" sldId="269"/>
+            <ac:spMk id="120" creationId="{6C4028FD-8BAA-4A19-BFDE-594D991B7552}"/>
+          </ac:spMkLst>
+        </pc:spChg>
+        <pc:spChg chg="add del">
+          <ac:chgData name="Nancy Li" userId="afc5209a-cf39-48d8-a57f-08cc8b772ec9" providerId="ADAL" clId="{7272984E-1584-4374-8B38-3C1D27CF2CE8}" dt="2023-03-18T10:03:47.989" v="263" actId="26606"/>
+          <ac:spMkLst>
+            <pc:docMk/>
+            <pc:sldMk cId="3779576144" sldId="269"/>
+            <ac:spMk id="123" creationId="{257363FD-7E77-4145-9483-331A807ADF0E}"/>
+          </ac:spMkLst>
+        </pc:spChg>
+        <pc:spChg chg="add del">
+          <ac:chgData name="Nancy Li" userId="afc5209a-cf39-48d8-a57f-08cc8b772ec9" providerId="ADAL" clId="{7272984E-1584-4374-8B38-3C1D27CF2CE8}" dt="2023-03-18T10:03:51.598" v="265" actId="26606"/>
+          <ac:spMkLst>
+            <pc:docMk/>
+            <pc:sldMk cId="3779576144" sldId="269"/>
+            <ac:spMk id="125" creationId="{6C4028FD-8BAA-4A19-BFDE-594D991B7552}"/>
+          </ac:spMkLst>
+        </pc:spChg>
+        <pc:spChg chg="add del">
+          <ac:chgData name="Nancy Li" userId="afc5209a-cf39-48d8-a57f-08cc8b772ec9" providerId="ADAL" clId="{7272984E-1584-4374-8B38-3C1D27CF2CE8}" dt="2023-03-18T10:03:52.114" v="267" actId="26606"/>
+          <ac:spMkLst>
+            <pc:docMk/>
+            <pc:sldMk cId="3779576144" sldId="269"/>
+            <ac:spMk id="127" creationId="{56E9B3E6-E277-4D68-BA48-9CB43FFBD6E2}"/>
+          </ac:spMkLst>
+        </pc:spChg>
+        <pc:spChg chg="add del">
+          <ac:chgData name="Nancy Li" userId="afc5209a-cf39-48d8-a57f-08cc8b772ec9" providerId="ADAL" clId="{7272984E-1584-4374-8B38-3C1D27CF2CE8}" dt="2023-03-18T10:03:52.114" v="267" actId="26606"/>
+          <ac:spMkLst>
+            <pc:docMk/>
+            <pc:sldMk cId="3779576144" sldId="269"/>
+            <ac:spMk id="132" creationId="{D5B0017B-2ECA-49AF-B397-DC140825DF8D}"/>
+          </ac:spMkLst>
+        </pc:spChg>
+        <pc:spChg chg="add del">
+          <ac:chgData name="Nancy Li" userId="afc5209a-cf39-48d8-a57f-08cc8b772ec9" providerId="ADAL" clId="{7272984E-1584-4374-8B38-3C1D27CF2CE8}" dt="2023-03-18T10:03:55.910" v="269" actId="26606"/>
+          <ac:spMkLst>
+            <pc:docMk/>
+            <pc:sldMk cId="3779576144" sldId="269"/>
+            <ac:spMk id="135" creationId="{8DF67618-B87B-4195-8E24-3B126F79FF55}"/>
+          </ac:spMkLst>
+        </pc:spChg>
+        <pc:spChg chg="add del">
+          <ac:chgData name="Nancy Li" userId="afc5209a-cf39-48d8-a57f-08cc8b772ec9" providerId="ADAL" clId="{7272984E-1584-4374-8B38-3C1D27CF2CE8}" dt="2023-03-18T10:03:55.910" v="269" actId="26606"/>
+          <ac:spMkLst>
+            <pc:docMk/>
+            <pc:sldMk cId="3779576144" sldId="269"/>
+            <ac:spMk id="136" creationId="{64960379-9FF9-400A-A8A8-F5AB633FD3BF}"/>
+          </ac:spMkLst>
+        </pc:spChg>
+        <pc:spChg chg="add del">
+          <ac:chgData name="Nancy Li" userId="afc5209a-cf39-48d8-a57f-08cc8b772ec9" providerId="ADAL" clId="{7272984E-1584-4374-8B38-3C1D27CF2CE8}" dt="2023-03-18T10:03:57.893" v="271" actId="26606"/>
+          <ac:spMkLst>
+            <pc:docMk/>
+            <pc:sldMk cId="3779576144" sldId="269"/>
+            <ac:spMk id="149" creationId="{BACC6370-2D7E-4714-9D71-7542949D7D5D}"/>
+          </ac:spMkLst>
+        </pc:spChg>
+        <pc:spChg chg="add del">
+          <ac:chgData name="Nancy Li" userId="afc5209a-cf39-48d8-a57f-08cc8b772ec9" providerId="ADAL" clId="{7272984E-1584-4374-8B38-3C1D27CF2CE8}" dt="2023-03-18T10:03:57.893" v="271" actId="26606"/>
+          <ac:spMkLst>
+            <pc:docMk/>
+            <pc:sldMk cId="3779576144" sldId="269"/>
+            <ac:spMk id="150" creationId="{F68B3F68-107C-434F-AA38-110D5EA91B85}"/>
+          </ac:spMkLst>
+        </pc:spChg>
+        <pc:spChg chg="add del">
+          <ac:chgData name="Nancy Li" userId="afc5209a-cf39-48d8-a57f-08cc8b772ec9" providerId="ADAL" clId="{7272984E-1584-4374-8B38-3C1D27CF2CE8}" dt="2023-03-18T10:03:57.893" v="271" actId="26606"/>
+          <ac:spMkLst>
+            <pc:docMk/>
+            <pc:sldMk cId="3779576144" sldId="269"/>
+            <ac:spMk id="151" creationId="{AAD0DBB9-1A4B-4391-81D4-CB19F9AB918A}"/>
+          </ac:spMkLst>
+        </pc:spChg>
+        <pc:spChg chg="add del">
+          <ac:chgData name="Nancy Li" userId="afc5209a-cf39-48d8-a57f-08cc8b772ec9" providerId="ADAL" clId="{7272984E-1584-4374-8B38-3C1D27CF2CE8}" dt="2023-03-18T10:03:57.893" v="271" actId="26606"/>
+          <ac:spMkLst>
+            <pc:docMk/>
+            <pc:sldMk cId="3779576144" sldId="269"/>
+            <ac:spMk id="152" creationId="{063BBA22-50EA-4C4D-BE05-F1CE4E63AA56}"/>
+          </ac:spMkLst>
+        </pc:spChg>
+        <pc:spChg chg="add del">
+          <ac:chgData name="Nancy Li" userId="afc5209a-cf39-48d8-a57f-08cc8b772ec9" providerId="ADAL" clId="{7272984E-1584-4374-8B38-3C1D27CF2CE8}" dt="2023-03-18T10:03:59.405" v="273" actId="26606"/>
+          <ac:spMkLst>
+            <pc:docMk/>
+            <pc:sldMk cId="3779576144" sldId="269"/>
+            <ac:spMk id="154" creationId="{5C8908E2-EE49-44D2-9428-A28D2312A8D5}"/>
+          </ac:spMkLst>
+        </pc:spChg>
+        <pc:spChg chg="add del">
+          <ac:chgData name="Nancy Li" userId="afc5209a-cf39-48d8-a57f-08cc8b772ec9" providerId="ADAL" clId="{7272984E-1584-4374-8B38-3C1D27CF2CE8}" dt="2023-03-18T10:03:59.405" v="273" actId="26606"/>
+          <ac:spMkLst>
+            <pc:docMk/>
+            <pc:sldMk cId="3779576144" sldId="269"/>
+            <ac:spMk id="158" creationId="{7449A6C7-D15F-4AA5-BFA5-71A404B47016}"/>
+          </ac:spMkLst>
+        </pc:spChg>
+        <pc:spChg chg="add del">
+          <ac:chgData name="Nancy Li" userId="afc5209a-cf39-48d8-a57f-08cc8b772ec9" providerId="ADAL" clId="{7272984E-1584-4374-8B38-3C1D27CF2CE8}" dt="2023-03-18T10:03:59.405" v="273" actId="26606"/>
+          <ac:spMkLst>
+            <pc:docMk/>
+            <pc:sldMk cId="3779576144" sldId="269"/>
+            <ac:spMk id="159" creationId="{ED888B23-07FA-482A-96DF-47E31AF1A603}"/>
+          </ac:spMkLst>
+        </pc:spChg>
+        <pc:spChg chg="add del">
+          <ac:chgData name="Nancy Li" userId="afc5209a-cf39-48d8-a57f-08cc8b772ec9" providerId="ADAL" clId="{7272984E-1584-4374-8B38-3C1D27CF2CE8}" dt="2023-03-18T10:04:01.021" v="275" actId="26606"/>
+          <ac:spMkLst>
+            <pc:docMk/>
+            <pc:sldMk cId="3779576144" sldId="269"/>
+            <ac:spMk id="161" creationId="{9DBC8166-481C-4473-95F5-9A5B9073B7F1}"/>
+          </ac:spMkLst>
+        </pc:spChg>
+        <pc:spChg chg="add del">
+          <ac:chgData name="Nancy Li" userId="afc5209a-cf39-48d8-a57f-08cc8b772ec9" providerId="ADAL" clId="{7272984E-1584-4374-8B38-3C1D27CF2CE8}" dt="2023-03-18T10:04:01.021" v="275" actId="26606"/>
+          <ac:spMkLst>
+            <pc:docMk/>
+            <pc:sldMk cId="3779576144" sldId="269"/>
+            <ac:spMk id="162" creationId="{A5A5CE6E-90AF-4D43-A014-1F9EC83EB93D}"/>
+          </ac:spMkLst>
+        </pc:spChg>
+        <pc:spChg chg="add del">
+          <ac:chgData name="Nancy Li" userId="afc5209a-cf39-48d8-a57f-08cc8b772ec9" providerId="ADAL" clId="{7272984E-1584-4374-8B38-3C1D27CF2CE8}" dt="2023-03-18T10:04:03.077" v="277" actId="26606"/>
+          <ac:spMkLst>
+            <pc:docMk/>
+            <pc:sldMk cId="3779576144" sldId="269"/>
+            <ac:spMk id="164" creationId="{955A2079-FA98-4876-80F0-72364A7D2EA4}"/>
+          </ac:spMkLst>
+        </pc:spChg>
+        <pc:spChg chg="add del">
+          <ac:chgData name="Nancy Li" userId="afc5209a-cf39-48d8-a57f-08cc8b772ec9" providerId="ADAL" clId="{7272984E-1584-4374-8B38-3C1D27CF2CE8}" dt="2023-03-18T10:04:04.415" v="279" actId="26606"/>
+          <ac:spMkLst>
+            <pc:docMk/>
+            <pc:sldMk cId="3779576144" sldId="269"/>
+            <ac:spMk id="166" creationId="{5C8908E2-EE49-44D2-9428-A28D2312A8D5}"/>
+          </ac:spMkLst>
+        </pc:spChg>
+        <pc:spChg chg="add del">
+          <ac:chgData name="Nancy Li" userId="afc5209a-cf39-48d8-a57f-08cc8b772ec9" providerId="ADAL" clId="{7272984E-1584-4374-8B38-3C1D27CF2CE8}" dt="2023-03-18T10:04:04.415" v="279" actId="26606"/>
+          <ac:spMkLst>
+            <pc:docMk/>
+            <pc:sldMk cId="3779576144" sldId="269"/>
+            <ac:spMk id="170" creationId="{7449A6C7-D15F-4AA5-BFA5-71A404B47016}"/>
+          </ac:spMkLst>
+        </pc:spChg>
+        <pc:spChg chg="add del">
+          <ac:chgData name="Nancy Li" userId="afc5209a-cf39-48d8-a57f-08cc8b772ec9" providerId="ADAL" clId="{7272984E-1584-4374-8B38-3C1D27CF2CE8}" dt="2023-03-18T10:04:04.415" v="279" actId="26606"/>
+          <ac:spMkLst>
+            <pc:docMk/>
+            <pc:sldMk cId="3779576144" sldId="269"/>
+            <ac:spMk id="171" creationId="{ED888B23-07FA-482A-96DF-47E31AF1A603}"/>
+          </ac:spMkLst>
+        </pc:spChg>
+        <pc:spChg chg="add del">
+          <ac:chgData name="Nancy Li" userId="afc5209a-cf39-48d8-a57f-08cc8b772ec9" providerId="ADAL" clId="{7272984E-1584-4374-8B38-3C1D27CF2CE8}" dt="2023-03-18T10:04:05.060" v="281" actId="26606"/>
+          <ac:spMkLst>
+            <pc:docMk/>
+            <pc:sldMk cId="3779576144" sldId="269"/>
+            <ac:spMk id="173" creationId="{BACC6370-2D7E-4714-9D71-7542949D7D5D}"/>
+          </ac:spMkLst>
+        </pc:spChg>
+        <pc:spChg chg="add del">
+          <ac:chgData name="Nancy Li" userId="afc5209a-cf39-48d8-a57f-08cc8b772ec9" providerId="ADAL" clId="{7272984E-1584-4374-8B38-3C1D27CF2CE8}" dt="2023-03-18T10:04:05.060" v="281" actId="26606"/>
+          <ac:spMkLst>
+            <pc:docMk/>
+            <pc:sldMk cId="3779576144" sldId="269"/>
+            <ac:spMk id="174" creationId="{F68B3F68-107C-434F-AA38-110D5EA91B85}"/>
+          </ac:spMkLst>
+        </pc:spChg>
+        <pc:spChg chg="add del">
+          <ac:chgData name="Nancy Li" userId="afc5209a-cf39-48d8-a57f-08cc8b772ec9" providerId="ADAL" clId="{7272984E-1584-4374-8B38-3C1D27CF2CE8}" dt="2023-03-18T10:04:05.060" v="281" actId="26606"/>
+          <ac:spMkLst>
+            <pc:docMk/>
+            <pc:sldMk cId="3779576144" sldId="269"/>
+            <ac:spMk id="175" creationId="{AAD0DBB9-1A4B-4391-81D4-CB19F9AB918A}"/>
+          </ac:spMkLst>
+        </pc:spChg>
+        <pc:spChg chg="add del">
+          <ac:chgData name="Nancy Li" userId="afc5209a-cf39-48d8-a57f-08cc8b772ec9" providerId="ADAL" clId="{7272984E-1584-4374-8B38-3C1D27CF2CE8}" dt="2023-03-18T10:04:05.060" v="281" actId="26606"/>
+          <ac:spMkLst>
+            <pc:docMk/>
+            <pc:sldMk cId="3779576144" sldId="269"/>
+            <ac:spMk id="176" creationId="{063BBA22-50EA-4C4D-BE05-F1CE4E63AA56}"/>
+          </ac:spMkLst>
+        </pc:spChg>
+        <pc:spChg chg="add del">
+          <ac:chgData name="Nancy Li" userId="afc5209a-cf39-48d8-a57f-08cc8b772ec9" providerId="ADAL" clId="{7272984E-1584-4374-8B38-3C1D27CF2CE8}" dt="2023-03-18T10:04:07.159" v="283" actId="26606"/>
+          <ac:spMkLst>
+            <pc:docMk/>
+            <pc:sldMk cId="3779576144" sldId="269"/>
+            <ac:spMk id="178" creationId="{8DF67618-B87B-4195-8E24-3B126F79FF55}"/>
+          </ac:spMkLst>
+        </pc:spChg>
+        <pc:spChg chg="add del">
+          <ac:chgData name="Nancy Li" userId="afc5209a-cf39-48d8-a57f-08cc8b772ec9" providerId="ADAL" clId="{7272984E-1584-4374-8B38-3C1D27CF2CE8}" dt="2023-03-18T10:04:07.159" v="283" actId="26606"/>
+          <ac:spMkLst>
+            <pc:docMk/>
+            <pc:sldMk cId="3779576144" sldId="269"/>
+            <ac:spMk id="179" creationId="{64960379-9FF9-400A-A8A8-F5AB633FD3BF}"/>
+          </ac:spMkLst>
+        </pc:spChg>
+        <pc:spChg chg="add del">
+          <ac:chgData name="Nancy Li" userId="afc5209a-cf39-48d8-a57f-08cc8b772ec9" providerId="ADAL" clId="{7272984E-1584-4374-8B38-3C1D27CF2CE8}" dt="2023-03-18T10:04:10.574" v="285" actId="26606"/>
+          <ac:spMkLst>
+            <pc:docMk/>
+            <pc:sldMk cId="3779576144" sldId="269"/>
+            <ac:spMk id="192" creationId="{56E9B3E6-E277-4D68-BA48-9CB43FFBD6E2}"/>
+          </ac:spMkLst>
+        </pc:spChg>
+        <pc:spChg chg="add del">
+          <ac:chgData name="Nancy Li" userId="afc5209a-cf39-48d8-a57f-08cc8b772ec9" providerId="ADAL" clId="{7272984E-1584-4374-8B38-3C1D27CF2CE8}" dt="2023-03-18T10:04:10.574" v="285" actId="26606"/>
+          <ac:spMkLst>
+            <pc:docMk/>
+            <pc:sldMk cId="3779576144" sldId="269"/>
+            <ac:spMk id="197" creationId="{D5B0017B-2ECA-49AF-B397-DC140825DF8D}"/>
+          </ac:spMkLst>
+        </pc:spChg>
+        <pc:spChg chg="add del">
+          <ac:chgData name="Nancy Li" userId="afc5209a-cf39-48d8-a57f-08cc8b772ec9" providerId="ADAL" clId="{7272984E-1584-4374-8B38-3C1D27CF2CE8}" dt="2023-03-18T10:04:11.470" v="287" actId="26606"/>
+          <ac:spMkLst>
+            <pc:docMk/>
+            <pc:sldMk cId="3779576144" sldId="269"/>
+            <ac:spMk id="200" creationId="{2659FDB4-FCBE-4A89-B46D-43D4FA54464D}"/>
+          </ac:spMkLst>
+        </pc:spChg>
+        <pc:spChg chg="add del">
+          <ac:chgData name="Nancy Li" userId="afc5209a-cf39-48d8-a57f-08cc8b772ec9" providerId="ADAL" clId="{7272984E-1584-4374-8B38-3C1D27CF2CE8}" dt="2023-03-18T10:04:13.037" v="289" actId="26606"/>
+          <ac:spMkLst>
+            <pc:docMk/>
+            <pc:sldMk cId="3779576144" sldId="269"/>
+            <ac:spMk id="204" creationId="{257363FD-7E77-4145-9483-331A807ADF0E}"/>
+          </ac:spMkLst>
+        </pc:spChg>
+        <pc:spChg chg="add del">
+          <ac:chgData name="Nancy Li" userId="afc5209a-cf39-48d8-a57f-08cc8b772ec9" providerId="ADAL" clId="{7272984E-1584-4374-8B38-3C1D27CF2CE8}" dt="2023-03-18T10:04:14.897" v="291" actId="26606"/>
+          <ac:spMkLst>
+            <pc:docMk/>
+            <pc:sldMk cId="3779576144" sldId="269"/>
+            <ac:spMk id="206" creationId="{6C4028FD-8BAA-4A19-BFDE-594D991B7552}"/>
+          </ac:spMkLst>
+        </pc:spChg>
+        <pc:spChg chg="add del">
+          <ac:chgData name="Nancy Li" userId="afc5209a-cf39-48d8-a57f-08cc8b772ec9" providerId="ADAL" clId="{7272984E-1584-4374-8B38-3C1D27CF2CE8}" dt="2023-03-18T10:04:29.861" v="293" actId="26606"/>
+          <ac:spMkLst>
+            <pc:docMk/>
+            <pc:sldMk cId="3779576144" sldId="269"/>
+            <ac:spMk id="208" creationId="{70DFA0FD-AB28-4B25-B870-4D2BBC35BA1D}"/>
+          </ac:spMkLst>
+        </pc:spChg>
+        <pc:spChg chg="add del">
+          <ac:chgData name="Nancy Li" userId="afc5209a-cf39-48d8-a57f-08cc8b772ec9" providerId="ADAL" clId="{7272984E-1584-4374-8B38-3C1D27CF2CE8}" dt="2023-03-18T10:04:30.398" v="295" actId="26606"/>
+          <ac:spMkLst>
+            <pc:docMk/>
+            <pc:sldMk cId="3779576144" sldId="269"/>
+            <ac:spMk id="217" creationId="{6C4028FD-8BAA-4A19-BFDE-594D991B7552}"/>
+          </ac:spMkLst>
+        </pc:spChg>
+        <pc:spChg chg="add del">
+          <ac:chgData name="Nancy Li" userId="afc5209a-cf39-48d8-a57f-08cc8b772ec9" providerId="ADAL" clId="{7272984E-1584-4374-8B38-3C1D27CF2CE8}" dt="2023-03-18T10:04:32.550" v="297" actId="26606"/>
+          <ac:spMkLst>
+            <pc:docMk/>
+            <pc:sldMk cId="3779576144" sldId="269"/>
+            <ac:spMk id="220" creationId="{257363FD-7E77-4145-9483-331A807ADF0E}"/>
+          </ac:spMkLst>
+        </pc:spChg>
+        <pc:spChg chg="add del">
+          <ac:chgData name="Nancy Li" userId="afc5209a-cf39-48d8-a57f-08cc8b772ec9" providerId="ADAL" clId="{7272984E-1584-4374-8B38-3C1D27CF2CE8}" dt="2023-03-18T10:04:34.637" v="299" actId="26606"/>
+          <ac:spMkLst>
+            <pc:docMk/>
+            <pc:sldMk cId="3779576144" sldId="269"/>
+            <ac:spMk id="222" creationId="{2659FDB4-FCBE-4A89-B46D-43D4FA54464D}"/>
+          </ac:spMkLst>
+        </pc:spChg>
+        <pc:spChg chg="add del">
+          <ac:chgData name="Nancy Li" userId="afc5209a-cf39-48d8-a57f-08cc8b772ec9" providerId="ADAL" clId="{7272984E-1584-4374-8B38-3C1D27CF2CE8}" dt="2023-03-18T10:04:36.843" v="301" actId="26606"/>
+          <ac:spMkLst>
+            <pc:docMk/>
+            <pc:sldMk cId="3779576144" sldId="269"/>
+            <ac:spMk id="225" creationId="{56E9B3E6-E277-4D68-BA48-9CB43FFBD6E2}"/>
+          </ac:spMkLst>
+        </pc:spChg>
+        <pc:spChg chg="add del">
+          <ac:chgData name="Nancy Li" userId="afc5209a-cf39-48d8-a57f-08cc8b772ec9" providerId="ADAL" clId="{7272984E-1584-4374-8B38-3C1D27CF2CE8}" dt="2023-03-18T10:04:36.843" v="301" actId="26606"/>
+          <ac:spMkLst>
+            <pc:docMk/>
+            <pc:sldMk cId="3779576144" sldId="269"/>
+            <ac:spMk id="230" creationId="{D5B0017B-2ECA-49AF-B397-DC140825DF8D}"/>
+          </ac:spMkLst>
+        </pc:spChg>
+        <pc:spChg chg="add del">
+          <ac:chgData name="Nancy Li" userId="afc5209a-cf39-48d8-a57f-08cc8b772ec9" providerId="ADAL" clId="{7272984E-1584-4374-8B38-3C1D27CF2CE8}" dt="2023-03-18T10:05:48.983" v="313" actId="26606"/>
+          <ac:spMkLst>
+            <pc:docMk/>
+            <pc:sldMk cId="3779576144" sldId="269"/>
+            <ac:spMk id="233" creationId="{8DF67618-B87B-4195-8E24-3B126F79FF55}"/>
+          </ac:spMkLst>
+        </pc:spChg>
+        <pc:spChg chg="add del">
+          <ac:chgData name="Nancy Li" userId="afc5209a-cf39-48d8-a57f-08cc8b772ec9" providerId="ADAL" clId="{7272984E-1584-4374-8B38-3C1D27CF2CE8}" dt="2023-03-18T10:05:48.983" v="313" actId="26606"/>
+          <ac:spMkLst>
+            <pc:docMk/>
+            <pc:sldMk cId="3779576144" sldId="269"/>
+            <ac:spMk id="234" creationId="{64960379-9FF9-400A-A8A8-F5AB633FD3BF}"/>
+          </ac:spMkLst>
+        </pc:spChg>
+        <pc:grpChg chg="add del">
+          <ac:chgData name="Nancy Li" userId="afc5209a-cf39-48d8-a57f-08cc8b772ec9" providerId="ADAL" clId="{7272984E-1584-4374-8B38-3C1D27CF2CE8}" dt="2023-03-18T10:01:25.986" v="195" actId="26606"/>
+          <ac:grpSpMkLst>
+            <pc:docMk/>
+            <pc:sldMk cId="3779576144" sldId="269"/>
+            <ac:grpSpMk id="19" creationId="{E4DF0958-0C87-4C28-9554-2FADC788C2B1}"/>
+          </ac:grpSpMkLst>
+        </pc:grpChg>
+        <pc:grpChg chg="add del">
+          <ac:chgData name="Nancy Li" userId="afc5209a-cf39-48d8-a57f-08cc8b772ec9" providerId="ADAL" clId="{7272984E-1584-4374-8B38-3C1D27CF2CE8}" dt="2023-03-18T10:02:29.277" v="215" actId="26606"/>
+          <ac:grpSpMkLst>
+            <pc:docMk/>
+            <pc:sldMk cId="3779576144" sldId="269"/>
+            <ac:grpSpMk id="35" creationId="{89D8939B-D984-4564-B942-51C44F623C98}"/>
+          </ac:grpSpMkLst>
+        </pc:grpChg>
+        <pc:grpChg chg="add del">
+          <ac:chgData name="Nancy Li" userId="afc5209a-cf39-48d8-a57f-08cc8b772ec9" providerId="ADAL" clId="{7272984E-1584-4374-8B38-3C1D27CF2CE8}" dt="2023-03-18T10:03:03.909" v="239" actId="26606"/>
+          <ac:grpSpMkLst>
+            <pc:docMk/>
+            <pc:sldMk cId="3779576144" sldId="269"/>
+            <ac:grpSpMk id="53" creationId="{DD354807-230F-4402-B1B9-F733A8F1F190}"/>
+          </ac:grpSpMkLst>
+        </pc:grpChg>
+        <pc:grpChg chg="add del">
+          <ac:chgData name="Nancy Li" userId="afc5209a-cf39-48d8-a57f-08cc8b772ec9" providerId="ADAL" clId="{7272984E-1584-4374-8B38-3C1D27CF2CE8}" dt="2023-03-18T10:02:49.061" v="229" actId="26606"/>
+          <ac:grpSpMkLst>
+            <pc:docMk/>
+            <pc:sldMk cId="3779576144" sldId="269"/>
+            <ac:grpSpMk id="59" creationId="{C28A977F-B603-4D81-B0FC-C8DE048A7931}"/>
+          </ac:grpSpMkLst>
+        </pc:grpChg>
+        <pc:grpChg chg="add del">
+          <ac:chgData name="Nancy Li" userId="afc5209a-cf39-48d8-a57f-08cc8b772ec9" providerId="ADAL" clId="{7272984E-1584-4374-8B38-3C1D27CF2CE8}" dt="2023-03-18T10:02:49.061" v="229" actId="26606"/>
+          <ac:grpSpMkLst>
+            <pc:docMk/>
+            <pc:sldMk cId="3779576144" sldId="269"/>
+            <ac:grpSpMk id="62" creationId="{C78D9229-E61D-4FEE-8321-2F8B64A8CADF}"/>
+          </ac:grpSpMkLst>
+        </pc:grpChg>
+        <pc:grpChg chg="add del">
+          <ac:chgData name="Nancy Li" userId="afc5209a-cf39-48d8-a57f-08cc8b772ec9" providerId="ADAL" clId="{7272984E-1584-4374-8B38-3C1D27CF2CE8}" dt="2023-03-18T10:03:11.605" v="245" actId="26606"/>
+          <ac:grpSpMkLst>
+            <pc:docMk/>
+            <pc:sldMk cId="3779576144" sldId="269"/>
+            <ac:grpSpMk id="76" creationId="{569E5994-073E-4708-B3E6-43BFED0CEB4C}"/>
+          </ac:grpSpMkLst>
+        </pc:grpChg>
+        <pc:grpChg chg="add del">
+          <ac:chgData name="Nancy Li" userId="afc5209a-cf39-48d8-a57f-08cc8b772ec9" providerId="ADAL" clId="{7272984E-1584-4374-8B38-3C1D27CF2CE8}" dt="2023-03-18T10:03:11.605" v="245" actId="26606"/>
+          <ac:grpSpMkLst>
+            <pc:docMk/>
+            <pc:sldMk cId="3779576144" sldId="269"/>
+            <ac:grpSpMk id="81" creationId="{DD81D498-EAA8-40F3-8230-AE4DEDA3830D}"/>
+          </ac:grpSpMkLst>
+        </pc:grpChg>
+        <pc:grpChg chg="add del">
+          <ac:chgData name="Nancy Li" userId="afc5209a-cf39-48d8-a57f-08cc8b772ec9" providerId="ADAL" clId="{7272984E-1584-4374-8B38-3C1D27CF2CE8}" dt="2023-03-18T10:03:46.221" v="259" actId="26606"/>
+          <ac:grpSpMkLst>
+            <pc:docMk/>
+            <pc:sldMk cId="3779576144" sldId="269"/>
+            <ac:grpSpMk id="113" creationId="{0D628DFB-9CD1-4E2B-8B44-9FDF7E80F6D9}"/>
+          </ac:grpSpMkLst>
+        </pc:grpChg>
+        <pc:grpChg chg="add del">
+          <ac:chgData name="Nancy Li" userId="afc5209a-cf39-48d8-a57f-08cc8b772ec9" providerId="ADAL" clId="{7272984E-1584-4374-8B38-3C1D27CF2CE8}" dt="2023-03-18T10:03:52.114" v="267" actId="26606"/>
+          <ac:grpSpMkLst>
+            <pc:docMk/>
+            <pc:sldMk cId="3779576144" sldId="269"/>
+            <ac:grpSpMk id="128" creationId="{AE1C45F0-260A-458C-96ED-C1F6D2151219}"/>
+          </ac:grpSpMkLst>
+        </pc:grpChg>
+        <pc:grpChg chg="add del">
+          <ac:chgData name="Nancy Li" userId="afc5209a-cf39-48d8-a57f-08cc8b772ec9" providerId="ADAL" clId="{7272984E-1584-4374-8B38-3C1D27CF2CE8}" dt="2023-03-18T10:03:55.910" v="269" actId="26606"/>
+          <ac:grpSpMkLst>
+            <pc:docMk/>
+            <pc:sldMk cId="3779576144" sldId="269"/>
+            <ac:grpSpMk id="137" creationId="{2C491629-AE25-486B-9B22-2CE4EE8F7E47}"/>
+          </ac:grpSpMkLst>
+        </pc:grpChg>
+        <pc:grpChg chg="add del">
+          <ac:chgData name="Nancy Li" userId="afc5209a-cf39-48d8-a57f-08cc8b772ec9" providerId="ADAL" clId="{7272984E-1584-4374-8B38-3C1D27CF2CE8}" dt="2023-03-18T10:03:55.910" v="269" actId="26606"/>
+          <ac:grpSpMkLst>
+            <pc:docMk/>
+            <pc:sldMk cId="3779576144" sldId="269"/>
+            <ac:grpSpMk id="140" creationId="{43F5E015-E085-4624-B431-B42414448684}"/>
+          </ac:grpSpMkLst>
+        </pc:grpChg>
+        <pc:grpChg chg="add del">
+          <ac:chgData name="Nancy Li" userId="afc5209a-cf39-48d8-a57f-08cc8b772ec9" providerId="ADAL" clId="{7272984E-1584-4374-8B38-3C1D27CF2CE8}" dt="2023-03-18T10:03:59.405" v="273" actId="26606"/>
+          <ac:grpSpMkLst>
+            <pc:docMk/>
+            <pc:sldMk cId="3779576144" sldId="269"/>
+            <ac:grpSpMk id="155" creationId="{05314994-6337-4875-8CF5-652CAFE8342C}"/>
+          </ac:grpSpMkLst>
+        </pc:grpChg>
+        <pc:grpChg chg="add del">
+          <ac:chgData name="Nancy Li" userId="afc5209a-cf39-48d8-a57f-08cc8b772ec9" providerId="ADAL" clId="{7272984E-1584-4374-8B38-3C1D27CF2CE8}" dt="2023-03-18T10:04:04.415" v="279" actId="26606"/>
+          <ac:grpSpMkLst>
+            <pc:docMk/>
+            <pc:sldMk cId="3779576144" sldId="269"/>
+            <ac:grpSpMk id="167" creationId="{05314994-6337-4875-8CF5-652CAFE8342C}"/>
+          </ac:grpSpMkLst>
+        </pc:grpChg>
+        <pc:grpChg chg="add del">
+          <ac:chgData name="Nancy Li" userId="afc5209a-cf39-48d8-a57f-08cc8b772ec9" providerId="ADAL" clId="{7272984E-1584-4374-8B38-3C1D27CF2CE8}" dt="2023-03-18T10:04:07.159" v="283" actId="26606"/>
+          <ac:grpSpMkLst>
+            <pc:docMk/>
+            <pc:sldMk cId="3779576144" sldId="269"/>
+            <ac:grpSpMk id="180" creationId="{2C491629-AE25-486B-9B22-2CE4EE8F7E47}"/>
+          </ac:grpSpMkLst>
+        </pc:grpChg>
+        <pc:grpChg chg="add del">
+          <ac:chgData name="Nancy Li" userId="afc5209a-cf39-48d8-a57f-08cc8b772ec9" providerId="ADAL" clId="{7272984E-1584-4374-8B38-3C1D27CF2CE8}" dt="2023-03-18T10:04:07.159" v="283" actId="26606"/>
+          <ac:grpSpMkLst>
+            <pc:docMk/>
+            <pc:sldMk cId="3779576144" sldId="269"/>
+            <ac:grpSpMk id="183" creationId="{43F5E015-E085-4624-B431-B42414448684}"/>
+          </ac:grpSpMkLst>
+        </pc:grpChg>
+        <pc:grpChg chg="add del">
+          <ac:chgData name="Nancy Li" userId="afc5209a-cf39-48d8-a57f-08cc8b772ec9" providerId="ADAL" clId="{7272984E-1584-4374-8B38-3C1D27CF2CE8}" dt="2023-03-18T10:04:10.574" v="285" actId="26606"/>
+          <ac:grpSpMkLst>
+            <pc:docMk/>
+            <pc:sldMk cId="3779576144" sldId="269"/>
+            <ac:grpSpMk id="193" creationId="{AE1C45F0-260A-458C-96ED-C1F6D2151219}"/>
+          </ac:grpSpMkLst>
+        </pc:grpChg>
+        <pc:grpChg chg="add del">
+          <ac:chgData name="Nancy Li" userId="afc5209a-cf39-48d8-a57f-08cc8b772ec9" providerId="ADAL" clId="{7272984E-1584-4374-8B38-3C1D27CF2CE8}" dt="2023-03-18T10:04:29.861" v="293" actId="26606"/>
+          <ac:grpSpMkLst>
+            <pc:docMk/>
+            <pc:sldMk cId="3779576144" sldId="269"/>
+            <ac:grpSpMk id="210" creationId="{0D628DFB-9CD1-4E2B-8B44-9FDF7E80F6D9}"/>
+          </ac:grpSpMkLst>
+        </pc:grpChg>
+        <pc:grpChg chg="add del">
+          <ac:chgData name="Nancy Li" userId="afc5209a-cf39-48d8-a57f-08cc8b772ec9" providerId="ADAL" clId="{7272984E-1584-4374-8B38-3C1D27CF2CE8}" dt="2023-03-18T10:04:36.843" v="301" actId="26606"/>
+          <ac:grpSpMkLst>
+            <pc:docMk/>
+            <pc:sldMk cId="3779576144" sldId="269"/>
+            <ac:grpSpMk id="226" creationId="{AE1C45F0-260A-458C-96ED-C1F6D2151219}"/>
+          </ac:grpSpMkLst>
+        </pc:grpChg>
+        <pc:grpChg chg="add del">
+          <ac:chgData name="Nancy Li" userId="afc5209a-cf39-48d8-a57f-08cc8b772ec9" providerId="ADAL" clId="{7272984E-1584-4374-8B38-3C1D27CF2CE8}" dt="2023-03-18T10:05:48.983" v="313" actId="26606"/>
+          <ac:grpSpMkLst>
+            <pc:docMk/>
+            <pc:sldMk cId="3779576144" sldId="269"/>
+            <ac:grpSpMk id="235" creationId="{2C491629-AE25-486B-9B22-2CE4EE8F7E47}"/>
+          </ac:grpSpMkLst>
+        </pc:grpChg>
+        <pc:grpChg chg="add del">
+          <ac:chgData name="Nancy Li" userId="afc5209a-cf39-48d8-a57f-08cc8b772ec9" providerId="ADAL" clId="{7272984E-1584-4374-8B38-3C1D27CF2CE8}" dt="2023-03-18T10:05:48.983" v="313" actId="26606"/>
+          <ac:grpSpMkLst>
+            <pc:docMk/>
+            <pc:sldMk cId="3779576144" sldId="269"/>
+            <ac:grpSpMk id="238" creationId="{43F5E015-E085-4624-B431-B42414448684}"/>
+          </ac:grpSpMkLst>
+        </pc:grpChg>
+        <pc:graphicFrameChg chg="add del mod modGraphic">
+          <ac:chgData name="Nancy Li" userId="afc5209a-cf39-48d8-a57f-08cc8b772ec9" providerId="ADAL" clId="{7272984E-1584-4374-8B38-3C1D27CF2CE8}" dt="2023-03-18T10:01:25.498" v="194" actId="1032"/>
+          <ac:graphicFrameMkLst>
+            <pc:docMk/>
+            <pc:sldMk cId="3779576144" sldId="269"/>
+            <ac:graphicFrameMk id="4" creationId="{5AD386FF-7641-2D0C-CBCD-6D01AA188986}"/>
+          </ac:graphicFrameMkLst>
+        </pc:graphicFrameChg>
+        <pc:graphicFrameChg chg="add del mod modGraphic">
+          <ac:chgData name="Nancy Li" userId="afc5209a-cf39-48d8-a57f-08cc8b772ec9" providerId="ADAL" clId="{7272984E-1584-4374-8B38-3C1D27CF2CE8}" dt="2023-03-18T10:01:23.335" v="189" actId="1032"/>
+          <ac:graphicFrameMkLst>
+            <pc:docMk/>
+            <pc:sldMk cId="3779576144" sldId="269"/>
+            <ac:graphicFrameMk id="11" creationId="{B51F0E89-0422-5F8C-CF8B-8513FB4597D0}"/>
+          </ac:graphicFrameMkLst>
+        </pc:graphicFrameChg>
+        <pc:graphicFrameChg chg="add del mod modGraphic">
+          <ac:chgData name="Nancy Li" userId="afc5209a-cf39-48d8-a57f-08cc8b772ec9" providerId="ADAL" clId="{7272984E-1584-4374-8B38-3C1D27CF2CE8}" dt="2023-03-18T10:07:10.968" v="321" actId="1076"/>
+          <ac:graphicFrameMkLst>
+            <pc:docMk/>
+            <pc:sldMk cId="3779576144" sldId="269"/>
+            <ac:graphicFrameMk id="22" creationId="{7A93C3F4-480A-057B-AC82-1CB092523802}"/>
+          </ac:graphicFrameMkLst>
+        </pc:graphicFrameChg>
+        <pc:picChg chg="add del">
+          <ac:chgData name="Nancy Li" userId="afc5209a-cf39-48d8-a57f-08cc8b772ec9" providerId="ADAL" clId="{7272984E-1584-4374-8B38-3C1D27CF2CE8}" dt="2023-03-18T10:03:46.221" v="259" actId="26606"/>
+          <ac:picMkLst>
+            <pc:docMk/>
+            <pc:sldMk cId="3779576144" sldId="269"/>
+            <ac:picMk id="112" creationId="{B15AB0DE-CCF6-B1CC-EF1B-1A0742688474}"/>
+          </ac:picMkLst>
+        </pc:picChg>
+        <pc:picChg chg="add del">
+          <ac:chgData name="Nancy Li" userId="afc5209a-cf39-48d8-a57f-08cc8b772ec9" providerId="ADAL" clId="{7272984E-1584-4374-8B38-3C1D27CF2CE8}" dt="2023-03-18T10:03:47.989" v="263" actId="26606"/>
+          <ac:picMkLst>
+            <pc:docMk/>
+            <pc:sldMk cId="3779576144" sldId="269"/>
+            <ac:picMk id="122" creationId="{4048BD93-8FFC-4CBE-093A-EA02D70AFED8}"/>
+          </ac:picMkLst>
+        </pc:picChg>
+        <pc:picChg chg="add del">
+          <ac:chgData name="Nancy Li" userId="afc5209a-cf39-48d8-a57f-08cc8b772ec9" providerId="ADAL" clId="{7272984E-1584-4374-8B38-3C1D27CF2CE8}" dt="2023-03-18T10:04:13.037" v="289" actId="26606"/>
+          <ac:picMkLst>
+            <pc:docMk/>
+            <pc:sldMk cId="3779576144" sldId="269"/>
+            <ac:picMk id="203" creationId="{4048BD93-8FFC-4CBE-093A-EA02D70AFED8}"/>
+          </ac:picMkLst>
+        </pc:picChg>
+        <pc:picChg chg="add del">
+          <ac:chgData name="Nancy Li" userId="afc5209a-cf39-48d8-a57f-08cc8b772ec9" providerId="ADAL" clId="{7272984E-1584-4374-8B38-3C1D27CF2CE8}" dt="2023-03-18T10:04:29.861" v="293" actId="26606"/>
+          <ac:picMkLst>
+            <pc:docMk/>
+            <pc:sldMk cId="3779576144" sldId="269"/>
+            <ac:picMk id="209" creationId="{B15AB0DE-CCF6-B1CC-EF1B-1A0742688474}"/>
+          </ac:picMkLst>
+        </pc:picChg>
+        <pc:picChg chg="add del">
+          <ac:chgData name="Nancy Li" userId="afc5209a-cf39-48d8-a57f-08cc8b772ec9" providerId="ADAL" clId="{7272984E-1584-4374-8B38-3C1D27CF2CE8}" dt="2023-03-18T10:04:32.550" v="297" actId="26606"/>
+          <ac:picMkLst>
+            <pc:docMk/>
+            <pc:sldMk cId="3779576144" sldId="269"/>
+            <ac:picMk id="219" creationId="{4048BD93-8FFC-4CBE-093A-EA02D70AFED8}"/>
+          </ac:picMkLst>
+        </pc:picChg>
+        <pc:cxnChg chg="add del">
+          <ac:chgData name="Nancy Li" userId="afc5209a-cf39-48d8-a57f-08cc8b772ec9" providerId="ADAL" clId="{7272984E-1584-4374-8B38-3C1D27CF2CE8}" dt="2023-03-18T09:57:58.808" v="170" actId="26606"/>
+          <ac:cxnSpMkLst>
+            <pc:docMk/>
+            <pc:sldMk cId="3779576144" sldId="269"/>
+            <ac:cxnSpMk id="10" creationId="{EE504C98-6397-41C1-A8D8-2D9C4ED307E0}"/>
+          </ac:cxnSpMkLst>
+        </pc:cxnChg>
+        <pc:cxnChg chg="add del">
+          <ac:chgData name="Nancy Li" userId="afc5209a-cf39-48d8-a57f-08cc8b772ec9" providerId="ADAL" clId="{7272984E-1584-4374-8B38-3C1D27CF2CE8}" dt="2023-03-18T10:03:52.114" v="267" actId="26606"/>
+          <ac:cxnSpMkLst>
+            <pc:docMk/>
+            <pc:sldMk cId="3779576144" sldId="269"/>
+            <ac:cxnSpMk id="133" creationId="{6CF1BAF6-AD41-4082-B212-8A1F9A2E8779}"/>
+          </ac:cxnSpMkLst>
+        </pc:cxnChg>
+        <pc:cxnChg chg="add del">
+          <ac:chgData name="Nancy Li" userId="afc5209a-cf39-48d8-a57f-08cc8b772ec9" providerId="ADAL" clId="{7272984E-1584-4374-8B38-3C1D27CF2CE8}" dt="2023-03-18T10:04:10.574" v="285" actId="26606"/>
+          <ac:cxnSpMkLst>
+            <pc:docMk/>
+            <pc:sldMk cId="3779576144" sldId="269"/>
+            <ac:cxnSpMk id="198" creationId="{6CF1BAF6-AD41-4082-B212-8A1F9A2E8779}"/>
+          </ac:cxnSpMkLst>
+        </pc:cxnChg>
+        <pc:cxnChg chg="add del">
+          <ac:chgData name="Nancy Li" userId="afc5209a-cf39-48d8-a57f-08cc8b772ec9" providerId="ADAL" clId="{7272984E-1584-4374-8B38-3C1D27CF2CE8}" dt="2023-03-18T10:04:11.470" v="287" actId="26606"/>
+          <ac:cxnSpMkLst>
+            <pc:docMk/>
+            <pc:sldMk cId="3779576144" sldId="269"/>
+            <ac:cxnSpMk id="201" creationId="{C8F51B3F-8331-4E4A-AE96-D47B1006EEAD}"/>
+          </ac:cxnSpMkLst>
+        </pc:cxnChg>
+        <pc:cxnChg chg="add del">
+          <ac:chgData name="Nancy Li" userId="afc5209a-cf39-48d8-a57f-08cc8b772ec9" providerId="ADAL" clId="{7272984E-1584-4374-8B38-3C1D27CF2CE8}" dt="2023-03-18T10:04:34.637" v="299" actId="26606"/>
+          <ac:cxnSpMkLst>
+            <pc:docMk/>
+            <pc:sldMk cId="3779576144" sldId="269"/>
+            <ac:cxnSpMk id="223" creationId="{C8F51B3F-8331-4E4A-AE96-D47B1006EEAD}"/>
+          </ac:cxnSpMkLst>
+        </pc:cxnChg>
+        <pc:cxnChg chg="add del">
+          <ac:chgData name="Nancy Li" userId="afc5209a-cf39-48d8-a57f-08cc8b772ec9" providerId="ADAL" clId="{7272984E-1584-4374-8B38-3C1D27CF2CE8}" dt="2023-03-18T10:04:36.843" v="301" actId="26606"/>
+          <ac:cxnSpMkLst>
+            <pc:docMk/>
+            <pc:sldMk cId="3779576144" sldId="269"/>
+            <ac:cxnSpMk id="231" creationId="{6CF1BAF6-AD41-4082-B212-8A1F9A2E8779}"/>
+          </ac:cxnSpMkLst>
+        </pc:cxnChg>
       </pc:sldChg>
     </pc:docChg>
   </pc:docChgLst>
@@ -765,6 +1956,3541 @@
     </pc:docChg>
   </pc:docChgLst>
 </pc:chgInfo>
+</file>
+
+<file path=ppt/diagrams/colors1.xml><?xml version="1.0" encoding="utf-8"?>
+<dgm:colorsDef xmlns:dgm="http://schemas.openxmlformats.org/drawingml/2006/diagram" xmlns:a="http://schemas.openxmlformats.org/drawingml/2006/main" uniqueId="urn:microsoft.com/office/officeart/2005/8/colors/accent1_2">
+  <dgm:title val=""/>
+  <dgm:desc val=""/>
+  <dgm:catLst>
+    <dgm:cat type="accent1" pri="11200"/>
+  </dgm:catLst>
+  <dgm:styleLbl name="node0">
+    <dgm:fillClrLst meth="repeat">
+      <a:schemeClr val="accent1"/>
+    </dgm:fillClrLst>
+    <dgm:linClrLst meth="repeat">
+      <a:schemeClr val="lt1"/>
+    </dgm:linClrLst>
+    <dgm:effectClrLst/>
+    <dgm:txLinClrLst/>
+    <dgm:txFillClrLst/>
+    <dgm:txEffectClrLst/>
+  </dgm:styleLbl>
+  <dgm:styleLbl name="alignNode1">
+    <dgm:fillClrLst meth="repeat">
+      <a:schemeClr val="accent1"/>
+    </dgm:fillClrLst>
+    <dgm:linClrLst meth="repeat">
+      <a:schemeClr val="accent1"/>
+    </dgm:linClrLst>
+    <dgm:effectClrLst/>
+    <dgm:txLinClrLst/>
+    <dgm:txFillClrLst/>
+    <dgm:txEffectClrLst/>
+  </dgm:styleLbl>
+  <dgm:styleLbl name="node1">
+    <dgm:fillClrLst meth="repeat">
+      <a:schemeClr val="accent1"/>
+    </dgm:fillClrLst>
+    <dgm:linClrLst meth="repeat">
+      <a:schemeClr val="lt1"/>
+    </dgm:linClrLst>
+    <dgm:effectClrLst/>
+    <dgm:txLinClrLst/>
+    <dgm:txFillClrLst/>
+    <dgm:txEffectClrLst/>
+  </dgm:styleLbl>
+  <dgm:styleLbl name="lnNode1">
+    <dgm:fillClrLst meth="repeat">
+      <a:schemeClr val="accent1"/>
+    </dgm:fillClrLst>
+    <dgm:linClrLst meth="repeat">
+      <a:schemeClr val="lt1"/>
+    </dgm:linClrLst>
+    <dgm:effectClrLst/>
+    <dgm:txLinClrLst/>
+    <dgm:txFillClrLst/>
+    <dgm:txEffectClrLst/>
+  </dgm:styleLbl>
+  <dgm:styleLbl name="vennNode1">
+    <dgm:fillClrLst meth="repeat">
+      <a:schemeClr val="accent1">
+        <a:alpha val="50000"/>
+      </a:schemeClr>
+    </dgm:fillClrLst>
+    <dgm:linClrLst meth="repeat">
+      <a:schemeClr val="lt1"/>
+    </dgm:linClrLst>
+    <dgm:effectClrLst/>
+    <dgm:txLinClrLst/>
+    <dgm:txFillClrLst/>
+    <dgm:txEffectClrLst/>
+  </dgm:styleLbl>
+  <dgm:styleLbl name="node2">
+    <dgm:fillClrLst meth="repeat">
+      <a:schemeClr val="accent1"/>
+    </dgm:fillClrLst>
+    <dgm:linClrLst meth="repeat">
+      <a:schemeClr val="lt1"/>
+    </dgm:linClrLst>
+    <dgm:effectClrLst/>
+    <dgm:txLinClrLst/>
+    <dgm:txFillClrLst/>
+    <dgm:txEffectClrLst/>
+  </dgm:styleLbl>
+  <dgm:styleLbl name="node3">
+    <dgm:fillClrLst meth="repeat">
+      <a:schemeClr val="accent1"/>
+    </dgm:fillClrLst>
+    <dgm:linClrLst meth="repeat">
+      <a:schemeClr val="lt1"/>
+    </dgm:linClrLst>
+    <dgm:effectClrLst/>
+    <dgm:txLinClrLst/>
+    <dgm:txFillClrLst/>
+    <dgm:txEffectClrLst/>
+  </dgm:styleLbl>
+  <dgm:styleLbl name="node4">
+    <dgm:fillClrLst meth="repeat">
+      <a:schemeClr val="accent1"/>
+    </dgm:fillClrLst>
+    <dgm:linClrLst meth="repeat">
+      <a:schemeClr val="lt1"/>
+    </dgm:linClrLst>
+    <dgm:effectClrLst/>
+    <dgm:txLinClrLst/>
+    <dgm:txFillClrLst/>
+    <dgm:txEffectClrLst/>
+  </dgm:styleLbl>
+  <dgm:styleLbl name="fgImgPlace1">
+    <dgm:fillClrLst meth="repeat">
+      <a:schemeClr val="accent1">
+        <a:tint val="50000"/>
+      </a:schemeClr>
+    </dgm:fillClrLst>
+    <dgm:linClrLst meth="repeat">
+      <a:schemeClr val="lt1"/>
+    </dgm:linClrLst>
+    <dgm:effectClrLst/>
+    <dgm:txLinClrLst/>
+    <dgm:txFillClrLst meth="repeat">
+      <a:schemeClr val="lt1"/>
+    </dgm:txFillClrLst>
+    <dgm:txEffectClrLst/>
+  </dgm:styleLbl>
+  <dgm:styleLbl name="alignImgPlace1">
+    <dgm:fillClrLst meth="repeat">
+      <a:schemeClr val="accent1">
+        <a:tint val="50000"/>
+      </a:schemeClr>
+    </dgm:fillClrLst>
+    <dgm:linClrLst meth="repeat">
+      <a:schemeClr val="lt1"/>
+    </dgm:linClrLst>
+    <dgm:effectClrLst/>
+    <dgm:txLinClrLst/>
+    <dgm:txFillClrLst meth="repeat">
+      <a:schemeClr val="lt1"/>
+    </dgm:txFillClrLst>
+    <dgm:txEffectClrLst/>
+  </dgm:styleLbl>
+  <dgm:styleLbl name="bgImgPlace1">
+    <dgm:fillClrLst meth="repeat">
+      <a:schemeClr val="accent1">
+        <a:tint val="50000"/>
+      </a:schemeClr>
+    </dgm:fillClrLst>
+    <dgm:linClrLst meth="repeat">
+      <a:schemeClr val="lt1"/>
+    </dgm:linClrLst>
+    <dgm:effectClrLst/>
+    <dgm:txLinClrLst/>
+    <dgm:txFillClrLst meth="repeat">
+      <a:schemeClr val="lt1"/>
+    </dgm:txFillClrLst>
+    <dgm:txEffectClrLst/>
+  </dgm:styleLbl>
+  <dgm:styleLbl name="sibTrans2D1">
+    <dgm:fillClrLst meth="repeat">
+      <a:schemeClr val="accent1">
+        <a:tint val="60000"/>
+      </a:schemeClr>
+    </dgm:fillClrLst>
+    <dgm:linClrLst meth="repeat">
+      <a:schemeClr val="accent1">
+        <a:tint val="60000"/>
+      </a:schemeClr>
+    </dgm:linClrLst>
+    <dgm:effectClrLst/>
+    <dgm:txLinClrLst/>
+    <dgm:txFillClrLst/>
+    <dgm:txEffectClrLst/>
+  </dgm:styleLbl>
+  <dgm:styleLbl name="fgSibTrans2D1">
+    <dgm:fillClrLst meth="repeat">
+      <a:schemeClr val="accent1">
+        <a:tint val="60000"/>
+      </a:schemeClr>
+    </dgm:fillClrLst>
+    <dgm:linClrLst meth="repeat">
+      <a:schemeClr val="accent1">
+        <a:tint val="60000"/>
+      </a:schemeClr>
+    </dgm:linClrLst>
+    <dgm:effectClrLst/>
+    <dgm:txLinClrLst/>
+    <dgm:txFillClrLst/>
+    <dgm:txEffectClrLst/>
+  </dgm:styleLbl>
+  <dgm:styleLbl name="bgSibTrans2D1">
+    <dgm:fillClrLst meth="repeat">
+      <a:schemeClr val="accent1">
+        <a:tint val="60000"/>
+      </a:schemeClr>
+    </dgm:fillClrLst>
+    <dgm:linClrLst meth="repeat">
+      <a:schemeClr val="accent1">
+        <a:tint val="60000"/>
+      </a:schemeClr>
+    </dgm:linClrLst>
+    <dgm:effectClrLst/>
+    <dgm:txLinClrLst/>
+    <dgm:txFillClrLst/>
+    <dgm:txEffectClrLst/>
+  </dgm:styleLbl>
+  <dgm:styleLbl name="sibTrans1D1">
+    <dgm:fillClrLst meth="repeat">
+      <a:schemeClr val="accent1"/>
+    </dgm:fillClrLst>
+    <dgm:linClrLst meth="repeat">
+      <a:schemeClr val="accent1"/>
+    </dgm:linClrLst>
+    <dgm:effectClrLst/>
+    <dgm:txLinClrLst/>
+    <dgm:txFillClrLst meth="repeat">
+      <a:schemeClr val="tx1"/>
+    </dgm:txFillClrLst>
+    <dgm:txEffectClrLst/>
+  </dgm:styleLbl>
+  <dgm:styleLbl name="callout">
+    <dgm:fillClrLst meth="repeat">
+      <a:schemeClr val="accent1"/>
+    </dgm:fillClrLst>
+    <dgm:linClrLst meth="repeat">
+      <a:schemeClr val="accent1">
+        <a:tint val="50000"/>
+      </a:schemeClr>
+    </dgm:linClrLst>
+    <dgm:effectClrLst/>
+    <dgm:txLinClrLst/>
+    <dgm:txFillClrLst meth="repeat">
+      <a:schemeClr val="tx1"/>
+    </dgm:txFillClrLst>
+    <dgm:txEffectClrLst/>
+  </dgm:styleLbl>
+  <dgm:styleLbl name="asst0">
+    <dgm:fillClrLst meth="repeat">
+      <a:schemeClr val="accent1"/>
+    </dgm:fillClrLst>
+    <dgm:linClrLst meth="repeat">
+      <a:schemeClr val="lt1"/>
+    </dgm:linClrLst>
+    <dgm:effectClrLst/>
+    <dgm:txLinClrLst/>
+    <dgm:txFillClrLst/>
+    <dgm:txEffectClrLst/>
+  </dgm:styleLbl>
+  <dgm:styleLbl name="asst1">
+    <dgm:fillClrLst meth="repeat">
+      <a:schemeClr val="accent1"/>
+    </dgm:fillClrLst>
+    <dgm:linClrLst meth="repeat">
+      <a:schemeClr val="lt1"/>
+    </dgm:linClrLst>
+    <dgm:effectClrLst/>
+    <dgm:txLinClrLst/>
+    <dgm:txFillClrLst/>
+    <dgm:txEffectClrLst/>
+  </dgm:styleLbl>
+  <dgm:styleLbl name="asst2">
+    <dgm:fillClrLst meth="repeat">
+      <a:schemeClr val="accent1"/>
+    </dgm:fillClrLst>
+    <dgm:linClrLst meth="repeat">
+      <a:schemeClr val="lt1"/>
+    </dgm:linClrLst>
+    <dgm:effectClrLst/>
+    <dgm:txLinClrLst/>
+    <dgm:txFillClrLst/>
+    <dgm:txEffectClrLst/>
+  </dgm:styleLbl>
+  <dgm:styleLbl name="asst3">
+    <dgm:fillClrLst meth="repeat">
+      <a:schemeClr val="accent1"/>
+    </dgm:fillClrLst>
+    <dgm:linClrLst meth="repeat">
+      <a:schemeClr val="lt1"/>
+    </dgm:linClrLst>
+    <dgm:effectClrLst/>
+    <dgm:txLinClrLst/>
+    <dgm:txFillClrLst/>
+    <dgm:txEffectClrLst/>
+  </dgm:styleLbl>
+  <dgm:styleLbl name="asst4">
+    <dgm:fillClrLst meth="repeat">
+      <a:schemeClr val="accent1"/>
+    </dgm:fillClrLst>
+    <dgm:linClrLst meth="repeat">
+      <a:schemeClr val="lt1"/>
+    </dgm:linClrLst>
+    <dgm:effectClrLst/>
+    <dgm:txLinClrLst/>
+    <dgm:txFillClrLst/>
+    <dgm:txEffectClrLst/>
+  </dgm:styleLbl>
+  <dgm:styleLbl name="parChTrans2D1">
+    <dgm:fillClrLst meth="repeat">
+      <a:schemeClr val="accent1">
+        <a:tint val="60000"/>
+      </a:schemeClr>
+    </dgm:fillClrLst>
+    <dgm:linClrLst meth="repeat">
+      <a:schemeClr val="accent1">
+        <a:tint val="60000"/>
+      </a:schemeClr>
+    </dgm:linClrLst>
+    <dgm:effectClrLst/>
+    <dgm:txLinClrLst/>
+    <dgm:txFillClrLst meth="repeat">
+      <a:schemeClr val="lt1"/>
+    </dgm:txFillClrLst>
+    <dgm:txEffectClrLst/>
+  </dgm:styleLbl>
+  <dgm:styleLbl name="parChTrans2D2">
+    <dgm:fillClrLst meth="repeat">
+      <a:schemeClr val="accent1"/>
+    </dgm:fillClrLst>
+    <dgm:linClrLst meth="repeat">
+      <a:schemeClr val="accent1"/>
+    </dgm:linClrLst>
+    <dgm:effectClrLst/>
+    <dgm:txLinClrLst/>
+    <dgm:txFillClrLst meth="repeat">
+      <a:schemeClr val="lt1"/>
+    </dgm:txFillClrLst>
+    <dgm:txEffectClrLst/>
+  </dgm:styleLbl>
+  <dgm:styleLbl name="parChTrans2D3">
+    <dgm:fillClrLst meth="repeat">
+      <a:schemeClr val="accent1"/>
+    </dgm:fillClrLst>
+    <dgm:linClrLst meth="repeat">
+      <a:schemeClr val="accent1"/>
+    </dgm:linClrLst>
+    <dgm:effectClrLst/>
+    <dgm:txLinClrLst/>
+    <dgm:txFillClrLst meth="repeat">
+      <a:schemeClr val="lt1"/>
+    </dgm:txFillClrLst>
+    <dgm:txEffectClrLst/>
+  </dgm:styleLbl>
+  <dgm:styleLbl name="parChTrans2D4">
+    <dgm:fillClrLst meth="repeat">
+      <a:schemeClr val="accent1"/>
+    </dgm:fillClrLst>
+    <dgm:linClrLst meth="repeat">
+      <a:schemeClr val="accent1"/>
+    </dgm:linClrLst>
+    <dgm:effectClrLst/>
+    <dgm:txLinClrLst/>
+    <dgm:txFillClrLst meth="repeat">
+      <a:schemeClr val="lt1"/>
+    </dgm:txFillClrLst>
+    <dgm:txEffectClrLst/>
+  </dgm:styleLbl>
+  <dgm:styleLbl name="parChTrans1D1">
+    <dgm:fillClrLst meth="repeat">
+      <a:schemeClr val="accent1"/>
+    </dgm:fillClrLst>
+    <dgm:linClrLst meth="repeat">
+      <a:schemeClr val="accent1">
+        <a:shade val="60000"/>
+      </a:schemeClr>
+    </dgm:linClrLst>
+    <dgm:effectClrLst/>
+    <dgm:txLinClrLst/>
+    <dgm:txFillClrLst meth="repeat">
+      <a:schemeClr val="tx1"/>
+    </dgm:txFillClrLst>
+    <dgm:txEffectClrLst/>
+  </dgm:styleLbl>
+  <dgm:styleLbl name="parChTrans1D2">
+    <dgm:fillClrLst meth="repeat">
+      <a:schemeClr val="accent1"/>
+    </dgm:fillClrLst>
+    <dgm:linClrLst meth="repeat">
+      <a:schemeClr val="accent1">
+        <a:shade val="60000"/>
+      </a:schemeClr>
+    </dgm:linClrLst>
+    <dgm:effectClrLst/>
+    <dgm:txLinClrLst/>
+    <dgm:txFillClrLst meth="repeat">
+      <a:schemeClr val="tx1"/>
+    </dgm:txFillClrLst>
+    <dgm:txEffectClrLst/>
+  </dgm:styleLbl>
+  <dgm:styleLbl name="parChTrans1D3">
+    <dgm:fillClrLst meth="repeat">
+      <a:schemeClr val="accent1"/>
+    </dgm:fillClrLst>
+    <dgm:linClrLst meth="repeat">
+      <a:schemeClr val="accent1">
+        <a:shade val="80000"/>
+      </a:schemeClr>
+    </dgm:linClrLst>
+    <dgm:effectClrLst/>
+    <dgm:txLinClrLst/>
+    <dgm:txFillClrLst meth="repeat">
+      <a:schemeClr val="tx1"/>
+    </dgm:txFillClrLst>
+    <dgm:txEffectClrLst/>
+  </dgm:styleLbl>
+  <dgm:styleLbl name="parChTrans1D4">
+    <dgm:fillClrLst meth="repeat">
+      <a:schemeClr val="accent1"/>
+    </dgm:fillClrLst>
+    <dgm:linClrLst meth="repeat">
+      <a:schemeClr val="accent1">
+        <a:shade val="80000"/>
+      </a:schemeClr>
+    </dgm:linClrLst>
+    <dgm:effectClrLst/>
+    <dgm:txLinClrLst/>
+    <dgm:txFillClrLst meth="repeat">
+      <a:schemeClr val="tx1"/>
+    </dgm:txFillClrLst>
+    <dgm:txEffectClrLst/>
+  </dgm:styleLbl>
+  <dgm:styleLbl name="fgAcc1">
+    <dgm:fillClrLst meth="repeat">
+      <a:schemeClr val="lt1">
+        <a:alpha val="90000"/>
+      </a:schemeClr>
+    </dgm:fillClrLst>
+    <dgm:linClrLst meth="repeat">
+      <a:schemeClr val="accent1"/>
+    </dgm:linClrLst>
+    <dgm:effectClrLst/>
+    <dgm:txLinClrLst/>
+    <dgm:txFillClrLst meth="repeat">
+      <a:schemeClr val="dk1"/>
+    </dgm:txFillClrLst>
+    <dgm:txEffectClrLst/>
+  </dgm:styleLbl>
+  <dgm:styleLbl name="conFgAcc1">
+    <dgm:fillClrLst meth="repeat">
+      <a:schemeClr val="lt1">
+        <a:alpha val="90000"/>
+      </a:schemeClr>
+    </dgm:fillClrLst>
+    <dgm:linClrLst meth="repeat">
+      <a:schemeClr val="accent1"/>
+    </dgm:linClrLst>
+    <dgm:effectClrLst/>
+    <dgm:txLinClrLst/>
+    <dgm:txFillClrLst meth="repeat">
+      <a:schemeClr val="dk1"/>
+    </dgm:txFillClrLst>
+    <dgm:txEffectClrLst/>
+  </dgm:styleLbl>
+  <dgm:styleLbl name="alignAcc1">
+    <dgm:fillClrLst meth="repeat">
+      <a:schemeClr val="lt1">
+        <a:alpha val="90000"/>
+      </a:schemeClr>
+    </dgm:fillClrLst>
+    <dgm:linClrLst meth="repeat">
+      <a:schemeClr val="accent1"/>
+    </dgm:linClrLst>
+    <dgm:effectClrLst/>
+    <dgm:txLinClrLst/>
+    <dgm:txFillClrLst meth="repeat">
+      <a:schemeClr val="dk1"/>
+    </dgm:txFillClrLst>
+    <dgm:txEffectClrLst/>
+  </dgm:styleLbl>
+  <dgm:styleLbl name="trAlignAcc1">
+    <dgm:fillClrLst meth="repeat">
+      <a:schemeClr val="lt1">
+        <a:alpha val="40000"/>
+      </a:schemeClr>
+    </dgm:fillClrLst>
+    <dgm:linClrLst meth="repeat">
+      <a:schemeClr val="accent1"/>
+    </dgm:linClrLst>
+    <dgm:effectClrLst/>
+    <dgm:txLinClrLst/>
+    <dgm:txFillClrLst meth="repeat">
+      <a:schemeClr val="dk1"/>
+    </dgm:txFillClrLst>
+    <dgm:txEffectClrLst/>
+  </dgm:styleLbl>
+  <dgm:styleLbl name="bgAcc1">
+    <dgm:fillClrLst meth="repeat">
+      <a:schemeClr val="lt1">
+        <a:alpha val="90000"/>
+      </a:schemeClr>
+    </dgm:fillClrLst>
+    <dgm:linClrLst meth="repeat">
+      <a:schemeClr val="accent1"/>
+    </dgm:linClrLst>
+    <dgm:effectClrLst/>
+    <dgm:txLinClrLst/>
+    <dgm:txFillClrLst meth="repeat">
+      <a:schemeClr val="dk1"/>
+    </dgm:txFillClrLst>
+    <dgm:txEffectClrLst/>
+  </dgm:styleLbl>
+  <dgm:styleLbl name="solidFgAcc1">
+    <dgm:fillClrLst meth="repeat">
+      <a:schemeClr val="lt1"/>
+    </dgm:fillClrLst>
+    <dgm:linClrLst meth="repeat">
+      <a:schemeClr val="accent1"/>
+    </dgm:linClrLst>
+    <dgm:effectClrLst/>
+    <dgm:txLinClrLst/>
+    <dgm:txFillClrLst meth="repeat">
+      <a:schemeClr val="dk1"/>
+    </dgm:txFillClrLst>
+    <dgm:txEffectClrLst/>
+  </dgm:styleLbl>
+  <dgm:styleLbl name="solidAlignAcc1">
+    <dgm:fillClrLst meth="repeat">
+      <a:schemeClr val="lt1"/>
+    </dgm:fillClrLst>
+    <dgm:linClrLst meth="repeat">
+      <a:schemeClr val="accent1"/>
+    </dgm:linClrLst>
+    <dgm:effectClrLst/>
+    <dgm:txLinClrLst/>
+    <dgm:txFillClrLst meth="repeat">
+      <a:schemeClr val="dk1"/>
+    </dgm:txFillClrLst>
+    <dgm:txEffectClrLst/>
+  </dgm:styleLbl>
+  <dgm:styleLbl name="solidBgAcc1">
+    <dgm:fillClrLst meth="repeat">
+      <a:schemeClr val="lt1"/>
+    </dgm:fillClrLst>
+    <dgm:linClrLst meth="repeat">
+      <a:schemeClr val="accent1"/>
+    </dgm:linClrLst>
+    <dgm:effectClrLst/>
+    <dgm:txLinClrLst/>
+    <dgm:txFillClrLst meth="repeat">
+      <a:schemeClr val="dk1"/>
+    </dgm:txFillClrLst>
+    <dgm:txEffectClrLst/>
+  </dgm:styleLbl>
+  <dgm:styleLbl name="fgAccFollowNode1">
+    <dgm:fillClrLst meth="repeat">
+      <a:schemeClr val="accent1">
+        <a:alpha val="90000"/>
+        <a:tint val="40000"/>
+      </a:schemeClr>
+    </dgm:fillClrLst>
+    <dgm:linClrLst meth="repeat">
+      <a:schemeClr val="accent1">
+        <a:alpha val="90000"/>
+        <a:tint val="40000"/>
+      </a:schemeClr>
+    </dgm:linClrLst>
+    <dgm:effectClrLst/>
+    <dgm:txLinClrLst/>
+    <dgm:txFillClrLst meth="repeat">
+      <a:schemeClr val="dk1"/>
+    </dgm:txFillClrLst>
+    <dgm:txEffectClrLst/>
+  </dgm:styleLbl>
+  <dgm:styleLbl name="alignAccFollowNode1">
+    <dgm:fillClrLst meth="repeat">
+      <a:schemeClr val="accent1">
+        <a:alpha val="90000"/>
+        <a:tint val="40000"/>
+      </a:schemeClr>
+    </dgm:fillClrLst>
+    <dgm:linClrLst meth="repeat">
+      <a:schemeClr val="accent1">
+        <a:alpha val="90000"/>
+        <a:tint val="40000"/>
+      </a:schemeClr>
+    </dgm:linClrLst>
+    <dgm:effectClrLst/>
+    <dgm:txLinClrLst/>
+    <dgm:txFillClrLst meth="repeat">
+      <a:schemeClr val="dk1"/>
+    </dgm:txFillClrLst>
+    <dgm:txEffectClrLst/>
+  </dgm:styleLbl>
+  <dgm:styleLbl name="bgAccFollowNode1">
+    <dgm:fillClrLst meth="repeat">
+      <a:schemeClr val="accent1">
+        <a:alpha val="90000"/>
+        <a:tint val="40000"/>
+      </a:schemeClr>
+    </dgm:fillClrLst>
+    <dgm:linClrLst meth="repeat">
+      <a:schemeClr val="accent1">
+        <a:alpha val="90000"/>
+        <a:tint val="40000"/>
+      </a:schemeClr>
+    </dgm:linClrLst>
+    <dgm:effectClrLst/>
+    <dgm:txLinClrLst/>
+    <dgm:txFillClrLst meth="repeat">
+      <a:schemeClr val="dk1"/>
+    </dgm:txFillClrLst>
+    <dgm:txEffectClrLst/>
+  </dgm:styleLbl>
+  <dgm:styleLbl name="fgAcc0">
+    <dgm:fillClrLst meth="repeat">
+      <a:schemeClr val="lt1">
+        <a:alpha val="90000"/>
+      </a:schemeClr>
+    </dgm:fillClrLst>
+    <dgm:linClrLst meth="repeat">
+      <a:schemeClr val="accent1"/>
+    </dgm:linClrLst>
+    <dgm:effectClrLst/>
+    <dgm:txLinClrLst/>
+    <dgm:txFillClrLst meth="repeat">
+      <a:schemeClr val="dk1"/>
+    </dgm:txFillClrLst>
+    <dgm:txEffectClrLst/>
+  </dgm:styleLbl>
+  <dgm:styleLbl name="fgAcc2">
+    <dgm:fillClrLst meth="repeat">
+      <a:schemeClr val="lt1">
+        <a:alpha val="90000"/>
+      </a:schemeClr>
+    </dgm:fillClrLst>
+    <dgm:linClrLst meth="repeat">
+      <a:schemeClr val="accent1"/>
+    </dgm:linClrLst>
+    <dgm:effectClrLst/>
+    <dgm:txLinClrLst/>
+    <dgm:txFillClrLst meth="repeat">
+      <a:schemeClr val="dk1"/>
+    </dgm:txFillClrLst>
+    <dgm:txEffectClrLst/>
+  </dgm:styleLbl>
+  <dgm:styleLbl name="fgAcc3">
+    <dgm:fillClrLst meth="repeat">
+      <a:schemeClr val="lt1">
+        <a:alpha val="90000"/>
+      </a:schemeClr>
+    </dgm:fillClrLst>
+    <dgm:linClrLst meth="repeat">
+      <a:schemeClr val="accent1"/>
+    </dgm:linClrLst>
+    <dgm:effectClrLst/>
+    <dgm:txLinClrLst/>
+    <dgm:txFillClrLst meth="repeat">
+      <a:schemeClr val="dk1"/>
+    </dgm:txFillClrLst>
+    <dgm:txEffectClrLst/>
+  </dgm:styleLbl>
+  <dgm:styleLbl name="fgAcc4">
+    <dgm:fillClrLst meth="repeat">
+      <a:schemeClr val="lt1">
+        <a:alpha val="90000"/>
+      </a:schemeClr>
+    </dgm:fillClrLst>
+    <dgm:linClrLst meth="repeat">
+      <a:schemeClr val="accent1"/>
+    </dgm:linClrLst>
+    <dgm:effectClrLst/>
+    <dgm:txLinClrLst/>
+    <dgm:txFillClrLst meth="repeat">
+      <a:schemeClr val="dk1"/>
+    </dgm:txFillClrLst>
+    <dgm:txEffectClrLst/>
+  </dgm:styleLbl>
+  <dgm:styleLbl name="bgShp">
+    <dgm:fillClrLst meth="repeat">
+      <a:schemeClr val="accent1">
+        <a:tint val="40000"/>
+      </a:schemeClr>
+    </dgm:fillClrLst>
+    <dgm:linClrLst meth="repeat">
+      <a:schemeClr val="accent1"/>
+    </dgm:linClrLst>
+    <dgm:effectClrLst/>
+    <dgm:txLinClrLst/>
+    <dgm:txFillClrLst meth="repeat">
+      <a:schemeClr val="dk1"/>
+    </dgm:txFillClrLst>
+    <dgm:txEffectClrLst/>
+  </dgm:styleLbl>
+  <dgm:styleLbl name="dkBgShp">
+    <dgm:fillClrLst meth="repeat">
+      <a:schemeClr val="accent1">
+        <a:shade val="80000"/>
+      </a:schemeClr>
+    </dgm:fillClrLst>
+    <dgm:linClrLst meth="repeat">
+      <a:schemeClr val="accent1"/>
+    </dgm:linClrLst>
+    <dgm:effectClrLst/>
+    <dgm:txLinClrLst/>
+    <dgm:txFillClrLst meth="repeat">
+      <a:schemeClr val="lt1"/>
+    </dgm:txFillClrLst>
+    <dgm:txEffectClrLst/>
+  </dgm:styleLbl>
+  <dgm:styleLbl name="trBgShp">
+    <dgm:fillClrLst meth="repeat">
+      <a:schemeClr val="accent1">
+        <a:tint val="50000"/>
+        <a:alpha val="40000"/>
+      </a:schemeClr>
+    </dgm:fillClrLst>
+    <dgm:linClrLst meth="repeat">
+      <a:schemeClr val="accent1"/>
+    </dgm:linClrLst>
+    <dgm:effectClrLst/>
+    <dgm:txLinClrLst/>
+    <dgm:txFillClrLst meth="repeat">
+      <a:schemeClr val="lt1"/>
+    </dgm:txFillClrLst>
+    <dgm:txEffectClrLst/>
+  </dgm:styleLbl>
+  <dgm:styleLbl name="fgShp">
+    <dgm:fillClrLst meth="repeat">
+      <a:schemeClr val="accent1">
+        <a:tint val="60000"/>
+      </a:schemeClr>
+    </dgm:fillClrLst>
+    <dgm:linClrLst meth="repeat">
+      <a:schemeClr val="lt1"/>
+    </dgm:linClrLst>
+    <dgm:effectClrLst/>
+    <dgm:txLinClrLst/>
+    <dgm:txFillClrLst meth="repeat">
+      <a:schemeClr val="dk1"/>
+    </dgm:txFillClrLst>
+    <dgm:txEffectClrLst/>
+  </dgm:styleLbl>
+  <dgm:styleLbl name="revTx">
+    <dgm:fillClrLst meth="repeat">
+      <a:schemeClr val="lt1">
+        <a:alpha val="0"/>
+      </a:schemeClr>
+    </dgm:fillClrLst>
+    <dgm:linClrLst meth="repeat">
+      <a:schemeClr val="dk1">
+        <a:alpha val="0"/>
+      </a:schemeClr>
+    </dgm:linClrLst>
+    <dgm:effectClrLst/>
+    <dgm:txLinClrLst/>
+    <dgm:txFillClrLst meth="repeat">
+      <a:schemeClr val="tx1"/>
+    </dgm:txFillClrLst>
+    <dgm:txEffectClrLst/>
+  </dgm:styleLbl>
+</dgm:colorsDef>
+</file>
+
+<file path=ppt/diagrams/data1.xml><?xml version="1.0" encoding="utf-8"?>
+<dgm:dataModel xmlns:dgm="http://schemas.openxmlformats.org/drawingml/2006/diagram" xmlns:a="http://schemas.openxmlformats.org/drawingml/2006/main">
+  <dgm:ptLst>
+    <dgm:pt modelId="{05AAABBD-083C-4EDC-9FA8-5C1352BD6080}" type="doc">
+      <dgm:prSet loTypeId="urn:microsoft.com/office/officeart/2005/8/layout/chart3" loCatId="cycle" qsTypeId="urn:microsoft.com/office/officeart/2005/8/quickstyle/simple1" qsCatId="simple" csTypeId="urn:microsoft.com/office/officeart/2005/8/colors/accent1_2" csCatId="accent1" phldr="1"/>
+      <dgm:spPr/>
+    </dgm:pt>
+    <dgm:pt modelId="{5F149A56-C76B-4F7A-AF0D-C6D8ACB0E29E}">
+      <dgm:prSet phldrT="[Text]"/>
+      <dgm:spPr/>
+      <dgm:t>
+        <a:bodyPr/>
+        <a:lstStyle/>
+        <a:p>
+          <a:r>
+            <a:rPr lang="en-US" dirty="0"/>
+            <a:t>Structural Design Patterns</a:t>
+          </a:r>
+        </a:p>
+      </dgm:t>
+    </dgm:pt>
+    <dgm:pt modelId="{36398437-A1B4-496D-A5A7-E17598EBACFF}" type="parTrans" cxnId="{04D607BE-13F1-4209-9EAD-F1E0E288F801}">
+      <dgm:prSet/>
+      <dgm:spPr/>
+      <dgm:t>
+        <a:bodyPr/>
+        <a:lstStyle/>
+        <a:p>
+          <a:endParaRPr lang="en-US"/>
+        </a:p>
+      </dgm:t>
+    </dgm:pt>
+    <dgm:pt modelId="{E44C88CD-7C20-4A8F-8364-F57154C8F9B8}" type="sibTrans" cxnId="{04D607BE-13F1-4209-9EAD-F1E0E288F801}">
+      <dgm:prSet/>
+      <dgm:spPr/>
+      <dgm:t>
+        <a:bodyPr/>
+        <a:lstStyle/>
+        <a:p>
+          <a:endParaRPr lang="en-US"/>
+        </a:p>
+      </dgm:t>
+    </dgm:pt>
+    <dgm:pt modelId="{70239800-762F-46CA-97E3-72E8C00EF61F}">
+      <dgm:prSet phldrT="[Text]"/>
+      <dgm:spPr>
+        <a:solidFill>
+          <a:schemeClr val="tx2"/>
+        </a:solidFill>
+      </dgm:spPr>
+      <dgm:t>
+        <a:bodyPr/>
+        <a:lstStyle/>
+        <a:p>
+          <a:r>
+            <a:rPr lang="en-US" dirty="0"/>
+            <a:t>Behavioral Design Patterns</a:t>
+          </a:r>
+        </a:p>
+      </dgm:t>
+    </dgm:pt>
+    <dgm:pt modelId="{F4063642-75E0-4FB4-BA99-4A2DF431A00A}" type="sibTrans" cxnId="{242A7681-5B3E-4038-96B9-F57EA4DAA806}">
+      <dgm:prSet/>
+      <dgm:spPr/>
+      <dgm:t>
+        <a:bodyPr/>
+        <a:lstStyle/>
+        <a:p>
+          <a:endParaRPr lang="en-US"/>
+        </a:p>
+      </dgm:t>
+    </dgm:pt>
+    <dgm:pt modelId="{9DD068CC-88CF-478B-836C-A67D821EAFC1}" type="parTrans" cxnId="{242A7681-5B3E-4038-96B9-F57EA4DAA806}">
+      <dgm:prSet/>
+      <dgm:spPr/>
+      <dgm:t>
+        <a:bodyPr/>
+        <a:lstStyle/>
+        <a:p>
+          <a:endParaRPr lang="en-US"/>
+        </a:p>
+      </dgm:t>
+    </dgm:pt>
+    <dgm:pt modelId="{7623E19D-5747-48A8-87ED-A5E091CF76D4}">
+      <dgm:prSet phldrT="[Text]"/>
+      <dgm:spPr>
+        <a:solidFill>
+          <a:schemeClr val="tx2"/>
+        </a:solidFill>
+      </dgm:spPr>
+      <dgm:t>
+        <a:bodyPr/>
+        <a:lstStyle/>
+        <a:p>
+          <a:r>
+            <a:rPr lang="en-US" dirty="0"/>
+            <a:t>Creational Design Patterns</a:t>
+          </a:r>
+        </a:p>
+      </dgm:t>
+    </dgm:pt>
+    <dgm:pt modelId="{D922D3F2-0C06-4405-BC12-26DA835C1B37}" type="sibTrans" cxnId="{E8BEF173-D555-44BE-B043-12A447F79608}">
+      <dgm:prSet/>
+      <dgm:spPr/>
+      <dgm:t>
+        <a:bodyPr/>
+        <a:lstStyle/>
+        <a:p>
+          <a:endParaRPr lang="en-US"/>
+        </a:p>
+      </dgm:t>
+    </dgm:pt>
+    <dgm:pt modelId="{CF6A409B-AC5A-4E7F-B986-284F1A549978}" type="parTrans" cxnId="{E8BEF173-D555-44BE-B043-12A447F79608}">
+      <dgm:prSet/>
+      <dgm:spPr/>
+      <dgm:t>
+        <a:bodyPr/>
+        <a:lstStyle/>
+        <a:p>
+          <a:endParaRPr lang="en-US"/>
+        </a:p>
+      </dgm:t>
+    </dgm:pt>
+    <dgm:pt modelId="{A2CB7BB9-0BE7-4BFE-8B1A-CED735C5A7A9}" type="pres">
+      <dgm:prSet presAssocID="{05AAABBD-083C-4EDC-9FA8-5C1352BD6080}" presName="compositeShape" presStyleCnt="0">
+        <dgm:presLayoutVars>
+          <dgm:chMax val="7"/>
+          <dgm:dir/>
+          <dgm:resizeHandles val="exact"/>
+        </dgm:presLayoutVars>
+      </dgm:prSet>
+      <dgm:spPr/>
+    </dgm:pt>
+    <dgm:pt modelId="{D7CB0B5D-49A0-4A7E-B8D5-4632BB1DCF22}" type="pres">
+      <dgm:prSet presAssocID="{05AAABBD-083C-4EDC-9FA8-5C1352BD6080}" presName="wedge1" presStyleLbl="node1" presStyleIdx="0" presStyleCnt="3"/>
+      <dgm:spPr/>
+    </dgm:pt>
+    <dgm:pt modelId="{BECFBBEF-D25A-454E-B913-D48D7EF9252F}" type="pres">
+      <dgm:prSet presAssocID="{05AAABBD-083C-4EDC-9FA8-5C1352BD6080}" presName="wedge1Tx" presStyleLbl="node1" presStyleIdx="0" presStyleCnt="3">
+        <dgm:presLayoutVars>
+          <dgm:chMax val="0"/>
+          <dgm:chPref val="0"/>
+          <dgm:bulletEnabled val="1"/>
+        </dgm:presLayoutVars>
+      </dgm:prSet>
+      <dgm:spPr/>
+    </dgm:pt>
+    <dgm:pt modelId="{4F8FEC10-A33A-4A70-956B-6E9FEC0D8716}" type="pres">
+      <dgm:prSet presAssocID="{05AAABBD-083C-4EDC-9FA8-5C1352BD6080}" presName="wedge2" presStyleLbl="node1" presStyleIdx="1" presStyleCnt="3"/>
+      <dgm:spPr/>
+    </dgm:pt>
+    <dgm:pt modelId="{67D108E2-F3A8-4B03-9665-E728DC09AA33}" type="pres">
+      <dgm:prSet presAssocID="{05AAABBD-083C-4EDC-9FA8-5C1352BD6080}" presName="wedge2Tx" presStyleLbl="node1" presStyleIdx="1" presStyleCnt="3">
+        <dgm:presLayoutVars>
+          <dgm:chMax val="0"/>
+          <dgm:chPref val="0"/>
+          <dgm:bulletEnabled val="1"/>
+        </dgm:presLayoutVars>
+      </dgm:prSet>
+      <dgm:spPr/>
+    </dgm:pt>
+    <dgm:pt modelId="{F68DC9CA-7588-418F-8207-F81E893AEA67}" type="pres">
+      <dgm:prSet presAssocID="{05AAABBD-083C-4EDC-9FA8-5C1352BD6080}" presName="wedge3" presStyleLbl="node1" presStyleIdx="2" presStyleCnt="3"/>
+      <dgm:spPr/>
+    </dgm:pt>
+    <dgm:pt modelId="{98A35975-A234-4BFA-8647-216DD2B717FA}" type="pres">
+      <dgm:prSet presAssocID="{05AAABBD-083C-4EDC-9FA8-5C1352BD6080}" presName="wedge3Tx" presStyleLbl="node1" presStyleIdx="2" presStyleCnt="3">
+        <dgm:presLayoutVars>
+          <dgm:chMax val="0"/>
+          <dgm:chPref val="0"/>
+          <dgm:bulletEnabled val="1"/>
+        </dgm:presLayoutVars>
+      </dgm:prSet>
+      <dgm:spPr/>
+    </dgm:pt>
+  </dgm:ptLst>
+  <dgm:cxnLst>
+    <dgm:cxn modelId="{01046401-D45D-4567-8DF9-23B6922F8738}" type="presOf" srcId="{7623E19D-5747-48A8-87ED-A5E091CF76D4}" destId="{F68DC9CA-7588-418F-8207-F81E893AEA67}" srcOrd="0" destOrd="0" presId="urn:microsoft.com/office/officeart/2005/8/layout/chart3"/>
+    <dgm:cxn modelId="{E6B87707-AD42-4F7D-897D-CD661D2C140E}" type="presOf" srcId="{5F149A56-C76B-4F7A-AF0D-C6D8ACB0E29E}" destId="{D7CB0B5D-49A0-4A7E-B8D5-4632BB1DCF22}" srcOrd="0" destOrd="0" presId="urn:microsoft.com/office/officeart/2005/8/layout/chart3"/>
+    <dgm:cxn modelId="{7735BC37-CDFB-491F-A0E3-7C6624555527}" type="presOf" srcId="{7623E19D-5747-48A8-87ED-A5E091CF76D4}" destId="{98A35975-A234-4BFA-8647-216DD2B717FA}" srcOrd="1" destOrd="0" presId="urn:microsoft.com/office/officeart/2005/8/layout/chart3"/>
+    <dgm:cxn modelId="{2F2D4B52-708E-43D7-8332-368BFD0623FE}" type="presOf" srcId="{70239800-762F-46CA-97E3-72E8C00EF61F}" destId="{4F8FEC10-A33A-4A70-956B-6E9FEC0D8716}" srcOrd="0" destOrd="0" presId="urn:microsoft.com/office/officeart/2005/8/layout/chart3"/>
+    <dgm:cxn modelId="{E8BEF173-D555-44BE-B043-12A447F79608}" srcId="{05AAABBD-083C-4EDC-9FA8-5C1352BD6080}" destId="{7623E19D-5747-48A8-87ED-A5E091CF76D4}" srcOrd="2" destOrd="0" parTransId="{CF6A409B-AC5A-4E7F-B986-284F1A549978}" sibTransId="{D922D3F2-0C06-4405-BC12-26DA835C1B37}"/>
+    <dgm:cxn modelId="{242A7681-5B3E-4038-96B9-F57EA4DAA806}" srcId="{05AAABBD-083C-4EDC-9FA8-5C1352BD6080}" destId="{70239800-762F-46CA-97E3-72E8C00EF61F}" srcOrd="1" destOrd="0" parTransId="{9DD068CC-88CF-478B-836C-A67D821EAFC1}" sibTransId="{F4063642-75E0-4FB4-BA99-4A2DF431A00A}"/>
+    <dgm:cxn modelId="{EE510E8E-E21C-47E9-B0CE-28BEAE5335A3}" type="presOf" srcId="{5F149A56-C76B-4F7A-AF0D-C6D8ACB0E29E}" destId="{BECFBBEF-D25A-454E-B913-D48D7EF9252F}" srcOrd="1" destOrd="0" presId="urn:microsoft.com/office/officeart/2005/8/layout/chart3"/>
+    <dgm:cxn modelId="{09E2BA93-8F6E-4D4E-8EAA-9C67C74F0A86}" type="presOf" srcId="{70239800-762F-46CA-97E3-72E8C00EF61F}" destId="{67D108E2-F3A8-4B03-9665-E728DC09AA33}" srcOrd="1" destOrd="0" presId="urn:microsoft.com/office/officeart/2005/8/layout/chart3"/>
+    <dgm:cxn modelId="{04D607BE-13F1-4209-9EAD-F1E0E288F801}" srcId="{05AAABBD-083C-4EDC-9FA8-5C1352BD6080}" destId="{5F149A56-C76B-4F7A-AF0D-C6D8ACB0E29E}" srcOrd="0" destOrd="0" parTransId="{36398437-A1B4-496D-A5A7-E17598EBACFF}" sibTransId="{E44C88CD-7C20-4A8F-8364-F57154C8F9B8}"/>
+    <dgm:cxn modelId="{29E9C7D6-EF0B-4CB4-8EA9-42EBBFFFAD89}" type="presOf" srcId="{05AAABBD-083C-4EDC-9FA8-5C1352BD6080}" destId="{A2CB7BB9-0BE7-4BFE-8B1A-CED735C5A7A9}" srcOrd="0" destOrd="0" presId="urn:microsoft.com/office/officeart/2005/8/layout/chart3"/>
+    <dgm:cxn modelId="{5B821132-DC97-4153-AD36-10CE68835D06}" type="presParOf" srcId="{A2CB7BB9-0BE7-4BFE-8B1A-CED735C5A7A9}" destId="{D7CB0B5D-49A0-4A7E-B8D5-4632BB1DCF22}" srcOrd="0" destOrd="0" presId="urn:microsoft.com/office/officeart/2005/8/layout/chart3"/>
+    <dgm:cxn modelId="{A836EC20-0006-4FF4-97CD-3726B090ECC4}" type="presParOf" srcId="{A2CB7BB9-0BE7-4BFE-8B1A-CED735C5A7A9}" destId="{BECFBBEF-D25A-454E-B913-D48D7EF9252F}" srcOrd="1" destOrd="0" presId="urn:microsoft.com/office/officeart/2005/8/layout/chart3"/>
+    <dgm:cxn modelId="{91564DF7-51EE-4CAB-9289-8FD8F303C92C}" type="presParOf" srcId="{A2CB7BB9-0BE7-4BFE-8B1A-CED735C5A7A9}" destId="{4F8FEC10-A33A-4A70-956B-6E9FEC0D8716}" srcOrd="2" destOrd="0" presId="urn:microsoft.com/office/officeart/2005/8/layout/chart3"/>
+    <dgm:cxn modelId="{989811AC-B1B3-4006-B958-18683BFB114C}" type="presParOf" srcId="{A2CB7BB9-0BE7-4BFE-8B1A-CED735C5A7A9}" destId="{67D108E2-F3A8-4B03-9665-E728DC09AA33}" srcOrd="3" destOrd="0" presId="urn:microsoft.com/office/officeart/2005/8/layout/chart3"/>
+    <dgm:cxn modelId="{68CDA6F1-1914-411D-BD21-FF56DAF3E1D5}" type="presParOf" srcId="{A2CB7BB9-0BE7-4BFE-8B1A-CED735C5A7A9}" destId="{F68DC9CA-7588-418F-8207-F81E893AEA67}" srcOrd="4" destOrd="0" presId="urn:microsoft.com/office/officeart/2005/8/layout/chart3"/>
+    <dgm:cxn modelId="{BD8F389E-5890-4829-97EA-BED53D279C98}" type="presParOf" srcId="{A2CB7BB9-0BE7-4BFE-8B1A-CED735C5A7A9}" destId="{98A35975-A234-4BFA-8647-216DD2B717FA}" srcOrd="5" destOrd="0" presId="urn:microsoft.com/office/officeart/2005/8/layout/chart3"/>
+  </dgm:cxnLst>
+  <dgm:bg/>
+  <dgm:whole/>
+  <dgm:extLst>
+    <a:ext uri="http://schemas.microsoft.com/office/drawing/2008/diagram">
+      <dsp:dataModelExt xmlns:dsp="http://schemas.microsoft.com/office/drawing/2008/diagram" relId="rId6" minVer="http://schemas.openxmlformats.org/drawingml/2006/diagram"/>
+    </a:ext>
+  </dgm:extLst>
+</dgm:dataModel>
+</file>
+
+<file path=ppt/diagrams/drawing1.xml><?xml version="1.0" encoding="utf-8"?>
+<dsp:drawing xmlns:dgm="http://schemas.openxmlformats.org/drawingml/2006/diagram" xmlns:dsp="http://schemas.microsoft.com/office/drawing/2008/diagram" xmlns:a="http://schemas.openxmlformats.org/drawingml/2006/main">
+  <dsp:spTree>
+    <dsp:nvGrpSpPr>
+      <dsp:cNvPr id="0" name=""/>
+      <dsp:cNvGrpSpPr/>
+    </dsp:nvGrpSpPr>
+    <dsp:grpSpPr/>
+    <dsp:sp modelId="{D7CB0B5D-49A0-4A7E-B8D5-4632BB1DCF22}">
+      <dsp:nvSpPr>
+        <dsp:cNvPr id="0" name=""/>
+        <dsp:cNvSpPr/>
+      </dsp:nvSpPr>
+      <dsp:spPr>
+        <a:xfrm>
+          <a:off x="1958111" y="300216"/>
+          <a:ext cx="3736021" cy="3736021"/>
+        </a:xfrm>
+        <a:prstGeom prst="pie">
+          <a:avLst>
+            <a:gd name="adj1" fmla="val 16200000"/>
+            <a:gd name="adj2" fmla="val 1800000"/>
+          </a:avLst>
+        </a:prstGeom>
+        <a:solidFill>
+          <a:schemeClr val="accent1">
+            <a:hueOff val="0"/>
+            <a:satOff val="0"/>
+            <a:lumOff val="0"/>
+            <a:alphaOff val="0"/>
+          </a:schemeClr>
+        </a:solidFill>
+        <a:ln w="12700" cap="flat" cmpd="sng" algn="ctr">
+          <a:solidFill>
+            <a:schemeClr val="lt1">
+              <a:hueOff val="0"/>
+              <a:satOff val="0"/>
+              <a:lumOff val="0"/>
+              <a:alphaOff val="0"/>
+            </a:schemeClr>
+          </a:solidFill>
+          <a:prstDash val="solid"/>
+          <a:miter lim="800000"/>
+        </a:ln>
+        <a:effectLst/>
+      </dsp:spPr>
+      <dsp:style>
+        <a:lnRef idx="2">
+          <a:scrgbClr r="0" g="0" b="0"/>
+        </a:lnRef>
+        <a:fillRef idx="1">
+          <a:scrgbClr r="0" g="0" b="0"/>
+        </a:fillRef>
+        <a:effectRef idx="0">
+          <a:scrgbClr r="0" g="0" b="0"/>
+        </a:effectRef>
+        <a:fontRef idx="minor">
+          <a:schemeClr val="lt1"/>
+        </a:fontRef>
+      </dsp:style>
+      <dsp:txBody>
+        <a:bodyPr spcFirstLastPara="0" vert="horz" wrap="square" lIns="27940" tIns="27940" rIns="27940" bIns="27940" numCol="1" spcCol="1270" anchor="ctr" anchorCtr="0">
+          <a:noAutofit/>
+        </a:bodyPr>
+        <a:lstStyle/>
+        <a:p>
+          <a:pPr marL="0" lvl="0" indent="0" algn="ctr" defTabSz="977900">
+            <a:lnSpc>
+              <a:spcPct val="90000"/>
+            </a:lnSpc>
+            <a:spcBef>
+              <a:spcPct val="0"/>
+            </a:spcBef>
+            <a:spcAft>
+              <a:spcPct val="35000"/>
+            </a:spcAft>
+            <a:buNone/>
+          </a:pPr>
+          <a:r>
+            <a:rPr lang="en-US" sz="2200" kern="1200" dirty="0"/>
+            <a:t>Structural Design Patterns</a:t>
+          </a:r>
+        </a:p>
+      </dsp:txBody>
+      <dsp:txXfrm>
+        <a:off x="3989351" y="989601"/>
+        <a:ext cx="1267578" cy="1245340"/>
+      </dsp:txXfrm>
+    </dsp:sp>
+    <dsp:sp modelId="{4F8FEC10-A33A-4A70-956B-6E9FEC0D8716}">
+      <dsp:nvSpPr>
+        <dsp:cNvPr id="0" name=""/>
+        <dsp:cNvSpPr/>
+      </dsp:nvSpPr>
+      <dsp:spPr>
+        <a:xfrm>
+          <a:off x="1765528" y="411407"/>
+          <a:ext cx="3736021" cy="3736021"/>
+        </a:xfrm>
+        <a:prstGeom prst="pie">
+          <a:avLst>
+            <a:gd name="adj1" fmla="val 1800000"/>
+            <a:gd name="adj2" fmla="val 9000000"/>
+          </a:avLst>
+        </a:prstGeom>
+        <a:solidFill>
+          <a:schemeClr val="tx2"/>
+        </a:solidFill>
+        <a:ln w="12700" cap="flat" cmpd="sng" algn="ctr">
+          <a:solidFill>
+            <a:schemeClr val="lt1">
+              <a:hueOff val="0"/>
+              <a:satOff val="0"/>
+              <a:lumOff val="0"/>
+              <a:alphaOff val="0"/>
+            </a:schemeClr>
+          </a:solidFill>
+          <a:prstDash val="solid"/>
+          <a:miter lim="800000"/>
+        </a:ln>
+        <a:effectLst/>
+      </dsp:spPr>
+      <dsp:style>
+        <a:lnRef idx="2">
+          <a:scrgbClr r="0" g="0" b="0"/>
+        </a:lnRef>
+        <a:fillRef idx="1">
+          <a:scrgbClr r="0" g="0" b="0"/>
+        </a:fillRef>
+        <a:effectRef idx="0">
+          <a:scrgbClr r="0" g="0" b="0"/>
+        </a:effectRef>
+        <a:fontRef idx="minor">
+          <a:schemeClr val="lt1"/>
+        </a:fontRef>
+      </dsp:style>
+      <dsp:txBody>
+        <a:bodyPr spcFirstLastPara="0" vert="horz" wrap="square" lIns="27940" tIns="27940" rIns="27940" bIns="27940" numCol="1" spcCol="1270" anchor="ctr" anchorCtr="0">
+          <a:noAutofit/>
+        </a:bodyPr>
+        <a:lstStyle/>
+        <a:p>
+          <a:pPr marL="0" lvl="0" indent="0" algn="ctr" defTabSz="977900">
+            <a:lnSpc>
+              <a:spcPct val="90000"/>
+            </a:lnSpc>
+            <a:spcBef>
+              <a:spcPct val="0"/>
+            </a:spcBef>
+            <a:spcAft>
+              <a:spcPct val="35000"/>
+            </a:spcAft>
+            <a:buNone/>
+          </a:pPr>
+          <a:r>
+            <a:rPr lang="en-US" sz="2200" kern="1200" dirty="0"/>
+            <a:t>Behavioral Design Patterns</a:t>
+          </a:r>
+        </a:p>
+      </dsp:txBody>
+      <dsp:txXfrm>
+        <a:off x="2788486" y="2768659"/>
+        <a:ext cx="1690105" cy="1156387"/>
+      </dsp:txXfrm>
+    </dsp:sp>
+    <dsp:sp modelId="{F68DC9CA-7588-418F-8207-F81E893AEA67}">
+      <dsp:nvSpPr>
+        <dsp:cNvPr id="0" name=""/>
+        <dsp:cNvSpPr/>
+      </dsp:nvSpPr>
+      <dsp:spPr>
+        <a:xfrm>
+          <a:off x="1765528" y="411407"/>
+          <a:ext cx="3736021" cy="3736021"/>
+        </a:xfrm>
+        <a:prstGeom prst="pie">
+          <a:avLst>
+            <a:gd name="adj1" fmla="val 9000000"/>
+            <a:gd name="adj2" fmla="val 16200000"/>
+          </a:avLst>
+        </a:prstGeom>
+        <a:solidFill>
+          <a:schemeClr val="tx2"/>
+        </a:solidFill>
+        <a:ln w="12700" cap="flat" cmpd="sng" algn="ctr">
+          <a:solidFill>
+            <a:schemeClr val="lt1">
+              <a:hueOff val="0"/>
+              <a:satOff val="0"/>
+              <a:lumOff val="0"/>
+              <a:alphaOff val="0"/>
+            </a:schemeClr>
+          </a:solidFill>
+          <a:prstDash val="solid"/>
+          <a:miter lim="800000"/>
+        </a:ln>
+        <a:effectLst/>
+      </dsp:spPr>
+      <dsp:style>
+        <a:lnRef idx="2">
+          <a:scrgbClr r="0" g="0" b="0"/>
+        </a:lnRef>
+        <a:fillRef idx="1">
+          <a:scrgbClr r="0" g="0" b="0"/>
+        </a:fillRef>
+        <a:effectRef idx="0">
+          <a:scrgbClr r="0" g="0" b="0"/>
+        </a:effectRef>
+        <a:fontRef idx="minor">
+          <a:schemeClr val="lt1"/>
+        </a:fontRef>
+      </dsp:style>
+      <dsp:txBody>
+        <a:bodyPr spcFirstLastPara="0" vert="horz" wrap="square" lIns="27940" tIns="27940" rIns="27940" bIns="27940" numCol="1" spcCol="1270" anchor="ctr" anchorCtr="0">
+          <a:noAutofit/>
+        </a:bodyPr>
+        <a:lstStyle/>
+        <a:p>
+          <a:pPr marL="0" lvl="0" indent="0" algn="ctr" defTabSz="977900">
+            <a:lnSpc>
+              <a:spcPct val="90000"/>
+            </a:lnSpc>
+            <a:spcBef>
+              <a:spcPct val="0"/>
+            </a:spcBef>
+            <a:spcAft>
+              <a:spcPct val="35000"/>
+            </a:spcAft>
+            <a:buNone/>
+          </a:pPr>
+          <a:r>
+            <a:rPr lang="en-US" sz="2200" kern="1200" dirty="0"/>
+            <a:t>Creational Design Patterns</a:t>
+          </a:r>
+        </a:p>
+      </dsp:txBody>
+      <dsp:txXfrm>
+        <a:off x="2165816" y="1145268"/>
+        <a:ext cx="1267578" cy="1245340"/>
+      </dsp:txXfrm>
+    </dsp:sp>
+  </dsp:spTree>
+</dsp:drawing>
+</file>
+
+<file path=ppt/diagrams/layout1.xml><?xml version="1.0" encoding="utf-8"?>
+<dgm:layoutDef xmlns:dgm="http://schemas.openxmlformats.org/drawingml/2006/diagram" xmlns:a="http://schemas.openxmlformats.org/drawingml/2006/main" uniqueId="urn:microsoft.com/office/officeart/2005/8/layout/chart3">
+  <dgm:title val=""/>
+  <dgm:desc val=""/>
+  <dgm:catLst>
+    <dgm:cat type="relationship" pri="27000"/>
+    <dgm:cat type="cycle" pri="8000"/>
+  </dgm:catLst>
+  <dgm:sampData useDef="1">
+    <dgm:dataModel>
+      <dgm:ptLst/>
+      <dgm:bg/>
+      <dgm:whole/>
+    </dgm:dataModel>
+  </dgm:sampData>
+  <dgm:styleData useDef="1">
+    <dgm:dataModel>
+      <dgm:ptLst/>
+      <dgm:bg/>
+      <dgm:whole/>
+    </dgm:dataModel>
+  </dgm:styleData>
+  <dgm:clrData>
+    <dgm:dataModel>
+      <dgm:ptLst>
+        <dgm:pt modelId="0" type="doc"/>
+        <dgm:pt modelId="1"/>
+        <dgm:pt modelId="2"/>
+        <dgm:pt modelId="3"/>
+        <dgm:pt modelId="4"/>
+        <dgm:pt modelId="5"/>
+        <dgm:pt modelId="6"/>
+      </dgm:ptLst>
+      <dgm:cxnLst>
+        <dgm:cxn modelId="7" srcId="0" destId="1" srcOrd="0" destOrd="0"/>
+        <dgm:cxn modelId="8" srcId="0" destId="2" srcOrd="1" destOrd="0"/>
+        <dgm:cxn modelId="9" srcId="0" destId="3" srcOrd="2" destOrd="0"/>
+        <dgm:cxn modelId="10" srcId="0" destId="4" srcOrd="3" destOrd="0"/>
+        <dgm:cxn modelId="11" srcId="0" destId="5" srcOrd="4" destOrd="0"/>
+        <dgm:cxn modelId="12" srcId="0" destId="6" srcOrd="5" destOrd="0"/>
+      </dgm:cxnLst>
+      <dgm:bg/>
+      <dgm:whole/>
+    </dgm:dataModel>
+  </dgm:clrData>
+  <dgm:layoutNode name="compositeShape">
+    <dgm:varLst>
+      <dgm:chMax val="7"/>
+      <dgm:dir/>
+      <dgm:resizeHandles val="exact"/>
+    </dgm:varLst>
+    <dgm:alg type="composite">
+      <dgm:param type="horzAlign" val="ctr"/>
+      <dgm:param type="vertAlign" val="mid"/>
+      <dgm:param type="ar" val="1"/>
+    </dgm:alg>
+    <dgm:presOf/>
+    <dgm:shape xmlns:r="http://schemas.openxmlformats.org/officeDocument/2006/relationships" r:blip="">
+      <dgm:adjLst/>
+    </dgm:shape>
+    <dgm:choose name="Name0">
+      <dgm:if name="Name1" axis="ch" ptType="node" func="cnt" op="equ" val="1">
+        <dgm:constrLst>
+          <dgm:constr type="l" for="ch" forName="wedge1" refType="w" fact="0.08"/>
+          <dgm:constr type="t" for="ch" forName="wedge1" refType="w" fact="0.08"/>
+          <dgm:constr type="w" for="ch" forName="wedge1" refType="w" fact="0.84"/>
+          <dgm:constr type="h" for="ch" forName="wedge1" refType="h" fact="0.84"/>
+          <dgm:constr type="l" for="ch" forName="wedge1Tx" refType="w" fact="0.205"/>
+          <dgm:constr type="t" for="ch" forName="wedge1Tx" refType="h" fact="0.205"/>
+          <dgm:constr type="w" for="ch" forName="wedge1Tx" refType="w" fact="0.59"/>
+          <dgm:constr type="h" for="ch" forName="wedge1Tx" refType="h" fact="0.59"/>
+          <dgm:constr type="primFontSz" for="ch" ptType="node" op="equ"/>
+        </dgm:constrLst>
+      </dgm:if>
+      <dgm:if name="Name2" axis="ch" ptType="node" func="cnt" op="equ" val="2">
+        <dgm:constrLst>
+          <dgm:constr type="l" for="ch" forName="wedge1" refType="w" fact="0.1"/>
+          <dgm:constr type="t" for="ch" forName="wedge1" refType="w" fact="0.08"/>
+          <dgm:constr type="w" for="ch" forName="wedge1" refType="w" fact="0.84"/>
+          <dgm:constr type="h" for="ch" forName="wedge1" refType="h" fact="0.84"/>
+          <dgm:constr type="l" for="ch" forName="wedge1Tx" refType="w" fact="0.52"/>
+          <dgm:constr type="t" for="ch" forName="wedge1Tx" refType="h" fact="0.205"/>
+          <dgm:constr type="w" for="ch" forName="wedge1Tx" refType="w" fact="0.295"/>
+          <dgm:constr type="h" for="ch" forName="wedge1Tx" refType="h" fact="0.59"/>
+          <dgm:constr type="l" for="ch" forName="wedge2" refType="w" fact="0.08"/>
+          <dgm:constr type="t" for="ch" forName="wedge2" refType="w" fact="0.08"/>
+          <dgm:constr type="w" for="ch" forName="wedge2" refType="w" fact="0.84"/>
+          <dgm:constr type="h" for="ch" forName="wedge2" refType="h" fact="0.84"/>
+          <dgm:constr type="l" for="ch" forName="wedge2Tx" refType="w" fact="0.2"/>
+          <dgm:constr type="t" for="ch" forName="wedge2Tx" refType="h" fact="0.205"/>
+          <dgm:constr type="w" for="ch" forName="wedge2Tx" refType="w" fact="0.295"/>
+          <dgm:constr type="h" for="ch" forName="wedge2Tx" refType="h" fact="0.59"/>
+          <dgm:constr type="primFontSz" for="ch" ptType="node" op="equ"/>
+        </dgm:constrLst>
+      </dgm:if>
+      <dgm:if name="Name3" axis="ch" ptType="node" func="cnt" op="equ" val="3">
+        <dgm:choose name="Name4">
+          <dgm:if name="Name5" func="var" arg="dir" op="equ" val="norm">
+            <dgm:constrLst>
+              <dgm:constr type="l" for="ch" forName="wedge1" refType="w" fact="0.1233"/>
+              <dgm:constr type="t" for="ch" forName="wedge1" refType="w" fact="0.055"/>
+              <dgm:constr type="w" for="ch" forName="wedge1" refType="w" fact="0.84"/>
+              <dgm:constr type="h" for="ch" forName="wedge1" refType="h" fact="0.84"/>
+              <dgm:constr type="l" for="ch" forName="wedge1Tx" refType="w" fact="0.58"/>
+              <dgm:constr type="t" for="ch" forName="wedge1Tx" refType="h" fact="0.21"/>
+              <dgm:constr type="w" for="ch" forName="wedge1Tx" refType="w" fact="0.285"/>
+              <dgm:constr type="h" for="ch" forName="wedge1Tx" refType="h" fact="0.28"/>
+              <dgm:constr type="l" for="ch" forName="wedge2" refType="w" fact="0.08"/>
+              <dgm:constr type="t" for="ch" forName="wedge2" refType="w" fact="0.08"/>
+              <dgm:constr type="w" for="ch" forName="wedge2" refType="w" fact="0.84"/>
+              <dgm:constr type="h" for="ch" forName="wedge2" refType="h" fact="0.84"/>
+              <dgm:constr type="l" for="ch" forName="wedge2Tx" refType="w" fact="0.31"/>
+              <dgm:constr type="t" for="ch" forName="wedge2Tx" refType="h" fact="0.61"/>
+              <dgm:constr type="w" for="ch" forName="wedge2Tx" refType="w" fact="0.38"/>
+              <dgm:constr type="h" for="ch" forName="wedge2Tx" refType="h" fact="0.26"/>
+              <dgm:constr type="l" for="ch" forName="wedge3" refType="w" fact="0.08"/>
+              <dgm:constr type="t" for="ch" forName="wedge3" refType="w" fact="0.08"/>
+              <dgm:constr type="w" for="ch" forName="wedge3" refType="w" fact="0.84"/>
+              <dgm:constr type="h" for="ch" forName="wedge3" refType="h" fact="0.84"/>
+              <dgm:constr type="l" for="ch" forName="wedge3Tx" refType="w" fact="0.17"/>
+              <dgm:constr type="t" for="ch" forName="wedge3Tx" refType="h" fact="0.245"/>
+              <dgm:constr type="w" for="ch" forName="wedge3Tx" refType="w" fact="0.285"/>
+              <dgm:constr type="h" for="ch" forName="wedge3Tx" refType="h" fact="0.28"/>
+              <dgm:constr type="primFontSz" for="ch" ptType="node" op="equ"/>
+            </dgm:constrLst>
+          </dgm:if>
+          <dgm:else name="Name6">
+            <dgm:constrLst>
+              <dgm:constr type="l" for="ch" forName="wedge1" refType="w" fact="0.08"/>
+              <dgm:constr type="t" for="ch" forName="wedge1" refType="w" fact="0.08"/>
+              <dgm:constr type="w" for="ch" forName="wedge1" refType="w" fact="0.84"/>
+              <dgm:constr type="h" for="ch" forName="wedge1" refType="h" fact="0.84"/>
+              <dgm:constr type="l" for="ch" forName="wedge1Tx" refType="w" fact="0.545"/>
+              <dgm:constr type="t" for="ch" forName="wedge1Tx" refType="h" fact="0.245"/>
+              <dgm:constr type="w" for="ch" forName="wedge1Tx" refType="w" fact="0.285"/>
+              <dgm:constr type="h" for="ch" forName="wedge1Tx" refType="h" fact="0.28"/>
+              <dgm:constr type="l" for="ch" forName="wedge2" refType="w" fact="0.08"/>
+              <dgm:constr type="t" for="ch" forName="wedge2" refType="w" fact="0.08"/>
+              <dgm:constr type="w" for="ch" forName="wedge2" refType="w" fact="0.84"/>
+              <dgm:constr type="h" for="ch" forName="wedge2" refType="h" fact="0.84"/>
+              <dgm:constr type="l" for="ch" forName="wedge2Tx" refType="w" fact="0.31"/>
+              <dgm:constr type="t" for="ch" forName="wedge2Tx" refType="h" fact="0.61"/>
+              <dgm:constr type="w" for="ch" forName="wedge2Tx" refType="w" fact="0.38"/>
+              <dgm:constr type="h" for="ch" forName="wedge2Tx" refType="h" fact="0.26"/>
+              <dgm:constr type="l" for="ch" forName="wedge3" refType="w" fact="0.0367"/>
+              <dgm:constr type="t" for="ch" forName="wedge3" refType="w" fact="0.055"/>
+              <dgm:constr type="w" for="ch" forName="wedge3" refType="w" fact="0.84"/>
+              <dgm:constr type="h" for="ch" forName="wedge3" refType="h" fact="0.84"/>
+              <dgm:constr type="l" for="ch" forName="wedge3Tx" refType="w" fact="0.14"/>
+              <dgm:constr type="t" for="ch" forName="wedge3Tx" refType="h" fact="0.21"/>
+              <dgm:constr type="w" for="ch" forName="wedge3Tx" refType="w" fact="0.285"/>
+              <dgm:constr type="h" for="ch" forName="wedge3Tx" refType="h" fact="0.28"/>
+              <dgm:constr type="primFontSz" for="ch" ptType="node" op="equ"/>
+            </dgm:constrLst>
+          </dgm:else>
+        </dgm:choose>
+      </dgm:if>
+      <dgm:if name="Name7" axis="ch" ptType="node" func="cnt" op="equ" val="4">
+        <dgm:choose name="Name8">
+          <dgm:if name="Name9" func="var" arg="dir" op="equ" val="norm">
+            <dgm:constrLst>
+              <dgm:constr type="l" for="ch" forName="wedge1" refType="w" fact="0.1154"/>
+              <dgm:constr type="t" for="ch" forName="wedge1" refType="w" fact="0.0446"/>
+              <dgm:constr type="w" for="ch" forName="wedge1" refType="w" fact="0.84"/>
+              <dgm:constr type="h" for="ch" forName="wedge1" refType="h" fact="0.84"/>
+              <dgm:constr type="l" for="ch" forName="wedge1Tx" refType="w" fact="0.545"/>
+              <dgm:constr type="t" for="ch" forName="wedge1Tx" refType="h" fact="0.2"/>
+              <dgm:constr type="w" for="ch" forName="wedge1Tx" refType="w" fact="0.31"/>
+              <dgm:constr type="h" for="ch" forName="wedge1Tx" refType="h" fact="0.25"/>
+              <dgm:constr type="l" for="ch" forName="wedge2" refType="w" fact="0.08"/>
+              <dgm:constr type="t" for="ch" forName="wedge2" refType="w" fact="0.08"/>
+              <dgm:constr type="w" for="ch" forName="wedge2" refType="w" fact="0.84"/>
+              <dgm:constr type="h" for="ch" forName="wedge2" refType="h" fact="0.84"/>
+              <dgm:constr type="l" for="ch" forName="wedge2Tx" refType="w" fact="0.515"/>
+              <dgm:constr type="t" for="ch" forName="wedge2Tx" refType="h" fact="0.515"/>
+              <dgm:constr type="w" for="ch" forName="wedge2Tx" refType="w" fact="0.31"/>
+              <dgm:constr type="h" for="ch" forName="wedge2Tx" refType="h" fact="0.25"/>
+              <dgm:constr type="l" for="ch" forName="wedge3" refType="w" fact="0.08"/>
+              <dgm:constr type="t" for="ch" forName="wedge3" refType="w" fact="0.08"/>
+              <dgm:constr type="w" for="ch" forName="wedge3" refType="w" fact="0.84"/>
+              <dgm:constr type="h" for="ch" forName="wedge3" refType="h" fact="0.84"/>
+              <dgm:constr type="l" for="ch" forName="wedge3Tx" refType="w" fact="0.175"/>
+              <dgm:constr type="t" for="ch" forName="wedge3Tx" refType="h" fact="0.515"/>
+              <dgm:constr type="w" for="ch" forName="wedge3Tx" refType="w" fact="0.31"/>
+              <dgm:constr type="h" for="ch" forName="wedge3Tx" refType="h" fact="0.25"/>
+              <dgm:constr type="l" for="ch" forName="wedge4" refType="w" fact="0.08"/>
+              <dgm:constr type="t" for="ch" forName="wedge4" refType="h" fact="0.08"/>
+              <dgm:constr type="w" for="ch" forName="wedge4" refType="w" fact="0.84"/>
+              <dgm:constr type="h" for="ch" forName="wedge4" refType="h" fact="0.84"/>
+              <dgm:constr type="l" for="ch" forName="wedge4Tx" refType="w" fact="0.175"/>
+              <dgm:constr type="t" for="ch" forName="wedge4Tx" refType="h" fact="0.235"/>
+              <dgm:constr type="w" for="ch" forName="wedge4Tx" refType="w" fact="0.31"/>
+              <dgm:constr type="h" for="ch" forName="wedge4Tx" refType="h" fact="0.25"/>
+              <dgm:constr type="primFontSz" for="ch" ptType="node" op="equ"/>
+            </dgm:constrLst>
+          </dgm:if>
+          <dgm:else name="Name10">
+            <dgm:constrLst>
+              <dgm:constr type="l" for="ch" forName="wedge1" refType="w" fact="0.08"/>
+              <dgm:constr type="t" for="ch" forName="wedge1" refType="w" fact="0.08"/>
+              <dgm:constr type="w" for="ch" forName="wedge1" refType="w" fact="0.84"/>
+              <dgm:constr type="h" for="ch" forName="wedge1" refType="h" fact="0.84"/>
+              <dgm:constr type="l" for="ch" forName="wedge1Tx" refType="w" fact="0.515"/>
+              <dgm:constr type="t" for="ch" forName="wedge1Tx" refType="h" fact="0.235"/>
+              <dgm:constr type="w" for="ch" forName="wedge1Tx" refType="w" fact="0.31"/>
+              <dgm:constr type="h" for="ch" forName="wedge1Tx" refType="h" fact="0.25"/>
+              <dgm:constr type="l" for="ch" forName="wedge2" refType="w" fact="0.08"/>
+              <dgm:constr type="t" for="ch" forName="wedge2" refType="w" fact="0.08"/>
+              <dgm:constr type="w" for="ch" forName="wedge2" refType="w" fact="0.84"/>
+              <dgm:constr type="h" for="ch" forName="wedge2" refType="h" fact="0.84"/>
+              <dgm:constr type="l" for="ch" forName="wedge2Tx" refType="w" fact="0.515"/>
+              <dgm:constr type="t" for="ch" forName="wedge2Tx" refType="h" fact="0.515"/>
+              <dgm:constr type="w" for="ch" forName="wedge2Tx" refType="w" fact="0.31"/>
+              <dgm:constr type="h" for="ch" forName="wedge2Tx" refType="h" fact="0.25"/>
+              <dgm:constr type="l" for="ch" forName="wedge3" refType="w" fact="0.08"/>
+              <dgm:constr type="t" for="ch" forName="wedge3" refType="w" fact="0.08"/>
+              <dgm:constr type="w" for="ch" forName="wedge3" refType="w" fact="0.84"/>
+              <dgm:constr type="h" for="ch" forName="wedge3" refType="h" fact="0.84"/>
+              <dgm:constr type="l" for="ch" forName="wedge3Tx" refType="w" fact="0.175"/>
+              <dgm:constr type="t" for="ch" forName="wedge3Tx" refType="h" fact="0.515"/>
+              <dgm:constr type="w" for="ch" forName="wedge3Tx" refType="w" fact="0.31"/>
+              <dgm:constr type="h" for="ch" forName="wedge3Tx" refType="h" fact="0.25"/>
+              <dgm:constr type="l" for="ch" forName="wedge4" refType="w" fact="0.0446"/>
+              <dgm:constr type="t" for="ch" forName="wedge4" refType="h" fact="0.0446"/>
+              <dgm:constr type="w" for="ch" forName="wedge4" refType="w" fact="0.84"/>
+              <dgm:constr type="h" for="ch" forName="wedge4" refType="h" fact="0.84"/>
+              <dgm:constr type="l" for="ch" forName="wedge4Tx" refType="w" fact="0.145"/>
+              <dgm:constr type="t" for="ch" forName="wedge4Tx" refType="h" fact="0.2"/>
+              <dgm:constr type="w" for="ch" forName="wedge4Tx" refType="w" fact="0.31"/>
+              <dgm:constr type="h" for="ch" forName="wedge4Tx" refType="h" fact="0.25"/>
+              <dgm:constr type="primFontSz" for="ch" ptType="node" op="equ"/>
+            </dgm:constrLst>
+          </dgm:else>
+        </dgm:choose>
+      </dgm:if>
+      <dgm:if name="Name11" axis="ch" ptType="node" func="cnt" op="equ" val="5">
+        <dgm:choose name="Name12">
+          <dgm:if name="Name13" func="var" arg="dir" op="equ" val="norm">
+            <dgm:constrLst>
+              <dgm:constr type="l" for="ch" forName="wedge1" refType="w" fact="0.1094"/>
+              <dgm:constr type="t" for="ch" forName="wedge1" refType="w" fact="0.0395"/>
+              <dgm:constr type="w" for="ch" forName="wedge1" refType="w" fact="0.84"/>
+              <dgm:constr type="h" for="ch" forName="wedge1" refType="h" fact="0.84"/>
+              <dgm:constr type="l" for="ch" forName="wedge1Tx" refType="w" fact="0.54"/>
+              <dgm:constr type="t" for="ch" forName="wedge1Tx" refType="h" fact="0.165"/>
+              <dgm:constr type="w" for="ch" forName="wedge1Tx" refType="w" fact="0.285"/>
+              <dgm:constr type="h" for="ch" forName="wedge1Tx" refType="h" fact="0.195"/>
+              <dgm:constr type="l" for="ch" forName="wedge2" refType="w" fact="0.08"/>
+              <dgm:constr type="t" for="ch" forName="wedge2" refType="w" fact="0.08"/>
+              <dgm:constr type="w" for="ch" forName="wedge2" refType="w" fact="0.84"/>
+              <dgm:constr type="h" for="ch" forName="wedge2" refType="h" fact="0.84"/>
+              <dgm:constr type="l" for="ch" forName="wedge2Tx" refType="w" fact="0.629"/>
+              <dgm:constr type="t" for="ch" forName="wedge2Tx" refType="h" fact="0.46"/>
+              <dgm:constr type="w" for="ch" forName="wedge2Tx" refType="w" fact="0.25"/>
+              <dgm:constr type="h" for="ch" forName="wedge2Tx" refType="h" fact="0.211"/>
+              <dgm:constr type="l" for="ch" forName="wedge3" refType="w" fact="0.08"/>
+              <dgm:constr type="t" for="ch" forName="wedge3" refType="w" fact="0.08"/>
+              <dgm:constr type="w" for="ch" forName="wedge3" refType="w" fact="0.84"/>
+              <dgm:constr type="h" for="ch" forName="wedge3" refType="h" fact="0.84"/>
+              <dgm:constr type="l" for="ch" forName="wedge3Tx" refType="w" fact="0.35"/>
+              <dgm:constr type="t" for="ch" forName="wedge3Tx" refType="h" fact="0.71"/>
+              <dgm:constr type="w" for="ch" forName="wedge3Tx" refType="w" fact="0.3"/>
+              <dgm:constr type="h" for="ch" forName="wedge3Tx" refType="h" fact="0.18"/>
+              <dgm:constr type="l" for="ch" forName="wedge4" refType="w" fact="0.08"/>
+              <dgm:constr type="t" for="ch" forName="wedge4" refType="h" fact="0.08"/>
+              <dgm:constr type="w" for="ch" forName="wedge4" refType="w" fact="0.84"/>
+              <dgm:constr type="h" for="ch" forName="wedge4" refType="h" fact="0.84"/>
+              <dgm:constr type="l" for="ch" forName="wedge4Tx" refType="w" fact="0.12"/>
+              <dgm:constr type="t" for="ch" forName="wedge4Tx" refType="h" fact="0.46"/>
+              <dgm:constr type="w" for="ch" forName="wedge4Tx" refType="w" fact="0.25"/>
+              <dgm:constr type="h" for="ch" forName="wedge4Tx" refType="h" fact="0.211"/>
+              <dgm:constr type="l" for="ch" forName="wedge5" refType="w" fact="0.08"/>
+              <dgm:constr type="t" for="ch" forName="wedge5" refType="h" fact="0.08"/>
+              <dgm:constr type="w" for="ch" forName="wedge5" refType="w" fact="0.84"/>
+              <dgm:constr type="h" for="ch" forName="wedge5" refType="h" fact="0.84"/>
+              <dgm:constr type="l" for="ch" forName="wedge5Tx" refType="w" fact="0.2025"/>
+              <dgm:constr type="t" for="ch" forName="wedge5Tx" refType="h" fact="0.208"/>
+              <dgm:constr type="w" for="ch" forName="wedge5Tx" refType="w" fact="0.285"/>
+              <dgm:constr type="h" for="ch" forName="wedge5Tx" refType="h" fact="0.195"/>
+              <dgm:constr type="primFontSz" for="ch" ptType="node" op="equ"/>
+            </dgm:constrLst>
+          </dgm:if>
+          <dgm:else name="Name14">
+            <dgm:constrLst>
+              <dgm:constr type="l" for="ch" forName="wedge1" refType="w" fact="0.08"/>
+              <dgm:constr type="t" for="ch" forName="wedge1" refType="w" fact="0.08"/>
+              <dgm:constr type="w" for="ch" forName="wedge1" refType="w" fact="0.84"/>
+              <dgm:constr type="h" for="ch" forName="wedge1" refType="h" fact="0.84"/>
+              <dgm:constr type="l" for="ch" forName="wedge1Tx" refType="w" fact="0.51"/>
+              <dgm:constr type="t" for="ch" forName="wedge1Tx" refType="h" fact="0.208"/>
+              <dgm:constr type="w" for="ch" forName="wedge1Tx" refType="w" fact="0.285"/>
+              <dgm:constr type="h" for="ch" forName="wedge1Tx" refType="h" fact="0.195"/>
+              <dgm:constr type="l" for="ch" forName="wedge2" refType="w" fact="0.08"/>
+              <dgm:constr type="t" for="ch" forName="wedge2" refType="w" fact="0.08"/>
+              <dgm:constr type="w" for="ch" forName="wedge2" refType="w" fact="0.84"/>
+              <dgm:constr type="h" for="ch" forName="wedge2" refType="h" fact="0.84"/>
+              <dgm:constr type="l" for="ch" forName="wedge2Tx" refType="w" fact="0.629"/>
+              <dgm:constr type="t" for="ch" forName="wedge2Tx" refType="h" fact="0.46"/>
+              <dgm:constr type="w" for="ch" forName="wedge2Tx" refType="w" fact="0.25"/>
+              <dgm:constr type="h" for="ch" forName="wedge2Tx" refType="h" fact="0.211"/>
+              <dgm:constr type="l" for="ch" forName="wedge3" refType="w" fact="0.08"/>
+              <dgm:constr type="t" for="ch" forName="wedge3" refType="w" fact="0.08"/>
+              <dgm:constr type="w" for="ch" forName="wedge3" refType="w" fact="0.84"/>
+              <dgm:constr type="h" for="ch" forName="wedge3" refType="h" fact="0.84"/>
+              <dgm:constr type="l" for="ch" forName="wedge3Tx" refType="w" fact="0.35"/>
+              <dgm:constr type="t" for="ch" forName="wedge3Tx" refType="h" fact="0.71"/>
+              <dgm:constr type="w" for="ch" forName="wedge3Tx" refType="w" fact="0.3"/>
+              <dgm:constr type="h" for="ch" forName="wedge3Tx" refType="h" fact="0.18"/>
+              <dgm:constr type="l" for="ch" forName="wedge4" refType="w" fact="0.08"/>
+              <dgm:constr type="t" for="ch" forName="wedge4" refType="h" fact="0.08"/>
+              <dgm:constr type="w" for="ch" forName="wedge4" refType="w" fact="0.84"/>
+              <dgm:constr type="h" for="ch" forName="wedge4" refType="h" fact="0.84"/>
+              <dgm:constr type="l" for="ch" forName="wedge4Tx" refType="w" fact="0.12"/>
+              <dgm:constr type="t" for="ch" forName="wedge4Tx" refType="h" fact="0.46"/>
+              <dgm:constr type="w" for="ch" forName="wedge4Tx" refType="w" fact="0.25"/>
+              <dgm:constr type="h" for="ch" forName="wedge4Tx" refType="h" fact="0.211"/>
+              <dgm:constr type="l" for="ch" forName="wedge5" refType="w" fact="0.0506"/>
+              <dgm:constr type="t" for="ch" forName="wedge5" refType="h" fact="0.0395"/>
+              <dgm:constr type="w" for="ch" forName="wedge5" refType="w" fact="0.84"/>
+              <dgm:constr type="h" for="ch" forName="wedge5" refType="h" fact="0.84"/>
+              <dgm:constr type="l" for="ch" forName="wedge5Tx" refType="w" fact="0.18"/>
+              <dgm:constr type="t" for="ch" forName="wedge5Tx" refType="h" fact="0.165"/>
+              <dgm:constr type="w" for="ch" forName="wedge5Tx" refType="w" fact="0.285"/>
+              <dgm:constr type="h" for="ch" forName="wedge5Tx" refType="h" fact="0.195"/>
+              <dgm:constr type="primFontSz" for="ch" ptType="node" op="equ"/>
+            </dgm:constrLst>
+          </dgm:else>
+        </dgm:choose>
+      </dgm:if>
+      <dgm:if name="Name15" axis="ch" ptType="node" func="cnt" op="equ" val="6">
+        <dgm:choose name="Name16">
+          <dgm:if name="Name17" func="var" arg="dir" op="equ" val="norm">
+            <dgm:constrLst>
+              <dgm:constr type="l" for="ch" forName="wedge1" refType="w" fact="0.105"/>
+              <dgm:constr type="t" for="ch" forName="wedge1" refType="w" fact="0.0367"/>
+              <dgm:constr type="w" for="ch" forName="wedge1" refType="w" fact="0.84"/>
+              <dgm:constr type="h" for="ch" forName="wedge1" refType="h" fact="0.84"/>
+              <dgm:constr type="l" for="ch" forName="wedge1Tx" refType="w" fact="0.534"/>
+              <dgm:constr type="t" for="ch" forName="wedge1Tx" refType="h" fact="0.1267"/>
+              <dgm:constr type="w" for="ch" forName="wedge1Tx" refType="w" fact="0.245"/>
+              <dgm:constr type="h" for="ch" forName="wedge1Tx" refType="h" fact="0.18"/>
+              <dgm:constr type="l" for="ch" forName="wedge2" refType="w" fact="0.08"/>
+              <dgm:constr type="t" for="ch" forName="wedge2" refType="w" fact="0.08"/>
+              <dgm:constr type="w" for="ch" forName="wedge2" refType="w" fact="0.84"/>
+              <dgm:constr type="h" for="ch" forName="wedge2" refType="h" fact="0.84"/>
+              <dgm:constr type="l" for="ch" forName="wedge2Tx" refType="w" fact="0.655"/>
+              <dgm:constr type="t" for="ch" forName="wedge2Tx" refType="h" fact="0.415"/>
+              <dgm:constr type="w" for="ch" forName="wedge2Tx" refType="w" fact="0.254"/>
+              <dgm:constr type="h" for="ch" forName="wedge2Tx" refType="h" fact="0.17"/>
+              <dgm:constr type="l" for="ch" forName="wedge3" refType="w" fact="0.08"/>
+              <dgm:constr type="t" for="ch" forName="wedge3" refType="w" fact="0.08"/>
+              <dgm:constr type="w" for="ch" forName="wedge3" refType="w" fact="0.84"/>
+              <dgm:constr type="h" for="ch" forName="wedge3" refType="h" fact="0.84"/>
+              <dgm:constr type="l" for="ch" forName="wedge3Tx" refType="w" fact="0.509"/>
+              <dgm:constr type="t" for="ch" forName="wedge3Tx" refType="h" fact="0.65"/>
+              <dgm:constr type="w" for="ch" forName="wedge3Tx" refType="w" fact="0.245"/>
+              <dgm:constr type="h" for="ch" forName="wedge3Tx" refType="h" fact="0.18"/>
+              <dgm:constr type="l" for="ch" forName="wedge4" refType="w" fact="0.08"/>
+              <dgm:constr type="t" for="ch" forName="wedge4" refType="h" fact="0.08"/>
+              <dgm:constr type="w" for="ch" forName="wedge4" refType="w" fact="0.84"/>
+              <dgm:constr type="h" for="ch" forName="wedge4" refType="h" fact="0.84"/>
+              <dgm:constr type="l" for="ch" forName="wedge4Tx" refType="w" fact="0.246"/>
+              <dgm:constr type="t" for="ch" forName="wedge4Tx" refType="h" fact="0.65"/>
+              <dgm:constr type="w" for="ch" forName="wedge4Tx" refType="w" fact="0.245"/>
+              <dgm:constr type="h" for="ch" forName="wedge4Tx" refType="h" fact="0.18"/>
+              <dgm:constr type="l" for="ch" forName="wedge5" refType="w" fact="0.08"/>
+              <dgm:constr type="t" for="ch" forName="wedge5" refType="h" fact="0.08"/>
+              <dgm:constr type="w" for="ch" forName="wedge5" refType="w" fact="0.84"/>
+              <dgm:constr type="h" for="ch" forName="wedge5" refType="h" fact="0.84"/>
+              <dgm:constr type="l" for="ch" forName="wedge5Tx" refType="w" fact="0.093"/>
+              <dgm:constr type="t" for="ch" forName="wedge5Tx" refType="h" fact="0.415"/>
+              <dgm:constr type="w" for="ch" forName="wedge5Tx" refType="w" fact="0.254"/>
+              <dgm:constr type="h" for="ch" forName="wedge5Tx" refType="h" fact="0.17"/>
+              <dgm:constr type="l" for="ch" forName="wedge6" refType="w" fact="0.08"/>
+              <dgm:constr type="t" for="ch" forName="wedge6" refType="h" fact="0.08"/>
+              <dgm:constr type="w" for="ch" forName="wedge6" refType="w" fact="0.84"/>
+              <dgm:constr type="h" for="ch" forName="wedge6" refType="h" fact="0.84"/>
+              <dgm:constr type="l" for="ch" forName="wedge6Tx" refType="w" fact="0.246"/>
+              <dgm:constr type="t" for="ch" forName="wedge6Tx" refType="h" fact="0.17"/>
+              <dgm:constr type="w" for="ch" forName="wedge6Tx" refType="w" fact="0.245"/>
+              <dgm:constr type="h" for="ch" forName="wedge6Tx" refType="h" fact="0.18"/>
+              <dgm:constr type="primFontSz" for="ch" ptType="node" op="equ"/>
+            </dgm:constrLst>
+          </dgm:if>
+          <dgm:else name="Name18">
+            <dgm:constrLst>
+              <dgm:constr type="l" for="ch" forName="wedge1" refType="w" fact="0.08"/>
+              <dgm:constr type="t" for="ch" forName="wedge1" refType="w" fact="0.08"/>
+              <dgm:constr type="w" for="ch" forName="wedge1" refType="w" fact="0.84"/>
+              <dgm:constr type="h" for="ch" forName="wedge1" refType="h" fact="0.84"/>
+              <dgm:constr type="l" for="ch" forName="wedge1Tx" refType="w" fact="0.509"/>
+              <dgm:constr type="t" for="ch" forName="wedge1Tx" refType="h" fact="0.17"/>
+              <dgm:constr type="w" for="ch" forName="wedge1Tx" refType="w" fact="0.245"/>
+              <dgm:constr type="h" for="ch" forName="wedge1Tx" refType="h" fact="0.18"/>
+              <dgm:constr type="l" for="ch" forName="wedge2" refType="w" fact="0.08"/>
+              <dgm:constr type="t" for="ch" forName="wedge2" refType="w" fact="0.08"/>
+              <dgm:constr type="w" for="ch" forName="wedge2" refType="w" fact="0.84"/>
+              <dgm:constr type="h" for="ch" forName="wedge2" refType="h" fact="0.84"/>
+              <dgm:constr type="l" for="ch" forName="wedge2Tx" refType="w" fact="0.655"/>
+              <dgm:constr type="t" for="ch" forName="wedge2Tx" refType="h" fact="0.415"/>
+              <dgm:constr type="w" for="ch" forName="wedge2Tx" refType="w" fact="0.254"/>
+              <dgm:constr type="h" for="ch" forName="wedge2Tx" refType="h" fact="0.17"/>
+              <dgm:constr type="l" for="ch" forName="wedge3" refType="w" fact="0.08"/>
+              <dgm:constr type="t" for="ch" forName="wedge3" refType="w" fact="0.08"/>
+              <dgm:constr type="w" for="ch" forName="wedge3" refType="w" fact="0.84"/>
+              <dgm:constr type="h" for="ch" forName="wedge3" refType="h" fact="0.84"/>
+              <dgm:constr type="l" for="ch" forName="wedge3Tx" refType="w" fact="0.509"/>
+              <dgm:constr type="t" for="ch" forName="wedge3Tx" refType="h" fact="0.65"/>
+              <dgm:constr type="w" for="ch" forName="wedge3Tx" refType="w" fact="0.245"/>
+              <dgm:constr type="h" for="ch" forName="wedge3Tx" refType="h" fact="0.18"/>
+              <dgm:constr type="l" for="ch" forName="wedge4" refType="w" fact="0.08"/>
+              <dgm:constr type="t" for="ch" forName="wedge4" refType="h" fact="0.08"/>
+              <dgm:constr type="w" for="ch" forName="wedge4" refType="w" fact="0.84"/>
+              <dgm:constr type="h" for="ch" forName="wedge4" refType="h" fact="0.84"/>
+              <dgm:constr type="l" for="ch" forName="wedge4Tx" refType="w" fact="0.246"/>
+              <dgm:constr type="t" for="ch" forName="wedge4Tx" refType="h" fact="0.65"/>
+              <dgm:constr type="w" for="ch" forName="wedge4Tx" refType="w" fact="0.245"/>
+              <dgm:constr type="h" for="ch" forName="wedge4Tx" refType="h" fact="0.18"/>
+              <dgm:constr type="l" for="ch" forName="wedge5" refType="w" fact="0.08"/>
+              <dgm:constr type="t" for="ch" forName="wedge5" refType="h" fact="0.08"/>
+              <dgm:constr type="w" for="ch" forName="wedge5" refType="w" fact="0.84"/>
+              <dgm:constr type="h" for="ch" forName="wedge5" refType="h" fact="0.84"/>
+              <dgm:constr type="l" for="ch" forName="wedge5Tx" refType="w" fact="0.093"/>
+              <dgm:constr type="t" for="ch" forName="wedge5Tx" refType="h" fact="0.415"/>
+              <dgm:constr type="w" for="ch" forName="wedge5Tx" refType="w" fact="0.254"/>
+              <dgm:constr type="h" for="ch" forName="wedge5Tx" refType="h" fact="0.17"/>
+              <dgm:constr type="l" for="ch" forName="wedge6" refType="w" fact="0.055"/>
+              <dgm:constr type="t" for="ch" forName="wedge6" refType="h" fact="0.0367"/>
+              <dgm:constr type="w" for="ch" forName="wedge6" refType="w" fact="0.84"/>
+              <dgm:constr type="h" for="ch" forName="wedge6" refType="h" fact="0.84"/>
+              <dgm:constr type="l" for="ch" forName="wedge6Tx" refType="w" fact="0.221"/>
+              <dgm:constr type="t" for="ch" forName="wedge6Tx" refType="h" fact="0.1267"/>
+              <dgm:constr type="w" for="ch" forName="wedge6Tx" refType="w" fact="0.245"/>
+              <dgm:constr type="h" for="ch" forName="wedge6Tx" refType="h" fact="0.18"/>
+              <dgm:constr type="primFontSz" for="ch" ptType="node" op="equ"/>
+            </dgm:constrLst>
+          </dgm:else>
+        </dgm:choose>
+      </dgm:if>
+      <dgm:else name="Name19">
+        <dgm:choose name="Name20">
+          <dgm:if name="Name21" func="var" arg="dir" op="equ" val="norm">
+            <dgm:constrLst>
+              <dgm:constr type="l" for="ch" forName="wedge1" refType="w" fact="0.1017"/>
+              <dgm:constr type="t" for="ch" forName="wedge1" refType="w" fact="0.035"/>
+              <dgm:constr type="w" for="ch" forName="wedge1" refType="w" fact="0.84"/>
+              <dgm:constr type="h" for="ch" forName="wedge1" refType="h" fact="0.84"/>
+              <dgm:constr type="l" for="ch" forName="wedge1Tx" refType="w" fact="0.53"/>
+              <dgm:constr type="t" for="ch" forName="wedge1Tx" refType="h" fact="0.115"/>
+              <dgm:constr type="w" for="ch" forName="wedge1Tx" refType="w" fact="0.23"/>
+              <dgm:constr type="h" for="ch" forName="wedge1Tx" refType="h" fact="0.145"/>
+              <dgm:constr type="l" for="ch" forName="wedge2" refType="w" fact="0.08"/>
+              <dgm:constr type="t" for="ch" forName="wedge2" refType="w" fact="0.08"/>
+              <dgm:constr type="w" for="ch" forName="wedge2" refType="w" fact="0.84"/>
+              <dgm:constr type="h" for="ch" forName="wedge2" refType="h" fact="0.84"/>
+              <dgm:constr type="l" for="ch" forName="wedge2Tx" refType="w" fact="0.655"/>
+              <dgm:constr type="t" for="ch" forName="wedge2Tx" refType="h" fact="0.38"/>
+              <dgm:constr type="w" for="ch" forName="wedge2Tx" refType="w" fact="0.244"/>
+              <dgm:constr type="h" for="ch" forName="wedge2Tx" refType="h" fact="0.155"/>
+              <dgm:constr type="l" for="ch" forName="wedge3" refType="w" fact="0.08"/>
+              <dgm:constr type="t" for="ch" forName="wedge3" refType="w" fact="0.08"/>
+              <dgm:constr type="w" for="ch" forName="wedge3" refType="w" fact="0.84"/>
+              <dgm:constr type="h" for="ch" forName="wedge3" refType="h" fact="0.84"/>
+              <dgm:constr type="l" for="ch" forName="wedge3Tx" refType="w" fact="0.62"/>
+              <dgm:constr type="t" for="ch" forName="wedge3Tx" refType="h" fact="0.58"/>
+              <dgm:constr type="w" for="ch" forName="wedge3Tx" refType="w" fact="0.22"/>
+              <dgm:constr type="h" for="ch" forName="wedge3Tx" refType="h" fact="0.16"/>
+              <dgm:constr type="l" for="ch" forName="wedge4" refType="w" fact="0.08"/>
+              <dgm:constr type="t" for="ch" forName="wedge4" refType="h" fact="0.08"/>
+              <dgm:constr type="w" for="ch" forName="wedge4" refType="w" fact="0.84"/>
+              <dgm:constr type="h" for="ch" forName="wedge4" refType="h" fact="0.84"/>
+              <dgm:constr type="l" for="ch" forName="wedge4Tx" refType="w" fact="0.3875"/>
+              <dgm:constr type="t" for="ch" forName="wedge4Tx" refType="h" fact="0.74"/>
+              <dgm:constr type="w" for="ch" forName="wedge4Tx" refType="w" fact="0.225"/>
+              <dgm:constr type="h" for="ch" forName="wedge4Tx" refType="h" fact="0.16"/>
+              <dgm:constr type="l" for="ch" forName="wedge5" refType="w" fact="0.08"/>
+              <dgm:constr type="t" for="ch" forName="wedge5" refType="h" fact="0.08"/>
+              <dgm:constr type="w" for="ch" forName="wedge5" refType="w" fact="0.84"/>
+              <dgm:constr type="h" for="ch" forName="wedge5" refType="h" fact="0.84"/>
+              <dgm:constr type="l" for="ch" forName="wedge5Tx" refType="w" fact="0.16"/>
+              <dgm:constr type="t" for="ch" forName="wedge5Tx" refType="h" fact="0.58"/>
+              <dgm:constr type="w" for="ch" forName="wedge5Tx" refType="w" fact="0.22"/>
+              <dgm:constr type="h" for="ch" forName="wedge5Tx" refType="h" fact="0.16"/>
+              <dgm:constr type="l" for="ch" forName="wedge6" refType="w" fact="0.08"/>
+              <dgm:constr type="t" for="ch" forName="wedge6" refType="h" fact="0.08"/>
+              <dgm:constr type="w" for="ch" forName="wedge6" refType="w" fact="0.84"/>
+              <dgm:constr type="h" for="ch" forName="wedge6" refType="h" fact="0.84"/>
+              <dgm:constr type="l" for="ch" forName="wedge6Tx" refType="w" fact="0.101"/>
+              <dgm:constr type="t" for="ch" forName="wedge6Tx" refType="h" fact="0.38"/>
+              <dgm:constr type="w" for="ch" forName="wedge6Tx" refType="w" fact="0.244"/>
+              <dgm:constr type="h" for="ch" forName="wedge6Tx" refType="h" fact="0.155"/>
+              <dgm:constr type="l" for="ch" forName="wedge7" refType="w" fact="0.08"/>
+              <dgm:constr type="t" for="ch" forName="wedge7" refType="h" fact="0.08"/>
+              <dgm:constr type="w" for="ch" forName="wedge7" refType="w" fact="0.84"/>
+              <dgm:constr type="h" for="ch" forName="wedge7" refType="h" fact="0.84"/>
+              <dgm:constr type="l" for="ch" forName="wedge7Tx" refType="w" fact="0.262"/>
+              <dgm:constr type="t" for="ch" forName="wedge7Tx" refType="h" fact="0.16"/>
+              <dgm:constr type="w" for="ch" forName="wedge7Tx" refType="w" fact="0.23"/>
+              <dgm:constr type="h" for="ch" forName="wedge7Tx" refType="h" fact="0.145"/>
+              <dgm:constr type="primFontSz" for="ch" ptType="node" op="equ"/>
+            </dgm:constrLst>
+          </dgm:if>
+          <dgm:else name="Name22">
+            <dgm:constrLst>
+              <dgm:constr type="l" for="ch" forName="wedge1" refType="w" fact="0.08"/>
+              <dgm:constr type="t" for="ch" forName="wedge1" refType="w" fact="0.08"/>
+              <dgm:constr type="w" for="ch" forName="wedge1" refType="w" fact="0.84"/>
+              <dgm:constr type="h" for="ch" forName="wedge1" refType="h" fact="0.84"/>
+              <dgm:constr type="l" for="ch" forName="wedge1Tx" refType="w" fact="0.508"/>
+              <dgm:constr type="t" for="ch" forName="wedge1Tx" refType="h" fact="0.16"/>
+              <dgm:constr type="w" for="ch" forName="wedge1Tx" refType="w" fact="0.23"/>
+              <dgm:constr type="h" for="ch" forName="wedge1Tx" refType="h" fact="0.145"/>
+              <dgm:constr type="l" for="ch" forName="wedge2" refType="w" fact="0.08"/>
+              <dgm:constr type="t" for="ch" forName="wedge2" refType="w" fact="0.08"/>
+              <dgm:constr type="w" for="ch" forName="wedge2" refType="w" fact="0.84"/>
+              <dgm:constr type="h" for="ch" forName="wedge2" refType="h" fact="0.84"/>
+              <dgm:constr type="l" for="ch" forName="wedge2Tx" refType="w" fact="0.655"/>
+              <dgm:constr type="t" for="ch" forName="wedge2Tx" refType="h" fact="0.38"/>
+              <dgm:constr type="w" for="ch" forName="wedge2Tx" refType="w" fact="0.244"/>
+              <dgm:constr type="h" for="ch" forName="wedge2Tx" refType="h" fact="0.155"/>
+              <dgm:constr type="l" for="ch" forName="wedge3" refType="w" fact="0.08"/>
+              <dgm:constr type="t" for="ch" forName="wedge3" refType="w" fact="0.08"/>
+              <dgm:constr type="w" for="ch" forName="wedge3" refType="w" fact="0.84"/>
+              <dgm:constr type="h" for="ch" forName="wedge3" refType="h" fact="0.84"/>
+              <dgm:constr type="l" for="ch" forName="wedge3Tx" refType="w" fact="0.62"/>
+              <dgm:constr type="t" for="ch" forName="wedge3Tx" refType="h" fact="0.58"/>
+              <dgm:constr type="w" for="ch" forName="wedge3Tx" refType="w" fact="0.22"/>
+              <dgm:constr type="h" for="ch" forName="wedge3Tx" refType="h" fact="0.16"/>
+              <dgm:constr type="l" for="ch" forName="wedge4" refType="w" fact="0.08"/>
+              <dgm:constr type="t" for="ch" forName="wedge4" refType="h" fact="0.08"/>
+              <dgm:constr type="w" for="ch" forName="wedge4" refType="w" fact="0.84"/>
+              <dgm:constr type="h" for="ch" forName="wedge4" refType="h" fact="0.84"/>
+              <dgm:constr type="l" for="ch" forName="wedge4Tx" refType="w" fact="0.3875"/>
+              <dgm:constr type="t" for="ch" forName="wedge4Tx" refType="h" fact="0.74"/>
+              <dgm:constr type="w" for="ch" forName="wedge4Tx" refType="w" fact="0.225"/>
+              <dgm:constr type="h" for="ch" forName="wedge4Tx" refType="h" fact="0.16"/>
+              <dgm:constr type="l" for="ch" forName="wedge5" refType="w" fact="0.08"/>
+              <dgm:constr type="t" for="ch" forName="wedge5" refType="h" fact="0.08"/>
+              <dgm:constr type="w" for="ch" forName="wedge5" refType="w" fact="0.84"/>
+              <dgm:constr type="h" for="ch" forName="wedge5" refType="h" fact="0.84"/>
+              <dgm:constr type="l" for="ch" forName="wedge5Tx" refType="w" fact="0.16"/>
+              <dgm:constr type="t" for="ch" forName="wedge5Tx" refType="h" fact="0.58"/>
+              <dgm:constr type="w" for="ch" forName="wedge5Tx" refType="w" fact="0.22"/>
+              <dgm:constr type="h" for="ch" forName="wedge5Tx" refType="h" fact="0.16"/>
+              <dgm:constr type="l" for="ch" forName="wedge6" refType="w" fact="0.08"/>
+              <dgm:constr type="t" for="ch" forName="wedge6" refType="h" fact="0.08"/>
+              <dgm:constr type="w" for="ch" forName="wedge6" refType="w" fact="0.84"/>
+              <dgm:constr type="h" for="ch" forName="wedge6" refType="h" fact="0.84"/>
+              <dgm:constr type="l" for="ch" forName="wedge6Tx" refType="w" fact="0.101"/>
+              <dgm:constr type="t" for="ch" forName="wedge6Tx" refType="h" fact="0.38"/>
+              <dgm:constr type="w" for="ch" forName="wedge6Tx" refType="w" fact="0.244"/>
+              <dgm:constr type="h" for="ch" forName="wedge6Tx" refType="h" fact="0.155"/>
+              <dgm:constr type="l" for="ch" forName="wedge7" refType="w" fact="0.0583"/>
+              <dgm:constr type="t" for="ch" forName="wedge7" refType="h" fact="0.035"/>
+              <dgm:constr type="w" for="ch" forName="wedge7" refType="w" fact="0.84"/>
+              <dgm:constr type="h" for="ch" forName="wedge7" refType="h" fact="0.84"/>
+              <dgm:constr type="l" for="ch" forName="wedge7Tx" refType="w" fact="0.2403"/>
+              <dgm:constr type="t" for="ch" forName="wedge7Tx" refType="h" fact="0.115"/>
+              <dgm:constr type="w" for="ch" forName="wedge7Tx" refType="w" fact="0.23"/>
+              <dgm:constr type="h" for="ch" forName="wedge7Tx" refType="h" fact="0.145"/>
+              <dgm:constr type="primFontSz" for="ch" ptType="node" op="equ"/>
+            </dgm:constrLst>
+          </dgm:else>
+        </dgm:choose>
+      </dgm:else>
+    </dgm:choose>
+    <dgm:ruleLst/>
+    <dgm:choose name="Name23">
+      <dgm:if name="Name24" axis="ch" ptType="node" func="cnt" op="gte" val="1">
+        <dgm:layoutNode name="wedge1">
+          <dgm:alg type="sp"/>
+          <dgm:choose name="Name25">
+            <dgm:if name="Name26" axis="ch" ptType="node" func="cnt" op="equ" val="1">
+              <dgm:shape xmlns:r="http://schemas.openxmlformats.org/officeDocument/2006/relationships" type="ellipse" r:blip="">
+                <dgm:adjLst/>
+              </dgm:shape>
+            </dgm:if>
+            <dgm:if name="Name27" axis="ch" ptType="node" func="cnt" op="equ" val="2">
+              <dgm:shape xmlns:r="http://schemas.openxmlformats.org/officeDocument/2006/relationships" type="pie" r:blip="">
+                <dgm:adjLst>
+                  <dgm:adj idx="1" val="270"/>
+                  <dgm:adj idx="2" val="90"/>
+                </dgm:adjLst>
+              </dgm:shape>
+            </dgm:if>
+            <dgm:if name="Name28" axis="ch" ptType="node" func="cnt" op="equ" val="3">
+              <dgm:shape xmlns:r="http://schemas.openxmlformats.org/officeDocument/2006/relationships" type="pie" r:blip="">
+                <dgm:adjLst>
+                  <dgm:adj idx="1" val="270"/>
+                  <dgm:adj idx="2" val="30"/>
+                </dgm:adjLst>
+              </dgm:shape>
+            </dgm:if>
+            <dgm:if name="Name29" axis="ch" ptType="node" func="cnt" op="equ" val="4">
+              <dgm:shape xmlns:r="http://schemas.openxmlformats.org/officeDocument/2006/relationships" type="pie" r:blip="">
+                <dgm:adjLst>
+                  <dgm:adj idx="1" val="270"/>
+                  <dgm:adj idx="2" val="0"/>
+                </dgm:adjLst>
+              </dgm:shape>
+            </dgm:if>
+            <dgm:if name="Name30" axis="ch" ptType="node" func="cnt" op="equ" val="5">
+              <dgm:shape xmlns:r="http://schemas.openxmlformats.org/officeDocument/2006/relationships" type="pie" r:blip="">
+                <dgm:adjLst>
+                  <dgm:adj idx="1" val="270"/>
+                  <dgm:adj idx="2" val="342"/>
+                </dgm:adjLst>
+              </dgm:shape>
+            </dgm:if>
+            <dgm:if name="Name31" axis="ch" ptType="node" func="cnt" op="equ" val="6">
+              <dgm:shape xmlns:r="http://schemas.openxmlformats.org/officeDocument/2006/relationships" type="pie" r:blip="">
+                <dgm:adjLst>
+                  <dgm:adj idx="1" val="270"/>
+                  <dgm:adj idx="2" val="330"/>
+                </dgm:adjLst>
+              </dgm:shape>
+            </dgm:if>
+            <dgm:else name="Name32">
+              <dgm:shape xmlns:r="http://schemas.openxmlformats.org/officeDocument/2006/relationships" type="pie" r:blip="">
+                <dgm:adjLst>
+                  <dgm:adj idx="1" val="270"/>
+                  <dgm:adj idx="2" val="321.4286"/>
+                </dgm:adjLst>
+              </dgm:shape>
+            </dgm:else>
+          </dgm:choose>
+          <dgm:choose name="Name33">
+            <dgm:if name="Name34" func="var" arg="dir" op="equ" val="norm">
+              <dgm:presOf axis="ch desOrSelf" ptType="node node" st="1 1" cnt="1 0"/>
+            </dgm:if>
+            <dgm:else name="Name35">
+              <dgm:choose name="Name36">
+                <dgm:if name="Name37" axis="ch" ptType="node" func="cnt" op="equ" val="1">
+                  <dgm:presOf axis="ch desOrSelf" ptType="node node" st="1 1" cnt="1 0"/>
+                </dgm:if>
+                <dgm:if name="Name38" axis="ch" ptType="node" func="cnt" op="equ" val="2">
+                  <dgm:presOf axis="ch desOrSelf" ptType="node node" st="2 1" cnt="1 0"/>
+                </dgm:if>
+                <dgm:if name="Name39" axis="ch" ptType="node" func="cnt" op="equ" val="3">
+                  <dgm:presOf axis="ch desOrSelf" ptType="node node" st="3 1" cnt="1 0"/>
+                </dgm:if>
+                <dgm:if name="Name40" axis="ch" ptType="node" func="cnt" op="equ" val="4">
+                  <dgm:presOf axis="ch desOrSelf" ptType="node node" st="4 1" cnt="1 0"/>
+                </dgm:if>
+                <dgm:if name="Name41" axis="ch" ptType="node" func="cnt" op="equ" val="5">
+                  <dgm:presOf axis="ch desOrSelf" ptType="node node" st="5 1" cnt="1 0"/>
+                </dgm:if>
+                <dgm:if name="Name42" axis="ch" ptType="node" func="cnt" op="equ" val="6">
+                  <dgm:presOf axis="ch desOrSelf" ptType="node node" st="6 1" cnt="1 0"/>
+                </dgm:if>
+                <dgm:else name="Name43">
+                  <dgm:presOf axis="ch desOrSelf" ptType="node node" st="7 1" cnt="1 0"/>
+                </dgm:else>
+              </dgm:choose>
+            </dgm:else>
+          </dgm:choose>
+          <dgm:constrLst/>
+          <dgm:ruleLst/>
+        </dgm:layoutNode>
+        <dgm:layoutNode name="wedge1Tx" moveWith="wedge1">
+          <dgm:varLst>
+            <dgm:chMax val="0"/>
+            <dgm:chPref val="0"/>
+            <dgm:bulletEnabled val="1"/>
+          </dgm:varLst>
+          <dgm:alg type="tx"/>
+          <dgm:shape xmlns:r="http://schemas.openxmlformats.org/officeDocument/2006/relationships" type="rect" r:blip="" hideGeom="1">
+            <dgm:adjLst/>
+          </dgm:shape>
+          <dgm:choose name="Name44">
+            <dgm:if name="Name45" func="var" arg="dir" op="equ" val="norm">
+              <dgm:presOf axis="ch desOrSelf" ptType="node node" st="1 1" cnt="1 0"/>
+            </dgm:if>
+            <dgm:else name="Name46">
+              <dgm:choose name="Name47">
+                <dgm:if name="Name48" axis="ch" ptType="node" func="cnt" op="equ" val="1">
+                  <dgm:presOf axis="ch desOrSelf" ptType="node node" st="1 1" cnt="1 0"/>
+                </dgm:if>
+                <dgm:if name="Name49" axis="ch" ptType="node" func="cnt" op="equ" val="2">
+                  <dgm:presOf axis="ch desOrSelf" ptType="node node" st="2 1" cnt="1 0"/>
+                </dgm:if>
+                <dgm:if name="Name50" axis="ch" ptType="node" func="cnt" op="equ" val="3">
+                  <dgm:presOf axis="ch desOrSelf" ptType="node node" st="3 1" cnt="1 0"/>
+                </dgm:if>
+                <dgm:if name="Name51" axis="ch" ptType="node" func="cnt" op="equ" val="4">
+                  <dgm:presOf axis="ch desOrSelf" ptType="node node" st="4 1" cnt="1 0"/>
+                </dgm:if>
+                <dgm:if name="Name52" axis="ch" ptType="node" func="cnt" op="equ" val="5">
+                  <dgm:presOf axis="ch desOrSelf" ptType="node node" st="5 1" cnt="1 0"/>
+                </dgm:if>
+                <dgm:if name="Name53" axis="ch" ptType="node" func="cnt" op="equ" val="6">
+                  <dgm:presOf axis="ch desOrSelf" ptType="node node" st="6 1" cnt="1 0"/>
+                </dgm:if>
+                <dgm:else name="Name54">
+                  <dgm:presOf axis="ch desOrSelf" ptType="node node" st="7 1" cnt="1 0"/>
+                </dgm:else>
+              </dgm:choose>
+            </dgm:else>
+          </dgm:choose>
+          <dgm:constrLst>
+            <dgm:constr type="tMarg" refType="primFontSz" fact="0.1"/>
+            <dgm:constr type="bMarg" refType="primFontSz" fact="0.1"/>
+            <dgm:constr type="lMarg" refType="primFontSz" fact="0.1"/>
+            <dgm:constr type="rMarg" refType="primFontSz" fact="0.1"/>
+            <dgm:constr type="primFontSz" val="65"/>
+          </dgm:constrLst>
+          <dgm:ruleLst>
+            <dgm:rule type="primFontSz" val="5" fact="NaN" max="NaN"/>
+          </dgm:ruleLst>
+        </dgm:layoutNode>
+      </dgm:if>
+      <dgm:else name="Name55"/>
+    </dgm:choose>
+    <dgm:choose name="Name56">
+      <dgm:if name="Name57" axis="ch" ptType="node" func="cnt" op="gte" val="2">
+        <dgm:layoutNode name="wedge2">
+          <dgm:alg type="sp"/>
+          <dgm:choose name="Name58">
+            <dgm:if name="Name59" axis="ch" ptType="node" func="cnt" op="equ" val="2">
+              <dgm:shape xmlns:r="http://schemas.openxmlformats.org/officeDocument/2006/relationships" type="pie" r:blip="">
+                <dgm:adjLst>
+                  <dgm:adj idx="1" val="90"/>
+                  <dgm:adj idx="2" val="270"/>
+                </dgm:adjLst>
+              </dgm:shape>
+            </dgm:if>
+            <dgm:if name="Name60" axis="ch" ptType="node" func="cnt" op="equ" val="3">
+              <dgm:shape xmlns:r="http://schemas.openxmlformats.org/officeDocument/2006/relationships" type="pie" r:blip="">
+                <dgm:adjLst>
+                  <dgm:adj idx="1" val="30"/>
+                  <dgm:adj idx="2" val="150"/>
+                </dgm:adjLst>
+              </dgm:shape>
+            </dgm:if>
+            <dgm:if name="Name61" axis="ch" ptType="node" func="cnt" op="equ" val="4">
+              <dgm:shape xmlns:r="http://schemas.openxmlformats.org/officeDocument/2006/relationships" type="pie" r:blip="">
+                <dgm:adjLst>
+                  <dgm:adj idx="1" val="0"/>
+                  <dgm:adj idx="2" val="90"/>
+                </dgm:adjLst>
+              </dgm:shape>
+            </dgm:if>
+            <dgm:if name="Name62" axis="ch" ptType="node" func="cnt" op="equ" val="5">
+              <dgm:shape xmlns:r="http://schemas.openxmlformats.org/officeDocument/2006/relationships" type="pie" r:blip="">
+                <dgm:adjLst>
+                  <dgm:adj idx="1" val="342"/>
+                  <dgm:adj idx="2" val="54"/>
+                </dgm:adjLst>
+              </dgm:shape>
+            </dgm:if>
+            <dgm:if name="Name63" axis="ch" ptType="node" func="cnt" op="equ" val="6">
+              <dgm:shape xmlns:r="http://schemas.openxmlformats.org/officeDocument/2006/relationships" type="pie" r:blip="">
+                <dgm:adjLst>
+                  <dgm:adj idx="1" val="330"/>
+                  <dgm:adj idx="2" val="30"/>
+                </dgm:adjLst>
+              </dgm:shape>
+            </dgm:if>
+            <dgm:else name="Name64">
+              <dgm:shape xmlns:r="http://schemas.openxmlformats.org/officeDocument/2006/relationships" type="pie" r:blip="">
+                <dgm:adjLst>
+                  <dgm:adj idx="1" val="321.4286"/>
+                  <dgm:adj idx="2" val="12.85714"/>
+                </dgm:adjLst>
+              </dgm:shape>
+            </dgm:else>
+          </dgm:choose>
+          <dgm:choose name="Name65">
+            <dgm:if name="Name66" func="var" arg="dir" op="equ" val="norm">
+              <dgm:presOf axis="ch desOrSelf" ptType="node node" st="2 1" cnt="1 0"/>
+            </dgm:if>
+            <dgm:else name="Name67">
+              <dgm:choose name="Name68">
+                <dgm:if name="Name69" axis="ch" ptType="node" func="cnt" op="equ" val="2">
+                  <dgm:presOf axis="ch desOrSelf" ptType="node node" st="1 1" cnt="1 0"/>
+                </dgm:if>
+                <dgm:if name="Name70" axis="ch" ptType="node" func="cnt" op="equ" val="3">
+                  <dgm:presOf axis="ch desOrSelf" ptType="node node" st="2 1" cnt="1 0"/>
+                </dgm:if>
+                <dgm:if name="Name71" axis="ch" ptType="node" func="cnt" op="equ" val="4">
+                  <dgm:presOf axis="ch desOrSelf" ptType="node node" st="3 1" cnt="1 0"/>
+                </dgm:if>
+                <dgm:if name="Name72" axis="ch" ptType="node" func="cnt" op="equ" val="5">
+                  <dgm:presOf axis="ch desOrSelf" ptType="node node" st="4 1" cnt="1 0"/>
+                </dgm:if>
+                <dgm:if name="Name73" axis="ch" ptType="node" func="cnt" op="equ" val="6">
+                  <dgm:presOf axis="ch desOrSelf" ptType="node node" st="5 1" cnt="1 0"/>
+                </dgm:if>
+                <dgm:else name="Name74">
+                  <dgm:presOf axis="ch desOrSelf" ptType="node node" st="6 1" cnt="1 0"/>
+                </dgm:else>
+              </dgm:choose>
+            </dgm:else>
+          </dgm:choose>
+          <dgm:constrLst/>
+          <dgm:ruleLst/>
+        </dgm:layoutNode>
+        <dgm:layoutNode name="wedge2Tx" moveWith="wedge2">
+          <dgm:varLst>
+            <dgm:chMax val="0"/>
+            <dgm:chPref val="0"/>
+            <dgm:bulletEnabled val="1"/>
+          </dgm:varLst>
+          <dgm:alg type="tx"/>
+          <dgm:shape xmlns:r="http://schemas.openxmlformats.org/officeDocument/2006/relationships" type="rect" r:blip="" hideGeom="1">
+            <dgm:adjLst/>
+          </dgm:shape>
+          <dgm:choose name="Name75">
+            <dgm:if name="Name76" func="var" arg="dir" op="equ" val="norm">
+              <dgm:presOf axis="ch desOrSelf" ptType="node node" st="2 1" cnt="1 0"/>
+            </dgm:if>
+            <dgm:else name="Name77">
+              <dgm:choose name="Name78">
+                <dgm:if name="Name79" axis="ch" ptType="node" func="cnt" op="equ" val="2">
+                  <dgm:presOf axis="ch desOrSelf" ptType="node node" st="1 1" cnt="1 0"/>
+                </dgm:if>
+                <dgm:if name="Name80" axis="ch" ptType="node" func="cnt" op="equ" val="3">
+                  <dgm:presOf axis="ch desOrSelf" ptType="node node" st="2 1" cnt="1 0"/>
+                </dgm:if>
+                <dgm:if name="Name81" axis="ch" ptType="node" func="cnt" op="equ" val="4">
+                  <dgm:presOf axis="ch desOrSelf" ptType="node node" st="3 1" cnt="1 0"/>
+                </dgm:if>
+                <dgm:if name="Name82" axis="ch" ptType="node" func="cnt" op="equ" val="5">
+                  <dgm:presOf axis="ch desOrSelf" ptType="node node" st="4 1" cnt="1 0"/>
+                </dgm:if>
+                <dgm:if name="Name83" axis="ch" ptType="node" func="cnt" op="equ" val="6">
+                  <dgm:presOf axis="ch desOrSelf" ptType="node node" st="5 1" cnt="1 0"/>
+                </dgm:if>
+                <dgm:else name="Name84">
+                  <dgm:presOf axis="ch desOrSelf" ptType="node node" st="6 1" cnt="1 0"/>
+                </dgm:else>
+              </dgm:choose>
+            </dgm:else>
+          </dgm:choose>
+          <dgm:constrLst>
+            <dgm:constr type="tMarg" refType="primFontSz" fact="0.1"/>
+            <dgm:constr type="bMarg" refType="primFontSz" fact="0.1"/>
+            <dgm:constr type="lMarg" refType="primFontSz" fact="0.1"/>
+            <dgm:constr type="rMarg" refType="primFontSz" fact="0.1"/>
+            <dgm:constr type="primFontSz" val="65"/>
+          </dgm:constrLst>
+          <dgm:ruleLst>
+            <dgm:rule type="primFontSz" val="5" fact="NaN" max="NaN"/>
+          </dgm:ruleLst>
+        </dgm:layoutNode>
+      </dgm:if>
+      <dgm:else name="Name85"/>
+    </dgm:choose>
+    <dgm:choose name="Name86">
+      <dgm:if name="Name87" axis="ch" ptType="node" func="cnt" op="gte" val="3">
+        <dgm:layoutNode name="wedge3">
+          <dgm:alg type="sp"/>
+          <dgm:choose name="Name88">
+            <dgm:if name="Name89" axis="ch" ptType="node" func="cnt" op="equ" val="3">
+              <dgm:shape xmlns:r="http://schemas.openxmlformats.org/officeDocument/2006/relationships" type="pie" r:blip="">
+                <dgm:adjLst>
+                  <dgm:adj idx="1" val="150"/>
+                  <dgm:adj idx="2" val="270"/>
+                </dgm:adjLst>
+              </dgm:shape>
+            </dgm:if>
+            <dgm:if name="Name90" axis="ch" ptType="node" func="cnt" op="equ" val="4">
+              <dgm:shape xmlns:r="http://schemas.openxmlformats.org/officeDocument/2006/relationships" type="pie" r:blip="">
+                <dgm:adjLst>
+                  <dgm:adj idx="1" val="90"/>
+                  <dgm:adj idx="2" val="180"/>
+                </dgm:adjLst>
+              </dgm:shape>
+            </dgm:if>
+            <dgm:if name="Name91" axis="ch" ptType="node" func="cnt" op="equ" val="5">
+              <dgm:shape xmlns:r="http://schemas.openxmlformats.org/officeDocument/2006/relationships" type="pie" r:blip="">
+                <dgm:adjLst>
+                  <dgm:adj idx="1" val="54"/>
+                  <dgm:adj idx="2" val="126"/>
+                </dgm:adjLst>
+              </dgm:shape>
+            </dgm:if>
+            <dgm:if name="Name92" axis="ch" ptType="node" func="cnt" op="equ" val="6">
+              <dgm:shape xmlns:r="http://schemas.openxmlformats.org/officeDocument/2006/relationships" type="pie" r:blip="">
+                <dgm:adjLst>
+                  <dgm:adj idx="1" val="30"/>
+                  <dgm:adj idx="2" val="90"/>
+                </dgm:adjLst>
+              </dgm:shape>
+            </dgm:if>
+            <dgm:else name="Name93">
+              <dgm:shape xmlns:r="http://schemas.openxmlformats.org/officeDocument/2006/relationships" type="pie" r:blip="">
+                <dgm:adjLst>
+                  <dgm:adj idx="1" val="12.85714"/>
+                  <dgm:adj idx="2" val="64.28571"/>
+                </dgm:adjLst>
+              </dgm:shape>
+            </dgm:else>
+          </dgm:choose>
+          <dgm:choose name="Name94">
+            <dgm:if name="Name95" func="var" arg="dir" op="equ" val="norm">
+              <dgm:presOf axis="ch desOrSelf" ptType="node node" st="3 1" cnt="1 0"/>
+            </dgm:if>
+            <dgm:else name="Name96">
+              <dgm:choose name="Name97">
+                <dgm:if name="Name98" axis="ch" ptType="node" func="cnt" op="equ" val="3">
+                  <dgm:presOf axis="ch desOrSelf" ptType="node node" st="1 1" cnt="1 0"/>
+                </dgm:if>
+                <dgm:if name="Name99" axis="ch" ptType="node" func="cnt" op="equ" val="4">
+                  <dgm:presOf axis="ch desOrSelf" ptType="node node" st="2 1" cnt="1 0"/>
+                </dgm:if>
+                <dgm:if name="Name100" axis="ch" ptType="node" func="cnt" op="equ" val="5">
+                  <dgm:presOf axis="ch desOrSelf" ptType="node node" st="3 1" cnt="1 0"/>
+                </dgm:if>
+                <dgm:if name="Name101" axis="ch" ptType="node" func="cnt" op="equ" val="6">
+                  <dgm:presOf axis="ch desOrSelf" ptType="node node" st="4 1" cnt="1 0"/>
+                </dgm:if>
+                <dgm:else name="Name102">
+                  <dgm:presOf axis="ch desOrSelf" ptType="node node" st="5 1" cnt="1 0"/>
+                </dgm:else>
+              </dgm:choose>
+            </dgm:else>
+          </dgm:choose>
+          <dgm:constrLst/>
+          <dgm:ruleLst/>
+        </dgm:layoutNode>
+        <dgm:layoutNode name="wedge3Tx" moveWith="wedge3">
+          <dgm:varLst>
+            <dgm:chMax val="0"/>
+            <dgm:chPref val="0"/>
+            <dgm:bulletEnabled val="1"/>
+          </dgm:varLst>
+          <dgm:alg type="tx"/>
+          <dgm:shape xmlns:r="http://schemas.openxmlformats.org/officeDocument/2006/relationships" type="rect" r:blip="" hideGeom="1">
+            <dgm:adjLst/>
+          </dgm:shape>
+          <dgm:choose name="Name103">
+            <dgm:if name="Name104" func="var" arg="dir" op="equ" val="norm">
+              <dgm:presOf axis="ch desOrSelf" ptType="node node" st="3 1" cnt="1 0"/>
+            </dgm:if>
+            <dgm:else name="Name105">
+              <dgm:choose name="Name106">
+                <dgm:if name="Name107" axis="ch" ptType="node" func="cnt" op="equ" val="3">
+                  <dgm:presOf axis="ch desOrSelf" ptType="node node" st="1 1" cnt="1 0"/>
+                </dgm:if>
+                <dgm:if name="Name108" axis="ch" ptType="node" func="cnt" op="equ" val="4">
+                  <dgm:presOf axis="ch desOrSelf" ptType="node node" st="2 1" cnt="1 0"/>
+                </dgm:if>
+                <dgm:if name="Name109" axis="ch" ptType="node" func="cnt" op="equ" val="5">
+                  <dgm:presOf axis="ch desOrSelf" ptType="node node" st="3 1" cnt="1 0"/>
+                </dgm:if>
+                <dgm:if name="Name110" axis="ch" ptType="node" func="cnt" op="equ" val="6">
+                  <dgm:presOf axis="ch desOrSelf" ptType="node node" st="4 1" cnt="1 0"/>
+                </dgm:if>
+                <dgm:else name="Name111">
+                  <dgm:presOf axis="ch desOrSelf" ptType="node node" st="5 1" cnt="1 0"/>
+                </dgm:else>
+              </dgm:choose>
+            </dgm:else>
+          </dgm:choose>
+          <dgm:constrLst>
+            <dgm:constr type="tMarg" refType="primFontSz" fact="0.1"/>
+            <dgm:constr type="bMarg" refType="primFontSz" fact="0.1"/>
+            <dgm:constr type="lMarg" refType="primFontSz" fact="0.1"/>
+            <dgm:constr type="rMarg" refType="primFontSz" fact="0.1"/>
+            <dgm:constr type="primFontSz" val="65"/>
+          </dgm:constrLst>
+          <dgm:ruleLst>
+            <dgm:rule type="primFontSz" val="5" fact="NaN" max="NaN"/>
+          </dgm:ruleLst>
+        </dgm:layoutNode>
+      </dgm:if>
+      <dgm:else name="Name112"/>
+    </dgm:choose>
+    <dgm:choose name="Name113">
+      <dgm:if name="Name114" axis="ch" ptType="node" func="cnt" op="gte" val="4">
+        <dgm:layoutNode name="wedge4">
+          <dgm:alg type="sp"/>
+          <dgm:choose name="Name115">
+            <dgm:if name="Name116" axis="ch" ptType="node" func="cnt" op="equ" val="4">
+              <dgm:shape xmlns:r="http://schemas.openxmlformats.org/officeDocument/2006/relationships" type="pie" r:blip="">
+                <dgm:adjLst>
+                  <dgm:adj idx="1" val="180"/>
+                  <dgm:adj idx="2" val="270"/>
+                </dgm:adjLst>
+              </dgm:shape>
+            </dgm:if>
+            <dgm:if name="Name117" axis="ch" ptType="node" func="cnt" op="equ" val="5">
+              <dgm:shape xmlns:r="http://schemas.openxmlformats.org/officeDocument/2006/relationships" type="pie" r:blip="">
+                <dgm:adjLst>
+                  <dgm:adj idx="1" val="126"/>
+                  <dgm:adj idx="2" val="198"/>
+                </dgm:adjLst>
+              </dgm:shape>
+            </dgm:if>
+            <dgm:if name="Name118" axis="ch" ptType="node" func="cnt" op="equ" val="6">
+              <dgm:shape xmlns:r="http://schemas.openxmlformats.org/officeDocument/2006/relationships" type="pie" r:blip="">
+                <dgm:adjLst>
+                  <dgm:adj idx="1" val="90"/>
+                  <dgm:adj idx="2" val="150"/>
+                </dgm:adjLst>
+              </dgm:shape>
+            </dgm:if>
+            <dgm:else name="Name119">
+              <dgm:shape xmlns:r="http://schemas.openxmlformats.org/officeDocument/2006/relationships" type="pie" r:blip="">
+                <dgm:adjLst>
+                  <dgm:adj idx="1" val="64.2871"/>
+                  <dgm:adj idx="2" val="115.7143"/>
+                </dgm:adjLst>
+              </dgm:shape>
+            </dgm:else>
+          </dgm:choose>
+          <dgm:choose name="Name120">
+            <dgm:if name="Name121" func="var" arg="dir" op="equ" val="norm">
+              <dgm:presOf axis="ch desOrSelf" ptType="node node" st="4 1" cnt="1 0"/>
+            </dgm:if>
+            <dgm:else name="Name122">
+              <dgm:choose name="Name123">
+                <dgm:if name="Name124" axis="ch" ptType="node" func="cnt" op="equ" val="4">
+                  <dgm:presOf axis="ch desOrSelf" ptType="node node" st="1 1" cnt="1 0"/>
+                </dgm:if>
+                <dgm:if name="Name125" axis="ch" ptType="node" func="cnt" op="equ" val="5">
+                  <dgm:presOf axis="ch desOrSelf" ptType="node node" st="2 1" cnt="1 0"/>
+                </dgm:if>
+                <dgm:if name="Name126" axis="ch" ptType="node" func="cnt" op="equ" val="6">
+                  <dgm:presOf axis="ch desOrSelf" ptType="node node" st="3 1" cnt="1 0"/>
+                </dgm:if>
+                <dgm:else name="Name127">
+                  <dgm:presOf axis="ch desOrSelf" ptType="node node" st="4 1" cnt="1 0"/>
+                </dgm:else>
+              </dgm:choose>
+            </dgm:else>
+          </dgm:choose>
+          <dgm:constrLst/>
+          <dgm:ruleLst/>
+        </dgm:layoutNode>
+        <dgm:layoutNode name="wedge4Tx" moveWith="wedge4">
+          <dgm:varLst>
+            <dgm:chMax val="0"/>
+            <dgm:chPref val="0"/>
+            <dgm:bulletEnabled val="1"/>
+          </dgm:varLst>
+          <dgm:alg type="tx"/>
+          <dgm:shape xmlns:r="http://schemas.openxmlformats.org/officeDocument/2006/relationships" type="rect" r:blip="" hideGeom="1">
+            <dgm:adjLst/>
+          </dgm:shape>
+          <dgm:choose name="Name128">
+            <dgm:if name="Name129" func="var" arg="dir" op="equ" val="norm">
+              <dgm:presOf axis="ch desOrSelf" ptType="node node" st="4 1" cnt="1 0"/>
+            </dgm:if>
+            <dgm:else name="Name130">
+              <dgm:choose name="Name131">
+                <dgm:if name="Name132" axis="ch" ptType="node" func="cnt" op="equ" val="4">
+                  <dgm:presOf axis="ch desOrSelf" ptType="node node" st="1 1" cnt="1 0"/>
+                </dgm:if>
+                <dgm:if name="Name133" axis="ch" ptType="node" func="cnt" op="equ" val="5">
+                  <dgm:presOf axis="ch desOrSelf" ptType="node node" st="2 1" cnt="1 0"/>
+                </dgm:if>
+                <dgm:if name="Name134" axis="ch" ptType="node" func="cnt" op="equ" val="6">
+                  <dgm:presOf axis="ch desOrSelf" ptType="node node" st="3 1" cnt="1 0"/>
+                </dgm:if>
+                <dgm:else name="Name135">
+                  <dgm:presOf axis="ch desOrSelf" ptType="node node" st="4 1" cnt="1 0"/>
+                </dgm:else>
+              </dgm:choose>
+            </dgm:else>
+          </dgm:choose>
+          <dgm:constrLst>
+            <dgm:constr type="tMarg" refType="primFontSz" fact="0.1"/>
+            <dgm:constr type="bMarg" refType="primFontSz" fact="0.1"/>
+            <dgm:constr type="lMarg" refType="primFontSz" fact="0.1"/>
+            <dgm:constr type="rMarg" refType="primFontSz" fact="0.1"/>
+            <dgm:constr type="primFontSz" val="65"/>
+          </dgm:constrLst>
+          <dgm:ruleLst>
+            <dgm:rule type="primFontSz" val="5" fact="NaN" max="NaN"/>
+          </dgm:ruleLst>
+        </dgm:layoutNode>
+      </dgm:if>
+      <dgm:else name="Name136"/>
+    </dgm:choose>
+    <dgm:choose name="Name137">
+      <dgm:if name="Name138" axis="ch" ptType="node" func="cnt" op="gte" val="5">
+        <dgm:layoutNode name="wedge5">
+          <dgm:alg type="sp"/>
+          <dgm:choose name="Name139">
+            <dgm:if name="Name140" axis="ch" ptType="node" func="cnt" op="equ" val="5">
+              <dgm:shape xmlns:r="http://schemas.openxmlformats.org/officeDocument/2006/relationships" type="pie" r:blip="">
+                <dgm:adjLst>
+                  <dgm:adj idx="1" val="198"/>
+                  <dgm:adj idx="2" val="270"/>
+                </dgm:adjLst>
+              </dgm:shape>
+            </dgm:if>
+            <dgm:if name="Name141" axis="ch" ptType="node" func="cnt" op="equ" val="6">
+              <dgm:shape xmlns:r="http://schemas.openxmlformats.org/officeDocument/2006/relationships" type="pie" r:blip="">
+                <dgm:adjLst>
+                  <dgm:adj idx="1" val="150"/>
+                  <dgm:adj idx="2" val="210"/>
+                </dgm:adjLst>
+              </dgm:shape>
+            </dgm:if>
+            <dgm:else name="Name142">
+              <dgm:shape xmlns:r="http://schemas.openxmlformats.org/officeDocument/2006/relationships" type="pie" r:blip="">
+                <dgm:adjLst>
+                  <dgm:adj idx="1" val="115.7143"/>
+                  <dgm:adj idx="2" val="167.1429"/>
+                </dgm:adjLst>
+              </dgm:shape>
+            </dgm:else>
+          </dgm:choose>
+          <dgm:choose name="Name143">
+            <dgm:if name="Name144" func="var" arg="dir" op="equ" val="norm">
+              <dgm:presOf axis="ch desOrSelf" ptType="node node" st="5 1" cnt="1 0"/>
+            </dgm:if>
+            <dgm:else name="Name145">
+              <dgm:choose name="Name146">
+                <dgm:if name="Name147" axis="ch" ptType="node" func="cnt" op="equ" val="5">
+                  <dgm:presOf axis="ch desOrSelf" ptType="node node" st="1 1" cnt="1 0"/>
+                </dgm:if>
+                <dgm:if name="Name148" axis="ch" ptType="node" func="cnt" op="equ" val="6">
+                  <dgm:presOf axis="ch desOrSelf" ptType="node node" st="2 1" cnt="1 0"/>
+                </dgm:if>
+                <dgm:else name="Name149">
+                  <dgm:presOf axis="ch desOrSelf" ptType="node node" st="3 1" cnt="1 0"/>
+                </dgm:else>
+              </dgm:choose>
+            </dgm:else>
+          </dgm:choose>
+          <dgm:constrLst/>
+          <dgm:ruleLst/>
+        </dgm:layoutNode>
+        <dgm:layoutNode name="wedge5Tx" moveWith="wedge5">
+          <dgm:varLst>
+            <dgm:chMax val="0"/>
+            <dgm:chPref val="0"/>
+            <dgm:bulletEnabled val="1"/>
+          </dgm:varLst>
+          <dgm:alg type="tx"/>
+          <dgm:shape xmlns:r="http://schemas.openxmlformats.org/officeDocument/2006/relationships" type="rect" r:blip="" hideGeom="1">
+            <dgm:adjLst/>
+          </dgm:shape>
+          <dgm:choose name="Name150">
+            <dgm:if name="Name151" func="var" arg="dir" op="equ" val="norm">
+              <dgm:presOf axis="ch desOrSelf" ptType="node node" st="5 1" cnt="1 0"/>
+            </dgm:if>
+            <dgm:else name="Name152">
+              <dgm:choose name="Name153">
+                <dgm:if name="Name154" axis="ch" ptType="node" func="cnt" op="equ" val="5">
+                  <dgm:presOf axis="ch desOrSelf" ptType="node node" st="1 1" cnt="1 0"/>
+                </dgm:if>
+                <dgm:if name="Name155" axis="ch" ptType="node" func="cnt" op="equ" val="6">
+                  <dgm:presOf axis="ch desOrSelf" ptType="node node" st="2 1" cnt="1 0"/>
+                </dgm:if>
+                <dgm:else name="Name156">
+                  <dgm:presOf axis="ch desOrSelf" ptType="node node" st="3 1" cnt="1 0"/>
+                </dgm:else>
+              </dgm:choose>
+            </dgm:else>
+          </dgm:choose>
+          <dgm:constrLst>
+            <dgm:constr type="tMarg" refType="primFontSz" fact="0.1"/>
+            <dgm:constr type="bMarg" refType="primFontSz" fact="0.1"/>
+            <dgm:constr type="lMarg" refType="primFontSz" fact="0.1"/>
+            <dgm:constr type="rMarg" refType="primFontSz" fact="0.1"/>
+            <dgm:constr type="primFontSz" val="65"/>
+          </dgm:constrLst>
+          <dgm:ruleLst>
+            <dgm:rule type="primFontSz" val="5" fact="NaN" max="NaN"/>
+          </dgm:ruleLst>
+        </dgm:layoutNode>
+      </dgm:if>
+      <dgm:else name="Name157"/>
+    </dgm:choose>
+    <dgm:choose name="Name158">
+      <dgm:if name="Name159" axis="ch" ptType="node" func="cnt" op="gte" val="6">
+        <dgm:layoutNode name="wedge6">
+          <dgm:alg type="sp"/>
+          <dgm:choose name="Name160">
+            <dgm:if name="Name161" axis="ch" ptType="node" func="cnt" op="equ" val="6">
+              <dgm:shape xmlns:r="http://schemas.openxmlformats.org/officeDocument/2006/relationships" type="pie" r:blip="">
+                <dgm:adjLst>
+                  <dgm:adj idx="1" val="210"/>
+                  <dgm:adj idx="2" val="270"/>
+                </dgm:adjLst>
+              </dgm:shape>
+            </dgm:if>
+            <dgm:else name="Name162">
+              <dgm:shape xmlns:r="http://schemas.openxmlformats.org/officeDocument/2006/relationships" type="pie" r:blip="">
+                <dgm:adjLst>
+                  <dgm:adj idx="1" val="167.1429"/>
+                  <dgm:adj idx="2" val="218.5714"/>
+                </dgm:adjLst>
+              </dgm:shape>
+            </dgm:else>
+          </dgm:choose>
+          <dgm:choose name="Name163">
+            <dgm:if name="Name164" func="var" arg="dir" op="equ" val="norm">
+              <dgm:presOf axis="ch desOrSelf" ptType="node node" st="6 1" cnt="1 0"/>
+            </dgm:if>
+            <dgm:else name="Name165">
+              <dgm:choose name="Name166">
+                <dgm:if name="Name167" axis="ch" ptType="node" func="cnt" op="equ" val="6">
+                  <dgm:presOf axis="ch desOrSelf" ptType="node node" st="1 1" cnt="1 0"/>
+                </dgm:if>
+                <dgm:else name="Name168">
+                  <dgm:presOf axis="ch desOrSelf" ptType="node node" st="2 1" cnt="1 0"/>
+                </dgm:else>
+              </dgm:choose>
+            </dgm:else>
+          </dgm:choose>
+          <dgm:constrLst/>
+          <dgm:ruleLst/>
+        </dgm:layoutNode>
+        <dgm:layoutNode name="wedge6Tx" moveWith="wedge6">
+          <dgm:varLst>
+            <dgm:chMax val="0"/>
+            <dgm:chPref val="0"/>
+            <dgm:bulletEnabled val="1"/>
+          </dgm:varLst>
+          <dgm:alg type="tx"/>
+          <dgm:shape xmlns:r="http://schemas.openxmlformats.org/officeDocument/2006/relationships" type="rect" r:blip="" hideGeom="1">
+            <dgm:adjLst/>
+          </dgm:shape>
+          <dgm:choose name="Name169">
+            <dgm:if name="Name170" func="var" arg="dir" op="equ" val="norm">
+              <dgm:presOf axis="ch desOrSelf" ptType="node node" st="6 1" cnt="1 0"/>
+            </dgm:if>
+            <dgm:else name="Name171">
+              <dgm:choose name="Name172">
+                <dgm:if name="Name173" axis="ch" ptType="node" func="cnt" op="equ" val="6">
+                  <dgm:presOf axis="ch desOrSelf" ptType="node node" st="1 1" cnt="1 0"/>
+                </dgm:if>
+                <dgm:else name="Name174">
+                  <dgm:presOf axis="ch desOrSelf" ptType="node node" st="2 1" cnt="1 0"/>
+                </dgm:else>
+              </dgm:choose>
+            </dgm:else>
+          </dgm:choose>
+          <dgm:constrLst>
+            <dgm:constr type="tMarg" refType="primFontSz" fact="0.1"/>
+            <dgm:constr type="bMarg" refType="primFontSz" fact="0.1"/>
+            <dgm:constr type="lMarg" refType="primFontSz" fact="0.1"/>
+            <dgm:constr type="rMarg" refType="primFontSz" fact="0.1"/>
+            <dgm:constr type="primFontSz" val="65"/>
+          </dgm:constrLst>
+          <dgm:ruleLst>
+            <dgm:rule type="primFontSz" val="5" fact="NaN" max="NaN"/>
+          </dgm:ruleLst>
+        </dgm:layoutNode>
+      </dgm:if>
+      <dgm:else name="Name175"/>
+    </dgm:choose>
+    <dgm:choose name="Name176">
+      <dgm:if name="Name177" axis="ch" ptType="node" func="cnt" op="gte" val="7">
+        <dgm:layoutNode name="wedge7">
+          <dgm:alg type="sp"/>
+          <dgm:shape xmlns:r="http://schemas.openxmlformats.org/officeDocument/2006/relationships" type="pie" r:blip="">
+            <dgm:adjLst>
+              <dgm:adj idx="1" val="218.5714"/>
+              <dgm:adj idx="2" val="270"/>
+            </dgm:adjLst>
+          </dgm:shape>
+          <dgm:choose name="Name178">
+            <dgm:if name="Name179" func="var" arg="dir" op="equ" val="norm">
+              <dgm:presOf axis="ch desOrSelf" ptType="node node" st="7 1" cnt="1 0"/>
+            </dgm:if>
+            <dgm:else name="Name180">
+              <dgm:presOf axis="ch desOrSelf" ptType="node node" st="1 1" cnt="1 0"/>
+            </dgm:else>
+          </dgm:choose>
+          <dgm:constrLst/>
+          <dgm:ruleLst/>
+        </dgm:layoutNode>
+        <dgm:layoutNode name="wedge7Tx" moveWith="wedge7">
+          <dgm:varLst>
+            <dgm:chMax val="0"/>
+            <dgm:chPref val="0"/>
+            <dgm:bulletEnabled val="1"/>
+          </dgm:varLst>
+          <dgm:alg type="tx"/>
+          <dgm:shape xmlns:r="http://schemas.openxmlformats.org/officeDocument/2006/relationships" type="rect" r:blip="" hideGeom="1">
+            <dgm:adjLst/>
+          </dgm:shape>
+          <dgm:choose name="Name181">
+            <dgm:if name="Name182" func="var" arg="dir" op="equ" val="norm">
+              <dgm:presOf axis="ch desOrSelf" ptType="node node" st="7 1" cnt="1 0"/>
+            </dgm:if>
+            <dgm:else name="Name183">
+              <dgm:presOf axis="ch desOrSelf" ptType="node node" st="1 1" cnt="1 0"/>
+            </dgm:else>
+          </dgm:choose>
+          <dgm:constrLst>
+            <dgm:constr type="tMarg" refType="primFontSz" fact="0.1"/>
+            <dgm:constr type="bMarg" refType="primFontSz" fact="0.1"/>
+            <dgm:constr type="lMarg" refType="primFontSz" fact="0.1"/>
+            <dgm:constr type="rMarg" refType="primFontSz" fact="0.1"/>
+            <dgm:constr type="primFontSz" val="65"/>
+          </dgm:constrLst>
+          <dgm:ruleLst>
+            <dgm:rule type="primFontSz" val="5" fact="NaN" max="NaN"/>
+          </dgm:ruleLst>
+        </dgm:layoutNode>
+      </dgm:if>
+      <dgm:else name="Name184"/>
+    </dgm:choose>
+  </dgm:layoutNode>
+</dgm:layoutDef>
+</file>
+
+<file path=ppt/diagrams/quickStyle1.xml><?xml version="1.0" encoding="utf-8"?>
+<dgm:styleDef xmlns:dgm="http://schemas.openxmlformats.org/drawingml/2006/diagram" xmlns:a="http://schemas.openxmlformats.org/drawingml/2006/main" uniqueId="urn:microsoft.com/office/officeart/2005/8/quickstyle/simple1">
+  <dgm:title val=""/>
+  <dgm:desc val=""/>
+  <dgm:catLst>
+    <dgm:cat type="simple" pri="10100"/>
+  </dgm:catLst>
+  <dgm:scene3d>
+    <a:camera prst="orthographicFront"/>
+    <a:lightRig rig="threePt" dir="t"/>
+  </dgm:scene3d>
+  <dgm:styleLbl name="node0">
+    <dgm:scene3d>
+      <a:camera prst="orthographicFront"/>
+      <a:lightRig rig="threePt" dir="t"/>
+    </dgm:scene3d>
+    <dgm:sp3d/>
+    <dgm:txPr/>
+    <dgm:style>
+      <a:lnRef idx="2">
+        <a:scrgbClr r="0" g="0" b="0"/>
+      </a:lnRef>
+      <a:fillRef idx="1">
+        <a:scrgbClr r="0" g="0" b="0"/>
+      </a:fillRef>
+      <a:effectRef idx="0">
+        <a:scrgbClr r="0" g="0" b="0"/>
+      </a:effectRef>
+      <a:fontRef idx="minor">
+        <a:schemeClr val="lt1"/>
+      </a:fontRef>
+    </dgm:style>
+  </dgm:styleLbl>
+  <dgm:styleLbl name="lnNode1">
+    <dgm:scene3d>
+      <a:camera prst="orthographicFront"/>
+      <a:lightRig rig="threePt" dir="t"/>
+    </dgm:scene3d>
+    <dgm:sp3d/>
+    <dgm:txPr/>
+    <dgm:style>
+      <a:lnRef idx="2">
+        <a:scrgbClr r="0" g="0" b="0"/>
+      </a:lnRef>
+      <a:fillRef idx="1">
+        <a:scrgbClr r="0" g="0" b="0"/>
+      </a:fillRef>
+      <a:effectRef idx="0">
+        <a:scrgbClr r="0" g="0" b="0"/>
+      </a:effectRef>
+      <a:fontRef idx="minor">
+        <a:schemeClr val="lt1"/>
+      </a:fontRef>
+    </dgm:style>
+  </dgm:styleLbl>
+  <dgm:styleLbl name="vennNode1">
+    <dgm:scene3d>
+      <a:camera prst="orthographicFront"/>
+      <a:lightRig rig="threePt" dir="t"/>
+    </dgm:scene3d>
+    <dgm:sp3d/>
+    <dgm:txPr/>
+    <dgm:style>
+      <a:lnRef idx="2">
+        <a:scrgbClr r="0" g="0" b="0"/>
+      </a:lnRef>
+      <a:fillRef idx="1">
+        <a:scrgbClr r="0" g="0" b="0"/>
+      </a:fillRef>
+      <a:effectRef idx="0">
+        <a:scrgbClr r="0" g="0" b="0"/>
+      </a:effectRef>
+      <a:fontRef idx="minor">
+        <a:schemeClr val="tx1"/>
+      </a:fontRef>
+    </dgm:style>
+  </dgm:styleLbl>
+  <dgm:styleLbl name="alignNode1">
+    <dgm:scene3d>
+      <a:camera prst="orthographicFront"/>
+      <a:lightRig rig="threePt" dir="t"/>
+    </dgm:scene3d>
+    <dgm:sp3d/>
+    <dgm:txPr/>
+    <dgm:style>
+      <a:lnRef idx="2">
+        <a:scrgbClr r="0" g="0" b="0"/>
+      </a:lnRef>
+      <a:fillRef idx="1">
+        <a:scrgbClr r="0" g="0" b="0"/>
+      </a:fillRef>
+      <a:effectRef idx="0">
+        <a:scrgbClr r="0" g="0" b="0"/>
+      </a:effectRef>
+      <a:fontRef idx="minor">
+        <a:schemeClr val="lt1"/>
+      </a:fontRef>
+    </dgm:style>
+  </dgm:styleLbl>
+  <dgm:styleLbl name="node1">
+    <dgm:scene3d>
+      <a:camera prst="orthographicFront"/>
+      <a:lightRig rig="threePt" dir="t"/>
+    </dgm:scene3d>
+    <dgm:sp3d/>
+    <dgm:txPr/>
+    <dgm:style>
+      <a:lnRef idx="2">
+        <a:scrgbClr r="0" g="0" b="0"/>
+      </a:lnRef>
+      <a:fillRef idx="1">
+        <a:scrgbClr r="0" g="0" b="0"/>
+      </a:fillRef>
+      <a:effectRef idx="0">
+        <a:scrgbClr r="0" g="0" b="0"/>
+      </a:effectRef>
+      <a:fontRef idx="minor">
+        <a:schemeClr val="lt1"/>
+      </a:fontRef>
+    </dgm:style>
+  </dgm:styleLbl>
+  <dgm:styleLbl name="node2">
+    <dgm:scene3d>
+      <a:camera prst="orthographicFront"/>
+      <a:lightRig rig="threePt" dir="t"/>
+    </dgm:scene3d>
+    <dgm:sp3d/>
+    <dgm:txPr/>
+    <dgm:style>
+      <a:lnRef idx="2">
+        <a:scrgbClr r="0" g="0" b="0"/>
+      </a:lnRef>
+      <a:fillRef idx="1">
+        <a:scrgbClr r="0" g="0" b="0"/>
+      </a:fillRef>
+      <a:effectRef idx="0">
+        <a:scrgbClr r="0" g="0" b="0"/>
+      </a:effectRef>
+      <a:fontRef idx="minor">
+        <a:schemeClr val="lt1"/>
+      </a:fontRef>
+    </dgm:style>
+  </dgm:styleLbl>
+  <dgm:styleLbl name="node3">
+    <dgm:scene3d>
+      <a:camera prst="orthographicFront"/>
+      <a:lightRig rig="threePt" dir="t"/>
+    </dgm:scene3d>
+    <dgm:sp3d/>
+    <dgm:txPr/>
+    <dgm:style>
+      <a:lnRef idx="2">
+        <a:scrgbClr r="0" g="0" b="0"/>
+      </a:lnRef>
+      <a:fillRef idx="1">
+        <a:scrgbClr r="0" g="0" b="0"/>
+      </a:fillRef>
+      <a:effectRef idx="0">
+        <a:scrgbClr r="0" g="0" b="0"/>
+      </a:effectRef>
+      <a:fontRef idx="minor">
+        <a:schemeClr val="lt1"/>
+      </a:fontRef>
+    </dgm:style>
+  </dgm:styleLbl>
+  <dgm:styleLbl name="node4">
+    <dgm:scene3d>
+      <a:camera prst="orthographicFront"/>
+      <a:lightRig rig="threePt" dir="t"/>
+    </dgm:scene3d>
+    <dgm:sp3d/>
+    <dgm:txPr/>
+    <dgm:style>
+      <a:lnRef idx="2">
+        <a:scrgbClr r="0" g="0" b="0"/>
+      </a:lnRef>
+      <a:fillRef idx="1">
+        <a:scrgbClr r="0" g="0" b="0"/>
+      </a:fillRef>
+      <a:effectRef idx="0">
+        <a:scrgbClr r="0" g="0" b="0"/>
+      </a:effectRef>
+      <a:fontRef idx="minor">
+        <a:schemeClr val="lt1"/>
+      </a:fontRef>
+    </dgm:style>
+  </dgm:styleLbl>
+  <dgm:styleLbl name="fgImgPlace1">
+    <dgm:scene3d>
+      <a:camera prst="orthographicFront"/>
+      <a:lightRig rig="threePt" dir="t"/>
+    </dgm:scene3d>
+    <dgm:sp3d/>
+    <dgm:txPr/>
+    <dgm:style>
+      <a:lnRef idx="2">
+        <a:scrgbClr r="0" g="0" b="0"/>
+      </a:lnRef>
+      <a:fillRef idx="1">
+        <a:scrgbClr r="0" g="0" b="0"/>
+      </a:fillRef>
+      <a:effectRef idx="0">
+        <a:scrgbClr r="0" g="0" b="0"/>
+      </a:effectRef>
+      <a:fontRef idx="minor"/>
+    </dgm:style>
+  </dgm:styleLbl>
+  <dgm:styleLbl name="alignImgPlace1">
+    <dgm:scene3d>
+      <a:camera prst="orthographicFront"/>
+      <a:lightRig rig="threePt" dir="t"/>
+    </dgm:scene3d>
+    <dgm:sp3d/>
+    <dgm:txPr/>
+    <dgm:style>
+      <a:lnRef idx="2">
+        <a:scrgbClr r="0" g="0" b="0"/>
+      </a:lnRef>
+      <a:fillRef idx="1">
+        <a:scrgbClr r="0" g="0" b="0"/>
+      </a:fillRef>
+      <a:effectRef idx="0">
+        <a:scrgbClr r="0" g="0" b="0"/>
+      </a:effectRef>
+      <a:fontRef idx="minor"/>
+    </dgm:style>
+  </dgm:styleLbl>
+  <dgm:styleLbl name="bgImgPlace1">
+    <dgm:scene3d>
+      <a:camera prst="orthographicFront"/>
+      <a:lightRig rig="threePt" dir="t"/>
+    </dgm:scene3d>
+    <dgm:sp3d/>
+    <dgm:txPr/>
+    <dgm:style>
+      <a:lnRef idx="2">
+        <a:scrgbClr r="0" g="0" b="0"/>
+      </a:lnRef>
+      <a:fillRef idx="1">
+        <a:scrgbClr r="0" g="0" b="0"/>
+      </a:fillRef>
+      <a:effectRef idx="0">
+        <a:scrgbClr r="0" g="0" b="0"/>
+      </a:effectRef>
+      <a:fontRef idx="minor"/>
+    </dgm:style>
+  </dgm:styleLbl>
+  <dgm:styleLbl name="sibTrans2D1">
+    <dgm:scene3d>
+      <a:camera prst="orthographicFront"/>
+      <a:lightRig rig="threePt" dir="t"/>
+    </dgm:scene3d>
+    <dgm:sp3d/>
+    <dgm:txPr/>
+    <dgm:style>
+      <a:lnRef idx="0">
+        <a:scrgbClr r="0" g="0" b="0"/>
+      </a:lnRef>
+      <a:fillRef idx="1">
+        <a:scrgbClr r="0" g="0" b="0"/>
+      </a:fillRef>
+      <a:effectRef idx="0">
+        <a:scrgbClr r="0" g="0" b="0"/>
+      </a:effectRef>
+      <a:fontRef idx="minor">
+        <a:schemeClr val="lt1"/>
+      </a:fontRef>
+    </dgm:style>
+  </dgm:styleLbl>
+  <dgm:styleLbl name="fgSibTrans2D1">
+    <dgm:scene3d>
+      <a:camera prst="orthographicFront"/>
+      <a:lightRig rig="threePt" dir="t"/>
+    </dgm:scene3d>
+    <dgm:sp3d/>
+    <dgm:txPr/>
+    <dgm:style>
+      <a:lnRef idx="0">
+        <a:scrgbClr r="0" g="0" b="0"/>
+      </a:lnRef>
+      <a:fillRef idx="1">
+        <a:scrgbClr r="0" g="0" b="0"/>
+      </a:fillRef>
+      <a:effectRef idx="0">
+        <a:scrgbClr r="0" g="0" b="0"/>
+      </a:effectRef>
+      <a:fontRef idx="minor">
+        <a:schemeClr val="lt1"/>
+      </a:fontRef>
+    </dgm:style>
+  </dgm:styleLbl>
+  <dgm:styleLbl name="bgSibTrans2D1">
+    <dgm:scene3d>
+      <a:camera prst="orthographicFront"/>
+      <a:lightRig rig="threePt" dir="t"/>
+    </dgm:scene3d>
+    <dgm:sp3d/>
+    <dgm:txPr/>
+    <dgm:style>
+      <a:lnRef idx="0">
+        <a:scrgbClr r="0" g="0" b="0"/>
+      </a:lnRef>
+      <a:fillRef idx="1">
+        <a:scrgbClr r="0" g="0" b="0"/>
+      </a:fillRef>
+      <a:effectRef idx="0">
+        <a:scrgbClr r="0" g="0" b="0"/>
+      </a:effectRef>
+      <a:fontRef idx="minor">
+        <a:schemeClr val="lt1"/>
+      </a:fontRef>
+    </dgm:style>
+  </dgm:styleLbl>
+  <dgm:styleLbl name="sibTrans1D1">
+    <dgm:scene3d>
+      <a:camera prst="orthographicFront"/>
+      <a:lightRig rig="threePt" dir="t"/>
+    </dgm:scene3d>
+    <dgm:sp3d/>
+    <dgm:txPr/>
+    <dgm:style>
+      <a:lnRef idx="1">
+        <a:scrgbClr r="0" g="0" b="0"/>
+      </a:lnRef>
+      <a:fillRef idx="0">
+        <a:scrgbClr r="0" g="0" b="0"/>
+      </a:fillRef>
+      <a:effectRef idx="0">
+        <a:scrgbClr r="0" g="0" b="0"/>
+      </a:effectRef>
+      <a:fontRef idx="minor"/>
+    </dgm:style>
+  </dgm:styleLbl>
+  <dgm:styleLbl name="callout">
+    <dgm:scene3d>
+      <a:camera prst="orthographicFront"/>
+      <a:lightRig rig="threePt" dir="t"/>
+    </dgm:scene3d>
+    <dgm:sp3d/>
+    <dgm:txPr/>
+    <dgm:style>
+      <a:lnRef idx="2">
+        <a:scrgbClr r="0" g="0" b="0"/>
+      </a:lnRef>
+      <a:fillRef idx="1">
+        <a:scrgbClr r="0" g="0" b="0"/>
+      </a:fillRef>
+      <a:effectRef idx="0">
+        <a:scrgbClr r="0" g="0" b="0"/>
+      </a:effectRef>
+      <a:fontRef idx="minor"/>
+    </dgm:style>
+  </dgm:styleLbl>
+  <dgm:styleLbl name="asst0">
+    <dgm:scene3d>
+      <a:camera prst="orthographicFront"/>
+      <a:lightRig rig="threePt" dir="t"/>
+    </dgm:scene3d>
+    <dgm:sp3d/>
+    <dgm:txPr/>
+    <dgm:style>
+      <a:lnRef idx="2">
+        <a:scrgbClr r="0" g="0" b="0"/>
+      </a:lnRef>
+      <a:fillRef idx="1">
+        <a:scrgbClr r="0" g="0" b="0"/>
+      </a:fillRef>
+      <a:effectRef idx="0">
+        <a:scrgbClr r="0" g="0" b="0"/>
+      </a:effectRef>
+      <a:fontRef idx="minor">
+        <a:schemeClr val="lt1"/>
+      </a:fontRef>
+    </dgm:style>
+  </dgm:styleLbl>
+  <dgm:styleLbl name="asst1">
+    <dgm:scene3d>
+      <a:camera prst="orthographicFront"/>
+      <a:lightRig rig="threePt" dir="t"/>
+    </dgm:scene3d>
+    <dgm:sp3d/>
+    <dgm:txPr/>
+    <dgm:style>
+      <a:lnRef idx="2">
+        <a:scrgbClr r="0" g="0" b="0"/>
+      </a:lnRef>
+      <a:fillRef idx="1">
+        <a:scrgbClr r="0" g="0" b="0"/>
+      </a:fillRef>
+      <a:effectRef idx="0">
+        <a:scrgbClr r="0" g="0" b="0"/>
+      </a:effectRef>
+      <a:fontRef idx="minor">
+        <a:schemeClr val="lt1"/>
+      </a:fontRef>
+    </dgm:style>
+  </dgm:styleLbl>
+  <dgm:styleLbl name="asst2">
+    <dgm:scene3d>
+      <a:camera prst="orthographicFront"/>
+      <a:lightRig rig="threePt" dir="t"/>
+    </dgm:scene3d>
+    <dgm:sp3d/>
+    <dgm:txPr/>
+    <dgm:style>
+      <a:lnRef idx="2">
+        <a:scrgbClr r="0" g="0" b="0"/>
+      </a:lnRef>
+      <a:fillRef idx="1">
+        <a:scrgbClr r="0" g="0" b="0"/>
+      </a:fillRef>
+      <a:effectRef idx="0">
+        <a:scrgbClr r="0" g="0" b="0"/>
+      </a:effectRef>
+      <a:fontRef idx="minor">
+        <a:schemeClr val="lt1"/>
+      </a:fontRef>
+    </dgm:style>
+  </dgm:styleLbl>
+  <dgm:styleLbl name="asst3">
+    <dgm:scene3d>
+      <a:camera prst="orthographicFront"/>
+      <a:lightRig rig="threePt" dir="t"/>
+    </dgm:scene3d>
+    <dgm:sp3d/>
+    <dgm:txPr/>
+    <dgm:style>
+      <a:lnRef idx="2">
+        <a:scrgbClr r="0" g="0" b="0"/>
+      </a:lnRef>
+      <a:fillRef idx="1">
+        <a:scrgbClr r="0" g="0" b="0"/>
+      </a:fillRef>
+      <a:effectRef idx="0">
+        <a:scrgbClr r="0" g="0" b="0"/>
+      </a:effectRef>
+      <a:fontRef idx="minor">
+        <a:schemeClr val="lt1"/>
+      </a:fontRef>
+    </dgm:style>
+  </dgm:styleLbl>
+  <dgm:styleLbl name="asst4">
+    <dgm:scene3d>
+      <a:camera prst="orthographicFront"/>
+      <a:lightRig rig="threePt" dir="t"/>
+    </dgm:scene3d>
+    <dgm:sp3d/>
+    <dgm:txPr/>
+    <dgm:style>
+      <a:lnRef idx="2">
+        <a:scrgbClr r="0" g="0" b="0"/>
+      </a:lnRef>
+      <a:fillRef idx="1">
+        <a:scrgbClr r="0" g="0" b="0"/>
+      </a:fillRef>
+      <a:effectRef idx="0">
+        <a:scrgbClr r="0" g="0" b="0"/>
+      </a:effectRef>
+      <a:fontRef idx="minor">
+        <a:schemeClr val="lt1"/>
+      </a:fontRef>
+    </dgm:style>
+  </dgm:styleLbl>
+  <dgm:styleLbl name="parChTrans2D1">
+    <dgm:scene3d>
+      <a:camera prst="orthographicFront"/>
+      <a:lightRig rig="threePt" dir="t"/>
+    </dgm:scene3d>
+    <dgm:sp3d/>
+    <dgm:txPr/>
+    <dgm:style>
+      <a:lnRef idx="2">
+        <a:scrgbClr r="0" g="0" b="0"/>
+      </a:lnRef>
+      <a:fillRef idx="1">
+        <a:scrgbClr r="0" g="0" b="0"/>
+      </a:fillRef>
+      <a:effectRef idx="0">
+        <a:scrgbClr r="0" g="0" b="0"/>
+      </a:effectRef>
+      <a:fontRef idx="minor">
+        <a:schemeClr val="lt1"/>
+      </a:fontRef>
+    </dgm:style>
+  </dgm:styleLbl>
+  <dgm:styleLbl name="parChTrans2D2">
+    <dgm:scene3d>
+      <a:camera prst="orthographicFront"/>
+      <a:lightRig rig="threePt" dir="t"/>
+    </dgm:scene3d>
+    <dgm:sp3d/>
+    <dgm:txPr/>
+    <dgm:style>
+      <a:lnRef idx="2">
+        <a:scrgbClr r="0" g="0" b="0"/>
+      </a:lnRef>
+      <a:fillRef idx="1">
+        <a:scrgbClr r="0" g="0" b="0"/>
+      </a:fillRef>
+      <a:effectRef idx="0">
+        <a:scrgbClr r="0" g="0" b="0"/>
+      </a:effectRef>
+      <a:fontRef idx="minor">
+        <a:schemeClr val="lt1"/>
+      </a:fontRef>
+    </dgm:style>
+  </dgm:styleLbl>
+  <dgm:styleLbl name="parChTrans2D3">
+    <dgm:scene3d>
+      <a:camera prst="orthographicFront"/>
+      <a:lightRig rig="threePt" dir="t"/>
+    </dgm:scene3d>
+    <dgm:sp3d/>
+    <dgm:txPr/>
+    <dgm:style>
+      <a:lnRef idx="2">
+        <a:scrgbClr r="0" g="0" b="0"/>
+      </a:lnRef>
+      <a:fillRef idx="1">
+        <a:scrgbClr r="0" g="0" b="0"/>
+      </a:fillRef>
+      <a:effectRef idx="0">
+        <a:scrgbClr r="0" g="0" b="0"/>
+      </a:effectRef>
+      <a:fontRef idx="minor">
+        <a:schemeClr val="lt1"/>
+      </a:fontRef>
+    </dgm:style>
+  </dgm:styleLbl>
+  <dgm:styleLbl name="parChTrans2D4">
+    <dgm:scene3d>
+      <a:camera prst="orthographicFront"/>
+      <a:lightRig rig="threePt" dir="t"/>
+    </dgm:scene3d>
+    <dgm:sp3d/>
+    <dgm:txPr/>
+    <dgm:style>
+      <a:lnRef idx="2">
+        <a:scrgbClr r="0" g="0" b="0"/>
+      </a:lnRef>
+      <a:fillRef idx="1">
+        <a:scrgbClr r="0" g="0" b="0"/>
+      </a:fillRef>
+      <a:effectRef idx="0">
+        <a:scrgbClr r="0" g="0" b="0"/>
+      </a:effectRef>
+      <a:fontRef idx="minor">
+        <a:schemeClr val="lt1"/>
+      </a:fontRef>
+    </dgm:style>
+  </dgm:styleLbl>
+  <dgm:styleLbl name="parChTrans1D1">
+    <dgm:scene3d>
+      <a:camera prst="orthographicFront"/>
+      <a:lightRig rig="threePt" dir="t"/>
+    </dgm:scene3d>
+    <dgm:sp3d/>
+    <dgm:txPr/>
+    <dgm:style>
+      <a:lnRef idx="2">
+        <a:scrgbClr r="0" g="0" b="0"/>
+      </a:lnRef>
+      <a:fillRef idx="0">
+        <a:scrgbClr r="0" g="0" b="0"/>
+      </a:fillRef>
+      <a:effectRef idx="0">
+        <a:scrgbClr r="0" g="0" b="0"/>
+      </a:effectRef>
+      <a:fontRef idx="minor"/>
+    </dgm:style>
+  </dgm:styleLbl>
+  <dgm:styleLbl name="parChTrans1D2">
+    <dgm:scene3d>
+      <a:camera prst="orthographicFront"/>
+      <a:lightRig rig="threePt" dir="t"/>
+    </dgm:scene3d>
+    <dgm:sp3d/>
+    <dgm:txPr/>
+    <dgm:style>
+      <a:lnRef idx="2">
+        <a:scrgbClr r="0" g="0" b="0"/>
+      </a:lnRef>
+      <a:fillRef idx="0">
+        <a:scrgbClr r="0" g="0" b="0"/>
+      </a:fillRef>
+      <a:effectRef idx="0">
+        <a:scrgbClr r="0" g="0" b="0"/>
+      </a:effectRef>
+      <a:fontRef idx="minor"/>
+    </dgm:style>
+  </dgm:styleLbl>
+  <dgm:styleLbl name="parChTrans1D3">
+    <dgm:scene3d>
+      <a:camera prst="orthographicFront"/>
+      <a:lightRig rig="threePt" dir="t"/>
+    </dgm:scene3d>
+    <dgm:sp3d/>
+    <dgm:txPr/>
+    <dgm:style>
+      <a:lnRef idx="2">
+        <a:scrgbClr r="0" g="0" b="0"/>
+      </a:lnRef>
+      <a:fillRef idx="0">
+        <a:scrgbClr r="0" g="0" b="0"/>
+      </a:fillRef>
+      <a:effectRef idx="0">
+        <a:scrgbClr r="0" g="0" b="0"/>
+      </a:effectRef>
+      <a:fontRef idx="minor"/>
+    </dgm:style>
+  </dgm:styleLbl>
+  <dgm:styleLbl name="parChTrans1D4">
+    <dgm:scene3d>
+      <a:camera prst="orthographicFront"/>
+      <a:lightRig rig="threePt" dir="t"/>
+    </dgm:scene3d>
+    <dgm:sp3d/>
+    <dgm:txPr/>
+    <dgm:style>
+      <a:lnRef idx="2">
+        <a:scrgbClr r="0" g="0" b="0"/>
+      </a:lnRef>
+      <a:fillRef idx="0">
+        <a:scrgbClr r="0" g="0" b="0"/>
+      </a:fillRef>
+      <a:effectRef idx="0">
+        <a:scrgbClr r="0" g="0" b="0"/>
+      </a:effectRef>
+      <a:fontRef idx="minor"/>
+    </dgm:style>
+  </dgm:styleLbl>
+  <dgm:styleLbl name="fgAcc1">
+    <dgm:scene3d>
+      <a:camera prst="orthographicFront"/>
+      <a:lightRig rig="threePt" dir="t"/>
+    </dgm:scene3d>
+    <dgm:sp3d/>
+    <dgm:txPr/>
+    <dgm:style>
+      <a:lnRef idx="2">
+        <a:scrgbClr r="0" g="0" b="0"/>
+      </a:lnRef>
+      <a:fillRef idx="1">
+        <a:scrgbClr r="0" g="0" b="0"/>
+      </a:fillRef>
+      <a:effectRef idx="0">
+        <a:scrgbClr r="0" g="0" b="0"/>
+      </a:effectRef>
+      <a:fontRef idx="minor"/>
+    </dgm:style>
+  </dgm:styleLbl>
+  <dgm:styleLbl name="conFgAcc1">
+    <dgm:scene3d>
+      <a:camera prst="orthographicFront"/>
+      <a:lightRig rig="threePt" dir="t"/>
+    </dgm:scene3d>
+    <dgm:sp3d/>
+    <dgm:txPr/>
+    <dgm:style>
+      <a:lnRef idx="2">
+        <a:scrgbClr r="0" g="0" b="0"/>
+      </a:lnRef>
+      <a:fillRef idx="1">
+        <a:scrgbClr r="0" g="0" b="0"/>
+      </a:fillRef>
+      <a:effectRef idx="0">
+        <a:scrgbClr r="0" g="0" b="0"/>
+      </a:effectRef>
+      <a:fontRef idx="minor"/>
+    </dgm:style>
+  </dgm:styleLbl>
+  <dgm:styleLbl name="alignAcc1">
+    <dgm:scene3d>
+      <a:camera prst="orthographicFront"/>
+      <a:lightRig rig="threePt" dir="t"/>
+    </dgm:scene3d>
+    <dgm:sp3d/>
+    <dgm:txPr/>
+    <dgm:style>
+      <a:lnRef idx="2">
+        <a:scrgbClr r="0" g="0" b="0"/>
+      </a:lnRef>
+      <a:fillRef idx="1">
+        <a:scrgbClr r="0" g="0" b="0"/>
+      </a:fillRef>
+      <a:effectRef idx="0">
+        <a:scrgbClr r="0" g="0" b="0"/>
+      </a:effectRef>
+      <a:fontRef idx="minor"/>
+    </dgm:style>
+  </dgm:styleLbl>
+  <dgm:styleLbl name="trAlignAcc1">
+    <dgm:scene3d>
+      <a:camera prst="orthographicFront"/>
+      <a:lightRig rig="threePt" dir="t"/>
+    </dgm:scene3d>
+    <dgm:sp3d/>
+    <dgm:txPr/>
+    <dgm:style>
+      <a:lnRef idx="1">
+        <a:scrgbClr r="0" g="0" b="0"/>
+      </a:lnRef>
+      <a:fillRef idx="1">
+        <a:scrgbClr r="0" g="0" b="0"/>
+      </a:fillRef>
+      <a:effectRef idx="0">
+        <a:scrgbClr r="0" g="0" b="0"/>
+      </a:effectRef>
+      <a:fontRef idx="minor"/>
+    </dgm:style>
+  </dgm:styleLbl>
+  <dgm:styleLbl name="bgAcc1">
+    <dgm:scene3d>
+      <a:camera prst="orthographicFront"/>
+      <a:lightRig rig="threePt" dir="t"/>
+    </dgm:scene3d>
+    <dgm:sp3d/>
+    <dgm:txPr/>
+    <dgm:style>
+      <a:lnRef idx="2">
+        <a:scrgbClr r="0" g="0" b="0"/>
+      </a:lnRef>
+      <a:fillRef idx="1">
+        <a:scrgbClr r="0" g="0" b="0"/>
+      </a:fillRef>
+      <a:effectRef idx="0">
+        <a:scrgbClr r="0" g="0" b="0"/>
+      </a:effectRef>
+      <a:fontRef idx="minor"/>
+    </dgm:style>
+  </dgm:styleLbl>
+  <dgm:styleLbl name="solidFgAcc1">
+    <dgm:scene3d>
+      <a:camera prst="orthographicFront"/>
+      <a:lightRig rig="threePt" dir="t"/>
+    </dgm:scene3d>
+    <dgm:sp3d/>
+    <dgm:txPr/>
+    <dgm:style>
+      <a:lnRef idx="2">
+        <a:scrgbClr r="0" g="0" b="0"/>
+      </a:lnRef>
+      <a:fillRef idx="1">
+        <a:scrgbClr r="0" g="0" b="0"/>
+      </a:fillRef>
+      <a:effectRef idx="0">
+        <a:scrgbClr r="0" g="0" b="0"/>
+      </a:effectRef>
+      <a:fontRef idx="minor"/>
+    </dgm:style>
+  </dgm:styleLbl>
+  <dgm:styleLbl name="solidAlignAcc1">
+    <dgm:scene3d>
+      <a:camera prst="orthographicFront"/>
+      <a:lightRig rig="threePt" dir="t"/>
+    </dgm:scene3d>
+    <dgm:sp3d/>
+    <dgm:txPr/>
+    <dgm:style>
+      <a:lnRef idx="2">
+        <a:scrgbClr r="0" g="0" b="0"/>
+      </a:lnRef>
+      <a:fillRef idx="1">
+        <a:scrgbClr r="0" g="0" b="0"/>
+      </a:fillRef>
+      <a:effectRef idx="0">
+        <a:scrgbClr r="0" g="0" b="0"/>
+      </a:effectRef>
+      <a:fontRef idx="minor"/>
+    </dgm:style>
+  </dgm:styleLbl>
+  <dgm:styleLbl name="solidBgAcc1">
+    <dgm:scene3d>
+      <a:camera prst="orthographicFront"/>
+      <a:lightRig rig="threePt" dir="t"/>
+    </dgm:scene3d>
+    <dgm:sp3d/>
+    <dgm:txPr/>
+    <dgm:style>
+      <a:lnRef idx="2">
+        <a:scrgbClr r="0" g="0" b="0"/>
+      </a:lnRef>
+      <a:fillRef idx="1">
+        <a:scrgbClr r="0" g="0" b="0"/>
+      </a:fillRef>
+      <a:effectRef idx="0">
+        <a:scrgbClr r="0" g="0" b="0"/>
+      </a:effectRef>
+      <a:fontRef idx="minor"/>
+    </dgm:style>
+  </dgm:styleLbl>
+  <dgm:styleLbl name="fgAccFollowNode1">
+    <dgm:scene3d>
+      <a:camera prst="orthographicFront"/>
+      <a:lightRig rig="threePt" dir="t"/>
+    </dgm:scene3d>
+    <dgm:sp3d/>
+    <dgm:txPr/>
+    <dgm:style>
+      <a:lnRef idx="2">
+        <a:scrgbClr r="0" g="0" b="0"/>
+      </a:lnRef>
+      <a:fillRef idx="1">
+        <a:scrgbClr r="0" g="0" b="0"/>
+      </a:fillRef>
+      <a:effectRef idx="0">
+        <a:scrgbClr r="0" g="0" b="0"/>
+      </a:effectRef>
+      <a:fontRef idx="minor"/>
+    </dgm:style>
+  </dgm:styleLbl>
+  <dgm:styleLbl name="alignAccFollowNode1">
+    <dgm:scene3d>
+      <a:camera prst="orthographicFront"/>
+      <a:lightRig rig="threePt" dir="t"/>
+    </dgm:scene3d>
+    <dgm:sp3d/>
+    <dgm:txPr/>
+    <dgm:style>
+      <a:lnRef idx="2">
+        <a:scrgbClr r="0" g="0" b="0"/>
+      </a:lnRef>
+      <a:fillRef idx="1">
+        <a:scrgbClr r="0" g="0" b="0"/>
+      </a:fillRef>
+      <a:effectRef idx="0">
+        <a:scrgbClr r="0" g="0" b="0"/>
+      </a:effectRef>
+      <a:fontRef idx="minor"/>
+    </dgm:style>
+  </dgm:styleLbl>
+  <dgm:styleLbl name="bgAccFollowNode1">
+    <dgm:scene3d>
+      <a:camera prst="orthographicFront"/>
+      <a:lightRig rig="threePt" dir="t"/>
+    </dgm:scene3d>
+    <dgm:sp3d/>
+    <dgm:txPr/>
+    <dgm:style>
+      <a:lnRef idx="2">
+        <a:scrgbClr r="0" g="0" b="0"/>
+      </a:lnRef>
+      <a:fillRef idx="1">
+        <a:scrgbClr r="0" g="0" b="0"/>
+      </a:fillRef>
+      <a:effectRef idx="0">
+        <a:scrgbClr r="0" g="0" b="0"/>
+      </a:effectRef>
+      <a:fontRef idx="minor"/>
+    </dgm:style>
+  </dgm:styleLbl>
+  <dgm:styleLbl name="fgAcc0">
+    <dgm:scene3d>
+      <a:camera prst="orthographicFront"/>
+      <a:lightRig rig="threePt" dir="t"/>
+    </dgm:scene3d>
+    <dgm:sp3d/>
+    <dgm:txPr/>
+    <dgm:style>
+      <a:lnRef idx="2">
+        <a:scrgbClr r="0" g="0" b="0"/>
+      </a:lnRef>
+      <a:fillRef idx="1">
+        <a:scrgbClr r="0" g="0" b="0"/>
+      </a:fillRef>
+      <a:effectRef idx="0">
+        <a:scrgbClr r="0" g="0" b="0"/>
+      </a:effectRef>
+      <a:fontRef idx="minor"/>
+    </dgm:style>
+  </dgm:styleLbl>
+  <dgm:styleLbl name="fgAcc2">
+    <dgm:scene3d>
+      <a:camera prst="orthographicFront"/>
+      <a:lightRig rig="threePt" dir="t"/>
+    </dgm:scene3d>
+    <dgm:sp3d/>
+    <dgm:txPr/>
+    <dgm:style>
+      <a:lnRef idx="2">
+        <a:scrgbClr r="0" g="0" b="0"/>
+      </a:lnRef>
+      <a:fillRef idx="1">
+        <a:scrgbClr r="0" g="0" b="0"/>
+      </a:fillRef>
+      <a:effectRef idx="0">
+        <a:scrgbClr r="0" g="0" b="0"/>
+      </a:effectRef>
+      <a:fontRef idx="minor"/>
+    </dgm:style>
+  </dgm:styleLbl>
+  <dgm:styleLbl name="fgAcc3">
+    <dgm:scene3d>
+      <a:camera prst="orthographicFront"/>
+      <a:lightRig rig="threePt" dir="t"/>
+    </dgm:scene3d>
+    <dgm:sp3d/>
+    <dgm:txPr/>
+    <dgm:style>
+      <a:lnRef idx="2">
+        <a:scrgbClr r="0" g="0" b="0"/>
+      </a:lnRef>
+      <a:fillRef idx="1">
+        <a:scrgbClr r="0" g="0" b="0"/>
+      </a:fillRef>
+      <a:effectRef idx="0">
+        <a:scrgbClr r="0" g="0" b="0"/>
+      </a:effectRef>
+      <a:fontRef idx="minor"/>
+    </dgm:style>
+  </dgm:styleLbl>
+  <dgm:styleLbl name="fgAcc4">
+    <dgm:scene3d>
+      <a:camera prst="orthographicFront"/>
+      <a:lightRig rig="threePt" dir="t"/>
+    </dgm:scene3d>
+    <dgm:sp3d/>
+    <dgm:txPr/>
+    <dgm:style>
+      <a:lnRef idx="2">
+        <a:scrgbClr r="0" g="0" b="0"/>
+      </a:lnRef>
+      <a:fillRef idx="1">
+        <a:scrgbClr r="0" g="0" b="0"/>
+      </a:fillRef>
+      <a:effectRef idx="0">
+        <a:scrgbClr r="0" g="0" b="0"/>
+      </a:effectRef>
+      <a:fontRef idx="minor"/>
+    </dgm:style>
+  </dgm:styleLbl>
+  <dgm:styleLbl name="bgShp">
+    <dgm:scene3d>
+      <a:camera prst="orthographicFront"/>
+      <a:lightRig rig="threePt" dir="t"/>
+    </dgm:scene3d>
+    <dgm:sp3d/>
+    <dgm:txPr/>
+    <dgm:style>
+      <a:lnRef idx="0">
+        <a:scrgbClr r="0" g="0" b="0"/>
+      </a:lnRef>
+      <a:fillRef idx="1">
+        <a:scrgbClr r="0" g="0" b="0"/>
+      </a:fillRef>
+      <a:effectRef idx="0">
+        <a:scrgbClr r="0" g="0" b="0"/>
+      </a:effectRef>
+      <a:fontRef idx="minor"/>
+    </dgm:style>
+  </dgm:styleLbl>
+  <dgm:styleLbl name="dkBgShp">
+    <dgm:scene3d>
+      <a:camera prst="orthographicFront"/>
+      <a:lightRig rig="threePt" dir="t"/>
+    </dgm:scene3d>
+    <dgm:sp3d/>
+    <dgm:txPr/>
+    <dgm:style>
+      <a:lnRef idx="0">
+        <a:scrgbClr r="0" g="0" b="0"/>
+      </a:lnRef>
+      <a:fillRef idx="1">
+        <a:scrgbClr r="0" g="0" b="0"/>
+      </a:fillRef>
+      <a:effectRef idx="0">
+        <a:scrgbClr r="0" g="0" b="0"/>
+      </a:effectRef>
+      <a:fontRef idx="minor"/>
+    </dgm:style>
+  </dgm:styleLbl>
+  <dgm:styleLbl name="trBgShp">
+    <dgm:scene3d>
+      <a:camera prst="orthographicFront"/>
+      <a:lightRig rig="threePt" dir="t"/>
+    </dgm:scene3d>
+    <dgm:sp3d/>
+    <dgm:txPr/>
+    <dgm:style>
+      <a:lnRef idx="0">
+        <a:scrgbClr r="0" g="0" b="0"/>
+      </a:lnRef>
+      <a:fillRef idx="1">
+        <a:scrgbClr r="0" g="0" b="0"/>
+      </a:fillRef>
+      <a:effectRef idx="0">
+        <a:scrgbClr r="0" g="0" b="0"/>
+      </a:effectRef>
+      <a:fontRef idx="minor"/>
+    </dgm:style>
+  </dgm:styleLbl>
+  <dgm:styleLbl name="fgShp">
+    <dgm:scene3d>
+      <a:camera prst="orthographicFront"/>
+      <a:lightRig rig="threePt" dir="t"/>
+    </dgm:scene3d>
+    <dgm:sp3d/>
+    <dgm:txPr/>
+    <dgm:style>
+      <a:lnRef idx="2">
+        <a:scrgbClr r="0" g="0" b="0"/>
+      </a:lnRef>
+      <a:fillRef idx="1">
+        <a:scrgbClr r="0" g="0" b="0"/>
+      </a:fillRef>
+      <a:effectRef idx="0">
+        <a:scrgbClr r="0" g="0" b="0"/>
+      </a:effectRef>
+      <a:fontRef idx="minor"/>
+    </dgm:style>
+  </dgm:styleLbl>
+  <dgm:styleLbl name="revTx">
+    <dgm:scene3d>
+      <a:camera prst="orthographicFront"/>
+      <a:lightRig rig="threePt" dir="t"/>
+    </dgm:scene3d>
+    <dgm:sp3d/>
+    <dgm:txPr/>
+    <dgm:style>
+      <a:lnRef idx="0">
+        <a:scrgbClr r="0" g="0" b="0"/>
+      </a:lnRef>
+      <a:fillRef idx="0">
+        <a:scrgbClr r="0" g="0" b="0"/>
+      </a:fillRef>
+      <a:effectRef idx="0">
+        <a:scrgbClr r="0" g="0" b="0"/>
+      </a:effectRef>
+      <a:fontRef idx="minor"/>
+    </dgm:style>
+  </dgm:styleLbl>
+</dgm:styleDef>
 </file>
 
 <file path=ppt/notesMasters/notesMaster1.xml><?xml version="1.0" encoding="utf-8"?>
@@ -849,7 +5575,7 @@
           <a:p>
             <a:fld id="{B2C12D4C-B1D3-47E3-A782-058983EB4D34}" type="datetimeFigureOut">
               <a:rPr lang="en-US" smtClean="0"/>
-              <a:t>08-Mar-2023</a:t>
+              <a:t>18-Mar-2023</a:t>
             </a:fld>
             <a:endParaRPr lang="en-US"/>
           </a:p>
@@ -1188,7 +5914,7 @@
           <a:p>
             <a:fld id="{3960260C-8853-4159-8854-5A6834041865}" type="slidenum">
               <a:rPr lang="en-US" smtClean="0"/>
-              <a:t>1</a:t>
+              <a:t>2</a:t>
             </a:fld>
             <a:endParaRPr lang="en-US"/>
           </a:p>
@@ -1251,63 +5977,6 @@
           <a:bodyPr/>
           <a:lstStyle/>
           <a:p>
-            <a:r>
-              <a:rPr lang="en-US" dirty="0"/>
-              <a:t>The </a:t>
-            </a:r>
-            <a:r>
-              <a:rPr lang="en-US" b="1" dirty="0"/>
-              <a:t>Client Interface</a:t>
-            </a:r>
-            <a:r>
-              <a:rPr lang="en-US" dirty="0"/>
-              <a:t> describes a protocol that other classes must follow to be able to collaborate with the client code.</a:t>
-            </a:r>
-          </a:p>
-          <a:p>
-            <a:endParaRPr lang="en-US" dirty="0"/>
-          </a:p>
-          <a:p>
-            <a:r>
-              <a:rPr lang="en-US" dirty="0"/>
-              <a:t>The </a:t>
-            </a:r>
-            <a:r>
-              <a:rPr lang="en-US" b="1" dirty="0"/>
-              <a:t>Service</a:t>
-            </a:r>
-            <a:r>
-              <a:rPr lang="en-US" dirty="0"/>
-              <a:t> is some useful class (usually 3rd-party or legacy). The client can’t use this class directly because it has an incompatible interface.</a:t>
-            </a:r>
-          </a:p>
-          <a:p>
-            <a:endParaRPr lang="en-US" dirty="0"/>
-          </a:p>
-          <a:p>
-            <a:r>
-              <a:rPr lang="en-US" dirty="0"/>
-              <a:t>The </a:t>
-            </a:r>
-            <a:r>
-              <a:rPr lang="en-US" b="1" dirty="0"/>
-              <a:t>Adapter</a:t>
-            </a:r>
-            <a:r>
-              <a:rPr lang="en-US" dirty="0"/>
-              <a:t> is a class that’s able to work with both the client and the service: it implements the client interface, while wrapping the service object. </a:t>
-            </a:r>
-          </a:p>
-          <a:p>
-            <a:r>
-              <a:rPr lang="en-US" dirty="0"/>
-              <a:t>The adapter receives calls from the client via the adapter interface and translates them into calls to the wrapped service object in a format it can understand.</a:t>
-            </a:r>
-          </a:p>
-          <a:p>
-            <a:endParaRPr lang="en-US" dirty="0"/>
-          </a:p>
-          <a:p>
             <a:pPr marL="0" marR="0" lvl="0" indent="0" algn="l" defTabSz="914400" rtl="0" eaLnBrk="1" fontAlgn="auto" latinLnBrk="0" hangingPunct="1">
               <a:lnSpc>
                 <a:spcPct val="100000"/>
@@ -1362,6 +6031,66 @@
               <a:t>Adapter.</a:t>
             </a:r>
             <a:endParaRPr lang="en-US" sz="1200" dirty="0"/>
+          </a:p>
+          <a:p>
+            <a:endParaRPr lang="en-US" dirty="0"/>
+          </a:p>
+          <a:p>
+            <a:r>
+              <a:rPr lang="en-US" dirty="0"/>
+              <a:t>The </a:t>
+            </a:r>
+            <a:r>
+              <a:rPr lang="en-US" b="1" dirty="0"/>
+              <a:t>Client Interface</a:t>
+            </a:r>
+            <a:r>
+              <a:rPr lang="en-US" dirty="0"/>
+              <a:t> describes a protocol that other classes must follow to be able to collaborate with the client code.</a:t>
+            </a:r>
+          </a:p>
+          <a:p>
+            <a:endParaRPr lang="en-US" dirty="0"/>
+          </a:p>
+          <a:p>
+            <a:r>
+              <a:rPr lang="en-US" dirty="0"/>
+              <a:t>The </a:t>
+            </a:r>
+            <a:r>
+              <a:rPr lang="en-US" b="1" dirty="0"/>
+              <a:t>Service</a:t>
+            </a:r>
+            <a:r>
+              <a:rPr lang="en-US" dirty="0"/>
+              <a:t> is some useful class (usually 3rd-party or legacy). The client can’t use this class directly because it has an incompatible interface.</a:t>
+            </a:r>
+          </a:p>
+          <a:p>
+            <a:endParaRPr lang="en-US" dirty="0"/>
+          </a:p>
+          <a:p>
+            <a:r>
+              <a:rPr lang="en-US" dirty="0"/>
+              <a:t>The </a:t>
+            </a:r>
+            <a:r>
+              <a:rPr lang="en-US" b="1" dirty="0"/>
+              <a:t>Adapter</a:t>
+            </a:r>
+            <a:r>
+              <a:rPr lang="en-US" dirty="0"/>
+              <a:t> is a class that’s able to work with both the client and the service: it implements the client interface, while wrapping the service object. </a:t>
+            </a:r>
+          </a:p>
+          <a:p>
+            <a:r>
+              <a:rPr lang="en-US" dirty="0"/>
+              <a:t>The adapter receives calls from the client via the adapter interface and translates them into calls to the wrapped service object in a format it can understand.</a:t>
+            </a:r>
+          </a:p>
+          <a:p>
+            <a:endParaRPr lang="en-US" dirty="0"/>
           </a:p>
           <a:p>
             <a:pPr marL="0" marR="0" lvl="0" indent="0" algn="l" defTabSz="914400" rtl="0" eaLnBrk="1" fontAlgn="auto" latinLnBrk="0" hangingPunct="1">
@@ -1405,7 +6134,7 @@
           <a:p>
             <a:fld id="{3960260C-8853-4159-8854-5A6834041865}" type="slidenum">
               <a:rPr lang="en-US" smtClean="0"/>
-              <a:t>2</a:t>
+              <a:t>3</a:t>
             </a:fld>
             <a:endParaRPr lang="en-US"/>
           </a:p>
@@ -1470,38 +6199,36 @@
           <a:p>
             <a:r>
               <a:rPr lang="en-US" b="1" dirty="0"/>
-              <a:t>Bridge</a:t>
+              <a:t>Facade</a:t>
             </a:r>
             <a:r>
               <a:rPr lang="en-US" dirty="0"/>
-              <a:t> is a structural design pattern that lets you split a large class or a set of closely related classes into two separate hierarchies—abstraction and </a:t>
-            </a:r>
-            <a:r>
-              <a:rPr lang="en-US"/>
-              <a:t>implementation—</a:t>
-            </a:r>
-          </a:p>
-          <a:p>
-            <a:r>
-              <a:rPr lang="en-US"/>
-              <a:t>which </a:t>
-            </a:r>
+              <a:t> is a structural design pattern that provides a simplified interface to a library, a framework, or any other complex set of classes.</a:t>
+            </a:r>
+          </a:p>
+          <a:p>
+            <a:endParaRPr lang="en-US" dirty="0"/>
+          </a:p>
+          <a:p>
             <a:r>
               <a:rPr lang="en-US" dirty="0"/>
-              <a:t>can be developed independently of each other.</a:t>
+              <a:t>Imagine that you must make your code work with a broad set of objects that belong to a sophisticated library or framework. </a:t>
+            </a:r>
+          </a:p>
+          <a:p>
+            <a:r>
+              <a:rPr lang="en-US" dirty="0"/>
+              <a:t>Ordinarily, you’d need to initialize all those objects, keep track of dependencies, execute methods in the correct order, and so on.</a:t>
+            </a:r>
+          </a:p>
+          <a:p>
+            <a:r>
+              <a:rPr lang="en-US" dirty="0"/>
+              <a:t>As a result, the business logic of your classes would become tightly coupled to the implementation details of 3rd-party classes, making it hard to comprehend and maintain.</a:t>
             </a:r>
           </a:p>
           <a:p>
             <a:endParaRPr lang="en-US" dirty="0"/>
-          </a:p>
-          <a:p>
-            <a:endParaRPr lang="en-US" dirty="0"/>
-          </a:p>
-          <a:p>
-            <a:r>
-              <a:rPr lang="en-US" dirty="0"/>
-              <a:t>Different implementations are interchangeable as long as they follow a common interface.</a:t>
-            </a:r>
           </a:p>
         </p:txBody>
       </p:sp>
@@ -1522,7 +6249,7 @@
           <a:p>
             <a:fld id="{3960260C-8853-4159-8854-5A6834041865}" type="slidenum">
               <a:rPr lang="en-US" smtClean="0"/>
-              <a:t>3</a:t>
+              <a:t>4</a:t>
             </a:fld>
             <a:endParaRPr lang="en-US"/>
           </a:p>
@@ -1531,7 +6258,7 @@
     </p:spTree>
     <p:extLst>
       <p:ext uri="{BB962C8B-B14F-4D97-AF65-F5344CB8AC3E}">
-        <p14:creationId xmlns:p14="http://schemas.microsoft.com/office/powerpoint/2010/main" val="3524886519"/>
+        <p14:creationId xmlns:p14="http://schemas.microsoft.com/office/powerpoint/2010/main" val="976043851"/>
       </p:ext>
     </p:extLst>
   </p:cSld>
@@ -1586,12 +6313,16 @@
           <a:lstStyle/>
           <a:p>
             <a:r>
+              <a:rPr lang="en-US" dirty="0"/>
+              <a:t>The </a:t>
+            </a:r>
+            <a:r>
               <a:rPr lang="en-US" b="1" dirty="0"/>
-              <a:t>Decorator</a:t>
+              <a:t>Facade</a:t>
             </a:r>
             <a:r>
               <a:rPr lang="en-US" dirty="0"/>
-              <a:t> is a structural design pattern that lets you attach new behaviors to objects by placing these objects inside special wrapper objects that contain the behaviors.</a:t>
+              <a:t> provides convenient access to a particular part of the subsystem’s functionality. It knows where to direct the client’s request and how to operate all the moving parts.</a:t>
             </a:r>
           </a:p>
           <a:p>
@@ -1600,32 +6331,54 @@
           <a:p>
             <a:r>
               <a:rPr lang="en-US" dirty="0"/>
-              <a:t>Wearing clothes is an example of using decorators. </a:t>
-            </a:r>
-          </a:p>
-          <a:p>
+              <a:t>The </a:t>
+            </a:r>
+            <a:r>
+              <a:rPr lang="en-US" b="1" dirty="0"/>
+              <a:t>Complex Subsystem</a:t>
+            </a:r>
             <a:r>
               <a:rPr lang="en-US" dirty="0"/>
-              <a:t>When you’re cold, you wrap yourself in a sweater. </a:t>
+              <a:t> consists of dozens of various objects. </a:t>
             </a:r>
           </a:p>
           <a:p>
             <a:r>
               <a:rPr lang="en-US" dirty="0"/>
-              <a:t>If you’re still cold with a sweater, you can wear a jacket on top. </a:t>
+              <a:t>To make them all do something meaningful, you must dive deep into the subsystem’s implementation details, such as initializing objects in the correct order and supplying them with data in the proper format.</a:t>
             </a:r>
           </a:p>
           <a:p>
             <a:r>
               <a:rPr lang="en-US" dirty="0"/>
-              <a:t>If it’s raining, you can put on a raincoat. </a:t>
-            </a:r>
+              <a:t>Subsystem classes aren’t aware of the facade’s existence. They operate within the system and work with each other directly.</a:t>
+            </a:r>
+          </a:p>
+          <a:p>
+            <a:endParaRPr lang="en-US" dirty="0"/>
           </a:p>
           <a:p>
             <a:r>
               <a:rPr lang="en-US" dirty="0"/>
-              <a:t>All these garments “extend” your basic behavior but aren’t part of you, and you can easily take off any piece of clothing whenever you don’t need it.</a:t>
-            </a:r>
+              <a:t>An </a:t>
+            </a:r>
+            <a:r>
+              <a:rPr lang="en-US" b="1" dirty="0"/>
+              <a:t>Additional Facade</a:t>
+            </a:r>
+            <a:r>
+              <a:rPr lang="en-US" dirty="0"/>
+              <a:t> class can be created to prevent polluting a single facade with unrelated features that might make it another complex structure. </a:t>
+            </a:r>
+          </a:p>
+          <a:p>
+            <a:r>
+              <a:rPr lang="en-US" dirty="0"/>
+              <a:t>Additional facades can be used by both clients and other facades.</a:t>
+            </a:r>
+          </a:p>
+          <a:p>
+            <a:endParaRPr lang="en-US" dirty="0"/>
           </a:p>
         </p:txBody>
       </p:sp>
@@ -1655,7 +6408,7 @@
     </p:spTree>
     <p:extLst>
       <p:ext uri="{BB962C8B-B14F-4D97-AF65-F5344CB8AC3E}">
-        <p14:creationId xmlns:p14="http://schemas.microsoft.com/office/powerpoint/2010/main" val="1414819557"/>
+        <p14:creationId xmlns:p14="http://schemas.microsoft.com/office/powerpoint/2010/main" val="3520714539"/>
       </p:ext>
     </p:extLst>
   </p:cSld>
@@ -1709,270 +6462,20 @@
           <a:bodyPr/>
           <a:lstStyle/>
           <a:p>
-            <a:pPr marL="0" marR="0" lvl="0" indent="0" algn="l" defTabSz="914400" rtl="0" eaLnBrk="1" fontAlgn="auto" latinLnBrk="0" hangingPunct="1">
-              <a:lnSpc>
-                <a:spcPct val="100000"/>
-              </a:lnSpc>
-              <a:spcBef>
-                <a:spcPts val="0"/>
-              </a:spcBef>
-              <a:spcAft>
-                <a:spcPts val="0"/>
-              </a:spcAft>
-              <a:buClrTx/>
-              <a:buSzTx/>
-              <a:buFontTx/>
-              <a:buNone/>
-              <a:tabLst/>
-              <a:defRPr/>
-            </a:pPr>
-            <a:r>
-              <a:rPr lang="en-US" sz="2800" dirty="0"/>
-              <a:t>The </a:t>
-            </a:r>
-            <a:r>
-              <a:rPr lang="en-US" sz="2800" b="1" dirty="0"/>
-              <a:t>Component</a:t>
-            </a:r>
-            <a:r>
-              <a:rPr lang="en-US" sz="2800" dirty="0"/>
-              <a:t> declares the common interface for both wrappers and wrapped objects.</a:t>
-            </a:r>
-          </a:p>
-          <a:p>
-            <a:pPr marL="0" marR="0" lvl="0" indent="0" algn="l" defTabSz="914400" rtl="0" eaLnBrk="1" fontAlgn="auto" latinLnBrk="0" hangingPunct="1">
-              <a:lnSpc>
-                <a:spcPct val="100000"/>
-              </a:lnSpc>
-              <a:spcBef>
-                <a:spcPts val="0"/>
-              </a:spcBef>
-              <a:spcAft>
-                <a:spcPts val="0"/>
-              </a:spcAft>
-              <a:buClrTx/>
-              <a:buSzTx/>
-              <a:buFontTx/>
-              <a:buNone/>
-              <a:tabLst/>
-              <a:defRPr/>
-            </a:pPr>
-            <a:endParaRPr lang="en-US" sz="1800" b="1" dirty="0"/>
-          </a:p>
-          <a:p>
-            <a:pPr marL="0" marR="0" lvl="0" indent="0" algn="l" defTabSz="914400" rtl="0" eaLnBrk="1" fontAlgn="auto" latinLnBrk="0" hangingPunct="1">
-              <a:lnSpc>
-                <a:spcPct val="100000"/>
-              </a:lnSpc>
-              <a:spcBef>
-                <a:spcPts val="0"/>
-              </a:spcBef>
-              <a:spcAft>
-                <a:spcPts val="0"/>
-              </a:spcAft>
-              <a:buClrTx/>
-              <a:buSzTx/>
-              <a:buFontTx/>
-              <a:buNone/>
-              <a:tabLst/>
-              <a:defRPr/>
-            </a:pPr>
-            <a:r>
-              <a:rPr lang="en-US" sz="1800" b="1" dirty="0"/>
-              <a:t>Concrete Component</a:t>
-            </a:r>
-            <a:r>
-              <a:rPr lang="en-US" sz="1800" dirty="0"/>
-              <a:t> is a class of objects being wrapped. It defines the basic behavior, which can be altered by decorators.</a:t>
-            </a:r>
-          </a:p>
-          <a:p>
-            <a:pPr marL="0" marR="0" lvl="0" indent="0" algn="l" defTabSz="914400" rtl="0" eaLnBrk="1" fontAlgn="auto" latinLnBrk="0" hangingPunct="1">
-              <a:lnSpc>
-                <a:spcPct val="100000"/>
-              </a:lnSpc>
-              <a:spcBef>
-                <a:spcPts val="0"/>
-              </a:spcBef>
-              <a:spcAft>
-                <a:spcPts val="0"/>
-              </a:spcAft>
-              <a:buClrTx/>
-              <a:buSzTx/>
-              <a:buFontTx/>
-              <a:buNone/>
-              <a:tabLst/>
-              <a:defRPr/>
-            </a:pPr>
-            <a:endParaRPr lang="en-US" sz="1800" dirty="0"/>
-          </a:p>
-          <a:p>
-            <a:pPr marL="0" marR="0" lvl="0" indent="0" algn="l" defTabSz="914400" rtl="0" eaLnBrk="1" fontAlgn="auto" latinLnBrk="0" hangingPunct="1">
-              <a:lnSpc>
-                <a:spcPct val="100000"/>
-              </a:lnSpc>
-              <a:spcBef>
-                <a:spcPts val="0"/>
-              </a:spcBef>
-              <a:spcAft>
-                <a:spcPts val="0"/>
-              </a:spcAft>
-              <a:buClrTx/>
-              <a:buSzTx/>
-              <a:buFontTx/>
-              <a:buNone/>
-              <a:tabLst/>
-              <a:defRPr/>
-            </a:pPr>
-            <a:r>
-              <a:rPr lang="en-US" sz="2800" dirty="0"/>
-              <a:t>The </a:t>
-            </a:r>
-            <a:r>
-              <a:rPr lang="en-US" sz="2800" b="1" dirty="0"/>
-              <a:t>Base Decorator</a:t>
-            </a:r>
-            <a:r>
-              <a:rPr lang="en-US" sz="2800" dirty="0"/>
-              <a:t> class has a field for referencing a wrapped object. The field’s type should be declared as the component interface so it can contain both concrete components and decorators. </a:t>
-            </a:r>
-          </a:p>
-          <a:p>
-            <a:pPr marL="0" marR="0" lvl="0" indent="0" algn="l" defTabSz="914400" rtl="0" eaLnBrk="1" fontAlgn="auto" latinLnBrk="0" hangingPunct="1">
-              <a:lnSpc>
-                <a:spcPct val="100000"/>
-              </a:lnSpc>
-              <a:spcBef>
-                <a:spcPts val="0"/>
-              </a:spcBef>
-              <a:spcAft>
-                <a:spcPts val="0"/>
-              </a:spcAft>
-              <a:buClrTx/>
-              <a:buSzTx/>
-              <a:buFontTx/>
-              <a:buNone/>
-              <a:tabLst/>
-              <a:defRPr/>
-            </a:pPr>
-            <a:r>
-              <a:rPr lang="en-US" sz="2800" dirty="0"/>
-              <a:t>The </a:t>
-            </a:r>
-            <a:r>
-              <a:rPr lang="en-US" sz="2800" b="1" dirty="0"/>
-              <a:t>Base Decorator</a:t>
-            </a:r>
-            <a:r>
-              <a:rPr lang="en-US" sz="2800" dirty="0"/>
-              <a:t> delegates all operations to the wrapped object.</a:t>
-            </a:r>
-            <a:endParaRPr lang="en-US" sz="1800" dirty="0"/>
-          </a:p>
-          <a:p>
-            <a:pPr marL="0" marR="0" lvl="0" indent="0" algn="l" defTabSz="914400" rtl="0" eaLnBrk="1" fontAlgn="auto" latinLnBrk="0" hangingPunct="1">
-              <a:lnSpc>
-                <a:spcPct val="100000"/>
-              </a:lnSpc>
-              <a:spcBef>
-                <a:spcPts val="0"/>
-              </a:spcBef>
-              <a:spcAft>
-                <a:spcPts val="0"/>
-              </a:spcAft>
-              <a:buClrTx/>
-              <a:buSzTx/>
-              <a:buFontTx/>
-              <a:buNone/>
-              <a:tabLst/>
-              <a:defRPr/>
-            </a:pPr>
-            <a:endParaRPr lang="en-US" sz="1800" dirty="0"/>
-          </a:p>
-          <a:p>
-            <a:pPr marL="0" marR="0" lvl="0" indent="0" algn="l" defTabSz="914400" rtl="0" eaLnBrk="1" fontAlgn="auto" latinLnBrk="0" hangingPunct="1">
-              <a:lnSpc>
-                <a:spcPct val="100000"/>
-              </a:lnSpc>
-              <a:spcBef>
-                <a:spcPts val="0"/>
-              </a:spcBef>
-              <a:spcAft>
-                <a:spcPts val="0"/>
-              </a:spcAft>
-              <a:buClrTx/>
-              <a:buSzTx/>
-              <a:buFontTx/>
-              <a:buNone/>
-              <a:tabLst/>
-              <a:defRPr/>
-            </a:pPr>
-            <a:r>
-              <a:rPr lang="en-US" sz="1800" b="1" dirty="0"/>
-              <a:t>Concrete Decorators</a:t>
-            </a:r>
-            <a:r>
-              <a:rPr lang="en-US" sz="1800" dirty="0"/>
-              <a:t> define extra behaviors that can be added to components dynamically. </a:t>
-            </a:r>
-          </a:p>
-          <a:p>
-            <a:pPr marL="0" marR="0" lvl="0" indent="0" algn="l" defTabSz="914400" rtl="0" eaLnBrk="1" fontAlgn="auto" latinLnBrk="0" hangingPunct="1">
-              <a:lnSpc>
-                <a:spcPct val="100000"/>
-              </a:lnSpc>
-              <a:spcBef>
-                <a:spcPts val="0"/>
-              </a:spcBef>
-              <a:spcAft>
-                <a:spcPts val="0"/>
-              </a:spcAft>
-              <a:buClrTx/>
-              <a:buSzTx/>
-              <a:buFontTx/>
-              <a:buNone/>
-              <a:tabLst/>
-              <a:defRPr/>
-            </a:pPr>
-            <a:r>
-              <a:rPr lang="en-US" sz="1800" b="1" kern="1200" dirty="0">
-                <a:solidFill>
-                  <a:schemeClr val="tx1"/>
-                </a:solidFill>
-                <a:latin typeface="+mn-lt"/>
-                <a:ea typeface="+mn-ea"/>
-                <a:cs typeface="+mn-cs"/>
-              </a:rPr>
-              <a:t>Concrete </a:t>
-            </a:r>
-            <a:r>
-              <a:rPr lang="en-US" sz="1800" b="1" dirty="0"/>
-              <a:t>Decorators</a:t>
-            </a:r>
-            <a:r>
-              <a:rPr lang="en-US" sz="1800" b="1" kern="1200" dirty="0">
-                <a:solidFill>
-                  <a:schemeClr val="tx1"/>
-                </a:solidFill>
-                <a:latin typeface="+mn-lt"/>
-                <a:ea typeface="+mn-ea"/>
-                <a:cs typeface="+mn-cs"/>
-              </a:rPr>
-              <a:t> </a:t>
-            </a:r>
-            <a:r>
-              <a:rPr lang="en-US" sz="1800" dirty="0"/>
-              <a:t>override methods of the base decorator and execute their behavior either before or after calling the parent method.</a:t>
-            </a:r>
-            <a:endParaRPr lang="en-US" sz="1200" dirty="0">
-              <a:solidFill>
-                <a:srgbClr val="000000"/>
-              </a:solidFill>
-              <a:latin typeface="Cascadia Mono" panose="020B0609020000020004" pitchFamily="49" charset="0"/>
-            </a:endParaRPr>
-          </a:p>
-          <a:p>
-            <a:endParaRPr lang="en-US" sz="1800" dirty="0"/>
+            <a:r>
+              <a:rPr lang="en-US" b="1" dirty="0"/>
+              <a:t>Proxy</a:t>
+            </a:r>
+            <a:r>
+              <a:rPr lang="en-US" dirty="0"/>
+              <a:t> is a structural design pattern that lets you provide a substitute or placeholder for another object. </a:t>
+            </a:r>
+          </a:p>
+          <a:p>
+            <a:r>
+              <a:rPr lang="en-US" dirty="0"/>
+              <a:t>A proxy controls access to the original object, allowing you to perform something either before or after the request gets through to the original object.</a:t>
+            </a:r>
           </a:p>
         </p:txBody>
       </p:sp>
@@ -2002,7 +6505,7 @@
     </p:spTree>
     <p:extLst>
       <p:ext uri="{BB962C8B-B14F-4D97-AF65-F5344CB8AC3E}">
-        <p14:creationId xmlns:p14="http://schemas.microsoft.com/office/powerpoint/2010/main" val="3032899788"/>
+        <p14:creationId xmlns:p14="http://schemas.microsoft.com/office/powerpoint/2010/main" val="2830808032"/>
       </p:ext>
     </p:extLst>
   </p:cSld>
@@ -2057,12 +6560,16 @@
           <a:lstStyle/>
           <a:p>
             <a:r>
+              <a:rPr lang="en-US" dirty="0"/>
+              <a:t>The </a:t>
+            </a:r>
+            <a:r>
               <a:rPr lang="en-US" b="1" dirty="0"/>
-              <a:t>Facade</a:t>
+              <a:t>Service Interface</a:t>
             </a:r>
             <a:r>
               <a:rPr lang="en-US" dirty="0"/>
-              <a:t> is a structural design pattern that provides a simplified interface to a library, a framework, or any other complex set of classes.</a:t>
+              <a:t> declares the interface of the Service. The proxy must follow this interface to be able to disguise itself as a service object.</a:t>
             </a:r>
           </a:p>
           <a:p>
@@ -2071,19 +6578,44 @@
           <a:p>
             <a:r>
               <a:rPr lang="en-US" dirty="0"/>
-              <a:t>Imagine that you must make your code work with a broad set of objects that belong to a sophisticated library or framework. </a:t>
-            </a:r>
-          </a:p>
-          <a:p>
+              <a:t>The </a:t>
+            </a:r>
+            <a:r>
+              <a:rPr lang="en-US" b="1" dirty="0"/>
+              <a:t>Service</a:t>
+            </a:r>
             <a:r>
               <a:rPr lang="en-US" dirty="0"/>
-              <a:t>Ordinarily, you’d need to initialize all those objects, keep track of dependencies, execute methods in the correct order, and so on.</a:t>
-            </a:r>
+              <a:t> is a class that provides some useful business logic.</a:t>
+            </a:r>
+          </a:p>
+          <a:p>
+            <a:endParaRPr lang="en-US" dirty="0"/>
           </a:p>
           <a:p>
             <a:r>
               <a:rPr lang="en-US" dirty="0"/>
-              <a:t>As a result, the business logic of your classes would become tightly coupled to the implementation details of 3rd-party classes, making it hard to comprehend and maintain.</a:t>
+              <a:t>The </a:t>
+            </a:r>
+            <a:r>
+              <a:rPr lang="en-US" b="1" dirty="0"/>
+              <a:t>Proxy</a:t>
+            </a:r>
+            <a:r>
+              <a:rPr lang="en-US" dirty="0"/>
+              <a:t> class has a reference field that points to a service object. </a:t>
+            </a:r>
+          </a:p>
+          <a:p>
+            <a:r>
+              <a:rPr lang="en-US" dirty="0"/>
+              <a:t>After the proxy finishes its processing (e.g., lazy initialization, logging, access control, caching, etc.), it passes the request to the service object.</a:t>
+            </a:r>
+          </a:p>
+          <a:p>
+            <a:r>
+              <a:rPr lang="en-US" dirty="0"/>
+              <a:t>Usually, proxies manage the full lifecycle of their service objects.</a:t>
             </a:r>
           </a:p>
           <a:p>
@@ -2117,7 +6649,7 @@
     </p:spTree>
     <p:extLst>
       <p:ext uri="{BB962C8B-B14F-4D97-AF65-F5344CB8AC3E}">
-        <p14:creationId xmlns:p14="http://schemas.microsoft.com/office/powerpoint/2010/main" val="976043851"/>
+        <p14:creationId xmlns:p14="http://schemas.microsoft.com/office/powerpoint/2010/main" val="3283522435"/>
       </p:ext>
     </p:extLst>
   </p:cSld>
@@ -2172,72 +6704,39 @@
           <a:lstStyle/>
           <a:p>
             <a:r>
+              <a:rPr lang="en-US" b="1" dirty="0"/>
+              <a:t>Bridge</a:t>
+            </a:r>
+            <a:r>
               <a:rPr lang="en-US" dirty="0"/>
-              <a:t>The </a:t>
-            </a:r>
-            <a:r>
-              <a:rPr lang="en-US" b="1" dirty="0"/>
-              <a:t>Facade</a:t>
+              <a:t> is a structural design pattern that lets you split a large class or a set of closely related classes into two separate hierarchies—abstraction and </a:t>
+            </a:r>
+            <a:r>
+              <a:rPr lang="en-US"/>
+              <a:t>implementation—</a:t>
+            </a:r>
+          </a:p>
+          <a:p>
+            <a:r>
+              <a:rPr lang="en-US"/>
+              <a:t>which </a:t>
             </a:r>
             <a:r>
               <a:rPr lang="en-US" dirty="0"/>
-              <a:t> provides convenient access to a particular part of the subsystem’s functionality. It knows where to direct the client’s request and how to operate all the moving parts.</a:t>
+              <a:t>can be developed independently of each other.</a:t>
             </a:r>
           </a:p>
           <a:p>
             <a:endParaRPr lang="en-US" dirty="0"/>
           </a:p>
           <a:p>
+            <a:endParaRPr lang="en-US" dirty="0"/>
+          </a:p>
+          <a:p>
             <a:r>
               <a:rPr lang="en-US" dirty="0"/>
-              <a:t>The </a:t>
-            </a:r>
-            <a:r>
-              <a:rPr lang="en-US" b="1" dirty="0"/>
-              <a:t>Complex Subsystem</a:t>
-            </a:r>
-            <a:r>
-              <a:rPr lang="en-US" dirty="0"/>
-              <a:t> consists of dozens of various objects. </a:t>
-            </a:r>
-          </a:p>
-          <a:p>
-            <a:r>
-              <a:rPr lang="en-US" dirty="0"/>
-              <a:t>To make them all do something meaningful, you must dive deep into the subsystem’s implementation details, such as initializing objects in the correct order and supplying them with data in the proper format.</a:t>
-            </a:r>
-          </a:p>
-          <a:p>
-            <a:r>
-              <a:rPr lang="en-US" dirty="0"/>
-              <a:t>Subsystem classes aren’t aware of the facade’s existence. They operate within the system and work with each other directly.</a:t>
-            </a:r>
-          </a:p>
-          <a:p>
-            <a:endParaRPr lang="en-US" dirty="0"/>
-          </a:p>
-          <a:p>
-            <a:r>
-              <a:rPr lang="en-US" dirty="0"/>
-              <a:t>An </a:t>
-            </a:r>
-            <a:r>
-              <a:rPr lang="en-US" b="1" dirty="0"/>
-              <a:t>Additional Facade</a:t>
-            </a:r>
-            <a:r>
-              <a:rPr lang="en-US" dirty="0"/>
-              <a:t> class can be created to prevent polluting a single facade with unrelated features that might make it another complex structure. </a:t>
-            </a:r>
-          </a:p>
-          <a:p>
-            <a:r>
-              <a:rPr lang="en-US" dirty="0"/>
-              <a:t>Additional facades can be used by both clients and other facades.</a:t>
-            </a:r>
-          </a:p>
-          <a:p>
-            <a:endParaRPr lang="en-US" dirty="0"/>
+              <a:t>Different implementations are interchangeable as long as they follow a common interface.</a:t>
+            </a:r>
           </a:p>
         </p:txBody>
       </p:sp>
@@ -2267,7 +6766,7 @@
     </p:spTree>
     <p:extLst>
       <p:ext uri="{BB962C8B-B14F-4D97-AF65-F5344CB8AC3E}">
-        <p14:creationId xmlns:p14="http://schemas.microsoft.com/office/powerpoint/2010/main" val="3520714539"/>
+        <p14:creationId xmlns:p14="http://schemas.microsoft.com/office/powerpoint/2010/main" val="3524886519"/>
       </p:ext>
     </p:extLst>
   </p:cSld>
@@ -2323,17 +6822,44 @@
           <a:p>
             <a:r>
               <a:rPr lang="en-US" b="1" dirty="0"/>
-              <a:t>Proxy</a:t>
+              <a:t>Decorator</a:t>
             </a:r>
             <a:r>
               <a:rPr lang="en-US" dirty="0"/>
-              <a:t> is a structural design pattern that lets you provide a substitute or placeholder for another object. </a:t>
-            </a:r>
+              <a:t> is a structural design pattern that lets you attach new behaviors to objects by placing these objects inside special wrapper objects that contain the behaviors.</a:t>
+            </a:r>
+          </a:p>
+          <a:p>
+            <a:endParaRPr lang="en-US" dirty="0"/>
           </a:p>
           <a:p>
             <a:r>
               <a:rPr lang="en-US" dirty="0"/>
-              <a:t>A proxy controls access to the original object, allowing you to perform something either before or after the request gets through to the original object.</a:t>
+              <a:t>Wearing clothes is an example of using decorators. </a:t>
+            </a:r>
+          </a:p>
+          <a:p>
+            <a:r>
+              <a:rPr lang="en-US" dirty="0"/>
+              <a:t>When you’re cold, you wrap yourself in a sweater. </a:t>
+            </a:r>
+          </a:p>
+          <a:p>
+            <a:r>
+              <a:rPr lang="en-US" dirty="0"/>
+              <a:t>If you’re still cold with a sweater, you can wear a jacket on top. </a:t>
+            </a:r>
+          </a:p>
+          <a:p>
+            <a:r>
+              <a:rPr lang="en-US" dirty="0"/>
+              <a:t>If it’s raining, you can put on a raincoat. </a:t>
+            </a:r>
+          </a:p>
+          <a:p>
+            <a:r>
+              <a:rPr lang="en-US" dirty="0"/>
+              <a:t>All these garments “extend” your basic behavior but aren’t part of you, and you can easily take off any piece of clothing whenever you don’t need it.</a:t>
             </a:r>
           </a:p>
         </p:txBody>
@@ -2355,7 +6881,7 @@
           <a:p>
             <a:fld id="{3960260C-8853-4159-8854-5A6834041865}" type="slidenum">
               <a:rPr lang="en-US" smtClean="0"/>
-              <a:t>9</a:t>
+              <a:t>10</a:t>
             </a:fld>
             <a:endParaRPr lang="en-US"/>
           </a:p>
@@ -2364,7 +6890,7 @@
     </p:spTree>
     <p:extLst>
       <p:ext uri="{BB962C8B-B14F-4D97-AF65-F5344CB8AC3E}">
-        <p14:creationId xmlns:p14="http://schemas.microsoft.com/office/powerpoint/2010/main" val="2830808032"/>
+        <p14:creationId xmlns:p14="http://schemas.microsoft.com/office/powerpoint/2010/main" val="1414819557"/>
       </p:ext>
     </p:extLst>
   </p:cSld>
@@ -2418,67 +6944,270 @@
           <a:bodyPr/>
           <a:lstStyle/>
           <a:p>
-            <a:r>
-              <a:rPr lang="en-US" dirty="0"/>
+            <a:pPr marL="0" marR="0" lvl="0" indent="0" algn="l" defTabSz="914400" rtl="0" eaLnBrk="1" fontAlgn="auto" latinLnBrk="0" hangingPunct="1">
+              <a:lnSpc>
+                <a:spcPct val="100000"/>
+              </a:lnSpc>
+              <a:spcBef>
+                <a:spcPts val="0"/>
+              </a:spcBef>
+              <a:spcAft>
+                <a:spcPts val="0"/>
+              </a:spcAft>
+              <a:buClrTx/>
+              <a:buSzTx/>
+              <a:buFontTx/>
+              <a:buNone/>
+              <a:tabLst/>
+              <a:defRPr/>
+            </a:pPr>
+            <a:r>
+              <a:rPr lang="en-US" sz="2800" dirty="0"/>
               <a:t>The </a:t>
             </a:r>
             <a:r>
-              <a:rPr lang="en-US" b="1" dirty="0"/>
-              <a:t>Service Interface</a:t>
-            </a:r>
-            <a:r>
-              <a:rPr lang="en-US" dirty="0"/>
-              <a:t> declares the interface of the Service. The proxy must follow this interface to be able to disguise itself as a service object.</a:t>
-            </a:r>
-          </a:p>
-          <a:p>
-            <a:endParaRPr lang="en-US" dirty="0"/>
-          </a:p>
-          <a:p>
-            <a:r>
-              <a:rPr lang="en-US" dirty="0"/>
+              <a:rPr lang="en-US" sz="2800" b="1" dirty="0"/>
+              <a:t>Component</a:t>
+            </a:r>
+            <a:r>
+              <a:rPr lang="en-US" sz="2800" dirty="0"/>
+              <a:t> declares the common interface for both wrappers and wrapped objects.</a:t>
+            </a:r>
+          </a:p>
+          <a:p>
+            <a:pPr marL="0" marR="0" lvl="0" indent="0" algn="l" defTabSz="914400" rtl="0" eaLnBrk="1" fontAlgn="auto" latinLnBrk="0" hangingPunct="1">
+              <a:lnSpc>
+                <a:spcPct val="100000"/>
+              </a:lnSpc>
+              <a:spcBef>
+                <a:spcPts val="0"/>
+              </a:spcBef>
+              <a:spcAft>
+                <a:spcPts val="0"/>
+              </a:spcAft>
+              <a:buClrTx/>
+              <a:buSzTx/>
+              <a:buFontTx/>
+              <a:buNone/>
+              <a:tabLst/>
+              <a:defRPr/>
+            </a:pPr>
+            <a:endParaRPr lang="en-US" sz="1800" b="1" dirty="0"/>
+          </a:p>
+          <a:p>
+            <a:pPr marL="0" marR="0" lvl="0" indent="0" algn="l" defTabSz="914400" rtl="0" eaLnBrk="1" fontAlgn="auto" latinLnBrk="0" hangingPunct="1">
+              <a:lnSpc>
+                <a:spcPct val="100000"/>
+              </a:lnSpc>
+              <a:spcBef>
+                <a:spcPts val="0"/>
+              </a:spcBef>
+              <a:spcAft>
+                <a:spcPts val="0"/>
+              </a:spcAft>
+              <a:buClrTx/>
+              <a:buSzTx/>
+              <a:buFontTx/>
+              <a:buNone/>
+              <a:tabLst/>
+              <a:defRPr/>
+            </a:pPr>
+            <a:r>
+              <a:rPr lang="en-US" sz="1800" b="1" dirty="0"/>
+              <a:t>Concrete Component</a:t>
+            </a:r>
+            <a:r>
+              <a:rPr lang="en-US" sz="1800" dirty="0"/>
+              <a:t> is a class of objects being wrapped. It defines the basic behavior, which can be altered by decorators.</a:t>
+            </a:r>
+          </a:p>
+          <a:p>
+            <a:pPr marL="0" marR="0" lvl="0" indent="0" algn="l" defTabSz="914400" rtl="0" eaLnBrk="1" fontAlgn="auto" latinLnBrk="0" hangingPunct="1">
+              <a:lnSpc>
+                <a:spcPct val="100000"/>
+              </a:lnSpc>
+              <a:spcBef>
+                <a:spcPts val="0"/>
+              </a:spcBef>
+              <a:spcAft>
+                <a:spcPts val="0"/>
+              </a:spcAft>
+              <a:buClrTx/>
+              <a:buSzTx/>
+              <a:buFontTx/>
+              <a:buNone/>
+              <a:tabLst/>
+              <a:defRPr/>
+            </a:pPr>
+            <a:endParaRPr lang="en-US" sz="1800" dirty="0"/>
+          </a:p>
+          <a:p>
+            <a:pPr marL="0" marR="0" lvl="0" indent="0" algn="l" defTabSz="914400" rtl="0" eaLnBrk="1" fontAlgn="auto" latinLnBrk="0" hangingPunct="1">
+              <a:lnSpc>
+                <a:spcPct val="100000"/>
+              </a:lnSpc>
+              <a:spcBef>
+                <a:spcPts val="0"/>
+              </a:spcBef>
+              <a:spcAft>
+                <a:spcPts val="0"/>
+              </a:spcAft>
+              <a:buClrTx/>
+              <a:buSzTx/>
+              <a:buFontTx/>
+              <a:buNone/>
+              <a:tabLst/>
+              <a:defRPr/>
+            </a:pPr>
+            <a:r>
+              <a:rPr lang="en-US" sz="2800" dirty="0"/>
               <a:t>The </a:t>
             </a:r>
             <a:r>
-              <a:rPr lang="en-US" b="1" dirty="0"/>
-              <a:t>Service</a:t>
-            </a:r>
-            <a:r>
-              <a:rPr lang="en-US" dirty="0"/>
-              <a:t> is a class that provides some useful business logic.</a:t>
-            </a:r>
-          </a:p>
-          <a:p>
-            <a:endParaRPr lang="en-US" dirty="0"/>
-          </a:p>
-          <a:p>
-            <a:r>
-              <a:rPr lang="en-US" dirty="0"/>
+              <a:rPr lang="en-US" sz="2800" b="1" dirty="0"/>
+              <a:t>Base Decorator</a:t>
+            </a:r>
+            <a:r>
+              <a:rPr lang="en-US" sz="2800" dirty="0"/>
+              <a:t> class has a field for referencing a wrapped object. The field’s type should be declared as the component interface so it can contain both concrete components and decorators. </a:t>
+            </a:r>
+          </a:p>
+          <a:p>
+            <a:pPr marL="0" marR="0" lvl="0" indent="0" algn="l" defTabSz="914400" rtl="0" eaLnBrk="1" fontAlgn="auto" latinLnBrk="0" hangingPunct="1">
+              <a:lnSpc>
+                <a:spcPct val="100000"/>
+              </a:lnSpc>
+              <a:spcBef>
+                <a:spcPts val="0"/>
+              </a:spcBef>
+              <a:spcAft>
+                <a:spcPts val="0"/>
+              </a:spcAft>
+              <a:buClrTx/>
+              <a:buSzTx/>
+              <a:buFontTx/>
+              <a:buNone/>
+              <a:tabLst/>
+              <a:defRPr/>
+            </a:pPr>
+            <a:r>
+              <a:rPr lang="en-US" sz="2800" dirty="0"/>
               <a:t>The </a:t>
             </a:r>
             <a:r>
-              <a:rPr lang="en-US" b="1" dirty="0"/>
-              <a:t>Proxy</a:t>
-            </a:r>
-            <a:r>
-              <a:rPr lang="en-US" dirty="0"/>
-              <a:t> class has a reference field that points to a service object. </a:t>
-            </a:r>
-          </a:p>
-          <a:p>
-            <a:r>
-              <a:rPr lang="en-US" dirty="0"/>
-              <a:t>After the proxy finishes its processing (e.g., lazy initialization, logging, access control, caching, etc.), it passes the request to the service object.</a:t>
-            </a:r>
-          </a:p>
-          <a:p>
-            <a:r>
-              <a:rPr lang="en-US" dirty="0"/>
-              <a:t>Usually, proxies manage the full lifecycle of their service objects.</a:t>
-            </a:r>
-          </a:p>
-          <a:p>
-            <a:endParaRPr lang="en-US" dirty="0"/>
+              <a:rPr lang="en-US" sz="2800" b="1" dirty="0"/>
+              <a:t>Base Decorator</a:t>
+            </a:r>
+            <a:r>
+              <a:rPr lang="en-US" sz="2800" dirty="0"/>
+              <a:t> delegates all operations to the wrapped object.</a:t>
+            </a:r>
+            <a:endParaRPr lang="en-US" sz="1800" dirty="0"/>
+          </a:p>
+          <a:p>
+            <a:pPr marL="0" marR="0" lvl="0" indent="0" algn="l" defTabSz="914400" rtl="0" eaLnBrk="1" fontAlgn="auto" latinLnBrk="0" hangingPunct="1">
+              <a:lnSpc>
+                <a:spcPct val="100000"/>
+              </a:lnSpc>
+              <a:spcBef>
+                <a:spcPts val="0"/>
+              </a:spcBef>
+              <a:spcAft>
+                <a:spcPts val="0"/>
+              </a:spcAft>
+              <a:buClrTx/>
+              <a:buSzTx/>
+              <a:buFontTx/>
+              <a:buNone/>
+              <a:tabLst/>
+              <a:defRPr/>
+            </a:pPr>
+            <a:endParaRPr lang="en-US" sz="1800" dirty="0"/>
+          </a:p>
+          <a:p>
+            <a:pPr marL="0" marR="0" lvl="0" indent="0" algn="l" defTabSz="914400" rtl="0" eaLnBrk="1" fontAlgn="auto" latinLnBrk="0" hangingPunct="1">
+              <a:lnSpc>
+                <a:spcPct val="100000"/>
+              </a:lnSpc>
+              <a:spcBef>
+                <a:spcPts val="0"/>
+              </a:spcBef>
+              <a:spcAft>
+                <a:spcPts val="0"/>
+              </a:spcAft>
+              <a:buClrTx/>
+              <a:buSzTx/>
+              <a:buFontTx/>
+              <a:buNone/>
+              <a:tabLst/>
+              <a:defRPr/>
+            </a:pPr>
+            <a:r>
+              <a:rPr lang="en-US" sz="1800" b="1" dirty="0"/>
+              <a:t>Concrete Decorators</a:t>
+            </a:r>
+            <a:r>
+              <a:rPr lang="en-US" sz="1800" dirty="0"/>
+              <a:t> define extra behaviors that can be added to components dynamically. </a:t>
+            </a:r>
+          </a:p>
+          <a:p>
+            <a:pPr marL="0" marR="0" lvl="0" indent="0" algn="l" defTabSz="914400" rtl="0" eaLnBrk="1" fontAlgn="auto" latinLnBrk="0" hangingPunct="1">
+              <a:lnSpc>
+                <a:spcPct val="100000"/>
+              </a:lnSpc>
+              <a:spcBef>
+                <a:spcPts val="0"/>
+              </a:spcBef>
+              <a:spcAft>
+                <a:spcPts val="0"/>
+              </a:spcAft>
+              <a:buClrTx/>
+              <a:buSzTx/>
+              <a:buFontTx/>
+              <a:buNone/>
+              <a:tabLst/>
+              <a:defRPr/>
+            </a:pPr>
+            <a:r>
+              <a:rPr lang="en-US" sz="1800" b="1" kern="1200" dirty="0">
+                <a:solidFill>
+                  <a:schemeClr val="tx1"/>
+                </a:solidFill>
+                <a:latin typeface="+mn-lt"/>
+                <a:ea typeface="+mn-ea"/>
+                <a:cs typeface="+mn-cs"/>
+              </a:rPr>
+              <a:t>Concrete </a:t>
+            </a:r>
+            <a:r>
+              <a:rPr lang="en-US" sz="1800" b="1" dirty="0"/>
+              <a:t>Decorators</a:t>
+            </a:r>
+            <a:r>
+              <a:rPr lang="en-US" sz="1800" b="1" kern="1200" dirty="0">
+                <a:solidFill>
+                  <a:schemeClr val="tx1"/>
+                </a:solidFill>
+                <a:latin typeface="+mn-lt"/>
+                <a:ea typeface="+mn-ea"/>
+                <a:cs typeface="+mn-cs"/>
+              </a:rPr>
+              <a:t> </a:t>
+            </a:r>
+            <a:r>
+              <a:rPr lang="en-US" sz="1800" dirty="0"/>
+              <a:t>override methods of the base decorator and execute their behavior either before or after calling the parent method.</a:t>
+            </a:r>
+            <a:endParaRPr lang="en-US" sz="1200" dirty="0">
+              <a:solidFill>
+                <a:srgbClr val="000000"/>
+              </a:solidFill>
+              <a:latin typeface="Cascadia Mono" panose="020B0609020000020004" pitchFamily="49" charset="0"/>
+            </a:endParaRPr>
+          </a:p>
+          <a:p>
+            <a:endParaRPr lang="en-US" sz="1800" dirty="0"/>
           </a:p>
         </p:txBody>
       </p:sp>
@@ -2499,7 +7228,7 @@
           <a:p>
             <a:fld id="{3960260C-8853-4159-8854-5A6834041865}" type="slidenum">
               <a:rPr lang="en-US" smtClean="0"/>
-              <a:t>10</a:t>
+              <a:t>11</a:t>
             </a:fld>
             <a:endParaRPr lang="en-US"/>
           </a:p>
@@ -2508,7 +7237,7 @@
     </p:spTree>
     <p:extLst>
       <p:ext uri="{BB962C8B-B14F-4D97-AF65-F5344CB8AC3E}">
-        <p14:creationId xmlns:p14="http://schemas.microsoft.com/office/powerpoint/2010/main" val="3283522435"/>
+        <p14:creationId xmlns:p14="http://schemas.microsoft.com/office/powerpoint/2010/main" val="3032899788"/>
       </p:ext>
     </p:extLst>
   </p:cSld>
@@ -2665,7 +7394,7 @@
           <a:p>
             <a:fld id="{822760BF-B81F-4B4F-BD54-723812BEFC93}" type="datetimeFigureOut">
               <a:rPr lang="en-US" smtClean="0"/>
-              <a:t>08-Mar-2023</a:t>
+              <a:t>18-Mar-2023</a:t>
             </a:fld>
             <a:endParaRPr lang="en-US"/>
           </a:p>
@@ -2863,7 +7592,7 @@
           <a:p>
             <a:fld id="{822760BF-B81F-4B4F-BD54-723812BEFC93}" type="datetimeFigureOut">
               <a:rPr lang="en-US" smtClean="0"/>
-              <a:t>08-Mar-2023</a:t>
+              <a:t>18-Mar-2023</a:t>
             </a:fld>
             <a:endParaRPr lang="en-US"/>
           </a:p>
@@ -3071,7 +7800,7 @@
           <a:p>
             <a:fld id="{822760BF-B81F-4B4F-BD54-723812BEFC93}" type="datetimeFigureOut">
               <a:rPr lang="en-US" smtClean="0"/>
-              <a:t>08-Mar-2023</a:t>
+              <a:t>18-Mar-2023</a:t>
             </a:fld>
             <a:endParaRPr lang="en-US"/>
           </a:p>
@@ -3269,7 +7998,7 @@
           <a:p>
             <a:fld id="{822760BF-B81F-4B4F-BD54-723812BEFC93}" type="datetimeFigureOut">
               <a:rPr lang="en-US" smtClean="0"/>
-              <a:t>08-Mar-2023</a:t>
+              <a:t>18-Mar-2023</a:t>
             </a:fld>
             <a:endParaRPr lang="en-US"/>
           </a:p>
@@ -3544,7 +8273,7 @@
           <a:p>
             <a:fld id="{822760BF-B81F-4B4F-BD54-723812BEFC93}" type="datetimeFigureOut">
               <a:rPr lang="en-US" smtClean="0"/>
-              <a:t>08-Mar-2023</a:t>
+              <a:t>18-Mar-2023</a:t>
             </a:fld>
             <a:endParaRPr lang="en-US"/>
           </a:p>
@@ -3809,7 +8538,7 @@
           <a:p>
             <a:fld id="{822760BF-B81F-4B4F-BD54-723812BEFC93}" type="datetimeFigureOut">
               <a:rPr lang="en-US" smtClean="0"/>
-              <a:t>08-Mar-2023</a:t>
+              <a:t>18-Mar-2023</a:t>
             </a:fld>
             <a:endParaRPr lang="en-US"/>
           </a:p>
@@ -4221,7 +8950,7 @@
           <a:p>
             <a:fld id="{822760BF-B81F-4B4F-BD54-723812BEFC93}" type="datetimeFigureOut">
               <a:rPr lang="en-US" smtClean="0"/>
-              <a:t>08-Mar-2023</a:t>
+              <a:t>18-Mar-2023</a:t>
             </a:fld>
             <a:endParaRPr lang="en-US"/>
           </a:p>
@@ -4362,7 +9091,7 @@
           <a:p>
             <a:fld id="{822760BF-B81F-4B4F-BD54-723812BEFC93}" type="datetimeFigureOut">
               <a:rPr lang="en-US" smtClean="0"/>
-              <a:t>08-Mar-2023</a:t>
+              <a:t>18-Mar-2023</a:t>
             </a:fld>
             <a:endParaRPr lang="en-US"/>
           </a:p>
@@ -4475,7 +9204,7 @@
           <a:p>
             <a:fld id="{822760BF-B81F-4B4F-BD54-723812BEFC93}" type="datetimeFigureOut">
               <a:rPr lang="en-US" smtClean="0"/>
-              <a:t>08-Mar-2023</a:t>
+              <a:t>18-Mar-2023</a:t>
             </a:fld>
             <a:endParaRPr lang="en-US"/>
           </a:p>
@@ -4786,7 +9515,7 @@
           <a:p>
             <a:fld id="{822760BF-B81F-4B4F-BD54-723812BEFC93}" type="datetimeFigureOut">
               <a:rPr lang="en-US" smtClean="0"/>
-              <a:t>08-Mar-2023</a:t>
+              <a:t>18-Mar-2023</a:t>
             </a:fld>
             <a:endParaRPr lang="en-US"/>
           </a:p>
@@ -5074,7 +9803,7 @@
           <a:p>
             <a:fld id="{822760BF-B81F-4B4F-BD54-723812BEFC93}" type="datetimeFigureOut">
               <a:rPr lang="en-US" smtClean="0"/>
-              <a:t>08-Mar-2023</a:t>
+              <a:t>18-Mar-2023</a:t>
             </a:fld>
             <a:endParaRPr lang="en-US"/>
           </a:p>
@@ -5315,7 +10044,7 @@
           <a:p>
             <a:fld id="{822760BF-B81F-4B4F-BD54-723812BEFC93}" type="datetimeFigureOut">
               <a:rPr lang="en-US" smtClean="0"/>
-              <a:t>08-Mar-2023</a:t>
+              <a:t>18-Mar-2023</a:t>
             </a:fld>
             <a:endParaRPr lang="en-US"/>
           </a:p>
@@ -5737,6 +10466,437 @@
           <p:cNvPr id="2" name="Title 1">
             <a:extLst>
               <a:ext uri="{FF2B5EF4-FFF2-40B4-BE49-F238E27FC236}">
+                <a16:creationId xmlns:a16="http://schemas.microsoft.com/office/drawing/2014/main" id="{1ECEEA58-2936-A969-9C58-D03DBA4B24F5}"/>
+              </a:ext>
+            </a:extLst>
+          </p:cNvPr>
+          <p:cNvSpPr>
+            <a:spLocks noGrp="1"/>
+          </p:cNvSpPr>
+          <p:nvPr>
+            <p:ph type="title"/>
+          </p:nvPr>
+        </p:nvSpPr>
+        <p:spPr/>
+        <p:txBody>
+          <a:bodyPr/>
+          <a:lstStyle/>
+          <a:p>
+            <a:r>
+              <a:rPr lang="en-US"/>
+              <a:t>Design Patterns</a:t>
+            </a:r>
+            <a:endParaRPr lang="en-US" dirty="0"/>
+          </a:p>
+        </p:txBody>
+      </p:sp>
+      <p:graphicFrame>
+        <p:nvGraphicFramePr>
+          <p:cNvPr id="22" name="Diagram 21">
+            <a:extLst>
+              <a:ext uri="{FF2B5EF4-FFF2-40B4-BE49-F238E27FC236}">
+                <a16:creationId xmlns:a16="http://schemas.microsoft.com/office/drawing/2014/main" id="{7A93C3F4-480A-057B-AC82-1CB092523802}"/>
+              </a:ext>
+            </a:extLst>
+          </p:cNvPr>
+          <p:cNvGraphicFramePr/>
+          <p:nvPr>
+            <p:extLst>
+              <p:ext uri="{D42A27DB-BD31-4B8C-83A1-F6EECF244321}">
+                <p14:modId xmlns:p14="http://schemas.microsoft.com/office/powerpoint/2010/main" val="2609676746"/>
+              </p:ext>
+            </p:extLst>
+          </p:nvPr>
+        </p:nvGraphicFramePr>
+        <p:xfrm>
+          <a:off x="2366169" y="1700213"/>
+          <a:ext cx="7459662" cy="4447645"/>
+        </p:xfrm>
+        <a:graphic>
+          <a:graphicData uri="http://schemas.openxmlformats.org/drawingml/2006/diagram">
+            <dgm:relIds xmlns:dgm="http://schemas.openxmlformats.org/drawingml/2006/diagram" xmlns:r="http://schemas.openxmlformats.org/officeDocument/2006/relationships" r:dm="rId2" r:lo="rId3" r:qs="rId4" r:cs="rId5"/>
+          </a:graphicData>
+        </a:graphic>
+      </p:graphicFrame>
+    </p:spTree>
+    <p:extLst>
+      <p:ext uri="{BB962C8B-B14F-4D97-AF65-F5344CB8AC3E}">
+        <p14:creationId xmlns:p14="http://schemas.microsoft.com/office/powerpoint/2010/main" val="3779576144"/>
+      </p:ext>
+    </p:extLst>
+  </p:cSld>
+  <p:clrMapOvr>
+    <a:masterClrMapping/>
+  </p:clrMapOvr>
+</p:sld>
+</file>
+
+<file path=ppt/slides/slide10.xml><?xml version="1.0" encoding="utf-8"?>
+<p:sld xmlns:a="http://schemas.openxmlformats.org/drawingml/2006/main" xmlns:r="http://schemas.openxmlformats.org/officeDocument/2006/relationships" xmlns:p="http://schemas.openxmlformats.org/presentationml/2006/main">
+  <p:cSld>
+    <p:spTree>
+      <p:nvGrpSpPr>
+        <p:cNvPr id="1" name=""/>
+        <p:cNvGrpSpPr/>
+        <p:nvPr/>
+      </p:nvGrpSpPr>
+      <p:grpSpPr>
+        <a:xfrm>
+          <a:off x="0" y="0"/>
+          <a:ext cx="0" cy="0"/>
+          <a:chOff x="0" y="0"/>
+          <a:chExt cx="0" cy="0"/>
+        </a:xfrm>
+      </p:grpSpPr>
+      <p:sp>
+        <p:nvSpPr>
+          <p:cNvPr id="2" name="Title 1">
+            <a:extLst>
+              <a:ext uri="{FF2B5EF4-FFF2-40B4-BE49-F238E27FC236}">
+                <a16:creationId xmlns:a16="http://schemas.microsoft.com/office/drawing/2014/main" id="{8DE78398-2207-9753-79EF-15D1EC6C1D98}"/>
+              </a:ext>
+            </a:extLst>
+          </p:cNvPr>
+          <p:cNvSpPr>
+            <a:spLocks noGrp="1"/>
+          </p:cNvSpPr>
+          <p:nvPr>
+            <p:ph type="title"/>
+          </p:nvPr>
+        </p:nvSpPr>
+        <p:spPr/>
+        <p:txBody>
+          <a:bodyPr/>
+          <a:lstStyle/>
+          <a:p>
+            <a:r>
+              <a:rPr lang="en-US" b="1"/>
+              <a:t>5. </a:t>
+            </a:r>
+            <a:r>
+              <a:rPr lang="en-US" b="1" dirty="0"/>
+              <a:t>Decorator</a:t>
+            </a:r>
+            <a:endParaRPr lang="en-US" dirty="0"/>
+          </a:p>
+        </p:txBody>
+      </p:sp>
+      <p:pic>
+        <p:nvPicPr>
+          <p:cNvPr id="9" name="Content Placeholder 8" descr="A picture containing text&#10;&#10;Description automatically generated">
+            <a:extLst>
+              <a:ext uri="{FF2B5EF4-FFF2-40B4-BE49-F238E27FC236}">
+                <a16:creationId xmlns:a16="http://schemas.microsoft.com/office/drawing/2014/main" id="{D189410A-02BD-23D0-6C0E-64F720C7D55C}"/>
+              </a:ext>
+            </a:extLst>
+          </p:cNvPr>
+          <p:cNvPicPr>
+            <a:picLocks noGrp="1" noChangeAspect="1"/>
+          </p:cNvPicPr>
+          <p:nvPr>
+            <p:ph idx="1"/>
+          </p:nvPr>
+        </p:nvPicPr>
+        <p:blipFill>
+          <a:blip r:embed="rId3">
+            <a:extLst>
+              <a:ext uri="{28A0092B-C50C-407E-A947-70E740481C1C}">
+                <a14:useLocalDpi xmlns:a14="http://schemas.microsoft.com/office/drawing/2010/main" val="0"/>
+              </a:ext>
+            </a:extLst>
+          </a:blip>
+          <a:stretch>
+            <a:fillRect/>
+          </a:stretch>
+        </p:blipFill>
+        <p:spPr>
+          <a:xfrm>
+            <a:off x="1744662" y="1825625"/>
+            <a:ext cx="8702676" cy="4351338"/>
+          </a:xfrm>
+        </p:spPr>
+      </p:pic>
+    </p:spTree>
+    <p:extLst>
+      <p:ext uri="{BB962C8B-B14F-4D97-AF65-F5344CB8AC3E}">
+        <p14:creationId xmlns:p14="http://schemas.microsoft.com/office/powerpoint/2010/main" val="636186760"/>
+      </p:ext>
+    </p:extLst>
+  </p:cSld>
+  <p:clrMapOvr>
+    <a:masterClrMapping/>
+  </p:clrMapOvr>
+</p:sld>
+</file>
+
+<file path=ppt/slides/slide11.xml><?xml version="1.0" encoding="utf-8"?>
+<p:sld xmlns:a="http://schemas.openxmlformats.org/drawingml/2006/main" xmlns:r="http://schemas.openxmlformats.org/officeDocument/2006/relationships" xmlns:p="http://schemas.openxmlformats.org/presentationml/2006/main">
+  <p:cSld>
+    <p:spTree>
+      <p:nvGrpSpPr>
+        <p:cNvPr id="1" name=""/>
+        <p:cNvGrpSpPr/>
+        <p:nvPr/>
+      </p:nvGrpSpPr>
+      <p:grpSpPr>
+        <a:xfrm>
+          <a:off x="0" y="0"/>
+          <a:ext cx="0" cy="0"/>
+          <a:chOff x="0" y="0"/>
+          <a:chExt cx="0" cy="0"/>
+        </a:xfrm>
+      </p:grpSpPr>
+      <p:pic>
+        <p:nvPicPr>
+          <p:cNvPr id="5" name="Content Placeholder 4" descr="Diagram, text&#10;&#10;Description automatically generated">
+            <a:extLst>
+              <a:ext uri="{FF2B5EF4-FFF2-40B4-BE49-F238E27FC236}">
+                <a16:creationId xmlns:a16="http://schemas.microsoft.com/office/drawing/2014/main" id="{B0FA370F-9244-ED73-80FF-ACF91AD90B0B}"/>
+              </a:ext>
+            </a:extLst>
+          </p:cNvPr>
+          <p:cNvPicPr>
+            <a:picLocks noGrp="1" noChangeAspect="1"/>
+          </p:cNvPicPr>
+          <p:nvPr>
+            <p:ph idx="1"/>
+          </p:nvPr>
+        </p:nvPicPr>
+        <p:blipFill>
+          <a:blip r:embed="rId3">
+            <a:extLst>
+              <a:ext uri="{28A0092B-C50C-407E-A947-70E740481C1C}">
+                <a14:useLocalDpi xmlns:a14="http://schemas.microsoft.com/office/drawing/2010/main" val="0"/>
+              </a:ext>
+            </a:extLst>
+          </a:blip>
+          <a:stretch>
+            <a:fillRect/>
+          </a:stretch>
+        </p:blipFill>
+        <p:spPr>
+          <a:xfrm>
+            <a:off x="6096000" y="764920"/>
+            <a:ext cx="4729675" cy="5123815"/>
+          </a:xfrm>
+          <a:prstGeom prst="rect">
+            <a:avLst/>
+          </a:prstGeom>
+          <a:ln w="38100" cap="sq">
+            <a:solidFill>
+              <a:srgbClr val="000000"/>
+            </a:solidFill>
+            <a:prstDash val="solid"/>
+            <a:miter lim="800000"/>
+          </a:ln>
+          <a:effectLst>
+            <a:outerShdw blurRad="50800" dist="38100" dir="2700000" algn="tl" rotWithShape="0">
+              <a:srgbClr val="000000">
+                <a:alpha val="43000"/>
+              </a:srgbClr>
+            </a:outerShdw>
+          </a:effectLst>
+        </p:spPr>
+      </p:pic>
+      <p:sp>
+        <p:nvSpPr>
+          <p:cNvPr id="6" name="Title 1">
+            <a:extLst>
+              <a:ext uri="{FF2B5EF4-FFF2-40B4-BE49-F238E27FC236}">
+                <a16:creationId xmlns:a16="http://schemas.microsoft.com/office/drawing/2014/main" id="{1911D57A-9510-6DC6-C794-74A5485183FE}"/>
+              </a:ext>
+            </a:extLst>
+          </p:cNvPr>
+          <p:cNvSpPr txBox="1">
+            <a:spLocks/>
+          </p:cNvSpPr>
+          <p:nvPr/>
+        </p:nvSpPr>
+        <p:spPr>
+          <a:xfrm>
+            <a:off x="143254" y="867918"/>
+            <a:ext cx="5013962" cy="4351338"/>
+          </a:xfrm>
+          <a:prstGeom prst="rect">
+            <a:avLst/>
+          </a:prstGeom>
+        </p:spPr>
+        <p:txBody>
+          <a:bodyPr vert="horz" lIns="91440" tIns="45720" rIns="91440" bIns="45720" rtlCol="0" anchor="ctr">
+            <a:normAutofit fontScale="97500"/>
+          </a:bodyPr>
+          <a:lstStyle>
+            <a:lvl1pPr algn="l" defTabSz="914400" rtl="0" eaLnBrk="1" latinLnBrk="0" hangingPunct="1">
+              <a:lnSpc>
+                <a:spcPct val="90000"/>
+              </a:lnSpc>
+              <a:spcBef>
+                <a:spcPct val="0"/>
+              </a:spcBef>
+              <a:buNone/>
+              <a:defRPr sz="4400" kern="1200">
+                <a:solidFill>
+                  <a:schemeClr val="tx1"/>
+                </a:solidFill>
+                <a:latin typeface="+mj-lt"/>
+                <a:ea typeface="+mj-ea"/>
+                <a:cs typeface="+mj-cs"/>
+              </a:defRPr>
+            </a:lvl1pPr>
+          </a:lstStyle>
+          <a:p>
+            <a:pPr marL="571500" indent="-571500">
+              <a:buFont typeface="Arial" panose="020B0604020202020204" pitchFamily="34" charset="0"/>
+              <a:buChar char="•"/>
+            </a:pPr>
+            <a:r>
+              <a:rPr lang="en-US" sz="3300" dirty="0">
+                <a:solidFill>
+                  <a:srgbClr val="000000"/>
+                </a:solidFill>
+                <a:latin typeface="Cascadia Mono" panose="020B0609020000020004" pitchFamily="49" charset="0"/>
+              </a:rPr>
+              <a:t>Component</a:t>
+            </a:r>
+            <a:br>
+              <a:rPr lang="en-US" sz="3300" dirty="0">
+                <a:solidFill>
+                  <a:srgbClr val="000000"/>
+                </a:solidFill>
+                <a:latin typeface="Cascadia Mono" panose="020B0609020000020004" pitchFamily="49" charset="0"/>
+              </a:rPr>
+            </a:br>
+            <a:endParaRPr lang="en-US" sz="3300" dirty="0">
+              <a:solidFill>
+                <a:srgbClr val="000000"/>
+              </a:solidFill>
+              <a:latin typeface="Cascadia Mono" panose="020B0609020000020004" pitchFamily="49" charset="0"/>
+            </a:endParaRPr>
+          </a:p>
+          <a:p>
+            <a:pPr marL="571500" indent="-571500">
+              <a:buFont typeface="Arial" panose="020B0604020202020204" pitchFamily="34" charset="0"/>
+              <a:buChar char="•"/>
+            </a:pPr>
+            <a:r>
+              <a:rPr lang="en-US" sz="3300" dirty="0" err="1">
+                <a:solidFill>
+                  <a:srgbClr val="000000"/>
+                </a:solidFill>
+                <a:latin typeface="Cascadia Mono" panose="020B0609020000020004" pitchFamily="49" charset="0"/>
+              </a:rPr>
+              <a:t>ConcreteComponent</a:t>
+            </a:r>
+            <a:br>
+              <a:rPr lang="en-US" sz="3300" dirty="0">
+                <a:solidFill>
+                  <a:srgbClr val="000000"/>
+                </a:solidFill>
+                <a:latin typeface="Cascadia Mono" panose="020B0609020000020004" pitchFamily="49" charset="0"/>
+              </a:rPr>
+            </a:br>
+            <a:endParaRPr lang="en-US" sz="3300" dirty="0">
+              <a:solidFill>
+                <a:srgbClr val="000000"/>
+              </a:solidFill>
+              <a:latin typeface="Cascadia Mono" panose="020B0609020000020004" pitchFamily="49" charset="0"/>
+            </a:endParaRPr>
+          </a:p>
+          <a:p>
+            <a:pPr marL="571500" indent="-571500">
+              <a:buFont typeface="Arial" panose="020B0604020202020204" pitchFamily="34" charset="0"/>
+              <a:buChar char="•"/>
+            </a:pPr>
+            <a:r>
+              <a:rPr lang="en-US" sz="3600" b="1" dirty="0"/>
+              <a:t>Base </a:t>
+            </a:r>
+            <a:r>
+              <a:rPr lang="en-US" sz="3300" dirty="0">
+                <a:solidFill>
+                  <a:srgbClr val="000000"/>
+                </a:solidFill>
+                <a:latin typeface="Cascadia Mono" panose="020B0609020000020004" pitchFamily="49" charset="0"/>
+              </a:rPr>
+              <a:t>Decorator</a:t>
+            </a:r>
+            <a:endParaRPr lang="en-US" altLang="zh-CN" sz="3300" dirty="0">
+              <a:solidFill>
+                <a:srgbClr val="000000"/>
+              </a:solidFill>
+              <a:latin typeface="Cascadia Mono" panose="020B0609020000020004" pitchFamily="49" charset="0"/>
+            </a:endParaRPr>
+          </a:p>
+          <a:p>
+            <a:pPr marL="571500" indent="-571500">
+              <a:buFont typeface="Arial" panose="020B0604020202020204" pitchFamily="34" charset="0"/>
+              <a:buChar char="•"/>
+            </a:pPr>
+            <a:endParaRPr lang="en-US" sz="3300" dirty="0">
+              <a:solidFill>
+                <a:srgbClr val="000000"/>
+              </a:solidFill>
+              <a:latin typeface="Cascadia Mono" panose="020B0609020000020004" pitchFamily="49" charset="0"/>
+            </a:endParaRPr>
+          </a:p>
+          <a:p>
+            <a:pPr marL="571500" indent="-571500">
+              <a:buFont typeface="Arial" panose="020B0604020202020204" pitchFamily="34" charset="0"/>
+              <a:buChar char="•"/>
+            </a:pPr>
+            <a:r>
+              <a:rPr lang="en-US" sz="3300" dirty="0" err="1">
+                <a:solidFill>
+                  <a:srgbClr val="000000"/>
+                </a:solidFill>
+                <a:latin typeface="Cascadia Mono" panose="020B0609020000020004" pitchFamily="49" charset="0"/>
+              </a:rPr>
+              <a:t>ConcreteDecorator</a:t>
+            </a:r>
+            <a:endParaRPr lang="en-US" sz="3300" dirty="0">
+              <a:solidFill>
+                <a:srgbClr val="000000"/>
+              </a:solidFill>
+              <a:latin typeface="Cascadia Mono" panose="020B0609020000020004" pitchFamily="49" charset="0"/>
+            </a:endParaRPr>
+          </a:p>
+        </p:txBody>
+      </p:sp>
+    </p:spTree>
+    <p:extLst>
+      <p:ext uri="{BB962C8B-B14F-4D97-AF65-F5344CB8AC3E}">
+        <p14:creationId xmlns:p14="http://schemas.microsoft.com/office/powerpoint/2010/main" val="3180066743"/>
+      </p:ext>
+    </p:extLst>
+  </p:cSld>
+  <p:clrMapOvr>
+    <a:masterClrMapping/>
+  </p:clrMapOvr>
+</p:sld>
+</file>
+
+<file path=ppt/slides/slide2.xml><?xml version="1.0" encoding="utf-8"?>
+<p:sld xmlns:a="http://schemas.openxmlformats.org/drawingml/2006/main" xmlns:r="http://schemas.openxmlformats.org/officeDocument/2006/relationships" xmlns:p="http://schemas.openxmlformats.org/presentationml/2006/main">
+  <p:cSld>
+    <p:spTree>
+      <p:nvGrpSpPr>
+        <p:cNvPr id="1" name=""/>
+        <p:cNvGrpSpPr/>
+        <p:nvPr/>
+      </p:nvGrpSpPr>
+      <p:grpSpPr>
+        <a:xfrm>
+          <a:off x="0" y="0"/>
+          <a:ext cx="0" cy="0"/>
+          <a:chOff x="0" y="0"/>
+          <a:chExt cx="0" cy="0"/>
+        </a:xfrm>
+      </p:grpSpPr>
+      <p:sp>
+        <p:nvSpPr>
+          <p:cNvPr id="2" name="Title 1">
+            <a:extLst>
+              <a:ext uri="{FF2B5EF4-FFF2-40B4-BE49-F238E27FC236}">
                 <a16:creationId xmlns:a16="http://schemas.microsoft.com/office/drawing/2014/main" id="{8DE78398-2207-9753-79EF-15D1EC6C1D98}"/>
               </a:ext>
             </a:extLst>
@@ -5809,187 +10969,7 @@
 </p:sld>
 </file>
 
-<file path=ppt/slides/slide10.xml><?xml version="1.0" encoding="utf-8"?>
-<p:sld xmlns:a="http://schemas.openxmlformats.org/drawingml/2006/main" xmlns:r="http://schemas.openxmlformats.org/officeDocument/2006/relationships" xmlns:p="http://schemas.openxmlformats.org/presentationml/2006/main">
-  <p:cSld>
-    <p:spTree>
-      <p:nvGrpSpPr>
-        <p:cNvPr id="1" name=""/>
-        <p:cNvGrpSpPr/>
-        <p:nvPr/>
-      </p:nvGrpSpPr>
-      <p:grpSpPr>
-        <a:xfrm>
-          <a:off x="0" y="0"/>
-          <a:ext cx="0" cy="0"/>
-          <a:chOff x="0" y="0"/>
-          <a:chExt cx="0" cy="0"/>
-        </a:xfrm>
-      </p:grpSpPr>
-      <p:pic>
-        <p:nvPicPr>
-          <p:cNvPr id="5" name="Content Placeholder 4" descr="Diagram&#10;&#10;Description automatically generated">
-            <a:extLst>
-              <a:ext uri="{FF2B5EF4-FFF2-40B4-BE49-F238E27FC236}">
-                <a16:creationId xmlns:a16="http://schemas.microsoft.com/office/drawing/2014/main" id="{40AAB099-C690-33C8-B9EA-DC447C1C79AC}"/>
-              </a:ext>
-            </a:extLst>
-          </p:cNvPr>
-          <p:cNvPicPr>
-            <a:picLocks noGrp="1" noChangeAspect="1"/>
-          </p:cNvPicPr>
-          <p:nvPr>
-            <p:ph idx="1"/>
-          </p:nvPr>
-        </p:nvPicPr>
-        <p:blipFill>
-          <a:blip r:embed="rId3">
-            <a:extLst>
-              <a:ext uri="{28A0092B-C50C-407E-A947-70E740481C1C}">
-                <a14:useLocalDpi xmlns:a14="http://schemas.microsoft.com/office/drawing/2010/main" val="0"/>
-              </a:ext>
-            </a:extLst>
-          </a:blip>
-          <a:stretch>
-            <a:fillRect/>
-          </a:stretch>
-        </p:blipFill>
-        <p:spPr>
-          <a:xfrm>
-            <a:off x="5846667" y="1536732"/>
-            <a:ext cx="4351338" cy="4351338"/>
-          </a:xfrm>
-        </p:spPr>
-      </p:pic>
-      <p:sp>
-        <p:nvSpPr>
-          <p:cNvPr id="8" name="Title 1">
-            <a:extLst>
-              <a:ext uri="{FF2B5EF4-FFF2-40B4-BE49-F238E27FC236}">
-                <a16:creationId xmlns:a16="http://schemas.microsoft.com/office/drawing/2014/main" id="{FC316B89-0AAF-FFAA-1FE5-60CB2957DB61}"/>
-              </a:ext>
-            </a:extLst>
-          </p:cNvPr>
-          <p:cNvSpPr txBox="1">
-            <a:spLocks/>
-          </p:cNvSpPr>
-          <p:nvPr/>
-        </p:nvSpPr>
-        <p:spPr>
-          <a:xfrm>
-            <a:off x="563878" y="390144"/>
-            <a:ext cx="3441194" cy="2390712"/>
-          </a:xfrm>
-          <a:prstGeom prst="rect">
-            <a:avLst/>
-          </a:prstGeom>
-        </p:spPr>
-        <p:txBody>
-          <a:bodyPr vert="horz" lIns="91440" tIns="45720" rIns="91440" bIns="45720" rtlCol="0" anchor="ctr">
-            <a:normAutofit fontScale="97500"/>
-          </a:bodyPr>
-          <a:lstStyle>
-            <a:lvl1pPr algn="l" defTabSz="914400" rtl="0" eaLnBrk="1" latinLnBrk="0" hangingPunct="1">
-              <a:lnSpc>
-                <a:spcPct val="90000"/>
-              </a:lnSpc>
-              <a:spcBef>
-                <a:spcPct val="0"/>
-              </a:spcBef>
-              <a:buNone/>
-              <a:defRPr sz="4400" kern="1200">
-                <a:solidFill>
-                  <a:schemeClr val="tx1"/>
-                </a:solidFill>
-                <a:latin typeface="+mj-lt"/>
-                <a:ea typeface="+mj-ea"/>
-                <a:cs typeface="+mj-cs"/>
-              </a:defRPr>
-            </a:lvl1pPr>
-          </a:lstStyle>
-          <a:p>
-            <a:pPr marL="571500" indent="-571500">
-              <a:buFont typeface="Arial" panose="020B0604020202020204" pitchFamily="34" charset="0"/>
-              <a:buChar char="•"/>
-            </a:pPr>
-            <a:r>
-              <a:rPr lang="en-US" sz="3300" dirty="0">
-                <a:solidFill>
-                  <a:srgbClr val="000000"/>
-                </a:solidFill>
-                <a:latin typeface="Cascadia Mono" panose="020B0609020000020004" pitchFamily="49" charset="0"/>
-              </a:rPr>
-              <a:t>Subject</a:t>
-            </a:r>
-          </a:p>
-          <a:p>
-            <a:endParaRPr lang="en-US" sz="3300" dirty="0">
-              <a:solidFill>
-                <a:srgbClr val="000000"/>
-              </a:solidFill>
-              <a:latin typeface="Cascadia Mono" panose="020B0609020000020004" pitchFamily="49" charset="0"/>
-            </a:endParaRPr>
-          </a:p>
-          <a:p>
-            <a:pPr marL="571500" indent="-571500">
-              <a:buFont typeface="Arial" panose="020B0604020202020204" pitchFamily="34" charset="0"/>
-              <a:buChar char="•"/>
-            </a:pPr>
-            <a:r>
-              <a:rPr lang="en-US" sz="3300" dirty="0" err="1">
-                <a:solidFill>
-                  <a:srgbClr val="000000"/>
-                </a:solidFill>
-                <a:latin typeface="Cascadia Mono" panose="020B0609020000020004" pitchFamily="49" charset="0"/>
-              </a:rPr>
-              <a:t>RealSubject</a:t>
-            </a:r>
-            <a:endParaRPr lang="en-US" sz="3300" dirty="0">
-              <a:solidFill>
-                <a:srgbClr val="000000"/>
-              </a:solidFill>
-              <a:latin typeface="Cascadia Mono" panose="020B0609020000020004" pitchFamily="49" charset="0"/>
-            </a:endParaRPr>
-          </a:p>
-          <a:p>
-            <a:endParaRPr lang="en-US" sz="3300" dirty="0">
-              <a:solidFill>
-                <a:srgbClr val="000000"/>
-              </a:solidFill>
-              <a:latin typeface="Cascadia Mono" panose="020B0609020000020004" pitchFamily="49" charset="0"/>
-            </a:endParaRPr>
-          </a:p>
-          <a:p>
-            <a:pPr marL="571500" indent="-571500">
-              <a:buFont typeface="Arial" panose="020B0604020202020204" pitchFamily="34" charset="0"/>
-              <a:buChar char="•"/>
-            </a:pPr>
-            <a:r>
-              <a:rPr lang="en-US" sz="3300" dirty="0">
-                <a:solidFill>
-                  <a:srgbClr val="000000"/>
-                </a:solidFill>
-                <a:latin typeface="Cascadia Mono" panose="020B0609020000020004" pitchFamily="49" charset="0"/>
-              </a:rPr>
-              <a:t>Proxy</a:t>
-            </a:r>
-          </a:p>
-        </p:txBody>
-      </p:sp>
-    </p:spTree>
-    <p:extLst>
-      <p:ext uri="{BB962C8B-B14F-4D97-AF65-F5344CB8AC3E}">
-        <p14:creationId xmlns:p14="http://schemas.microsoft.com/office/powerpoint/2010/main" val="2167652116"/>
-      </p:ext>
-    </p:extLst>
-  </p:cSld>
-  <p:clrMapOvr>
-    <a:masterClrMapping/>
-  </p:clrMapOvr>
-</p:sld>
-</file>
-
-<file path=ppt/slides/slide2.xml><?xml version="1.0" encoding="utf-8"?>
+<file path=ppt/slides/slide3.xml><?xml version="1.0" encoding="utf-8"?>
 <p:sld xmlns:a="http://schemas.openxmlformats.org/drawingml/2006/main" xmlns:r="http://schemas.openxmlformats.org/officeDocument/2006/relationships" xmlns:p="http://schemas.openxmlformats.org/presentationml/2006/main">
   <p:cSld>
     <p:spTree>
@@ -6376,7 +11356,7 @@
 </p:sld>
 </file>
 
-<file path=ppt/slides/slide3.xml><?xml version="1.0" encoding="utf-8"?>
+<file path=ppt/slides/slide4.xml><?xml version="1.0" encoding="utf-8"?>
 <p:sld xmlns:a="http://schemas.openxmlformats.org/drawingml/2006/main" xmlns:r="http://schemas.openxmlformats.org/officeDocument/2006/relationships" xmlns:p="http://schemas.openxmlformats.org/presentationml/2006/main">
   <p:cSld>
     <p:spTree>
@@ -6416,7 +11396,555 @@
           <a:p>
             <a:r>
               <a:rPr lang="en-US" b="1" dirty="0"/>
-              <a:t>2. Bridge</a:t>
+              <a:t>2. Facade</a:t>
+            </a:r>
+            <a:endParaRPr lang="en-US" dirty="0"/>
+          </a:p>
+        </p:txBody>
+      </p:sp>
+      <p:pic>
+        <p:nvPicPr>
+          <p:cNvPr id="6" name="Content Placeholder 5" descr="Diagram, engineering drawing&#10;&#10;Description automatically generated">
+            <a:extLst>
+              <a:ext uri="{FF2B5EF4-FFF2-40B4-BE49-F238E27FC236}">
+                <a16:creationId xmlns:a16="http://schemas.microsoft.com/office/drawing/2014/main" id="{009C69B2-AC85-C870-B116-FB2995EF2AF5}"/>
+              </a:ext>
+            </a:extLst>
+          </p:cNvPr>
+          <p:cNvPicPr>
+            <a:picLocks noGrp="1" noChangeAspect="1"/>
+          </p:cNvPicPr>
+          <p:nvPr>
+            <p:ph idx="1"/>
+          </p:nvPr>
+        </p:nvPicPr>
+        <p:blipFill>
+          <a:blip r:embed="rId3">
+            <a:extLst>
+              <a:ext uri="{28A0092B-C50C-407E-A947-70E740481C1C}">
+                <a14:useLocalDpi xmlns:a14="http://schemas.microsoft.com/office/drawing/2010/main" val="0"/>
+              </a:ext>
+            </a:extLst>
+          </a:blip>
+          <a:stretch>
+            <a:fillRect/>
+          </a:stretch>
+        </p:blipFill>
+        <p:spPr>
+          <a:xfrm>
+            <a:off x="2614930" y="1825625"/>
+            <a:ext cx="6962140" cy="4351338"/>
+          </a:xfrm>
+        </p:spPr>
+      </p:pic>
+    </p:spTree>
+    <p:extLst>
+      <p:ext uri="{BB962C8B-B14F-4D97-AF65-F5344CB8AC3E}">
+        <p14:creationId xmlns:p14="http://schemas.microsoft.com/office/powerpoint/2010/main" val="501764007"/>
+      </p:ext>
+    </p:extLst>
+  </p:cSld>
+  <p:clrMapOvr>
+    <a:masterClrMapping/>
+  </p:clrMapOvr>
+</p:sld>
+</file>
+
+<file path=ppt/slides/slide5.xml><?xml version="1.0" encoding="utf-8"?>
+<p:sld xmlns:a="http://schemas.openxmlformats.org/drawingml/2006/main" xmlns:r="http://schemas.openxmlformats.org/officeDocument/2006/relationships" xmlns:p="http://schemas.openxmlformats.org/presentationml/2006/main">
+  <p:cSld>
+    <p:spTree>
+      <p:nvGrpSpPr>
+        <p:cNvPr id="1" name=""/>
+        <p:cNvGrpSpPr/>
+        <p:nvPr/>
+      </p:nvGrpSpPr>
+      <p:grpSpPr>
+        <a:xfrm>
+          <a:off x="0" y="0"/>
+          <a:ext cx="0" cy="0"/>
+          <a:chOff x="0" y="0"/>
+          <a:chExt cx="0" cy="0"/>
+        </a:xfrm>
+      </p:grpSpPr>
+      <p:pic>
+        <p:nvPicPr>
+          <p:cNvPr id="5" name="Content Placeholder 4" descr="Diagram&#10;&#10;Description automatically generated">
+            <a:extLst>
+              <a:ext uri="{FF2B5EF4-FFF2-40B4-BE49-F238E27FC236}">
+                <a16:creationId xmlns:a16="http://schemas.microsoft.com/office/drawing/2014/main" id="{5D0E5EF9-F18C-EBE6-DB8E-F29E5337EF99}"/>
+              </a:ext>
+            </a:extLst>
+          </p:cNvPr>
+          <p:cNvPicPr>
+            <a:picLocks noGrp="1" noChangeAspect="1"/>
+          </p:cNvPicPr>
+          <p:nvPr>
+            <p:ph idx="1"/>
+          </p:nvPr>
+        </p:nvPicPr>
+        <p:blipFill>
+          <a:blip r:embed="rId3">
+            <a:extLst>
+              <a:ext uri="{28A0092B-C50C-407E-A947-70E740481C1C}">
+                <a14:useLocalDpi xmlns:a14="http://schemas.microsoft.com/office/drawing/2010/main" val="0"/>
+              </a:ext>
+            </a:extLst>
+          </a:blip>
+          <a:stretch>
+            <a:fillRect/>
+          </a:stretch>
+        </p:blipFill>
+        <p:spPr>
+          <a:xfrm>
+            <a:off x="4172753" y="1182624"/>
+            <a:ext cx="7485849" cy="5079683"/>
+          </a:xfrm>
+          <a:prstGeom prst="rect">
+            <a:avLst/>
+          </a:prstGeom>
+          <a:ln w="38100" cap="sq">
+            <a:solidFill>
+              <a:srgbClr val="000000"/>
+            </a:solidFill>
+            <a:prstDash val="solid"/>
+            <a:miter lim="800000"/>
+          </a:ln>
+          <a:effectLst>
+            <a:outerShdw blurRad="50800" dist="38100" dir="2700000" algn="tl" rotWithShape="0">
+              <a:srgbClr val="000000">
+                <a:alpha val="43000"/>
+              </a:srgbClr>
+            </a:outerShdw>
+          </a:effectLst>
+        </p:spPr>
+      </p:pic>
+      <p:sp>
+        <p:nvSpPr>
+          <p:cNvPr id="6" name="Title 1">
+            <a:extLst>
+              <a:ext uri="{FF2B5EF4-FFF2-40B4-BE49-F238E27FC236}">
+                <a16:creationId xmlns:a16="http://schemas.microsoft.com/office/drawing/2014/main" id="{B808F719-8702-27E2-B27B-880E991FC610}"/>
+              </a:ext>
+            </a:extLst>
+          </p:cNvPr>
+          <p:cNvSpPr txBox="1">
+            <a:spLocks/>
+          </p:cNvSpPr>
+          <p:nvPr/>
+        </p:nvSpPr>
+        <p:spPr>
+          <a:xfrm>
+            <a:off x="655318" y="341376"/>
+            <a:ext cx="3441194" cy="2390712"/>
+          </a:xfrm>
+          <a:prstGeom prst="rect">
+            <a:avLst/>
+          </a:prstGeom>
+        </p:spPr>
+        <p:txBody>
+          <a:bodyPr vert="horz" lIns="91440" tIns="45720" rIns="91440" bIns="45720" rtlCol="0" anchor="ctr">
+            <a:normAutofit fontScale="97500"/>
+          </a:bodyPr>
+          <a:lstStyle>
+            <a:lvl1pPr algn="l" defTabSz="914400" rtl="0" eaLnBrk="1" latinLnBrk="0" hangingPunct="1">
+              <a:lnSpc>
+                <a:spcPct val="90000"/>
+              </a:lnSpc>
+              <a:spcBef>
+                <a:spcPct val="0"/>
+              </a:spcBef>
+              <a:buNone/>
+              <a:defRPr sz="4400" kern="1200">
+                <a:solidFill>
+                  <a:schemeClr val="tx1"/>
+                </a:solidFill>
+                <a:latin typeface="+mj-lt"/>
+                <a:ea typeface="+mj-ea"/>
+                <a:cs typeface="+mj-cs"/>
+              </a:defRPr>
+            </a:lvl1pPr>
+          </a:lstStyle>
+          <a:p>
+            <a:pPr marL="571500" indent="-571500">
+              <a:buFont typeface="Arial" panose="020B0604020202020204" pitchFamily="34" charset="0"/>
+              <a:buChar char="•"/>
+            </a:pPr>
+            <a:r>
+              <a:rPr lang="en-US" sz="3300" dirty="0">
+                <a:solidFill>
+                  <a:srgbClr val="000000"/>
+                </a:solidFill>
+                <a:latin typeface="Cascadia Mono" panose="020B0609020000020004" pitchFamily="49" charset="0"/>
+              </a:rPr>
+              <a:t>Facade</a:t>
+            </a:r>
+            <a:br>
+              <a:rPr lang="en-US" sz="3300" dirty="0">
+                <a:solidFill>
+                  <a:srgbClr val="000000"/>
+                </a:solidFill>
+                <a:latin typeface="Cascadia Mono" panose="020B0609020000020004" pitchFamily="49" charset="0"/>
+              </a:rPr>
+            </a:br>
+            <a:endParaRPr lang="en-US" sz="3300" dirty="0">
+              <a:solidFill>
+                <a:srgbClr val="000000"/>
+              </a:solidFill>
+              <a:latin typeface="Cascadia Mono" panose="020B0609020000020004" pitchFamily="49" charset="0"/>
+            </a:endParaRPr>
+          </a:p>
+          <a:p>
+            <a:pPr marL="571500" indent="-571500">
+              <a:buFont typeface="Arial" panose="020B0604020202020204" pitchFamily="34" charset="0"/>
+              <a:buChar char="•"/>
+            </a:pPr>
+            <a:r>
+              <a:rPr lang="en-US" sz="3300" dirty="0" err="1">
+                <a:solidFill>
+                  <a:srgbClr val="000000"/>
+                </a:solidFill>
+                <a:latin typeface="Cascadia Mono" panose="020B0609020000020004" pitchFamily="49" charset="0"/>
+              </a:rPr>
+              <a:t>SubSystem</a:t>
+            </a:r>
+            <a:endParaRPr lang="en-US" sz="3300" dirty="0">
+              <a:solidFill>
+                <a:srgbClr val="000000"/>
+              </a:solidFill>
+              <a:latin typeface="Cascadia Mono" panose="020B0609020000020004" pitchFamily="49" charset="0"/>
+            </a:endParaRPr>
+          </a:p>
+        </p:txBody>
+      </p:sp>
+    </p:spTree>
+    <p:extLst>
+      <p:ext uri="{BB962C8B-B14F-4D97-AF65-F5344CB8AC3E}">
+        <p14:creationId xmlns:p14="http://schemas.microsoft.com/office/powerpoint/2010/main" val="2428695418"/>
+      </p:ext>
+    </p:extLst>
+  </p:cSld>
+  <p:clrMapOvr>
+    <a:masterClrMapping/>
+  </p:clrMapOvr>
+</p:sld>
+</file>
+
+<file path=ppt/slides/slide6.xml><?xml version="1.0" encoding="utf-8"?>
+<p:sld xmlns:a="http://schemas.openxmlformats.org/drawingml/2006/main" xmlns:r="http://schemas.openxmlformats.org/officeDocument/2006/relationships" xmlns:p="http://schemas.openxmlformats.org/presentationml/2006/main">
+  <p:cSld>
+    <p:spTree>
+      <p:nvGrpSpPr>
+        <p:cNvPr id="1" name=""/>
+        <p:cNvGrpSpPr/>
+        <p:nvPr/>
+      </p:nvGrpSpPr>
+      <p:grpSpPr>
+        <a:xfrm>
+          <a:off x="0" y="0"/>
+          <a:ext cx="0" cy="0"/>
+          <a:chOff x="0" y="0"/>
+          <a:chExt cx="0" cy="0"/>
+        </a:xfrm>
+      </p:grpSpPr>
+      <p:sp>
+        <p:nvSpPr>
+          <p:cNvPr id="2" name="Title 1">
+            <a:extLst>
+              <a:ext uri="{FF2B5EF4-FFF2-40B4-BE49-F238E27FC236}">
+                <a16:creationId xmlns:a16="http://schemas.microsoft.com/office/drawing/2014/main" id="{8DE78398-2207-9753-79EF-15D1EC6C1D98}"/>
+              </a:ext>
+            </a:extLst>
+          </p:cNvPr>
+          <p:cNvSpPr>
+            <a:spLocks noGrp="1"/>
+          </p:cNvSpPr>
+          <p:nvPr>
+            <p:ph type="title"/>
+          </p:nvPr>
+        </p:nvSpPr>
+        <p:spPr/>
+        <p:txBody>
+          <a:bodyPr/>
+          <a:lstStyle/>
+          <a:p>
+            <a:r>
+              <a:rPr lang="en-US" b="1" dirty="0"/>
+              <a:t>3. Proxy</a:t>
+            </a:r>
+            <a:endParaRPr lang="en-US" dirty="0"/>
+          </a:p>
+        </p:txBody>
+      </p:sp>
+      <p:pic>
+        <p:nvPicPr>
+          <p:cNvPr id="6" name="Content Placeholder 5" descr="A picture containing diagram&#10;&#10;Description automatically generated">
+            <a:extLst>
+              <a:ext uri="{FF2B5EF4-FFF2-40B4-BE49-F238E27FC236}">
+                <a16:creationId xmlns:a16="http://schemas.microsoft.com/office/drawing/2014/main" id="{D728CF11-38D5-52C4-2A39-55225D5678E2}"/>
+              </a:ext>
+            </a:extLst>
+          </p:cNvPr>
+          <p:cNvPicPr>
+            <a:picLocks noGrp="1" noChangeAspect="1"/>
+          </p:cNvPicPr>
+          <p:nvPr>
+            <p:ph idx="1"/>
+          </p:nvPr>
+        </p:nvPicPr>
+        <p:blipFill>
+          <a:blip r:embed="rId3">
+            <a:extLst>
+              <a:ext uri="{28A0092B-C50C-407E-A947-70E740481C1C}">
+                <a14:useLocalDpi xmlns:a14="http://schemas.microsoft.com/office/drawing/2010/main" val="0"/>
+              </a:ext>
+            </a:extLst>
+          </a:blip>
+          <a:stretch>
+            <a:fillRect/>
+          </a:stretch>
+        </p:blipFill>
+        <p:spPr>
+          <a:xfrm>
+            <a:off x="2614930" y="1825625"/>
+            <a:ext cx="6962140" cy="4351338"/>
+          </a:xfrm>
+        </p:spPr>
+      </p:pic>
+    </p:spTree>
+    <p:extLst>
+      <p:ext uri="{BB962C8B-B14F-4D97-AF65-F5344CB8AC3E}">
+        <p14:creationId xmlns:p14="http://schemas.microsoft.com/office/powerpoint/2010/main" val="642753227"/>
+      </p:ext>
+    </p:extLst>
+  </p:cSld>
+  <p:clrMapOvr>
+    <a:masterClrMapping/>
+  </p:clrMapOvr>
+</p:sld>
+</file>
+
+<file path=ppt/slides/slide7.xml><?xml version="1.0" encoding="utf-8"?>
+<p:sld xmlns:a="http://schemas.openxmlformats.org/drawingml/2006/main" xmlns:r="http://schemas.openxmlformats.org/officeDocument/2006/relationships" xmlns:p="http://schemas.openxmlformats.org/presentationml/2006/main">
+  <p:cSld>
+    <p:spTree>
+      <p:nvGrpSpPr>
+        <p:cNvPr id="1" name=""/>
+        <p:cNvGrpSpPr/>
+        <p:nvPr/>
+      </p:nvGrpSpPr>
+      <p:grpSpPr>
+        <a:xfrm>
+          <a:off x="0" y="0"/>
+          <a:ext cx="0" cy="0"/>
+          <a:chOff x="0" y="0"/>
+          <a:chExt cx="0" cy="0"/>
+        </a:xfrm>
+      </p:grpSpPr>
+      <p:pic>
+        <p:nvPicPr>
+          <p:cNvPr id="5" name="Content Placeholder 4" descr="Diagram&#10;&#10;Description automatically generated">
+            <a:extLst>
+              <a:ext uri="{FF2B5EF4-FFF2-40B4-BE49-F238E27FC236}">
+                <a16:creationId xmlns:a16="http://schemas.microsoft.com/office/drawing/2014/main" id="{40AAB099-C690-33C8-B9EA-DC447C1C79AC}"/>
+              </a:ext>
+            </a:extLst>
+          </p:cNvPr>
+          <p:cNvPicPr>
+            <a:picLocks noGrp="1" noChangeAspect="1"/>
+          </p:cNvPicPr>
+          <p:nvPr>
+            <p:ph idx="1"/>
+          </p:nvPr>
+        </p:nvPicPr>
+        <p:blipFill>
+          <a:blip r:embed="rId3">
+            <a:extLst>
+              <a:ext uri="{28A0092B-C50C-407E-A947-70E740481C1C}">
+                <a14:useLocalDpi xmlns:a14="http://schemas.microsoft.com/office/drawing/2010/main" val="0"/>
+              </a:ext>
+            </a:extLst>
+          </a:blip>
+          <a:stretch>
+            <a:fillRect/>
+          </a:stretch>
+        </p:blipFill>
+        <p:spPr>
+          <a:xfrm>
+            <a:off x="5846667" y="1536732"/>
+            <a:ext cx="4351338" cy="4351338"/>
+          </a:xfrm>
+        </p:spPr>
+      </p:pic>
+      <p:sp>
+        <p:nvSpPr>
+          <p:cNvPr id="8" name="Title 1">
+            <a:extLst>
+              <a:ext uri="{FF2B5EF4-FFF2-40B4-BE49-F238E27FC236}">
+                <a16:creationId xmlns:a16="http://schemas.microsoft.com/office/drawing/2014/main" id="{FC316B89-0AAF-FFAA-1FE5-60CB2957DB61}"/>
+              </a:ext>
+            </a:extLst>
+          </p:cNvPr>
+          <p:cNvSpPr txBox="1">
+            <a:spLocks/>
+          </p:cNvSpPr>
+          <p:nvPr/>
+        </p:nvSpPr>
+        <p:spPr>
+          <a:xfrm>
+            <a:off x="563878" y="390144"/>
+            <a:ext cx="3441194" cy="2390712"/>
+          </a:xfrm>
+          <a:prstGeom prst="rect">
+            <a:avLst/>
+          </a:prstGeom>
+        </p:spPr>
+        <p:txBody>
+          <a:bodyPr vert="horz" lIns="91440" tIns="45720" rIns="91440" bIns="45720" rtlCol="0" anchor="ctr">
+            <a:normAutofit fontScale="97500"/>
+          </a:bodyPr>
+          <a:lstStyle>
+            <a:lvl1pPr algn="l" defTabSz="914400" rtl="0" eaLnBrk="1" latinLnBrk="0" hangingPunct="1">
+              <a:lnSpc>
+                <a:spcPct val="90000"/>
+              </a:lnSpc>
+              <a:spcBef>
+                <a:spcPct val="0"/>
+              </a:spcBef>
+              <a:buNone/>
+              <a:defRPr sz="4400" kern="1200">
+                <a:solidFill>
+                  <a:schemeClr val="tx1"/>
+                </a:solidFill>
+                <a:latin typeface="+mj-lt"/>
+                <a:ea typeface="+mj-ea"/>
+                <a:cs typeface="+mj-cs"/>
+              </a:defRPr>
+            </a:lvl1pPr>
+          </a:lstStyle>
+          <a:p>
+            <a:pPr marL="571500" indent="-571500">
+              <a:buFont typeface="Arial" panose="020B0604020202020204" pitchFamily="34" charset="0"/>
+              <a:buChar char="•"/>
+            </a:pPr>
+            <a:r>
+              <a:rPr lang="en-US" sz="3300" dirty="0">
+                <a:solidFill>
+                  <a:srgbClr val="000000"/>
+                </a:solidFill>
+                <a:latin typeface="Cascadia Mono" panose="020B0609020000020004" pitchFamily="49" charset="0"/>
+              </a:rPr>
+              <a:t>Subject</a:t>
+            </a:r>
+          </a:p>
+          <a:p>
+            <a:endParaRPr lang="en-US" sz="3300" dirty="0">
+              <a:solidFill>
+                <a:srgbClr val="000000"/>
+              </a:solidFill>
+              <a:latin typeface="Cascadia Mono" panose="020B0609020000020004" pitchFamily="49" charset="0"/>
+            </a:endParaRPr>
+          </a:p>
+          <a:p>
+            <a:pPr marL="571500" indent="-571500">
+              <a:buFont typeface="Arial" panose="020B0604020202020204" pitchFamily="34" charset="0"/>
+              <a:buChar char="•"/>
+            </a:pPr>
+            <a:r>
+              <a:rPr lang="en-US" sz="3300" dirty="0" err="1">
+                <a:solidFill>
+                  <a:srgbClr val="000000"/>
+                </a:solidFill>
+                <a:latin typeface="Cascadia Mono" panose="020B0609020000020004" pitchFamily="49" charset="0"/>
+              </a:rPr>
+              <a:t>RealSubject</a:t>
+            </a:r>
+            <a:endParaRPr lang="en-US" sz="3300" dirty="0">
+              <a:solidFill>
+                <a:srgbClr val="000000"/>
+              </a:solidFill>
+              <a:latin typeface="Cascadia Mono" panose="020B0609020000020004" pitchFamily="49" charset="0"/>
+            </a:endParaRPr>
+          </a:p>
+          <a:p>
+            <a:endParaRPr lang="en-US" sz="3300" dirty="0">
+              <a:solidFill>
+                <a:srgbClr val="000000"/>
+              </a:solidFill>
+              <a:latin typeface="Cascadia Mono" panose="020B0609020000020004" pitchFamily="49" charset="0"/>
+            </a:endParaRPr>
+          </a:p>
+          <a:p>
+            <a:pPr marL="571500" indent="-571500">
+              <a:buFont typeface="Arial" panose="020B0604020202020204" pitchFamily="34" charset="0"/>
+              <a:buChar char="•"/>
+            </a:pPr>
+            <a:r>
+              <a:rPr lang="en-US" sz="3300" dirty="0">
+                <a:solidFill>
+                  <a:srgbClr val="000000"/>
+                </a:solidFill>
+                <a:latin typeface="Cascadia Mono" panose="020B0609020000020004" pitchFamily="49" charset="0"/>
+              </a:rPr>
+              <a:t>Proxy</a:t>
+            </a:r>
+          </a:p>
+        </p:txBody>
+      </p:sp>
+    </p:spTree>
+    <p:extLst>
+      <p:ext uri="{BB962C8B-B14F-4D97-AF65-F5344CB8AC3E}">
+        <p14:creationId xmlns:p14="http://schemas.microsoft.com/office/powerpoint/2010/main" val="2167652116"/>
+      </p:ext>
+    </p:extLst>
+  </p:cSld>
+  <p:clrMapOvr>
+    <a:masterClrMapping/>
+  </p:clrMapOvr>
+</p:sld>
+</file>
+
+<file path=ppt/slides/slide8.xml><?xml version="1.0" encoding="utf-8"?>
+<p:sld xmlns:a="http://schemas.openxmlformats.org/drawingml/2006/main" xmlns:r="http://schemas.openxmlformats.org/officeDocument/2006/relationships" xmlns:p="http://schemas.openxmlformats.org/presentationml/2006/main">
+  <p:cSld>
+    <p:spTree>
+      <p:nvGrpSpPr>
+        <p:cNvPr id="1" name=""/>
+        <p:cNvGrpSpPr/>
+        <p:nvPr/>
+      </p:nvGrpSpPr>
+      <p:grpSpPr>
+        <a:xfrm>
+          <a:off x="0" y="0"/>
+          <a:ext cx="0" cy="0"/>
+          <a:chOff x="0" y="0"/>
+          <a:chExt cx="0" cy="0"/>
+        </a:xfrm>
+      </p:grpSpPr>
+      <p:sp>
+        <p:nvSpPr>
+          <p:cNvPr id="2" name="Title 1">
+            <a:extLst>
+              <a:ext uri="{FF2B5EF4-FFF2-40B4-BE49-F238E27FC236}">
+                <a16:creationId xmlns:a16="http://schemas.microsoft.com/office/drawing/2014/main" id="{8DE78398-2207-9753-79EF-15D1EC6C1D98}"/>
+              </a:ext>
+            </a:extLst>
+          </p:cNvPr>
+          <p:cNvSpPr>
+            <a:spLocks noGrp="1"/>
+          </p:cNvSpPr>
+          <p:nvPr>
+            <p:ph type="title"/>
+          </p:nvPr>
+        </p:nvSpPr>
+        <p:spPr/>
+        <p:txBody>
+          <a:bodyPr/>
+          <a:lstStyle/>
+          <a:p>
+            <a:r>
+              <a:rPr lang="en-US" b="1" dirty="0"/>
+              <a:t>4. Bridge</a:t>
             </a:r>
             <a:endParaRPr lang="en-US" dirty="0"/>
           </a:p>
@@ -6470,7 +11998,7 @@
 </p:sld>
 </file>
 
-<file path=ppt/slides/slide4.xml><?xml version="1.0" encoding="utf-8"?>
+<file path=ppt/slides/slide9.xml><?xml version="1.0" encoding="utf-8"?>
 <p:sld xmlns:a="http://schemas.openxmlformats.org/drawingml/2006/main" xmlns:r="http://schemas.openxmlformats.org/officeDocument/2006/relationships" xmlns:p="http://schemas.openxmlformats.org/presentationml/2006/main">
   <p:cSld>
     <p:spTree>
@@ -6715,714 +12243,6 @@
     <p:extLst>
       <p:ext uri="{BB962C8B-B14F-4D97-AF65-F5344CB8AC3E}">
         <p14:creationId xmlns:p14="http://schemas.microsoft.com/office/powerpoint/2010/main" val="3196575972"/>
-      </p:ext>
-    </p:extLst>
-  </p:cSld>
-  <p:clrMapOvr>
-    <a:masterClrMapping/>
-  </p:clrMapOvr>
-</p:sld>
-</file>
-
-<file path=ppt/slides/slide5.xml><?xml version="1.0" encoding="utf-8"?>
-<p:sld xmlns:a="http://schemas.openxmlformats.org/drawingml/2006/main" xmlns:r="http://schemas.openxmlformats.org/officeDocument/2006/relationships" xmlns:p="http://schemas.openxmlformats.org/presentationml/2006/main">
-  <p:cSld>
-    <p:spTree>
-      <p:nvGrpSpPr>
-        <p:cNvPr id="1" name=""/>
-        <p:cNvGrpSpPr/>
-        <p:nvPr/>
-      </p:nvGrpSpPr>
-      <p:grpSpPr>
-        <a:xfrm>
-          <a:off x="0" y="0"/>
-          <a:ext cx="0" cy="0"/>
-          <a:chOff x="0" y="0"/>
-          <a:chExt cx="0" cy="0"/>
-        </a:xfrm>
-      </p:grpSpPr>
-      <p:sp>
-        <p:nvSpPr>
-          <p:cNvPr id="2" name="Title 1">
-            <a:extLst>
-              <a:ext uri="{FF2B5EF4-FFF2-40B4-BE49-F238E27FC236}">
-                <a16:creationId xmlns:a16="http://schemas.microsoft.com/office/drawing/2014/main" id="{8DE78398-2207-9753-79EF-15D1EC6C1D98}"/>
-              </a:ext>
-            </a:extLst>
-          </p:cNvPr>
-          <p:cNvSpPr>
-            <a:spLocks noGrp="1"/>
-          </p:cNvSpPr>
-          <p:nvPr>
-            <p:ph type="title"/>
-          </p:nvPr>
-        </p:nvSpPr>
-        <p:spPr/>
-        <p:txBody>
-          <a:bodyPr/>
-          <a:lstStyle/>
-          <a:p>
-            <a:r>
-              <a:rPr lang="en-US" b="1" dirty="0"/>
-              <a:t>3. Decorator</a:t>
-            </a:r>
-            <a:endParaRPr lang="en-US" dirty="0"/>
-          </a:p>
-        </p:txBody>
-      </p:sp>
-      <p:pic>
-        <p:nvPicPr>
-          <p:cNvPr id="9" name="Content Placeholder 8" descr="A picture containing text&#10;&#10;Description automatically generated">
-            <a:extLst>
-              <a:ext uri="{FF2B5EF4-FFF2-40B4-BE49-F238E27FC236}">
-                <a16:creationId xmlns:a16="http://schemas.microsoft.com/office/drawing/2014/main" id="{D189410A-02BD-23D0-6C0E-64F720C7D55C}"/>
-              </a:ext>
-            </a:extLst>
-          </p:cNvPr>
-          <p:cNvPicPr>
-            <a:picLocks noGrp="1" noChangeAspect="1"/>
-          </p:cNvPicPr>
-          <p:nvPr>
-            <p:ph idx="1"/>
-          </p:nvPr>
-        </p:nvPicPr>
-        <p:blipFill>
-          <a:blip r:embed="rId3">
-            <a:extLst>
-              <a:ext uri="{28A0092B-C50C-407E-A947-70E740481C1C}">
-                <a14:useLocalDpi xmlns:a14="http://schemas.microsoft.com/office/drawing/2010/main" val="0"/>
-              </a:ext>
-            </a:extLst>
-          </a:blip>
-          <a:stretch>
-            <a:fillRect/>
-          </a:stretch>
-        </p:blipFill>
-        <p:spPr>
-          <a:xfrm>
-            <a:off x="1744662" y="1825625"/>
-            <a:ext cx="8702676" cy="4351338"/>
-          </a:xfrm>
-        </p:spPr>
-      </p:pic>
-    </p:spTree>
-    <p:extLst>
-      <p:ext uri="{BB962C8B-B14F-4D97-AF65-F5344CB8AC3E}">
-        <p14:creationId xmlns:p14="http://schemas.microsoft.com/office/powerpoint/2010/main" val="636186760"/>
-      </p:ext>
-    </p:extLst>
-  </p:cSld>
-  <p:clrMapOvr>
-    <a:masterClrMapping/>
-  </p:clrMapOvr>
-</p:sld>
-</file>
-
-<file path=ppt/slides/slide6.xml><?xml version="1.0" encoding="utf-8"?>
-<p:sld xmlns:a="http://schemas.openxmlformats.org/drawingml/2006/main" xmlns:r="http://schemas.openxmlformats.org/officeDocument/2006/relationships" xmlns:p="http://schemas.openxmlformats.org/presentationml/2006/main">
-  <p:cSld>
-    <p:spTree>
-      <p:nvGrpSpPr>
-        <p:cNvPr id="1" name=""/>
-        <p:cNvGrpSpPr/>
-        <p:nvPr/>
-      </p:nvGrpSpPr>
-      <p:grpSpPr>
-        <a:xfrm>
-          <a:off x="0" y="0"/>
-          <a:ext cx="0" cy="0"/>
-          <a:chOff x="0" y="0"/>
-          <a:chExt cx="0" cy="0"/>
-        </a:xfrm>
-      </p:grpSpPr>
-      <p:pic>
-        <p:nvPicPr>
-          <p:cNvPr id="5" name="Content Placeholder 4" descr="Diagram, text&#10;&#10;Description automatically generated">
-            <a:extLst>
-              <a:ext uri="{FF2B5EF4-FFF2-40B4-BE49-F238E27FC236}">
-                <a16:creationId xmlns:a16="http://schemas.microsoft.com/office/drawing/2014/main" id="{B0FA370F-9244-ED73-80FF-ACF91AD90B0B}"/>
-              </a:ext>
-            </a:extLst>
-          </p:cNvPr>
-          <p:cNvPicPr>
-            <a:picLocks noGrp="1" noChangeAspect="1"/>
-          </p:cNvPicPr>
-          <p:nvPr>
-            <p:ph idx="1"/>
-          </p:nvPr>
-        </p:nvPicPr>
-        <p:blipFill>
-          <a:blip r:embed="rId3">
-            <a:extLst>
-              <a:ext uri="{28A0092B-C50C-407E-A947-70E740481C1C}">
-                <a14:useLocalDpi xmlns:a14="http://schemas.microsoft.com/office/drawing/2010/main" val="0"/>
-              </a:ext>
-            </a:extLst>
-          </a:blip>
-          <a:stretch>
-            <a:fillRect/>
-          </a:stretch>
-        </p:blipFill>
-        <p:spPr>
-          <a:xfrm>
-            <a:off x="6096000" y="764920"/>
-            <a:ext cx="4729675" cy="5123815"/>
-          </a:xfrm>
-          <a:prstGeom prst="rect">
-            <a:avLst/>
-          </a:prstGeom>
-          <a:ln w="38100" cap="sq">
-            <a:solidFill>
-              <a:srgbClr val="000000"/>
-            </a:solidFill>
-            <a:prstDash val="solid"/>
-            <a:miter lim="800000"/>
-          </a:ln>
-          <a:effectLst>
-            <a:outerShdw blurRad="50800" dist="38100" dir="2700000" algn="tl" rotWithShape="0">
-              <a:srgbClr val="000000">
-                <a:alpha val="43000"/>
-              </a:srgbClr>
-            </a:outerShdw>
-          </a:effectLst>
-        </p:spPr>
-      </p:pic>
-      <p:sp>
-        <p:nvSpPr>
-          <p:cNvPr id="6" name="Title 1">
-            <a:extLst>
-              <a:ext uri="{FF2B5EF4-FFF2-40B4-BE49-F238E27FC236}">
-                <a16:creationId xmlns:a16="http://schemas.microsoft.com/office/drawing/2014/main" id="{1911D57A-9510-6DC6-C794-74A5485183FE}"/>
-              </a:ext>
-            </a:extLst>
-          </p:cNvPr>
-          <p:cNvSpPr txBox="1">
-            <a:spLocks/>
-          </p:cNvSpPr>
-          <p:nvPr/>
-        </p:nvSpPr>
-        <p:spPr>
-          <a:xfrm>
-            <a:off x="143254" y="867918"/>
-            <a:ext cx="5013962" cy="4351338"/>
-          </a:xfrm>
-          <a:prstGeom prst="rect">
-            <a:avLst/>
-          </a:prstGeom>
-        </p:spPr>
-        <p:txBody>
-          <a:bodyPr vert="horz" lIns="91440" tIns="45720" rIns="91440" bIns="45720" rtlCol="0" anchor="ctr">
-            <a:normAutofit fontScale="97500"/>
-          </a:bodyPr>
-          <a:lstStyle>
-            <a:lvl1pPr algn="l" defTabSz="914400" rtl="0" eaLnBrk="1" latinLnBrk="0" hangingPunct="1">
-              <a:lnSpc>
-                <a:spcPct val="90000"/>
-              </a:lnSpc>
-              <a:spcBef>
-                <a:spcPct val="0"/>
-              </a:spcBef>
-              <a:buNone/>
-              <a:defRPr sz="4400" kern="1200">
-                <a:solidFill>
-                  <a:schemeClr val="tx1"/>
-                </a:solidFill>
-                <a:latin typeface="+mj-lt"/>
-                <a:ea typeface="+mj-ea"/>
-                <a:cs typeface="+mj-cs"/>
-              </a:defRPr>
-            </a:lvl1pPr>
-          </a:lstStyle>
-          <a:p>
-            <a:pPr marL="571500" indent="-571500">
-              <a:buFont typeface="Arial" panose="020B0604020202020204" pitchFamily="34" charset="0"/>
-              <a:buChar char="•"/>
-            </a:pPr>
-            <a:r>
-              <a:rPr lang="en-US" sz="3300" dirty="0">
-                <a:solidFill>
-                  <a:srgbClr val="000000"/>
-                </a:solidFill>
-                <a:latin typeface="Cascadia Mono" panose="020B0609020000020004" pitchFamily="49" charset="0"/>
-              </a:rPr>
-              <a:t>Component</a:t>
-            </a:r>
-            <a:br>
-              <a:rPr lang="en-US" sz="3300" dirty="0">
-                <a:solidFill>
-                  <a:srgbClr val="000000"/>
-                </a:solidFill>
-                <a:latin typeface="Cascadia Mono" panose="020B0609020000020004" pitchFamily="49" charset="0"/>
-              </a:rPr>
-            </a:br>
-            <a:endParaRPr lang="en-US" sz="3300" dirty="0">
-              <a:solidFill>
-                <a:srgbClr val="000000"/>
-              </a:solidFill>
-              <a:latin typeface="Cascadia Mono" panose="020B0609020000020004" pitchFamily="49" charset="0"/>
-            </a:endParaRPr>
-          </a:p>
-          <a:p>
-            <a:pPr marL="571500" indent="-571500">
-              <a:buFont typeface="Arial" panose="020B0604020202020204" pitchFamily="34" charset="0"/>
-              <a:buChar char="•"/>
-            </a:pPr>
-            <a:r>
-              <a:rPr lang="en-US" sz="3300" dirty="0" err="1">
-                <a:solidFill>
-                  <a:srgbClr val="000000"/>
-                </a:solidFill>
-                <a:latin typeface="Cascadia Mono" panose="020B0609020000020004" pitchFamily="49" charset="0"/>
-              </a:rPr>
-              <a:t>ConcreteComponent</a:t>
-            </a:r>
-            <a:br>
-              <a:rPr lang="en-US" sz="3300" dirty="0">
-                <a:solidFill>
-                  <a:srgbClr val="000000"/>
-                </a:solidFill>
-                <a:latin typeface="Cascadia Mono" panose="020B0609020000020004" pitchFamily="49" charset="0"/>
-              </a:rPr>
-            </a:br>
-            <a:endParaRPr lang="en-US" sz="3300" dirty="0">
-              <a:solidFill>
-                <a:srgbClr val="000000"/>
-              </a:solidFill>
-              <a:latin typeface="Cascadia Mono" panose="020B0609020000020004" pitchFamily="49" charset="0"/>
-            </a:endParaRPr>
-          </a:p>
-          <a:p>
-            <a:pPr marL="571500" indent="-571500">
-              <a:buFont typeface="Arial" panose="020B0604020202020204" pitchFamily="34" charset="0"/>
-              <a:buChar char="•"/>
-            </a:pPr>
-            <a:r>
-              <a:rPr lang="en-US" sz="3600" b="1" dirty="0"/>
-              <a:t>Base </a:t>
-            </a:r>
-            <a:r>
-              <a:rPr lang="en-US" sz="3300" dirty="0">
-                <a:solidFill>
-                  <a:srgbClr val="000000"/>
-                </a:solidFill>
-                <a:latin typeface="Cascadia Mono" panose="020B0609020000020004" pitchFamily="49" charset="0"/>
-              </a:rPr>
-              <a:t>Decorator</a:t>
-            </a:r>
-            <a:endParaRPr lang="en-US" altLang="zh-CN" sz="3300" dirty="0">
-              <a:solidFill>
-                <a:srgbClr val="000000"/>
-              </a:solidFill>
-              <a:latin typeface="Cascadia Mono" panose="020B0609020000020004" pitchFamily="49" charset="0"/>
-            </a:endParaRPr>
-          </a:p>
-          <a:p>
-            <a:pPr marL="571500" indent="-571500">
-              <a:buFont typeface="Arial" panose="020B0604020202020204" pitchFamily="34" charset="0"/>
-              <a:buChar char="•"/>
-            </a:pPr>
-            <a:endParaRPr lang="en-US" sz="3300" dirty="0">
-              <a:solidFill>
-                <a:srgbClr val="000000"/>
-              </a:solidFill>
-              <a:latin typeface="Cascadia Mono" panose="020B0609020000020004" pitchFamily="49" charset="0"/>
-            </a:endParaRPr>
-          </a:p>
-          <a:p>
-            <a:pPr marL="571500" indent="-571500">
-              <a:buFont typeface="Arial" panose="020B0604020202020204" pitchFamily="34" charset="0"/>
-              <a:buChar char="•"/>
-            </a:pPr>
-            <a:r>
-              <a:rPr lang="en-US" sz="3300" dirty="0" err="1">
-                <a:solidFill>
-                  <a:srgbClr val="000000"/>
-                </a:solidFill>
-                <a:latin typeface="Cascadia Mono" panose="020B0609020000020004" pitchFamily="49" charset="0"/>
-              </a:rPr>
-              <a:t>ConcreteDecorator</a:t>
-            </a:r>
-            <a:endParaRPr lang="en-US" sz="3300" dirty="0">
-              <a:solidFill>
-                <a:srgbClr val="000000"/>
-              </a:solidFill>
-              <a:latin typeface="Cascadia Mono" panose="020B0609020000020004" pitchFamily="49" charset="0"/>
-            </a:endParaRPr>
-          </a:p>
-        </p:txBody>
-      </p:sp>
-    </p:spTree>
-    <p:extLst>
-      <p:ext uri="{BB962C8B-B14F-4D97-AF65-F5344CB8AC3E}">
-        <p14:creationId xmlns:p14="http://schemas.microsoft.com/office/powerpoint/2010/main" val="3180066743"/>
-      </p:ext>
-    </p:extLst>
-  </p:cSld>
-  <p:clrMapOvr>
-    <a:masterClrMapping/>
-  </p:clrMapOvr>
-</p:sld>
-</file>
-
-<file path=ppt/slides/slide7.xml><?xml version="1.0" encoding="utf-8"?>
-<p:sld xmlns:a="http://schemas.openxmlformats.org/drawingml/2006/main" xmlns:r="http://schemas.openxmlformats.org/officeDocument/2006/relationships" xmlns:p="http://schemas.openxmlformats.org/presentationml/2006/main">
-  <p:cSld>
-    <p:spTree>
-      <p:nvGrpSpPr>
-        <p:cNvPr id="1" name=""/>
-        <p:cNvGrpSpPr/>
-        <p:nvPr/>
-      </p:nvGrpSpPr>
-      <p:grpSpPr>
-        <a:xfrm>
-          <a:off x="0" y="0"/>
-          <a:ext cx="0" cy="0"/>
-          <a:chOff x="0" y="0"/>
-          <a:chExt cx="0" cy="0"/>
-        </a:xfrm>
-      </p:grpSpPr>
-      <p:sp>
-        <p:nvSpPr>
-          <p:cNvPr id="2" name="Title 1">
-            <a:extLst>
-              <a:ext uri="{FF2B5EF4-FFF2-40B4-BE49-F238E27FC236}">
-                <a16:creationId xmlns:a16="http://schemas.microsoft.com/office/drawing/2014/main" id="{8DE78398-2207-9753-79EF-15D1EC6C1D98}"/>
-              </a:ext>
-            </a:extLst>
-          </p:cNvPr>
-          <p:cNvSpPr>
-            <a:spLocks noGrp="1"/>
-          </p:cNvSpPr>
-          <p:nvPr>
-            <p:ph type="title"/>
-          </p:nvPr>
-        </p:nvSpPr>
-        <p:spPr/>
-        <p:txBody>
-          <a:bodyPr/>
-          <a:lstStyle/>
-          <a:p>
-            <a:r>
-              <a:rPr lang="en-US" b="1" dirty="0"/>
-              <a:t>4. Facade</a:t>
-            </a:r>
-            <a:endParaRPr lang="en-US" dirty="0"/>
-          </a:p>
-        </p:txBody>
-      </p:sp>
-      <p:pic>
-        <p:nvPicPr>
-          <p:cNvPr id="6" name="Content Placeholder 5" descr="Diagram, engineering drawing&#10;&#10;Description automatically generated">
-            <a:extLst>
-              <a:ext uri="{FF2B5EF4-FFF2-40B4-BE49-F238E27FC236}">
-                <a16:creationId xmlns:a16="http://schemas.microsoft.com/office/drawing/2014/main" id="{009C69B2-AC85-C870-B116-FB2995EF2AF5}"/>
-              </a:ext>
-            </a:extLst>
-          </p:cNvPr>
-          <p:cNvPicPr>
-            <a:picLocks noGrp="1" noChangeAspect="1"/>
-          </p:cNvPicPr>
-          <p:nvPr>
-            <p:ph idx="1"/>
-          </p:nvPr>
-        </p:nvPicPr>
-        <p:blipFill>
-          <a:blip r:embed="rId3">
-            <a:extLst>
-              <a:ext uri="{28A0092B-C50C-407E-A947-70E740481C1C}">
-                <a14:useLocalDpi xmlns:a14="http://schemas.microsoft.com/office/drawing/2010/main" val="0"/>
-              </a:ext>
-            </a:extLst>
-          </a:blip>
-          <a:stretch>
-            <a:fillRect/>
-          </a:stretch>
-        </p:blipFill>
-        <p:spPr>
-          <a:xfrm>
-            <a:off x="2614930" y="1825625"/>
-            <a:ext cx="6962140" cy="4351338"/>
-          </a:xfrm>
-        </p:spPr>
-      </p:pic>
-    </p:spTree>
-    <p:extLst>
-      <p:ext uri="{BB962C8B-B14F-4D97-AF65-F5344CB8AC3E}">
-        <p14:creationId xmlns:p14="http://schemas.microsoft.com/office/powerpoint/2010/main" val="501764007"/>
-      </p:ext>
-    </p:extLst>
-  </p:cSld>
-  <p:clrMapOvr>
-    <a:masterClrMapping/>
-  </p:clrMapOvr>
-</p:sld>
-</file>
-
-<file path=ppt/slides/slide8.xml><?xml version="1.0" encoding="utf-8"?>
-<p:sld xmlns:a="http://schemas.openxmlformats.org/drawingml/2006/main" xmlns:r="http://schemas.openxmlformats.org/officeDocument/2006/relationships" xmlns:p="http://schemas.openxmlformats.org/presentationml/2006/main">
-  <p:cSld>
-    <p:spTree>
-      <p:nvGrpSpPr>
-        <p:cNvPr id="1" name=""/>
-        <p:cNvGrpSpPr/>
-        <p:nvPr/>
-      </p:nvGrpSpPr>
-      <p:grpSpPr>
-        <a:xfrm>
-          <a:off x="0" y="0"/>
-          <a:ext cx="0" cy="0"/>
-          <a:chOff x="0" y="0"/>
-          <a:chExt cx="0" cy="0"/>
-        </a:xfrm>
-      </p:grpSpPr>
-      <p:pic>
-        <p:nvPicPr>
-          <p:cNvPr id="5" name="Content Placeholder 4" descr="Diagram&#10;&#10;Description automatically generated">
-            <a:extLst>
-              <a:ext uri="{FF2B5EF4-FFF2-40B4-BE49-F238E27FC236}">
-                <a16:creationId xmlns:a16="http://schemas.microsoft.com/office/drawing/2014/main" id="{5D0E5EF9-F18C-EBE6-DB8E-F29E5337EF99}"/>
-              </a:ext>
-            </a:extLst>
-          </p:cNvPr>
-          <p:cNvPicPr>
-            <a:picLocks noGrp="1" noChangeAspect="1"/>
-          </p:cNvPicPr>
-          <p:nvPr>
-            <p:ph idx="1"/>
-          </p:nvPr>
-        </p:nvPicPr>
-        <p:blipFill>
-          <a:blip r:embed="rId3">
-            <a:extLst>
-              <a:ext uri="{28A0092B-C50C-407E-A947-70E740481C1C}">
-                <a14:useLocalDpi xmlns:a14="http://schemas.microsoft.com/office/drawing/2010/main" val="0"/>
-              </a:ext>
-            </a:extLst>
-          </a:blip>
-          <a:stretch>
-            <a:fillRect/>
-          </a:stretch>
-        </p:blipFill>
-        <p:spPr>
-          <a:xfrm>
-            <a:off x="4172753" y="1182624"/>
-            <a:ext cx="7485849" cy="5079683"/>
-          </a:xfrm>
-          <a:prstGeom prst="rect">
-            <a:avLst/>
-          </a:prstGeom>
-          <a:ln w="38100" cap="sq">
-            <a:solidFill>
-              <a:srgbClr val="000000"/>
-            </a:solidFill>
-            <a:prstDash val="solid"/>
-            <a:miter lim="800000"/>
-          </a:ln>
-          <a:effectLst>
-            <a:outerShdw blurRad="50800" dist="38100" dir="2700000" algn="tl" rotWithShape="0">
-              <a:srgbClr val="000000">
-                <a:alpha val="43000"/>
-              </a:srgbClr>
-            </a:outerShdw>
-          </a:effectLst>
-        </p:spPr>
-      </p:pic>
-      <p:sp>
-        <p:nvSpPr>
-          <p:cNvPr id="6" name="Title 1">
-            <a:extLst>
-              <a:ext uri="{FF2B5EF4-FFF2-40B4-BE49-F238E27FC236}">
-                <a16:creationId xmlns:a16="http://schemas.microsoft.com/office/drawing/2014/main" id="{B808F719-8702-27E2-B27B-880E991FC610}"/>
-              </a:ext>
-            </a:extLst>
-          </p:cNvPr>
-          <p:cNvSpPr txBox="1">
-            <a:spLocks/>
-          </p:cNvSpPr>
-          <p:nvPr/>
-        </p:nvSpPr>
-        <p:spPr>
-          <a:xfrm>
-            <a:off x="655318" y="341376"/>
-            <a:ext cx="3441194" cy="2390712"/>
-          </a:xfrm>
-          <a:prstGeom prst="rect">
-            <a:avLst/>
-          </a:prstGeom>
-        </p:spPr>
-        <p:txBody>
-          <a:bodyPr vert="horz" lIns="91440" tIns="45720" rIns="91440" bIns="45720" rtlCol="0" anchor="ctr">
-            <a:normAutofit fontScale="97500"/>
-          </a:bodyPr>
-          <a:lstStyle>
-            <a:lvl1pPr algn="l" defTabSz="914400" rtl="0" eaLnBrk="1" latinLnBrk="0" hangingPunct="1">
-              <a:lnSpc>
-                <a:spcPct val="90000"/>
-              </a:lnSpc>
-              <a:spcBef>
-                <a:spcPct val="0"/>
-              </a:spcBef>
-              <a:buNone/>
-              <a:defRPr sz="4400" kern="1200">
-                <a:solidFill>
-                  <a:schemeClr val="tx1"/>
-                </a:solidFill>
-                <a:latin typeface="+mj-lt"/>
-                <a:ea typeface="+mj-ea"/>
-                <a:cs typeface="+mj-cs"/>
-              </a:defRPr>
-            </a:lvl1pPr>
-          </a:lstStyle>
-          <a:p>
-            <a:pPr marL="571500" indent="-571500">
-              <a:buFont typeface="Arial" panose="020B0604020202020204" pitchFamily="34" charset="0"/>
-              <a:buChar char="•"/>
-            </a:pPr>
-            <a:r>
-              <a:rPr lang="en-US" sz="3300" dirty="0">
-                <a:solidFill>
-                  <a:srgbClr val="000000"/>
-                </a:solidFill>
-                <a:latin typeface="Cascadia Mono" panose="020B0609020000020004" pitchFamily="49" charset="0"/>
-              </a:rPr>
-              <a:t>Facade</a:t>
-            </a:r>
-            <a:br>
-              <a:rPr lang="en-US" sz="3300" dirty="0">
-                <a:solidFill>
-                  <a:srgbClr val="000000"/>
-                </a:solidFill>
-                <a:latin typeface="Cascadia Mono" panose="020B0609020000020004" pitchFamily="49" charset="0"/>
-              </a:rPr>
-            </a:br>
-            <a:endParaRPr lang="en-US" sz="3300" dirty="0">
-              <a:solidFill>
-                <a:srgbClr val="000000"/>
-              </a:solidFill>
-              <a:latin typeface="Cascadia Mono" panose="020B0609020000020004" pitchFamily="49" charset="0"/>
-            </a:endParaRPr>
-          </a:p>
-          <a:p>
-            <a:pPr marL="571500" indent="-571500">
-              <a:buFont typeface="Arial" panose="020B0604020202020204" pitchFamily="34" charset="0"/>
-              <a:buChar char="•"/>
-            </a:pPr>
-            <a:r>
-              <a:rPr lang="en-US" sz="3300" dirty="0" err="1">
-                <a:solidFill>
-                  <a:srgbClr val="000000"/>
-                </a:solidFill>
-                <a:latin typeface="Cascadia Mono" panose="020B0609020000020004" pitchFamily="49" charset="0"/>
-              </a:rPr>
-              <a:t>SubSystem</a:t>
-            </a:r>
-            <a:endParaRPr lang="en-US" sz="3300" dirty="0">
-              <a:solidFill>
-                <a:srgbClr val="000000"/>
-              </a:solidFill>
-              <a:latin typeface="Cascadia Mono" panose="020B0609020000020004" pitchFamily="49" charset="0"/>
-            </a:endParaRPr>
-          </a:p>
-        </p:txBody>
-      </p:sp>
-    </p:spTree>
-    <p:extLst>
-      <p:ext uri="{BB962C8B-B14F-4D97-AF65-F5344CB8AC3E}">
-        <p14:creationId xmlns:p14="http://schemas.microsoft.com/office/powerpoint/2010/main" val="2428695418"/>
-      </p:ext>
-    </p:extLst>
-  </p:cSld>
-  <p:clrMapOvr>
-    <a:masterClrMapping/>
-  </p:clrMapOvr>
-</p:sld>
-</file>
-
-<file path=ppt/slides/slide9.xml><?xml version="1.0" encoding="utf-8"?>
-<p:sld xmlns:a="http://schemas.openxmlformats.org/drawingml/2006/main" xmlns:r="http://schemas.openxmlformats.org/officeDocument/2006/relationships" xmlns:p="http://schemas.openxmlformats.org/presentationml/2006/main">
-  <p:cSld>
-    <p:spTree>
-      <p:nvGrpSpPr>
-        <p:cNvPr id="1" name=""/>
-        <p:cNvGrpSpPr/>
-        <p:nvPr/>
-      </p:nvGrpSpPr>
-      <p:grpSpPr>
-        <a:xfrm>
-          <a:off x="0" y="0"/>
-          <a:ext cx="0" cy="0"/>
-          <a:chOff x="0" y="0"/>
-          <a:chExt cx="0" cy="0"/>
-        </a:xfrm>
-      </p:grpSpPr>
-      <p:sp>
-        <p:nvSpPr>
-          <p:cNvPr id="2" name="Title 1">
-            <a:extLst>
-              <a:ext uri="{FF2B5EF4-FFF2-40B4-BE49-F238E27FC236}">
-                <a16:creationId xmlns:a16="http://schemas.microsoft.com/office/drawing/2014/main" id="{8DE78398-2207-9753-79EF-15D1EC6C1D98}"/>
-              </a:ext>
-            </a:extLst>
-          </p:cNvPr>
-          <p:cNvSpPr>
-            <a:spLocks noGrp="1"/>
-          </p:cNvSpPr>
-          <p:nvPr>
-            <p:ph type="title"/>
-          </p:nvPr>
-        </p:nvSpPr>
-        <p:spPr/>
-        <p:txBody>
-          <a:bodyPr/>
-          <a:lstStyle/>
-          <a:p>
-            <a:r>
-              <a:rPr lang="en-US" b="1" dirty="0"/>
-              <a:t>5. Proxy</a:t>
-            </a:r>
-            <a:endParaRPr lang="en-US" dirty="0"/>
-          </a:p>
-        </p:txBody>
-      </p:sp>
-      <p:pic>
-        <p:nvPicPr>
-          <p:cNvPr id="6" name="Content Placeholder 5" descr="A picture containing diagram&#10;&#10;Description automatically generated">
-            <a:extLst>
-              <a:ext uri="{FF2B5EF4-FFF2-40B4-BE49-F238E27FC236}">
-                <a16:creationId xmlns:a16="http://schemas.microsoft.com/office/drawing/2014/main" id="{D728CF11-38D5-52C4-2A39-55225D5678E2}"/>
-              </a:ext>
-            </a:extLst>
-          </p:cNvPr>
-          <p:cNvPicPr>
-            <a:picLocks noGrp="1" noChangeAspect="1"/>
-          </p:cNvPicPr>
-          <p:nvPr>
-            <p:ph idx="1"/>
-          </p:nvPr>
-        </p:nvPicPr>
-        <p:blipFill>
-          <a:blip r:embed="rId3">
-            <a:extLst>
-              <a:ext uri="{28A0092B-C50C-407E-A947-70E740481C1C}">
-                <a14:useLocalDpi xmlns:a14="http://schemas.microsoft.com/office/drawing/2010/main" val="0"/>
-              </a:ext>
-            </a:extLst>
-          </a:blip>
-          <a:stretch>
-            <a:fillRect/>
-          </a:stretch>
-        </p:blipFill>
-        <p:spPr>
-          <a:xfrm>
-            <a:off x="2614930" y="1825625"/>
-            <a:ext cx="6962140" cy="4351338"/>
-          </a:xfrm>
-        </p:spPr>
-      </p:pic>
-    </p:spTree>
-    <p:extLst>
-      <p:ext uri="{BB962C8B-B14F-4D97-AF65-F5344CB8AC3E}">
-        <p14:creationId xmlns:p14="http://schemas.microsoft.com/office/powerpoint/2010/main" val="642753227"/>
       </p:ext>
     </p:extLst>
   </p:cSld>

--- a/DesignPatterns/Structural Design Patterns/Structural Design Patterns.pptx
+++ b/DesignPatterns/Structural Design Patterns/Structural Design Patterns.pptx
@@ -128,7 +128,7 @@
 <file path=ppt/revisionInfo.xml><?xml version="1.0" encoding="utf-8"?>
 <p1510:revInfo xmlns:a="http://schemas.openxmlformats.org/drawingml/2006/main" xmlns:r="http://schemas.openxmlformats.org/officeDocument/2006/relationships" xmlns:p1510="http://schemas.microsoft.com/office/powerpoint/2015/10/main">
   <p1510:revLst>
-    <p1510:client id="{7272984E-1584-4374-8B38-3C1D27CF2CE8}" v="46" dt="2023-03-18T10:09:21.939"/>
+    <p1510:client id="{7272984E-1584-4374-8B38-3C1D27CF2CE8}" v="48" dt="2023-03-18T12:58:20.413"/>
   </p1510:revLst>
 </p1510:revInfo>
 </file>
@@ -138,10 +138,17 @@
   <pc:docChgLst>
     <pc:chgData name="Nancy Li" userId="afc5209a-cf39-48d8-a57f-08cc8b772ec9" providerId="ADAL" clId="{7272984E-1584-4374-8B38-3C1D27CF2CE8}"/>
     <pc:docChg chg="undo redo custSel addSld modSld sldOrd">
-      <pc:chgData name="Nancy Li" userId="afc5209a-cf39-48d8-a57f-08cc8b772ec9" providerId="ADAL" clId="{7272984E-1584-4374-8B38-3C1D27CF2CE8}" dt="2023-03-18T10:12:41.286" v="347" actId="20577"/>
+      <pc:chgData name="Nancy Li" userId="afc5209a-cf39-48d8-a57f-08cc8b772ec9" providerId="ADAL" clId="{7272984E-1584-4374-8B38-3C1D27CF2CE8}" dt="2023-03-18T13:06:12.747" v="539" actId="20577"/>
       <pc:docMkLst>
         <pc:docMk/>
       </pc:docMkLst>
+      <pc:sldChg chg="modNotesTx">
+        <pc:chgData name="Nancy Li" userId="afc5209a-cf39-48d8-a57f-08cc8b772ec9" providerId="ADAL" clId="{7272984E-1584-4374-8B38-3C1D27CF2CE8}" dt="2023-03-18T13:06:12.747" v="539" actId="20577"/>
+        <pc:sldMkLst>
+          <pc:docMk/>
+          <pc:sldMk cId="576588270" sldId="257"/>
+        </pc:sldMkLst>
+      </pc:sldChg>
       <pc:sldChg chg="modSp mod modNotesTx">
         <pc:chgData name="Nancy Li" userId="afc5209a-cf39-48d8-a57f-08cc8b772ec9" providerId="ADAL" clId="{7272984E-1584-4374-8B38-3C1D27CF2CE8}" dt="2023-03-18T10:09:25.313" v="323"/>
         <pc:sldMkLst>
@@ -320,28 +327,60 @@
           </ac:spMkLst>
         </pc:spChg>
       </pc:sldChg>
-      <pc:sldChg chg="ord modNotesTx">
-        <pc:chgData name="Nancy Li" userId="afc5209a-cf39-48d8-a57f-08cc8b772ec9" providerId="ADAL" clId="{7272984E-1584-4374-8B38-3C1D27CF2CE8}" dt="2023-03-18T10:11:33.169" v="329"/>
+      <pc:sldChg chg="addSp delSp modSp mod ord modNotesTx">
+        <pc:chgData name="Nancy Li" userId="afc5209a-cf39-48d8-a57f-08cc8b772ec9" providerId="ADAL" clId="{7272984E-1584-4374-8B38-3C1D27CF2CE8}" dt="2023-03-18T12:22:34.397" v="361" actId="20577"/>
         <pc:sldMkLst>
           <pc:docMk/>
           <pc:sldMk cId="2428695418" sldId="267"/>
         </pc:sldMkLst>
+        <pc:spChg chg="add del mod">
+          <ac:chgData name="Nancy Li" userId="afc5209a-cf39-48d8-a57f-08cc8b772ec9" providerId="ADAL" clId="{7272984E-1584-4374-8B38-3C1D27CF2CE8}" dt="2023-03-18T10:51:54.117" v="352" actId="478"/>
+          <ac:spMkLst>
+            <pc:docMk/>
+            <pc:sldMk cId="2428695418" sldId="267"/>
+            <ac:spMk id="3" creationId="{CAB2096B-93D6-037D-1022-7947D45A04F2}"/>
+          </ac:spMkLst>
+        </pc:spChg>
+        <pc:picChg chg="del">
+          <ac:chgData name="Nancy Li" userId="afc5209a-cf39-48d8-a57f-08cc8b772ec9" providerId="ADAL" clId="{7272984E-1584-4374-8B38-3C1D27CF2CE8}" dt="2023-03-18T10:51:40.139" v="348" actId="478"/>
+          <ac:picMkLst>
+            <pc:docMk/>
+            <pc:sldMk cId="2428695418" sldId="267"/>
+            <ac:picMk id="5" creationId="{5D0E5EF9-F18C-EBE6-DB8E-F29E5337EF99}"/>
+          </ac:picMkLst>
+        </pc:picChg>
+        <pc:picChg chg="add mod">
+          <ac:chgData name="Nancy Li" userId="afc5209a-cf39-48d8-a57f-08cc8b772ec9" providerId="ADAL" clId="{7272984E-1584-4374-8B38-3C1D27CF2CE8}" dt="2023-03-18T10:53:29.680" v="359" actId="1076"/>
+          <ac:picMkLst>
+            <pc:docMk/>
+            <pc:sldMk cId="2428695418" sldId="267"/>
+            <ac:picMk id="7" creationId="{C9AADB53-0A5E-43BF-D7C0-2F7BA2D2F9EC}"/>
+          </ac:picMkLst>
+        </pc:picChg>
       </pc:sldChg>
-      <pc:sldChg chg="ord modNotesTx">
-        <pc:chgData name="Nancy Li" userId="afc5209a-cf39-48d8-a57f-08cc8b772ec9" providerId="ADAL" clId="{7272984E-1584-4374-8B38-3C1D27CF2CE8}" dt="2023-03-18T10:11:41.417" v="333"/>
+      <pc:sldChg chg="modSp mod ord modNotesTx">
+        <pc:chgData name="Nancy Li" userId="afc5209a-cf39-48d8-a57f-08cc8b772ec9" providerId="ADAL" clId="{7272984E-1584-4374-8B38-3C1D27CF2CE8}" dt="2023-03-18T12:50:31.680" v="412" actId="27636"/>
         <pc:sldMkLst>
           <pc:docMk/>
           <pc:sldMk cId="2167652116" sldId="268"/>
         </pc:sldMkLst>
+        <pc:spChg chg="mod">
+          <ac:chgData name="Nancy Li" userId="afc5209a-cf39-48d8-a57f-08cc8b772ec9" providerId="ADAL" clId="{7272984E-1584-4374-8B38-3C1D27CF2CE8}" dt="2023-03-18T12:50:31.680" v="412" actId="27636"/>
+          <ac:spMkLst>
+            <pc:docMk/>
+            <pc:sldMk cId="2167652116" sldId="268"/>
+            <ac:spMk id="8" creationId="{FC316B89-0AAF-FFAA-1FE5-60CB2957DB61}"/>
+          </ac:spMkLst>
+        </pc:spChg>
       </pc:sldChg>
-      <pc:sldChg chg="addSp delSp modSp new mod ord setBg setClrOvrMap">
-        <pc:chgData name="Nancy Li" userId="afc5209a-cf39-48d8-a57f-08cc8b772ec9" providerId="ADAL" clId="{7272984E-1584-4374-8B38-3C1D27CF2CE8}" dt="2023-03-18T10:07:10.968" v="321" actId="1076"/>
+      <pc:sldChg chg="addSp delSp modSp new mod ord setBg setClrOvrMap modNotesTx">
+        <pc:chgData name="Nancy Li" userId="afc5209a-cf39-48d8-a57f-08cc8b772ec9" providerId="ADAL" clId="{7272984E-1584-4374-8B38-3C1D27CF2CE8}" dt="2023-03-18T12:50:12.717" v="410" actId="108"/>
         <pc:sldMkLst>
           <pc:docMk/>
           <pc:sldMk cId="3779576144" sldId="269"/>
         </pc:sldMkLst>
         <pc:spChg chg="add del mod">
-          <ac:chgData name="Nancy Li" userId="afc5209a-cf39-48d8-a57f-08cc8b772ec9" providerId="ADAL" clId="{7272984E-1584-4374-8B38-3C1D27CF2CE8}" dt="2023-03-18T10:05:48.983" v="313" actId="26606"/>
+          <ac:chgData name="Nancy Li" userId="afc5209a-cf39-48d8-a57f-08cc8b772ec9" providerId="ADAL" clId="{7272984E-1584-4374-8B38-3C1D27CF2CE8}" dt="2023-03-18T12:50:12.717" v="410" actId="108"/>
           <ac:spMkLst>
             <pc:docMk/>
             <pc:sldMk cId="3779576144" sldId="269"/>
@@ -2903,7 +2942,7 @@
   <dgm:whole/>
   <dgm:extLst>
     <a:ext uri="http://schemas.microsoft.com/office/drawing/2008/diagram">
-      <dsp:dataModelExt xmlns:dsp="http://schemas.microsoft.com/office/drawing/2008/diagram" relId="rId6" minVer="http://schemas.openxmlformats.org/drawingml/2006/diagram"/>
+      <dsp:dataModelExt xmlns:dsp="http://schemas.microsoft.com/office/drawing/2008/diagram" relId="rId7" minVer="http://schemas.openxmlformats.org/drawingml/2006/diagram"/>
     </a:ext>
   </dgm:extLst>
 </dgm:dataModel>
@@ -5887,13 +5926,285 @@
           <a:lstStyle/>
           <a:p>
             <a:r>
-              <a:rPr lang="en-US" b="1" dirty="0"/>
-              <a:t>Adapter</a:t>
-            </a:r>
-            <a:r>
-              <a:rPr lang="en-US" dirty="0"/>
-              <a:t> is a structural design pattern that allows objects with incompatible interfaces to collaborate.</a:t>
-            </a:r>
+              <a:rPr lang="en-US" b="1" i="0" dirty="0">
+                <a:solidFill>
+                  <a:srgbClr val="444444"/>
+                </a:solidFill>
+                <a:effectLst/>
+                <a:latin typeface="PT Sans" panose="020B0604020202020204" pitchFamily="34" charset="0"/>
+              </a:rPr>
+              <a:t>Design patterns</a:t>
+            </a:r>
+            <a:r>
+              <a:rPr lang="en-US" b="0" i="0" dirty="0">
+                <a:solidFill>
+                  <a:srgbClr val="444444"/>
+                </a:solidFill>
+                <a:effectLst/>
+                <a:latin typeface="PT Sans" panose="020B0604020202020204" pitchFamily="34" charset="0"/>
+              </a:rPr>
+              <a:t> are typical solutions to commonly occurring problems in software design. </a:t>
+            </a:r>
+          </a:p>
+          <a:p>
+            <a:r>
+              <a:rPr lang="en-US" b="0" i="0" dirty="0">
+                <a:solidFill>
+                  <a:srgbClr val="444444"/>
+                </a:solidFill>
+                <a:effectLst/>
+                <a:latin typeface="PT Sans" panose="020B0503020203020204" pitchFamily="34" charset="0"/>
+              </a:rPr>
+              <a:t>When a solution gets repeated over and over in various projects, someone eventually puts a name to it and describes the solution in detail. That’s basically how a pattern gets discovered.</a:t>
+            </a:r>
+            <a:endParaRPr lang="en-US" b="0" i="0" dirty="0">
+              <a:solidFill>
+                <a:srgbClr val="444444"/>
+              </a:solidFill>
+              <a:effectLst/>
+              <a:latin typeface="PT Sans" panose="020B0604020202020204" pitchFamily="34" charset="0"/>
+            </a:endParaRPr>
+          </a:p>
+          <a:p>
+            <a:r>
+              <a:rPr lang="en-US" b="0" i="0" dirty="0">
+                <a:solidFill>
+                  <a:srgbClr val="444444"/>
+                </a:solidFill>
+                <a:effectLst/>
+                <a:latin typeface="PT Sans" panose="020B0503020203020204" pitchFamily="34" charset="0"/>
+              </a:rPr>
+              <a:t>You can follow the pattern details and implement a solution that suits the realities of your own program.</a:t>
+            </a:r>
+          </a:p>
+          <a:p>
+            <a:endParaRPr lang="en-US" b="0" i="0" dirty="0">
+              <a:solidFill>
+                <a:srgbClr val="444444"/>
+              </a:solidFill>
+              <a:effectLst/>
+              <a:latin typeface="PT Sans" panose="020B0503020203020204" pitchFamily="34" charset="0"/>
+            </a:endParaRPr>
+          </a:p>
+          <a:p>
+            <a:pPr algn="l"/>
+            <a:r>
+              <a:rPr lang="en-US" b="0" i="0" dirty="0">
+                <a:solidFill>
+                  <a:srgbClr val="000000"/>
+                </a:solidFill>
+                <a:effectLst/>
+                <a:latin typeface="Gilroy"/>
+              </a:rPr>
+              <a:t>Design patterns are divided into three main categories</a:t>
+            </a:r>
+          </a:p>
+          <a:p>
+            <a:pPr algn="l"/>
+            <a:r>
+              <a:rPr lang="en-US" b="0" i="0" dirty="0">
+                <a:solidFill>
+                  <a:srgbClr val="000000"/>
+                </a:solidFill>
+                <a:effectLst/>
+                <a:latin typeface="Gilroy"/>
+              </a:rPr>
+              <a:t>The first category is </a:t>
+            </a:r>
+            <a:r>
+              <a:rPr lang="en-US" b="1" i="0" dirty="0">
+                <a:solidFill>
+                  <a:srgbClr val="444444"/>
+                </a:solidFill>
+                <a:effectLst/>
+                <a:latin typeface="PT Sans" panose="020B0503020203020204" pitchFamily="34" charset="0"/>
+              </a:rPr>
+              <a:t>Creational patterns</a:t>
+            </a:r>
+            <a:r>
+              <a:rPr lang="en-US" b="0" i="0" dirty="0">
+                <a:solidFill>
+                  <a:srgbClr val="000000"/>
+                </a:solidFill>
+                <a:effectLst/>
+                <a:latin typeface="Gilroy"/>
+              </a:rPr>
+              <a:t>, for which I made a </a:t>
+            </a:r>
+            <a:r>
+              <a:rPr lang="en-US" b="0" i="0" dirty="0">
+                <a:solidFill>
+                  <a:srgbClr val="F03744"/>
+                </a:solidFill>
+                <a:effectLst/>
+                <a:latin typeface="Gilroy"/>
+              </a:rPr>
+              <a:t>presentation</a:t>
+            </a:r>
+            <a:r>
+              <a:rPr lang="en-US" b="0" i="0" dirty="0">
+                <a:solidFill>
+                  <a:srgbClr val="2A2B2E"/>
+                </a:solidFill>
+                <a:effectLst/>
+                <a:latin typeface="Gilroy"/>
+              </a:rPr>
+              <a:t> </a:t>
+            </a:r>
+            <a:r>
+              <a:rPr lang="en-US" b="0" i="0" dirty="0">
+                <a:solidFill>
+                  <a:srgbClr val="000000"/>
+                </a:solidFill>
+                <a:effectLst/>
+                <a:latin typeface="Gilroy"/>
+              </a:rPr>
+              <a:t>last year.</a:t>
+            </a:r>
+          </a:p>
+          <a:p>
+            <a:pPr algn="l"/>
+            <a:r>
+              <a:rPr lang="en-US" b="0" i="0" dirty="0">
+                <a:solidFill>
+                  <a:srgbClr val="000000"/>
+                </a:solidFill>
+                <a:effectLst/>
+                <a:latin typeface="Gilroy"/>
+              </a:rPr>
+              <a:t>The second is </a:t>
+            </a:r>
+            <a:r>
+              <a:rPr lang="en-US" b="1" i="0" dirty="0">
+                <a:solidFill>
+                  <a:srgbClr val="444444"/>
+                </a:solidFill>
+                <a:effectLst/>
+                <a:latin typeface="PT Sans" panose="020B0503020203020204" pitchFamily="34" charset="0"/>
+              </a:rPr>
+              <a:t>Structural patterns</a:t>
+            </a:r>
+            <a:r>
+              <a:rPr lang="en-US" b="0" i="0" dirty="0">
+                <a:solidFill>
+                  <a:srgbClr val="000000"/>
+                </a:solidFill>
+                <a:effectLst/>
+                <a:latin typeface="Gilroy"/>
+              </a:rPr>
+              <a:t>. That's what I want to talk about today.</a:t>
+            </a:r>
+          </a:p>
+          <a:p>
+            <a:pPr algn="l"/>
+            <a:endParaRPr lang="en-US" b="0" i="0" dirty="0">
+              <a:solidFill>
+                <a:srgbClr val="000000"/>
+              </a:solidFill>
+              <a:effectLst/>
+              <a:latin typeface="Gilroy"/>
+            </a:endParaRPr>
+          </a:p>
+          <a:p>
+            <a:pPr marL="0" marR="0" lvl="0" indent="0" algn="l" defTabSz="914400" rtl="0" eaLnBrk="1" fontAlgn="auto" latinLnBrk="0" hangingPunct="1">
+              <a:lnSpc>
+                <a:spcPct val="100000"/>
+              </a:lnSpc>
+              <a:spcBef>
+                <a:spcPts val="0"/>
+              </a:spcBef>
+              <a:spcAft>
+                <a:spcPts val="0"/>
+              </a:spcAft>
+              <a:buClrTx/>
+              <a:buSzTx/>
+              <a:buFontTx/>
+              <a:buNone/>
+              <a:tabLst/>
+              <a:defRPr/>
+            </a:pPr>
+            <a:r>
+              <a:rPr lang="en-US" b="1" i="0" dirty="0">
+                <a:solidFill>
+                  <a:srgbClr val="444444"/>
+                </a:solidFill>
+                <a:effectLst/>
+                <a:latin typeface="PT Sans" panose="020B0503020203020204" pitchFamily="34" charset="0"/>
+              </a:rPr>
+              <a:t>Structural patterns</a:t>
+            </a:r>
+            <a:r>
+              <a:rPr lang="en-US" b="0" i="0" dirty="0">
+                <a:solidFill>
+                  <a:srgbClr val="444444"/>
+                </a:solidFill>
+                <a:effectLst/>
+                <a:latin typeface="PT Sans" panose="020B0503020203020204" pitchFamily="34" charset="0"/>
+              </a:rPr>
+              <a:t> explain how to assemble objects and classes into larger structures, while keeping these structures flexible and efficient.</a:t>
+            </a:r>
+          </a:p>
+          <a:p>
+            <a:pPr algn="l"/>
+            <a:endParaRPr lang="en-US" b="0" i="0" dirty="0">
+              <a:solidFill>
+                <a:srgbClr val="000000"/>
+              </a:solidFill>
+              <a:effectLst/>
+              <a:latin typeface="Gilroy"/>
+            </a:endParaRPr>
+          </a:p>
+          <a:p>
+            <a:pPr algn="l"/>
+            <a:r>
+              <a:rPr lang="en-US" b="1" i="0" dirty="0">
+                <a:solidFill>
+                  <a:srgbClr val="444444"/>
+                </a:solidFill>
+                <a:effectLst/>
+                <a:latin typeface="PT Sans" panose="020B0503020203020204" pitchFamily="34" charset="0"/>
+              </a:rPr>
+              <a:t>Creational patterns</a:t>
+            </a:r>
+            <a:r>
+              <a:rPr lang="en-US" b="0" i="0" dirty="0">
+                <a:solidFill>
+                  <a:srgbClr val="444444"/>
+                </a:solidFill>
+                <a:effectLst/>
+                <a:latin typeface="PT Sans" panose="020B0503020203020204" pitchFamily="34" charset="0"/>
+              </a:rPr>
+              <a:t> provide object creation mechanisms that increase flexibility and reuse of existing code.</a:t>
+            </a:r>
+          </a:p>
+          <a:p>
+            <a:pPr algn="l">
+              <a:buFont typeface="Arial" panose="020B0604020202020204" pitchFamily="34" charset="0"/>
+              <a:buNone/>
+            </a:pPr>
+            <a:r>
+              <a:rPr lang="en-US" b="1" i="0" dirty="0">
+                <a:solidFill>
+                  <a:srgbClr val="444444"/>
+                </a:solidFill>
+                <a:effectLst/>
+                <a:latin typeface="PT Sans" panose="020B0503020203020204" pitchFamily="34" charset="0"/>
+              </a:rPr>
+              <a:t>Behavioral patterns</a:t>
+            </a:r>
+            <a:r>
+              <a:rPr lang="en-US" b="0" i="0" dirty="0">
+                <a:solidFill>
+                  <a:srgbClr val="444444"/>
+                </a:solidFill>
+                <a:effectLst/>
+                <a:latin typeface="PT Sans" panose="020B0503020203020204" pitchFamily="34" charset="0"/>
+              </a:rPr>
+              <a:t> take care of effective communication and the assignment of responsibilities between objects.</a:t>
+            </a:r>
+          </a:p>
+          <a:p>
+            <a:endParaRPr lang="en-US" dirty="0"/>
           </a:p>
         </p:txBody>
       </p:sp>
@@ -5914,7 +6225,7 @@
           <a:p>
             <a:fld id="{3960260C-8853-4159-8854-5A6834041865}" type="slidenum">
               <a:rPr lang="en-US" smtClean="0"/>
-              <a:t>2</a:t>
+              <a:t>1</a:t>
             </a:fld>
             <a:endParaRPr lang="en-US"/>
           </a:p>
@@ -5923,7 +6234,354 @@
     </p:spTree>
     <p:extLst>
       <p:ext uri="{BB962C8B-B14F-4D97-AF65-F5344CB8AC3E}">
-        <p14:creationId xmlns:p14="http://schemas.microsoft.com/office/powerpoint/2010/main" val="1113268360"/>
+        <p14:creationId xmlns:p14="http://schemas.microsoft.com/office/powerpoint/2010/main" val="2262071106"/>
+      </p:ext>
+    </p:extLst>
+  </p:cSld>
+  <p:clrMapOvr>
+    <a:masterClrMapping/>
+  </p:clrMapOvr>
+</p:notes>
+</file>
+
+<file path=ppt/notesSlides/notesSlide10.xml><?xml version="1.0" encoding="utf-8"?>
+<p:notes xmlns:a="http://schemas.openxmlformats.org/drawingml/2006/main" xmlns:r="http://schemas.openxmlformats.org/officeDocument/2006/relationships" xmlns:p="http://schemas.openxmlformats.org/presentationml/2006/main">
+  <p:cSld>
+    <p:spTree>
+      <p:nvGrpSpPr>
+        <p:cNvPr id="1" name=""/>
+        <p:cNvGrpSpPr/>
+        <p:nvPr/>
+      </p:nvGrpSpPr>
+      <p:grpSpPr>
+        <a:xfrm>
+          <a:off x="0" y="0"/>
+          <a:ext cx="0" cy="0"/>
+          <a:chOff x="0" y="0"/>
+          <a:chExt cx="0" cy="0"/>
+        </a:xfrm>
+      </p:grpSpPr>
+      <p:sp>
+        <p:nvSpPr>
+          <p:cNvPr id="2" name="Slide Image Placeholder 1"/>
+          <p:cNvSpPr>
+            <a:spLocks noGrp="1" noRot="1" noChangeAspect="1"/>
+          </p:cNvSpPr>
+          <p:nvPr>
+            <p:ph type="sldImg"/>
+          </p:nvPr>
+        </p:nvSpPr>
+        <p:spPr/>
+      </p:sp>
+      <p:sp>
+        <p:nvSpPr>
+          <p:cNvPr id="3" name="Notes Placeholder 2"/>
+          <p:cNvSpPr>
+            <a:spLocks noGrp="1"/>
+          </p:cNvSpPr>
+          <p:nvPr>
+            <p:ph type="body" idx="1"/>
+          </p:nvPr>
+        </p:nvSpPr>
+        <p:spPr/>
+        <p:txBody>
+          <a:bodyPr/>
+          <a:lstStyle/>
+          <a:p>
+            <a:pPr marL="0" marR="0" lvl="0" indent="0" algn="l" defTabSz="914400" rtl="0" eaLnBrk="1" fontAlgn="auto" latinLnBrk="0" hangingPunct="1">
+              <a:lnSpc>
+                <a:spcPct val="100000"/>
+              </a:lnSpc>
+              <a:spcBef>
+                <a:spcPts val="0"/>
+              </a:spcBef>
+              <a:spcAft>
+                <a:spcPts val="0"/>
+              </a:spcAft>
+              <a:buClrTx/>
+              <a:buSzTx/>
+              <a:buFontTx/>
+              <a:buNone/>
+              <a:tabLst/>
+              <a:defRPr/>
+            </a:pPr>
+            <a:r>
+              <a:rPr lang="en-US" sz="2800" dirty="0"/>
+              <a:t>The </a:t>
+            </a:r>
+            <a:r>
+              <a:rPr lang="en-US" sz="2800" b="1" dirty="0"/>
+              <a:t>Component</a:t>
+            </a:r>
+            <a:r>
+              <a:rPr lang="en-US" sz="2800" dirty="0"/>
+              <a:t> declares the common interface for both wrappers and wrapped objects.</a:t>
+            </a:r>
+          </a:p>
+          <a:p>
+            <a:pPr marL="0" marR="0" lvl="0" indent="0" algn="l" defTabSz="914400" rtl="0" eaLnBrk="1" fontAlgn="auto" latinLnBrk="0" hangingPunct="1">
+              <a:lnSpc>
+                <a:spcPct val="100000"/>
+              </a:lnSpc>
+              <a:spcBef>
+                <a:spcPts val="0"/>
+              </a:spcBef>
+              <a:spcAft>
+                <a:spcPts val="0"/>
+              </a:spcAft>
+              <a:buClrTx/>
+              <a:buSzTx/>
+              <a:buFontTx/>
+              <a:buNone/>
+              <a:tabLst/>
+              <a:defRPr/>
+            </a:pPr>
+            <a:endParaRPr lang="en-US" sz="1800" b="1" dirty="0"/>
+          </a:p>
+          <a:p>
+            <a:pPr marL="0" marR="0" lvl="0" indent="0" algn="l" defTabSz="914400" rtl="0" eaLnBrk="1" fontAlgn="auto" latinLnBrk="0" hangingPunct="1">
+              <a:lnSpc>
+                <a:spcPct val="100000"/>
+              </a:lnSpc>
+              <a:spcBef>
+                <a:spcPts val="0"/>
+              </a:spcBef>
+              <a:spcAft>
+                <a:spcPts val="0"/>
+              </a:spcAft>
+              <a:buClrTx/>
+              <a:buSzTx/>
+              <a:buFontTx/>
+              <a:buNone/>
+              <a:tabLst/>
+              <a:defRPr/>
+            </a:pPr>
+            <a:r>
+              <a:rPr lang="en-US" sz="1800" b="1" dirty="0"/>
+              <a:t>Concrete Component</a:t>
+            </a:r>
+            <a:r>
+              <a:rPr lang="en-US" sz="1800" dirty="0"/>
+              <a:t> is a class of objects being wrapped. It defines the basic behavior, which can be altered by decorators.</a:t>
+            </a:r>
+          </a:p>
+          <a:p>
+            <a:pPr marL="0" marR="0" lvl="0" indent="0" algn="l" defTabSz="914400" rtl="0" eaLnBrk="1" fontAlgn="auto" latinLnBrk="0" hangingPunct="1">
+              <a:lnSpc>
+                <a:spcPct val="100000"/>
+              </a:lnSpc>
+              <a:spcBef>
+                <a:spcPts val="0"/>
+              </a:spcBef>
+              <a:spcAft>
+                <a:spcPts val="0"/>
+              </a:spcAft>
+              <a:buClrTx/>
+              <a:buSzTx/>
+              <a:buFontTx/>
+              <a:buNone/>
+              <a:tabLst/>
+              <a:defRPr/>
+            </a:pPr>
+            <a:endParaRPr lang="en-US" sz="1800" dirty="0"/>
+          </a:p>
+          <a:p>
+            <a:pPr marL="0" marR="0" lvl="0" indent="0" algn="l" defTabSz="914400" rtl="0" eaLnBrk="1" fontAlgn="auto" latinLnBrk="0" hangingPunct="1">
+              <a:lnSpc>
+                <a:spcPct val="100000"/>
+              </a:lnSpc>
+              <a:spcBef>
+                <a:spcPts val="0"/>
+              </a:spcBef>
+              <a:spcAft>
+                <a:spcPts val="0"/>
+              </a:spcAft>
+              <a:buClrTx/>
+              <a:buSzTx/>
+              <a:buFontTx/>
+              <a:buNone/>
+              <a:tabLst/>
+              <a:defRPr/>
+            </a:pPr>
+            <a:r>
+              <a:rPr lang="en-US" sz="2800" dirty="0"/>
+              <a:t>The </a:t>
+            </a:r>
+            <a:r>
+              <a:rPr lang="en-US" sz="2800" b="1" dirty="0"/>
+              <a:t>Base Decorator</a:t>
+            </a:r>
+            <a:r>
+              <a:rPr lang="en-US" sz="2800" dirty="0"/>
+              <a:t> class has a field for referencing a wrapped object. The field’s type should be declared as the component interface so it can contain both concrete components and decorators. </a:t>
+            </a:r>
+          </a:p>
+          <a:p>
+            <a:pPr marL="0" marR="0" lvl="0" indent="0" algn="l" defTabSz="914400" rtl="0" eaLnBrk="1" fontAlgn="auto" latinLnBrk="0" hangingPunct="1">
+              <a:lnSpc>
+                <a:spcPct val="100000"/>
+              </a:lnSpc>
+              <a:spcBef>
+                <a:spcPts val="0"/>
+              </a:spcBef>
+              <a:spcAft>
+                <a:spcPts val="0"/>
+              </a:spcAft>
+              <a:buClrTx/>
+              <a:buSzTx/>
+              <a:buFontTx/>
+              <a:buNone/>
+              <a:tabLst/>
+              <a:defRPr/>
+            </a:pPr>
+            <a:r>
+              <a:rPr lang="en-US" sz="2800" dirty="0"/>
+              <a:t>The </a:t>
+            </a:r>
+            <a:r>
+              <a:rPr lang="en-US" sz="2800" b="1" dirty="0"/>
+              <a:t>Base Decorator</a:t>
+            </a:r>
+            <a:r>
+              <a:rPr lang="en-US" sz="2800" dirty="0"/>
+              <a:t> delegates all operations to the wrapped object.</a:t>
+            </a:r>
+            <a:endParaRPr lang="en-US" sz="1800" dirty="0"/>
+          </a:p>
+          <a:p>
+            <a:pPr marL="0" marR="0" lvl="0" indent="0" algn="l" defTabSz="914400" rtl="0" eaLnBrk="1" fontAlgn="auto" latinLnBrk="0" hangingPunct="1">
+              <a:lnSpc>
+                <a:spcPct val="100000"/>
+              </a:lnSpc>
+              <a:spcBef>
+                <a:spcPts val="0"/>
+              </a:spcBef>
+              <a:spcAft>
+                <a:spcPts val="0"/>
+              </a:spcAft>
+              <a:buClrTx/>
+              <a:buSzTx/>
+              <a:buFontTx/>
+              <a:buNone/>
+              <a:tabLst/>
+              <a:defRPr/>
+            </a:pPr>
+            <a:endParaRPr lang="en-US" sz="1800" dirty="0"/>
+          </a:p>
+          <a:p>
+            <a:pPr marL="0" marR="0" lvl="0" indent="0" algn="l" defTabSz="914400" rtl="0" eaLnBrk="1" fontAlgn="auto" latinLnBrk="0" hangingPunct="1">
+              <a:lnSpc>
+                <a:spcPct val="100000"/>
+              </a:lnSpc>
+              <a:spcBef>
+                <a:spcPts val="0"/>
+              </a:spcBef>
+              <a:spcAft>
+                <a:spcPts val="0"/>
+              </a:spcAft>
+              <a:buClrTx/>
+              <a:buSzTx/>
+              <a:buFontTx/>
+              <a:buNone/>
+              <a:tabLst/>
+              <a:defRPr/>
+            </a:pPr>
+            <a:r>
+              <a:rPr lang="en-US" sz="1800" b="1" dirty="0"/>
+              <a:t>Concrete Decorators</a:t>
+            </a:r>
+            <a:r>
+              <a:rPr lang="en-US" sz="1800" dirty="0"/>
+              <a:t> define extra behaviors that can be added to components dynamically. </a:t>
+            </a:r>
+          </a:p>
+          <a:p>
+            <a:pPr marL="0" marR="0" lvl="0" indent="0" algn="l" defTabSz="914400" rtl="0" eaLnBrk="1" fontAlgn="auto" latinLnBrk="0" hangingPunct="1">
+              <a:lnSpc>
+                <a:spcPct val="100000"/>
+              </a:lnSpc>
+              <a:spcBef>
+                <a:spcPts val="0"/>
+              </a:spcBef>
+              <a:spcAft>
+                <a:spcPts val="0"/>
+              </a:spcAft>
+              <a:buClrTx/>
+              <a:buSzTx/>
+              <a:buFontTx/>
+              <a:buNone/>
+              <a:tabLst/>
+              <a:defRPr/>
+            </a:pPr>
+            <a:r>
+              <a:rPr lang="en-US" sz="1800" b="1" kern="1200" dirty="0">
+                <a:solidFill>
+                  <a:schemeClr val="tx1"/>
+                </a:solidFill>
+                <a:latin typeface="+mn-lt"/>
+                <a:ea typeface="+mn-ea"/>
+                <a:cs typeface="+mn-cs"/>
+              </a:rPr>
+              <a:t>Concrete </a:t>
+            </a:r>
+            <a:r>
+              <a:rPr lang="en-US" sz="1800" b="1" dirty="0"/>
+              <a:t>Decorators</a:t>
+            </a:r>
+            <a:r>
+              <a:rPr lang="en-US" sz="1800" b="1" kern="1200" dirty="0">
+                <a:solidFill>
+                  <a:schemeClr val="tx1"/>
+                </a:solidFill>
+                <a:latin typeface="+mn-lt"/>
+                <a:ea typeface="+mn-ea"/>
+                <a:cs typeface="+mn-cs"/>
+              </a:rPr>
+              <a:t> </a:t>
+            </a:r>
+            <a:r>
+              <a:rPr lang="en-US" sz="1800" dirty="0"/>
+              <a:t>override methods of the base decorator and execute their behavior either before or after calling the parent method.</a:t>
+            </a:r>
+            <a:endParaRPr lang="en-US" sz="1200" dirty="0">
+              <a:solidFill>
+                <a:srgbClr val="000000"/>
+              </a:solidFill>
+              <a:latin typeface="Cascadia Mono" panose="020B0609020000020004" pitchFamily="49" charset="0"/>
+            </a:endParaRPr>
+          </a:p>
+          <a:p>
+            <a:endParaRPr lang="en-US" sz="1800" dirty="0"/>
+          </a:p>
+        </p:txBody>
+      </p:sp>
+      <p:sp>
+        <p:nvSpPr>
+          <p:cNvPr id="4" name="Slide Number Placeholder 3"/>
+          <p:cNvSpPr>
+            <a:spLocks noGrp="1"/>
+          </p:cNvSpPr>
+          <p:nvPr>
+            <p:ph type="sldNum" sz="quarter" idx="5"/>
+          </p:nvPr>
+        </p:nvSpPr>
+        <p:spPr/>
+        <p:txBody>
+          <a:bodyPr/>
+          <a:lstStyle/>
+          <a:p>
+            <a:fld id="{3960260C-8853-4159-8854-5A6834041865}" type="slidenum">
+              <a:rPr lang="en-US" smtClean="0"/>
+              <a:t>11</a:t>
+            </a:fld>
+            <a:endParaRPr lang="en-US"/>
+          </a:p>
+        </p:txBody>
+      </p:sp>
+    </p:spTree>
+    <p:extLst>
+      <p:ext uri="{BB962C8B-B14F-4D97-AF65-F5344CB8AC3E}">
+        <p14:creationId xmlns:p14="http://schemas.microsoft.com/office/powerpoint/2010/main" val="3032899788"/>
       </p:ext>
     </p:extLst>
   </p:cSld>
@@ -5977,6 +6635,20 @@
           <a:bodyPr/>
           <a:lstStyle/>
           <a:p>
+            <a:r>
+              <a:rPr lang="en-US" b="0" dirty="0"/>
+              <a:t>Imagine that there is a </a:t>
+            </a:r>
+            <a:r>
+              <a:rPr lang="en-US" dirty="0"/>
+              <a:t>rail</a:t>
+            </a:r>
+            <a:r>
+              <a:rPr lang="en-US" b="0" dirty="0"/>
+              <a:t> in front of you, but you only have a car. How can you get to your destination?</a:t>
+            </a:r>
+          </a:p>
+          <a:p>
             <a:pPr marL="0" marR="0" lvl="0" indent="0" algn="l" defTabSz="914400" rtl="0" eaLnBrk="1" fontAlgn="auto" latinLnBrk="0" hangingPunct="1">
               <a:lnSpc>
                 <a:spcPct val="100000"/>
@@ -5996,101 +6668,8 @@
             </a:pPr>
             <a:r>
               <a:rPr lang="en-US" dirty="0"/>
-              <a:t>Depending on the implementation, it can also be divided into </a:t>
-            </a:r>
-            <a:r>
-              <a:rPr lang="en-US" sz="1200" b="1" dirty="0"/>
-              <a:t>O</a:t>
-            </a:r>
-            <a:r>
-              <a:rPr lang="en-US" altLang="zh-CN" sz="1200" b="1" dirty="0"/>
-              <a:t>bject </a:t>
-            </a:r>
-            <a:r>
-              <a:rPr lang="en-US" sz="1200" b="1" dirty="0"/>
-              <a:t>Adapter </a:t>
-            </a:r>
-            <a:r>
-              <a:rPr lang="en-US" altLang="zh-CN" sz="1200" b="0" dirty="0"/>
-              <a:t>and</a:t>
-            </a:r>
-            <a:r>
-              <a:rPr lang="en-US" altLang="zh-CN" sz="1200" b="1" dirty="0"/>
-              <a:t> </a:t>
-            </a:r>
-            <a:r>
-              <a:rPr lang="en-US" sz="1200" b="1" dirty="0"/>
-              <a:t>C</a:t>
-            </a:r>
-            <a:r>
-              <a:rPr lang="en-US" altLang="zh-CN" sz="1200" b="1" dirty="0"/>
-              <a:t>lass </a:t>
-            </a:r>
-            <a:r>
-              <a:rPr lang="en-US" sz="1200" b="1" dirty="0"/>
-              <a:t>Adapter.</a:t>
-            </a:r>
-            <a:endParaRPr lang="en-US" sz="1200" dirty="0"/>
-          </a:p>
-          <a:p>
-            <a:endParaRPr lang="en-US" dirty="0"/>
-          </a:p>
-          <a:p>
-            <a:r>
-              <a:rPr lang="en-US" dirty="0"/>
-              <a:t>The </a:t>
-            </a:r>
-            <a:r>
-              <a:rPr lang="en-US" b="1" dirty="0"/>
-              <a:t>Client Interface</a:t>
-            </a:r>
-            <a:r>
-              <a:rPr lang="en-US" dirty="0"/>
-              <a:t> describes a protocol that other classes must follow to be able to collaborate with the client code.</a:t>
-            </a:r>
-          </a:p>
-          <a:p>
-            <a:endParaRPr lang="en-US" dirty="0"/>
-          </a:p>
-          <a:p>
-            <a:r>
-              <a:rPr lang="en-US" dirty="0"/>
-              <a:t>The </a:t>
-            </a:r>
-            <a:r>
-              <a:rPr lang="en-US" b="1" dirty="0"/>
-              <a:t>Service</a:t>
-            </a:r>
-            <a:r>
-              <a:rPr lang="en-US" dirty="0"/>
-              <a:t> is some useful class (usually 3rd-party or legacy). The client can’t use this class directly because it has an incompatible interface.</a:t>
-            </a:r>
-          </a:p>
-          <a:p>
-            <a:endParaRPr lang="en-US" dirty="0"/>
-          </a:p>
-          <a:p>
-            <a:r>
-              <a:rPr lang="en-US" dirty="0"/>
-              <a:t>The </a:t>
-            </a:r>
-            <a:r>
-              <a:rPr lang="en-US" b="1" dirty="0"/>
-              <a:t>Adapter</a:t>
-            </a:r>
-            <a:r>
-              <a:rPr lang="en-US" dirty="0"/>
-              <a:t> is a class that’s able to work with both the client and the service: it implements the client interface, while wrapping the service object. </a:t>
-            </a:r>
-          </a:p>
-          <a:p>
-            <a:r>
-              <a:rPr lang="en-US" dirty="0"/>
-              <a:t>The adapter receives calls from the client via the adapter interface and translates them into calls to the wrapped service object in a format it can understand.</a:t>
-            </a:r>
-          </a:p>
-          <a:p>
-            <a:endParaRPr lang="en-US" dirty="0"/>
+              <a:t>As you can see in the picture, we may need a “Car to Rail Adapter”.</a:t>
+            </a:r>
           </a:p>
           <a:p>
             <a:pPr marL="0" marR="0" lvl="0" indent="0" algn="l" defTabSz="914400" rtl="0" eaLnBrk="1" fontAlgn="auto" latinLnBrk="0" hangingPunct="1">
@@ -6110,7 +6689,65 @@
               <a:tabLst/>
               <a:defRPr/>
             </a:pPr>
-            <a:endParaRPr lang="en-US" sz="1200" dirty="0"/>
+            <a:r>
+              <a:rPr lang="en-US" b="1" dirty="0"/>
+              <a:t>Adapter</a:t>
+            </a:r>
+            <a:r>
+              <a:rPr lang="en-US" dirty="0"/>
+              <a:t> allows objects with incompatible interfaces to collaborate.</a:t>
+            </a:r>
+          </a:p>
+          <a:p>
+            <a:pPr marL="0" marR="0" lvl="0" indent="0" algn="l" defTabSz="914400" rtl="0" eaLnBrk="1" fontAlgn="auto" latinLnBrk="0" hangingPunct="1">
+              <a:lnSpc>
+                <a:spcPct val="100000"/>
+              </a:lnSpc>
+              <a:spcBef>
+                <a:spcPts val="0"/>
+              </a:spcBef>
+              <a:spcAft>
+                <a:spcPts val="0"/>
+              </a:spcAft>
+              <a:buClrTx/>
+              <a:buSzTx/>
+              <a:buFontTx/>
+              <a:buNone/>
+              <a:tabLst/>
+              <a:defRPr/>
+            </a:pPr>
+            <a:endParaRPr lang="en-US" dirty="0"/>
+          </a:p>
+          <a:p>
+            <a:pPr marL="0" marR="0" lvl="0" indent="0" algn="l" defTabSz="914400" rtl="0" eaLnBrk="1" fontAlgn="auto" latinLnBrk="0" hangingPunct="1">
+              <a:lnSpc>
+                <a:spcPct val="100000"/>
+              </a:lnSpc>
+              <a:spcBef>
+                <a:spcPts val="0"/>
+              </a:spcBef>
+              <a:spcAft>
+                <a:spcPts val="0"/>
+              </a:spcAft>
+              <a:buClrTx/>
+              <a:buSzTx/>
+              <a:buFontTx/>
+              <a:buNone/>
+              <a:tabLst/>
+              <a:defRPr/>
+            </a:pPr>
+            <a:r>
+              <a:rPr lang="en-US" dirty="0"/>
+              <a:t>So </a:t>
+            </a:r>
+            <a:r>
+              <a:rPr lang="en-US"/>
+              <a:t>how can </a:t>
+            </a:r>
+            <a:r>
+              <a:rPr lang="en-US" dirty="0"/>
+              <a:t>we implement it in actual code? Let's take a look at the example.</a:t>
+            </a:r>
           </a:p>
           <a:p>
             <a:endParaRPr lang="en-US" dirty="0"/>
@@ -6134,7 +6771,7 @@
           <a:p>
             <a:fld id="{3960260C-8853-4159-8854-5A6834041865}" type="slidenum">
               <a:rPr lang="en-US" smtClean="0"/>
-              <a:t>3</a:t>
+              <a:t>2</a:t>
             </a:fld>
             <a:endParaRPr lang="en-US"/>
           </a:p>
@@ -6143,7 +6780,7 @@
     </p:spTree>
     <p:extLst>
       <p:ext uri="{BB962C8B-B14F-4D97-AF65-F5344CB8AC3E}">
-        <p14:creationId xmlns:p14="http://schemas.microsoft.com/office/powerpoint/2010/main" val="288071428"/>
+        <p14:creationId xmlns:p14="http://schemas.microsoft.com/office/powerpoint/2010/main" val="1113268360"/>
       </p:ext>
     </p:extLst>
   </p:cSld>
@@ -6197,13 +6834,76 @@
           <a:bodyPr/>
           <a:lstStyle/>
           <a:p>
+            <a:pPr marL="0" marR="0" lvl="0" indent="0" algn="l" defTabSz="914400" rtl="0" eaLnBrk="1" fontAlgn="auto" latinLnBrk="0" hangingPunct="1">
+              <a:lnSpc>
+                <a:spcPct val="100000"/>
+              </a:lnSpc>
+              <a:spcBef>
+                <a:spcPts val="0"/>
+              </a:spcBef>
+              <a:spcAft>
+                <a:spcPts val="0"/>
+              </a:spcAft>
+              <a:buClrTx/>
+              <a:buSzTx/>
+              <a:buFontTx/>
+              <a:buNone/>
+              <a:tabLst/>
+              <a:defRPr/>
+            </a:pPr>
+            <a:r>
+              <a:rPr lang="en-US" dirty="0"/>
+              <a:t>Depending on the implementation, it can also be divided into </a:t>
+            </a:r>
+            <a:r>
+              <a:rPr lang="en-US" sz="1200" b="1" dirty="0"/>
+              <a:t>O</a:t>
+            </a:r>
+            <a:r>
+              <a:rPr lang="en-US" altLang="zh-CN" sz="1200" b="1" dirty="0"/>
+              <a:t>bject </a:t>
+            </a:r>
+            <a:r>
+              <a:rPr lang="en-US" sz="1200" b="1" dirty="0"/>
+              <a:t>Adapter </a:t>
+            </a:r>
+            <a:r>
+              <a:rPr lang="en-US" altLang="zh-CN" sz="1200" b="0" dirty="0"/>
+              <a:t>and</a:t>
+            </a:r>
+            <a:r>
+              <a:rPr lang="en-US" altLang="zh-CN" sz="1200" b="1" dirty="0"/>
+              <a:t> </a:t>
+            </a:r>
+            <a:r>
+              <a:rPr lang="en-US" sz="1200" b="1" dirty="0"/>
+              <a:t>C</a:t>
+            </a:r>
+            <a:r>
+              <a:rPr lang="en-US" altLang="zh-CN" sz="1200" b="1" dirty="0"/>
+              <a:t>lass </a:t>
+            </a:r>
+            <a:r>
+              <a:rPr lang="en-US" sz="1200" b="1" dirty="0"/>
+              <a:t>Adapter.</a:t>
+            </a:r>
+            <a:endParaRPr lang="en-US" sz="1200" dirty="0"/>
+          </a:p>
+          <a:p>
+            <a:endParaRPr lang="en-US" dirty="0"/>
+          </a:p>
+          <a:p>
+            <a:r>
+              <a:rPr lang="en-US" dirty="0"/>
+              <a:t>The </a:t>
+            </a:r>
             <a:r>
               <a:rPr lang="en-US" b="1" dirty="0"/>
-              <a:t>Facade</a:t>
+              <a:t>Client Interface</a:t>
             </a:r>
             <a:r>
               <a:rPr lang="en-US" dirty="0"/>
-              <a:t> is a structural design pattern that provides a simplified interface to a library, a framework, or any other complex set of classes.</a:t>
+              <a:t> describes a protocol that other classes must follow to be able to collaborate with the client code.</a:t>
             </a:r>
           </a:p>
           <a:p>
@@ -6212,20 +6912,62 @@
           <a:p>
             <a:r>
               <a:rPr lang="en-US" dirty="0"/>
-              <a:t>Imagine that you must make your code work with a broad set of objects that belong to a sophisticated library or framework. </a:t>
-            </a:r>
-          </a:p>
-          <a:p>
+              <a:t>The </a:t>
+            </a:r>
+            <a:r>
+              <a:rPr lang="en-US" b="1" dirty="0"/>
+              <a:t>Service</a:t>
+            </a:r>
             <a:r>
               <a:rPr lang="en-US" dirty="0"/>
-              <a:t>Ordinarily, you’d need to initialize all those objects, keep track of dependencies, execute methods in the correct order, and so on.</a:t>
-            </a:r>
+              <a:t> is some useful class (usually 3rd-party or legacy). The client can’t use this class directly because it has an incompatible interface.</a:t>
+            </a:r>
+          </a:p>
+          <a:p>
+            <a:endParaRPr lang="en-US" dirty="0"/>
           </a:p>
           <a:p>
             <a:r>
               <a:rPr lang="en-US" dirty="0"/>
-              <a:t>As a result, the business logic of your classes would become tightly coupled to the implementation details of 3rd-party classes, making it hard to comprehend and maintain.</a:t>
-            </a:r>
+              <a:t>The </a:t>
+            </a:r>
+            <a:r>
+              <a:rPr lang="en-US" b="1" dirty="0"/>
+              <a:t>Adapter</a:t>
+            </a:r>
+            <a:r>
+              <a:rPr lang="en-US" dirty="0"/>
+              <a:t> is a class that’s able to work with both the client and the service: it implements the client interface, while wrapping the service object. </a:t>
+            </a:r>
+          </a:p>
+          <a:p>
+            <a:r>
+              <a:rPr lang="en-US" dirty="0"/>
+              <a:t>The adapter receives calls from the client via the adapter interface and translates them into calls to the wrapped service object in a format it can understand.</a:t>
+            </a:r>
+          </a:p>
+          <a:p>
+            <a:endParaRPr lang="en-US" dirty="0"/>
+          </a:p>
+          <a:p>
+            <a:pPr marL="0" marR="0" lvl="0" indent="0" algn="l" defTabSz="914400" rtl="0" eaLnBrk="1" fontAlgn="auto" latinLnBrk="0" hangingPunct="1">
+              <a:lnSpc>
+                <a:spcPct val="100000"/>
+              </a:lnSpc>
+              <a:spcBef>
+                <a:spcPts val="0"/>
+              </a:spcBef>
+              <a:spcAft>
+                <a:spcPts val="0"/>
+              </a:spcAft>
+              <a:buClrTx/>
+              <a:buSzTx/>
+              <a:buFontTx/>
+              <a:buNone/>
+              <a:tabLst/>
+              <a:defRPr/>
+            </a:pPr>
+            <a:endParaRPr lang="en-US" sz="1200" dirty="0"/>
           </a:p>
           <a:p>
             <a:endParaRPr lang="en-US" dirty="0"/>
@@ -6249,7 +6991,7 @@
           <a:p>
             <a:fld id="{3960260C-8853-4159-8854-5A6834041865}" type="slidenum">
               <a:rPr lang="en-US" smtClean="0"/>
-              <a:t>4</a:t>
+              <a:t>3</a:t>
             </a:fld>
             <a:endParaRPr lang="en-US"/>
           </a:p>
@@ -6258,7 +7000,7 @@
     </p:spTree>
     <p:extLst>
       <p:ext uri="{BB962C8B-B14F-4D97-AF65-F5344CB8AC3E}">
-        <p14:creationId xmlns:p14="http://schemas.microsoft.com/office/powerpoint/2010/main" val="976043851"/>
+        <p14:creationId xmlns:p14="http://schemas.microsoft.com/office/powerpoint/2010/main" val="288071428"/>
       </p:ext>
     </p:extLst>
   </p:cSld>
@@ -6313,16 +7055,12 @@
           <a:lstStyle/>
           <a:p>
             <a:r>
-              <a:rPr lang="en-US" dirty="0"/>
-              <a:t>The </a:t>
-            </a:r>
-            <a:r>
               <a:rPr lang="en-US" b="1" dirty="0"/>
               <a:t>Facade</a:t>
             </a:r>
             <a:r>
               <a:rPr lang="en-US" dirty="0"/>
-              <a:t> provides convenient access to a particular part of the subsystem’s functionality. It knows where to direct the client’s request and how to operate all the moving parts.</a:t>
+              <a:t> is a structural design pattern that provides a simplified interface to a library, a framework, or any other complex set of classes.</a:t>
             </a:r>
           </a:p>
           <a:p>
@@ -6331,50 +7069,19 @@
           <a:p>
             <a:r>
               <a:rPr lang="en-US" dirty="0"/>
-              <a:t>The </a:t>
-            </a:r>
-            <a:r>
-              <a:rPr lang="en-US" b="1" dirty="0"/>
-              <a:t>Complex Subsystem</a:t>
-            </a:r>
+              <a:t>Imagine that you must make your code work with a broad set of objects that belong to a sophisticated library or framework. </a:t>
+            </a:r>
+          </a:p>
+          <a:p>
             <a:r>
               <a:rPr lang="en-US" dirty="0"/>
-              <a:t> consists of dozens of various objects. </a:t>
+              <a:t>Ordinarily, you’d need to initialize all those objects, keep track of dependencies, execute methods in the correct order, and so on.</a:t>
             </a:r>
           </a:p>
           <a:p>
             <a:r>
               <a:rPr lang="en-US" dirty="0"/>
-              <a:t>To make them all do something meaningful, you must dive deep into the subsystem’s implementation details, such as initializing objects in the correct order and supplying them with data in the proper format.</a:t>
-            </a:r>
-          </a:p>
-          <a:p>
-            <a:r>
-              <a:rPr lang="en-US" dirty="0"/>
-              <a:t>Subsystem classes aren’t aware of the facade’s existence. They operate within the system and work with each other directly.</a:t>
-            </a:r>
-          </a:p>
-          <a:p>
-            <a:endParaRPr lang="en-US" dirty="0"/>
-          </a:p>
-          <a:p>
-            <a:r>
-              <a:rPr lang="en-US" dirty="0"/>
-              <a:t>An </a:t>
-            </a:r>
-            <a:r>
-              <a:rPr lang="en-US" b="1" dirty="0"/>
-              <a:t>Additional Facade</a:t>
-            </a:r>
-            <a:r>
-              <a:rPr lang="en-US" dirty="0"/>
-              <a:t> class can be created to prevent polluting a single facade with unrelated features that might make it another complex structure. </a:t>
-            </a:r>
-          </a:p>
-          <a:p>
-            <a:r>
-              <a:rPr lang="en-US" dirty="0"/>
-              <a:t>Additional facades can be used by both clients and other facades.</a:t>
+              <a:t>As a result, the business logic of your classes would become tightly coupled to the implementation details of 3rd-party classes, making it hard to comprehend and maintain.</a:t>
             </a:r>
           </a:p>
           <a:p>
@@ -6399,7 +7106,7 @@
           <a:p>
             <a:fld id="{3960260C-8853-4159-8854-5A6834041865}" type="slidenum">
               <a:rPr lang="en-US" smtClean="0"/>
-              <a:t>5</a:t>
+              <a:t>4</a:t>
             </a:fld>
             <a:endParaRPr lang="en-US"/>
           </a:p>
@@ -6408,7 +7115,7 @@
     </p:spTree>
     <p:extLst>
       <p:ext uri="{BB962C8B-B14F-4D97-AF65-F5344CB8AC3E}">
-        <p14:creationId xmlns:p14="http://schemas.microsoft.com/office/powerpoint/2010/main" val="3520714539"/>
+        <p14:creationId xmlns:p14="http://schemas.microsoft.com/office/powerpoint/2010/main" val="976043851"/>
       </p:ext>
     </p:extLst>
   </p:cSld>
@@ -6463,18 +7170,45 @@
           <a:lstStyle/>
           <a:p>
             <a:r>
+              <a:rPr lang="en-US" dirty="0"/>
+              <a:t>The </a:t>
+            </a:r>
+            <a:r>
               <a:rPr lang="en-US" b="1" dirty="0"/>
-              <a:t>Proxy</a:t>
+              <a:t>Facade</a:t>
             </a:r>
             <a:r>
               <a:rPr lang="en-US" dirty="0"/>
-              <a:t> is a structural design pattern that lets you provide a substitute or placeholder for another object. </a:t>
-            </a:r>
+              <a:t> provides convenient access to a particular part of the subsystem’s functionality. It knows where to direct the client’s request and how to operate all the moving parts.</a:t>
+            </a:r>
+          </a:p>
+          <a:p>
+            <a:endParaRPr lang="en-US" dirty="0"/>
           </a:p>
           <a:p>
             <a:r>
               <a:rPr lang="en-US" dirty="0"/>
-              <a:t>A proxy controls access to the original object, allowing you to perform something either before or after the request gets through to the original object.</a:t>
+              <a:t>The </a:t>
+            </a:r>
+            <a:r>
+              <a:rPr lang="en-US" b="1" dirty="0"/>
+              <a:t>Complex Subsystem</a:t>
+            </a:r>
+            <a:r>
+              <a:rPr lang="en-US" dirty="0"/>
+              <a:t> consists of dozens of various objects. </a:t>
+            </a:r>
+          </a:p>
+          <a:p>
+            <a:r>
+              <a:rPr lang="en-US" dirty="0"/>
+              <a:t>To make them all do something meaningful, you must dive deep into the subsystem’s implementation details, such as initializing objects in the correct order and supplying them with data in the proper format.</a:t>
+            </a:r>
+          </a:p>
+          <a:p>
+            <a:r>
+              <a:rPr lang="en-US" dirty="0"/>
+              <a:t>Subsystem classes aren’t aware of the facade’s existence. They operate within the system and work with each other directly.</a:t>
             </a:r>
           </a:p>
         </p:txBody>
@@ -6496,7 +7230,7 @@
           <a:p>
             <a:fld id="{3960260C-8853-4159-8854-5A6834041865}" type="slidenum">
               <a:rPr lang="en-US" smtClean="0"/>
-              <a:t>6</a:t>
+              <a:t>5</a:t>
             </a:fld>
             <a:endParaRPr lang="en-US"/>
           </a:p>
@@ -6505,7 +7239,7 @@
     </p:spTree>
     <p:extLst>
       <p:ext uri="{BB962C8B-B14F-4D97-AF65-F5344CB8AC3E}">
-        <p14:creationId xmlns:p14="http://schemas.microsoft.com/office/powerpoint/2010/main" val="2830808032"/>
+        <p14:creationId xmlns:p14="http://schemas.microsoft.com/office/powerpoint/2010/main" val="3520714539"/>
       </p:ext>
     </p:extLst>
   </p:cSld>
@@ -6560,66 +7294,19 @@
           <a:lstStyle/>
           <a:p>
             <a:r>
-              <a:rPr lang="en-US" dirty="0"/>
-              <a:t>The </a:t>
-            </a:r>
-            <a:r>
-              <a:rPr lang="en-US" b="1" dirty="0"/>
-              <a:t>Service Interface</a:t>
-            </a:r>
-            <a:r>
-              <a:rPr lang="en-US" dirty="0"/>
-              <a:t> declares the interface of the Service. The proxy must follow this interface to be able to disguise itself as a service object.</a:t>
-            </a:r>
-          </a:p>
-          <a:p>
-            <a:endParaRPr lang="en-US" dirty="0"/>
-          </a:p>
-          <a:p>
-            <a:r>
-              <a:rPr lang="en-US" dirty="0"/>
-              <a:t>The </a:t>
-            </a:r>
-            <a:r>
-              <a:rPr lang="en-US" b="1" dirty="0"/>
-              <a:t>Service</a:t>
-            </a:r>
-            <a:r>
-              <a:rPr lang="en-US" dirty="0"/>
-              <a:t> is a class that provides some useful business logic.</a:t>
-            </a:r>
-          </a:p>
-          <a:p>
-            <a:endParaRPr lang="en-US" dirty="0"/>
-          </a:p>
-          <a:p>
-            <a:r>
-              <a:rPr lang="en-US" dirty="0"/>
-              <a:t>The </a:t>
-            </a:r>
-            <a:r>
               <a:rPr lang="en-US" b="1" dirty="0"/>
               <a:t>Proxy</a:t>
             </a:r>
             <a:r>
               <a:rPr lang="en-US" dirty="0"/>
-              <a:t> class has a reference field that points to a service object. </a:t>
+              <a:t> is a structural design pattern that lets you provide a substitute or placeholder for another object. </a:t>
             </a:r>
           </a:p>
           <a:p>
             <a:r>
               <a:rPr lang="en-US" dirty="0"/>
-              <a:t>After the proxy finishes its processing (e.g., lazy initialization, logging, access control, caching, etc.), it passes the request to the service object.</a:t>
-            </a:r>
-          </a:p>
-          <a:p>
-            <a:r>
-              <a:rPr lang="en-US" dirty="0"/>
-              <a:t>Usually, proxies manage the full lifecycle of their service objects.</a:t>
-            </a:r>
-          </a:p>
-          <a:p>
-            <a:endParaRPr lang="en-US" dirty="0"/>
+              <a:t>A proxy controls access to the original object, allowing you to perform something either before or after the request gets through to the original object.</a:t>
+            </a:r>
           </a:p>
         </p:txBody>
       </p:sp>
@@ -6640,7 +7327,7 @@
           <a:p>
             <a:fld id="{3960260C-8853-4159-8854-5A6834041865}" type="slidenum">
               <a:rPr lang="en-US" smtClean="0"/>
-              <a:t>7</a:t>
+              <a:t>6</a:t>
             </a:fld>
             <a:endParaRPr lang="en-US"/>
           </a:p>
@@ -6649,7 +7336,7 @@
     </p:spTree>
     <p:extLst>
       <p:ext uri="{BB962C8B-B14F-4D97-AF65-F5344CB8AC3E}">
-        <p14:creationId xmlns:p14="http://schemas.microsoft.com/office/powerpoint/2010/main" val="3283522435"/>
+        <p14:creationId xmlns:p14="http://schemas.microsoft.com/office/powerpoint/2010/main" val="2830808032"/>
       </p:ext>
     </p:extLst>
   </p:cSld>
@@ -6704,39 +7391,66 @@
           <a:lstStyle/>
           <a:p>
             <a:r>
+              <a:rPr lang="en-US" dirty="0"/>
+              <a:t>The </a:t>
+            </a:r>
+            <a:r>
               <a:rPr lang="en-US" b="1" dirty="0"/>
-              <a:t>Bridge</a:t>
+              <a:t>Service Interface</a:t>
             </a:r>
             <a:r>
               <a:rPr lang="en-US" dirty="0"/>
-              <a:t> is a structural design pattern that lets you split a large class or a set of closely related classes into two separate hierarchies—abstraction and </a:t>
-            </a:r>
-            <a:r>
-              <a:rPr lang="en-US"/>
-              <a:t>implementation—</a:t>
-            </a:r>
-          </a:p>
-          <a:p>
-            <a:r>
-              <a:rPr lang="en-US"/>
-              <a:t>which </a:t>
-            </a:r>
+              <a:t> declares the interface of the Service. The proxy must follow this interface to be able to disguise itself as a service object.</a:t>
+            </a:r>
+          </a:p>
+          <a:p>
+            <a:endParaRPr lang="en-US" dirty="0"/>
+          </a:p>
+          <a:p>
             <a:r>
               <a:rPr lang="en-US" dirty="0"/>
-              <a:t>can be developed independently of each other.</a:t>
+              <a:t>The </a:t>
+            </a:r>
+            <a:r>
+              <a:rPr lang="en-US" b="1" dirty="0"/>
+              <a:t>Service</a:t>
+            </a:r>
+            <a:r>
+              <a:rPr lang="en-US" dirty="0"/>
+              <a:t> is a class that provides some useful business logic.</a:t>
             </a:r>
           </a:p>
           <a:p>
             <a:endParaRPr lang="en-US" dirty="0"/>
           </a:p>
           <a:p>
+            <a:r>
+              <a:rPr lang="en-US" dirty="0"/>
+              <a:t>The </a:t>
+            </a:r>
+            <a:r>
+              <a:rPr lang="en-US" b="1" dirty="0"/>
+              <a:t>Proxy</a:t>
+            </a:r>
+            <a:r>
+              <a:rPr lang="en-US" dirty="0"/>
+              <a:t> class has a reference field that points to a service object. </a:t>
+            </a:r>
+          </a:p>
+          <a:p>
+            <a:r>
+              <a:rPr lang="en-US" dirty="0"/>
+              <a:t>After the proxy finishes its processing (e.g., lazy initialization, logging, access control, caching, etc.), it passes the request to the service object.</a:t>
+            </a:r>
+          </a:p>
+          <a:p>
+            <a:r>
+              <a:rPr lang="en-US" dirty="0"/>
+              <a:t>Usually, proxies manage the full lifecycle of their service objects.</a:t>
+            </a:r>
+          </a:p>
+          <a:p>
             <a:endParaRPr lang="en-US" dirty="0"/>
-          </a:p>
-          <a:p>
-            <a:r>
-              <a:rPr lang="en-US" dirty="0"/>
-              <a:t>Different implementations are interchangeable as long as they follow a common interface.</a:t>
-            </a:r>
           </a:p>
         </p:txBody>
       </p:sp>
@@ -6757,7 +7471,7 @@
           <a:p>
             <a:fld id="{3960260C-8853-4159-8854-5A6834041865}" type="slidenum">
               <a:rPr lang="en-US" smtClean="0"/>
-              <a:t>8</a:t>
+              <a:t>7</a:t>
             </a:fld>
             <a:endParaRPr lang="en-US"/>
           </a:p>
@@ -6766,7 +7480,7 @@
     </p:spTree>
     <p:extLst>
       <p:ext uri="{BB962C8B-B14F-4D97-AF65-F5344CB8AC3E}">
-        <p14:creationId xmlns:p14="http://schemas.microsoft.com/office/powerpoint/2010/main" val="3524886519"/>
+        <p14:creationId xmlns:p14="http://schemas.microsoft.com/office/powerpoint/2010/main" val="3283522435"/>
       </p:ext>
     </p:extLst>
   </p:cSld>
@@ -6822,44 +7536,37 @@
           <a:p>
             <a:r>
               <a:rPr lang="en-US" b="1" dirty="0"/>
-              <a:t>Decorator</a:t>
+              <a:t>Bridge</a:t>
             </a:r>
             <a:r>
               <a:rPr lang="en-US" dirty="0"/>
-              <a:t> is a structural design pattern that lets you attach new behaviors to objects by placing these objects inside special wrapper objects that contain the behaviors.</a:t>
+              <a:t> is a structural design pattern that lets you split a large class or a set of closely related classes into two separate hierarchies—abstraction and </a:t>
+            </a:r>
+            <a:r>
+              <a:rPr lang="en-US"/>
+              <a:t>implementation—</a:t>
+            </a:r>
+          </a:p>
+          <a:p>
+            <a:r>
+              <a:rPr lang="en-US"/>
+              <a:t>which </a:t>
+            </a:r>
+            <a:r>
+              <a:rPr lang="en-US" dirty="0"/>
+              <a:t>can be developed independently of each other.</a:t>
             </a:r>
           </a:p>
           <a:p>
             <a:endParaRPr lang="en-US" dirty="0"/>
           </a:p>
           <a:p>
+            <a:endParaRPr lang="en-US" dirty="0"/>
+          </a:p>
+          <a:p>
             <a:r>
               <a:rPr lang="en-US" dirty="0"/>
-              <a:t>Wearing clothes is an example of using decorators. </a:t>
-            </a:r>
-          </a:p>
-          <a:p>
-            <a:r>
-              <a:rPr lang="en-US" dirty="0"/>
-              <a:t>When you’re cold, you wrap yourself in a sweater. </a:t>
-            </a:r>
-          </a:p>
-          <a:p>
-            <a:r>
-              <a:rPr lang="en-US" dirty="0"/>
-              <a:t>If you’re still cold with a sweater, you can wear a jacket on top. </a:t>
-            </a:r>
-          </a:p>
-          <a:p>
-            <a:r>
-              <a:rPr lang="en-US" dirty="0"/>
-              <a:t>If it’s raining, you can put on a raincoat. </a:t>
-            </a:r>
-          </a:p>
-          <a:p>
-            <a:r>
-              <a:rPr lang="en-US" dirty="0"/>
-              <a:t>All these garments “extend” your basic behavior but aren’t part of you, and you can easily take off any piece of clothing whenever you don’t need it.</a:t>
+              <a:t>Different implementations are interchangeable as long as they follow a common interface.</a:t>
             </a:r>
           </a:p>
         </p:txBody>
@@ -6881,7 +7588,7 @@
           <a:p>
             <a:fld id="{3960260C-8853-4159-8854-5A6834041865}" type="slidenum">
               <a:rPr lang="en-US" smtClean="0"/>
-              <a:t>10</a:t>
+              <a:t>8</a:t>
             </a:fld>
             <a:endParaRPr lang="en-US"/>
           </a:p>
@@ -6890,7 +7597,7 @@
     </p:spTree>
     <p:extLst>
       <p:ext uri="{BB962C8B-B14F-4D97-AF65-F5344CB8AC3E}">
-        <p14:creationId xmlns:p14="http://schemas.microsoft.com/office/powerpoint/2010/main" val="1414819557"/>
+        <p14:creationId xmlns:p14="http://schemas.microsoft.com/office/powerpoint/2010/main" val="3524886519"/>
       </p:ext>
     </p:extLst>
   </p:cSld>
@@ -6944,270 +7651,47 @@
           <a:bodyPr/>
           <a:lstStyle/>
           <a:p>
-            <a:pPr marL="0" marR="0" lvl="0" indent="0" algn="l" defTabSz="914400" rtl="0" eaLnBrk="1" fontAlgn="auto" latinLnBrk="0" hangingPunct="1">
-              <a:lnSpc>
-                <a:spcPct val="100000"/>
-              </a:lnSpc>
-              <a:spcBef>
-                <a:spcPts val="0"/>
-              </a:spcBef>
-              <a:spcAft>
-                <a:spcPts val="0"/>
-              </a:spcAft>
-              <a:buClrTx/>
-              <a:buSzTx/>
-              <a:buFontTx/>
-              <a:buNone/>
-              <a:tabLst/>
-              <a:defRPr/>
-            </a:pPr>
-            <a:r>
-              <a:rPr lang="en-US" sz="2800" dirty="0"/>
-              <a:t>The </a:t>
-            </a:r>
-            <a:r>
-              <a:rPr lang="en-US" sz="2800" b="1" dirty="0"/>
-              <a:t>Component</a:t>
-            </a:r>
-            <a:r>
-              <a:rPr lang="en-US" sz="2800" dirty="0"/>
-              <a:t> declares the common interface for both wrappers and wrapped objects.</a:t>
-            </a:r>
-          </a:p>
-          <a:p>
-            <a:pPr marL="0" marR="0" lvl="0" indent="0" algn="l" defTabSz="914400" rtl="0" eaLnBrk="1" fontAlgn="auto" latinLnBrk="0" hangingPunct="1">
-              <a:lnSpc>
-                <a:spcPct val="100000"/>
-              </a:lnSpc>
-              <a:spcBef>
-                <a:spcPts val="0"/>
-              </a:spcBef>
-              <a:spcAft>
-                <a:spcPts val="0"/>
-              </a:spcAft>
-              <a:buClrTx/>
-              <a:buSzTx/>
-              <a:buFontTx/>
-              <a:buNone/>
-              <a:tabLst/>
-              <a:defRPr/>
-            </a:pPr>
-            <a:endParaRPr lang="en-US" sz="1800" b="1" dirty="0"/>
-          </a:p>
-          <a:p>
-            <a:pPr marL="0" marR="0" lvl="0" indent="0" algn="l" defTabSz="914400" rtl="0" eaLnBrk="1" fontAlgn="auto" latinLnBrk="0" hangingPunct="1">
-              <a:lnSpc>
-                <a:spcPct val="100000"/>
-              </a:lnSpc>
-              <a:spcBef>
-                <a:spcPts val="0"/>
-              </a:spcBef>
-              <a:spcAft>
-                <a:spcPts val="0"/>
-              </a:spcAft>
-              <a:buClrTx/>
-              <a:buSzTx/>
-              <a:buFontTx/>
-              <a:buNone/>
-              <a:tabLst/>
-              <a:defRPr/>
-            </a:pPr>
-            <a:r>
-              <a:rPr lang="en-US" sz="1800" b="1" dirty="0"/>
-              <a:t>Concrete Component</a:t>
-            </a:r>
-            <a:r>
-              <a:rPr lang="en-US" sz="1800" dirty="0"/>
-              <a:t> is a class of objects being wrapped. It defines the basic behavior, which can be altered by decorators.</a:t>
-            </a:r>
-          </a:p>
-          <a:p>
-            <a:pPr marL="0" marR="0" lvl="0" indent="0" algn="l" defTabSz="914400" rtl="0" eaLnBrk="1" fontAlgn="auto" latinLnBrk="0" hangingPunct="1">
-              <a:lnSpc>
-                <a:spcPct val="100000"/>
-              </a:lnSpc>
-              <a:spcBef>
-                <a:spcPts val="0"/>
-              </a:spcBef>
-              <a:spcAft>
-                <a:spcPts val="0"/>
-              </a:spcAft>
-              <a:buClrTx/>
-              <a:buSzTx/>
-              <a:buFontTx/>
-              <a:buNone/>
-              <a:tabLst/>
-              <a:defRPr/>
-            </a:pPr>
-            <a:endParaRPr lang="en-US" sz="1800" dirty="0"/>
-          </a:p>
-          <a:p>
-            <a:pPr marL="0" marR="0" lvl="0" indent="0" algn="l" defTabSz="914400" rtl="0" eaLnBrk="1" fontAlgn="auto" latinLnBrk="0" hangingPunct="1">
-              <a:lnSpc>
-                <a:spcPct val="100000"/>
-              </a:lnSpc>
-              <a:spcBef>
-                <a:spcPts val="0"/>
-              </a:spcBef>
-              <a:spcAft>
-                <a:spcPts val="0"/>
-              </a:spcAft>
-              <a:buClrTx/>
-              <a:buSzTx/>
-              <a:buFontTx/>
-              <a:buNone/>
-              <a:tabLst/>
-              <a:defRPr/>
-            </a:pPr>
-            <a:r>
-              <a:rPr lang="en-US" sz="2800" dirty="0"/>
-              <a:t>The </a:t>
-            </a:r>
-            <a:r>
-              <a:rPr lang="en-US" sz="2800" b="1" dirty="0"/>
-              <a:t>Base Decorator</a:t>
-            </a:r>
-            <a:r>
-              <a:rPr lang="en-US" sz="2800" dirty="0"/>
-              <a:t> class has a field for referencing a wrapped object. The field’s type should be declared as the component interface so it can contain both concrete components and decorators. </a:t>
-            </a:r>
-          </a:p>
-          <a:p>
-            <a:pPr marL="0" marR="0" lvl="0" indent="0" algn="l" defTabSz="914400" rtl="0" eaLnBrk="1" fontAlgn="auto" latinLnBrk="0" hangingPunct="1">
-              <a:lnSpc>
-                <a:spcPct val="100000"/>
-              </a:lnSpc>
-              <a:spcBef>
-                <a:spcPts val="0"/>
-              </a:spcBef>
-              <a:spcAft>
-                <a:spcPts val="0"/>
-              </a:spcAft>
-              <a:buClrTx/>
-              <a:buSzTx/>
-              <a:buFontTx/>
-              <a:buNone/>
-              <a:tabLst/>
-              <a:defRPr/>
-            </a:pPr>
-            <a:r>
-              <a:rPr lang="en-US" sz="2800" dirty="0"/>
-              <a:t>The </a:t>
-            </a:r>
-            <a:r>
-              <a:rPr lang="en-US" sz="2800" b="1" dirty="0"/>
-              <a:t>Base Decorator</a:t>
-            </a:r>
-            <a:r>
-              <a:rPr lang="en-US" sz="2800" dirty="0"/>
-              <a:t> delegates all operations to the wrapped object.</a:t>
-            </a:r>
-            <a:endParaRPr lang="en-US" sz="1800" dirty="0"/>
-          </a:p>
-          <a:p>
-            <a:pPr marL="0" marR="0" lvl="0" indent="0" algn="l" defTabSz="914400" rtl="0" eaLnBrk="1" fontAlgn="auto" latinLnBrk="0" hangingPunct="1">
-              <a:lnSpc>
-                <a:spcPct val="100000"/>
-              </a:lnSpc>
-              <a:spcBef>
-                <a:spcPts val="0"/>
-              </a:spcBef>
-              <a:spcAft>
-                <a:spcPts val="0"/>
-              </a:spcAft>
-              <a:buClrTx/>
-              <a:buSzTx/>
-              <a:buFontTx/>
-              <a:buNone/>
-              <a:tabLst/>
-              <a:defRPr/>
-            </a:pPr>
-            <a:endParaRPr lang="en-US" sz="1800" dirty="0"/>
-          </a:p>
-          <a:p>
-            <a:pPr marL="0" marR="0" lvl="0" indent="0" algn="l" defTabSz="914400" rtl="0" eaLnBrk="1" fontAlgn="auto" latinLnBrk="0" hangingPunct="1">
-              <a:lnSpc>
-                <a:spcPct val="100000"/>
-              </a:lnSpc>
-              <a:spcBef>
-                <a:spcPts val="0"/>
-              </a:spcBef>
-              <a:spcAft>
-                <a:spcPts val="0"/>
-              </a:spcAft>
-              <a:buClrTx/>
-              <a:buSzTx/>
-              <a:buFontTx/>
-              <a:buNone/>
-              <a:tabLst/>
-              <a:defRPr/>
-            </a:pPr>
-            <a:r>
-              <a:rPr lang="en-US" sz="1800" b="1" dirty="0"/>
-              <a:t>Concrete Decorators</a:t>
-            </a:r>
-            <a:r>
-              <a:rPr lang="en-US" sz="1800" dirty="0"/>
-              <a:t> define extra behaviors that can be added to components dynamically. </a:t>
-            </a:r>
-          </a:p>
-          <a:p>
-            <a:pPr marL="0" marR="0" lvl="0" indent="0" algn="l" defTabSz="914400" rtl="0" eaLnBrk="1" fontAlgn="auto" latinLnBrk="0" hangingPunct="1">
-              <a:lnSpc>
-                <a:spcPct val="100000"/>
-              </a:lnSpc>
-              <a:spcBef>
-                <a:spcPts val="0"/>
-              </a:spcBef>
-              <a:spcAft>
-                <a:spcPts val="0"/>
-              </a:spcAft>
-              <a:buClrTx/>
-              <a:buSzTx/>
-              <a:buFontTx/>
-              <a:buNone/>
-              <a:tabLst/>
-              <a:defRPr/>
-            </a:pPr>
-            <a:r>
-              <a:rPr lang="en-US" sz="1800" b="1" kern="1200" dirty="0">
-                <a:solidFill>
-                  <a:schemeClr val="tx1"/>
-                </a:solidFill>
-                <a:latin typeface="+mn-lt"/>
-                <a:ea typeface="+mn-ea"/>
-                <a:cs typeface="+mn-cs"/>
-              </a:rPr>
-              <a:t>Concrete </a:t>
-            </a:r>
-            <a:r>
-              <a:rPr lang="en-US" sz="1800" b="1" dirty="0"/>
-              <a:t>Decorators</a:t>
-            </a:r>
-            <a:r>
-              <a:rPr lang="en-US" sz="1800" b="1" kern="1200" dirty="0">
-                <a:solidFill>
-                  <a:schemeClr val="tx1"/>
-                </a:solidFill>
-                <a:latin typeface="+mn-lt"/>
-                <a:ea typeface="+mn-ea"/>
-                <a:cs typeface="+mn-cs"/>
-              </a:rPr>
-              <a:t> </a:t>
-            </a:r>
-            <a:r>
-              <a:rPr lang="en-US" sz="1800" dirty="0"/>
-              <a:t>override methods of the base decorator and execute their behavior either before or after calling the parent method.</a:t>
-            </a:r>
-            <a:endParaRPr lang="en-US" sz="1200" dirty="0">
-              <a:solidFill>
-                <a:srgbClr val="000000"/>
-              </a:solidFill>
-              <a:latin typeface="Cascadia Mono" panose="020B0609020000020004" pitchFamily="49" charset="0"/>
-            </a:endParaRPr>
-          </a:p>
-          <a:p>
-            <a:endParaRPr lang="en-US" sz="1800" dirty="0"/>
+            <a:r>
+              <a:rPr lang="en-US" b="1" dirty="0"/>
+              <a:t>Decorator</a:t>
+            </a:r>
+            <a:r>
+              <a:rPr lang="en-US" dirty="0"/>
+              <a:t> is a structural design pattern that lets you attach new behaviors to objects by placing these objects inside special wrapper objects that contain the behaviors.</a:t>
+            </a:r>
+          </a:p>
+          <a:p>
+            <a:endParaRPr lang="en-US" dirty="0"/>
+          </a:p>
+          <a:p>
+            <a:r>
+              <a:rPr lang="en-US" dirty="0"/>
+              <a:t>Wearing clothes is an example of using decorators. </a:t>
+            </a:r>
+          </a:p>
+          <a:p>
+            <a:r>
+              <a:rPr lang="en-US" dirty="0"/>
+              <a:t>When you’re cold, you wrap yourself in a sweater. </a:t>
+            </a:r>
+          </a:p>
+          <a:p>
+            <a:r>
+              <a:rPr lang="en-US" dirty="0"/>
+              <a:t>If you’re still cold with a sweater, you can wear a jacket on top. </a:t>
+            </a:r>
+          </a:p>
+          <a:p>
+            <a:r>
+              <a:rPr lang="en-US" dirty="0"/>
+              <a:t>If it’s raining, you can put on a raincoat. </a:t>
+            </a:r>
+          </a:p>
+          <a:p>
+            <a:r>
+              <a:rPr lang="en-US" dirty="0"/>
+              <a:t>All these garments “extend” your basic behavior but aren’t part of you, and you can easily take off any piece of clothing whenever you don’t need it.</a:t>
+            </a:r>
           </a:p>
         </p:txBody>
       </p:sp>
@@ -7228,7 +7712,7 @@
           <a:p>
             <a:fld id="{3960260C-8853-4159-8854-5A6834041865}" type="slidenum">
               <a:rPr lang="en-US" smtClean="0"/>
-              <a:t>11</a:t>
+              <a:t>10</a:t>
             </a:fld>
             <a:endParaRPr lang="en-US"/>
           </a:p>
@@ -7237,7 +7721,7 @@
     </p:spTree>
     <p:extLst>
       <p:ext uri="{BB962C8B-B14F-4D97-AF65-F5344CB8AC3E}">
-        <p14:creationId xmlns:p14="http://schemas.microsoft.com/office/powerpoint/2010/main" val="3032899788"/>
+        <p14:creationId xmlns:p14="http://schemas.microsoft.com/office/powerpoint/2010/main" val="1414819557"/>
       </p:ext>
     </p:extLst>
   </p:cSld>
@@ -10483,10 +10967,17 @@
           <a:lstStyle/>
           <a:p>
             <a:r>
-              <a:rPr lang="en-US"/>
-              <a:t>Design Patterns</a:t>
-            </a:r>
-            <a:endParaRPr lang="en-US" dirty="0"/>
+              <a:rPr lang="en-US" b="1" dirty="0"/>
+              <a:t>Design</a:t>
+            </a:r>
+            <a:r>
+              <a:rPr lang="en-US" dirty="0"/>
+              <a:t> </a:t>
+            </a:r>
+            <a:r>
+              <a:rPr lang="en-US" b="1" dirty="0"/>
+              <a:t>Patterns</a:t>
+            </a:r>
           </a:p>
         </p:txBody>
       </p:sp>
@@ -10514,7 +11005,7 @@
         </p:xfrm>
         <a:graphic>
           <a:graphicData uri="http://schemas.openxmlformats.org/drawingml/2006/diagram">
-            <dgm:relIds xmlns:dgm="http://schemas.openxmlformats.org/drawingml/2006/diagram" xmlns:r="http://schemas.openxmlformats.org/officeDocument/2006/relationships" r:dm="rId2" r:lo="rId3" r:qs="rId4" r:cs="rId5"/>
+            <dgm:relIds xmlns:dgm="http://schemas.openxmlformats.org/drawingml/2006/diagram" xmlns:r="http://schemas.openxmlformats.org/officeDocument/2006/relationships" r:dm="rId3" r:lo="rId4" r:qs="rId5" r:cs="rId6"/>
           </a:graphicData>
         </a:graphic>
       </p:graphicFrame>
@@ -11467,58 +11958,6 @@
           <a:chExt cx="0" cy="0"/>
         </a:xfrm>
       </p:grpSpPr>
-      <p:pic>
-        <p:nvPicPr>
-          <p:cNvPr id="5" name="Content Placeholder 4" descr="Diagram&#10;&#10;Description automatically generated">
-            <a:extLst>
-              <a:ext uri="{FF2B5EF4-FFF2-40B4-BE49-F238E27FC236}">
-                <a16:creationId xmlns:a16="http://schemas.microsoft.com/office/drawing/2014/main" id="{5D0E5EF9-F18C-EBE6-DB8E-F29E5337EF99}"/>
-              </a:ext>
-            </a:extLst>
-          </p:cNvPr>
-          <p:cNvPicPr>
-            <a:picLocks noGrp="1" noChangeAspect="1"/>
-          </p:cNvPicPr>
-          <p:nvPr>
-            <p:ph idx="1"/>
-          </p:nvPr>
-        </p:nvPicPr>
-        <p:blipFill>
-          <a:blip r:embed="rId3">
-            <a:extLst>
-              <a:ext uri="{28A0092B-C50C-407E-A947-70E740481C1C}">
-                <a14:useLocalDpi xmlns:a14="http://schemas.microsoft.com/office/drawing/2010/main" val="0"/>
-              </a:ext>
-            </a:extLst>
-          </a:blip>
-          <a:stretch>
-            <a:fillRect/>
-          </a:stretch>
-        </p:blipFill>
-        <p:spPr>
-          <a:xfrm>
-            <a:off x="4172753" y="1182624"/>
-            <a:ext cx="7485849" cy="5079683"/>
-          </a:xfrm>
-          <a:prstGeom prst="rect">
-            <a:avLst/>
-          </a:prstGeom>
-          <a:ln w="38100" cap="sq">
-            <a:solidFill>
-              <a:srgbClr val="000000"/>
-            </a:solidFill>
-            <a:prstDash val="solid"/>
-            <a:miter lim="800000"/>
-          </a:ln>
-          <a:effectLst>
-            <a:outerShdw blurRad="50800" dist="38100" dir="2700000" algn="tl" rotWithShape="0">
-              <a:srgbClr val="000000">
-                <a:alpha val="43000"/>
-              </a:srgbClr>
-            </a:outerShdw>
-          </a:effectLst>
-        </p:spPr>
-      </p:pic>
       <p:sp>
         <p:nvSpPr>
           <p:cNvPr id="6" name="Title 1">
@@ -11617,6 +12056,36 @@
           </a:p>
         </p:txBody>
       </p:sp>
+      <p:pic>
+        <p:nvPicPr>
+          <p:cNvPr id="7" name="Picture 6">
+            <a:extLst>
+              <a:ext uri="{FF2B5EF4-FFF2-40B4-BE49-F238E27FC236}">
+                <a16:creationId xmlns:a16="http://schemas.microsoft.com/office/drawing/2014/main" id="{C9AADB53-0A5E-43BF-D7C0-2F7BA2D2F9EC}"/>
+              </a:ext>
+            </a:extLst>
+          </p:cNvPr>
+          <p:cNvPicPr>
+            <a:picLocks noChangeAspect="1"/>
+          </p:cNvPicPr>
+          <p:nvPr/>
+        </p:nvPicPr>
+        <p:blipFill>
+          <a:blip r:embed="rId3"/>
+          <a:stretch>
+            <a:fillRect/>
+          </a:stretch>
+        </p:blipFill>
+        <p:spPr>
+          <a:xfrm>
+            <a:off x="2544838" y="2634640"/>
+            <a:ext cx="8577974" cy="3127298"/>
+          </a:xfrm>
+          <a:prstGeom prst="rect">
+            <a:avLst/>
+          </a:prstGeom>
+        </p:spPr>
+      </p:pic>
     </p:spTree>
     <p:extLst>
       <p:ext uri="{BB962C8B-B14F-4D97-AF65-F5344CB8AC3E}">
@@ -11801,7 +12270,7 @@
         </p:spPr>
         <p:txBody>
           <a:bodyPr vert="horz" lIns="91440" tIns="45720" rIns="91440" bIns="45720" rtlCol="0" anchor="ctr">
-            <a:normAutofit fontScale="97500"/>
+            <a:normAutofit fontScale="90000"/>
           </a:bodyPr>
           <a:lstStyle>
             <a:lvl1pPr algn="l" defTabSz="914400" rtl="0" eaLnBrk="1" latinLnBrk="0" hangingPunct="1">
@@ -11851,20 +12320,14 @@
               <a:buChar char="•"/>
             </a:pPr>
             <a:r>
-              <a:rPr lang="en-US" sz="3300" dirty="0" err="1">
+              <a:rPr lang="en-US" sz="3300" dirty="0">
                 <a:solidFill>
                   <a:srgbClr val="000000"/>
                 </a:solidFill>
                 <a:latin typeface="Cascadia Mono" panose="020B0609020000020004" pitchFamily="49" charset="0"/>
               </a:rPr>
-              <a:t>RealSubject</a:t>
-            </a:r>
-            <a:endParaRPr lang="en-US" sz="3300" dirty="0">
-              <a:solidFill>
-                <a:srgbClr val="000000"/>
-              </a:solidFill>
-              <a:latin typeface="Cascadia Mono" panose="020B0609020000020004" pitchFamily="49" charset="0"/>
-            </a:endParaRPr>
+              <a:t>Real Subject</a:t>
+            </a:r>
           </a:p>
           <a:p>
             <a:endParaRPr lang="en-US" sz="3300" dirty="0">

--- a/DesignPatterns/Structural Design Patterns/Structural Design Patterns.pptx
+++ b/DesignPatterns/Structural Design Patterns/Structural Design Patterns.pptx
@@ -128,7 +128,7 @@
 <file path=ppt/revisionInfo.xml><?xml version="1.0" encoding="utf-8"?>
 <p1510:revInfo xmlns:a="http://schemas.openxmlformats.org/drawingml/2006/main" xmlns:r="http://schemas.openxmlformats.org/officeDocument/2006/relationships" xmlns:p1510="http://schemas.microsoft.com/office/powerpoint/2015/10/main">
   <p1510:revLst>
-    <p1510:client id="{7272984E-1584-4374-8B38-3C1D27CF2CE8}" v="48" dt="2023-03-18T12:58:20.413"/>
+    <p1510:client id="{7272984E-1584-4374-8B38-3C1D27CF2CE8}" v="50" dt="2023-03-18T13:48:53.966"/>
   </p1510:revLst>
 </p1510:revInfo>
 </file>
@@ -138,7 +138,7 @@
   <pc:docChgLst>
     <pc:chgData name="Nancy Li" userId="afc5209a-cf39-48d8-a57f-08cc8b772ec9" providerId="ADAL" clId="{7272984E-1584-4374-8B38-3C1D27CF2CE8}"/>
     <pc:docChg chg="undo redo custSel addSld modSld sldOrd">
-      <pc:chgData name="Nancy Li" userId="afc5209a-cf39-48d8-a57f-08cc8b772ec9" providerId="ADAL" clId="{7272984E-1584-4374-8B38-3C1D27CF2CE8}" dt="2023-03-18T13:06:12.747" v="539" actId="20577"/>
+      <pc:chgData name="Nancy Li" userId="afc5209a-cf39-48d8-a57f-08cc8b772ec9" providerId="ADAL" clId="{7272984E-1584-4374-8B38-3C1D27CF2CE8}" dt="2023-03-18T13:48:57.254" v="568"/>
       <pc:docMkLst>
         <pc:docMk/>
       </pc:docMkLst>
@@ -298,7 +298,7 @@
         </pc:picChg>
       </pc:sldChg>
       <pc:sldChg chg="modSp mod ord modNotesTx">
-        <pc:chgData name="Nancy Li" userId="afc5209a-cf39-48d8-a57f-08cc8b772ec9" providerId="ADAL" clId="{7272984E-1584-4374-8B38-3C1D27CF2CE8}" dt="2023-03-18T10:12:22.046" v="337" actId="20577"/>
+        <pc:chgData name="Nancy Li" userId="afc5209a-cf39-48d8-a57f-08cc8b772ec9" providerId="ADAL" clId="{7272984E-1584-4374-8B38-3C1D27CF2CE8}" dt="2023-03-18T13:48:57.254" v="568"/>
         <pc:sldMkLst>
           <pc:docMk/>
           <pc:sldMk cId="501764007" sldId="264"/>
@@ -7055,21 +7055,28 @@
           <a:lstStyle/>
           <a:p>
             <a:r>
-              <a:rPr lang="en-US" b="1" dirty="0"/>
-              <a:t>Facade</a:t>
-            </a:r>
-            <a:r>
               <a:rPr lang="en-US" dirty="0"/>
-              <a:t> is a structural design pattern that provides a simplified interface to a library, a framework, or any other complex set of classes.</a:t>
-            </a:r>
-          </a:p>
-          <a:p>
-            <a:endParaRPr lang="en-US" dirty="0"/>
-          </a:p>
-          <a:p>
+              <a:t>Imagine that you must make your code work with a broad set of objects.</a:t>
+            </a:r>
+            <a:r>
+              <a:rPr lang="zh-CN" altLang="en-US" dirty="0"/>
+              <a:t> </a:t>
+            </a:r>
+            <a:r>
+              <a:rPr lang="en-US" altLang="zh-CN" dirty="0"/>
+              <a:t>Those</a:t>
+            </a:r>
+            <a:r>
+              <a:rPr lang="zh-CN" altLang="en-US" dirty="0"/>
+              <a:t> </a:t>
+            </a:r>
+            <a:r>
+              <a:rPr lang="en-US" altLang="zh-CN" dirty="0"/>
+              <a:t>objects</a:t>
+            </a:r>
             <a:r>
               <a:rPr lang="en-US" dirty="0"/>
-              <a:t>Imagine that you must make your code work with a broad set of objects that belong to a sophisticated library or framework. </a:t>
+              <a:t> belong to a complex library or framework. </a:t>
             </a:r>
           </a:p>
           <a:p>
@@ -7081,8 +7088,41 @@
           <a:p>
             <a:r>
               <a:rPr lang="en-US" dirty="0"/>
-              <a:t>As a result, the business logic of your classes would become tightly coupled to the implementation details of 3rd-party classes, making it hard to comprehend and maintain.</a:t>
-            </a:r>
+              <a:t>As a result, the business logic of your classes would become tightly coupled to the implementation details of 3rd-party classes, making it hard to maintain.</a:t>
+            </a:r>
+          </a:p>
+          <a:p>
+            <a:endParaRPr lang="en-US" dirty="0"/>
+          </a:p>
+          <a:p>
+            <a:pPr marL="0" marR="0" lvl="0" indent="0" algn="l" defTabSz="914400" rtl="0" eaLnBrk="1" fontAlgn="auto" latinLnBrk="0" hangingPunct="1">
+              <a:lnSpc>
+                <a:spcPct val="100000"/>
+              </a:lnSpc>
+              <a:spcBef>
+                <a:spcPts val="0"/>
+              </a:spcBef>
+              <a:spcAft>
+                <a:spcPts val="0"/>
+              </a:spcAft>
+              <a:buClrTx/>
+              <a:buSzTx/>
+              <a:buFontTx/>
+              <a:buNone/>
+              <a:tabLst/>
+              <a:defRPr/>
+            </a:pPr>
+            <a:r>
+              <a:rPr lang="en-US" b="1"/>
+              <a:t>Facade</a:t>
+            </a:r>
+            <a:r>
+              <a:rPr lang="en-US"/>
+              <a:t> provides a simplified interface to a library, a framework, or any other complex set of classes.</a:t>
+            </a:r>
+          </a:p>
+          <a:p>
+            <a:endParaRPr lang="en-US" dirty="0"/>
           </a:p>
           <a:p>
             <a:endParaRPr lang="en-US" dirty="0"/>

--- a/DesignPatterns/Structural Design Patterns/Structural Design Patterns.pptx
+++ b/DesignPatterns/Structural Design Patterns/Structural Design Patterns.pptx
@@ -5,7 +5,7 @@
     <p:sldMasterId id="2147483648" r:id="rId1"/>
   </p:sldMasterIdLst>
   <p:notesMasterIdLst>
-    <p:notesMasterId r:id="rId13"/>
+    <p:notesMasterId r:id="rId14"/>
   </p:notesMasterIdLst>
   <p:sldIdLst>
     <p:sldId id="269" r:id="rId2"/>
@@ -13,12 +13,13 @@
     <p:sldId id="258" r:id="rId4"/>
     <p:sldId id="264" r:id="rId5"/>
     <p:sldId id="267" r:id="rId6"/>
-    <p:sldId id="262" r:id="rId7"/>
-    <p:sldId id="268" r:id="rId8"/>
-    <p:sldId id="261" r:id="rId9"/>
-    <p:sldId id="265" r:id="rId10"/>
-    <p:sldId id="263" r:id="rId11"/>
-    <p:sldId id="266" r:id="rId12"/>
+    <p:sldId id="270" r:id="rId7"/>
+    <p:sldId id="262" r:id="rId8"/>
+    <p:sldId id="268" r:id="rId9"/>
+    <p:sldId id="261" r:id="rId10"/>
+    <p:sldId id="265" r:id="rId11"/>
+    <p:sldId id="263" r:id="rId12"/>
+    <p:sldId id="266" r:id="rId13"/>
   </p:sldIdLst>
   <p:sldSz cx="12192000" cy="6858000"/>
   <p:notesSz cx="6858000" cy="9144000"/>
@@ -128,7 +129,7 @@
 <file path=ppt/revisionInfo.xml><?xml version="1.0" encoding="utf-8"?>
 <p1510:revInfo xmlns:a="http://schemas.openxmlformats.org/drawingml/2006/main" xmlns:r="http://schemas.openxmlformats.org/officeDocument/2006/relationships" xmlns:p1510="http://schemas.microsoft.com/office/powerpoint/2015/10/main">
   <p1510:revLst>
-    <p1510:client id="{7272984E-1584-4374-8B38-3C1D27CF2CE8}" v="50" dt="2023-03-18T13:48:53.966"/>
+    <p1510:client id="{7272984E-1584-4374-8B38-3C1D27CF2CE8}" v="55" dt="2023-03-18T14:23:38.448"/>
   </p1510:revLst>
 </p1510:revInfo>
 </file>
@@ -137,8 +138,8 @@
 <pc:chgInfo xmlns:a="http://schemas.openxmlformats.org/drawingml/2006/main" xmlns:r="http://schemas.openxmlformats.org/officeDocument/2006/relationships" xmlns:ac="http://schemas.microsoft.com/office/drawing/2013/main/command" xmlns:pc="http://schemas.microsoft.com/office/powerpoint/2013/main/command">
   <pc:docChgLst>
     <pc:chgData name="Nancy Li" userId="afc5209a-cf39-48d8-a57f-08cc8b772ec9" providerId="ADAL" clId="{7272984E-1584-4374-8B38-3C1D27CF2CE8}"/>
-    <pc:docChg chg="undo redo custSel addSld modSld sldOrd">
-      <pc:chgData name="Nancy Li" userId="afc5209a-cf39-48d8-a57f-08cc8b772ec9" providerId="ADAL" clId="{7272984E-1584-4374-8B38-3C1D27CF2CE8}" dt="2023-03-18T13:48:57.254" v="568"/>
+    <pc:docChg chg="undo redo custSel addSld delSld modSld sldOrd">
+      <pc:chgData name="Nancy Li" userId="afc5209a-cf39-48d8-a57f-08cc8b772ec9" providerId="ADAL" clId="{7272984E-1584-4374-8B38-3C1D27CF2CE8}" dt="2023-03-18T14:33:55.802" v="854"/>
       <pc:docMkLst>
         <pc:docMk/>
       </pc:docMkLst>
@@ -328,7 +329,7 @@
         </pc:spChg>
       </pc:sldChg>
       <pc:sldChg chg="addSp delSp modSp mod ord modNotesTx">
-        <pc:chgData name="Nancy Li" userId="afc5209a-cf39-48d8-a57f-08cc8b772ec9" providerId="ADAL" clId="{7272984E-1584-4374-8B38-3C1D27CF2CE8}" dt="2023-03-18T12:22:34.397" v="361" actId="20577"/>
+        <pc:chgData name="Nancy Li" userId="afc5209a-cf39-48d8-a57f-08cc8b772ec9" providerId="ADAL" clId="{7272984E-1584-4374-8B38-3C1D27CF2CE8}" dt="2023-03-18T13:59:47.777" v="597" actId="20577"/>
         <pc:sldMkLst>
           <pc:docMk/>
           <pc:sldMk cId="2428695418" sldId="267"/>
@@ -1531,6 +1532,92 @@
             <ac:cxnSpMk id="231" creationId="{6CF1BAF6-AD41-4082-B212-8A1F9A2E8779}"/>
           </ac:cxnSpMkLst>
         </pc:cxnChg>
+      </pc:sldChg>
+      <pc:sldChg chg="addSp delSp modSp new mod modNotesTx">
+        <pc:chgData name="Nancy Li" userId="afc5209a-cf39-48d8-a57f-08cc8b772ec9" providerId="ADAL" clId="{7272984E-1584-4374-8B38-3C1D27CF2CE8}" dt="2023-03-18T14:33:55.802" v="854"/>
+        <pc:sldMkLst>
+          <pc:docMk/>
+          <pc:sldMk cId="3242724567" sldId="270"/>
+        </pc:sldMkLst>
+        <pc:spChg chg="del">
+          <ac:chgData name="Nancy Li" userId="afc5209a-cf39-48d8-a57f-08cc8b772ec9" providerId="ADAL" clId="{7272984E-1584-4374-8B38-3C1D27CF2CE8}" dt="2023-03-18T13:58:44.603" v="593" actId="478"/>
+          <ac:spMkLst>
+            <pc:docMk/>
+            <pc:sldMk cId="3242724567" sldId="270"/>
+            <ac:spMk id="2" creationId="{2A21F732-0C6A-9412-B4B6-387C3AD12166}"/>
+          </ac:spMkLst>
+        </pc:spChg>
+        <pc:spChg chg="del">
+          <ac:chgData name="Nancy Li" userId="afc5209a-cf39-48d8-a57f-08cc8b772ec9" providerId="ADAL" clId="{7272984E-1584-4374-8B38-3C1D27CF2CE8}" dt="2023-03-18T13:58:36.342" v="592" actId="22"/>
+          <ac:spMkLst>
+            <pc:docMk/>
+            <pc:sldMk cId="3242724567" sldId="270"/>
+            <ac:spMk id="3" creationId="{56ECF5AB-68B8-4FA9-D897-ED8D8A4AB907}"/>
+          </ac:spMkLst>
+        </pc:spChg>
+        <pc:spChg chg="add del mod">
+          <ac:chgData name="Nancy Li" userId="afc5209a-cf39-48d8-a57f-08cc8b772ec9" providerId="ADAL" clId="{7272984E-1584-4374-8B38-3C1D27CF2CE8}" dt="2023-03-18T14:06:23.235" v="671" actId="478"/>
+          <ac:spMkLst>
+            <pc:docMk/>
+            <pc:sldMk cId="3242724567" sldId="270"/>
+            <ac:spMk id="7" creationId="{DD909583-2C3E-C0D9-3440-B0D36BCF1C59}"/>
+          </ac:spMkLst>
+        </pc:spChg>
+        <pc:spChg chg="add del mod">
+          <ac:chgData name="Nancy Li" userId="afc5209a-cf39-48d8-a57f-08cc8b772ec9" providerId="ADAL" clId="{7272984E-1584-4374-8B38-3C1D27CF2CE8}" dt="2023-03-18T14:07:00.868" v="677" actId="478"/>
+          <ac:spMkLst>
+            <pc:docMk/>
+            <pc:sldMk cId="3242724567" sldId="270"/>
+            <ac:spMk id="8" creationId="{41D18BA3-3E25-861E-ED86-76D50D98AF45}"/>
+          </ac:spMkLst>
+        </pc:spChg>
+        <pc:spChg chg="add mod">
+          <ac:chgData name="Nancy Li" userId="afc5209a-cf39-48d8-a57f-08cc8b772ec9" providerId="ADAL" clId="{7272984E-1584-4374-8B38-3C1D27CF2CE8}" dt="2023-03-18T14:33:55.802" v="854"/>
+          <ac:spMkLst>
+            <pc:docMk/>
+            <pc:sldMk cId="3242724567" sldId="270"/>
+            <ac:spMk id="14" creationId="{B0F6B178-4355-2CC2-8828-0943D4C2F8BA}"/>
+          </ac:spMkLst>
+        </pc:spChg>
+        <pc:picChg chg="add mod ord">
+          <ac:chgData name="Nancy Li" userId="afc5209a-cf39-48d8-a57f-08cc8b772ec9" providerId="ADAL" clId="{7272984E-1584-4374-8B38-3C1D27CF2CE8}" dt="2023-03-18T13:58:58.823" v="596" actId="14100"/>
+          <ac:picMkLst>
+            <pc:docMk/>
+            <pc:sldMk cId="3242724567" sldId="270"/>
+            <ac:picMk id="5" creationId="{D28FF781-B198-1DAC-FC21-7D0F37D700C5}"/>
+          </ac:picMkLst>
+        </pc:picChg>
+        <pc:picChg chg="add mod modCrop">
+          <ac:chgData name="Nancy Li" userId="afc5209a-cf39-48d8-a57f-08cc8b772ec9" providerId="ADAL" clId="{7272984E-1584-4374-8B38-3C1D27CF2CE8}" dt="2023-03-18T14:23:22.541" v="762" actId="732"/>
+          <ac:picMkLst>
+            <pc:docMk/>
+            <pc:sldMk cId="3242724567" sldId="270"/>
+            <ac:picMk id="10" creationId="{853AB060-79AA-9040-67D3-59E8CF9E73C4}"/>
+          </ac:picMkLst>
+        </pc:picChg>
+        <pc:picChg chg="add del mod">
+          <ac:chgData name="Nancy Li" userId="afc5209a-cf39-48d8-a57f-08cc8b772ec9" providerId="ADAL" clId="{7272984E-1584-4374-8B38-3C1D27CF2CE8}" dt="2023-03-18T14:09:32.775" v="693" actId="478"/>
+          <ac:picMkLst>
+            <pc:docMk/>
+            <pc:sldMk cId="3242724567" sldId="270"/>
+            <ac:picMk id="12" creationId="{C2A87284-52DE-8602-F9D1-AD38B9F4BD3B}"/>
+          </ac:picMkLst>
+        </pc:picChg>
+      </pc:sldChg>
+      <pc:sldChg chg="modSp new del mod modNotesTx">
+        <pc:chgData name="Nancy Li" userId="afc5209a-cf39-48d8-a57f-08cc8b772ec9" providerId="ADAL" clId="{7272984E-1584-4374-8B38-3C1D27CF2CE8}" dt="2023-03-18T13:57:21.081" v="587" actId="47"/>
+        <pc:sldMkLst>
+          <pc:docMk/>
+          <pc:sldMk cId="3451654332" sldId="270"/>
+        </pc:sldMkLst>
+        <pc:spChg chg="mod">
+          <ac:chgData name="Nancy Li" userId="afc5209a-cf39-48d8-a57f-08cc8b772ec9" providerId="ADAL" clId="{7272984E-1584-4374-8B38-3C1D27CF2CE8}" dt="2023-03-18T13:57:15.538" v="584" actId="21"/>
+          <ac:spMkLst>
+            <pc:docMk/>
+            <pc:sldMk cId="3451654332" sldId="270"/>
+            <ac:spMk id="3" creationId="{B8A99B94-10B7-F172-D053-AEF062B745C0}"/>
+          </ac:spMkLst>
+        </pc:spChg>
       </pc:sldChg>
     </pc:docChg>
   </pc:docChgLst>
@@ -6288,6 +6375,130 @@
           <a:bodyPr/>
           <a:lstStyle/>
           <a:p>
+            <a:r>
+              <a:rPr lang="en-US" b="1" dirty="0"/>
+              <a:t>Decorator</a:t>
+            </a:r>
+            <a:r>
+              <a:rPr lang="en-US" dirty="0"/>
+              <a:t> is a structural design pattern that lets you attach new behaviors to objects by placing these objects inside special wrapper objects that contain the behaviors.</a:t>
+            </a:r>
+          </a:p>
+          <a:p>
+            <a:endParaRPr lang="en-US" dirty="0"/>
+          </a:p>
+          <a:p>
+            <a:r>
+              <a:rPr lang="en-US" dirty="0"/>
+              <a:t>Wearing clothes is an example of using decorators. </a:t>
+            </a:r>
+          </a:p>
+          <a:p>
+            <a:r>
+              <a:rPr lang="en-US" dirty="0"/>
+              <a:t>When you’re cold, you wrap yourself in a sweater. </a:t>
+            </a:r>
+          </a:p>
+          <a:p>
+            <a:r>
+              <a:rPr lang="en-US" dirty="0"/>
+              <a:t>If you’re still cold with a sweater, you can wear a jacket on top. </a:t>
+            </a:r>
+          </a:p>
+          <a:p>
+            <a:r>
+              <a:rPr lang="en-US" dirty="0"/>
+              <a:t>If it’s raining, you can put on a raincoat. </a:t>
+            </a:r>
+          </a:p>
+          <a:p>
+            <a:r>
+              <a:rPr lang="en-US" dirty="0"/>
+              <a:t>All these garments “extend” your basic behavior but aren’t part of you, and you can easily take off any piece of clothing whenever you don’t need it.</a:t>
+            </a:r>
+          </a:p>
+        </p:txBody>
+      </p:sp>
+      <p:sp>
+        <p:nvSpPr>
+          <p:cNvPr id="4" name="Slide Number Placeholder 3"/>
+          <p:cNvSpPr>
+            <a:spLocks noGrp="1"/>
+          </p:cNvSpPr>
+          <p:nvPr>
+            <p:ph type="sldNum" sz="quarter" idx="5"/>
+          </p:nvPr>
+        </p:nvSpPr>
+        <p:spPr/>
+        <p:txBody>
+          <a:bodyPr/>
+          <a:lstStyle/>
+          <a:p>
+            <a:fld id="{3960260C-8853-4159-8854-5A6834041865}" type="slidenum">
+              <a:rPr lang="en-US" smtClean="0"/>
+              <a:t>11</a:t>
+            </a:fld>
+            <a:endParaRPr lang="en-US"/>
+          </a:p>
+        </p:txBody>
+      </p:sp>
+    </p:spTree>
+    <p:extLst>
+      <p:ext uri="{BB962C8B-B14F-4D97-AF65-F5344CB8AC3E}">
+        <p14:creationId xmlns:p14="http://schemas.microsoft.com/office/powerpoint/2010/main" val="1414819557"/>
+      </p:ext>
+    </p:extLst>
+  </p:cSld>
+  <p:clrMapOvr>
+    <a:masterClrMapping/>
+  </p:clrMapOvr>
+</p:notes>
+</file>
+
+<file path=ppt/notesSlides/notesSlide11.xml><?xml version="1.0" encoding="utf-8"?>
+<p:notes xmlns:a="http://schemas.openxmlformats.org/drawingml/2006/main" xmlns:r="http://schemas.openxmlformats.org/officeDocument/2006/relationships" xmlns:p="http://schemas.openxmlformats.org/presentationml/2006/main">
+  <p:cSld>
+    <p:spTree>
+      <p:nvGrpSpPr>
+        <p:cNvPr id="1" name=""/>
+        <p:cNvGrpSpPr/>
+        <p:nvPr/>
+      </p:nvGrpSpPr>
+      <p:grpSpPr>
+        <a:xfrm>
+          <a:off x="0" y="0"/>
+          <a:ext cx="0" cy="0"/>
+          <a:chOff x="0" y="0"/>
+          <a:chExt cx="0" cy="0"/>
+        </a:xfrm>
+      </p:grpSpPr>
+      <p:sp>
+        <p:nvSpPr>
+          <p:cNvPr id="2" name="Slide Image Placeholder 1"/>
+          <p:cNvSpPr>
+            <a:spLocks noGrp="1" noRot="1" noChangeAspect="1"/>
+          </p:cNvSpPr>
+          <p:nvPr>
+            <p:ph type="sldImg"/>
+          </p:nvPr>
+        </p:nvSpPr>
+        <p:spPr/>
+      </p:sp>
+      <p:sp>
+        <p:nvSpPr>
+          <p:cNvPr id="3" name="Notes Placeholder 2"/>
+          <p:cNvSpPr>
+            <a:spLocks noGrp="1"/>
+          </p:cNvSpPr>
+          <p:nvPr>
+            <p:ph type="body" idx="1"/>
+          </p:nvPr>
+        </p:nvSpPr>
+        <p:spPr/>
+        <p:txBody>
+          <a:bodyPr/>
+          <a:lstStyle/>
+          <a:p>
             <a:pPr marL="0" marR="0" lvl="0" indent="0" algn="l" defTabSz="914400" rtl="0" eaLnBrk="1" fontAlgn="auto" latinLnBrk="0" hangingPunct="1">
               <a:lnSpc>
                 <a:spcPct val="100000"/>
@@ -6572,7 +6783,7 @@
           <a:p>
             <a:fld id="{3960260C-8853-4159-8854-5A6834041865}" type="slidenum">
               <a:rPr lang="en-US" smtClean="0"/>
-              <a:t>11</a:t>
+              <a:t>12</a:t>
             </a:fld>
             <a:endParaRPr lang="en-US"/>
           </a:p>
@@ -7333,20 +7544,61 @@
           <a:bodyPr/>
           <a:lstStyle/>
           <a:p>
-            <a:r>
-              <a:rPr lang="en-US" b="1" dirty="0"/>
-              <a:t>Proxy</a:t>
-            </a:r>
+            <a:endParaRPr lang="en-US" dirty="0"/>
+          </a:p>
+          <a:p>
             <a:r>
               <a:rPr lang="en-US" dirty="0"/>
-              <a:t> is a structural design pattern that lets you provide a substitute or placeholder for another object. </a:t>
-            </a:r>
-          </a:p>
-          <a:p>
+              <a:t>Since t</a:t>
+            </a:r>
+            <a:r>
+              <a:rPr lang="en-US" altLang="zh-CN" dirty="0"/>
+              <a:t>he client code won’t get into </a:t>
+            </a:r>
             <a:r>
               <a:rPr lang="en-US" dirty="0"/>
-              <a:t>A proxy controls access to the original object, allowing you to perform something either before or after the request gets through to the original object.</a:t>
-            </a:r>
+              <a:t>complex logic of one or several subsystems.</a:t>
+            </a:r>
+          </a:p>
+          <a:p>
+            <a:endParaRPr lang="en-US" dirty="0"/>
+          </a:p>
+          <a:p>
+            <a:r>
+              <a:rPr lang="en-US" dirty="0"/>
+              <a:t>However, the Facade delegates the requests to subsystem.</a:t>
+            </a:r>
+          </a:p>
+          <a:p>
+            <a:endParaRPr lang="en-US" dirty="0"/>
+          </a:p>
+          <a:p>
+            <a:r>
+              <a:rPr lang="en-US" b="0" i="0" dirty="0">
+                <a:solidFill>
+                  <a:srgbClr val="444444"/>
+                </a:solidFill>
+                <a:effectLst/>
+                <a:latin typeface="PT Sans" panose="020B0503020203020204" pitchFamily="34" charset="0"/>
+              </a:rPr>
+              <a:t>Subsystems often get more complex over time. The configuration it requires grows ever larger.</a:t>
+            </a:r>
+          </a:p>
+          <a:p>
+            <a:r>
+              <a:rPr lang="en-US" b="0" i="0" dirty="0">
+                <a:solidFill>
+                  <a:srgbClr val="444444"/>
+                </a:solidFill>
+                <a:effectLst/>
+                <a:latin typeface="PT Sans" panose="020B0503020203020204" pitchFamily="34" charset="0"/>
+              </a:rPr>
+              <a:t>The Facade attempts to fix this problem by providing a shortcut to the most-used features of the subsystem which fit most client requirements.</a:t>
+            </a:r>
+            <a:endParaRPr lang="en-US" dirty="0"/>
+          </a:p>
+          <a:p>
+            <a:endParaRPr lang="en-US" dirty="0"/>
           </a:p>
         </p:txBody>
       </p:sp>
@@ -7376,7 +7628,7 @@
     </p:spTree>
     <p:extLst>
       <p:ext uri="{BB962C8B-B14F-4D97-AF65-F5344CB8AC3E}">
-        <p14:creationId xmlns:p14="http://schemas.microsoft.com/office/powerpoint/2010/main" val="2830808032"/>
+        <p14:creationId xmlns:p14="http://schemas.microsoft.com/office/powerpoint/2010/main" val="1328381463"/>
       </p:ext>
     </p:extLst>
   </p:cSld>
@@ -7431,66 +7683,19 @@
           <a:lstStyle/>
           <a:p>
             <a:r>
-              <a:rPr lang="en-US" dirty="0"/>
-              <a:t>The </a:t>
-            </a:r>
-            <a:r>
-              <a:rPr lang="en-US" b="1" dirty="0"/>
-              <a:t>Service Interface</a:t>
-            </a:r>
-            <a:r>
-              <a:rPr lang="en-US" dirty="0"/>
-              <a:t> declares the interface of the Service. The proxy must follow this interface to be able to disguise itself as a service object.</a:t>
-            </a:r>
-          </a:p>
-          <a:p>
-            <a:endParaRPr lang="en-US" dirty="0"/>
-          </a:p>
-          <a:p>
-            <a:r>
-              <a:rPr lang="en-US" dirty="0"/>
-              <a:t>The </a:t>
-            </a:r>
-            <a:r>
-              <a:rPr lang="en-US" b="1" dirty="0"/>
-              <a:t>Service</a:t>
-            </a:r>
-            <a:r>
-              <a:rPr lang="en-US" dirty="0"/>
-              <a:t> is a class that provides some useful business logic.</a:t>
-            </a:r>
-          </a:p>
-          <a:p>
-            <a:endParaRPr lang="en-US" dirty="0"/>
-          </a:p>
-          <a:p>
-            <a:r>
-              <a:rPr lang="en-US" dirty="0"/>
-              <a:t>The </a:t>
-            </a:r>
-            <a:r>
               <a:rPr lang="en-US" b="1" dirty="0"/>
               <a:t>Proxy</a:t>
             </a:r>
             <a:r>
               <a:rPr lang="en-US" dirty="0"/>
-              <a:t> class has a reference field that points to a service object. </a:t>
+              <a:t> is a structural design pattern that lets you provide a substitute or placeholder for another object. </a:t>
             </a:r>
           </a:p>
           <a:p>
             <a:r>
               <a:rPr lang="en-US" dirty="0"/>
-              <a:t>After the proxy finishes its processing (e.g., lazy initialization, logging, access control, caching, etc.), it passes the request to the service object.</a:t>
-            </a:r>
-          </a:p>
-          <a:p>
-            <a:r>
-              <a:rPr lang="en-US" dirty="0"/>
-              <a:t>Usually, proxies manage the full lifecycle of their service objects.</a:t>
-            </a:r>
-          </a:p>
-          <a:p>
-            <a:endParaRPr lang="en-US" dirty="0"/>
+              <a:t>A proxy controls access to the original object, allowing you to perform something either before or after the request gets through to the original object.</a:t>
+            </a:r>
           </a:p>
         </p:txBody>
       </p:sp>
@@ -7520,7 +7725,7 @@
     </p:spTree>
     <p:extLst>
       <p:ext uri="{BB962C8B-B14F-4D97-AF65-F5344CB8AC3E}">
-        <p14:creationId xmlns:p14="http://schemas.microsoft.com/office/powerpoint/2010/main" val="3283522435"/>
+        <p14:creationId xmlns:p14="http://schemas.microsoft.com/office/powerpoint/2010/main" val="2830808032"/>
       </p:ext>
     </p:extLst>
   </p:cSld>
@@ -7575,39 +7780,66 @@
           <a:lstStyle/>
           <a:p>
             <a:r>
+              <a:rPr lang="en-US" dirty="0"/>
+              <a:t>The </a:t>
+            </a:r>
+            <a:r>
               <a:rPr lang="en-US" b="1" dirty="0"/>
-              <a:t>Bridge</a:t>
+              <a:t>Service Interface</a:t>
             </a:r>
             <a:r>
               <a:rPr lang="en-US" dirty="0"/>
-              <a:t> is a structural design pattern that lets you split a large class or a set of closely related classes into two separate hierarchies—abstraction and </a:t>
-            </a:r>
-            <a:r>
-              <a:rPr lang="en-US"/>
-              <a:t>implementation—</a:t>
-            </a:r>
-          </a:p>
-          <a:p>
-            <a:r>
-              <a:rPr lang="en-US"/>
-              <a:t>which </a:t>
-            </a:r>
+              <a:t> declares the interface of the Service. The proxy must follow this interface to be able to disguise itself as a service object.</a:t>
+            </a:r>
+          </a:p>
+          <a:p>
+            <a:endParaRPr lang="en-US" dirty="0"/>
+          </a:p>
+          <a:p>
             <a:r>
               <a:rPr lang="en-US" dirty="0"/>
-              <a:t>can be developed independently of each other.</a:t>
+              <a:t>The </a:t>
+            </a:r>
+            <a:r>
+              <a:rPr lang="en-US" b="1" dirty="0"/>
+              <a:t>Service</a:t>
+            </a:r>
+            <a:r>
+              <a:rPr lang="en-US" dirty="0"/>
+              <a:t> is a class that provides some useful business logic.</a:t>
             </a:r>
           </a:p>
           <a:p>
             <a:endParaRPr lang="en-US" dirty="0"/>
           </a:p>
           <a:p>
+            <a:r>
+              <a:rPr lang="en-US" dirty="0"/>
+              <a:t>The </a:t>
+            </a:r>
+            <a:r>
+              <a:rPr lang="en-US" b="1" dirty="0"/>
+              <a:t>Proxy</a:t>
+            </a:r>
+            <a:r>
+              <a:rPr lang="en-US" dirty="0"/>
+              <a:t> class has a reference field that points to a service object. </a:t>
+            </a:r>
+          </a:p>
+          <a:p>
+            <a:r>
+              <a:rPr lang="en-US" dirty="0"/>
+              <a:t>After the proxy finishes its processing (e.g., lazy initialization, logging, access control, caching, etc.), it passes the request to the service object.</a:t>
+            </a:r>
+          </a:p>
+          <a:p>
+            <a:r>
+              <a:rPr lang="en-US" dirty="0"/>
+              <a:t>Usually, proxies manage the full lifecycle of their service objects.</a:t>
+            </a:r>
+          </a:p>
+          <a:p>
             <a:endParaRPr lang="en-US" dirty="0"/>
-          </a:p>
-          <a:p>
-            <a:r>
-              <a:rPr lang="en-US" dirty="0"/>
-              <a:t>Different implementations are interchangeable as long as they follow a common interface.</a:t>
-            </a:r>
           </a:p>
         </p:txBody>
       </p:sp>
@@ -7637,7 +7869,7 @@
     </p:spTree>
     <p:extLst>
       <p:ext uri="{BB962C8B-B14F-4D97-AF65-F5344CB8AC3E}">
-        <p14:creationId xmlns:p14="http://schemas.microsoft.com/office/powerpoint/2010/main" val="3524886519"/>
+        <p14:creationId xmlns:p14="http://schemas.microsoft.com/office/powerpoint/2010/main" val="3283522435"/>
       </p:ext>
     </p:extLst>
   </p:cSld>
@@ -7693,44 +7925,37 @@
           <a:p>
             <a:r>
               <a:rPr lang="en-US" b="1" dirty="0"/>
-              <a:t>Decorator</a:t>
+              <a:t>Bridge</a:t>
             </a:r>
             <a:r>
               <a:rPr lang="en-US" dirty="0"/>
-              <a:t> is a structural design pattern that lets you attach new behaviors to objects by placing these objects inside special wrapper objects that contain the behaviors.</a:t>
+              <a:t> is a structural design pattern that lets you split a large class or a set of closely related classes into two separate hierarchies—abstraction and </a:t>
+            </a:r>
+            <a:r>
+              <a:rPr lang="en-US"/>
+              <a:t>implementation—</a:t>
+            </a:r>
+          </a:p>
+          <a:p>
+            <a:r>
+              <a:rPr lang="en-US"/>
+              <a:t>which </a:t>
+            </a:r>
+            <a:r>
+              <a:rPr lang="en-US" dirty="0"/>
+              <a:t>can be developed independently of each other.</a:t>
             </a:r>
           </a:p>
           <a:p>
             <a:endParaRPr lang="en-US" dirty="0"/>
           </a:p>
           <a:p>
+            <a:endParaRPr lang="en-US" dirty="0"/>
+          </a:p>
+          <a:p>
             <a:r>
               <a:rPr lang="en-US" dirty="0"/>
-              <a:t>Wearing clothes is an example of using decorators. </a:t>
-            </a:r>
-          </a:p>
-          <a:p>
-            <a:r>
-              <a:rPr lang="en-US" dirty="0"/>
-              <a:t>When you’re cold, you wrap yourself in a sweater. </a:t>
-            </a:r>
-          </a:p>
-          <a:p>
-            <a:r>
-              <a:rPr lang="en-US" dirty="0"/>
-              <a:t>If you’re still cold with a sweater, you can wear a jacket on top. </a:t>
-            </a:r>
-          </a:p>
-          <a:p>
-            <a:r>
-              <a:rPr lang="en-US" dirty="0"/>
-              <a:t>If it’s raining, you can put on a raincoat. </a:t>
-            </a:r>
-          </a:p>
-          <a:p>
-            <a:r>
-              <a:rPr lang="en-US" dirty="0"/>
-              <a:t>All these garments “extend” your basic behavior but aren’t part of you, and you can easily take off any piece of clothing whenever you don’t need it.</a:t>
+              <a:t>Different implementations are interchangeable as long as they follow a common interface.</a:t>
             </a:r>
           </a:p>
         </p:txBody>
@@ -7752,7 +7977,7 @@
           <a:p>
             <a:fld id="{3960260C-8853-4159-8854-5A6834041865}" type="slidenum">
               <a:rPr lang="en-US" smtClean="0"/>
-              <a:t>10</a:t>
+              <a:t>9</a:t>
             </a:fld>
             <a:endParaRPr lang="en-US"/>
           </a:p>
@@ -7761,7 +7986,7 @@
     </p:spTree>
     <p:extLst>
       <p:ext uri="{BB962C8B-B14F-4D97-AF65-F5344CB8AC3E}">
-        <p14:creationId xmlns:p14="http://schemas.microsoft.com/office/powerpoint/2010/main" val="1414819557"/>
+        <p14:creationId xmlns:p14="http://schemas.microsoft.com/office/powerpoint/2010/main" val="3524886519"/>
       </p:ext>
     </p:extLst>
   </p:cSld>
@@ -11079,6 +11304,260 @@
           <a:chExt cx="0" cy="0"/>
         </a:xfrm>
       </p:grpSpPr>
+      <p:pic>
+        <p:nvPicPr>
+          <p:cNvPr id="5" name="Content Placeholder 4" descr="Diagram&#10;&#10;Description automatically generated">
+            <a:extLst>
+              <a:ext uri="{FF2B5EF4-FFF2-40B4-BE49-F238E27FC236}">
+                <a16:creationId xmlns:a16="http://schemas.microsoft.com/office/drawing/2014/main" id="{9AF6DFB2-CA8B-049C-B100-B2BF3F170972}"/>
+              </a:ext>
+            </a:extLst>
+          </p:cNvPr>
+          <p:cNvPicPr>
+            <a:picLocks noGrp="1" noChangeAspect="1"/>
+          </p:cNvPicPr>
+          <p:nvPr>
+            <p:ph idx="1"/>
+          </p:nvPr>
+        </p:nvPicPr>
+        <p:blipFill>
+          <a:blip r:embed="rId2">
+            <a:extLst>
+              <a:ext uri="{28A0092B-C50C-407E-A947-70E740481C1C}">
+                <a14:useLocalDpi xmlns:a14="http://schemas.microsoft.com/office/drawing/2010/main" val="0"/>
+              </a:ext>
+            </a:extLst>
+          </a:blip>
+          <a:stretch>
+            <a:fillRect/>
+          </a:stretch>
+        </p:blipFill>
+        <p:spPr>
+          <a:xfrm>
+            <a:off x="5066023" y="935609"/>
+            <a:ext cx="6412498" cy="4351338"/>
+          </a:xfrm>
+          <a:prstGeom prst="rect">
+            <a:avLst/>
+          </a:prstGeom>
+          <a:ln w="38100" cap="sq">
+            <a:solidFill>
+              <a:srgbClr val="000000"/>
+            </a:solidFill>
+            <a:prstDash val="solid"/>
+            <a:miter lim="800000"/>
+          </a:ln>
+          <a:effectLst>
+            <a:outerShdw blurRad="50800" dist="38100" dir="2700000" algn="tl" rotWithShape="0">
+              <a:srgbClr val="000000">
+                <a:alpha val="43000"/>
+              </a:srgbClr>
+            </a:outerShdw>
+          </a:effectLst>
+        </p:spPr>
+      </p:pic>
+      <p:sp>
+        <p:nvSpPr>
+          <p:cNvPr id="6" name="Title 1">
+            <a:extLst>
+              <a:ext uri="{FF2B5EF4-FFF2-40B4-BE49-F238E27FC236}">
+                <a16:creationId xmlns:a16="http://schemas.microsoft.com/office/drawing/2014/main" id="{72197540-8658-9F07-27A2-6CC9C030B003}"/>
+              </a:ext>
+            </a:extLst>
+          </p:cNvPr>
+          <p:cNvSpPr txBox="1">
+            <a:spLocks/>
+          </p:cNvSpPr>
+          <p:nvPr/>
+        </p:nvSpPr>
+        <p:spPr>
+          <a:xfrm>
+            <a:off x="143254" y="867918"/>
+            <a:ext cx="4684777" cy="4351338"/>
+          </a:xfrm>
+          <a:prstGeom prst="rect">
+            <a:avLst/>
+          </a:prstGeom>
+        </p:spPr>
+        <p:txBody>
+          <a:bodyPr vert="horz" lIns="91440" tIns="45720" rIns="91440" bIns="45720" rtlCol="0" anchor="ctr">
+            <a:normAutofit fontScale="97500"/>
+          </a:bodyPr>
+          <a:lstStyle>
+            <a:lvl1pPr algn="l" defTabSz="914400" rtl="0" eaLnBrk="1" latinLnBrk="0" hangingPunct="1">
+              <a:lnSpc>
+                <a:spcPct val="90000"/>
+              </a:lnSpc>
+              <a:spcBef>
+                <a:spcPct val="0"/>
+              </a:spcBef>
+              <a:buNone/>
+              <a:defRPr sz="4400" kern="1200">
+                <a:solidFill>
+                  <a:schemeClr val="tx1"/>
+                </a:solidFill>
+                <a:latin typeface="+mj-lt"/>
+                <a:ea typeface="+mj-ea"/>
+                <a:cs typeface="+mj-cs"/>
+              </a:defRPr>
+            </a:lvl1pPr>
+          </a:lstStyle>
+          <a:p>
+            <a:pPr marL="571500" indent="-571500">
+              <a:buFont typeface="Arial" panose="020B0604020202020204" pitchFamily="34" charset="0"/>
+              <a:buChar char="•"/>
+            </a:pPr>
+            <a:r>
+              <a:rPr lang="en-US" sz="3400" dirty="0">
+                <a:solidFill>
+                  <a:srgbClr val="000000"/>
+                </a:solidFill>
+                <a:latin typeface="Cascadia Mono" panose="020B0609020000020004" pitchFamily="49" charset="0"/>
+              </a:rPr>
+              <a:t>Abstraction</a:t>
+            </a:r>
+            <a:br>
+              <a:rPr lang="en-US" sz="3400" dirty="0">
+                <a:solidFill>
+                  <a:srgbClr val="000000"/>
+                </a:solidFill>
+                <a:latin typeface="Cascadia Mono" panose="020B0609020000020004" pitchFamily="49" charset="0"/>
+              </a:rPr>
+            </a:br>
+            <a:endParaRPr lang="en-US" sz="3400" dirty="0">
+              <a:solidFill>
+                <a:srgbClr val="000000"/>
+              </a:solidFill>
+              <a:latin typeface="Cascadia Mono" panose="020B0609020000020004" pitchFamily="49" charset="0"/>
+            </a:endParaRPr>
+          </a:p>
+          <a:p>
+            <a:pPr marL="571500" indent="-571500">
+              <a:buFont typeface="Arial" panose="020B0604020202020204" pitchFamily="34" charset="0"/>
+              <a:buChar char="•"/>
+            </a:pPr>
+            <a:r>
+              <a:rPr lang="en-US" sz="3400" dirty="0">
+                <a:solidFill>
+                  <a:srgbClr val="000000"/>
+                </a:solidFill>
+                <a:latin typeface="Cascadia Mono" panose="020B0609020000020004" pitchFamily="49" charset="0"/>
+              </a:rPr>
+              <a:t>Refined Abstraction</a:t>
+            </a:r>
+            <a:br>
+              <a:rPr lang="en-US" sz="3400" dirty="0">
+                <a:solidFill>
+                  <a:srgbClr val="000000"/>
+                </a:solidFill>
+                <a:latin typeface="Cascadia Mono" panose="020B0609020000020004" pitchFamily="49" charset="0"/>
+              </a:rPr>
+            </a:br>
+            <a:endParaRPr lang="en-US" sz="3400" dirty="0">
+              <a:solidFill>
+                <a:srgbClr val="000000"/>
+              </a:solidFill>
+              <a:latin typeface="Cascadia Mono" panose="020B0609020000020004" pitchFamily="49" charset="0"/>
+            </a:endParaRPr>
+          </a:p>
+          <a:p>
+            <a:pPr marL="571500" indent="-571500">
+              <a:buFont typeface="Arial" panose="020B0604020202020204" pitchFamily="34" charset="0"/>
+              <a:buChar char="•"/>
+            </a:pPr>
+            <a:r>
+              <a:rPr lang="en-US" sz="3400" dirty="0">
+                <a:solidFill>
+                  <a:srgbClr val="000000"/>
+                </a:solidFill>
+                <a:latin typeface="Cascadia Mono" panose="020B0609020000020004" pitchFamily="49" charset="0"/>
+              </a:rPr>
+              <a:t>Implement</a:t>
+            </a:r>
+            <a:r>
+              <a:rPr lang="en-US" altLang="zh-CN" sz="3400" dirty="0">
+                <a:solidFill>
+                  <a:srgbClr val="000000"/>
+                </a:solidFill>
+                <a:latin typeface="Cascadia Mono" panose="020B0609020000020004" pitchFamily="49" charset="0"/>
+              </a:rPr>
+              <a:t>ation</a:t>
+            </a:r>
+          </a:p>
+          <a:p>
+            <a:pPr marL="571500" indent="-571500">
+              <a:buFont typeface="Arial" panose="020B0604020202020204" pitchFamily="34" charset="0"/>
+              <a:buChar char="•"/>
+            </a:pPr>
+            <a:endParaRPr lang="en-US" sz="3400" dirty="0">
+              <a:solidFill>
+                <a:srgbClr val="000000"/>
+              </a:solidFill>
+              <a:latin typeface="Cascadia Mono" panose="020B0609020000020004" pitchFamily="49" charset="0"/>
+            </a:endParaRPr>
+          </a:p>
+          <a:p>
+            <a:pPr marL="571500" indent="-571500">
+              <a:buFont typeface="Arial" panose="020B0604020202020204" pitchFamily="34" charset="0"/>
+              <a:buChar char="•"/>
+            </a:pPr>
+            <a:r>
+              <a:rPr lang="en-US" sz="3400" dirty="0">
+                <a:solidFill>
+                  <a:srgbClr val="000000"/>
+                </a:solidFill>
+                <a:latin typeface="Cascadia Mono" panose="020B0609020000020004" pitchFamily="49" charset="0"/>
+              </a:rPr>
+              <a:t>Concrete Implement</a:t>
+            </a:r>
+            <a:r>
+              <a:rPr lang="en-US" altLang="zh-CN" sz="3400" dirty="0">
+                <a:solidFill>
+                  <a:srgbClr val="000000"/>
+                </a:solidFill>
+                <a:latin typeface="Cascadia Mono" panose="020B0609020000020004" pitchFamily="49" charset="0"/>
+              </a:rPr>
+              <a:t>ations</a:t>
+            </a:r>
+            <a:endParaRPr lang="en-US" sz="3400" dirty="0">
+              <a:solidFill>
+                <a:srgbClr val="000000"/>
+              </a:solidFill>
+              <a:latin typeface="Cascadia Mono" panose="020B0609020000020004" pitchFamily="49" charset="0"/>
+            </a:endParaRPr>
+          </a:p>
+        </p:txBody>
+      </p:sp>
+    </p:spTree>
+    <p:extLst>
+      <p:ext uri="{BB962C8B-B14F-4D97-AF65-F5344CB8AC3E}">
+        <p14:creationId xmlns:p14="http://schemas.microsoft.com/office/powerpoint/2010/main" val="3196575972"/>
+      </p:ext>
+    </p:extLst>
+  </p:cSld>
+  <p:clrMapOvr>
+    <a:masterClrMapping/>
+  </p:clrMapOvr>
+</p:sld>
+</file>
+
+<file path=ppt/slides/slide11.xml><?xml version="1.0" encoding="utf-8"?>
+<p:sld xmlns:a="http://schemas.openxmlformats.org/drawingml/2006/main" xmlns:r="http://schemas.openxmlformats.org/officeDocument/2006/relationships" xmlns:p="http://schemas.openxmlformats.org/presentationml/2006/main">
+  <p:cSld>
+    <p:spTree>
+      <p:nvGrpSpPr>
+        <p:cNvPr id="1" name=""/>
+        <p:cNvGrpSpPr/>
+        <p:nvPr/>
+      </p:nvGrpSpPr>
+      <p:grpSpPr>
+        <a:xfrm>
+          <a:off x="0" y="0"/>
+          <a:ext cx="0" cy="0"/>
+          <a:chOff x="0" y="0"/>
+          <a:chExt cx="0" cy="0"/>
+        </a:xfrm>
+      </p:grpSpPr>
       <p:sp>
         <p:nvSpPr>
           <p:cNvPr id="2" name="Title 1">
@@ -11160,7 +11639,7 @@
 </p:sld>
 </file>
 
-<file path=ppt/slides/slide11.xml><?xml version="1.0" encoding="utf-8"?>
+<file path=ppt/slides/slide12.xml><?xml version="1.0" encoding="utf-8"?>
 <p:sld xmlns:a="http://schemas.openxmlformats.org/drawingml/2006/main" xmlns:r="http://schemas.openxmlformats.org/officeDocument/2006/relationships" xmlns:p="http://schemas.openxmlformats.org/presentationml/2006/main">
   <p:cSld>
     <p:spTree>
@@ -12156,6 +12635,180 @@
           <a:chExt cx="0" cy="0"/>
         </a:xfrm>
       </p:grpSpPr>
+      <p:pic>
+        <p:nvPicPr>
+          <p:cNvPr id="5" name="Content Placeholder 4">
+            <a:extLst>
+              <a:ext uri="{FF2B5EF4-FFF2-40B4-BE49-F238E27FC236}">
+                <a16:creationId xmlns:a16="http://schemas.microsoft.com/office/drawing/2014/main" id="{D28FF781-B198-1DAC-FC21-7D0F37D700C5}"/>
+              </a:ext>
+            </a:extLst>
+          </p:cNvPr>
+          <p:cNvPicPr>
+            <a:picLocks noGrp="1" noChangeAspect="1"/>
+          </p:cNvPicPr>
+          <p:nvPr>
+            <p:ph idx="1"/>
+          </p:nvPr>
+        </p:nvPicPr>
+        <p:blipFill>
+          <a:blip r:embed="rId3"/>
+          <a:stretch>
+            <a:fillRect/>
+          </a:stretch>
+        </p:blipFill>
+        <p:spPr>
+          <a:xfrm>
+            <a:off x="645999" y="434119"/>
+            <a:ext cx="10897761" cy="2221157"/>
+          </a:xfrm>
+        </p:spPr>
+      </p:pic>
+      <p:pic>
+        <p:nvPicPr>
+          <p:cNvPr id="10" name="Picture 9">
+            <a:extLst>
+              <a:ext uri="{FF2B5EF4-FFF2-40B4-BE49-F238E27FC236}">
+                <a16:creationId xmlns:a16="http://schemas.microsoft.com/office/drawing/2014/main" id="{853AB060-79AA-9040-67D3-59E8CF9E73C4}"/>
+              </a:ext>
+            </a:extLst>
+          </p:cNvPr>
+          <p:cNvPicPr>
+            <a:picLocks noChangeAspect="1"/>
+          </p:cNvPicPr>
+          <p:nvPr/>
+        </p:nvPicPr>
+        <p:blipFill rotWithShape="1">
+          <a:blip r:embed="rId4"/>
+          <a:srcRect b="48866"/>
+          <a:stretch/>
+        </p:blipFill>
+        <p:spPr>
+          <a:xfrm>
+            <a:off x="602481" y="2826740"/>
+            <a:ext cx="9918547" cy="1024291"/>
+          </a:xfrm>
+          <a:prstGeom prst="rect">
+            <a:avLst/>
+          </a:prstGeom>
+        </p:spPr>
+      </p:pic>
+      <p:sp>
+        <p:nvSpPr>
+          <p:cNvPr id="14" name="TextBox 13">
+            <a:extLst>
+              <a:ext uri="{FF2B5EF4-FFF2-40B4-BE49-F238E27FC236}">
+                <a16:creationId xmlns:a16="http://schemas.microsoft.com/office/drawing/2014/main" id="{B0F6B178-4355-2CC2-8828-0943D4C2F8BA}"/>
+              </a:ext>
+            </a:extLst>
+          </p:cNvPr>
+          <p:cNvSpPr txBox="1"/>
+          <p:nvPr/>
+        </p:nvSpPr>
+        <p:spPr>
+          <a:xfrm>
+            <a:off x="1740877" y="3908867"/>
+            <a:ext cx="9032632" cy="923330"/>
+          </a:xfrm>
+          <a:prstGeom prst="rect">
+            <a:avLst/>
+          </a:prstGeom>
+          <a:noFill/>
+        </p:spPr>
+        <p:txBody>
+          <a:bodyPr wrap="square">
+            <a:spAutoFit/>
+          </a:bodyPr>
+          <a:lstStyle/>
+          <a:p>
+            <a:r>
+              <a:rPr lang="en-US" b="1" i="0" dirty="0">
+                <a:solidFill>
+                  <a:srgbClr val="444444"/>
+                </a:solidFill>
+                <a:effectLst/>
+                <a:latin typeface="PT Sans" panose="020B0503020203020204" pitchFamily="34" charset="0"/>
+              </a:rPr>
+              <a:t>When </a:t>
+            </a:r>
+            <a:r>
+              <a:rPr lang="en-US" b="1" dirty="0">
+                <a:solidFill>
+                  <a:srgbClr val="444444"/>
+                </a:solidFill>
+                <a:latin typeface="PT Sans" panose="020B0503020203020204" pitchFamily="34" charset="0"/>
+              </a:rPr>
+              <a:t>t</a:t>
+            </a:r>
+            <a:r>
+              <a:rPr lang="en-US" b="1" i="0" dirty="0">
+                <a:solidFill>
+                  <a:srgbClr val="444444"/>
+                </a:solidFill>
+                <a:effectLst/>
+                <a:latin typeface="PT Sans" panose="020B0503020203020204" pitchFamily="34" charset="0"/>
+              </a:rPr>
+              <a:t>here’s a lot of dependency between the client and multiple subsystems.</a:t>
+            </a:r>
+          </a:p>
+          <a:p>
+            <a:r>
+              <a:rPr lang="en-US" b="1" i="0" dirty="0">
+                <a:solidFill>
+                  <a:srgbClr val="444444"/>
+                </a:solidFill>
+                <a:effectLst/>
+                <a:latin typeface="PT Sans" panose="020B0503020203020204" pitchFamily="34" charset="0"/>
+              </a:rPr>
+              <a:t>When you want to have a straightforward access to functions in </a:t>
+            </a:r>
+            <a:r>
+              <a:rPr lang="en-US" b="1" i="0">
+                <a:solidFill>
+                  <a:srgbClr val="444444"/>
+                </a:solidFill>
+                <a:effectLst/>
+                <a:latin typeface="PT Sans" panose="020B0503020203020204" pitchFamily="34" charset="0"/>
+              </a:rPr>
+              <a:t>different subsystems.</a:t>
+            </a:r>
+            <a:endParaRPr lang="en-US" dirty="0"/>
+          </a:p>
+          <a:p>
+            <a:endParaRPr lang="en-US" dirty="0"/>
+          </a:p>
+        </p:txBody>
+      </p:sp>
+    </p:spTree>
+    <p:extLst>
+      <p:ext uri="{BB962C8B-B14F-4D97-AF65-F5344CB8AC3E}">
+        <p14:creationId xmlns:p14="http://schemas.microsoft.com/office/powerpoint/2010/main" val="3242724567"/>
+      </p:ext>
+    </p:extLst>
+  </p:cSld>
+  <p:clrMapOvr>
+    <a:masterClrMapping/>
+  </p:clrMapOvr>
+</p:sld>
+</file>
+
+<file path=ppt/slides/slide7.xml><?xml version="1.0" encoding="utf-8"?>
+<p:sld xmlns:a="http://schemas.openxmlformats.org/drawingml/2006/main" xmlns:r="http://schemas.openxmlformats.org/officeDocument/2006/relationships" xmlns:p="http://schemas.openxmlformats.org/presentationml/2006/main">
+  <p:cSld>
+    <p:spTree>
+      <p:nvGrpSpPr>
+        <p:cNvPr id="1" name=""/>
+        <p:cNvGrpSpPr/>
+        <p:nvPr/>
+      </p:nvGrpSpPr>
+      <p:grpSpPr>
+        <a:xfrm>
+          <a:off x="0" y="0"/>
+          <a:ext cx="0" cy="0"/>
+          <a:chOff x="0" y="0"/>
+          <a:chExt cx="0" cy="0"/>
+        </a:xfrm>
+      </p:grpSpPr>
       <p:sp>
         <p:nvSpPr>
           <p:cNvPr id="2" name="Title 1">
@@ -12233,7 +12886,7 @@
 </p:sld>
 </file>
 
-<file path=ppt/slides/slide7.xml><?xml version="1.0" encoding="utf-8"?>
+<file path=ppt/slides/slide8.xml><?xml version="1.0" encoding="utf-8"?>
 <p:sld xmlns:a="http://schemas.openxmlformats.org/drawingml/2006/main" xmlns:r="http://schemas.openxmlformats.org/officeDocument/2006/relationships" xmlns:p="http://schemas.openxmlformats.org/presentationml/2006/main">
   <p:cSld>
     <p:spTree>
@@ -12407,7 +13060,7 @@
 </p:sld>
 </file>
 
-<file path=ppt/slides/slide8.xml><?xml version="1.0" encoding="utf-8"?>
+<file path=ppt/slides/slide9.xml><?xml version="1.0" encoding="utf-8"?>
 <p:sld xmlns:a="http://schemas.openxmlformats.org/drawingml/2006/main" xmlns:r="http://schemas.openxmlformats.org/officeDocument/2006/relationships" xmlns:p="http://schemas.openxmlformats.org/presentationml/2006/main">
   <p:cSld>
     <p:spTree>
@@ -12492,260 +13145,6 @@
     <p:extLst>
       <p:ext uri="{BB962C8B-B14F-4D97-AF65-F5344CB8AC3E}">
         <p14:creationId xmlns:p14="http://schemas.microsoft.com/office/powerpoint/2010/main" val="2255792575"/>
-      </p:ext>
-    </p:extLst>
-  </p:cSld>
-  <p:clrMapOvr>
-    <a:masterClrMapping/>
-  </p:clrMapOvr>
-</p:sld>
-</file>
-
-<file path=ppt/slides/slide9.xml><?xml version="1.0" encoding="utf-8"?>
-<p:sld xmlns:a="http://schemas.openxmlformats.org/drawingml/2006/main" xmlns:r="http://schemas.openxmlformats.org/officeDocument/2006/relationships" xmlns:p="http://schemas.openxmlformats.org/presentationml/2006/main">
-  <p:cSld>
-    <p:spTree>
-      <p:nvGrpSpPr>
-        <p:cNvPr id="1" name=""/>
-        <p:cNvGrpSpPr/>
-        <p:nvPr/>
-      </p:nvGrpSpPr>
-      <p:grpSpPr>
-        <a:xfrm>
-          <a:off x="0" y="0"/>
-          <a:ext cx="0" cy="0"/>
-          <a:chOff x="0" y="0"/>
-          <a:chExt cx="0" cy="0"/>
-        </a:xfrm>
-      </p:grpSpPr>
-      <p:pic>
-        <p:nvPicPr>
-          <p:cNvPr id="5" name="Content Placeholder 4" descr="Diagram&#10;&#10;Description automatically generated">
-            <a:extLst>
-              <a:ext uri="{FF2B5EF4-FFF2-40B4-BE49-F238E27FC236}">
-                <a16:creationId xmlns:a16="http://schemas.microsoft.com/office/drawing/2014/main" id="{9AF6DFB2-CA8B-049C-B100-B2BF3F170972}"/>
-              </a:ext>
-            </a:extLst>
-          </p:cNvPr>
-          <p:cNvPicPr>
-            <a:picLocks noGrp="1" noChangeAspect="1"/>
-          </p:cNvPicPr>
-          <p:nvPr>
-            <p:ph idx="1"/>
-          </p:nvPr>
-        </p:nvPicPr>
-        <p:blipFill>
-          <a:blip r:embed="rId2">
-            <a:extLst>
-              <a:ext uri="{28A0092B-C50C-407E-A947-70E740481C1C}">
-                <a14:useLocalDpi xmlns:a14="http://schemas.microsoft.com/office/drawing/2010/main" val="0"/>
-              </a:ext>
-            </a:extLst>
-          </a:blip>
-          <a:stretch>
-            <a:fillRect/>
-          </a:stretch>
-        </p:blipFill>
-        <p:spPr>
-          <a:xfrm>
-            <a:off x="5066023" y="935609"/>
-            <a:ext cx="6412498" cy="4351338"/>
-          </a:xfrm>
-          <a:prstGeom prst="rect">
-            <a:avLst/>
-          </a:prstGeom>
-          <a:ln w="38100" cap="sq">
-            <a:solidFill>
-              <a:srgbClr val="000000"/>
-            </a:solidFill>
-            <a:prstDash val="solid"/>
-            <a:miter lim="800000"/>
-          </a:ln>
-          <a:effectLst>
-            <a:outerShdw blurRad="50800" dist="38100" dir="2700000" algn="tl" rotWithShape="0">
-              <a:srgbClr val="000000">
-                <a:alpha val="43000"/>
-              </a:srgbClr>
-            </a:outerShdw>
-          </a:effectLst>
-        </p:spPr>
-      </p:pic>
-      <p:sp>
-        <p:nvSpPr>
-          <p:cNvPr id="6" name="Title 1">
-            <a:extLst>
-              <a:ext uri="{FF2B5EF4-FFF2-40B4-BE49-F238E27FC236}">
-                <a16:creationId xmlns:a16="http://schemas.microsoft.com/office/drawing/2014/main" id="{72197540-8658-9F07-27A2-6CC9C030B003}"/>
-              </a:ext>
-            </a:extLst>
-          </p:cNvPr>
-          <p:cNvSpPr txBox="1">
-            <a:spLocks/>
-          </p:cNvSpPr>
-          <p:nvPr/>
-        </p:nvSpPr>
-        <p:spPr>
-          <a:xfrm>
-            <a:off x="143254" y="867918"/>
-            <a:ext cx="4684777" cy="4351338"/>
-          </a:xfrm>
-          <a:prstGeom prst="rect">
-            <a:avLst/>
-          </a:prstGeom>
-        </p:spPr>
-        <p:txBody>
-          <a:bodyPr vert="horz" lIns="91440" tIns="45720" rIns="91440" bIns="45720" rtlCol="0" anchor="ctr">
-            <a:normAutofit fontScale="97500"/>
-          </a:bodyPr>
-          <a:lstStyle>
-            <a:lvl1pPr algn="l" defTabSz="914400" rtl="0" eaLnBrk="1" latinLnBrk="0" hangingPunct="1">
-              <a:lnSpc>
-                <a:spcPct val="90000"/>
-              </a:lnSpc>
-              <a:spcBef>
-                <a:spcPct val="0"/>
-              </a:spcBef>
-              <a:buNone/>
-              <a:defRPr sz="4400" kern="1200">
-                <a:solidFill>
-                  <a:schemeClr val="tx1"/>
-                </a:solidFill>
-                <a:latin typeface="+mj-lt"/>
-                <a:ea typeface="+mj-ea"/>
-                <a:cs typeface="+mj-cs"/>
-              </a:defRPr>
-            </a:lvl1pPr>
-          </a:lstStyle>
-          <a:p>
-            <a:pPr marL="571500" indent="-571500">
-              <a:buFont typeface="Arial" panose="020B0604020202020204" pitchFamily="34" charset="0"/>
-              <a:buChar char="•"/>
-            </a:pPr>
-            <a:r>
-              <a:rPr lang="en-US" sz="3400" dirty="0">
-                <a:solidFill>
-                  <a:srgbClr val="000000"/>
-                </a:solidFill>
-                <a:latin typeface="Cascadia Mono" panose="020B0609020000020004" pitchFamily="49" charset="0"/>
-              </a:rPr>
-              <a:t>Abstraction</a:t>
-            </a:r>
-            <a:br>
-              <a:rPr lang="en-US" sz="3400" dirty="0">
-                <a:solidFill>
-                  <a:srgbClr val="000000"/>
-                </a:solidFill>
-                <a:latin typeface="Cascadia Mono" panose="020B0609020000020004" pitchFamily="49" charset="0"/>
-              </a:rPr>
-            </a:br>
-            <a:endParaRPr lang="en-US" sz="3400" dirty="0">
-              <a:solidFill>
-                <a:srgbClr val="000000"/>
-              </a:solidFill>
-              <a:latin typeface="Cascadia Mono" panose="020B0609020000020004" pitchFamily="49" charset="0"/>
-            </a:endParaRPr>
-          </a:p>
-          <a:p>
-            <a:pPr marL="571500" indent="-571500">
-              <a:buFont typeface="Arial" panose="020B0604020202020204" pitchFamily="34" charset="0"/>
-              <a:buChar char="•"/>
-            </a:pPr>
-            <a:r>
-              <a:rPr lang="en-US" sz="3400" dirty="0">
-                <a:solidFill>
-                  <a:srgbClr val="000000"/>
-                </a:solidFill>
-                <a:latin typeface="Cascadia Mono" panose="020B0609020000020004" pitchFamily="49" charset="0"/>
-              </a:rPr>
-              <a:t>Refined Abstraction</a:t>
-            </a:r>
-            <a:br>
-              <a:rPr lang="en-US" sz="3400" dirty="0">
-                <a:solidFill>
-                  <a:srgbClr val="000000"/>
-                </a:solidFill>
-                <a:latin typeface="Cascadia Mono" panose="020B0609020000020004" pitchFamily="49" charset="0"/>
-              </a:rPr>
-            </a:br>
-            <a:endParaRPr lang="en-US" sz="3400" dirty="0">
-              <a:solidFill>
-                <a:srgbClr val="000000"/>
-              </a:solidFill>
-              <a:latin typeface="Cascadia Mono" panose="020B0609020000020004" pitchFamily="49" charset="0"/>
-            </a:endParaRPr>
-          </a:p>
-          <a:p>
-            <a:pPr marL="571500" indent="-571500">
-              <a:buFont typeface="Arial" panose="020B0604020202020204" pitchFamily="34" charset="0"/>
-              <a:buChar char="•"/>
-            </a:pPr>
-            <a:r>
-              <a:rPr lang="en-US" sz="3400" dirty="0">
-                <a:solidFill>
-                  <a:srgbClr val="000000"/>
-                </a:solidFill>
-                <a:latin typeface="Cascadia Mono" panose="020B0609020000020004" pitchFamily="49" charset="0"/>
-              </a:rPr>
-              <a:t>Implement</a:t>
-            </a:r>
-            <a:r>
-              <a:rPr lang="en-US" altLang="zh-CN" sz="3400" dirty="0">
-                <a:solidFill>
-                  <a:srgbClr val="000000"/>
-                </a:solidFill>
-                <a:latin typeface="Cascadia Mono" panose="020B0609020000020004" pitchFamily="49" charset="0"/>
-              </a:rPr>
-              <a:t>ation</a:t>
-            </a:r>
-          </a:p>
-          <a:p>
-            <a:pPr marL="571500" indent="-571500">
-              <a:buFont typeface="Arial" panose="020B0604020202020204" pitchFamily="34" charset="0"/>
-              <a:buChar char="•"/>
-            </a:pPr>
-            <a:endParaRPr lang="en-US" sz="3400" dirty="0">
-              <a:solidFill>
-                <a:srgbClr val="000000"/>
-              </a:solidFill>
-              <a:latin typeface="Cascadia Mono" panose="020B0609020000020004" pitchFamily="49" charset="0"/>
-            </a:endParaRPr>
-          </a:p>
-          <a:p>
-            <a:pPr marL="571500" indent="-571500">
-              <a:buFont typeface="Arial" panose="020B0604020202020204" pitchFamily="34" charset="0"/>
-              <a:buChar char="•"/>
-            </a:pPr>
-            <a:r>
-              <a:rPr lang="en-US" sz="3400" dirty="0">
-                <a:solidFill>
-                  <a:srgbClr val="000000"/>
-                </a:solidFill>
-                <a:latin typeface="Cascadia Mono" panose="020B0609020000020004" pitchFamily="49" charset="0"/>
-              </a:rPr>
-              <a:t>Concrete Implement</a:t>
-            </a:r>
-            <a:r>
-              <a:rPr lang="en-US" altLang="zh-CN" sz="3400" dirty="0">
-                <a:solidFill>
-                  <a:srgbClr val="000000"/>
-                </a:solidFill>
-                <a:latin typeface="Cascadia Mono" panose="020B0609020000020004" pitchFamily="49" charset="0"/>
-              </a:rPr>
-              <a:t>ations</a:t>
-            </a:r>
-            <a:endParaRPr lang="en-US" sz="3400" dirty="0">
-              <a:solidFill>
-                <a:srgbClr val="000000"/>
-              </a:solidFill>
-              <a:latin typeface="Cascadia Mono" panose="020B0609020000020004" pitchFamily="49" charset="0"/>
-            </a:endParaRPr>
-          </a:p>
-        </p:txBody>
-      </p:sp>
-    </p:spTree>
-    <p:extLst>
-      <p:ext uri="{BB962C8B-B14F-4D97-AF65-F5344CB8AC3E}">
-        <p14:creationId xmlns:p14="http://schemas.microsoft.com/office/powerpoint/2010/main" val="3196575972"/>
       </p:ext>
     </p:extLst>
   </p:cSld>

--- a/DesignPatterns/Structural Design Patterns/Structural Design Patterns.pptx
+++ b/DesignPatterns/Structural Design Patterns/Structural Design Patterns.pptx
@@ -5,21 +5,24 @@
     <p:sldMasterId id="2147483648" r:id="rId1"/>
   </p:sldMasterIdLst>
   <p:notesMasterIdLst>
-    <p:notesMasterId r:id="rId14"/>
+    <p:notesMasterId r:id="rId17"/>
   </p:notesMasterIdLst>
   <p:sldIdLst>
-    <p:sldId id="269" r:id="rId2"/>
-    <p:sldId id="257" r:id="rId3"/>
-    <p:sldId id="258" r:id="rId4"/>
-    <p:sldId id="264" r:id="rId5"/>
-    <p:sldId id="267" r:id="rId6"/>
-    <p:sldId id="270" r:id="rId7"/>
-    <p:sldId id="262" r:id="rId8"/>
-    <p:sldId id="268" r:id="rId9"/>
-    <p:sldId id="261" r:id="rId10"/>
-    <p:sldId id="265" r:id="rId11"/>
-    <p:sldId id="263" r:id="rId12"/>
-    <p:sldId id="266" r:id="rId13"/>
+    <p:sldId id="273" r:id="rId2"/>
+    <p:sldId id="269" r:id="rId3"/>
+    <p:sldId id="257" r:id="rId4"/>
+    <p:sldId id="258" r:id="rId5"/>
+    <p:sldId id="271" r:id="rId6"/>
+    <p:sldId id="264" r:id="rId7"/>
+    <p:sldId id="267" r:id="rId8"/>
+    <p:sldId id="270" r:id="rId9"/>
+    <p:sldId id="262" r:id="rId10"/>
+    <p:sldId id="268" r:id="rId11"/>
+    <p:sldId id="261" r:id="rId12"/>
+    <p:sldId id="265" r:id="rId13"/>
+    <p:sldId id="263" r:id="rId14"/>
+    <p:sldId id="266" r:id="rId15"/>
+    <p:sldId id="272" r:id="rId16"/>
   </p:sldIdLst>
   <p:sldSz cx="12192000" cy="6858000"/>
   <p:notesSz cx="6858000" cy="9144000"/>
@@ -129,7 +132,7 @@
 <file path=ppt/revisionInfo.xml><?xml version="1.0" encoding="utf-8"?>
 <p1510:revInfo xmlns:a="http://schemas.openxmlformats.org/drawingml/2006/main" xmlns:r="http://schemas.openxmlformats.org/officeDocument/2006/relationships" xmlns:p1510="http://schemas.microsoft.com/office/powerpoint/2015/10/main">
   <p1510:revLst>
-    <p1510:client id="{7272984E-1584-4374-8B38-3C1D27CF2CE8}" v="55" dt="2023-03-18T14:23:38.448"/>
+    <p1510:client id="{7272984E-1584-4374-8B38-3C1D27CF2CE8}" v="107" dt="2023-03-18T15:22:57.234"/>
   </p1510:revLst>
 </p1510:revInfo>
 </file>
@@ -139,12 +142,12 @@
   <pc:docChgLst>
     <pc:chgData name="Nancy Li" userId="afc5209a-cf39-48d8-a57f-08cc8b772ec9" providerId="ADAL" clId="{7272984E-1584-4374-8B38-3C1D27CF2CE8}"/>
     <pc:docChg chg="undo redo custSel addSld delSld modSld sldOrd">
-      <pc:chgData name="Nancy Li" userId="afc5209a-cf39-48d8-a57f-08cc8b772ec9" providerId="ADAL" clId="{7272984E-1584-4374-8B38-3C1D27CF2CE8}" dt="2023-03-18T14:33:55.802" v="854"/>
+      <pc:chgData name="Nancy Li" userId="afc5209a-cf39-48d8-a57f-08cc8b772ec9" providerId="ADAL" clId="{7272984E-1584-4374-8B38-3C1D27CF2CE8}" dt="2023-03-18T15:22:59.221" v="1029"/>
       <pc:docMkLst>
         <pc:docMk/>
       </pc:docMkLst>
       <pc:sldChg chg="modNotesTx">
-        <pc:chgData name="Nancy Li" userId="afc5209a-cf39-48d8-a57f-08cc8b772ec9" providerId="ADAL" clId="{7272984E-1584-4374-8B38-3C1D27CF2CE8}" dt="2023-03-18T13:06:12.747" v="539" actId="20577"/>
+        <pc:chgData name="Nancy Li" userId="afc5209a-cf39-48d8-a57f-08cc8b772ec9" providerId="ADAL" clId="{7272984E-1584-4374-8B38-3C1D27CF2CE8}" dt="2023-03-18T14:39:29.300" v="866" actId="20577"/>
         <pc:sldMkLst>
           <pc:docMk/>
           <pc:sldMk cId="576588270" sldId="257"/>
@@ -299,7 +302,7 @@
         </pc:picChg>
       </pc:sldChg>
       <pc:sldChg chg="modSp mod ord modNotesTx">
-        <pc:chgData name="Nancy Li" userId="afc5209a-cf39-48d8-a57f-08cc8b772ec9" providerId="ADAL" clId="{7272984E-1584-4374-8B38-3C1D27CF2CE8}" dt="2023-03-18T13:48:57.254" v="568"/>
+        <pc:chgData name="Nancy Li" userId="afc5209a-cf39-48d8-a57f-08cc8b772ec9" providerId="ADAL" clId="{7272984E-1584-4374-8B38-3C1D27CF2CE8}" dt="2023-03-18T15:05:19.823" v="941" actId="20577"/>
         <pc:sldMkLst>
           <pc:docMk/>
           <pc:sldMk cId="501764007" sldId="264"/>
@@ -1534,7 +1537,7 @@
         </pc:cxnChg>
       </pc:sldChg>
       <pc:sldChg chg="addSp delSp modSp new mod modNotesTx">
-        <pc:chgData name="Nancy Li" userId="afc5209a-cf39-48d8-a57f-08cc8b772ec9" providerId="ADAL" clId="{7272984E-1584-4374-8B38-3C1D27CF2CE8}" dt="2023-03-18T14:33:55.802" v="854"/>
+        <pc:chgData name="Nancy Li" userId="afc5209a-cf39-48d8-a57f-08cc8b772ec9" providerId="ADAL" clId="{7272984E-1584-4374-8B38-3C1D27CF2CE8}" dt="2023-03-18T14:59:14.303" v="922" actId="478"/>
         <pc:sldMkLst>
           <pc:docMk/>
           <pc:sldMk cId="3242724567" sldId="270"/>
@@ -1547,6 +1550,14 @@
             <ac:spMk id="2" creationId="{2A21F732-0C6A-9412-B4B6-387C3AD12166}"/>
           </ac:spMkLst>
         </pc:spChg>
+        <pc:spChg chg="add del mod">
+          <ac:chgData name="Nancy Li" userId="afc5209a-cf39-48d8-a57f-08cc8b772ec9" providerId="ADAL" clId="{7272984E-1584-4374-8B38-3C1D27CF2CE8}" dt="2023-03-18T14:59:14.303" v="922" actId="478"/>
+          <ac:spMkLst>
+            <pc:docMk/>
+            <pc:sldMk cId="3242724567" sldId="270"/>
+            <ac:spMk id="3" creationId="{0232B62B-1554-21E3-4AFB-0483E31940E5}"/>
+          </ac:spMkLst>
+        </pc:spChg>
         <pc:spChg chg="del">
           <ac:chgData name="Nancy Li" userId="afc5209a-cf39-48d8-a57f-08cc8b772ec9" providerId="ADAL" clId="{7272984E-1584-4374-8B38-3C1D27CF2CE8}" dt="2023-03-18T13:58:36.342" v="592" actId="22"/>
           <ac:spMkLst>
@@ -1571,24 +1582,40 @@
             <ac:spMk id="8" creationId="{41D18BA3-3E25-861E-ED86-76D50D98AF45}"/>
           </ac:spMkLst>
         </pc:spChg>
-        <pc:spChg chg="add mod">
-          <ac:chgData name="Nancy Li" userId="afc5209a-cf39-48d8-a57f-08cc8b772ec9" providerId="ADAL" clId="{7272984E-1584-4374-8B38-3C1D27CF2CE8}" dt="2023-03-18T14:33:55.802" v="854"/>
+        <pc:spChg chg="add del mod">
+          <ac:chgData name="Nancy Li" userId="afc5209a-cf39-48d8-a57f-08cc8b772ec9" providerId="ADAL" clId="{7272984E-1584-4374-8B38-3C1D27CF2CE8}" dt="2023-03-18T14:51:10.445" v="867" actId="478"/>
           <ac:spMkLst>
             <pc:docMk/>
             <pc:sldMk cId="3242724567" sldId="270"/>
             <ac:spMk id="14" creationId="{B0F6B178-4355-2CC2-8828-0943D4C2F8BA}"/>
           </ac:spMkLst>
         </pc:spChg>
-        <pc:picChg chg="add mod ord">
-          <ac:chgData name="Nancy Li" userId="afc5209a-cf39-48d8-a57f-08cc8b772ec9" providerId="ADAL" clId="{7272984E-1584-4374-8B38-3C1D27CF2CE8}" dt="2023-03-18T13:58:58.823" v="596" actId="14100"/>
+        <pc:picChg chg="add del mod ord">
+          <ac:chgData name="Nancy Li" userId="afc5209a-cf39-48d8-a57f-08cc8b772ec9" providerId="ADAL" clId="{7272984E-1584-4374-8B38-3C1D27CF2CE8}" dt="2023-03-18T14:59:14.303" v="922" actId="478"/>
           <ac:picMkLst>
             <pc:docMk/>
             <pc:sldMk cId="3242724567" sldId="270"/>
             <ac:picMk id="5" creationId="{D28FF781-B198-1DAC-FC21-7D0F37D700C5}"/>
           </ac:picMkLst>
         </pc:picChg>
-        <pc:picChg chg="add mod modCrop">
-          <ac:chgData name="Nancy Li" userId="afc5209a-cf39-48d8-a57f-08cc8b772ec9" providerId="ADAL" clId="{7272984E-1584-4374-8B38-3C1D27CF2CE8}" dt="2023-03-18T14:23:22.541" v="762" actId="732"/>
+        <pc:picChg chg="add del mod">
+          <ac:chgData name="Nancy Li" userId="afc5209a-cf39-48d8-a57f-08cc8b772ec9" providerId="ADAL" clId="{7272984E-1584-4374-8B38-3C1D27CF2CE8}" dt="2023-03-18T14:59:12.767" v="920" actId="22"/>
+          <ac:picMkLst>
+            <pc:docMk/>
+            <pc:sldMk cId="3242724567" sldId="270"/>
+            <ac:picMk id="6" creationId="{EF72314E-8BF8-067D-12C0-CD694D65D808}"/>
+          </ac:picMkLst>
+        </pc:picChg>
+        <pc:picChg chg="add del mod">
+          <ac:chgData name="Nancy Li" userId="afc5209a-cf39-48d8-a57f-08cc8b772ec9" providerId="ADAL" clId="{7272984E-1584-4374-8B38-3C1D27CF2CE8}" dt="2023-03-18T14:59:07.520" v="912" actId="22"/>
+          <ac:picMkLst>
+            <pc:docMk/>
+            <pc:sldMk cId="3242724567" sldId="270"/>
+            <ac:picMk id="8" creationId="{40D03814-4DE9-A0E1-77E3-5320257BD498}"/>
+          </ac:picMkLst>
+        </pc:picChg>
+        <pc:picChg chg="add del mod modCrop">
+          <ac:chgData name="Nancy Li" userId="afc5209a-cf39-48d8-a57f-08cc8b772ec9" providerId="ADAL" clId="{7272984E-1584-4374-8B38-3C1D27CF2CE8}" dt="2023-03-18T14:51:12.076" v="868" actId="478"/>
           <ac:picMkLst>
             <pc:docMk/>
             <pc:sldMk cId="3242724567" sldId="270"/>
@@ -1619,6 +1646,278 @@
           </ac:spMkLst>
         </pc:spChg>
       </pc:sldChg>
+      <pc:sldChg chg="addSp delSp modSp new mod modNotesTx">
+        <pc:chgData name="Nancy Li" userId="afc5209a-cf39-48d8-a57f-08cc8b772ec9" providerId="ADAL" clId="{7272984E-1584-4374-8B38-3C1D27CF2CE8}" dt="2023-03-18T15:02:49.162" v="939" actId="20577"/>
+        <pc:sldMkLst>
+          <pc:docMk/>
+          <pc:sldMk cId="4200344580" sldId="271"/>
+        </pc:sldMkLst>
+        <pc:spChg chg="del">
+          <ac:chgData name="Nancy Li" userId="afc5209a-cf39-48d8-a57f-08cc8b772ec9" providerId="ADAL" clId="{7272984E-1584-4374-8B38-3C1D27CF2CE8}" dt="2023-03-18T14:52:08.737" v="872" actId="478"/>
+          <ac:spMkLst>
+            <pc:docMk/>
+            <pc:sldMk cId="4200344580" sldId="271"/>
+            <ac:spMk id="2" creationId="{7D7B3E47-9AB8-5316-AC45-DC6582B9126D}"/>
+          </ac:spMkLst>
+        </pc:spChg>
+        <pc:spChg chg="del">
+          <ac:chgData name="Nancy Li" userId="afc5209a-cf39-48d8-a57f-08cc8b772ec9" providerId="ADAL" clId="{7272984E-1584-4374-8B38-3C1D27CF2CE8}" dt="2023-03-18T14:52:05.480" v="871" actId="22"/>
+          <ac:spMkLst>
+            <pc:docMk/>
+            <pc:sldMk cId="4200344580" sldId="271"/>
+            <ac:spMk id="3" creationId="{4E83B5A7-285C-BECD-D605-595962B7BE61}"/>
+          </ac:spMkLst>
+        </pc:spChg>
+        <pc:spChg chg="add del">
+          <ac:chgData name="Nancy Li" userId="afc5209a-cf39-48d8-a57f-08cc8b772ec9" providerId="ADAL" clId="{7272984E-1584-4374-8B38-3C1D27CF2CE8}" dt="2023-03-18T14:54:48.431" v="886" actId="22"/>
+          <ac:spMkLst>
+            <pc:docMk/>
+            <pc:sldMk cId="4200344580" sldId="271"/>
+            <ac:spMk id="10" creationId="{513E8862-82B9-F224-65A2-5D0DEDBEBF17}"/>
+          </ac:spMkLst>
+        </pc:spChg>
+        <pc:spChg chg="add del">
+          <ac:chgData name="Nancy Li" userId="afc5209a-cf39-48d8-a57f-08cc8b772ec9" providerId="ADAL" clId="{7272984E-1584-4374-8B38-3C1D27CF2CE8}" dt="2023-03-18T14:54:50.947" v="888" actId="22"/>
+          <ac:spMkLst>
+            <pc:docMk/>
+            <pc:sldMk cId="4200344580" sldId="271"/>
+            <ac:spMk id="12" creationId="{09D32985-579E-6A3F-0BAB-5C633C95DF1A}"/>
+          </ac:spMkLst>
+        </pc:spChg>
+        <pc:spChg chg="add del mod">
+          <ac:chgData name="Nancy Li" userId="afc5209a-cf39-48d8-a57f-08cc8b772ec9" providerId="ADAL" clId="{7272984E-1584-4374-8B38-3C1D27CF2CE8}" dt="2023-03-18T14:59:21.262" v="924" actId="478"/>
+          <ac:spMkLst>
+            <pc:docMk/>
+            <pc:sldMk cId="4200344580" sldId="271"/>
+            <ac:spMk id="14" creationId="{63079D2C-43A8-6B06-F6AE-B6DE7E6E5DA4}"/>
+          </ac:spMkLst>
+        </pc:spChg>
+        <pc:spChg chg="add del mod">
+          <ac:chgData name="Nancy Li" userId="afc5209a-cf39-48d8-a57f-08cc8b772ec9" providerId="ADAL" clId="{7272984E-1584-4374-8B38-3C1D27CF2CE8}" dt="2023-03-18T14:59:29.607" v="930" actId="478"/>
+          <ac:spMkLst>
+            <pc:docMk/>
+            <pc:sldMk cId="4200344580" sldId="271"/>
+            <ac:spMk id="17" creationId="{8D8D161E-CF98-5F08-5957-5187360126C4}"/>
+          </ac:spMkLst>
+        </pc:spChg>
+        <pc:picChg chg="add del mod ord modCrop">
+          <ac:chgData name="Nancy Li" userId="afc5209a-cf39-48d8-a57f-08cc8b772ec9" providerId="ADAL" clId="{7272984E-1584-4374-8B38-3C1D27CF2CE8}" dt="2023-03-18T14:59:26.264" v="928" actId="478"/>
+          <ac:picMkLst>
+            <pc:docMk/>
+            <pc:sldMk cId="4200344580" sldId="271"/>
+            <ac:picMk id="5" creationId="{3E49B649-AC59-DAF4-E9ED-C7C74AF46936}"/>
+          </ac:picMkLst>
+        </pc:picChg>
+        <pc:picChg chg="add del mod modCrop">
+          <ac:chgData name="Nancy Li" userId="afc5209a-cf39-48d8-a57f-08cc8b772ec9" providerId="ADAL" clId="{7272984E-1584-4374-8B38-3C1D27CF2CE8}" dt="2023-03-18T14:59:24.514" v="927" actId="478"/>
+          <ac:picMkLst>
+            <pc:docMk/>
+            <pc:sldMk cId="4200344580" sldId="271"/>
+            <ac:picMk id="6" creationId="{3B4F5119-6BE5-9FCD-FB50-BB8180645514}"/>
+          </ac:picMkLst>
+        </pc:picChg>
+        <pc:picChg chg="add del mod">
+          <ac:chgData name="Nancy Li" userId="afc5209a-cf39-48d8-a57f-08cc8b772ec9" providerId="ADAL" clId="{7272984E-1584-4374-8B38-3C1D27CF2CE8}" dt="2023-03-18T14:54:42.694" v="884" actId="478"/>
+          <ac:picMkLst>
+            <pc:docMk/>
+            <pc:sldMk cId="4200344580" sldId="271"/>
+            <ac:picMk id="8" creationId="{9BE26B5C-5CA5-FB58-0CF3-12098126385C}"/>
+          </ac:picMkLst>
+        </pc:picChg>
+        <pc:picChg chg="add mod">
+          <ac:chgData name="Nancy Li" userId="afc5209a-cf39-48d8-a57f-08cc8b772ec9" providerId="ADAL" clId="{7272984E-1584-4374-8B38-3C1D27CF2CE8}" dt="2023-03-18T14:59:37.455" v="932" actId="1076"/>
+          <ac:picMkLst>
+            <pc:docMk/>
+            <pc:sldMk cId="4200344580" sldId="271"/>
+            <ac:picMk id="15" creationId="{BC61C289-C67E-409D-9ED2-6E397B660BD1}"/>
+          </ac:picMkLst>
+        </pc:picChg>
+      </pc:sldChg>
+      <pc:sldChg chg="addSp delSp modSp new mod setBg">
+        <pc:chgData name="Nancy Li" userId="afc5209a-cf39-48d8-a57f-08cc8b772ec9" providerId="ADAL" clId="{7272984E-1584-4374-8B38-3C1D27CF2CE8}" dt="2023-03-18T15:17:12.975" v="1010" actId="14100"/>
+        <pc:sldMkLst>
+          <pc:docMk/>
+          <pc:sldMk cId="291393146" sldId="272"/>
+        </pc:sldMkLst>
+        <pc:spChg chg="del">
+          <ac:chgData name="Nancy Li" userId="afc5209a-cf39-48d8-a57f-08cc8b772ec9" providerId="ADAL" clId="{7272984E-1584-4374-8B38-3C1D27CF2CE8}" dt="2023-03-18T15:05:45.627" v="944" actId="478"/>
+          <ac:spMkLst>
+            <pc:docMk/>
+            <pc:sldMk cId="291393146" sldId="272"/>
+            <ac:spMk id="2" creationId="{69135A67-AADD-C0EF-894B-A94846871808}"/>
+          </ac:spMkLst>
+        </pc:spChg>
+        <pc:spChg chg="del">
+          <ac:chgData name="Nancy Li" userId="afc5209a-cf39-48d8-a57f-08cc8b772ec9" providerId="ADAL" clId="{7272984E-1584-4374-8B38-3C1D27CF2CE8}" dt="2023-03-18T15:05:43.005" v="943" actId="478"/>
+          <ac:spMkLst>
+            <pc:docMk/>
+            <pc:sldMk cId="291393146" sldId="272"/>
+            <ac:spMk id="3" creationId="{C013D964-04A2-D52B-FC07-DB7DD1F07E43}"/>
+          </ac:spMkLst>
+        </pc:spChg>
+        <pc:spChg chg="add mod">
+          <ac:chgData name="Nancy Li" userId="afc5209a-cf39-48d8-a57f-08cc8b772ec9" providerId="ADAL" clId="{7272984E-1584-4374-8B38-3C1D27CF2CE8}" dt="2023-03-18T15:16:34.428" v="1006" actId="26606"/>
+          <ac:spMkLst>
+            <pc:docMk/>
+            <pc:sldMk cId="291393146" sldId="272"/>
+            <ac:spMk id="6" creationId="{3FB7BDD9-9B0E-E59D-891E-50C1F28334AE}"/>
+          </ac:spMkLst>
+        </pc:spChg>
+        <pc:spChg chg="add del">
+          <ac:chgData name="Nancy Li" userId="afc5209a-cf39-48d8-a57f-08cc8b772ec9" providerId="ADAL" clId="{7272984E-1584-4374-8B38-3C1D27CF2CE8}" dt="2023-03-18T15:11:08.414" v="967" actId="26606"/>
+          <ac:spMkLst>
+            <pc:docMk/>
+            <pc:sldMk cId="291393146" sldId="272"/>
+            <ac:spMk id="9" creationId="{BACC6370-2D7E-4714-9D71-7542949D7D5D}"/>
+          </ac:spMkLst>
+        </pc:spChg>
+        <pc:spChg chg="add del">
+          <ac:chgData name="Nancy Li" userId="afc5209a-cf39-48d8-a57f-08cc8b772ec9" providerId="ADAL" clId="{7272984E-1584-4374-8B38-3C1D27CF2CE8}" dt="2023-03-18T15:11:08.414" v="967" actId="26606"/>
+          <ac:spMkLst>
+            <pc:docMk/>
+            <pc:sldMk cId="291393146" sldId="272"/>
+            <ac:spMk id="11" creationId="{F68B3F68-107C-434F-AA38-110D5EA91B85}"/>
+          </ac:spMkLst>
+        </pc:spChg>
+        <pc:spChg chg="add del">
+          <ac:chgData name="Nancy Li" userId="afc5209a-cf39-48d8-a57f-08cc8b772ec9" providerId="ADAL" clId="{7272984E-1584-4374-8B38-3C1D27CF2CE8}" dt="2023-03-18T15:11:08.414" v="967" actId="26606"/>
+          <ac:spMkLst>
+            <pc:docMk/>
+            <pc:sldMk cId="291393146" sldId="272"/>
+            <ac:spMk id="13" creationId="{AAD0DBB9-1A4B-4391-81D4-CB19F9AB918A}"/>
+          </ac:spMkLst>
+        </pc:spChg>
+        <pc:spChg chg="add del">
+          <ac:chgData name="Nancy Li" userId="afc5209a-cf39-48d8-a57f-08cc8b772ec9" providerId="ADAL" clId="{7272984E-1584-4374-8B38-3C1D27CF2CE8}" dt="2023-03-18T15:11:08.414" v="967" actId="26606"/>
+          <ac:spMkLst>
+            <pc:docMk/>
+            <pc:sldMk cId="291393146" sldId="272"/>
+            <ac:spMk id="15" creationId="{063BBA22-50EA-4C4D-BE05-F1CE4E63AA56}"/>
+          </ac:spMkLst>
+        </pc:spChg>
+        <pc:spChg chg="add del">
+          <ac:chgData name="Nancy Li" userId="afc5209a-cf39-48d8-a57f-08cc8b772ec9" providerId="ADAL" clId="{7272984E-1584-4374-8B38-3C1D27CF2CE8}" dt="2023-03-18T15:16:34.428" v="1006" actId="26606"/>
+          <ac:spMkLst>
+            <pc:docMk/>
+            <pc:sldMk cId="291393146" sldId="272"/>
+            <ac:spMk id="20" creationId="{9DBC8166-481C-4473-95F5-9A5B9073B7F1}"/>
+          </ac:spMkLst>
+        </pc:spChg>
+        <pc:spChg chg="add del">
+          <ac:chgData name="Nancy Li" userId="afc5209a-cf39-48d8-a57f-08cc8b772ec9" providerId="ADAL" clId="{7272984E-1584-4374-8B38-3C1D27CF2CE8}" dt="2023-03-18T15:16:34.428" v="1006" actId="26606"/>
+          <ac:spMkLst>
+            <pc:docMk/>
+            <pc:sldMk cId="291393146" sldId="272"/>
+            <ac:spMk id="22" creationId="{A5A5CE6E-90AF-4D43-A014-1F9EC83EB93D}"/>
+          </ac:spMkLst>
+        </pc:spChg>
+        <pc:spChg chg="add">
+          <ac:chgData name="Nancy Li" userId="afc5209a-cf39-48d8-a57f-08cc8b772ec9" providerId="ADAL" clId="{7272984E-1584-4374-8B38-3C1D27CF2CE8}" dt="2023-03-18T15:16:34.428" v="1006" actId="26606"/>
+          <ac:spMkLst>
+            <pc:docMk/>
+            <pc:sldMk cId="291393146" sldId="272"/>
+            <ac:spMk id="27" creationId="{9DBC8166-481C-4473-95F5-9A5B9073B7F1}"/>
+          </ac:spMkLst>
+        </pc:spChg>
+        <pc:spChg chg="add">
+          <ac:chgData name="Nancy Li" userId="afc5209a-cf39-48d8-a57f-08cc8b772ec9" providerId="ADAL" clId="{7272984E-1584-4374-8B38-3C1D27CF2CE8}" dt="2023-03-18T15:16:34.428" v="1006" actId="26606"/>
+          <ac:spMkLst>
+            <pc:docMk/>
+            <pc:sldMk cId="291393146" sldId="272"/>
+            <ac:spMk id="29" creationId="{A5A5CE6E-90AF-4D43-A014-1F9EC83EB93D}"/>
+          </ac:spMkLst>
+        </pc:spChg>
+        <pc:graphicFrameChg chg="add mod ord modGraphic">
+          <ac:chgData name="Nancy Li" userId="afc5209a-cf39-48d8-a57f-08cc8b772ec9" providerId="ADAL" clId="{7272984E-1584-4374-8B38-3C1D27CF2CE8}" dt="2023-03-18T15:17:12.975" v="1010" actId="14100"/>
+          <ac:graphicFrameMkLst>
+            <pc:docMk/>
+            <pc:sldMk cId="291393146" sldId="272"/>
+            <ac:graphicFrameMk id="4" creationId="{F24AEBD7-4394-A74A-64EE-2AE4E6086DB6}"/>
+          </ac:graphicFrameMkLst>
+        </pc:graphicFrameChg>
+      </pc:sldChg>
+      <pc:sldChg chg="new del ord">
+        <pc:chgData name="Nancy Li" userId="afc5209a-cf39-48d8-a57f-08cc8b772ec9" providerId="ADAL" clId="{7272984E-1584-4374-8B38-3C1D27CF2CE8}" dt="2023-03-18T15:21:58.499" v="1016" actId="2696"/>
+        <pc:sldMkLst>
+          <pc:docMk/>
+          <pc:sldMk cId="1837640556" sldId="273"/>
+        </pc:sldMkLst>
+      </pc:sldChg>
+      <pc:sldChg chg="modSp add mod ord">
+        <pc:chgData name="Nancy Li" userId="afc5209a-cf39-48d8-a57f-08cc8b772ec9" providerId="ADAL" clId="{7272984E-1584-4374-8B38-3C1D27CF2CE8}" dt="2023-03-18T15:22:59.221" v="1029"/>
+        <pc:sldMkLst>
+          <pc:docMk/>
+          <pc:sldMk cId="3087458597" sldId="273"/>
+        </pc:sldMkLst>
+        <pc:spChg chg="mod">
+          <ac:chgData name="Nancy Li" userId="afc5209a-cf39-48d8-a57f-08cc8b772ec9" providerId="ADAL" clId="{7272984E-1584-4374-8B38-3C1D27CF2CE8}" dt="2023-03-18T15:22:57.251" v="1027" actId="27636"/>
+          <ac:spMkLst>
+            <pc:docMk/>
+            <pc:sldMk cId="3087458597" sldId="273"/>
+            <ac:spMk id="11" creationId="{00000000-0000-0000-0000-000000000000}"/>
+          </ac:spMkLst>
+        </pc:spChg>
+      </pc:sldChg>
+      <pc:sldChg chg="modSp add del mod">
+        <pc:chgData name="Nancy Li" userId="afc5209a-cf39-48d8-a57f-08cc8b772ec9" providerId="ADAL" clId="{7272984E-1584-4374-8B38-3C1D27CF2CE8}" dt="2023-03-18T15:22:56.122" v="1025" actId="47"/>
+        <pc:sldMkLst>
+          <pc:docMk/>
+          <pc:sldMk cId="3087458597" sldId="274"/>
+        </pc:sldMkLst>
+        <pc:spChg chg="mod">
+          <ac:chgData name="Nancy Li" userId="afc5209a-cf39-48d8-a57f-08cc8b772ec9" providerId="ADAL" clId="{7272984E-1584-4374-8B38-3C1D27CF2CE8}" dt="2023-03-18T15:21:54.837" v="1015" actId="27636"/>
+          <ac:spMkLst>
+            <pc:docMk/>
+            <pc:sldMk cId="3087458597" sldId="274"/>
+            <ac:spMk id="11" creationId="{00000000-0000-0000-0000-000000000000}"/>
+          </ac:spMkLst>
+        </pc:spChg>
+      </pc:sldChg>
+      <pc:sldChg chg="modSp add del mod">
+        <pc:chgData name="Nancy Li" userId="afc5209a-cf39-48d8-a57f-08cc8b772ec9" providerId="ADAL" clId="{7272984E-1584-4374-8B38-3C1D27CF2CE8}" dt="2023-03-18T15:22:15.165" v="1020"/>
+        <pc:sldMkLst>
+          <pc:docMk/>
+          <pc:sldMk cId="758313301" sldId="275"/>
+        </pc:sldMkLst>
+        <pc:spChg chg="mod">
+          <ac:chgData name="Nancy Li" userId="afc5209a-cf39-48d8-a57f-08cc8b772ec9" providerId="ADAL" clId="{7272984E-1584-4374-8B38-3C1D27CF2CE8}" dt="2023-03-18T15:22:15.165" v="1020"/>
+          <ac:spMkLst>
+            <pc:docMk/>
+            <pc:sldMk cId="758313301" sldId="275"/>
+            <ac:spMk id="11" creationId="{00000000-0000-0000-0000-000000000000}"/>
+          </ac:spMkLst>
+        </pc:spChg>
+      </pc:sldChg>
+      <pc:sldChg chg="modSp add del mod">
+        <pc:chgData name="Nancy Li" userId="afc5209a-cf39-48d8-a57f-08cc8b772ec9" providerId="ADAL" clId="{7272984E-1584-4374-8B38-3C1D27CF2CE8}" dt="2023-03-18T15:22:27.564" v="1024"/>
+        <pc:sldMkLst>
+          <pc:docMk/>
+          <pc:sldMk cId="784091627" sldId="275"/>
+        </pc:sldMkLst>
+        <pc:spChg chg="mod">
+          <ac:chgData name="Nancy Li" userId="afc5209a-cf39-48d8-a57f-08cc8b772ec9" providerId="ADAL" clId="{7272984E-1584-4374-8B38-3C1D27CF2CE8}" dt="2023-03-18T15:22:27.564" v="1024"/>
+          <ac:spMkLst>
+            <pc:docMk/>
+            <pc:sldMk cId="784091627" sldId="275"/>
+            <ac:spMk id="11" creationId="{00000000-0000-0000-0000-000000000000}"/>
+          </ac:spMkLst>
+        </pc:spChg>
+      </pc:sldChg>
+      <pc:sldMasterChg chg="delSldLayout">
+        <pc:chgData name="Nancy Li" userId="afc5209a-cf39-48d8-a57f-08cc8b772ec9" providerId="ADAL" clId="{7272984E-1584-4374-8B38-3C1D27CF2CE8}" dt="2023-03-18T15:22:56.122" v="1025" actId="47"/>
+        <pc:sldMasterMkLst>
+          <pc:docMk/>
+          <pc:sldMasterMk cId="266582994" sldId="2147483648"/>
+        </pc:sldMasterMkLst>
+        <pc:sldLayoutChg chg="del">
+          <pc:chgData name="Nancy Li" userId="afc5209a-cf39-48d8-a57f-08cc8b772ec9" providerId="ADAL" clId="{7272984E-1584-4374-8B38-3C1D27CF2CE8}" dt="2023-03-18T15:22:56.122" v="1025" actId="47"/>
+          <pc:sldLayoutMkLst>
+            <pc:docMk/>
+            <pc:sldMasterMk cId="266582994" sldId="2147483648"/>
+            <pc:sldLayoutMk cId="2151084480" sldId="2147483660"/>
+          </pc:sldLayoutMkLst>
+        </pc:sldLayoutChg>
+      </pc:sldMasterChg>
     </pc:docChg>
   </pc:docChgLst>
   <pc:docChgLst>
@@ -2797,6 +3096,753 @@
   <dgm:styleLbl name="fgShp">
     <dgm:fillClrLst meth="repeat">
       <a:schemeClr val="accent1">
+        <a:tint val="60000"/>
+      </a:schemeClr>
+    </dgm:fillClrLst>
+    <dgm:linClrLst meth="repeat">
+      <a:schemeClr val="lt1"/>
+    </dgm:linClrLst>
+    <dgm:effectClrLst/>
+    <dgm:txLinClrLst/>
+    <dgm:txFillClrLst meth="repeat">
+      <a:schemeClr val="dk1"/>
+    </dgm:txFillClrLst>
+    <dgm:txEffectClrLst/>
+  </dgm:styleLbl>
+  <dgm:styleLbl name="revTx">
+    <dgm:fillClrLst meth="repeat">
+      <a:schemeClr val="lt1">
+        <a:alpha val="0"/>
+      </a:schemeClr>
+    </dgm:fillClrLst>
+    <dgm:linClrLst meth="repeat">
+      <a:schemeClr val="dk1">
+        <a:alpha val="0"/>
+      </a:schemeClr>
+    </dgm:linClrLst>
+    <dgm:effectClrLst/>
+    <dgm:txLinClrLst/>
+    <dgm:txFillClrLst meth="repeat">
+      <a:schemeClr val="tx1"/>
+    </dgm:txFillClrLst>
+    <dgm:txEffectClrLst/>
+  </dgm:styleLbl>
+</dgm:colorsDef>
+</file>
+
+<file path=ppt/diagrams/colors2.xml><?xml version="1.0" encoding="utf-8"?>
+<dgm:colorsDef xmlns:dgm="http://schemas.openxmlformats.org/drawingml/2006/diagram" xmlns:a="http://schemas.openxmlformats.org/drawingml/2006/main" uniqueId="urn:microsoft.com/office/officeart/2005/8/colors/accent2_2">
+  <dgm:title val=""/>
+  <dgm:desc val=""/>
+  <dgm:catLst>
+    <dgm:cat type="accent2" pri="11200"/>
+  </dgm:catLst>
+  <dgm:styleLbl name="node0">
+    <dgm:fillClrLst meth="repeat">
+      <a:schemeClr val="accent2"/>
+    </dgm:fillClrLst>
+    <dgm:linClrLst meth="repeat">
+      <a:schemeClr val="lt1"/>
+    </dgm:linClrLst>
+    <dgm:effectClrLst/>
+    <dgm:txLinClrLst/>
+    <dgm:txFillClrLst/>
+    <dgm:txEffectClrLst/>
+  </dgm:styleLbl>
+  <dgm:styleLbl name="node1">
+    <dgm:fillClrLst meth="repeat">
+      <a:schemeClr val="accent2"/>
+    </dgm:fillClrLst>
+    <dgm:linClrLst meth="repeat">
+      <a:schemeClr val="lt1"/>
+    </dgm:linClrLst>
+    <dgm:effectClrLst/>
+    <dgm:txLinClrLst/>
+    <dgm:txFillClrLst/>
+    <dgm:txEffectClrLst/>
+  </dgm:styleLbl>
+  <dgm:styleLbl name="alignNode1">
+    <dgm:fillClrLst meth="repeat">
+      <a:schemeClr val="accent2"/>
+    </dgm:fillClrLst>
+    <dgm:linClrLst meth="repeat">
+      <a:schemeClr val="accent2"/>
+    </dgm:linClrLst>
+    <dgm:effectClrLst/>
+    <dgm:txLinClrLst/>
+    <dgm:txFillClrLst/>
+    <dgm:txEffectClrLst/>
+  </dgm:styleLbl>
+  <dgm:styleLbl name="lnNode1">
+    <dgm:fillClrLst meth="repeat">
+      <a:schemeClr val="accent2"/>
+    </dgm:fillClrLst>
+    <dgm:linClrLst meth="repeat">
+      <a:schemeClr val="lt1"/>
+    </dgm:linClrLst>
+    <dgm:effectClrLst/>
+    <dgm:txLinClrLst/>
+    <dgm:txFillClrLst/>
+    <dgm:txEffectClrLst/>
+  </dgm:styleLbl>
+  <dgm:styleLbl name="vennNode1">
+    <dgm:fillClrLst meth="repeat">
+      <a:schemeClr val="accent2">
+        <a:alpha val="50000"/>
+      </a:schemeClr>
+    </dgm:fillClrLst>
+    <dgm:linClrLst meth="repeat">
+      <a:schemeClr val="lt1"/>
+    </dgm:linClrLst>
+    <dgm:effectClrLst/>
+    <dgm:txLinClrLst/>
+    <dgm:txFillClrLst/>
+    <dgm:txEffectClrLst/>
+  </dgm:styleLbl>
+  <dgm:styleLbl name="node2">
+    <dgm:fillClrLst meth="repeat">
+      <a:schemeClr val="accent2"/>
+    </dgm:fillClrLst>
+    <dgm:linClrLst meth="repeat">
+      <a:schemeClr val="lt1"/>
+    </dgm:linClrLst>
+    <dgm:effectClrLst/>
+    <dgm:txLinClrLst/>
+    <dgm:txFillClrLst/>
+    <dgm:txEffectClrLst/>
+  </dgm:styleLbl>
+  <dgm:styleLbl name="node3">
+    <dgm:fillClrLst meth="repeat">
+      <a:schemeClr val="accent2"/>
+    </dgm:fillClrLst>
+    <dgm:linClrLst meth="repeat">
+      <a:schemeClr val="lt1"/>
+    </dgm:linClrLst>
+    <dgm:effectClrLst/>
+    <dgm:txLinClrLst/>
+    <dgm:txFillClrLst/>
+    <dgm:txEffectClrLst/>
+  </dgm:styleLbl>
+  <dgm:styleLbl name="node4">
+    <dgm:fillClrLst meth="repeat">
+      <a:schemeClr val="accent2"/>
+    </dgm:fillClrLst>
+    <dgm:linClrLst meth="repeat">
+      <a:schemeClr val="lt1"/>
+    </dgm:linClrLst>
+    <dgm:effectClrLst/>
+    <dgm:txLinClrLst/>
+    <dgm:txFillClrLst/>
+    <dgm:txEffectClrLst/>
+  </dgm:styleLbl>
+  <dgm:styleLbl name="fgImgPlace1">
+    <dgm:fillClrLst meth="repeat">
+      <a:schemeClr val="accent2">
+        <a:tint val="50000"/>
+      </a:schemeClr>
+    </dgm:fillClrLst>
+    <dgm:linClrLst meth="repeat">
+      <a:schemeClr val="lt1"/>
+    </dgm:linClrLst>
+    <dgm:effectClrLst/>
+    <dgm:txLinClrLst/>
+    <dgm:txFillClrLst meth="repeat">
+      <a:schemeClr val="lt1"/>
+    </dgm:txFillClrLst>
+    <dgm:txEffectClrLst/>
+  </dgm:styleLbl>
+  <dgm:styleLbl name="alignImgPlace1">
+    <dgm:fillClrLst meth="repeat">
+      <a:schemeClr val="accent2">
+        <a:tint val="50000"/>
+      </a:schemeClr>
+    </dgm:fillClrLst>
+    <dgm:linClrLst meth="repeat">
+      <a:schemeClr val="lt1"/>
+    </dgm:linClrLst>
+    <dgm:effectClrLst/>
+    <dgm:txLinClrLst/>
+    <dgm:txFillClrLst meth="repeat">
+      <a:schemeClr val="lt1"/>
+    </dgm:txFillClrLst>
+    <dgm:txEffectClrLst/>
+  </dgm:styleLbl>
+  <dgm:styleLbl name="bgImgPlace1">
+    <dgm:fillClrLst meth="repeat">
+      <a:schemeClr val="accent2">
+        <a:tint val="50000"/>
+      </a:schemeClr>
+    </dgm:fillClrLst>
+    <dgm:linClrLst meth="repeat">
+      <a:schemeClr val="lt1"/>
+    </dgm:linClrLst>
+    <dgm:effectClrLst/>
+    <dgm:txLinClrLst/>
+    <dgm:txFillClrLst meth="repeat">
+      <a:schemeClr val="lt1"/>
+    </dgm:txFillClrLst>
+    <dgm:txEffectClrLst/>
+  </dgm:styleLbl>
+  <dgm:styleLbl name="sibTrans2D1">
+    <dgm:fillClrLst meth="repeat">
+      <a:schemeClr val="accent2">
+        <a:tint val="60000"/>
+      </a:schemeClr>
+    </dgm:fillClrLst>
+    <dgm:linClrLst meth="repeat">
+      <a:schemeClr val="accent2">
+        <a:tint val="60000"/>
+      </a:schemeClr>
+    </dgm:linClrLst>
+    <dgm:effectClrLst/>
+    <dgm:txLinClrLst/>
+    <dgm:txFillClrLst/>
+    <dgm:txEffectClrLst/>
+  </dgm:styleLbl>
+  <dgm:styleLbl name="fgSibTrans2D1">
+    <dgm:fillClrLst meth="repeat">
+      <a:schemeClr val="accent2">
+        <a:tint val="60000"/>
+      </a:schemeClr>
+    </dgm:fillClrLst>
+    <dgm:linClrLst meth="repeat">
+      <a:schemeClr val="accent2">
+        <a:tint val="60000"/>
+      </a:schemeClr>
+    </dgm:linClrLst>
+    <dgm:effectClrLst/>
+    <dgm:txLinClrLst/>
+    <dgm:txFillClrLst/>
+    <dgm:txEffectClrLst/>
+  </dgm:styleLbl>
+  <dgm:styleLbl name="bgSibTrans2D1">
+    <dgm:fillClrLst meth="repeat">
+      <a:schemeClr val="accent2">
+        <a:tint val="60000"/>
+      </a:schemeClr>
+    </dgm:fillClrLst>
+    <dgm:linClrLst meth="repeat">
+      <a:schemeClr val="accent2">
+        <a:tint val="60000"/>
+      </a:schemeClr>
+    </dgm:linClrLst>
+    <dgm:effectClrLst/>
+    <dgm:txLinClrLst/>
+    <dgm:txFillClrLst/>
+    <dgm:txEffectClrLst/>
+  </dgm:styleLbl>
+  <dgm:styleLbl name="sibTrans1D1">
+    <dgm:fillClrLst meth="repeat">
+      <a:schemeClr val="accent2"/>
+    </dgm:fillClrLst>
+    <dgm:linClrLst meth="repeat">
+      <a:schemeClr val="accent2"/>
+    </dgm:linClrLst>
+    <dgm:effectClrLst/>
+    <dgm:txLinClrLst/>
+    <dgm:txFillClrLst meth="repeat">
+      <a:schemeClr val="tx1"/>
+    </dgm:txFillClrLst>
+    <dgm:txEffectClrLst/>
+  </dgm:styleLbl>
+  <dgm:styleLbl name="callout">
+    <dgm:fillClrLst meth="repeat">
+      <a:schemeClr val="accent2"/>
+    </dgm:fillClrLst>
+    <dgm:linClrLst meth="repeat">
+      <a:schemeClr val="accent2">
+        <a:tint val="50000"/>
+      </a:schemeClr>
+    </dgm:linClrLst>
+    <dgm:effectClrLst/>
+    <dgm:txLinClrLst/>
+    <dgm:txFillClrLst meth="repeat">
+      <a:schemeClr val="tx1"/>
+    </dgm:txFillClrLst>
+    <dgm:txEffectClrLst/>
+  </dgm:styleLbl>
+  <dgm:styleLbl name="asst0">
+    <dgm:fillClrLst meth="repeat">
+      <a:schemeClr val="accent2"/>
+    </dgm:fillClrLst>
+    <dgm:linClrLst meth="repeat">
+      <a:schemeClr val="lt1"/>
+    </dgm:linClrLst>
+    <dgm:effectClrLst/>
+    <dgm:txLinClrLst/>
+    <dgm:txFillClrLst/>
+    <dgm:txEffectClrLst/>
+  </dgm:styleLbl>
+  <dgm:styleLbl name="asst1">
+    <dgm:fillClrLst meth="repeat">
+      <a:schemeClr val="accent2"/>
+    </dgm:fillClrLst>
+    <dgm:linClrLst meth="repeat">
+      <a:schemeClr val="lt1"/>
+    </dgm:linClrLst>
+    <dgm:effectClrLst/>
+    <dgm:txLinClrLst/>
+    <dgm:txFillClrLst/>
+    <dgm:txEffectClrLst/>
+  </dgm:styleLbl>
+  <dgm:styleLbl name="asst2">
+    <dgm:fillClrLst meth="repeat">
+      <a:schemeClr val="accent2"/>
+    </dgm:fillClrLst>
+    <dgm:linClrLst meth="repeat">
+      <a:schemeClr val="lt1"/>
+    </dgm:linClrLst>
+    <dgm:effectClrLst/>
+    <dgm:txLinClrLst/>
+    <dgm:txFillClrLst/>
+    <dgm:txEffectClrLst/>
+  </dgm:styleLbl>
+  <dgm:styleLbl name="asst3">
+    <dgm:fillClrLst meth="repeat">
+      <a:schemeClr val="accent2"/>
+    </dgm:fillClrLst>
+    <dgm:linClrLst meth="repeat">
+      <a:schemeClr val="lt1"/>
+    </dgm:linClrLst>
+    <dgm:effectClrLst/>
+    <dgm:txLinClrLst/>
+    <dgm:txFillClrLst/>
+    <dgm:txEffectClrLst/>
+  </dgm:styleLbl>
+  <dgm:styleLbl name="asst4">
+    <dgm:fillClrLst meth="repeat">
+      <a:schemeClr val="accent2"/>
+    </dgm:fillClrLst>
+    <dgm:linClrLst meth="repeat">
+      <a:schemeClr val="lt1"/>
+    </dgm:linClrLst>
+    <dgm:effectClrLst/>
+    <dgm:txLinClrLst/>
+    <dgm:txFillClrLst/>
+    <dgm:txEffectClrLst/>
+  </dgm:styleLbl>
+  <dgm:styleLbl name="parChTrans2D1">
+    <dgm:fillClrLst meth="repeat">
+      <a:schemeClr val="accent2">
+        <a:tint val="60000"/>
+      </a:schemeClr>
+    </dgm:fillClrLst>
+    <dgm:linClrLst meth="repeat">
+      <a:schemeClr val="accent2">
+        <a:tint val="60000"/>
+      </a:schemeClr>
+    </dgm:linClrLst>
+    <dgm:effectClrLst/>
+    <dgm:txLinClrLst/>
+    <dgm:txFillClrLst meth="repeat">
+      <a:schemeClr val="lt1"/>
+    </dgm:txFillClrLst>
+    <dgm:txEffectClrLst/>
+  </dgm:styleLbl>
+  <dgm:styleLbl name="parChTrans2D2">
+    <dgm:fillClrLst meth="repeat">
+      <a:schemeClr val="accent2"/>
+    </dgm:fillClrLst>
+    <dgm:linClrLst meth="repeat">
+      <a:schemeClr val="accent2"/>
+    </dgm:linClrLst>
+    <dgm:effectClrLst/>
+    <dgm:txLinClrLst/>
+    <dgm:txFillClrLst meth="repeat">
+      <a:schemeClr val="lt1"/>
+    </dgm:txFillClrLst>
+    <dgm:txEffectClrLst/>
+  </dgm:styleLbl>
+  <dgm:styleLbl name="parChTrans2D3">
+    <dgm:fillClrLst meth="repeat">
+      <a:schemeClr val="accent2"/>
+    </dgm:fillClrLst>
+    <dgm:linClrLst meth="repeat">
+      <a:schemeClr val="accent2"/>
+    </dgm:linClrLst>
+    <dgm:effectClrLst/>
+    <dgm:txLinClrLst/>
+    <dgm:txFillClrLst meth="repeat">
+      <a:schemeClr val="lt1"/>
+    </dgm:txFillClrLst>
+    <dgm:txEffectClrLst/>
+  </dgm:styleLbl>
+  <dgm:styleLbl name="parChTrans2D4">
+    <dgm:fillClrLst meth="repeat">
+      <a:schemeClr val="accent2"/>
+    </dgm:fillClrLst>
+    <dgm:linClrLst meth="repeat">
+      <a:schemeClr val="accent2"/>
+    </dgm:linClrLst>
+    <dgm:effectClrLst/>
+    <dgm:txLinClrLst/>
+    <dgm:txFillClrLst meth="repeat">
+      <a:schemeClr val="lt1"/>
+    </dgm:txFillClrLst>
+    <dgm:txEffectClrLst/>
+  </dgm:styleLbl>
+  <dgm:styleLbl name="parChTrans1D1">
+    <dgm:fillClrLst meth="repeat">
+      <a:schemeClr val="accent2"/>
+    </dgm:fillClrLst>
+    <dgm:linClrLst meth="repeat">
+      <a:schemeClr val="accent2">
+        <a:shade val="60000"/>
+      </a:schemeClr>
+    </dgm:linClrLst>
+    <dgm:effectClrLst/>
+    <dgm:txLinClrLst/>
+    <dgm:txFillClrLst meth="repeat">
+      <a:schemeClr val="tx1"/>
+    </dgm:txFillClrLst>
+    <dgm:txEffectClrLst/>
+  </dgm:styleLbl>
+  <dgm:styleLbl name="parChTrans1D2">
+    <dgm:fillClrLst meth="repeat">
+      <a:schemeClr val="accent2"/>
+    </dgm:fillClrLst>
+    <dgm:linClrLst meth="repeat">
+      <a:schemeClr val="accent2">
+        <a:shade val="60000"/>
+      </a:schemeClr>
+    </dgm:linClrLst>
+    <dgm:effectClrLst/>
+    <dgm:txLinClrLst/>
+    <dgm:txFillClrLst meth="repeat">
+      <a:schemeClr val="tx1"/>
+    </dgm:txFillClrLst>
+    <dgm:txEffectClrLst/>
+  </dgm:styleLbl>
+  <dgm:styleLbl name="parChTrans1D3">
+    <dgm:fillClrLst meth="repeat">
+      <a:schemeClr val="accent2"/>
+    </dgm:fillClrLst>
+    <dgm:linClrLst meth="repeat">
+      <a:schemeClr val="accent2">
+        <a:shade val="80000"/>
+      </a:schemeClr>
+    </dgm:linClrLst>
+    <dgm:effectClrLst/>
+    <dgm:txLinClrLst/>
+    <dgm:txFillClrLst meth="repeat">
+      <a:schemeClr val="tx1"/>
+    </dgm:txFillClrLst>
+    <dgm:txEffectClrLst/>
+  </dgm:styleLbl>
+  <dgm:styleLbl name="parChTrans1D4">
+    <dgm:fillClrLst meth="repeat">
+      <a:schemeClr val="accent2"/>
+    </dgm:fillClrLst>
+    <dgm:linClrLst meth="repeat">
+      <a:schemeClr val="accent2">
+        <a:shade val="80000"/>
+      </a:schemeClr>
+    </dgm:linClrLst>
+    <dgm:effectClrLst/>
+    <dgm:txLinClrLst/>
+    <dgm:txFillClrLst meth="repeat">
+      <a:schemeClr val="tx1"/>
+    </dgm:txFillClrLst>
+    <dgm:txEffectClrLst/>
+  </dgm:styleLbl>
+  <dgm:styleLbl name="fgAcc1">
+    <dgm:fillClrLst meth="repeat">
+      <a:schemeClr val="lt1">
+        <a:alpha val="90000"/>
+      </a:schemeClr>
+    </dgm:fillClrLst>
+    <dgm:linClrLst meth="repeat">
+      <a:schemeClr val="accent2"/>
+    </dgm:linClrLst>
+    <dgm:effectClrLst/>
+    <dgm:txLinClrLst/>
+    <dgm:txFillClrLst meth="repeat">
+      <a:schemeClr val="dk1"/>
+    </dgm:txFillClrLst>
+    <dgm:txEffectClrLst/>
+  </dgm:styleLbl>
+  <dgm:styleLbl name="conFgAcc1">
+    <dgm:fillClrLst meth="repeat">
+      <a:schemeClr val="lt1">
+        <a:alpha val="90000"/>
+      </a:schemeClr>
+    </dgm:fillClrLst>
+    <dgm:linClrLst meth="repeat">
+      <a:schemeClr val="accent2"/>
+    </dgm:linClrLst>
+    <dgm:effectClrLst/>
+    <dgm:txLinClrLst/>
+    <dgm:txFillClrLst meth="repeat">
+      <a:schemeClr val="dk1"/>
+    </dgm:txFillClrLst>
+    <dgm:txEffectClrLst/>
+  </dgm:styleLbl>
+  <dgm:styleLbl name="alignAcc1">
+    <dgm:fillClrLst meth="repeat">
+      <a:schemeClr val="lt1">
+        <a:alpha val="90000"/>
+      </a:schemeClr>
+    </dgm:fillClrLst>
+    <dgm:linClrLst meth="repeat">
+      <a:schemeClr val="accent2"/>
+    </dgm:linClrLst>
+    <dgm:effectClrLst/>
+    <dgm:txLinClrLst/>
+    <dgm:txFillClrLst meth="repeat">
+      <a:schemeClr val="dk1"/>
+    </dgm:txFillClrLst>
+    <dgm:txEffectClrLst/>
+  </dgm:styleLbl>
+  <dgm:styleLbl name="trAlignAcc1">
+    <dgm:fillClrLst meth="repeat">
+      <a:schemeClr val="lt1">
+        <a:alpha val="40000"/>
+      </a:schemeClr>
+    </dgm:fillClrLst>
+    <dgm:linClrLst meth="repeat">
+      <a:schemeClr val="accent2"/>
+    </dgm:linClrLst>
+    <dgm:effectClrLst/>
+    <dgm:txLinClrLst/>
+    <dgm:txFillClrLst meth="repeat">
+      <a:schemeClr val="dk1"/>
+    </dgm:txFillClrLst>
+    <dgm:txEffectClrLst/>
+  </dgm:styleLbl>
+  <dgm:styleLbl name="bgAcc1">
+    <dgm:fillClrLst meth="repeat">
+      <a:schemeClr val="lt1">
+        <a:alpha val="90000"/>
+      </a:schemeClr>
+    </dgm:fillClrLst>
+    <dgm:linClrLst meth="repeat">
+      <a:schemeClr val="accent2"/>
+    </dgm:linClrLst>
+    <dgm:effectClrLst/>
+    <dgm:txLinClrLst/>
+    <dgm:txFillClrLst meth="repeat">
+      <a:schemeClr val="dk1"/>
+    </dgm:txFillClrLst>
+    <dgm:txEffectClrLst/>
+  </dgm:styleLbl>
+  <dgm:styleLbl name="solidFgAcc1">
+    <dgm:fillClrLst meth="repeat">
+      <a:schemeClr val="lt1"/>
+    </dgm:fillClrLst>
+    <dgm:linClrLst meth="repeat">
+      <a:schemeClr val="accent2"/>
+    </dgm:linClrLst>
+    <dgm:effectClrLst/>
+    <dgm:txLinClrLst/>
+    <dgm:txFillClrLst meth="repeat">
+      <a:schemeClr val="dk1"/>
+    </dgm:txFillClrLst>
+    <dgm:txEffectClrLst/>
+  </dgm:styleLbl>
+  <dgm:styleLbl name="solidAlignAcc1">
+    <dgm:fillClrLst meth="repeat">
+      <a:schemeClr val="lt1"/>
+    </dgm:fillClrLst>
+    <dgm:linClrLst meth="repeat">
+      <a:schemeClr val="accent2"/>
+    </dgm:linClrLst>
+    <dgm:effectClrLst/>
+    <dgm:txLinClrLst/>
+    <dgm:txFillClrLst meth="repeat">
+      <a:schemeClr val="dk1"/>
+    </dgm:txFillClrLst>
+    <dgm:txEffectClrLst/>
+  </dgm:styleLbl>
+  <dgm:styleLbl name="solidBgAcc1">
+    <dgm:fillClrLst meth="repeat">
+      <a:schemeClr val="lt1"/>
+    </dgm:fillClrLst>
+    <dgm:linClrLst meth="repeat">
+      <a:schemeClr val="accent2"/>
+    </dgm:linClrLst>
+    <dgm:effectClrLst/>
+    <dgm:txLinClrLst/>
+    <dgm:txFillClrLst meth="repeat">
+      <a:schemeClr val="dk1"/>
+    </dgm:txFillClrLst>
+    <dgm:txEffectClrLst/>
+  </dgm:styleLbl>
+  <dgm:styleLbl name="fgAccFollowNode1">
+    <dgm:fillClrLst meth="repeat">
+      <a:schemeClr val="accent2">
+        <a:alpha val="90000"/>
+        <a:tint val="40000"/>
+      </a:schemeClr>
+    </dgm:fillClrLst>
+    <dgm:linClrLst meth="repeat">
+      <a:schemeClr val="accent2">
+        <a:alpha val="90000"/>
+        <a:tint val="40000"/>
+      </a:schemeClr>
+    </dgm:linClrLst>
+    <dgm:effectClrLst/>
+    <dgm:txLinClrLst/>
+    <dgm:txFillClrLst meth="repeat">
+      <a:schemeClr val="dk1"/>
+    </dgm:txFillClrLst>
+    <dgm:txEffectClrLst/>
+  </dgm:styleLbl>
+  <dgm:styleLbl name="alignAccFollowNode1">
+    <dgm:fillClrLst meth="repeat">
+      <a:schemeClr val="accent2">
+        <a:alpha val="90000"/>
+        <a:tint val="40000"/>
+      </a:schemeClr>
+    </dgm:fillClrLst>
+    <dgm:linClrLst meth="repeat">
+      <a:schemeClr val="accent2">
+        <a:alpha val="90000"/>
+        <a:tint val="40000"/>
+      </a:schemeClr>
+    </dgm:linClrLst>
+    <dgm:effectClrLst/>
+    <dgm:txLinClrLst/>
+    <dgm:txFillClrLst meth="repeat">
+      <a:schemeClr val="dk1"/>
+    </dgm:txFillClrLst>
+    <dgm:txEffectClrLst/>
+  </dgm:styleLbl>
+  <dgm:styleLbl name="bgAccFollowNode1">
+    <dgm:fillClrLst meth="repeat">
+      <a:schemeClr val="accent2">
+        <a:alpha val="90000"/>
+        <a:tint val="40000"/>
+      </a:schemeClr>
+    </dgm:fillClrLst>
+    <dgm:linClrLst meth="repeat">
+      <a:schemeClr val="accent2">
+        <a:alpha val="90000"/>
+        <a:tint val="40000"/>
+      </a:schemeClr>
+    </dgm:linClrLst>
+    <dgm:effectClrLst/>
+    <dgm:txLinClrLst/>
+    <dgm:txFillClrLst meth="repeat">
+      <a:schemeClr val="dk1"/>
+    </dgm:txFillClrLst>
+    <dgm:txEffectClrLst/>
+  </dgm:styleLbl>
+  <dgm:styleLbl name="fgAcc0">
+    <dgm:fillClrLst meth="repeat">
+      <a:schemeClr val="lt1">
+        <a:alpha val="90000"/>
+      </a:schemeClr>
+    </dgm:fillClrLst>
+    <dgm:linClrLst meth="repeat">
+      <a:schemeClr val="accent2"/>
+    </dgm:linClrLst>
+    <dgm:effectClrLst/>
+    <dgm:txLinClrLst/>
+    <dgm:txFillClrLst meth="repeat">
+      <a:schemeClr val="dk1"/>
+    </dgm:txFillClrLst>
+    <dgm:txEffectClrLst/>
+  </dgm:styleLbl>
+  <dgm:styleLbl name="fgAcc2">
+    <dgm:fillClrLst meth="repeat">
+      <a:schemeClr val="lt1">
+        <a:alpha val="90000"/>
+      </a:schemeClr>
+    </dgm:fillClrLst>
+    <dgm:linClrLst meth="repeat">
+      <a:schemeClr val="accent2"/>
+    </dgm:linClrLst>
+    <dgm:effectClrLst/>
+    <dgm:txLinClrLst/>
+    <dgm:txFillClrLst meth="repeat">
+      <a:schemeClr val="dk1"/>
+    </dgm:txFillClrLst>
+    <dgm:txEffectClrLst/>
+  </dgm:styleLbl>
+  <dgm:styleLbl name="fgAcc3">
+    <dgm:fillClrLst meth="repeat">
+      <a:schemeClr val="lt1">
+        <a:alpha val="90000"/>
+      </a:schemeClr>
+    </dgm:fillClrLst>
+    <dgm:linClrLst meth="repeat">
+      <a:schemeClr val="accent2"/>
+    </dgm:linClrLst>
+    <dgm:effectClrLst/>
+    <dgm:txLinClrLst/>
+    <dgm:txFillClrLst meth="repeat">
+      <a:schemeClr val="dk1"/>
+    </dgm:txFillClrLst>
+    <dgm:txEffectClrLst/>
+  </dgm:styleLbl>
+  <dgm:styleLbl name="fgAcc4">
+    <dgm:fillClrLst meth="repeat">
+      <a:schemeClr val="lt1">
+        <a:alpha val="90000"/>
+      </a:schemeClr>
+    </dgm:fillClrLst>
+    <dgm:linClrLst meth="repeat">
+      <a:schemeClr val="accent2"/>
+    </dgm:linClrLst>
+    <dgm:effectClrLst/>
+    <dgm:txLinClrLst/>
+    <dgm:txFillClrLst meth="repeat">
+      <a:schemeClr val="dk1"/>
+    </dgm:txFillClrLst>
+    <dgm:txEffectClrLst/>
+  </dgm:styleLbl>
+  <dgm:styleLbl name="bgShp">
+    <dgm:fillClrLst meth="repeat">
+      <a:schemeClr val="accent2">
+        <a:tint val="40000"/>
+      </a:schemeClr>
+    </dgm:fillClrLst>
+    <dgm:linClrLst meth="repeat">
+      <a:schemeClr val="accent2"/>
+    </dgm:linClrLst>
+    <dgm:effectClrLst/>
+    <dgm:txLinClrLst/>
+    <dgm:txFillClrLst meth="repeat">
+      <a:schemeClr val="dk1"/>
+    </dgm:txFillClrLst>
+    <dgm:txEffectClrLst/>
+  </dgm:styleLbl>
+  <dgm:styleLbl name="dkBgShp">
+    <dgm:fillClrLst meth="repeat">
+      <a:schemeClr val="accent2">
+        <a:shade val="80000"/>
+      </a:schemeClr>
+    </dgm:fillClrLst>
+    <dgm:linClrLst meth="repeat">
+      <a:schemeClr val="accent2"/>
+    </dgm:linClrLst>
+    <dgm:effectClrLst/>
+    <dgm:txLinClrLst/>
+    <dgm:txFillClrLst meth="repeat">
+      <a:schemeClr val="lt1"/>
+    </dgm:txFillClrLst>
+    <dgm:txEffectClrLst/>
+  </dgm:styleLbl>
+  <dgm:styleLbl name="trBgShp">
+    <dgm:fillClrLst meth="repeat">
+      <a:schemeClr val="accent2">
+        <a:tint val="50000"/>
+        <a:alpha val="40000"/>
+      </a:schemeClr>
+    </dgm:fillClrLst>
+    <dgm:linClrLst meth="repeat">
+      <a:schemeClr val="accent2"/>
+    </dgm:linClrLst>
+    <dgm:effectClrLst/>
+    <dgm:txLinClrLst/>
+    <dgm:txFillClrLst meth="repeat">
+      <a:schemeClr val="lt1"/>
+    </dgm:txFillClrLst>
+    <dgm:txEffectClrLst/>
+  </dgm:styleLbl>
+  <dgm:styleLbl name="fgShp">
+    <dgm:fillClrLst meth="repeat">
+      <a:schemeClr val="accent2">
         <a:tint val="60000"/>
       </a:schemeClr>
     </dgm:fillClrLst>
@@ -3024,6 +4070,392 @@
     <dgm:cxn modelId="{989811AC-B1B3-4006-B958-18683BFB114C}" type="presParOf" srcId="{A2CB7BB9-0BE7-4BFE-8B1A-CED735C5A7A9}" destId="{67D108E2-F3A8-4B03-9665-E728DC09AA33}" srcOrd="3" destOrd="0" presId="urn:microsoft.com/office/officeart/2005/8/layout/chart3"/>
     <dgm:cxn modelId="{68CDA6F1-1914-411D-BD21-FF56DAF3E1D5}" type="presParOf" srcId="{A2CB7BB9-0BE7-4BFE-8B1A-CED735C5A7A9}" destId="{F68DC9CA-7588-418F-8207-F81E893AEA67}" srcOrd="4" destOrd="0" presId="urn:microsoft.com/office/officeart/2005/8/layout/chart3"/>
     <dgm:cxn modelId="{BD8F389E-5890-4829-97EA-BED53D279C98}" type="presParOf" srcId="{A2CB7BB9-0BE7-4BFE-8B1A-CED735C5A7A9}" destId="{98A35975-A234-4BFA-8647-216DD2B717FA}" srcOrd="5" destOrd="0" presId="urn:microsoft.com/office/officeart/2005/8/layout/chart3"/>
+  </dgm:cxnLst>
+  <dgm:bg/>
+  <dgm:whole/>
+  <dgm:extLst>
+    <a:ext uri="http://schemas.microsoft.com/office/drawing/2008/diagram">
+      <dsp:dataModelExt xmlns:dsp="http://schemas.microsoft.com/office/drawing/2008/diagram" relId="rId7" minVer="http://schemas.openxmlformats.org/drawingml/2006/diagram"/>
+    </a:ext>
+  </dgm:extLst>
+</dgm:dataModel>
+</file>
+
+<file path=ppt/diagrams/data2.xml><?xml version="1.0" encoding="utf-8"?>
+<dgm:dataModel xmlns:dgm="http://schemas.openxmlformats.org/drawingml/2006/diagram" xmlns:a="http://schemas.openxmlformats.org/drawingml/2006/main">
+  <dgm:ptLst>
+    <dgm:pt modelId="{4F1464C0-5555-46C1-B349-12A1B850E025}" type="doc">
+      <dgm:prSet loTypeId="urn:microsoft.com/office/officeart/2008/layout/LinedList" loCatId="list" qsTypeId="urn:microsoft.com/office/officeart/2005/8/quickstyle/simple1" qsCatId="simple" csTypeId="urn:microsoft.com/office/officeart/2005/8/colors/accent2_2" csCatId="accent2" phldr="1"/>
+      <dgm:spPr/>
+      <dgm:t>
+        <a:bodyPr/>
+        <a:lstStyle/>
+        <a:p>
+          <a:endParaRPr lang="en-US"/>
+        </a:p>
+      </dgm:t>
+    </dgm:pt>
+    <dgm:pt modelId="{8D048769-2582-4C51-BB23-7FE6C6C34521}">
+      <dgm:prSet phldrT="[Text]"/>
+      <dgm:spPr/>
+      <dgm:t>
+        <a:bodyPr spcFirstLastPara="0" vert="horz" wrap="square" lIns="160020" tIns="160020" rIns="160020" bIns="160020" numCol="1" spcCol="1270" anchor="ctr" anchorCtr="0"/>
+        <a:lstStyle/>
+        <a:p>
+          <a:pPr marL="0" lvl="0" indent="0" defTabSz="1866900">
+            <a:spcBef>
+              <a:spcPct val="0"/>
+            </a:spcBef>
+            <a:spcAft>
+              <a:spcPct val="35000"/>
+            </a:spcAft>
+            <a:buNone/>
+          </a:pPr>
+          <a:r>
+            <a:rPr lang="en-US" b="1" kern="1200">
+              <a:latin typeface="Calibri" panose="020F0502020204030204"/>
+              <a:ea typeface="+mn-ea"/>
+              <a:cs typeface="+mn-cs"/>
+            </a:rPr>
+            <a:t>Adapter</a:t>
+          </a:r>
+        </a:p>
+      </dgm:t>
+    </dgm:pt>
+    <dgm:pt modelId="{B6B50586-70DB-4C26-A4E4-8D083B41C837}" type="parTrans" cxnId="{53AFBAEC-C423-4CEF-A196-8ECE4F9B77BE}">
+      <dgm:prSet/>
+      <dgm:spPr/>
+      <dgm:t>
+        <a:bodyPr/>
+        <a:lstStyle/>
+        <a:p>
+          <a:pPr algn="ctr"/>
+          <a:endParaRPr lang="en-US"/>
+        </a:p>
+      </dgm:t>
+    </dgm:pt>
+    <dgm:pt modelId="{1B6EFED7-245A-4B0B-8B0B-5A0165E7F1E4}" type="sibTrans" cxnId="{53AFBAEC-C423-4CEF-A196-8ECE4F9B77BE}">
+      <dgm:prSet phldrT="1"/>
+      <dgm:spPr/>
+      <dgm:t>
+        <a:bodyPr/>
+        <a:lstStyle/>
+        <a:p>
+          <a:endParaRPr lang="en-US"/>
+        </a:p>
+      </dgm:t>
+    </dgm:pt>
+    <dgm:pt modelId="{B38DF871-BF03-42BE-A6DE-423B8F0CAE8A}">
+      <dgm:prSet phldrT="[Text]"/>
+      <dgm:spPr/>
+      <dgm:t>
+        <a:bodyPr spcFirstLastPara="0" vert="horz" wrap="square" lIns="160020" tIns="160020" rIns="160020" bIns="160020" numCol="1" spcCol="1270" anchor="ctr" anchorCtr="0"/>
+        <a:lstStyle/>
+        <a:p>
+          <a:pPr marL="0" lvl="0" indent="0" defTabSz="1866900">
+            <a:spcBef>
+              <a:spcPct val="0"/>
+            </a:spcBef>
+            <a:spcAft>
+              <a:spcPct val="35000"/>
+            </a:spcAft>
+            <a:buNone/>
+          </a:pPr>
+          <a:r>
+            <a:rPr lang="en-US" b="1" kern="1200">
+              <a:latin typeface="Calibri" panose="020F0502020204030204"/>
+              <a:ea typeface="+mn-ea"/>
+              <a:cs typeface="+mn-cs"/>
+            </a:rPr>
+            <a:t>Facade</a:t>
+          </a:r>
+        </a:p>
+      </dgm:t>
+    </dgm:pt>
+    <dgm:pt modelId="{FCFADF0E-5A0F-4A1D-B0DB-4A38DE392393}" type="parTrans" cxnId="{1483C4EB-6822-415C-ACFA-7B40F34FDBAE}">
+      <dgm:prSet/>
+      <dgm:spPr/>
+      <dgm:t>
+        <a:bodyPr/>
+        <a:lstStyle/>
+        <a:p>
+          <a:pPr algn="ctr"/>
+          <a:endParaRPr lang="en-US"/>
+        </a:p>
+      </dgm:t>
+    </dgm:pt>
+    <dgm:pt modelId="{B7A4B878-068D-4932-8426-FA84F59CCBAA}" type="sibTrans" cxnId="{1483C4EB-6822-415C-ACFA-7B40F34FDBAE}">
+      <dgm:prSet phldrT="2"/>
+      <dgm:spPr/>
+      <dgm:t>
+        <a:bodyPr/>
+        <a:lstStyle/>
+        <a:p>
+          <a:endParaRPr lang="en-US"/>
+        </a:p>
+      </dgm:t>
+    </dgm:pt>
+    <dgm:pt modelId="{DCB66039-66F6-4844-984A-D67A23A4C399}">
+      <dgm:prSet phldrT="[Text]"/>
+      <dgm:spPr/>
+      <dgm:t>
+        <a:bodyPr spcFirstLastPara="0" vert="horz" wrap="square" lIns="160020" tIns="160020" rIns="160020" bIns="160020" numCol="1" spcCol="1270" anchor="ctr" anchorCtr="0"/>
+        <a:lstStyle/>
+        <a:p>
+          <a:pPr marL="0" lvl="0" indent="0" defTabSz="1866900">
+            <a:spcBef>
+              <a:spcPct val="0"/>
+            </a:spcBef>
+            <a:spcAft>
+              <a:spcPct val="35000"/>
+            </a:spcAft>
+            <a:buNone/>
+          </a:pPr>
+          <a:r>
+            <a:rPr lang="en-US" b="1" kern="1200">
+              <a:latin typeface="Calibri" panose="020F0502020204030204"/>
+              <a:ea typeface="+mn-ea"/>
+              <a:cs typeface="+mn-cs"/>
+            </a:rPr>
+            <a:t>Proxy</a:t>
+          </a:r>
+        </a:p>
+      </dgm:t>
+    </dgm:pt>
+    <dgm:pt modelId="{E3558DB9-EE0C-438A-A0EA-A41DD0232F8B}" type="parTrans" cxnId="{D23E6C06-1BCB-474D-A6F6-505555A3FC8A}">
+      <dgm:prSet/>
+      <dgm:spPr/>
+      <dgm:t>
+        <a:bodyPr/>
+        <a:lstStyle/>
+        <a:p>
+          <a:pPr algn="ctr"/>
+          <a:endParaRPr lang="en-US"/>
+        </a:p>
+      </dgm:t>
+    </dgm:pt>
+    <dgm:pt modelId="{1E88FBAF-4CDA-49AB-AF33-1AB99A8B3247}" type="sibTrans" cxnId="{D23E6C06-1BCB-474D-A6F6-505555A3FC8A}">
+      <dgm:prSet phldrT="3"/>
+      <dgm:spPr/>
+      <dgm:t>
+        <a:bodyPr/>
+        <a:lstStyle/>
+        <a:p>
+          <a:endParaRPr lang="en-US"/>
+        </a:p>
+      </dgm:t>
+    </dgm:pt>
+    <dgm:pt modelId="{7E3CA76B-D35C-49E6-930C-263CE18447A6}">
+      <dgm:prSet phldrT="[Text]"/>
+      <dgm:spPr/>
+      <dgm:t>
+        <a:bodyPr spcFirstLastPara="0" vert="horz" wrap="square" lIns="160020" tIns="160020" rIns="160020" bIns="160020" numCol="1" spcCol="1270" anchor="ctr" anchorCtr="0"/>
+        <a:lstStyle/>
+        <a:p>
+          <a:pPr marL="0" lvl="0" indent="0" defTabSz="1866900">
+            <a:spcBef>
+              <a:spcPct val="0"/>
+            </a:spcBef>
+            <a:spcAft>
+              <a:spcPct val="35000"/>
+            </a:spcAft>
+            <a:buNone/>
+          </a:pPr>
+          <a:r>
+            <a:rPr lang="en-US" b="1" kern="1200">
+              <a:latin typeface="Calibri" panose="020F0502020204030204"/>
+              <a:ea typeface="+mn-ea"/>
+              <a:cs typeface="+mn-cs"/>
+            </a:rPr>
+            <a:t>Bridge</a:t>
+          </a:r>
+        </a:p>
+      </dgm:t>
+    </dgm:pt>
+    <dgm:pt modelId="{097E95C2-4BBD-45D5-B874-763A5296A30D}" type="parTrans" cxnId="{82655136-7CC6-4843-8C0A-5C6C710E31C5}">
+      <dgm:prSet/>
+      <dgm:spPr/>
+      <dgm:t>
+        <a:bodyPr/>
+        <a:lstStyle/>
+        <a:p>
+          <a:pPr algn="ctr"/>
+          <a:endParaRPr lang="en-US"/>
+        </a:p>
+      </dgm:t>
+    </dgm:pt>
+    <dgm:pt modelId="{DF9294E0-F934-4DCA-A100-ECE6FCF9678A}" type="sibTrans" cxnId="{82655136-7CC6-4843-8C0A-5C6C710E31C5}">
+      <dgm:prSet phldrT="4"/>
+      <dgm:spPr/>
+      <dgm:t>
+        <a:bodyPr/>
+        <a:lstStyle/>
+        <a:p>
+          <a:endParaRPr lang="en-US"/>
+        </a:p>
+      </dgm:t>
+    </dgm:pt>
+    <dgm:pt modelId="{9218D03D-89DA-4411-9A54-E2C1F087F84C}">
+      <dgm:prSet phldrT="[Text]"/>
+      <dgm:spPr/>
+      <dgm:t>
+        <a:bodyPr/>
+        <a:lstStyle/>
+        <a:p>
+          <a:r>
+            <a:rPr lang="en-US" b="1"/>
+            <a:t>Decorator</a:t>
+          </a:r>
+          <a:endParaRPr lang="en-US"/>
+        </a:p>
+      </dgm:t>
+    </dgm:pt>
+    <dgm:pt modelId="{1A230E96-2FD9-440A-9712-7F81C2228EBB}" type="parTrans" cxnId="{FEB127F8-266A-4A80-87CD-D8E0B3D79D26}">
+      <dgm:prSet/>
+      <dgm:spPr/>
+      <dgm:t>
+        <a:bodyPr/>
+        <a:lstStyle/>
+        <a:p>
+          <a:pPr algn="ctr"/>
+          <a:endParaRPr lang="en-US"/>
+        </a:p>
+      </dgm:t>
+    </dgm:pt>
+    <dgm:pt modelId="{3926964E-CD2B-4B28-AAA1-9C173DDEB74B}" type="sibTrans" cxnId="{FEB127F8-266A-4A80-87CD-D8E0B3D79D26}">
+      <dgm:prSet phldrT="5"/>
+      <dgm:spPr/>
+      <dgm:t>
+        <a:bodyPr/>
+        <a:lstStyle/>
+        <a:p>
+          <a:endParaRPr lang="en-US"/>
+        </a:p>
+      </dgm:t>
+    </dgm:pt>
+    <dgm:pt modelId="{02A91901-C146-4DE0-9009-81929D2B38D4}" type="pres">
+      <dgm:prSet presAssocID="{4F1464C0-5555-46C1-B349-12A1B850E025}" presName="vert0" presStyleCnt="0">
+        <dgm:presLayoutVars>
+          <dgm:dir/>
+          <dgm:animOne val="branch"/>
+          <dgm:animLvl val="lvl"/>
+        </dgm:presLayoutVars>
+      </dgm:prSet>
+      <dgm:spPr/>
+    </dgm:pt>
+    <dgm:pt modelId="{F6A567AC-2521-4CDE-A69A-7CF14CB5228C}" type="pres">
+      <dgm:prSet presAssocID="{8D048769-2582-4C51-BB23-7FE6C6C34521}" presName="thickLine" presStyleLbl="alignNode1" presStyleIdx="0" presStyleCnt="5"/>
+      <dgm:spPr/>
+    </dgm:pt>
+    <dgm:pt modelId="{DD0ED2CC-8305-40FF-AC11-08660C791DA9}" type="pres">
+      <dgm:prSet presAssocID="{8D048769-2582-4C51-BB23-7FE6C6C34521}" presName="horz1" presStyleCnt="0"/>
+      <dgm:spPr/>
+    </dgm:pt>
+    <dgm:pt modelId="{7099485D-895A-4668-B892-A2149D85826E}" type="pres">
+      <dgm:prSet presAssocID="{8D048769-2582-4C51-BB23-7FE6C6C34521}" presName="tx1" presStyleLbl="revTx" presStyleIdx="0" presStyleCnt="5"/>
+      <dgm:spPr/>
+    </dgm:pt>
+    <dgm:pt modelId="{15C1C82C-F371-4701-A985-517758EAECDC}" type="pres">
+      <dgm:prSet presAssocID="{8D048769-2582-4C51-BB23-7FE6C6C34521}" presName="vert1" presStyleCnt="0"/>
+      <dgm:spPr/>
+    </dgm:pt>
+    <dgm:pt modelId="{FC40DF78-B4B4-4052-A855-5DB5224E8D08}" type="pres">
+      <dgm:prSet presAssocID="{B38DF871-BF03-42BE-A6DE-423B8F0CAE8A}" presName="thickLine" presStyleLbl="alignNode1" presStyleIdx="1" presStyleCnt="5"/>
+      <dgm:spPr/>
+    </dgm:pt>
+    <dgm:pt modelId="{56DAB7B0-3A27-44D8-99E9-11CDF0E3E36B}" type="pres">
+      <dgm:prSet presAssocID="{B38DF871-BF03-42BE-A6DE-423B8F0CAE8A}" presName="horz1" presStyleCnt="0"/>
+      <dgm:spPr/>
+    </dgm:pt>
+    <dgm:pt modelId="{1EF5A80B-1817-4BD8-B556-995B313BDC1A}" type="pres">
+      <dgm:prSet presAssocID="{B38DF871-BF03-42BE-A6DE-423B8F0CAE8A}" presName="tx1" presStyleLbl="revTx" presStyleIdx="1" presStyleCnt="5"/>
+      <dgm:spPr/>
+    </dgm:pt>
+    <dgm:pt modelId="{B04DDB8B-F053-459F-8E72-F2844D91F53A}" type="pres">
+      <dgm:prSet presAssocID="{B38DF871-BF03-42BE-A6DE-423B8F0CAE8A}" presName="vert1" presStyleCnt="0"/>
+      <dgm:spPr/>
+    </dgm:pt>
+    <dgm:pt modelId="{5A52D2DB-1ABA-45E8-ABDF-75F474C54CB3}" type="pres">
+      <dgm:prSet presAssocID="{DCB66039-66F6-4844-984A-D67A23A4C399}" presName="thickLine" presStyleLbl="alignNode1" presStyleIdx="2" presStyleCnt="5"/>
+      <dgm:spPr/>
+    </dgm:pt>
+    <dgm:pt modelId="{6A916659-5207-4BE1-8969-D6FD08C5B252}" type="pres">
+      <dgm:prSet presAssocID="{DCB66039-66F6-4844-984A-D67A23A4C399}" presName="horz1" presStyleCnt="0"/>
+      <dgm:spPr/>
+    </dgm:pt>
+    <dgm:pt modelId="{3E62C027-B44C-4791-BBD8-22CE2E820A30}" type="pres">
+      <dgm:prSet presAssocID="{DCB66039-66F6-4844-984A-D67A23A4C399}" presName="tx1" presStyleLbl="revTx" presStyleIdx="2" presStyleCnt="5"/>
+      <dgm:spPr/>
+    </dgm:pt>
+    <dgm:pt modelId="{E7E91139-03A9-4541-8571-CE10CDF246B5}" type="pres">
+      <dgm:prSet presAssocID="{DCB66039-66F6-4844-984A-D67A23A4C399}" presName="vert1" presStyleCnt="0"/>
+      <dgm:spPr/>
+    </dgm:pt>
+    <dgm:pt modelId="{F929C705-A6F0-43D3-B6C2-E39654DABBFA}" type="pres">
+      <dgm:prSet presAssocID="{7E3CA76B-D35C-49E6-930C-263CE18447A6}" presName="thickLine" presStyleLbl="alignNode1" presStyleIdx="3" presStyleCnt="5"/>
+      <dgm:spPr/>
+    </dgm:pt>
+    <dgm:pt modelId="{FEC33427-3A9A-46F6-AAAE-48389E2CED00}" type="pres">
+      <dgm:prSet presAssocID="{7E3CA76B-D35C-49E6-930C-263CE18447A6}" presName="horz1" presStyleCnt="0"/>
+      <dgm:spPr/>
+    </dgm:pt>
+    <dgm:pt modelId="{2D99A963-76D8-400A-B9D5-06F0E338102D}" type="pres">
+      <dgm:prSet presAssocID="{7E3CA76B-D35C-49E6-930C-263CE18447A6}" presName="tx1" presStyleLbl="revTx" presStyleIdx="3" presStyleCnt="5"/>
+      <dgm:spPr/>
+    </dgm:pt>
+    <dgm:pt modelId="{0C066C0A-DF58-4D28-BA30-2B6720621E4D}" type="pres">
+      <dgm:prSet presAssocID="{7E3CA76B-D35C-49E6-930C-263CE18447A6}" presName="vert1" presStyleCnt="0"/>
+      <dgm:spPr/>
+    </dgm:pt>
+    <dgm:pt modelId="{5E40778D-1AB5-4B09-A4D3-124D6414BF07}" type="pres">
+      <dgm:prSet presAssocID="{9218D03D-89DA-4411-9A54-E2C1F087F84C}" presName="thickLine" presStyleLbl="alignNode1" presStyleIdx="4" presStyleCnt="5"/>
+      <dgm:spPr/>
+    </dgm:pt>
+    <dgm:pt modelId="{404EDC3E-241B-4C31-BE74-67886500BF4D}" type="pres">
+      <dgm:prSet presAssocID="{9218D03D-89DA-4411-9A54-E2C1F087F84C}" presName="horz1" presStyleCnt="0"/>
+      <dgm:spPr/>
+    </dgm:pt>
+    <dgm:pt modelId="{B07378B7-A1DE-4669-B34C-3C3DFE9F02B5}" type="pres">
+      <dgm:prSet presAssocID="{9218D03D-89DA-4411-9A54-E2C1F087F84C}" presName="tx1" presStyleLbl="revTx" presStyleIdx="4" presStyleCnt="5"/>
+      <dgm:spPr/>
+    </dgm:pt>
+    <dgm:pt modelId="{C4CC1CF9-697A-43BE-A982-352E902BFB14}" type="pres">
+      <dgm:prSet presAssocID="{9218D03D-89DA-4411-9A54-E2C1F087F84C}" presName="vert1" presStyleCnt="0"/>
+      <dgm:spPr/>
+    </dgm:pt>
+  </dgm:ptLst>
+  <dgm:cxnLst>
+    <dgm:cxn modelId="{D23E6C06-1BCB-474D-A6F6-505555A3FC8A}" srcId="{4F1464C0-5555-46C1-B349-12A1B850E025}" destId="{DCB66039-66F6-4844-984A-D67A23A4C399}" srcOrd="2" destOrd="0" parTransId="{E3558DB9-EE0C-438A-A0EA-A41DD0232F8B}" sibTransId="{1E88FBAF-4CDA-49AB-AF33-1AB99A8B3247}"/>
+    <dgm:cxn modelId="{9987CE0A-6DED-4572-A869-FA4D5BF30E9F}" type="presOf" srcId="{DCB66039-66F6-4844-984A-D67A23A4C399}" destId="{3E62C027-B44C-4791-BBD8-22CE2E820A30}" srcOrd="0" destOrd="0" presId="urn:microsoft.com/office/officeart/2008/layout/LinedList"/>
+    <dgm:cxn modelId="{2A20C42D-EED9-4BB1-9FBA-66AB5F234F06}" type="presOf" srcId="{8D048769-2582-4C51-BB23-7FE6C6C34521}" destId="{7099485D-895A-4668-B892-A2149D85826E}" srcOrd="0" destOrd="0" presId="urn:microsoft.com/office/officeart/2008/layout/LinedList"/>
+    <dgm:cxn modelId="{AE6EDE32-4075-4E9A-96F4-C4015F547224}" type="presOf" srcId="{9218D03D-89DA-4411-9A54-E2C1F087F84C}" destId="{B07378B7-A1DE-4669-B34C-3C3DFE9F02B5}" srcOrd="0" destOrd="0" presId="urn:microsoft.com/office/officeart/2008/layout/LinedList"/>
+    <dgm:cxn modelId="{82655136-7CC6-4843-8C0A-5C6C710E31C5}" srcId="{4F1464C0-5555-46C1-B349-12A1B850E025}" destId="{7E3CA76B-D35C-49E6-930C-263CE18447A6}" srcOrd="3" destOrd="0" parTransId="{097E95C2-4BBD-45D5-B874-763A5296A30D}" sibTransId="{DF9294E0-F934-4DCA-A100-ECE6FCF9678A}"/>
+    <dgm:cxn modelId="{689C846B-C569-4527-B032-00D5B6224475}" type="presOf" srcId="{4F1464C0-5555-46C1-B349-12A1B850E025}" destId="{02A91901-C146-4DE0-9009-81929D2B38D4}" srcOrd="0" destOrd="0" presId="urn:microsoft.com/office/officeart/2008/layout/LinedList"/>
+    <dgm:cxn modelId="{C13D0799-94D3-4BCE-AA59-1D9ABF08B20B}" type="presOf" srcId="{7E3CA76B-D35C-49E6-930C-263CE18447A6}" destId="{2D99A963-76D8-400A-B9D5-06F0E338102D}" srcOrd="0" destOrd="0" presId="urn:microsoft.com/office/officeart/2008/layout/LinedList"/>
+    <dgm:cxn modelId="{083A9EE8-15BE-46A2-AE3A-FBD14228CD83}" type="presOf" srcId="{B38DF871-BF03-42BE-A6DE-423B8F0CAE8A}" destId="{1EF5A80B-1817-4BD8-B556-995B313BDC1A}" srcOrd="0" destOrd="0" presId="urn:microsoft.com/office/officeart/2008/layout/LinedList"/>
+    <dgm:cxn modelId="{1483C4EB-6822-415C-ACFA-7B40F34FDBAE}" srcId="{4F1464C0-5555-46C1-B349-12A1B850E025}" destId="{B38DF871-BF03-42BE-A6DE-423B8F0CAE8A}" srcOrd="1" destOrd="0" parTransId="{FCFADF0E-5A0F-4A1D-B0DB-4A38DE392393}" sibTransId="{B7A4B878-068D-4932-8426-FA84F59CCBAA}"/>
+    <dgm:cxn modelId="{53AFBAEC-C423-4CEF-A196-8ECE4F9B77BE}" srcId="{4F1464C0-5555-46C1-B349-12A1B850E025}" destId="{8D048769-2582-4C51-BB23-7FE6C6C34521}" srcOrd="0" destOrd="0" parTransId="{B6B50586-70DB-4C26-A4E4-8D083B41C837}" sibTransId="{1B6EFED7-245A-4B0B-8B0B-5A0165E7F1E4}"/>
+    <dgm:cxn modelId="{FEB127F8-266A-4A80-87CD-D8E0B3D79D26}" srcId="{4F1464C0-5555-46C1-B349-12A1B850E025}" destId="{9218D03D-89DA-4411-9A54-E2C1F087F84C}" srcOrd="4" destOrd="0" parTransId="{1A230E96-2FD9-440A-9712-7F81C2228EBB}" sibTransId="{3926964E-CD2B-4B28-AAA1-9C173DDEB74B}"/>
+    <dgm:cxn modelId="{1580A1DE-754A-4760-90FB-7429F487AD27}" type="presParOf" srcId="{02A91901-C146-4DE0-9009-81929D2B38D4}" destId="{F6A567AC-2521-4CDE-A69A-7CF14CB5228C}" srcOrd="0" destOrd="0" presId="urn:microsoft.com/office/officeart/2008/layout/LinedList"/>
+    <dgm:cxn modelId="{9CFD719D-92AD-461D-82D7-35EF3131EDE6}" type="presParOf" srcId="{02A91901-C146-4DE0-9009-81929D2B38D4}" destId="{DD0ED2CC-8305-40FF-AC11-08660C791DA9}" srcOrd="1" destOrd="0" presId="urn:microsoft.com/office/officeart/2008/layout/LinedList"/>
+    <dgm:cxn modelId="{9B010325-8C6C-47DD-ABDA-032ED8ACE582}" type="presParOf" srcId="{DD0ED2CC-8305-40FF-AC11-08660C791DA9}" destId="{7099485D-895A-4668-B892-A2149D85826E}" srcOrd="0" destOrd="0" presId="urn:microsoft.com/office/officeart/2008/layout/LinedList"/>
+    <dgm:cxn modelId="{A4D246CA-5E52-4887-AC7C-3B0966AA6904}" type="presParOf" srcId="{DD0ED2CC-8305-40FF-AC11-08660C791DA9}" destId="{15C1C82C-F371-4701-A985-517758EAECDC}" srcOrd="1" destOrd="0" presId="urn:microsoft.com/office/officeart/2008/layout/LinedList"/>
+    <dgm:cxn modelId="{DEEC8354-DC82-4E16-9952-D11D73022CBC}" type="presParOf" srcId="{02A91901-C146-4DE0-9009-81929D2B38D4}" destId="{FC40DF78-B4B4-4052-A855-5DB5224E8D08}" srcOrd="2" destOrd="0" presId="urn:microsoft.com/office/officeart/2008/layout/LinedList"/>
+    <dgm:cxn modelId="{C35C61D9-4C40-4744-BDB2-45B82ECCBC03}" type="presParOf" srcId="{02A91901-C146-4DE0-9009-81929D2B38D4}" destId="{56DAB7B0-3A27-44D8-99E9-11CDF0E3E36B}" srcOrd="3" destOrd="0" presId="urn:microsoft.com/office/officeart/2008/layout/LinedList"/>
+    <dgm:cxn modelId="{5A42A7B5-C1E4-4951-87D3-08AA07F3922D}" type="presParOf" srcId="{56DAB7B0-3A27-44D8-99E9-11CDF0E3E36B}" destId="{1EF5A80B-1817-4BD8-B556-995B313BDC1A}" srcOrd="0" destOrd="0" presId="urn:microsoft.com/office/officeart/2008/layout/LinedList"/>
+    <dgm:cxn modelId="{170474EC-1C42-49A0-BBB7-6C8B1A2D7AAE}" type="presParOf" srcId="{56DAB7B0-3A27-44D8-99E9-11CDF0E3E36B}" destId="{B04DDB8B-F053-459F-8E72-F2844D91F53A}" srcOrd="1" destOrd="0" presId="urn:microsoft.com/office/officeart/2008/layout/LinedList"/>
+    <dgm:cxn modelId="{AA740204-BB08-4552-B658-CEF9ED3EC088}" type="presParOf" srcId="{02A91901-C146-4DE0-9009-81929D2B38D4}" destId="{5A52D2DB-1ABA-45E8-ABDF-75F474C54CB3}" srcOrd="4" destOrd="0" presId="urn:microsoft.com/office/officeart/2008/layout/LinedList"/>
+    <dgm:cxn modelId="{2816105A-037D-4940-B223-DCEEB8FC4BA1}" type="presParOf" srcId="{02A91901-C146-4DE0-9009-81929D2B38D4}" destId="{6A916659-5207-4BE1-8969-D6FD08C5B252}" srcOrd="5" destOrd="0" presId="urn:microsoft.com/office/officeart/2008/layout/LinedList"/>
+    <dgm:cxn modelId="{4CEB73B9-FD7F-4E9A-9352-FA34DA5EE38A}" type="presParOf" srcId="{6A916659-5207-4BE1-8969-D6FD08C5B252}" destId="{3E62C027-B44C-4791-BBD8-22CE2E820A30}" srcOrd="0" destOrd="0" presId="urn:microsoft.com/office/officeart/2008/layout/LinedList"/>
+    <dgm:cxn modelId="{5EE1C219-AF14-4098-828F-8C1C86D30DAB}" type="presParOf" srcId="{6A916659-5207-4BE1-8969-D6FD08C5B252}" destId="{E7E91139-03A9-4541-8571-CE10CDF246B5}" srcOrd="1" destOrd="0" presId="urn:microsoft.com/office/officeart/2008/layout/LinedList"/>
+    <dgm:cxn modelId="{BA99B3CC-99D4-4D37-B4F2-9C33AE97A30D}" type="presParOf" srcId="{02A91901-C146-4DE0-9009-81929D2B38D4}" destId="{F929C705-A6F0-43D3-B6C2-E39654DABBFA}" srcOrd="6" destOrd="0" presId="urn:microsoft.com/office/officeart/2008/layout/LinedList"/>
+    <dgm:cxn modelId="{6DE0364D-2A23-4BDB-A077-C742EA888280}" type="presParOf" srcId="{02A91901-C146-4DE0-9009-81929D2B38D4}" destId="{FEC33427-3A9A-46F6-AAAE-48389E2CED00}" srcOrd="7" destOrd="0" presId="urn:microsoft.com/office/officeart/2008/layout/LinedList"/>
+    <dgm:cxn modelId="{4A4B5CB7-41FD-4793-9697-F915327A39F3}" type="presParOf" srcId="{FEC33427-3A9A-46F6-AAAE-48389E2CED00}" destId="{2D99A963-76D8-400A-B9D5-06F0E338102D}" srcOrd="0" destOrd="0" presId="urn:microsoft.com/office/officeart/2008/layout/LinedList"/>
+    <dgm:cxn modelId="{E99FD628-D780-4CCD-B938-8C0FA0ED1B8C}" type="presParOf" srcId="{FEC33427-3A9A-46F6-AAAE-48389E2CED00}" destId="{0C066C0A-DF58-4D28-BA30-2B6720621E4D}" srcOrd="1" destOrd="0" presId="urn:microsoft.com/office/officeart/2008/layout/LinedList"/>
+    <dgm:cxn modelId="{8577F880-BA77-4EE3-BE99-3D8692349F6B}" type="presParOf" srcId="{02A91901-C146-4DE0-9009-81929D2B38D4}" destId="{5E40778D-1AB5-4B09-A4D3-124D6414BF07}" srcOrd="8" destOrd="0" presId="urn:microsoft.com/office/officeart/2008/layout/LinedList"/>
+    <dgm:cxn modelId="{E1332B06-FCA1-496C-AF08-DCF2021B8E71}" type="presParOf" srcId="{02A91901-C146-4DE0-9009-81929D2B38D4}" destId="{404EDC3E-241B-4C31-BE74-67886500BF4D}" srcOrd="9" destOrd="0" presId="urn:microsoft.com/office/officeart/2008/layout/LinedList"/>
+    <dgm:cxn modelId="{2C6B70A1-BFCD-4F31-9AFE-E7F14C56BB71}" type="presParOf" srcId="{404EDC3E-241B-4C31-BE74-67886500BF4D}" destId="{B07378B7-A1DE-4669-B34C-3C3DFE9F02B5}" srcOrd="0" destOrd="0" presId="urn:microsoft.com/office/officeart/2008/layout/LinedList"/>
+    <dgm:cxn modelId="{80AE3AC5-A71B-4248-BB34-22EE97D63F47}" type="presParOf" srcId="{404EDC3E-241B-4C31-BE74-67886500BF4D}" destId="{C4CC1CF9-697A-43BE-A982-352E902BFB14}" srcOrd="1" destOrd="0" presId="urn:microsoft.com/office/officeart/2008/layout/LinedList"/>
   </dgm:cxnLst>
   <dgm:bg/>
   <dgm:whole/>
@@ -3274,6 +4706,585 @@
       <dsp:txXfrm>
         <a:off x="2165816" y="1145268"/>
         <a:ext cx="1267578" cy="1245340"/>
+      </dsp:txXfrm>
+    </dsp:sp>
+  </dsp:spTree>
+</dsp:drawing>
+</file>
+
+<file path=ppt/diagrams/drawing2.xml><?xml version="1.0" encoding="utf-8"?>
+<dsp:drawing xmlns:dgm="http://schemas.openxmlformats.org/drawingml/2006/diagram" xmlns:dsp="http://schemas.microsoft.com/office/drawing/2008/diagram" xmlns:a="http://schemas.openxmlformats.org/drawingml/2006/main">
+  <dsp:spTree>
+    <dsp:nvGrpSpPr>
+      <dsp:cNvPr id="0" name=""/>
+      <dsp:cNvGrpSpPr/>
+    </dsp:nvGrpSpPr>
+    <dsp:grpSpPr/>
+    <dsp:sp modelId="{F6A567AC-2521-4CDE-A69A-7CF14CB5228C}">
+      <dsp:nvSpPr>
+        <dsp:cNvPr id="0" name=""/>
+        <dsp:cNvSpPr/>
+      </dsp:nvSpPr>
+      <dsp:spPr>
+        <a:xfrm>
+          <a:off x="0" y="675"/>
+          <a:ext cx="6291714" cy="0"/>
+        </a:xfrm>
+        <a:prstGeom prst="line">
+          <a:avLst/>
+        </a:prstGeom>
+        <a:solidFill>
+          <a:schemeClr val="accent2">
+            <a:hueOff val="0"/>
+            <a:satOff val="0"/>
+            <a:lumOff val="0"/>
+            <a:alphaOff val="0"/>
+          </a:schemeClr>
+        </a:solidFill>
+        <a:ln w="12700" cap="flat" cmpd="sng" algn="ctr">
+          <a:solidFill>
+            <a:schemeClr val="accent2">
+              <a:hueOff val="0"/>
+              <a:satOff val="0"/>
+              <a:lumOff val="0"/>
+              <a:alphaOff val="0"/>
+            </a:schemeClr>
+          </a:solidFill>
+          <a:prstDash val="solid"/>
+          <a:miter lim="800000"/>
+        </a:ln>
+        <a:effectLst/>
+      </dsp:spPr>
+      <dsp:style>
+        <a:lnRef idx="2">
+          <a:scrgbClr r="0" g="0" b="0"/>
+        </a:lnRef>
+        <a:fillRef idx="1">
+          <a:scrgbClr r="0" g="0" b="0"/>
+        </a:fillRef>
+        <a:effectRef idx="0">
+          <a:scrgbClr r="0" g="0" b="0"/>
+        </a:effectRef>
+        <a:fontRef idx="minor">
+          <a:schemeClr val="lt1"/>
+        </a:fontRef>
+      </dsp:style>
+    </dsp:sp>
+    <dsp:sp modelId="{7099485D-895A-4668-B892-A2149D85826E}">
+      <dsp:nvSpPr>
+        <dsp:cNvPr id="0" name=""/>
+        <dsp:cNvSpPr/>
+      </dsp:nvSpPr>
+      <dsp:spPr>
+        <a:xfrm>
+          <a:off x="0" y="675"/>
+          <a:ext cx="6291714" cy="1105876"/>
+        </a:xfrm>
+        <a:prstGeom prst="rect">
+          <a:avLst/>
+        </a:prstGeom>
+        <a:noFill/>
+        <a:ln>
+          <a:noFill/>
+        </a:ln>
+        <a:effectLst/>
+      </dsp:spPr>
+      <dsp:style>
+        <a:lnRef idx="0">
+          <a:scrgbClr r="0" g="0" b="0"/>
+        </a:lnRef>
+        <a:fillRef idx="0">
+          <a:scrgbClr r="0" g="0" b="0"/>
+        </a:fillRef>
+        <a:effectRef idx="0">
+          <a:scrgbClr r="0" g="0" b="0"/>
+        </a:effectRef>
+        <a:fontRef idx="minor"/>
+      </dsp:style>
+      <dsp:txBody>
+        <a:bodyPr spcFirstLastPara="0" vert="horz" wrap="square" lIns="160020" tIns="160020" rIns="160020" bIns="160020" numCol="1" spcCol="1270" anchor="ctr" anchorCtr="0">
+          <a:noAutofit/>
+        </a:bodyPr>
+        <a:lstStyle/>
+        <a:p>
+          <a:pPr marL="0" lvl="0" indent="0" algn="l" defTabSz="1866900">
+            <a:lnSpc>
+              <a:spcPct val="90000"/>
+            </a:lnSpc>
+            <a:spcBef>
+              <a:spcPct val="0"/>
+            </a:spcBef>
+            <a:spcAft>
+              <a:spcPct val="35000"/>
+            </a:spcAft>
+            <a:buNone/>
+          </a:pPr>
+          <a:r>
+            <a:rPr lang="en-US" sz="5100" b="1" kern="1200">
+              <a:latin typeface="Calibri" panose="020F0502020204030204"/>
+              <a:ea typeface="+mn-ea"/>
+              <a:cs typeface="+mn-cs"/>
+            </a:rPr>
+            <a:t>Adapter</a:t>
+          </a:r>
+        </a:p>
+      </dsp:txBody>
+      <dsp:txXfrm>
+        <a:off x="0" y="675"/>
+        <a:ext cx="6291714" cy="1105876"/>
+      </dsp:txXfrm>
+    </dsp:sp>
+    <dsp:sp modelId="{FC40DF78-B4B4-4052-A855-5DB5224E8D08}">
+      <dsp:nvSpPr>
+        <dsp:cNvPr id="0" name=""/>
+        <dsp:cNvSpPr/>
+      </dsp:nvSpPr>
+      <dsp:spPr>
+        <a:xfrm>
+          <a:off x="0" y="1106552"/>
+          <a:ext cx="6291714" cy="0"/>
+        </a:xfrm>
+        <a:prstGeom prst="line">
+          <a:avLst/>
+        </a:prstGeom>
+        <a:solidFill>
+          <a:schemeClr val="accent2">
+            <a:hueOff val="0"/>
+            <a:satOff val="0"/>
+            <a:lumOff val="0"/>
+            <a:alphaOff val="0"/>
+          </a:schemeClr>
+        </a:solidFill>
+        <a:ln w="12700" cap="flat" cmpd="sng" algn="ctr">
+          <a:solidFill>
+            <a:schemeClr val="accent2">
+              <a:hueOff val="0"/>
+              <a:satOff val="0"/>
+              <a:lumOff val="0"/>
+              <a:alphaOff val="0"/>
+            </a:schemeClr>
+          </a:solidFill>
+          <a:prstDash val="solid"/>
+          <a:miter lim="800000"/>
+        </a:ln>
+        <a:effectLst/>
+      </dsp:spPr>
+      <dsp:style>
+        <a:lnRef idx="2">
+          <a:scrgbClr r="0" g="0" b="0"/>
+        </a:lnRef>
+        <a:fillRef idx="1">
+          <a:scrgbClr r="0" g="0" b="0"/>
+        </a:fillRef>
+        <a:effectRef idx="0">
+          <a:scrgbClr r="0" g="0" b="0"/>
+        </a:effectRef>
+        <a:fontRef idx="minor">
+          <a:schemeClr val="lt1"/>
+        </a:fontRef>
+      </dsp:style>
+    </dsp:sp>
+    <dsp:sp modelId="{1EF5A80B-1817-4BD8-B556-995B313BDC1A}">
+      <dsp:nvSpPr>
+        <dsp:cNvPr id="0" name=""/>
+        <dsp:cNvSpPr/>
+      </dsp:nvSpPr>
+      <dsp:spPr>
+        <a:xfrm>
+          <a:off x="0" y="1106552"/>
+          <a:ext cx="6291714" cy="1105876"/>
+        </a:xfrm>
+        <a:prstGeom prst="rect">
+          <a:avLst/>
+        </a:prstGeom>
+        <a:noFill/>
+        <a:ln>
+          <a:noFill/>
+        </a:ln>
+        <a:effectLst/>
+      </dsp:spPr>
+      <dsp:style>
+        <a:lnRef idx="0">
+          <a:scrgbClr r="0" g="0" b="0"/>
+        </a:lnRef>
+        <a:fillRef idx="0">
+          <a:scrgbClr r="0" g="0" b="0"/>
+        </a:fillRef>
+        <a:effectRef idx="0">
+          <a:scrgbClr r="0" g="0" b="0"/>
+        </a:effectRef>
+        <a:fontRef idx="minor"/>
+      </dsp:style>
+      <dsp:txBody>
+        <a:bodyPr spcFirstLastPara="0" vert="horz" wrap="square" lIns="160020" tIns="160020" rIns="160020" bIns="160020" numCol="1" spcCol="1270" anchor="ctr" anchorCtr="0">
+          <a:noAutofit/>
+        </a:bodyPr>
+        <a:lstStyle/>
+        <a:p>
+          <a:pPr marL="0" lvl="0" indent="0" algn="l" defTabSz="1866900">
+            <a:lnSpc>
+              <a:spcPct val="90000"/>
+            </a:lnSpc>
+            <a:spcBef>
+              <a:spcPct val="0"/>
+            </a:spcBef>
+            <a:spcAft>
+              <a:spcPct val="35000"/>
+            </a:spcAft>
+            <a:buNone/>
+          </a:pPr>
+          <a:r>
+            <a:rPr lang="en-US" sz="5100" b="1" kern="1200">
+              <a:latin typeface="Calibri" panose="020F0502020204030204"/>
+              <a:ea typeface="+mn-ea"/>
+              <a:cs typeface="+mn-cs"/>
+            </a:rPr>
+            <a:t>Facade</a:t>
+          </a:r>
+        </a:p>
+      </dsp:txBody>
+      <dsp:txXfrm>
+        <a:off x="0" y="1106552"/>
+        <a:ext cx="6291714" cy="1105876"/>
+      </dsp:txXfrm>
+    </dsp:sp>
+    <dsp:sp modelId="{5A52D2DB-1ABA-45E8-ABDF-75F474C54CB3}">
+      <dsp:nvSpPr>
+        <dsp:cNvPr id="0" name=""/>
+        <dsp:cNvSpPr/>
+      </dsp:nvSpPr>
+      <dsp:spPr>
+        <a:xfrm>
+          <a:off x="0" y="2212429"/>
+          <a:ext cx="6291714" cy="0"/>
+        </a:xfrm>
+        <a:prstGeom prst="line">
+          <a:avLst/>
+        </a:prstGeom>
+        <a:solidFill>
+          <a:schemeClr val="accent2">
+            <a:hueOff val="0"/>
+            <a:satOff val="0"/>
+            <a:lumOff val="0"/>
+            <a:alphaOff val="0"/>
+          </a:schemeClr>
+        </a:solidFill>
+        <a:ln w="12700" cap="flat" cmpd="sng" algn="ctr">
+          <a:solidFill>
+            <a:schemeClr val="accent2">
+              <a:hueOff val="0"/>
+              <a:satOff val="0"/>
+              <a:lumOff val="0"/>
+              <a:alphaOff val="0"/>
+            </a:schemeClr>
+          </a:solidFill>
+          <a:prstDash val="solid"/>
+          <a:miter lim="800000"/>
+        </a:ln>
+        <a:effectLst/>
+      </dsp:spPr>
+      <dsp:style>
+        <a:lnRef idx="2">
+          <a:scrgbClr r="0" g="0" b="0"/>
+        </a:lnRef>
+        <a:fillRef idx="1">
+          <a:scrgbClr r="0" g="0" b="0"/>
+        </a:fillRef>
+        <a:effectRef idx="0">
+          <a:scrgbClr r="0" g="0" b="0"/>
+        </a:effectRef>
+        <a:fontRef idx="minor">
+          <a:schemeClr val="lt1"/>
+        </a:fontRef>
+      </dsp:style>
+    </dsp:sp>
+    <dsp:sp modelId="{3E62C027-B44C-4791-BBD8-22CE2E820A30}">
+      <dsp:nvSpPr>
+        <dsp:cNvPr id="0" name=""/>
+        <dsp:cNvSpPr/>
+      </dsp:nvSpPr>
+      <dsp:spPr>
+        <a:xfrm>
+          <a:off x="0" y="2212429"/>
+          <a:ext cx="6291714" cy="1105876"/>
+        </a:xfrm>
+        <a:prstGeom prst="rect">
+          <a:avLst/>
+        </a:prstGeom>
+        <a:noFill/>
+        <a:ln>
+          <a:noFill/>
+        </a:ln>
+        <a:effectLst/>
+      </dsp:spPr>
+      <dsp:style>
+        <a:lnRef idx="0">
+          <a:scrgbClr r="0" g="0" b="0"/>
+        </a:lnRef>
+        <a:fillRef idx="0">
+          <a:scrgbClr r="0" g="0" b="0"/>
+        </a:fillRef>
+        <a:effectRef idx="0">
+          <a:scrgbClr r="0" g="0" b="0"/>
+        </a:effectRef>
+        <a:fontRef idx="minor"/>
+      </dsp:style>
+      <dsp:txBody>
+        <a:bodyPr spcFirstLastPara="0" vert="horz" wrap="square" lIns="160020" tIns="160020" rIns="160020" bIns="160020" numCol="1" spcCol="1270" anchor="ctr" anchorCtr="0">
+          <a:noAutofit/>
+        </a:bodyPr>
+        <a:lstStyle/>
+        <a:p>
+          <a:pPr marL="0" lvl="0" indent="0" algn="l" defTabSz="1866900">
+            <a:lnSpc>
+              <a:spcPct val="90000"/>
+            </a:lnSpc>
+            <a:spcBef>
+              <a:spcPct val="0"/>
+            </a:spcBef>
+            <a:spcAft>
+              <a:spcPct val="35000"/>
+            </a:spcAft>
+            <a:buNone/>
+          </a:pPr>
+          <a:r>
+            <a:rPr lang="en-US" sz="5100" b="1" kern="1200">
+              <a:latin typeface="Calibri" panose="020F0502020204030204"/>
+              <a:ea typeface="+mn-ea"/>
+              <a:cs typeface="+mn-cs"/>
+            </a:rPr>
+            <a:t>Proxy</a:t>
+          </a:r>
+        </a:p>
+      </dsp:txBody>
+      <dsp:txXfrm>
+        <a:off x="0" y="2212429"/>
+        <a:ext cx="6291714" cy="1105876"/>
+      </dsp:txXfrm>
+    </dsp:sp>
+    <dsp:sp modelId="{F929C705-A6F0-43D3-B6C2-E39654DABBFA}">
+      <dsp:nvSpPr>
+        <dsp:cNvPr id="0" name=""/>
+        <dsp:cNvSpPr/>
+      </dsp:nvSpPr>
+      <dsp:spPr>
+        <a:xfrm>
+          <a:off x="0" y="3318305"/>
+          <a:ext cx="6291714" cy="0"/>
+        </a:xfrm>
+        <a:prstGeom prst="line">
+          <a:avLst/>
+        </a:prstGeom>
+        <a:solidFill>
+          <a:schemeClr val="accent2">
+            <a:hueOff val="0"/>
+            <a:satOff val="0"/>
+            <a:lumOff val="0"/>
+            <a:alphaOff val="0"/>
+          </a:schemeClr>
+        </a:solidFill>
+        <a:ln w="12700" cap="flat" cmpd="sng" algn="ctr">
+          <a:solidFill>
+            <a:schemeClr val="accent2">
+              <a:hueOff val="0"/>
+              <a:satOff val="0"/>
+              <a:lumOff val="0"/>
+              <a:alphaOff val="0"/>
+            </a:schemeClr>
+          </a:solidFill>
+          <a:prstDash val="solid"/>
+          <a:miter lim="800000"/>
+        </a:ln>
+        <a:effectLst/>
+      </dsp:spPr>
+      <dsp:style>
+        <a:lnRef idx="2">
+          <a:scrgbClr r="0" g="0" b="0"/>
+        </a:lnRef>
+        <a:fillRef idx="1">
+          <a:scrgbClr r="0" g="0" b="0"/>
+        </a:fillRef>
+        <a:effectRef idx="0">
+          <a:scrgbClr r="0" g="0" b="0"/>
+        </a:effectRef>
+        <a:fontRef idx="minor">
+          <a:schemeClr val="lt1"/>
+        </a:fontRef>
+      </dsp:style>
+    </dsp:sp>
+    <dsp:sp modelId="{2D99A963-76D8-400A-B9D5-06F0E338102D}">
+      <dsp:nvSpPr>
+        <dsp:cNvPr id="0" name=""/>
+        <dsp:cNvSpPr/>
+      </dsp:nvSpPr>
+      <dsp:spPr>
+        <a:xfrm>
+          <a:off x="0" y="3318305"/>
+          <a:ext cx="6291714" cy="1105876"/>
+        </a:xfrm>
+        <a:prstGeom prst="rect">
+          <a:avLst/>
+        </a:prstGeom>
+        <a:noFill/>
+        <a:ln>
+          <a:noFill/>
+        </a:ln>
+        <a:effectLst/>
+      </dsp:spPr>
+      <dsp:style>
+        <a:lnRef idx="0">
+          <a:scrgbClr r="0" g="0" b="0"/>
+        </a:lnRef>
+        <a:fillRef idx="0">
+          <a:scrgbClr r="0" g="0" b="0"/>
+        </a:fillRef>
+        <a:effectRef idx="0">
+          <a:scrgbClr r="0" g="0" b="0"/>
+        </a:effectRef>
+        <a:fontRef idx="minor"/>
+      </dsp:style>
+      <dsp:txBody>
+        <a:bodyPr spcFirstLastPara="0" vert="horz" wrap="square" lIns="160020" tIns="160020" rIns="160020" bIns="160020" numCol="1" spcCol="1270" anchor="ctr" anchorCtr="0">
+          <a:noAutofit/>
+        </a:bodyPr>
+        <a:lstStyle/>
+        <a:p>
+          <a:pPr marL="0" lvl="0" indent="0" algn="l" defTabSz="1866900">
+            <a:lnSpc>
+              <a:spcPct val="90000"/>
+            </a:lnSpc>
+            <a:spcBef>
+              <a:spcPct val="0"/>
+            </a:spcBef>
+            <a:spcAft>
+              <a:spcPct val="35000"/>
+            </a:spcAft>
+            <a:buNone/>
+          </a:pPr>
+          <a:r>
+            <a:rPr lang="en-US" sz="5100" b="1" kern="1200">
+              <a:latin typeface="Calibri" panose="020F0502020204030204"/>
+              <a:ea typeface="+mn-ea"/>
+              <a:cs typeface="+mn-cs"/>
+            </a:rPr>
+            <a:t>Bridge</a:t>
+          </a:r>
+        </a:p>
+      </dsp:txBody>
+      <dsp:txXfrm>
+        <a:off x="0" y="3318305"/>
+        <a:ext cx="6291714" cy="1105876"/>
+      </dsp:txXfrm>
+    </dsp:sp>
+    <dsp:sp modelId="{5E40778D-1AB5-4B09-A4D3-124D6414BF07}">
+      <dsp:nvSpPr>
+        <dsp:cNvPr id="0" name=""/>
+        <dsp:cNvSpPr/>
+      </dsp:nvSpPr>
+      <dsp:spPr>
+        <a:xfrm>
+          <a:off x="0" y="4424182"/>
+          <a:ext cx="6291714" cy="0"/>
+        </a:xfrm>
+        <a:prstGeom prst="line">
+          <a:avLst/>
+        </a:prstGeom>
+        <a:solidFill>
+          <a:schemeClr val="accent2">
+            <a:hueOff val="0"/>
+            <a:satOff val="0"/>
+            <a:lumOff val="0"/>
+            <a:alphaOff val="0"/>
+          </a:schemeClr>
+        </a:solidFill>
+        <a:ln w="12700" cap="flat" cmpd="sng" algn="ctr">
+          <a:solidFill>
+            <a:schemeClr val="accent2">
+              <a:hueOff val="0"/>
+              <a:satOff val="0"/>
+              <a:lumOff val="0"/>
+              <a:alphaOff val="0"/>
+            </a:schemeClr>
+          </a:solidFill>
+          <a:prstDash val="solid"/>
+          <a:miter lim="800000"/>
+        </a:ln>
+        <a:effectLst/>
+      </dsp:spPr>
+      <dsp:style>
+        <a:lnRef idx="2">
+          <a:scrgbClr r="0" g="0" b="0"/>
+        </a:lnRef>
+        <a:fillRef idx="1">
+          <a:scrgbClr r="0" g="0" b="0"/>
+        </a:fillRef>
+        <a:effectRef idx="0">
+          <a:scrgbClr r="0" g="0" b="0"/>
+        </a:effectRef>
+        <a:fontRef idx="minor">
+          <a:schemeClr val="lt1"/>
+        </a:fontRef>
+      </dsp:style>
+    </dsp:sp>
+    <dsp:sp modelId="{B07378B7-A1DE-4669-B34C-3C3DFE9F02B5}">
+      <dsp:nvSpPr>
+        <dsp:cNvPr id="0" name=""/>
+        <dsp:cNvSpPr/>
+      </dsp:nvSpPr>
+      <dsp:spPr>
+        <a:xfrm>
+          <a:off x="0" y="4424182"/>
+          <a:ext cx="6291714" cy="1105876"/>
+        </a:xfrm>
+        <a:prstGeom prst="rect">
+          <a:avLst/>
+        </a:prstGeom>
+        <a:noFill/>
+        <a:ln>
+          <a:noFill/>
+        </a:ln>
+        <a:effectLst/>
+      </dsp:spPr>
+      <dsp:style>
+        <a:lnRef idx="0">
+          <a:scrgbClr r="0" g="0" b="0"/>
+        </a:lnRef>
+        <a:fillRef idx="0">
+          <a:scrgbClr r="0" g="0" b="0"/>
+        </a:fillRef>
+        <a:effectRef idx="0">
+          <a:scrgbClr r="0" g="0" b="0"/>
+        </a:effectRef>
+        <a:fontRef idx="minor"/>
+      </dsp:style>
+      <dsp:txBody>
+        <a:bodyPr spcFirstLastPara="0" vert="horz" wrap="square" lIns="194310" tIns="194310" rIns="194310" bIns="194310" numCol="1" spcCol="1270" anchor="t" anchorCtr="0">
+          <a:noAutofit/>
+        </a:bodyPr>
+        <a:lstStyle/>
+        <a:p>
+          <a:pPr marL="0" lvl="0" indent="0" algn="l" defTabSz="2266950">
+            <a:lnSpc>
+              <a:spcPct val="90000"/>
+            </a:lnSpc>
+            <a:spcBef>
+              <a:spcPct val="0"/>
+            </a:spcBef>
+            <a:spcAft>
+              <a:spcPct val="35000"/>
+            </a:spcAft>
+            <a:buNone/>
+          </a:pPr>
+          <a:r>
+            <a:rPr lang="en-US" sz="5100" b="1" kern="1200"/>
+            <a:t>Decorator</a:t>
+          </a:r>
+          <a:endParaRPr lang="en-US" sz="5100" kern="1200"/>
+        </a:p>
+      </dsp:txBody>
+      <dsp:txXfrm>
+        <a:off x="0" y="4424182"/>
+        <a:ext cx="6291714" cy="1105876"/>
       </dsp:txXfrm>
     </dsp:sp>
   </dsp:spTree>
@@ -4585,7 +6596,1507 @@
 </dgm:layoutDef>
 </file>
 
+<file path=ppt/diagrams/layout2.xml><?xml version="1.0" encoding="utf-8"?>
+<dgm:layoutDef xmlns:dgm="http://schemas.openxmlformats.org/drawingml/2006/diagram" xmlns:a="http://schemas.openxmlformats.org/drawingml/2006/main" uniqueId="urn:microsoft.com/office/officeart/2008/layout/LinedList">
+  <dgm:title val=""/>
+  <dgm:desc val=""/>
+  <dgm:catLst>
+    <dgm:cat type="hierarchy" pri="8000"/>
+    <dgm:cat type="list" pri="2500"/>
+  </dgm:catLst>
+  <dgm:sampData>
+    <dgm:dataModel>
+      <dgm:ptLst>
+        <dgm:pt modelId="0" type="doc"/>
+        <dgm:pt modelId="1">
+          <dgm:prSet phldr="1"/>
+        </dgm:pt>
+        <dgm:pt modelId="11">
+          <dgm:prSet phldr="1"/>
+        </dgm:pt>
+        <dgm:pt modelId="12">
+          <dgm:prSet phldr="1"/>
+        </dgm:pt>
+        <dgm:pt modelId="13">
+          <dgm:prSet phldr="1"/>
+        </dgm:pt>
+      </dgm:ptLst>
+      <dgm:cxnLst>
+        <dgm:cxn modelId="2" srcId="0" destId="1" srcOrd="0" destOrd="0"/>
+        <dgm:cxn modelId="3" srcId="1" destId="11" srcOrd="0" destOrd="0"/>
+        <dgm:cxn modelId="4" srcId="1" destId="12" srcOrd="1" destOrd="0"/>
+        <dgm:cxn modelId="5" srcId="1" destId="13" srcOrd="2" destOrd="0"/>
+      </dgm:cxnLst>
+      <dgm:bg/>
+      <dgm:whole/>
+    </dgm:dataModel>
+  </dgm:sampData>
+  <dgm:styleData>
+    <dgm:dataModel>
+      <dgm:ptLst>
+        <dgm:pt modelId="0" type="doc"/>
+        <dgm:pt modelId="1">
+          <dgm:prSet phldr="1"/>
+        </dgm:pt>
+        <dgm:pt modelId="11">
+          <dgm:prSet phldr="1"/>
+        </dgm:pt>
+        <dgm:pt modelId="12">
+          <dgm:prSet phldr="1"/>
+        </dgm:pt>
+      </dgm:ptLst>
+      <dgm:cxnLst>
+        <dgm:cxn modelId="2" srcId="0" destId="1" srcOrd="0" destOrd="0"/>
+        <dgm:cxn modelId="3" srcId="1" destId="11" srcOrd="0" destOrd="0"/>
+        <dgm:cxn modelId="4" srcId="1" destId="12" srcOrd="1" destOrd="0"/>
+      </dgm:cxnLst>
+      <dgm:bg/>
+      <dgm:whole/>
+    </dgm:dataModel>
+  </dgm:styleData>
+  <dgm:clrData>
+    <dgm:dataModel>
+      <dgm:ptLst>
+        <dgm:pt modelId="0" type="doc"/>
+        <dgm:pt modelId="1">
+          <dgm:prSet phldr="1"/>
+        </dgm:pt>
+        <dgm:pt modelId="11">
+          <dgm:prSet phldr="1"/>
+        </dgm:pt>
+        <dgm:pt modelId="12">
+          <dgm:prSet phldr="1"/>
+        </dgm:pt>
+      </dgm:ptLst>
+      <dgm:cxnLst>
+        <dgm:cxn modelId="2" srcId="0" destId="1" srcOrd="0" destOrd="0"/>
+        <dgm:cxn modelId="3" srcId="1" destId="11" srcOrd="0" destOrd="0"/>
+        <dgm:cxn modelId="4" srcId="1" destId="12" srcOrd="1" destOrd="0"/>
+      </dgm:cxnLst>
+      <dgm:bg/>
+      <dgm:whole/>
+    </dgm:dataModel>
+  </dgm:clrData>
+  <dgm:layoutNode name="vert0">
+    <dgm:varLst>
+      <dgm:dir/>
+      <dgm:animOne val="branch"/>
+      <dgm:animLvl val="lvl"/>
+    </dgm:varLst>
+    <dgm:choose name="Name0">
+      <dgm:if name="Name1" func="var" arg="dir" op="equ" val="norm">
+        <dgm:alg type="lin">
+          <dgm:param type="linDir" val="fromT"/>
+          <dgm:param type="nodeHorzAlign" val="l"/>
+        </dgm:alg>
+      </dgm:if>
+      <dgm:else name="Name2">
+        <dgm:alg type="lin">
+          <dgm:param type="linDir" val="fromT"/>
+          <dgm:param type="nodeHorzAlign" val="r"/>
+        </dgm:alg>
+      </dgm:else>
+    </dgm:choose>
+    <dgm:shape xmlns:r="http://schemas.openxmlformats.org/officeDocument/2006/relationships" r:blip="">
+      <dgm:adjLst/>
+    </dgm:shape>
+    <dgm:presOf/>
+    <dgm:constrLst>
+      <dgm:constr type="w" for="ch" forName="horz1" refType="w"/>
+      <dgm:constr type="h" for="ch" forName="horz1" refType="h"/>
+      <dgm:constr type="h" for="des" forName="vert1" refType="h"/>
+      <dgm:constr type="h" for="des" forName="tx1" refType="h"/>
+      <dgm:constr type="h" for="des" forName="horz2" refType="h"/>
+      <dgm:constr type="h" for="des" forName="vert2" refType="h"/>
+      <dgm:constr type="h" for="des" forName="horz3" refType="h"/>
+      <dgm:constr type="h" for="des" forName="vert3" refType="h"/>
+      <dgm:constr type="h" for="des" forName="horz4" refType="h"/>
+      <dgm:constr type="h" for="des" ptType="node" refType="h"/>
+      <dgm:constr type="primFontSz" for="des" forName="tx1" op="equ" val="65"/>
+      <dgm:constr type="primFontSz" for="des" forName="tx2" op="equ" val="65"/>
+      <dgm:constr type="primFontSz" for="des" forName="tx3" op="equ" val="65"/>
+      <dgm:constr type="primFontSz" for="des" forName="tx4" op="equ" val="65"/>
+      <dgm:constr type="w" for="des" forName="thickLine" refType="w"/>
+      <dgm:constr type="h" for="des" forName="thickLine"/>
+      <dgm:constr type="h" for="des" forName="thinLine1"/>
+      <dgm:constr type="h" for="des" forName="thinLine2b"/>
+      <dgm:constr type="h" for="des" forName="thinLine3"/>
+      <dgm:constr type="h" for="des" forName="vertSpace2a" refType="h" fact="0.05"/>
+      <dgm:constr type="h" for="des" forName="vertSpace2b" refType="h" refFor="des" refForName="vertSpace2a"/>
+    </dgm:constrLst>
+    <dgm:forEach name="Name3" axis="ch" ptType="node">
+      <dgm:layoutNode name="thickLine" styleLbl="alignNode1">
+        <dgm:alg type="sp"/>
+        <dgm:shape xmlns:r="http://schemas.openxmlformats.org/officeDocument/2006/relationships" type="line" r:blip="">
+          <dgm:adjLst/>
+        </dgm:shape>
+        <dgm:presOf/>
+      </dgm:layoutNode>
+      <dgm:layoutNode name="horz1">
+        <dgm:choose name="Name4">
+          <dgm:if name="Name5" func="var" arg="dir" op="equ" val="norm">
+            <dgm:alg type="lin">
+              <dgm:param type="linDir" val="fromL"/>
+              <dgm:param type="nodeVertAlign" val="t"/>
+            </dgm:alg>
+          </dgm:if>
+          <dgm:else name="Name6">
+            <dgm:alg type="lin">
+              <dgm:param type="linDir" val="fromR"/>
+              <dgm:param type="nodeVertAlign" val="t"/>
+            </dgm:alg>
+          </dgm:else>
+        </dgm:choose>
+        <dgm:shape xmlns:r="http://schemas.openxmlformats.org/officeDocument/2006/relationships" r:blip="">
+          <dgm:adjLst/>
+        </dgm:shape>
+        <dgm:presOf/>
+        <dgm:choose name="Name7">
+          <dgm:if name="Name8" axis="root des" func="maxDepth" op="equ" val="1">
+            <dgm:constrLst>
+              <dgm:constr type="w" for="ch" forName="tx1" refType="w"/>
+            </dgm:constrLst>
+          </dgm:if>
+          <dgm:if name="Name9" axis="root des" func="maxDepth" op="equ" val="2">
+            <dgm:constrLst>
+              <dgm:constr type="w" for="ch" forName="tx1" refType="w" fact="0.2"/>
+              <dgm:constr type="w" for="des" forName="tx2" refType="w" fact="0.785"/>
+              <dgm:constr type="w" for="des" forName="horzSpace2" refType="w" fact="0.015"/>
+              <dgm:constr type="w" for="des" forName="thinLine2b" refType="w" fact="0.8"/>
+            </dgm:constrLst>
+          </dgm:if>
+          <dgm:if name="Name10" axis="root des" func="maxDepth" op="equ" val="3">
+            <dgm:constrLst>
+              <dgm:constr type="w" for="ch" forName="tx1" refType="w" fact="0.2"/>
+              <dgm:constr type="w" for="des" forName="tx2" refType="w" fact="0.385"/>
+              <dgm:constr type="w" for="des" forName="tx3" refType="w" fact="0.385"/>
+              <dgm:constr type="w" for="des" forName="horzSpace2" refType="w" fact="0.015"/>
+              <dgm:constr type="w" for="des" forName="horzSpace3" refType="w" fact="0.015"/>
+              <dgm:constr type="w" for="des" forName="thinLine2b" refType="w" fact="0.8"/>
+              <dgm:constr type="w" for="des" forName="thinLine3" refType="w" fact="0.385"/>
+            </dgm:constrLst>
+          </dgm:if>
+          <dgm:if name="Name11" axis="root des" func="maxDepth" op="gte" val="4">
+            <dgm:constrLst>
+              <dgm:constr type="w" for="ch" forName="tx1" refType="w" fact="0.2"/>
+              <dgm:constr type="w" for="des" forName="tx2" refType="w" fact="0.2516"/>
+              <dgm:constr type="w" for="des" forName="tx3" refType="w" fact="0.2516"/>
+              <dgm:constr type="w" for="des" forName="tx4" refType="w" fact="0.2516"/>
+              <dgm:constr type="w" for="des" forName="horzSpace2" refType="w" fact="0.015"/>
+              <dgm:constr type="w" for="des" forName="horzSpace3" refType="w" fact="0.015"/>
+              <dgm:constr type="w" for="des" forName="horzSpace4" refType="w" fact="0.015"/>
+              <dgm:constr type="w" for="des" forName="thinLine2b" refType="w" fact="0.8"/>
+              <dgm:constr type="w" for="des" forName="thinLine3" refType="w" fact="0.5332"/>
+            </dgm:constrLst>
+          </dgm:if>
+          <dgm:else name="Name12"/>
+        </dgm:choose>
+        <dgm:layoutNode name="tx1" styleLbl="revTx">
+          <dgm:alg type="tx">
+            <dgm:param type="parTxLTRAlign" val="l"/>
+            <dgm:param type="parTxRTLAlign" val="r"/>
+            <dgm:param type="txAnchorVert" val="t"/>
+          </dgm:alg>
+          <dgm:shape xmlns:r="http://schemas.openxmlformats.org/officeDocument/2006/relationships" type="rect" r:blip="">
+            <dgm:adjLst/>
+          </dgm:shape>
+          <dgm:presOf axis="self"/>
+          <dgm:constrLst>
+            <dgm:constr type="tMarg" refType="primFontSz" fact="0.3"/>
+            <dgm:constr type="bMarg" refType="primFontSz" fact="0.3"/>
+            <dgm:constr type="lMarg" refType="primFontSz" fact="0.3"/>
+            <dgm:constr type="rMarg" refType="primFontSz" fact="0.3"/>
+          </dgm:constrLst>
+          <dgm:ruleLst>
+            <dgm:rule type="primFontSz" val="5" fact="NaN" max="NaN"/>
+          </dgm:ruleLst>
+        </dgm:layoutNode>
+        <dgm:layoutNode name="vert1">
+          <dgm:choose name="Name13">
+            <dgm:if name="Name14" func="var" arg="dir" op="equ" val="norm">
+              <dgm:alg type="lin">
+                <dgm:param type="linDir" val="fromT"/>
+                <dgm:param type="nodeHorzAlign" val="l"/>
+              </dgm:alg>
+            </dgm:if>
+            <dgm:else name="Name15">
+              <dgm:alg type="lin">
+                <dgm:param type="linDir" val="fromT"/>
+                <dgm:param type="nodeHorzAlign" val="r"/>
+              </dgm:alg>
+            </dgm:else>
+          </dgm:choose>
+          <dgm:shape xmlns:r="http://schemas.openxmlformats.org/officeDocument/2006/relationships" r:blip="">
+            <dgm:adjLst/>
+          </dgm:shape>
+          <dgm:presOf/>
+          <dgm:forEach name="Name16" axis="ch" ptType="node">
+            <dgm:choose name="Name17">
+              <dgm:if name="Name18" axis="self" ptType="node" func="pos" op="equ" val="1">
+                <dgm:layoutNode name="vertSpace2a">
+                  <dgm:alg type="sp"/>
+                  <dgm:shape xmlns:r="http://schemas.openxmlformats.org/officeDocument/2006/relationships" r:blip="">
+                    <dgm:adjLst/>
+                  </dgm:shape>
+                  <dgm:presOf/>
+                </dgm:layoutNode>
+              </dgm:if>
+              <dgm:else name="Name19"/>
+            </dgm:choose>
+            <dgm:layoutNode name="horz2">
+              <dgm:choose name="Name20">
+                <dgm:if name="Name21" func="var" arg="dir" op="equ" val="norm">
+                  <dgm:alg type="lin">
+                    <dgm:param type="linDir" val="fromL"/>
+                    <dgm:param type="nodeVertAlign" val="t"/>
+                  </dgm:alg>
+                </dgm:if>
+                <dgm:else name="Name22">
+                  <dgm:alg type="lin">
+                    <dgm:param type="linDir" val="fromR"/>
+                    <dgm:param type="nodeVertAlign" val="t"/>
+                  </dgm:alg>
+                </dgm:else>
+              </dgm:choose>
+              <dgm:shape xmlns:r="http://schemas.openxmlformats.org/officeDocument/2006/relationships" r:blip="">
+                <dgm:adjLst/>
+              </dgm:shape>
+              <dgm:presOf/>
+              <dgm:layoutNode name="horzSpace2">
+                <dgm:alg type="sp"/>
+                <dgm:shape xmlns:r="http://schemas.openxmlformats.org/officeDocument/2006/relationships" r:blip="">
+                  <dgm:adjLst/>
+                </dgm:shape>
+                <dgm:presOf/>
+              </dgm:layoutNode>
+              <dgm:layoutNode name="tx2" styleLbl="revTx">
+                <dgm:alg type="tx">
+                  <dgm:param type="parTxLTRAlign" val="l"/>
+                  <dgm:param type="parTxRTLAlign" val="r"/>
+                  <dgm:param type="txAnchorVert" val="t"/>
+                </dgm:alg>
+                <dgm:shape xmlns:r="http://schemas.openxmlformats.org/officeDocument/2006/relationships" type="rect" r:blip="">
+                  <dgm:adjLst/>
+                </dgm:shape>
+                <dgm:presOf axis="self"/>
+                <dgm:constrLst>
+                  <dgm:constr type="tMarg" refType="primFontSz" fact="0.3"/>
+                  <dgm:constr type="bMarg" refType="primFontSz" fact="0.3"/>
+                  <dgm:constr type="lMarg" refType="primFontSz" fact="0.3"/>
+                  <dgm:constr type="rMarg" refType="primFontSz" fact="0.3"/>
+                </dgm:constrLst>
+                <dgm:ruleLst>
+                  <dgm:rule type="primFontSz" val="5" fact="NaN" max="NaN"/>
+                </dgm:ruleLst>
+              </dgm:layoutNode>
+              <dgm:layoutNode name="vert2">
+                <dgm:choose name="Name23">
+                  <dgm:if name="Name24" func="var" arg="dir" op="equ" val="norm">
+                    <dgm:alg type="lin">
+                      <dgm:param type="linDir" val="fromT"/>
+                      <dgm:param type="nodeHorzAlign" val="l"/>
+                    </dgm:alg>
+                  </dgm:if>
+                  <dgm:else name="Name25">
+                    <dgm:alg type="lin">
+                      <dgm:param type="linDir" val="fromT"/>
+                      <dgm:param type="nodeHorzAlign" val="r"/>
+                    </dgm:alg>
+                  </dgm:else>
+                </dgm:choose>
+                <dgm:shape xmlns:r="http://schemas.openxmlformats.org/officeDocument/2006/relationships" r:blip="">
+                  <dgm:adjLst/>
+                </dgm:shape>
+                <dgm:presOf/>
+                <dgm:forEach name="Name26" axis="ch" ptType="node">
+                  <dgm:layoutNode name="horz3">
+                    <dgm:choose name="Name27">
+                      <dgm:if name="Name28" func="var" arg="dir" op="equ" val="norm">
+                        <dgm:alg type="lin">
+                          <dgm:param type="linDir" val="fromL"/>
+                          <dgm:param type="nodeVertAlign" val="t"/>
+                        </dgm:alg>
+                      </dgm:if>
+                      <dgm:else name="Name29">
+                        <dgm:alg type="lin">
+                          <dgm:param type="linDir" val="fromR"/>
+                          <dgm:param type="nodeVertAlign" val="t"/>
+                        </dgm:alg>
+                      </dgm:else>
+                    </dgm:choose>
+                    <dgm:shape xmlns:r="http://schemas.openxmlformats.org/officeDocument/2006/relationships" r:blip="">
+                      <dgm:adjLst/>
+                    </dgm:shape>
+                    <dgm:presOf/>
+                    <dgm:layoutNode name="horzSpace3">
+                      <dgm:alg type="sp"/>
+                      <dgm:shape xmlns:r="http://schemas.openxmlformats.org/officeDocument/2006/relationships" r:blip="">
+                        <dgm:adjLst/>
+                      </dgm:shape>
+                      <dgm:presOf/>
+                    </dgm:layoutNode>
+                    <dgm:layoutNode name="tx3" styleLbl="revTx">
+                      <dgm:alg type="tx">
+                        <dgm:param type="parTxLTRAlign" val="l"/>
+                        <dgm:param type="parTxRTLAlign" val="r"/>
+                        <dgm:param type="txAnchorVert" val="t"/>
+                      </dgm:alg>
+                      <dgm:shape xmlns:r="http://schemas.openxmlformats.org/officeDocument/2006/relationships" type="rect" r:blip="">
+                        <dgm:adjLst/>
+                      </dgm:shape>
+                      <dgm:presOf axis="self"/>
+                      <dgm:constrLst>
+                        <dgm:constr type="tMarg" refType="primFontSz" fact="0.3"/>
+                        <dgm:constr type="bMarg" refType="primFontSz" fact="0.3"/>
+                        <dgm:constr type="lMarg" refType="primFontSz" fact="0.3"/>
+                        <dgm:constr type="rMarg" refType="primFontSz" fact="0.3"/>
+                      </dgm:constrLst>
+                      <dgm:ruleLst>
+                        <dgm:rule type="primFontSz" val="5" fact="NaN" max="NaN"/>
+                      </dgm:ruleLst>
+                    </dgm:layoutNode>
+                    <dgm:layoutNode name="vert3">
+                      <dgm:choose name="Name30">
+                        <dgm:if name="Name31" func="var" arg="dir" op="equ" val="norm">
+                          <dgm:alg type="lin">
+                            <dgm:param type="linDir" val="fromT"/>
+                            <dgm:param type="nodeHorzAlign" val="l"/>
+                          </dgm:alg>
+                        </dgm:if>
+                        <dgm:else name="Name32">
+                          <dgm:alg type="lin">
+                            <dgm:param type="linDir" val="fromT"/>
+                            <dgm:param type="nodeHorzAlign" val="r"/>
+                          </dgm:alg>
+                        </dgm:else>
+                      </dgm:choose>
+                      <dgm:shape xmlns:r="http://schemas.openxmlformats.org/officeDocument/2006/relationships" r:blip="">
+                        <dgm:adjLst/>
+                      </dgm:shape>
+                      <dgm:presOf/>
+                      <dgm:forEach name="Name33" axis="ch" ptType="node">
+                        <dgm:layoutNode name="horz4">
+                          <dgm:choose name="Name34">
+                            <dgm:if name="Name35" func="var" arg="dir" op="equ" val="norm">
+                              <dgm:alg type="lin">
+                                <dgm:param type="linDir" val="fromL"/>
+                                <dgm:param type="nodeVertAlign" val="t"/>
+                              </dgm:alg>
+                            </dgm:if>
+                            <dgm:else name="Name36">
+                              <dgm:alg type="lin">
+                                <dgm:param type="linDir" val="fromR"/>
+                                <dgm:param type="nodeVertAlign" val="t"/>
+                              </dgm:alg>
+                            </dgm:else>
+                          </dgm:choose>
+                          <dgm:shape xmlns:r="http://schemas.openxmlformats.org/officeDocument/2006/relationships" r:blip="">
+                            <dgm:adjLst/>
+                          </dgm:shape>
+                          <dgm:presOf/>
+                          <dgm:layoutNode name="horzSpace4">
+                            <dgm:alg type="sp"/>
+                            <dgm:shape xmlns:r="http://schemas.openxmlformats.org/officeDocument/2006/relationships" r:blip="">
+                              <dgm:adjLst/>
+                            </dgm:shape>
+                            <dgm:presOf/>
+                          </dgm:layoutNode>
+                          <dgm:layoutNode name="tx4" styleLbl="revTx">
+                            <dgm:varLst>
+                              <dgm:bulletEnabled val="1"/>
+                            </dgm:varLst>
+                            <dgm:alg type="tx">
+                              <dgm:param type="parTxLTRAlign" val="l"/>
+                              <dgm:param type="parTxRTLAlign" val="r"/>
+                              <dgm:param type="txAnchorVert" val="t"/>
+                            </dgm:alg>
+                            <dgm:shape xmlns:r="http://schemas.openxmlformats.org/officeDocument/2006/relationships" type="rect" r:blip="">
+                              <dgm:adjLst/>
+                            </dgm:shape>
+                            <dgm:presOf axis="desOrSelf" ptType="node"/>
+                            <dgm:constrLst>
+                              <dgm:constr type="tMarg" refType="primFontSz" fact="0.3"/>
+                              <dgm:constr type="bMarg" refType="primFontSz" fact="0.3"/>
+                              <dgm:constr type="lMarg" refType="primFontSz" fact="0.3"/>
+                              <dgm:constr type="rMarg" refType="primFontSz" fact="0.3"/>
+                            </dgm:constrLst>
+                            <dgm:ruleLst>
+                              <dgm:rule type="primFontSz" val="5" fact="NaN" max="NaN"/>
+                            </dgm:ruleLst>
+                          </dgm:layoutNode>
+                        </dgm:layoutNode>
+                      </dgm:forEach>
+                    </dgm:layoutNode>
+                  </dgm:layoutNode>
+                  <dgm:forEach name="Name37" axis="followSib" ptType="sibTrans" cnt="1">
+                    <dgm:layoutNode name="thinLine3" styleLbl="callout">
+                      <dgm:alg type="sp"/>
+                      <dgm:shape xmlns:r="http://schemas.openxmlformats.org/officeDocument/2006/relationships" type="line" r:blip="">
+                        <dgm:adjLst/>
+                      </dgm:shape>
+                      <dgm:presOf/>
+                    </dgm:layoutNode>
+                  </dgm:forEach>
+                </dgm:forEach>
+              </dgm:layoutNode>
+            </dgm:layoutNode>
+            <dgm:layoutNode name="thinLine2b" styleLbl="callout">
+              <dgm:alg type="sp"/>
+              <dgm:shape xmlns:r="http://schemas.openxmlformats.org/officeDocument/2006/relationships" type="line" r:blip="">
+                <dgm:adjLst/>
+              </dgm:shape>
+              <dgm:presOf/>
+            </dgm:layoutNode>
+            <dgm:layoutNode name="vertSpace2b">
+              <dgm:alg type="sp"/>
+              <dgm:shape xmlns:r="http://schemas.openxmlformats.org/officeDocument/2006/relationships" r:blip="">
+                <dgm:adjLst/>
+              </dgm:shape>
+              <dgm:presOf/>
+            </dgm:layoutNode>
+          </dgm:forEach>
+        </dgm:layoutNode>
+      </dgm:layoutNode>
+    </dgm:forEach>
+  </dgm:layoutNode>
+</dgm:layoutDef>
+</file>
+
 <file path=ppt/diagrams/quickStyle1.xml><?xml version="1.0" encoding="utf-8"?>
+<dgm:styleDef xmlns:dgm="http://schemas.openxmlformats.org/drawingml/2006/diagram" xmlns:a="http://schemas.openxmlformats.org/drawingml/2006/main" uniqueId="urn:microsoft.com/office/officeart/2005/8/quickstyle/simple1">
+  <dgm:title val=""/>
+  <dgm:desc val=""/>
+  <dgm:catLst>
+    <dgm:cat type="simple" pri="10100"/>
+  </dgm:catLst>
+  <dgm:scene3d>
+    <a:camera prst="orthographicFront"/>
+    <a:lightRig rig="threePt" dir="t"/>
+  </dgm:scene3d>
+  <dgm:styleLbl name="node0">
+    <dgm:scene3d>
+      <a:camera prst="orthographicFront"/>
+      <a:lightRig rig="threePt" dir="t"/>
+    </dgm:scene3d>
+    <dgm:sp3d/>
+    <dgm:txPr/>
+    <dgm:style>
+      <a:lnRef idx="2">
+        <a:scrgbClr r="0" g="0" b="0"/>
+      </a:lnRef>
+      <a:fillRef idx="1">
+        <a:scrgbClr r="0" g="0" b="0"/>
+      </a:fillRef>
+      <a:effectRef idx="0">
+        <a:scrgbClr r="0" g="0" b="0"/>
+      </a:effectRef>
+      <a:fontRef idx="minor">
+        <a:schemeClr val="lt1"/>
+      </a:fontRef>
+    </dgm:style>
+  </dgm:styleLbl>
+  <dgm:styleLbl name="lnNode1">
+    <dgm:scene3d>
+      <a:camera prst="orthographicFront"/>
+      <a:lightRig rig="threePt" dir="t"/>
+    </dgm:scene3d>
+    <dgm:sp3d/>
+    <dgm:txPr/>
+    <dgm:style>
+      <a:lnRef idx="2">
+        <a:scrgbClr r="0" g="0" b="0"/>
+      </a:lnRef>
+      <a:fillRef idx="1">
+        <a:scrgbClr r="0" g="0" b="0"/>
+      </a:fillRef>
+      <a:effectRef idx="0">
+        <a:scrgbClr r="0" g="0" b="0"/>
+      </a:effectRef>
+      <a:fontRef idx="minor">
+        <a:schemeClr val="lt1"/>
+      </a:fontRef>
+    </dgm:style>
+  </dgm:styleLbl>
+  <dgm:styleLbl name="vennNode1">
+    <dgm:scene3d>
+      <a:camera prst="orthographicFront"/>
+      <a:lightRig rig="threePt" dir="t"/>
+    </dgm:scene3d>
+    <dgm:sp3d/>
+    <dgm:txPr/>
+    <dgm:style>
+      <a:lnRef idx="2">
+        <a:scrgbClr r="0" g="0" b="0"/>
+      </a:lnRef>
+      <a:fillRef idx="1">
+        <a:scrgbClr r="0" g="0" b="0"/>
+      </a:fillRef>
+      <a:effectRef idx="0">
+        <a:scrgbClr r="0" g="0" b="0"/>
+      </a:effectRef>
+      <a:fontRef idx="minor">
+        <a:schemeClr val="tx1"/>
+      </a:fontRef>
+    </dgm:style>
+  </dgm:styleLbl>
+  <dgm:styleLbl name="alignNode1">
+    <dgm:scene3d>
+      <a:camera prst="orthographicFront"/>
+      <a:lightRig rig="threePt" dir="t"/>
+    </dgm:scene3d>
+    <dgm:sp3d/>
+    <dgm:txPr/>
+    <dgm:style>
+      <a:lnRef idx="2">
+        <a:scrgbClr r="0" g="0" b="0"/>
+      </a:lnRef>
+      <a:fillRef idx="1">
+        <a:scrgbClr r="0" g="0" b="0"/>
+      </a:fillRef>
+      <a:effectRef idx="0">
+        <a:scrgbClr r="0" g="0" b="0"/>
+      </a:effectRef>
+      <a:fontRef idx="minor">
+        <a:schemeClr val="lt1"/>
+      </a:fontRef>
+    </dgm:style>
+  </dgm:styleLbl>
+  <dgm:styleLbl name="node1">
+    <dgm:scene3d>
+      <a:camera prst="orthographicFront"/>
+      <a:lightRig rig="threePt" dir="t"/>
+    </dgm:scene3d>
+    <dgm:sp3d/>
+    <dgm:txPr/>
+    <dgm:style>
+      <a:lnRef idx="2">
+        <a:scrgbClr r="0" g="0" b="0"/>
+      </a:lnRef>
+      <a:fillRef idx="1">
+        <a:scrgbClr r="0" g="0" b="0"/>
+      </a:fillRef>
+      <a:effectRef idx="0">
+        <a:scrgbClr r="0" g="0" b="0"/>
+      </a:effectRef>
+      <a:fontRef idx="minor">
+        <a:schemeClr val="lt1"/>
+      </a:fontRef>
+    </dgm:style>
+  </dgm:styleLbl>
+  <dgm:styleLbl name="node2">
+    <dgm:scene3d>
+      <a:camera prst="orthographicFront"/>
+      <a:lightRig rig="threePt" dir="t"/>
+    </dgm:scene3d>
+    <dgm:sp3d/>
+    <dgm:txPr/>
+    <dgm:style>
+      <a:lnRef idx="2">
+        <a:scrgbClr r="0" g="0" b="0"/>
+      </a:lnRef>
+      <a:fillRef idx="1">
+        <a:scrgbClr r="0" g="0" b="0"/>
+      </a:fillRef>
+      <a:effectRef idx="0">
+        <a:scrgbClr r="0" g="0" b="0"/>
+      </a:effectRef>
+      <a:fontRef idx="minor">
+        <a:schemeClr val="lt1"/>
+      </a:fontRef>
+    </dgm:style>
+  </dgm:styleLbl>
+  <dgm:styleLbl name="node3">
+    <dgm:scene3d>
+      <a:camera prst="orthographicFront"/>
+      <a:lightRig rig="threePt" dir="t"/>
+    </dgm:scene3d>
+    <dgm:sp3d/>
+    <dgm:txPr/>
+    <dgm:style>
+      <a:lnRef idx="2">
+        <a:scrgbClr r="0" g="0" b="0"/>
+      </a:lnRef>
+      <a:fillRef idx="1">
+        <a:scrgbClr r="0" g="0" b="0"/>
+      </a:fillRef>
+      <a:effectRef idx="0">
+        <a:scrgbClr r="0" g="0" b="0"/>
+      </a:effectRef>
+      <a:fontRef idx="minor">
+        <a:schemeClr val="lt1"/>
+      </a:fontRef>
+    </dgm:style>
+  </dgm:styleLbl>
+  <dgm:styleLbl name="node4">
+    <dgm:scene3d>
+      <a:camera prst="orthographicFront"/>
+      <a:lightRig rig="threePt" dir="t"/>
+    </dgm:scene3d>
+    <dgm:sp3d/>
+    <dgm:txPr/>
+    <dgm:style>
+      <a:lnRef idx="2">
+        <a:scrgbClr r="0" g="0" b="0"/>
+      </a:lnRef>
+      <a:fillRef idx="1">
+        <a:scrgbClr r="0" g="0" b="0"/>
+      </a:fillRef>
+      <a:effectRef idx="0">
+        <a:scrgbClr r="0" g="0" b="0"/>
+      </a:effectRef>
+      <a:fontRef idx="minor">
+        <a:schemeClr val="lt1"/>
+      </a:fontRef>
+    </dgm:style>
+  </dgm:styleLbl>
+  <dgm:styleLbl name="fgImgPlace1">
+    <dgm:scene3d>
+      <a:camera prst="orthographicFront"/>
+      <a:lightRig rig="threePt" dir="t"/>
+    </dgm:scene3d>
+    <dgm:sp3d/>
+    <dgm:txPr/>
+    <dgm:style>
+      <a:lnRef idx="2">
+        <a:scrgbClr r="0" g="0" b="0"/>
+      </a:lnRef>
+      <a:fillRef idx="1">
+        <a:scrgbClr r="0" g="0" b="0"/>
+      </a:fillRef>
+      <a:effectRef idx="0">
+        <a:scrgbClr r="0" g="0" b="0"/>
+      </a:effectRef>
+      <a:fontRef idx="minor"/>
+    </dgm:style>
+  </dgm:styleLbl>
+  <dgm:styleLbl name="alignImgPlace1">
+    <dgm:scene3d>
+      <a:camera prst="orthographicFront"/>
+      <a:lightRig rig="threePt" dir="t"/>
+    </dgm:scene3d>
+    <dgm:sp3d/>
+    <dgm:txPr/>
+    <dgm:style>
+      <a:lnRef idx="2">
+        <a:scrgbClr r="0" g="0" b="0"/>
+      </a:lnRef>
+      <a:fillRef idx="1">
+        <a:scrgbClr r="0" g="0" b="0"/>
+      </a:fillRef>
+      <a:effectRef idx="0">
+        <a:scrgbClr r="0" g="0" b="0"/>
+      </a:effectRef>
+      <a:fontRef idx="minor"/>
+    </dgm:style>
+  </dgm:styleLbl>
+  <dgm:styleLbl name="bgImgPlace1">
+    <dgm:scene3d>
+      <a:camera prst="orthographicFront"/>
+      <a:lightRig rig="threePt" dir="t"/>
+    </dgm:scene3d>
+    <dgm:sp3d/>
+    <dgm:txPr/>
+    <dgm:style>
+      <a:lnRef idx="2">
+        <a:scrgbClr r="0" g="0" b="0"/>
+      </a:lnRef>
+      <a:fillRef idx="1">
+        <a:scrgbClr r="0" g="0" b="0"/>
+      </a:fillRef>
+      <a:effectRef idx="0">
+        <a:scrgbClr r="0" g="0" b="0"/>
+      </a:effectRef>
+      <a:fontRef idx="minor"/>
+    </dgm:style>
+  </dgm:styleLbl>
+  <dgm:styleLbl name="sibTrans2D1">
+    <dgm:scene3d>
+      <a:camera prst="orthographicFront"/>
+      <a:lightRig rig="threePt" dir="t"/>
+    </dgm:scene3d>
+    <dgm:sp3d/>
+    <dgm:txPr/>
+    <dgm:style>
+      <a:lnRef idx="0">
+        <a:scrgbClr r="0" g="0" b="0"/>
+      </a:lnRef>
+      <a:fillRef idx="1">
+        <a:scrgbClr r="0" g="0" b="0"/>
+      </a:fillRef>
+      <a:effectRef idx="0">
+        <a:scrgbClr r="0" g="0" b="0"/>
+      </a:effectRef>
+      <a:fontRef idx="minor">
+        <a:schemeClr val="lt1"/>
+      </a:fontRef>
+    </dgm:style>
+  </dgm:styleLbl>
+  <dgm:styleLbl name="fgSibTrans2D1">
+    <dgm:scene3d>
+      <a:camera prst="orthographicFront"/>
+      <a:lightRig rig="threePt" dir="t"/>
+    </dgm:scene3d>
+    <dgm:sp3d/>
+    <dgm:txPr/>
+    <dgm:style>
+      <a:lnRef idx="0">
+        <a:scrgbClr r="0" g="0" b="0"/>
+      </a:lnRef>
+      <a:fillRef idx="1">
+        <a:scrgbClr r="0" g="0" b="0"/>
+      </a:fillRef>
+      <a:effectRef idx="0">
+        <a:scrgbClr r="0" g="0" b="0"/>
+      </a:effectRef>
+      <a:fontRef idx="minor">
+        <a:schemeClr val="lt1"/>
+      </a:fontRef>
+    </dgm:style>
+  </dgm:styleLbl>
+  <dgm:styleLbl name="bgSibTrans2D1">
+    <dgm:scene3d>
+      <a:camera prst="orthographicFront"/>
+      <a:lightRig rig="threePt" dir="t"/>
+    </dgm:scene3d>
+    <dgm:sp3d/>
+    <dgm:txPr/>
+    <dgm:style>
+      <a:lnRef idx="0">
+        <a:scrgbClr r="0" g="0" b="0"/>
+      </a:lnRef>
+      <a:fillRef idx="1">
+        <a:scrgbClr r="0" g="0" b="0"/>
+      </a:fillRef>
+      <a:effectRef idx="0">
+        <a:scrgbClr r="0" g="0" b="0"/>
+      </a:effectRef>
+      <a:fontRef idx="minor">
+        <a:schemeClr val="lt1"/>
+      </a:fontRef>
+    </dgm:style>
+  </dgm:styleLbl>
+  <dgm:styleLbl name="sibTrans1D1">
+    <dgm:scene3d>
+      <a:camera prst="orthographicFront"/>
+      <a:lightRig rig="threePt" dir="t"/>
+    </dgm:scene3d>
+    <dgm:sp3d/>
+    <dgm:txPr/>
+    <dgm:style>
+      <a:lnRef idx="1">
+        <a:scrgbClr r="0" g="0" b="0"/>
+      </a:lnRef>
+      <a:fillRef idx="0">
+        <a:scrgbClr r="0" g="0" b="0"/>
+      </a:fillRef>
+      <a:effectRef idx="0">
+        <a:scrgbClr r="0" g="0" b="0"/>
+      </a:effectRef>
+      <a:fontRef idx="minor"/>
+    </dgm:style>
+  </dgm:styleLbl>
+  <dgm:styleLbl name="callout">
+    <dgm:scene3d>
+      <a:camera prst="orthographicFront"/>
+      <a:lightRig rig="threePt" dir="t"/>
+    </dgm:scene3d>
+    <dgm:sp3d/>
+    <dgm:txPr/>
+    <dgm:style>
+      <a:lnRef idx="2">
+        <a:scrgbClr r="0" g="0" b="0"/>
+      </a:lnRef>
+      <a:fillRef idx="1">
+        <a:scrgbClr r="0" g="0" b="0"/>
+      </a:fillRef>
+      <a:effectRef idx="0">
+        <a:scrgbClr r="0" g="0" b="0"/>
+      </a:effectRef>
+      <a:fontRef idx="minor"/>
+    </dgm:style>
+  </dgm:styleLbl>
+  <dgm:styleLbl name="asst0">
+    <dgm:scene3d>
+      <a:camera prst="orthographicFront"/>
+      <a:lightRig rig="threePt" dir="t"/>
+    </dgm:scene3d>
+    <dgm:sp3d/>
+    <dgm:txPr/>
+    <dgm:style>
+      <a:lnRef idx="2">
+        <a:scrgbClr r="0" g="0" b="0"/>
+      </a:lnRef>
+      <a:fillRef idx="1">
+        <a:scrgbClr r="0" g="0" b="0"/>
+      </a:fillRef>
+      <a:effectRef idx="0">
+        <a:scrgbClr r="0" g="0" b="0"/>
+      </a:effectRef>
+      <a:fontRef idx="minor">
+        <a:schemeClr val="lt1"/>
+      </a:fontRef>
+    </dgm:style>
+  </dgm:styleLbl>
+  <dgm:styleLbl name="asst1">
+    <dgm:scene3d>
+      <a:camera prst="orthographicFront"/>
+      <a:lightRig rig="threePt" dir="t"/>
+    </dgm:scene3d>
+    <dgm:sp3d/>
+    <dgm:txPr/>
+    <dgm:style>
+      <a:lnRef idx="2">
+        <a:scrgbClr r="0" g="0" b="0"/>
+      </a:lnRef>
+      <a:fillRef idx="1">
+        <a:scrgbClr r="0" g="0" b="0"/>
+      </a:fillRef>
+      <a:effectRef idx="0">
+        <a:scrgbClr r="0" g="0" b="0"/>
+      </a:effectRef>
+      <a:fontRef idx="minor">
+        <a:schemeClr val="lt1"/>
+      </a:fontRef>
+    </dgm:style>
+  </dgm:styleLbl>
+  <dgm:styleLbl name="asst2">
+    <dgm:scene3d>
+      <a:camera prst="orthographicFront"/>
+      <a:lightRig rig="threePt" dir="t"/>
+    </dgm:scene3d>
+    <dgm:sp3d/>
+    <dgm:txPr/>
+    <dgm:style>
+      <a:lnRef idx="2">
+        <a:scrgbClr r="0" g="0" b="0"/>
+      </a:lnRef>
+      <a:fillRef idx="1">
+        <a:scrgbClr r="0" g="0" b="0"/>
+      </a:fillRef>
+      <a:effectRef idx="0">
+        <a:scrgbClr r="0" g="0" b="0"/>
+      </a:effectRef>
+      <a:fontRef idx="minor">
+        <a:schemeClr val="lt1"/>
+      </a:fontRef>
+    </dgm:style>
+  </dgm:styleLbl>
+  <dgm:styleLbl name="asst3">
+    <dgm:scene3d>
+      <a:camera prst="orthographicFront"/>
+      <a:lightRig rig="threePt" dir="t"/>
+    </dgm:scene3d>
+    <dgm:sp3d/>
+    <dgm:txPr/>
+    <dgm:style>
+      <a:lnRef idx="2">
+        <a:scrgbClr r="0" g="0" b="0"/>
+      </a:lnRef>
+      <a:fillRef idx="1">
+        <a:scrgbClr r="0" g="0" b="0"/>
+      </a:fillRef>
+      <a:effectRef idx="0">
+        <a:scrgbClr r="0" g="0" b="0"/>
+      </a:effectRef>
+      <a:fontRef idx="minor">
+        <a:schemeClr val="lt1"/>
+      </a:fontRef>
+    </dgm:style>
+  </dgm:styleLbl>
+  <dgm:styleLbl name="asst4">
+    <dgm:scene3d>
+      <a:camera prst="orthographicFront"/>
+      <a:lightRig rig="threePt" dir="t"/>
+    </dgm:scene3d>
+    <dgm:sp3d/>
+    <dgm:txPr/>
+    <dgm:style>
+      <a:lnRef idx="2">
+        <a:scrgbClr r="0" g="0" b="0"/>
+      </a:lnRef>
+      <a:fillRef idx="1">
+        <a:scrgbClr r="0" g="0" b="0"/>
+      </a:fillRef>
+      <a:effectRef idx="0">
+        <a:scrgbClr r="0" g="0" b="0"/>
+      </a:effectRef>
+      <a:fontRef idx="minor">
+        <a:schemeClr val="lt1"/>
+      </a:fontRef>
+    </dgm:style>
+  </dgm:styleLbl>
+  <dgm:styleLbl name="parChTrans2D1">
+    <dgm:scene3d>
+      <a:camera prst="orthographicFront"/>
+      <a:lightRig rig="threePt" dir="t"/>
+    </dgm:scene3d>
+    <dgm:sp3d/>
+    <dgm:txPr/>
+    <dgm:style>
+      <a:lnRef idx="2">
+        <a:scrgbClr r="0" g="0" b="0"/>
+      </a:lnRef>
+      <a:fillRef idx="1">
+        <a:scrgbClr r="0" g="0" b="0"/>
+      </a:fillRef>
+      <a:effectRef idx="0">
+        <a:scrgbClr r="0" g="0" b="0"/>
+      </a:effectRef>
+      <a:fontRef idx="minor">
+        <a:schemeClr val="lt1"/>
+      </a:fontRef>
+    </dgm:style>
+  </dgm:styleLbl>
+  <dgm:styleLbl name="parChTrans2D2">
+    <dgm:scene3d>
+      <a:camera prst="orthographicFront"/>
+      <a:lightRig rig="threePt" dir="t"/>
+    </dgm:scene3d>
+    <dgm:sp3d/>
+    <dgm:txPr/>
+    <dgm:style>
+      <a:lnRef idx="2">
+        <a:scrgbClr r="0" g="0" b="0"/>
+      </a:lnRef>
+      <a:fillRef idx="1">
+        <a:scrgbClr r="0" g="0" b="0"/>
+      </a:fillRef>
+      <a:effectRef idx="0">
+        <a:scrgbClr r="0" g="0" b="0"/>
+      </a:effectRef>
+      <a:fontRef idx="minor">
+        <a:schemeClr val="lt1"/>
+      </a:fontRef>
+    </dgm:style>
+  </dgm:styleLbl>
+  <dgm:styleLbl name="parChTrans2D3">
+    <dgm:scene3d>
+      <a:camera prst="orthographicFront"/>
+      <a:lightRig rig="threePt" dir="t"/>
+    </dgm:scene3d>
+    <dgm:sp3d/>
+    <dgm:txPr/>
+    <dgm:style>
+      <a:lnRef idx="2">
+        <a:scrgbClr r="0" g="0" b="0"/>
+      </a:lnRef>
+      <a:fillRef idx="1">
+        <a:scrgbClr r="0" g="0" b="0"/>
+      </a:fillRef>
+      <a:effectRef idx="0">
+        <a:scrgbClr r="0" g="0" b="0"/>
+      </a:effectRef>
+      <a:fontRef idx="minor">
+        <a:schemeClr val="lt1"/>
+      </a:fontRef>
+    </dgm:style>
+  </dgm:styleLbl>
+  <dgm:styleLbl name="parChTrans2D4">
+    <dgm:scene3d>
+      <a:camera prst="orthographicFront"/>
+      <a:lightRig rig="threePt" dir="t"/>
+    </dgm:scene3d>
+    <dgm:sp3d/>
+    <dgm:txPr/>
+    <dgm:style>
+      <a:lnRef idx="2">
+        <a:scrgbClr r="0" g="0" b="0"/>
+      </a:lnRef>
+      <a:fillRef idx="1">
+        <a:scrgbClr r="0" g="0" b="0"/>
+      </a:fillRef>
+      <a:effectRef idx="0">
+        <a:scrgbClr r="0" g="0" b="0"/>
+      </a:effectRef>
+      <a:fontRef idx="minor">
+        <a:schemeClr val="lt1"/>
+      </a:fontRef>
+    </dgm:style>
+  </dgm:styleLbl>
+  <dgm:styleLbl name="parChTrans1D1">
+    <dgm:scene3d>
+      <a:camera prst="orthographicFront"/>
+      <a:lightRig rig="threePt" dir="t"/>
+    </dgm:scene3d>
+    <dgm:sp3d/>
+    <dgm:txPr/>
+    <dgm:style>
+      <a:lnRef idx="2">
+        <a:scrgbClr r="0" g="0" b="0"/>
+      </a:lnRef>
+      <a:fillRef idx="0">
+        <a:scrgbClr r="0" g="0" b="0"/>
+      </a:fillRef>
+      <a:effectRef idx="0">
+        <a:scrgbClr r="0" g="0" b="0"/>
+      </a:effectRef>
+      <a:fontRef idx="minor"/>
+    </dgm:style>
+  </dgm:styleLbl>
+  <dgm:styleLbl name="parChTrans1D2">
+    <dgm:scene3d>
+      <a:camera prst="orthographicFront"/>
+      <a:lightRig rig="threePt" dir="t"/>
+    </dgm:scene3d>
+    <dgm:sp3d/>
+    <dgm:txPr/>
+    <dgm:style>
+      <a:lnRef idx="2">
+        <a:scrgbClr r="0" g="0" b="0"/>
+      </a:lnRef>
+      <a:fillRef idx="0">
+        <a:scrgbClr r="0" g="0" b="0"/>
+      </a:fillRef>
+      <a:effectRef idx="0">
+        <a:scrgbClr r="0" g="0" b="0"/>
+      </a:effectRef>
+      <a:fontRef idx="minor"/>
+    </dgm:style>
+  </dgm:styleLbl>
+  <dgm:styleLbl name="parChTrans1D3">
+    <dgm:scene3d>
+      <a:camera prst="orthographicFront"/>
+      <a:lightRig rig="threePt" dir="t"/>
+    </dgm:scene3d>
+    <dgm:sp3d/>
+    <dgm:txPr/>
+    <dgm:style>
+      <a:lnRef idx="2">
+        <a:scrgbClr r="0" g="0" b="0"/>
+      </a:lnRef>
+      <a:fillRef idx="0">
+        <a:scrgbClr r="0" g="0" b="0"/>
+      </a:fillRef>
+      <a:effectRef idx="0">
+        <a:scrgbClr r="0" g="0" b="0"/>
+      </a:effectRef>
+      <a:fontRef idx="minor"/>
+    </dgm:style>
+  </dgm:styleLbl>
+  <dgm:styleLbl name="parChTrans1D4">
+    <dgm:scene3d>
+      <a:camera prst="orthographicFront"/>
+      <a:lightRig rig="threePt" dir="t"/>
+    </dgm:scene3d>
+    <dgm:sp3d/>
+    <dgm:txPr/>
+    <dgm:style>
+      <a:lnRef idx="2">
+        <a:scrgbClr r="0" g="0" b="0"/>
+      </a:lnRef>
+      <a:fillRef idx="0">
+        <a:scrgbClr r="0" g="0" b="0"/>
+      </a:fillRef>
+      <a:effectRef idx="0">
+        <a:scrgbClr r="0" g="0" b="0"/>
+      </a:effectRef>
+      <a:fontRef idx="minor"/>
+    </dgm:style>
+  </dgm:styleLbl>
+  <dgm:styleLbl name="fgAcc1">
+    <dgm:scene3d>
+      <a:camera prst="orthographicFront"/>
+      <a:lightRig rig="threePt" dir="t"/>
+    </dgm:scene3d>
+    <dgm:sp3d/>
+    <dgm:txPr/>
+    <dgm:style>
+      <a:lnRef idx="2">
+        <a:scrgbClr r="0" g="0" b="0"/>
+      </a:lnRef>
+      <a:fillRef idx="1">
+        <a:scrgbClr r="0" g="0" b="0"/>
+      </a:fillRef>
+      <a:effectRef idx="0">
+        <a:scrgbClr r="0" g="0" b="0"/>
+      </a:effectRef>
+      <a:fontRef idx="minor"/>
+    </dgm:style>
+  </dgm:styleLbl>
+  <dgm:styleLbl name="conFgAcc1">
+    <dgm:scene3d>
+      <a:camera prst="orthographicFront"/>
+      <a:lightRig rig="threePt" dir="t"/>
+    </dgm:scene3d>
+    <dgm:sp3d/>
+    <dgm:txPr/>
+    <dgm:style>
+      <a:lnRef idx="2">
+        <a:scrgbClr r="0" g="0" b="0"/>
+      </a:lnRef>
+      <a:fillRef idx="1">
+        <a:scrgbClr r="0" g="0" b="0"/>
+      </a:fillRef>
+      <a:effectRef idx="0">
+        <a:scrgbClr r="0" g="0" b="0"/>
+      </a:effectRef>
+      <a:fontRef idx="minor"/>
+    </dgm:style>
+  </dgm:styleLbl>
+  <dgm:styleLbl name="alignAcc1">
+    <dgm:scene3d>
+      <a:camera prst="orthographicFront"/>
+      <a:lightRig rig="threePt" dir="t"/>
+    </dgm:scene3d>
+    <dgm:sp3d/>
+    <dgm:txPr/>
+    <dgm:style>
+      <a:lnRef idx="2">
+        <a:scrgbClr r="0" g="0" b="0"/>
+      </a:lnRef>
+      <a:fillRef idx="1">
+        <a:scrgbClr r="0" g="0" b="0"/>
+      </a:fillRef>
+      <a:effectRef idx="0">
+        <a:scrgbClr r="0" g="0" b="0"/>
+      </a:effectRef>
+      <a:fontRef idx="minor"/>
+    </dgm:style>
+  </dgm:styleLbl>
+  <dgm:styleLbl name="trAlignAcc1">
+    <dgm:scene3d>
+      <a:camera prst="orthographicFront"/>
+      <a:lightRig rig="threePt" dir="t"/>
+    </dgm:scene3d>
+    <dgm:sp3d/>
+    <dgm:txPr/>
+    <dgm:style>
+      <a:lnRef idx="1">
+        <a:scrgbClr r="0" g="0" b="0"/>
+      </a:lnRef>
+      <a:fillRef idx="1">
+        <a:scrgbClr r="0" g="0" b="0"/>
+      </a:fillRef>
+      <a:effectRef idx="0">
+        <a:scrgbClr r="0" g="0" b="0"/>
+      </a:effectRef>
+      <a:fontRef idx="minor"/>
+    </dgm:style>
+  </dgm:styleLbl>
+  <dgm:styleLbl name="bgAcc1">
+    <dgm:scene3d>
+      <a:camera prst="orthographicFront"/>
+      <a:lightRig rig="threePt" dir="t"/>
+    </dgm:scene3d>
+    <dgm:sp3d/>
+    <dgm:txPr/>
+    <dgm:style>
+      <a:lnRef idx="2">
+        <a:scrgbClr r="0" g="0" b="0"/>
+      </a:lnRef>
+      <a:fillRef idx="1">
+        <a:scrgbClr r="0" g="0" b="0"/>
+      </a:fillRef>
+      <a:effectRef idx="0">
+        <a:scrgbClr r="0" g="0" b="0"/>
+      </a:effectRef>
+      <a:fontRef idx="minor"/>
+    </dgm:style>
+  </dgm:styleLbl>
+  <dgm:styleLbl name="solidFgAcc1">
+    <dgm:scene3d>
+      <a:camera prst="orthographicFront"/>
+      <a:lightRig rig="threePt" dir="t"/>
+    </dgm:scene3d>
+    <dgm:sp3d/>
+    <dgm:txPr/>
+    <dgm:style>
+      <a:lnRef idx="2">
+        <a:scrgbClr r="0" g="0" b="0"/>
+      </a:lnRef>
+      <a:fillRef idx="1">
+        <a:scrgbClr r="0" g="0" b="0"/>
+      </a:fillRef>
+      <a:effectRef idx="0">
+        <a:scrgbClr r="0" g="0" b="0"/>
+      </a:effectRef>
+      <a:fontRef idx="minor"/>
+    </dgm:style>
+  </dgm:styleLbl>
+  <dgm:styleLbl name="solidAlignAcc1">
+    <dgm:scene3d>
+      <a:camera prst="orthographicFront"/>
+      <a:lightRig rig="threePt" dir="t"/>
+    </dgm:scene3d>
+    <dgm:sp3d/>
+    <dgm:txPr/>
+    <dgm:style>
+      <a:lnRef idx="2">
+        <a:scrgbClr r="0" g="0" b="0"/>
+      </a:lnRef>
+      <a:fillRef idx="1">
+        <a:scrgbClr r="0" g="0" b="0"/>
+      </a:fillRef>
+      <a:effectRef idx="0">
+        <a:scrgbClr r="0" g="0" b="0"/>
+      </a:effectRef>
+      <a:fontRef idx="minor"/>
+    </dgm:style>
+  </dgm:styleLbl>
+  <dgm:styleLbl name="solidBgAcc1">
+    <dgm:scene3d>
+      <a:camera prst="orthographicFront"/>
+      <a:lightRig rig="threePt" dir="t"/>
+    </dgm:scene3d>
+    <dgm:sp3d/>
+    <dgm:txPr/>
+    <dgm:style>
+      <a:lnRef idx="2">
+        <a:scrgbClr r="0" g="0" b="0"/>
+      </a:lnRef>
+      <a:fillRef idx="1">
+        <a:scrgbClr r="0" g="0" b="0"/>
+      </a:fillRef>
+      <a:effectRef idx="0">
+        <a:scrgbClr r="0" g="0" b="0"/>
+      </a:effectRef>
+      <a:fontRef idx="minor"/>
+    </dgm:style>
+  </dgm:styleLbl>
+  <dgm:styleLbl name="fgAccFollowNode1">
+    <dgm:scene3d>
+      <a:camera prst="orthographicFront"/>
+      <a:lightRig rig="threePt" dir="t"/>
+    </dgm:scene3d>
+    <dgm:sp3d/>
+    <dgm:txPr/>
+    <dgm:style>
+      <a:lnRef idx="2">
+        <a:scrgbClr r="0" g="0" b="0"/>
+      </a:lnRef>
+      <a:fillRef idx="1">
+        <a:scrgbClr r="0" g="0" b="0"/>
+      </a:fillRef>
+      <a:effectRef idx="0">
+        <a:scrgbClr r="0" g="0" b="0"/>
+      </a:effectRef>
+      <a:fontRef idx="minor"/>
+    </dgm:style>
+  </dgm:styleLbl>
+  <dgm:styleLbl name="alignAccFollowNode1">
+    <dgm:scene3d>
+      <a:camera prst="orthographicFront"/>
+      <a:lightRig rig="threePt" dir="t"/>
+    </dgm:scene3d>
+    <dgm:sp3d/>
+    <dgm:txPr/>
+    <dgm:style>
+      <a:lnRef idx="2">
+        <a:scrgbClr r="0" g="0" b="0"/>
+      </a:lnRef>
+      <a:fillRef idx="1">
+        <a:scrgbClr r="0" g="0" b="0"/>
+      </a:fillRef>
+      <a:effectRef idx="0">
+        <a:scrgbClr r="0" g="0" b="0"/>
+      </a:effectRef>
+      <a:fontRef idx="minor"/>
+    </dgm:style>
+  </dgm:styleLbl>
+  <dgm:styleLbl name="bgAccFollowNode1">
+    <dgm:scene3d>
+      <a:camera prst="orthographicFront"/>
+      <a:lightRig rig="threePt" dir="t"/>
+    </dgm:scene3d>
+    <dgm:sp3d/>
+    <dgm:txPr/>
+    <dgm:style>
+      <a:lnRef idx="2">
+        <a:scrgbClr r="0" g="0" b="0"/>
+      </a:lnRef>
+      <a:fillRef idx="1">
+        <a:scrgbClr r="0" g="0" b="0"/>
+      </a:fillRef>
+      <a:effectRef idx="0">
+        <a:scrgbClr r="0" g="0" b="0"/>
+      </a:effectRef>
+      <a:fontRef idx="minor"/>
+    </dgm:style>
+  </dgm:styleLbl>
+  <dgm:styleLbl name="fgAcc0">
+    <dgm:scene3d>
+      <a:camera prst="orthographicFront"/>
+      <a:lightRig rig="threePt" dir="t"/>
+    </dgm:scene3d>
+    <dgm:sp3d/>
+    <dgm:txPr/>
+    <dgm:style>
+      <a:lnRef idx="2">
+        <a:scrgbClr r="0" g="0" b="0"/>
+      </a:lnRef>
+      <a:fillRef idx="1">
+        <a:scrgbClr r="0" g="0" b="0"/>
+      </a:fillRef>
+      <a:effectRef idx="0">
+        <a:scrgbClr r="0" g="0" b="0"/>
+      </a:effectRef>
+      <a:fontRef idx="minor"/>
+    </dgm:style>
+  </dgm:styleLbl>
+  <dgm:styleLbl name="fgAcc2">
+    <dgm:scene3d>
+      <a:camera prst="orthographicFront"/>
+      <a:lightRig rig="threePt" dir="t"/>
+    </dgm:scene3d>
+    <dgm:sp3d/>
+    <dgm:txPr/>
+    <dgm:style>
+      <a:lnRef idx="2">
+        <a:scrgbClr r="0" g="0" b="0"/>
+      </a:lnRef>
+      <a:fillRef idx="1">
+        <a:scrgbClr r="0" g="0" b="0"/>
+      </a:fillRef>
+      <a:effectRef idx="0">
+        <a:scrgbClr r="0" g="0" b="0"/>
+      </a:effectRef>
+      <a:fontRef idx="minor"/>
+    </dgm:style>
+  </dgm:styleLbl>
+  <dgm:styleLbl name="fgAcc3">
+    <dgm:scene3d>
+      <a:camera prst="orthographicFront"/>
+      <a:lightRig rig="threePt" dir="t"/>
+    </dgm:scene3d>
+    <dgm:sp3d/>
+    <dgm:txPr/>
+    <dgm:style>
+      <a:lnRef idx="2">
+        <a:scrgbClr r="0" g="0" b="0"/>
+      </a:lnRef>
+      <a:fillRef idx="1">
+        <a:scrgbClr r="0" g="0" b="0"/>
+      </a:fillRef>
+      <a:effectRef idx="0">
+        <a:scrgbClr r="0" g="0" b="0"/>
+      </a:effectRef>
+      <a:fontRef idx="minor"/>
+    </dgm:style>
+  </dgm:styleLbl>
+  <dgm:styleLbl name="fgAcc4">
+    <dgm:scene3d>
+      <a:camera prst="orthographicFront"/>
+      <a:lightRig rig="threePt" dir="t"/>
+    </dgm:scene3d>
+    <dgm:sp3d/>
+    <dgm:txPr/>
+    <dgm:style>
+      <a:lnRef idx="2">
+        <a:scrgbClr r="0" g="0" b="0"/>
+      </a:lnRef>
+      <a:fillRef idx="1">
+        <a:scrgbClr r="0" g="0" b="0"/>
+      </a:fillRef>
+      <a:effectRef idx="0">
+        <a:scrgbClr r="0" g="0" b="0"/>
+      </a:effectRef>
+      <a:fontRef idx="minor"/>
+    </dgm:style>
+  </dgm:styleLbl>
+  <dgm:styleLbl name="bgShp">
+    <dgm:scene3d>
+      <a:camera prst="orthographicFront"/>
+      <a:lightRig rig="threePt" dir="t"/>
+    </dgm:scene3d>
+    <dgm:sp3d/>
+    <dgm:txPr/>
+    <dgm:style>
+      <a:lnRef idx="0">
+        <a:scrgbClr r="0" g="0" b="0"/>
+      </a:lnRef>
+      <a:fillRef idx="1">
+        <a:scrgbClr r="0" g="0" b="0"/>
+      </a:fillRef>
+      <a:effectRef idx="0">
+        <a:scrgbClr r="0" g="0" b="0"/>
+      </a:effectRef>
+      <a:fontRef idx="minor"/>
+    </dgm:style>
+  </dgm:styleLbl>
+  <dgm:styleLbl name="dkBgShp">
+    <dgm:scene3d>
+      <a:camera prst="orthographicFront"/>
+      <a:lightRig rig="threePt" dir="t"/>
+    </dgm:scene3d>
+    <dgm:sp3d/>
+    <dgm:txPr/>
+    <dgm:style>
+      <a:lnRef idx="0">
+        <a:scrgbClr r="0" g="0" b="0"/>
+      </a:lnRef>
+      <a:fillRef idx="1">
+        <a:scrgbClr r="0" g="0" b="0"/>
+      </a:fillRef>
+      <a:effectRef idx="0">
+        <a:scrgbClr r="0" g="0" b="0"/>
+      </a:effectRef>
+      <a:fontRef idx="minor"/>
+    </dgm:style>
+  </dgm:styleLbl>
+  <dgm:styleLbl name="trBgShp">
+    <dgm:scene3d>
+      <a:camera prst="orthographicFront"/>
+      <a:lightRig rig="threePt" dir="t"/>
+    </dgm:scene3d>
+    <dgm:sp3d/>
+    <dgm:txPr/>
+    <dgm:style>
+      <a:lnRef idx="0">
+        <a:scrgbClr r="0" g="0" b="0"/>
+      </a:lnRef>
+      <a:fillRef idx="1">
+        <a:scrgbClr r="0" g="0" b="0"/>
+      </a:fillRef>
+      <a:effectRef idx="0">
+        <a:scrgbClr r="0" g="0" b="0"/>
+      </a:effectRef>
+      <a:fontRef idx="minor"/>
+    </dgm:style>
+  </dgm:styleLbl>
+  <dgm:styleLbl name="fgShp">
+    <dgm:scene3d>
+      <a:camera prst="orthographicFront"/>
+      <a:lightRig rig="threePt" dir="t"/>
+    </dgm:scene3d>
+    <dgm:sp3d/>
+    <dgm:txPr/>
+    <dgm:style>
+      <a:lnRef idx="2">
+        <a:scrgbClr r="0" g="0" b="0"/>
+      </a:lnRef>
+      <a:fillRef idx="1">
+        <a:scrgbClr r="0" g="0" b="0"/>
+      </a:fillRef>
+      <a:effectRef idx="0">
+        <a:scrgbClr r="0" g="0" b="0"/>
+      </a:effectRef>
+      <a:fontRef idx="minor"/>
+    </dgm:style>
+  </dgm:styleLbl>
+  <dgm:styleLbl name="revTx">
+    <dgm:scene3d>
+      <a:camera prst="orthographicFront"/>
+      <a:lightRig rig="threePt" dir="t"/>
+    </dgm:scene3d>
+    <dgm:sp3d/>
+    <dgm:txPr/>
+    <dgm:style>
+      <a:lnRef idx="0">
+        <a:scrgbClr r="0" g="0" b="0"/>
+      </a:lnRef>
+      <a:fillRef idx="0">
+        <a:scrgbClr r="0" g="0" b="0"/>
+      </a:fillRef>
+      <a:effectRef idx="0">
+        <a:scrgbClr r="0" g="0" b="0"/>
+      </a:effectRef>
+      <a:fontRef idx="minor"/>
+    </dgm:style>
+  </dgm:styleLbl>
+</dgm:styleDef>
+</file>
+
+<file path=ppt/diagrams/quickStyle2.xml><?xml version="1.0" encoding="utf-8"?>
 <dgm:styleDef xmlns:dgm="http://schemas.openxmlformats.org/drawingml/2006/diagram" xmlns:a="http://schemas.openxmlformats.org/drawingml/2006/main" uniqueId="urn:microsoft.com/office/officeart/2005/8/quickstyle/simple1">
   <dgm:title val=""/>
   <dgm:desc val=""/>
@@ -6012,286 +9523,7 @@
           <a:bodyPr/>
           <a:lstStyle/>
           <a:p>
-            <a:r>
-              <a:rPr lang="en-US" b="1" i="0" dirty="0">
-                <a:solidFill>
-                  <a:srgbClr val="444444"/>
-                </a:solidFill>
-                <a:effectLst/>
-                <a:latin typeface="PT Sans" panose="020B0604020202020204" pitchFamily="34" charset="0"/>
-              </a:rPr>
-              <a:t>Design patterns</a:t>
-            </a:r>
-            <a:r>
-              <a:rPr lang="en-US" b="0" i="0" dirty="0">
-                <a:solidFill>
-                  <a:srgbClr val="444444"/>
-                </a:solidFill>
-                <a:effectLst/>
-                <a:latin typeface="PT Sans" panose="020B0604020202020204" pitchFamily="34" charset="0"/>
-              </a:rPr>
-              <a:t> are typical solutions to commonly occurring problems in software design. </a:t>
-            </a:r>
-          </a:p>
-          <a:p>
-            <a:r>
-              <a:rPr lang="en-US" b="0" i="0" dirty="0">
-                <a:solidFill>
-                  <a:srgbClr val="444444"/>
-                </a:solidFill>
-                <a:effectLst/>
-                <a:latin typeface="PT Sans" panose="020B0503020203020204" pitchFamily="34" charset="0"/>
-              </a:rPr>
-              <a:t>When a solution gets repeated over and over in various projects, someone eventually puts a name to it and describes the solution in detail. That’s basically how a pattern gets discovered.</a:t>
-            </a:r>
-            <a:endParaRPr lang="en-US" b="0" i="0" dirty="0">
-              <a:solidFill>
-                <a:srgbClr val="444444"/>
-              </a:solidFill>
-              <a:effectLst/>
-              <a:latin typeface="PT Sans" panose="020B0604020202020204" pitchFamily="34" charset="0"/>
-            </a:endParaRPr>
-          </a:p>
-          <a:p>
-            <a:r>
-              <a:rPr lang="en-US" b="0" i="0" dirty="0">
-                <a:solidFill>
-                  <a:srgbClr val="444444"/>
-                </a:solidFill>
-                <a:effectLst/>
-                <a:latin typeface="PT Sans" panose="020B0503020203020204" pitchFamily="34" charset="0"/>
-              </a:rPr>
-              <a:t>You can follow the pattern details and implement a solution that suits the realities of your own program.</a:t>
-            </a:r>
-          </a:p>
-          <a:p>
-            <a:endParaRPr lang="en-US" b="0" i="0" dirty="0">
-              <a:solidFill>
-                <a:srgbClr val="444444"/>
-              </a:solidFill>
-              <a:effectLst/>
-              <a:latin typeface="PT Sans" panose="020B0503020203020204" pitchFamily="34" charset="0"/>
-            </a:endParaRPr>
-          </a:p>
-          <a:p>
-            <a:pPr algn="l"/>
-            <a:r>
-              <a:rPr lang="en-US" b="0" i="0" dirty="0">
-                <a:solidFill>
-                  <a:srgbClr val="000000"/>
-                </a:solidFill>
-                <a:effectLst/>
-                <a:latin typeface="Gilroy"/>
-              </a:rPr>
-              <a:t>Design patterns are divided into three main categories</a:t>
-            </a:r>
-          </a:p>
-          <a:p>
-            <a:pPr algn="l"/>
-            <a:r>
-              <a:rPr lang="en-US" b="0" i="0" dirty="0">
-                <a:solidFill>
-                  <a:srgbClr val="000000"/>
-                </a:solidFill>
-                <a:effectLst/>
-                <a:latin typeface="Gilroy"/>
-              </a:rPr>
-              <a:t>The first category is </a:t>
-            </a:r>
-            <a:r>
-              <a:rPr lang="en-US" b="1" i="0" dirty="0">
-                <a:solidFill>
-                  <a:srgbClr val="444444"/>
-                </a:solidFill>
-                <a:effectLst/>
-                <a:latin typeface="PT Sans" panose="020B0503020203020204" pitchFamily="34" charset="0"/>
-              </a:rPr>
-              <a:t>Creational patterns</a:t>
-            </a:r>
-            <a:r>
-              <a:rPr lang="en-US" b="0" i="0" dirty="0">
-                <a:solidFill>
-                  <a:srgbClr val="000000"/>
-                </a:solidFill>
-                <a:effectLst/>
-                <a:latin typeface="Gilroy"/>
-              </a:rPr>
-              <a:t>, for which I made a </a:t>
-            </a:r>
-            <a:r>
-              <a:rPr lang="en-US" b="0" i="0" dirty="0">
-                <a:solidFill>
-                  <a:srgbClr val="F03744"/>
-                </a:solidFill>
-                <a:effectLst/>
-                <a:latin typeface="Gilroy"/>
-              </a:rPr>
-              <a:t>presentation</a:t>
-            </a:r>
-            <a:r>
-              <a:rPr lang="en-US" b="0" i="0" dirty="0">
-                <a:solidFill>
-                  <a:srgbClr val="2A2B2E"/>
-                </a:solidFill>
-                <a:effectLst/>
-                <a:latin typeface="Gilroy"/>
-              </a:rPr>
-              <a:t> </a:t>
-            </a:r>
-            <a:r>
-              <a:rPr lang="en-US" b="0" i="0" dirty="0">
-                <a:solidFill>
-                  <a:srgbClr val="000000"/>
-                </a:solidFill>
-                <a:effectLst/>
-                <a:latin typeface="Gilroy"/>
-              </a:rPr>
-              <a:t>last year.</a:t>
-            </a:r>
-          </a:p>
-          <a:p>
-            <a:pPr algn="l"/>
-            <a:r>
-              <a:rPr lang="en-US" b="0" i="0" dirty="0">
-                <a:solidFill>
-                  <a:srgbClr val="000000"/>
-                </a:solidFill>
-                <a:effectLst/>
-                <a:latin typeface="Gilroy"/>
-              </a:rPr>
-              <a:t>The second is </a:t>
-            </a:r>
-            <a:r>
-              <a:rPr lang="en-US" b="1" i="0" dirty="0">
-                <a:solidFill>
-                  <a:srgbClr val="444444"/>
-                </a:solidFill>
-                <a:effectLst/>
-                <a:latin typeface="PT Sans" panose="020B0503020203020204" pitchFamily="34" charset="0"/>
-              </a:rPr>
-              <a:t>Structural patterns</a:t>
-            </a:r>
-            <a:r>
-              <a:rPr lang="en-US" b="0" i="0" dirty="0">
-                <a:solidFill>
-                  <a:srgbClr val="000000"/>
-                </a:solidFill>
-                <a:effectLst/>
-                <a:latin typeface="Gilroy"/>
-              </a:rPr>
-              <a:t>. That's what I want to talk about today.</a:t>
-            </a:r>
-          </a:p>
-          <a:p>
-            <a:pPr algn="l"/>
-            <a:endParaRPr lang="en-US" b="0" i="0" dirty="0">
-              <a:solidFill>
-                <a:srgbClr val="000000"/>
-              </a:solidFill>
-              <a:effectLst/>
-              <a:latin typeface="Gilroy"/>
-            </a:endParaRPr>
-          </a:p>
-          <a:p>
-            <a:pPr marL="0" marR="0" lvl="0" indent="0" algn="l" defTabSz="914400" rtl="0" eaLnBrk="1" fontAlgn="auto" latinLnBrk="0" hangingPunct="1">
-              <a:lnSpc>
-                <a:spcPct val="100000"/>
-              </a:lnSpc>
-              <a:spcBef>
-                <a:spcPts val="0"/>
-              </a:spcBef>
-              <a:spcAft>
-                <a:spcPts val="0"/>
-              </a:spcAft>
-              <a:buClrTx/>
-              <a:buSzTx/>
-              <a:buFontTx/>
-              <a:buNone/>
-              <a:tabLst/>
-              <a:defRPr/>
-            </a:pPr>
-            <a:r>
-              <a:rPr lang="en-US" b="1" i="0" dirty="0">
-                <a:solidFill>
-                  <a:srgbClr val="444444"/>
-                </a:solidFill>
-                <a:effectLst/>
-                <a:latin typeface="PT Sans" panose="020B0503020203020204" pitchFamily="34" charset="0"/>
-              </a:rPr>
-              <a:t>Structural patterns</a:t>
-            </a:r>
-            <a:r>
-              <a:rPr lang="en-US" b="0" i="0" dirty="0">
-                <a:solidFill>
-                  <a:srgbClr val="444444"/>
-                </a:solidFill>
-                <a:effectLst/>
-                <a:latin typeface="PT Sans" panose="020B0503020203020204" pitchFamily="34" charset="0"/>
-              </a:rPr>
-              <a:t> explain how to assemble objects and classes into larger structures, while keeping these structures flexible and efficient.</a:t>
-            </a:r>
-          </a:p>
-          <a:p>
-            <a:pPr algn="l"/>
-            <a:endParaRPr lang="en-US" b="0" i="0" dirty="0">
-              <a:solidFill>
-                <a:srgbClr val="000000"/>
-              </a:solidFill>
-              <a:effectLst/>
-              <a:latin typeface="Gilroy"/>
-            </a:endParaRPr>
-          </a:p>
-          <a:p>
-            <a:pPr algn="l"/>
-            <a:r>
-              <a:rPr lang="en-US" b="1" i="0" dirty="0">
-                <a:solidFill>
-                  <a:srgbClr val="444444"/>
-                </a:solidFill>
-                <a:effectLst/>
-                <a:latin typeface="PT Sans" panose="020B0503020203020204" pitchFamily="34" charset="0"/>
-              </a:rPr>
-              <a:t>Creational patterns</a:t>
-            </a:r>
-            <a:r>
-              <a:rPr lang="en-US" b="0" i="0" dirty="0">
-                <a:solidFill>
-                  <a:srgbClr val="444444"/>
-                </a:solidFill>
-                <a:effectLst/>
-                <a:latin typeface="PT Sans" panose="020B0503020203020204" pitchFamily="34" charset="0"/>
-              </a:rPr>
-              <a:t> provide object creation mechanisms that increase flexibility and reuse of existing code.</a:t>
-            </a:r>
-          </a:p>
-          <a:p>
-            <a:pPr algn="l">
-              <a:buFont typeface="Arial" panose="020B0604020202020204" pitchFamily="34" charset="0"/>
-              <a:buNone/>
-            </a:pPr>
-            <a:r>
-              <a:rPr lang="en-US" b="1" i="0" dirty="0">
-                <a:solidFill>
-                  <a:srgbClr val="444444"/>
-                </a:solidFill>
-                <a:effectLst/>
-                <a:latin typeface="PT Sans" panose="020B0503020203020204" pitchFamily="34" charset="0"/>
-              </a:rPr>
-              <a:t>Behavioral patterns</a:t>
-            </a:r>
-            <a:r>
-              <a:rPr lang="en-US" b="0" i="0" dirty="0">
-                <a:solidFill>
-                  <a:srgbClr val="444444"/>
-                </a:solidFill>
-                <a:effectLst/>
-                <a:latin typeface="PT Sans" panose="020B0503020203020204" pitchFamily="34" charset="0"/>
-              </a:rPr>
-              <a:t> take care of effective communication and the assignment of responsibilities between objects.</a:t>
-            </a:r>
-          </a:p>
-          <a:p>
-            <a:endParaRPr lang="en-US" dirty="0"/>
+            <a:endParaRPr lang="en-AU"/>
           </a:p>
         </p:txBody>
       </p:sp>
@@ -6302,7 +9534,7 @@
             <a:spLocks noGrp="1"/>
           </p:cNvSpPr>
           <p:nvPr>
-            <p:ph type="sldNum" sz="quarter" idx="5"/>
+            <p:ph type="sldNum" sz="quarter" idx="10"/>
           </p:nvPr>
         </p:nvSpPr>
         <p:spPr/>
@@ -6310,18 +9542,18 @@
           <a:bodyPr/>
           <a:lstStyle/>
           <a:p>
-            <a:fld id="{3960260C-8853-4159-8854-5A6834041865}" type="slidenum">
-              <a:rPr lang="en-US" smtClean="0"/>
+            <a:fld id="{01420855-62A1-43EF-8815-D1313CE67D77}" type="slidenum">
+              <a:rPr lang="en-AU" smtClean="0"/>
               <a:t>1</a:t>
             </a:fld>
-            <a:endParaRPr lang="en-US"/>
+            <a:endParaRPr lang="en-AU"/>
           </a:p>
         </p:txBody>
       </p:sp>
     </p:spTree>
     <p:extLst>
       <p:ext uri="{BB962C8B-B14F-4D97-AF65-F5344CB8AC3E}">
-        <p14:creationId xmlns:p14="http://schemas.microsoft.com/office/powerpoint/2010/main" val="2262071106"/>
+        <p14:creationId xmlns:p14="http://schemas.microsoft.com/office/powerpoint/2010/main" val="1623511989"/>
       </p:ext>
     </p:extLst>
   </p:cSld>
@@ -6376,12 +9608,16 @@
           <a:lstStyle/>
           <a:p>
             <a:r>
+              <a:rPr lang="en-US" dirty="0"/>
+              <a:t>The </a:t>
+            </a:r>
+            <a:r>
               <a:rPr lang="en-US" b="1" dirty="0"/>
-              <a:t>Decorator</a:t>
+              <a:t>Service Interface</a:t>
             </a:r>
             <a:r>
               <a:rPr lang="en-US" dirty="0"/>
-              <a:t> is a structural design pattern that lets you attach new behaviors to objects by placing these objects inside special wrapper objects that contain the behaviors.</a:t>
+              <a:t> declares the interface of the Service. The proxy must follow this interface to be able to disguise itself as a service object.</a:t>
             </a:r>
           </a:p>
           <a:p>
@@ -6390,32 +9626,48 @@
           <a:p>
             <a:r>
               <a:rPr lang="en-US" dirty="0"/>
-              <a:t>Wearing clothes is an example of using decorators. </a:t>
-            </a:r>
-          </a:p>
-          <a:p>
+              <a:t>The </a:t>
+            </a:r>
+            <a:r>
+              <a:rPr lang="en-US" b="1" dirty="0"/>
+              <a:t>Service</a:t>
+            </a:r>
             <a:r>
               <a:rPr lang="en-US" dirty="0"/>
-              <a:t>When you’re cold, you wrap yourself in a sweater. </a:t>
-            </a:r>
+              <a:t> is a class that provides some useful business logic.</a:t>
+            </a:r>
+          </a:p>
+          <a:p>
+            <a:endParaRPr lang="en-US" dirty="0"/>
           </a:p>
           <a:p>
             <a:r>
               <a:rPr lang="en-US" dirty="0"/>
-              <a:t>If you’re still cold with a sweater, you can wear a jacket on top. </a:t>
-            </a:r>
-          </a:p>
-          <a:p>
+              <a:t>The </a:t>
+            </a:r>
+            <a:r>
+              <a:rPr lang="en-US" b="1" dirty="0"/>
+              <a:t>Proxy</a:t>
+            </a:r>
             <a:r>
               <a:rPr lang="en-US" dirty="0"/>
-              <a:t>If it’s raining, you can put on a raincoat. </a:t>
+              <a:t> class has a reference field that points to a service object. </a:t>
             </a:r>
           </a:p>
           <a:p>
             <a:r>
               <a:rPr lang="en-US" dirty="0"/>
-              <a:t>All these garments “extend” your basic behavior but aren’t part of you, and you can easily take off any piece of clothing whenever you don’t need it.</a:t>
-            </a:r>
+              <a:t>After the proxy finishes its processing (e.g., lazy initialization, logging, access control, caching, etc.), it passes the request to the service object.</a:t>
+            </a:r>
+          </a:p>
+          <a:p>
+            <a:r>
+              <a:rPr lang="en-US" dirty="0"/>
+              <a:t>Usually, proxies manage the full lifecycle of their service objects.</a:t>
+            </a:r>
+          </a:p>
+          <a:p>
+            <a:endParaRPr lang="en-US" dirty="0"/>
           </a:p>
         </p:txBody>
       </p:sp>
@@ -6436,7 +9688,7 @@
           <a:p>
             <a:fld id="{3960260C-8853-4159-8854-5A6834041865}" type="slidenum">
               <a:rPr lang="en-US" smtClean="0"/>
-              <a:t>11</a:t>
+              <a:t>10</a:t>
             </a:fld>
             <a:endParaRPr lang="en-US"/>
           </a:p>
@@ -6445,7 +9697,7 @@
     </p:spTree>
     <p:extLst>
       <p:ext uri="{BB962C8B-B14F-4D97-AF65-F5344CB8AC3E}">
-        <p14:creationId xmlns:p14="http://schemas.microsoft.com/office/powerpoint/2010/main" val="1414819557"/>
+        <p14:creationId xmlns:p14="http://schemas.microsoft.com/office/powerpoint/2010/main" val="3283522435"/>
       </p:ext>
     </p:extLst>
   </p:cSld>
@@ -6499,6 +9751,247 @@
           <a:bodyPr/>
           <a:lstStyle/>
           <a:p>
+            <a:r>
+              <a:rPr lang="en-US" b="1" dirty="0"/>
+              <a:t>Bridge</a:t>
+            </a:r>
+            <a:r>
+              <a:rPr lang="en-US" dirty="0"/>
+              <a:t> is a structural design pattern that lets you split a large class or a set of closely related classes into two separate hierarchies—abstraction and </a:t>
+            </a:r>
+            <a:r>
+              <a:rPr lang="en-US"/>
+              <a:t>implementation—</a:t>
+            </a:r>
+          </a:p>
+          <a:p>
+            <a:r>
+              <a:rPr lang="en-US"/>
+              <a:t>which </a:t>
+            </a:r>
+            <a:r>
+              <a:rPr lang="en-US" dirty="0"/>
+              <a:t>can be developed independently of each other.</a:t>
+            </a:r>
+          </a:p>
+          <a:p>
+            <a:endParaRPr lang="en-US" dirty="0"/>
+          </a:p>
+          <a:p>
+            <a:endParaRPr lang="en-US" dirty="0"/>
+          </a:p>
+          <a:p>
+            <a:r>
+              <a:rPr lang="en-US" dirty="0"/>
+              <a:t>Different implementations are interchangeable as long as they follow a common interface.</a:t>
+            </a:r>
+          </a:p>
+        </p:txBody>
+      </p:sp>
+      <p:sp>
+        <p:nvSpPr>
+          <p:cNvPr id="4" name="Slide Number Placeholder 3"/>
+          <p:cNvSpPr>
+            <a:spLocks noGrp="1"/>
+          </p:cNvSpPr>
+          <p:nvPr>
+            <p:ph type="sldNum" sz="quarter" idx="5"/>
+          </p:nvPr>
+        </p:nvSpPr>
+        <p:spPr/>
+        <p:txBody>
+          <a:bodyPr/>
+          <a:lstStyle/>
+          <a:p>
+            <a:fld id="{3960260C-8853-4159-8854-5A6834041865}" type="slidenum">
+              <a:rPr lang="en-US" smtClean="0"/>
+              <a:t>11</a:t>
+            </a:fld>
+            <a:endParaRPr lang="en-US"/>
+          </a:p>
+        </p:txBody>
+      </p:sp>
+    </p:spTree>
+    <p:extLst>
+      <p:ext uri="{BB962C8B-B14F-4D97-AF65-F5344CB8AC3E}">
+        <p14:creationId xmlns:p14="http://schemas.microsoft.com/office/powerpoint/2010/main" val="3524886519"/>
+      </p:ext>
+    </p:extLst>
+  </p:cSld>
+  <p:clrMapOvr>
+    <a:masterClrMapping/>
+  </p:clrMapOvr>
+</p:notes>
+</file>
+
+<file path=ppt/notesSlides/notesSlide12.xml><?xml version="1.0" encoding="utf-8"?>
+<p:notes xmlns:a="http://schemas.openxmlformats.org/drawingml/2006/main" xmlns:r="http://schemas.openxmlformats.org/officeDocument/2006/relationships" xmlns:p="http://schemas.openxmlformats.org/presentationml/2006/main">
+  <p:cSld>
+    <p:spTree>
+      <p:nvGrpSpPr>
+        <p:cNvPr id="1" name=""/>
+        <p:cNvGrpSpPr/>
+        <p:nvPr/>
+      </p:nvGrpSpPr>
+      <p:grpSpPr>
+        <a:xfrm>
+          <a:off x="0" y="0"/>
+          <a:ext cx="0" cy="0"/>
+          <a:chOff x="0" y="0"/>
+          <a:chExt cx="0" cy="0"/>
+        </a:xfrm>
+      </p:grpSpPr>
+      <p:sp>
+        <p:nvSpPr>
+          <p:cNvPr id="2" name="Slide Image Placeholder 1"/>
+          <p:cNvSpPr>
+            <a:spLocks noGrp="1" noRot="1" noChangeAspect="1"/>
+          </p:cNvSpPr>
+          <p:nvPr>
+            <p:ph type="sldImg"/>
+          </p:nvPr>
+        </p:nvSpPr>
+        <p:spPr/>
+      </p:sp>
+      <p:sp>
+        <p:nvSpPr>
+          <p:cNvPr id="3" name="Notes Placeholder 2"/>
+          <p:cNvSpPr>
+            <a:spLocks noGrp="1"/>
+          </p:cNvSpPr>
+          <p:nvPr>
+            <p:ph type="body" idx="1"/>
+          </p:nvPr>
+        </p:nvSpPr>
+        <p:spPr/>
+        <p:txBody>
+          <a:bodyPr/>
+          <a:lstStyle/>
+          <a:p>
+            <a:r>
+              <a:rPr lang="en-US" b="1" dirty="0"/>
+              <a:t>Decorator</a:t>
+            </a:r>
+            <a:r>
+              <a:rPr lang="en-US" dirty="0"/>
+              <a:t> is a structural design pattern that lets you attach new behaviors to objects by placing these objects inside special wrapper objects that contain the behaviors.</a:t>
+            </a:r>
+          </a:p>
+          <a:p>
+            <a:endParaRPr lang="en-US" dirty="0"/>
+          </a:p>
+          <a:p>
+            <a:r>
+              <a:rPr lang="en-US" dirty="0"/>
+              <a:t>Wearing clothes is an example of using decorators. </a:t>
+            </a:r>
+          </a:p>
+          <a:p>
+            <a:r>
+              <a:rPr lang="en-US" dirty="0"/>
+              <a:t>When you’re cold, you wrap yourself in a sweater. </a:t>
+            </a:r>
+          </a:p>
+          <a:p>
+            <a:r>
+              <a:rPr lang="en-US" dirty="0"/>
+              <a:t>If you’re still cold with a sweater, you can wear a jacket on top. </a:t>
+            </a:r>
+          </a:p>
+          <a:p>
+            <a:r>
+              <a:rPr lang="en-US" dirty="0"/>
+              <a:t>If it’s raining, you can put on a raincoat. </a:t>
+            </a:r>
+          </a:p>
+          <a:p>
+            <a:r>
+              <a:rPr lang="en-US" dirty="0"/>
+              <a:t>All these garments “extend” your basic behavior but aren’t part of you, and you can easily take off any piece of clothing whenever you don’t need it.</a:t>
+            </a:r>
+          </a:p>
+        </p:txBody>
+      </p:sp>
+      <p:sp>
+        <p:nvSpPr>
+          <p:cNvPr id="4" name="Slide Number Placeholder 3"/>
+          <p:cNvSpPr>
+            <a:spLocks noGrp="1"/>
+          </p:cNvSpPr>
+          <p:nvPr>
+            <p:ph type="sldNum" sz="quarter" idx="5"/>
+          </p:nvPr>
+        </p:nvSpPr>
+        <p:spPr/>
+        <p:txBody>
+          <a:bodyPr/>
+          <a:lstStyle/>
+          <a:p>
+            <a:fld id="{3960260C-8853-4159-8854-5A6834041865}" type="slidenum">
+              <a:rPr lang="en-US" smtClean="0"/>
+              <a:t>13</a:t>
+            </a:fld>
+            <a:endParaRPr lang="en-US"/>
+          </a:p>
+        </p:txBody>
+      </p:sp>
+    </p:spTree>
+    <p:extLst>
+      <p:ext uri="{BB962C8B-B14F-4D97-AF65-F5344CB8AC3E}">
+        <p14:creationId xmlns:p14="http://schemas.microsoft.com/office/powerpoint/2010/main" val="1414819557"/>
+      </p:ext>
+    </p:extLst>
+  </p:cSld>
+  <p:clrMapOvr>
+    <a:masterClrMapping/>
+  </p:clrMapOvr>
+</p:notes>
+</file>
+
+<file path=ppt/notesSlides/notesSlide13.xml><?xml version="1.0" encoding="utf-8"?>
+<p:notes xmlns:a="http://schemas.openxmlformats.org/drawingml/2006/main" xmlns:r="http://schemas.openxmlformats.org/officeDocument/2006/relationships" xmlns:p="http://schemas.openxmlformats.org/presentationml/2006/main">
+  <p:cSld>
+    <p:spTree>
+      <p:nvGrpSpPr>
+        <p:cNvPr id="1" name=""/>
+        <p:cNvGrpSpPr/>
+        <p:nvPr/>
+      </p:nvGrpSpPr>
+      <p:grpSpPr>
+        <a:xfrm>
+          <a:off x="0" y="0"/>
+          <a:ext cx="0" cy="0"/>
+          <a:chOff x="0" y="0"/>
+          <a:chExt cx="0" cy="0"/>
+        </a:xfrm>
+      </p:grpSpPr>
+      <p:sp>
+        <p:nvSpPr>
+          <p:cNvPr id="2" name="Slide Image Placeholder 1"/>
+          <p:cNvSpPr>
+            <a:spLocks noGrp="1" noRot="1" noChangeAspect="1"/>
+          </p:cNvSpPr>
+          <p:nvPr>
+            <p:ph type="sldImg"/>
+          </p:nvPr>
+        </p:nvSpPr>
+        <p:spPr/>
+      </p:sp>
+      <p:sp>
+        <p:nvSpPr>
+          <p:cNvPr id="3" name="Notes Placeholder 2"/>
+          <p:cNvSpPr>
+            <a:spLocks noGrp="1"/>
+          </p:cNvSpPr>
+          <p:nvPr>
+            <p:ph type="body" idx="1"/>
+          </p:nvPr>
+        </p:nvSpPr>
+        <p:spPr/>
+        <p:txBody>
+          <a:bodyPr/>
+          <a:lstStyle/>
+          <a:p>
             <a:pPr marL="0" marR="0" lvl="0" indent="0" algn="l" defTabSz="914400" rtl="0" eaLnBrk="1" fontAlgn="auto" latinLnBrk="0" hangingPunct="1">
               <a:lnSpc>
                 <a:spcPct val="100000"/>
@@ -6783,7 +10276,7 @@
           <a:p>
             <a:fld id="{3960260C-8853-4159-8854-5A6834041865}" type="slidenum">
               <a:rPr lang="en-US" smtClean="0"/>
-              <a:t>12</a:t>
+              <a:t>14</a:t>
             </a:fld>
             <a:endParaRPr lang="en-US"/>
           </a:p>
@@ -6793,6 +10286,90 @@
     <p:extLst>
       <p:ext uri="{BB962C8B-B14F-4D97-AF65-F5344CB8AC3E}">
         <p14:creationId xmlns:p14="http://schemas.microsoft.com/office/powerpoint/2010/main" val="3032899788"/>
+      </p:ext>
+    </p:extLst>
+  </p:cSld>
+  <p:clrMapOvr>
+    <a:masterClrMapping/>
+  </p:clrMapOvr>
+</p:notes>
+</file>
+
+<file path=ppt/notesSlides/notesSlide14.xml><?xml version="1.0" encoding="utf-8"?>
+<p:notes xmlns:a="http://schemas.openxmlformats.org/drawingml/2006/main" xmlns:r="http://schemas.openxmlformats.org/officeDocument/2006/relationships" xmlns:p="http://schemas.openxmlformats.org/presentationml/2006/main">
+  <p:cSld>
+    <p:spTree>
+      <p:nvGrpSpPr>
+        <p:cNvPr id="1" name=""/>
+        <p:cNvGrpSpPr/>
+        <p:nvPr/>
+      </p:nvGrpSpPr>
+      <p:grpSpPr>
+        <a:xfrm>
+          <a:off x="0" y="0"/>
+          <a:ext cx="0" cy="0"/>
+          <a:chOff x="0" y="0"/>
+          <a:chExt cx="0" cy="0"/>
+        </a:xfrm>
+      </p:grpSpPr>
+      <p:sp>
+        <p:nvSpPr>
+          <p:cNvPr id="2" name="Slide Image Placeholder 1"/>
+          <p:cNvSpPr>
+            <a:spLocks noGrp="1" noRot="1" noChangeAspect="1"/>
+          </p:cNvSpPr>
+          <p:nvPr>
+            <p:ph type="sldImg"/>
+          </p:nvPr>
+        </p:nvSpPr>
+        <p:spPr/>
+      </p:sp>
+      <p:sp>
+        <p:nvSpPr>
+          <p:cNvPr id="3" name="Notes Placeholder 2"/>
+          <p:cNvSpPr>
+            <a:spLocks noGrp="1"/>
+          </p:cNvSpPr>
+          <p:nvPr>
+            <p:ph type="body" idx="1"/>
+          </p:nvPr>
+        </p:nvSpPr>
+        <p:spPr/>
+        <p:txBody>
+          <a:bodyPr/>
+          <a:lstStyle/>
+          <a:p>
+            <a:endParaRPr lang="en-US" dirty="0"/>
+          </a:p>
+        </p:txBody>
+      </p:sp>
+      <p:sp>
+        <p:nvSpPr>
+          <p:cNvPr id="4" name="Slide Number Placeholder 3"/>
+          <p:cNvSpPr>
+            <a:spLocks noGrp="1"/>
+          </p:cNvSpPr>
+          <p:nvPr>
+            <p:ph type="sldNum" sz="quarter" idx="5"/>
+          </p:nvPr>
+        </p:nvSpPr>
+        <p:spPr/>
+        <p:txBody>
+          <a:bodyPr/>
+          <a:lstStyle/>
+          <a:p>
+            <a:fld id="{3960260C-8853-4159-8854-5A6834041865}" type="slidenum">
+              <a:rPr lang="en-US" smtClean="0"/>
+              <a:t>15</a:t>
+            </a:fld>
+            <a:endParaRPr lang="en-US"/>
+          </a:p>
+        </p:txBody>
+      </p:sp>
+    </p:spTree>
+    <p:extLst>
+      <p:ext uri="{BB962C8B-B14F-4D97-AF65-F5344CB8AC3E}">
+        <p14:creationId xmlns:p14="http://schemas.microsoft.com/office/powerpoint/2010/main" val="2268168259"/>
       </p:ext>
     </p:extLst>
   </p:cSld>
@@ -6847,17 +10424,184 @@
           <a:lstStyle/>
           <a:p>
             <a:r>
-              <a:rPr lang="en-US" b="0" dirty="0"/>
-              <a:t>Imagine that there is a </a:t>
-            </a:r>
-            <a:r>
-              <a:rPr lang="en-US" dirty="0"/>
-              <a:t>rail</a:t>
-            </a:r>
-            <a:r>
-              <a:rPr lang="en-US" b="0" dirty="0"/>
-              <a:t> in front of you, but you only have a car. How can you get to your destination?</a:t>
-            </a:r>
+              <a:rPr lang="en-US" b="1" i="0" dirty="0">
+                <a:solidFill>
+                  <a:srgbClr val="444444"/>
+                </a:solidFill>
+                <a:effectLst/>
+                <a:latin typeface="PT Sans" panose="020B0604020202020204" pitchFamily="34" charset="0"/>
+              </a:rPr>
+              <a:t>Design patterns</a:t>
+            </a:r>
+            <a:r>
+              <a:rPr lang="en-US" b="0" i="0" dirty="0">
+                <a:solidFill>
+                  <a:srgbClr val="444444"/>
+                </a:solidFill>
+                <a:effectLst/>
+                <a:latin typeface="PT Sans" panose="020B0604020202020204" pitchFamily="34" charset="0"/>
+              </a:rPr>
+              <a:t> are typical solutions to commonly occurring problems in software design. </a:t>
+            </a:r>
+          </a:p>
+          <a:p>
+            <a:r>
+              <a:rPr lang="en-US" b="0" i="0" dirty="0">
+                <a:solidFill>
+                  <a:srgbClr val="444444"/>
+                </a:solidFill>
+                <a:effectLst/>
+                <a:latin typeface="PT Sans" panose="020B0503020203020204" pitchFamily="34" charset="0"/>
+              </a:rPr>
+              <a:t>When a solution gets repeated over and over in various projects, someone eventually puts a name to it and describes the solution in detail. That’s basically how a pattern gets discovered.</a:t>
+            </a:r>
+            <a:endParaRPr lang="en-US" b="0" i="0" dirty="0">
+              <a:solidFill>
+                <a:srgbClr val="444444"/>
+              </a:solidFill>
+              <a:effectLst/>
+              <a:latin typeface="PT Sans" panose="020B0604020202020204" pitchFamily="34" charset="0"/>
+            </a:endParaRPr>
+          </a:p>
+          <a:p>
+            <a:r>
+              <a:rPr lang="en-US" b="0" i="0" dirty="0">
+                <a:solidFill>
+                  <a:srgbClr val="444444"/>
+                </a:solidFill>
+                <a:effectLst/>
+                <a:latin typeface="PT Sans" panose="020B0503020203020204" pitchFamily="34" charset="0"/>
+              </a:rPr>
+              <a:t>You can follow the pattern details and implement a solution that suits the realities of your own program.</a:t>
+            </a:r>
+          </a:p>
+          <a:p>
+            <a:endParaRPr lang="en-US" b="0" i="0" dirty="0">
+              <a:solidFill>
+                <a:srgbClr val="444444"/>
+              </a:solidFill>
+              <a:effectLst/>
+              <a:latin typeface="PT Sans" panose="020B0503020203020204" pitchFamily="34" charset="0"/>
+            </a:endParaRPr>
+          </a:p>
+          <a:p>
+            <a:pPr algn="l"/>
+            <a:r>
+              <a:rPr lang="en-US" b="0" i="0" dirty="0">
+                <a:solidFill>
+                  <a:srgbClr val="000000"/>
+                </a:solidFill>
+                <a:effectLst/>
+                <a:latin typeface="Gilroy"/>
+              </a:rPr>
+              <a:t>Design patterns are divided into three main categories</a:t>
+            </a:r>
+          </a:p>
+          <a:p>
+            <a:pPr algn="l"/>
+            <a:r>
+              <a:rPr lang="en-US" b="0" i="0" dirty="0">
+                <a:solidFill>
+                  <a:srgbClr val="000000"/>
+                </a:solidFill>
+                <a:effectLst/>
+                <a:latin typeface="Gilroy"/>
+              </a:rPr>
+              <a:t>The first category is </a:t>
+            </a:r>
+            <a:r>
+              <a:rPr lang="en-US" b="1" i="0" dirty="0">
+                <a:solidFill>
+                  <a:srgbClr val="444444"/>
+                </a:solidFill>
+                <a:effectLst/>
+                <a:latin typeface="PT Sans" panose="020B0503020203020204" pitchFamily="34" charset="0"/>
+              </a:rPr>
+              <a:t>Creational patterns</a:t>
+            </a:r>
+            <a:r>
+              <a:rPr lang="en-US" b="0" i="0" dirty="0">
+                <a:solidFill>
+                  <a:srgbClr val="000000"/>
+                </a:solidFill>
+                <a:effectLst/>
+                <a:latin typeface="Gilroy"/>
+              </a:rPr>
+              <a:t>, for which I made a </a:t>
+            </a:r>
+            <a:r>
+              <a:rPr lang="en-US" b="0" i="0" dirty="0">
+                <a:solidFill>
+                  <a:srgbClr val="F03744"/>
+                </a:solidFill>
+                <a:effectLst/>
+                <a:latin typeface="Gilroy"/>
+              </a:rPr>
+              <a:t>presentation</a:t>
+            </a:r>
+            <a:r>
+              <a:rPr lang="en-US" b="0" i="0" dirty="0">
+                <a:solidFill>
+                  <a:srgbClr val="2A2B2E"/>
+                </a:solidFill>
+                <a:effectLst/>
+                <a:latin typeface="Gilroy"/>
+              </a:rPr>
+              <a:t> </a:t>
+            </a:r>
+            <a:r>
+              <a:rPr lang="en-US" b="0" i="0" dirty="0">
+                <a:solidFill>
+                  <a:srgbClr val="000000"/>
+                </a:solidFill>
+                <a:effectLst/>
+                <a:latin typeface="Gilroy"/>
+              </a:rPr>
+              <a:t>last year.</a:t>
+            </a:r>
+          </a:p>
+          <a:p>
+            <a:pPr algn="l"/>
+            <a:r>
+              <a:rPr lang="en-US" b="0" i="0" dirty="0">
+                <a:solidFill>
+                  <a:srgbClr val="000000"/>
+                </a:solidFill>
+                <a:effectLst/>
+                <a:latin typeface="Gilroy"/>
+              </a:rPr>
+              <a:t>The second is </a:t>
+            </a:r>
+            <a:r>
+              <a:rPr lang="en-US" b="1" i="0" dirty="0">
+                <a:solidFill>
+                  <a:srgbClr val="444444"/>
+                </a:solidFill>
+                <a:effectLst/>
+                <a:latin typeface="PT Sans" panose="020B0503020203020204" pitchFamily="34" charset="0"/>
+              </a:rPr>
+              <a:t>Structural patterns</a:t>
+            </a:r>
+            <a:r>
+              <a:rPr lang="en-US" b="0" i="0" dirty="0">
+                <a:solidFill>
+                  <a:srgbClr val="000000"/>
+                </a:solidFill>
+                <a:effectLst/>
+                <a:latin typeface="Gilroy"/>
+              </a:rPr>
+              <a:t>. That's what I want to talk about today.</a:t>
+            </a:r>
+          </a:p>
+          <a:p>
+            <a:pPr algn="l"/>
+            <a:endParaRPr lang="en-US" b="0" i="0" dirty="0">
+              <a:solidFill>
+                <a:srgbClr val="000000"/>
+              </a:solidFill>
+              <a:effectLst/>
+              <a:latin typeface="Gilroy"/>
+            </a:endParaRPr>
           </a:p>
           <a:p>
             <a:pPr marL="0" marR="0" lvl="0" indent="0" algn="l" defTabSz="914400" rtl="0" eaLnBrk="1" fontAlgn="auto" latinLnBrk="0" hangingPunct="1">
@@ -6878,86 +10622,83 @@
               <a:defRPr/>
             </a:pPr>
             <a:r>
-              <a:rPr lang="en-US" dirty="0"/>
-              <a:t>As you can see in the picture, we may need a “Car to Rail Adapter”.</a:t>
-            </a:r>
-          </a:p>
-          <a:p>
-            <a:pPr marL="0" marR="0" lvl="0" indent="0" algn="l" defTabSz="914400" rtl="0" eaLnBrk="1" fontAlgn="auto" latinLnBrk="0" hangingPunct="1">
-              <a:lnSpc>
-                <a:spcPct val="100000"/>
-              </a:lnSpc>
-              <a:spcBef>
-                <a:spcPts val="0"/>
-              </a:spcBef>
-              <a:spcAft>
-                <a:spcPts val="0"/>
-              </a:spcAft>
-              <a:buClrTx/>
-              <a:buSzTx/>
-              <a:buFontTx/>
+              <a:rPr lang="en-US" b="1" i="0" dirty="0">
+                <a:solidFill>
+                  <a:srgbClr val="444444"/>
+                </a:solidFill>
+                <a:effectLst/>
+                <a:latin typeface="PT Sans" panose="020B0503020203020204" pitchFamily="34" charset="0"/>
+              </a:rPr>
+              <a:t>Structural patterns</a:t>
+            </a:r>
+            <a:r>
+              <a:rPr lang="en-US" b="0" i="0" dirty="0">
+                <a:solidFill>
+                  <a:srgbClr val="444444"/>
+                </a:solidFill>
+                <a:effectLst/>
+                <a:latin typeface="PT Sans" panose="020B0503020203020204" pitchFamily="34" charset="0"/>
+              </a:rPr>
+              <a:t> explain how to assemble objects and classes into larger structures, while keeping these structures flexible and efficient.</a:t>
+            </a:r>
+          </a:p>
+          <a:p>
+            <a:pPr algn="l"/>
+            <a:endParaRPr lang="en-US" b="0" i="0" dirty="0">
+              <a:solidFill>
+                <a:srgbClr val="000000"/>
+              </a:solidFill>
+              <a:effectLst/>
+              <a:latin typeface="Gilroy"/>
+            </a:endParaRPr>
+          </a:p>
+          <a:p>
+            <a:pPr algn="l"/>
+            <a:r>
+              <a:rPr lang="en-US" b="1" i="0" dirty="0">
+                <a:solidFill>
+                  <a:srgbClr val="444444"/>
+                </a:solidFill>
+                <a:effectLst/>
+                <a:latin typeface="PT Sans" panose="020B0503020203020204" pitchFamily="34" charset="0"/>
+              </a:rPr>
+              <a:t>Creational patterns</a:t>
+            </a:r>
+            <a:r>
+              <a:rPr lang="en-US" b="0" i="0" dirty="0">
+                <a:solidFill>
+                  <a:srgbClr val="444444"/>
+                </a:solidFill>
+                <a:effectLst/>
+                <a:latin typeface="PT Sans" panose="020B0503020203020204" pitchFamily="34" charset="0"/>
+              </a:rPr>
+              <a:t> provide object creation mechanisms that increase flexibility and reuse of existing code.</a:t>
+            </a:r>
+          </a:p>
+          <a:p>
+            <a:pPr algn="l">
+              <a:buFont typeface="Arial" panose="020B0604020202020204" pitchFamily="34" charset="0"/>
               <a:buNone/>
-              <a:tabLst/>
-              <a:defRPr/>
             </a:pPr>
             <a:r>
-              <a:rPr lang="en-US" b="1" dirty="0"/>
-              <a:t>Adapter</a:t>
-            </a:r>
-            <a:r>
-              <a:rPr lang="en-US" dirty="0"/>
-              <a:t> allows objects with incompatible interfaces to collaborate.</a:t>
-            </a:r>
-          </a:p>
-          <a:p>
-            <a:pPr marL="0" marR="0" lvl="0" indent="0" algn="l" defTabSz="914400" rtl="0" eaLnBrk="1" fontAlgn="auto" latinLnBrk="0" hangingPunct="1">
-              <a:lnSpc>
-                <a:spcPct val="100000"/>
-              </a:lnSpc>
-              <a:spcBef>
-                <a:spcPts val="0"/>
-              </a:spcBef>
-              <a:spcAft>
-                <a:spcPts val="0"/>
-              </a:spcAft>
-              <a:buClrTx/>
-              <a:buSzTx/>
-              <a:buFontTx/>
-              <a:buNone/>
-              <a:tabLst/>
-              <a:defRPr/>
-            </a:pPr>
-            <a:endParaRPr lang="en-US" dirty="0"/>
-          </a:p>
-          <a:p>
-            <a:pPr marL="0" marR="0" lvl="0" indent="0" algn="l" defTabSz="914400" rtl="0" eaLnBrk="1" fontAlgn="auto" latinLnBrk="0" hangingPunct="1">
-              <a:lnSpc>
-                <a:spcPct val="100000"/>
-              </a:lnSpc>
-              <a:spcBef>
-                <a:spcPts val="0"/>
-              </a:spcBef>
-              <a:spcAft>
-                <a:spcPts val="0"/>
-              </a:spcAft>
-              <a:buClrTx/>
-              <a:buSzTx/>
-              <a:buFontTx/>
-              <a:buNone/>
-              <a:tabLst/>
-              <a:defRPr/>
-            </a:pPr>
-            <a:r>
-              <a:rPr lang="en-US" dirty="0"/>
-              <a:t>So </a:t>
-            </a:r>
-            <a:r>
-              <a:rPr lang="en-US"/>
-              <a:t>how can </a:t>
-            </a:r>
-            <a:r>
-              <a:rPr lang="en-US" dirty="0"/>
-              <a:t>we implement it in actual code? Let's take a look at the example.</a:t>
+              <a:rPr lang="en-US" b="1" i="0" dirty="0">
+                <a:solidFill>
+                  <a:srgbClr val="444444"/>
+                </a:solidFill>
+                <a:effectLst/>
+                <a:latin typeface="PT Sans" panose="020B0503020203020204" pitchFamily="34" charset="0"/>
+              </a:rPr>
+              <a:t>Behavioral patterns</a:t>
+            </a:r>
+            <a:r>
+              <a:rPr lang="en-US" b="0" i="0" dirty="0">
+                <a:solidFill>
+                  <a:srgbClr val="444444"/>
+                </a:solidFill>
+                <a:effectLst/>
+                <a:latin typeface="PT Sans" panose="020B0503020203020204" pitchFamily="34" charset="0"/>
+              </a:rPr>
+              <a:t> take care of effective communication and the assignment of responsibilities between objects.</a:t>
             </a:r>
           </a:p>
           <a:p>
@@ -6991,7 +10732,7 @@
     </p:spTree>
     <p:extLst>
       <p:ext uri="{BB962C8B-B14F-4D97-AF65-F5344CB8AC3E}">
-        <p14:creationId xmlns:p14="http://schemas.microsoft.com/office/powerpoint/2010/main" val="1113268360"/>
+        <p14:creationId xmlns:p14="http://schemas.microsoft.com/office/powerpoint/2010/main" val="2262071106"/>
       </p:ext>
     </p:extLst>
   </p:cSld>
@@ -7045,6 +10786,20 @@
           <a:bodyPr/>
           <a:lstStyle/>
           <a:p>
+            <a:r>
+              <a:rPr lang="en-US" b="0" dirty="0"/>
+              <a:t>Imagine that there is a </a:t>
+            </a:r>
+            <a:r>
+              <a:rPr lang="en-US" dirty="0"/>
+              <a:t>rail</a:t>
+            </a:r>
+            <a:r>
+              <a:rPr lang="en-US" b="0" dirty="0"/>
+              <a:t> in front of you, but you only have a car. How can you get to your destination?</a:t>
+            </a:r>
+          </a:p>
+          <a:p>
             <a:pPr marL="0" marR="0" lvl="0" indent="0" algn="l" defTabSz="914400" rtl="0" eaLnBrk="1" fontAlgn="auto" latinLnBrk="0" hangingPunct="1">
               <a:lnSpc>
                 <a:spcPct val="100000"/>
@@ -7064,101 +10819,8 @@
             </a:pPr>
             <a:r>
               <a:rPr lang="en-US" dirty="0"/>
-              <a:t>Depending on the implementation, it can also be divided into </a:t>
-            </a:r>
-            <a:r>
-              <a:rPr lang="en-US" sz="1200" b="1" dirty="0"/>
-              <a:t>O</a:t>
-            </a:r>
-            <a:r>
-              <a:rPr lang="en-US" altLang="zh-CN" sz="1200" b="1" dirty="0"/>
-              <a:t>bject </a:t>
-            </a:r>
-            <a:r>
-              <a:rPr lang="en-US" sz="1200" b="1" dirty="0"/>
-              <a:t>Adapter </a:t>
-            </a:r>
-            <a:r>
-              <a:rPr lang="en-US" altLang="zh-CN" sz="1200" b="0" dirty="0"/>
-              <a:t>and</a:t>
-            </a:r>
-            <a:r>
-              <a:rPr lang="en-US" altLang="zh-CN" sz="1200" b="1" dirty="0"/>
-              <a:t> </a:t>
-            </a:r>
-            <a:r>
-              <a:rPr lang="en-US" sz="1200" b="1" dirty="0"/>
-              <a:t>C</a:t>
-            </a:r>
-            <a:r>
-              <a:rPr lang="en-US" altLang="zh-CN" sz="1200" b="1" dirty="0"/>
-              <a:t>lass </a:t>
-            </a:r>
-            <a:r>
-              <a:rPr lang="en-US" sz="1200" b="1" dirty="0"/>
-              <a:t>Adapter.</a:t>
-            </a:r>
-            <a:endParaRPr lang="en-US" sz="1200" dirty="0"/>
-          </a:p>
-          <a:p>
-            <a:endParaRPr lang="en-US" dirty="0"/>
-          </a:p>
-          <a:p>
-            <a:r>
-              <a:rPr lang="en-US" dirty="0"/>
-              <a:t>The </a:t>
-            </a:r>
-            <a:r>
-              <a:rPr lang="en-US" b="1" dirty="0"/>
-              <a:t>Client Interface</a:t>
-            </a:r>
-            <a:r>
-              <a:rPr lang="en-US" dirty="0"/>
-              <a:t> describes a protocol that other classes must follow to be able to collaborate with the client code.</a:t>
-            </a:r>
-          </a:p>
-          <a:p>
-            <a:endParaRPr lang="en-US" dirty="0"/>
-          </a:p>
-          <a:p>
-            <a:r>
-              <a:rPr lang="en-US" dirty="0"/>
-              <a:t>The </a:t>
-            </a:r>
-            <a:r>
-              <a:rPr lang="en-US" b="1" dirty="0"/>
-              <a:t>Service</a:t>
-            </a:r>
-            <a:r>
-              <a:rPr lang="en-US" dirty="0"/>
-              <a:t> is some useful class (usually 3rd-party or legacy). The client can’t use this class directly because it has an incompatible interface.</a:t>
-            </a:r>
-          </a:p>
-          <a:p>
-            <a:endParaRPr lang="en-US" dirty="0"/>
-          </a:p>
-          <a:p>
-            <a:r>
-              <a:rPr lang="en-US" dirty="0"/>
-              <a:t>The </a:t>
-            </a:r>
-            <a:r>
-              <a:rPr lang="en-US" b="1" dirty="0"/>
-              <a:t>Adapter</a:t>
-            </a:r>
-            <a:r>
-              <a:rPr lang="en-US" dirty="0"/>
-              <a:t> is a class that’s able to work with both the client and the service: it implements the client interface, while wrapping the service object. </a:t>
-            </a:r>
-          </a:p>
-          <a:p>
-            <a:r>
-              <a:rPr lang="en-US" dirty="0"/>
-              <a:t>The adapter receives calls from the client via the adapter interface and translates them into calls to the wrapped service object in a format it can understand.</a:t>
-            </a:r>
-          </a:p>
-          <a:p>
-            <a:endParaRPr lang="en-US" dirty="0"/>
+              <a:t>As you can see in the picture, we may need a “Car to Rail Adapter”.</a:t>
+            </a:r>
           </a:p>
           <a:p>
             <a:pPr marL="0" marR="0" lvl="0" indent="0" algn="l" defTabSz="914400" rtl="0" eaLnBrk="1" fontAlgn="auto" latinLnBrk="0" hangingPunct="1">
@@ -7178,7 +10840,93 @@
               <a:tabLst/>
               <a:defRPr/>
             </a:pPr>
-            <a:endParaRPr lang="en-US" sz="1200" dirty="0"/>
+            <a:endParaRPr lang="en-US" dirty="0"/>
+          </a:p>
+          <a:p>
+            <a:pPr marL="0" marR="0" lvl="0" indent="0" algn="l" defTabSz="914400" rtl="0" eaLnBrk="1" fontAlgn="auto" latinLnBrk="0" hangingPunct="1">
+              <a:lnSpc>
+                <a:spcPct val="100000"/>
+              </a:lnSpc>
+              <a:spcBef>
+                <a:spcPts val="0"/>
+              </a:spcBef>
+              <a:spcAft>
+                <a:spcPts val="0"/>
+              </a:spcAft>
+              <a:buClrTx/>
+              <a:buSzTx/>
+              <a:buFontTx/>
+              <a:buNone/>
+              <a:tabLst/>
+              <a:defRPr/>
+            </a:pPr>
+            <a:r>
+              <a:rPr lang="en-US" b="0" dirty="0"/>
+              <a:t>T</a:t>
+            </a:r>
+            <a:r>
+              <a:rPr lang="en-US" altLang="zh-CN" b="0" dirty="0"/>
+              <a:t>he</a:t>
+            </a:r>
+            <a:r>
+              <a:rPr lang="en-US" altLang="zh-CN" b="1" dirty="0"/>
+              <a:t> </a:t>
+            </a:r>
+            <a:r>
+              <a:rPr lang="en-US" b="1" dirty="0"/>
+              <a:t>Adapter </a:t>
+            </a:r>
+            <a:r>
+              <a:rPr lang="en-US" altLang="zh-CN" b="0" dirty="0"/>
+              <a:t>pattern</a:t>
+            </a:r>
+            <a:r>
+              <a:rPr lang="en-US" dirty="0"/>
+              <a:t> allows objects with incompatible interfaces to collaborate.</a:t>
+            </a:r>
+          </a:p>
+          <a:p>
+            <a:pPr marL="0" marR="0" lvl="0" indent="0" algn="l" defTabSz="914400" rtl="0" eaLnBrk="1" fontAlgn="auto" latinLnBrk="0" hangingPunct="1">
+              <a:lnSpc>
+                <a:spcPct val="100000"/>
+              </a:lnSpc>
+              <a:spcBef>
+                <a:spcPts val="0"/>
+              </a:spcBef>
+              <a:spcAft>
+                <a:spcPts val="0"/>
+              </a:spcAft>
+              <a:buClrTx/>
+              <a:buSzTx/>
+              <a:buFontTx/>
+              <a:buNone/>
+              <a:tabLst/>
+              <a:defRPr/>
+            </a:pPr>
+            <a:endParaRPr lang="en-US" dirty="0"/>
+          </a:p>
+          <a:p>
+            <a:pPr marL="0" marR="0" lvl="0" indent="0" algn="l" defTabSz="914400" rtl="0" eaLnBrk="1" fontAlgn="auto" latinLnBrk="0" hangingPunct="1">
+              <a:lnSpc>
+                <a:spcPct val="100000"/>
+              </a:lnSpc>
+              <a:spcBef>
+                <a:spcPts val="0"/>
+              </a:spcBef>
+              <a:spcAft>
+                <a:spcPts val="0"/>
+              </a:spcAft>
+              <a:buClrTx/>
+              <a:buSzTx/>
+              <a:buFontTx/>
+              <a:buNone/>
+              <a:tabLst/>
+              <a:defRPr/>
+            </a:pPr>
+            <a:r>
+              <a:rPr lang="en-US" dirty="0"/>
+              <a:t>So how can we implement it in actual code? Let's take a look at the example.</a:t>
+            </a:r>
           </a:p>
           <a:p>
             <a:endParaRPr lang="en-US" dirty="0"/>
@@ -7211,7 +10959,7 @@
     </p:spTree>
     <p:extLst>
       <p:ext uri="{BB962C8B-B14F-4D97-AF65-F5344CB8AC3E}">
-        <p14:creationId xmlns:p14="http://schemas.microsoft.com/office/powerpoint/2010/main" val="288071428"/>
+        <p14:creationId xmlns:p14="http://schemas.microsoft.com/office/powerpoint/2010/main" val="1113268360"/>
       </p:ext>
     </p:extLst>
   </p:cSld>
@@ -7265,47 +11013,6 @@
           <a:bodyPr/>
           <a:lstStyle/>
           <a:p>
-            <a:r>
-              <a:rPr lang="en-US" dirty="0"/>
-              <a:t>Imagine that you must make your code work with a broad set of objects.</a:t>
-            </a:r>
-            <a:r>
-              <a:rPr lang="zh-CN" altLang="en-US" dirty="0"/>
-              <a:t> </a:t>
-            </a:r>
-            <a:r>
-              <a:rPr lang="en-US" altLang="zh-CN" dirty="0"/>
-              <a:t>Those</a:t>
-            </a:r>
-            <a:r>
-              <a:rPr lang="zh-CN" altLang="en-US" dirty="0"/>
-              <a:t> </a:t>
-            </a:r>
-            <a:r>
-              <a:rPr lang="en-US" altLang="zh-CN" dirty="0"/>
-              <a:t>objects</a:t>
-            </a:r>
-            <a:r>
-              <a:rPr lang="en-US" dirty="0"/>
-              <a:t> belong to a complex library or framework. </a:t>
-            </a:r>
-          </a:p>
-          <a:p>
-            <a:r>
-              <a:rPr lang="en-US" dirty="0"/>
-              <a:t>Ordinarily, you’d need to initialize all those objects, keep track of dependencies, execute methods in the correct order, and so on.</a:t>
-            </a:r>
-          </a:p>
-          <a:p>
-            <a:r>
-              <a:rPr lang="en-US" dirty="0"/>
-              <a:t>As a result, the business logic of your classes would become tightly coupled to the implementation details of 3rd-party classes, making it hard to maintain.</a:t>
-            </a:r>
-          </a:p>
-          <a:p>
-            <a:endParaRPr lang="en-US" dirty="0"/>
-          </a:p>
-          <a:p>
             <a:pPr marL="0" marR="0" lvl="0" indent="0" algn="l" defTabSz="914400" rtl="0" eaLnBrk="1" fontAlgn="auto" latinLnBrk="0" hangingPunct="1">
               <a:lnSpc>
                 <a:spcPct val="100000"/>
@@ -7324,16 +11031,122 @@
               <a:defRPr/>
             </a:pPr>
             <a:r>
-              <a:rPr lang="en-US" b="1"/>
-              <a:t>Facade</a:t>
-            </a:r>
-            <a:r>
-              <a:rPr lang="en-US"/>
-              <a:t> provides a simplified interface to a library, a framework, or any other complex set of classes.</a:t>
-            </a:r>
+              <a:rPr lang="en-US" dirty="0"/>
+              <a:t>Depending on the implementation, it can also be divided into </a:t>
+            </a:r>
+            <a:r>
+              <a:rPr lang="en-US" sz="1200" b="1" dirty="0"/>
+              <a:t>O</a:t>
+            </a:r>
+            <a:r>
+              <a:rPr lang="en-US" altLang="zh-CN" sz="1200" b="1" dirty="0"/>
+              <a:t>bject </a:t>
+            </a:r>
+            <a:r>
+              <a:rPr lang="en-US" sz="1200" b="1" dirty="0"/>
+              <a:t>Adapter </a:t>
+            </a:r>
+            <a:r>
+              <a:rPr lang="en-US" altLang="zh-CN" sz="1200" b="0" dirty="0"/>
+              <a:t>and</a:t>
+            </a:r>
+            <a:r>
+              <a:rPr lang="en-US" altLang="zh-CN" sz="1200" b="1" dirty="0"/>
+              <a:t> </a:t>
+            </a:r>
+            <a:r>
+              <a:rPr lang="en-US" sz="1200" b="1" dirty="0"/>
+              <a:t>C</a:t>
+            </a:r>
+            <a:r>
+              <a:rPr lang="en-US" altLang="zh-CN" sz="1200" b="1" dirty="0"/>
+              <a:t>lass </a:t>
+            </a:r>
+            <a:r>
+              <a:rPr lang="en-US" sz="1200" b="1" dirty="0"/>
+              <a:t>Adapter.</a:t>
+            </a:r>
+            <a:endParaRPr lang="en-US" sz="1200" dirty="0"/>
           </a:p>
           <a:p>
             <a:endParaRPr lang="en-US" dirty="0"/>
+          </a:p>
+          <a:p>
+            <a:r>
+              <a:rPr lang="en-US" dirty="0"/>
+              <a:t>The </a:t>
+            </a:r>
+            <a:r>
+              <a:rPr lang="en-US" b="1" dirty="0"/>
+              <a:t>Client Interface</a:t>
+            </a:r>
+            <a:r>
+              <a:rPr lang="en-US" dirty="0"/>
+              <a:t> describes a protocol that other classes must follow to be able to collaborate with the client code.</a:t>
+            </a:r>
+          </a:p>
+          <a:p>
+            <a:endParaRPr lang="en-US" dirty="0"/>
+          </a:p>
+          <a:p>
+            <a:r>
+              <a:rPr lang="en-US" dirty="0"/>
+              <a:t>The </a:t>
+            </a:r>
+            <a:r>
+              <a:rPr lang="en-US" b="1" dirty="0"/>
+              <a:t>Service</a:t>
+            </a:r>
+            <a:r>
+              <a:rPr lang="en-US" dirty="0"/>
+              <a:t> is some useful class (usually 3rd-party or legacy). The client can’t use this class directly because it has an incompatible interface.</a:t>
+            </a:r>
+          </a:p>
+          <a:p>
+            <a:endParaRPr lang="en-US" dirty="0"/>
+          </a:p>
+          <a:p>
+            <a:r>
+              <a:rPr lang="en-US" dirty="0"/>
+              <a:t>The </a:t>
+            </a:r>
+            <a:r>
+              <a:rPr lang="en-US" b="1" dirty="0"/>
+              <a:t>Adapter</a:t>
+            </a:r>
+            <a:r>
+              <a:rPr lang="en-US" dirty="0"/>
+              <a:t> is a class that’s able to work with both the client and the service: it implements the client interface, while wrapping the service object. </a:t>
+            </a:r>
+          </a:p>
+          <a:p>
+            <a:r>
+              <a:rPr lang="en-US" dirty="0"/>
+              <a:t>The adapter receives calls from the client via the adapter interface and translates them into calls to the wrapped service object in a format it can understand.</a:t>
+            </a:r>
+          </a:p>
+          <a:p>
+            <a:endParaRPr lang="en-US" dirty="0"/>
+          </a:p>
+          <a:p>
+            <a:pPr marL="0" marR="0" lvl="0" indent="0" algn="l" defTabSz="914400" rtl="0" eaLnBrk="1" fontAlgn="auto" latinLnBrk="0" hangingPunct="1">
+              <a:lnSpc>
+                <a:spcPct val="100000"/>
+              </a:lnSpc>
+              <a:spcBef>
+                <a:spcPts val="0"/>
+              </a:spcBef>
+              <a:spcAft>
+                <a:spcPts val="0"/>
+              </a:spcAft>
+              <a:buClrTx/>
+              <a:buSzTx/>
+              <a:buFontTx/>
+              <a:buNone/>
+              <a:tabLst/>
+              <a:defRPr/>
+            </a:pPr>
+            <a:endParaRPr lang="en-US" sz="1200" dirty="0"/>
           </a:p>
           <a:p>
             <a:endParaRPr lang="en-US" dirty="0"/>
@@ -7366,7 +11179,7 @@
     </p:spTree>
     <p:extLst>
       <p:ext uri="{BB962C8B-B14F-4D97-AF65-F5344CB8AC3E}">
-        <p14:creationId xmlns:p14="http://schemas.microsoft.com/office/powerpoint/2010/main" val="976043851"/>
+        <p14:creationId xmlns:p14="http://schemas.microsoft.com/office/powerpoint/2010/main" val="288071428"/>
       </p:ext>
     </p:extLst>
   </p:cSld>
@@ -7421,45 +11234,38 @@
           <a:lstStyle/>
           <a:p>
             <a:r>
-              <a:rPr lang="en-US" dirty="0"/>
-              <a:t>The </a:t>
-            </a:r>
-            <a:r>
-              <a:rPr lang="en-US" b="1" dirty="0"/>
-              <a:t>Facade</a:t>
-            </a:r>
-            <a:r>
-              <a:rPr lang="en-US" dirty="0"/>
-              <a:t> provides convenient access to a particular part of the subsystem’s functionality. It knows where to direct the client’s request and how to operate all the moving parts.</a:t>
-            </a:r>
-          </a:p>
-          <a:p>
-            <a:endParaRPr lang="en-US" dirty="0"/>
-          </a:p>
-          <a:p>
-            <a:r>
-              <a:rPr lang="en-US" dirty="0"/>
-              <a:t>The </a:t>
-            </a:r>
-            <a:r>
-              <a:rPr lang="en-US" b="1" dirty="0"/>
-              <a:t>Complex Subsystem</a:t>
-            </a:r>
-            <a:r>
-              <a:rPr lang="en-US" dirty="0"/>
-              <a:t> consists of dozens of various objects. </a:t>
-            </a:r>
-          </a:p>
-          <a:p>
-            <a:r>
-              <a:rPr lang="en-US" dirty="0"/>
-              <a:t>To make them all do something meaningful, you must dive deep into the subsystem’s implementation details, such as initializing objects in the correct order and supplying them with data in the proper format.</a:t>
-            </a:r>
-          </a:p>
-          <a:p>
-            <a:r>
-              <a:rPr lang="en-US" dirty="0"/>
-              <a:t>Subsystem classes aren’t aware of the facade’s existence. They operate within the system and work with each other directly.</a:t>
+              <a:rPr lang="en-US" b="0" i="0" dirty="0">
+                <a:solidFill>
+                  <a:srgbClr val="2A2B2E"/>
+                </a:solidFill>
+                <a:effectLst/>
+                <a:latin typeface="Gilroy"/>
+              </a:rPr>
+              <a:t>In object-oriented programming, the open/closed principle states "software entities (classes, modules, functions, etc.) should be open for extension, but closed for modification"; </a:t>
+            </a:r>
+          </a:p>
+          <a:p>
+            <a:r>
+              <a:rPr lang="en-US" b="0" i="0" dirty="0">
+                <a:solidFill>
+                  <a:srgbClr val="2A2B2E"/>
+                </a:solidFill>
+                <a:effectLst/>
+                <a:latin typeface="Gilroy"/>
+              </a:rPr>
+              <a:t>That is, such an entity can allow its behavior to be extended without modifying its source code. </a:t>
+            </a:r>
+          </a:p>
+          <a:p>
+            <a:r>
+              <a:rPr lang="en-US" b="0" i="0" dirty="0">
+                <a:solidFill>
+                  <a:srgbClr val="2A2B2E"/>
+                </a:solidFill>
+                <a:effectLst/>
+                <a:latin typeface="Gilroy"/>
+              </a:rPr>
+              <a:t>This is especially valuable in a production environment, where changes to source code may necessitate code reviews, unit tests, and other such procedures to qualify it for use in a product: code obeying the principle doesn't change when it is extended, and therefore needs no such effort.</a:t>
             </a:r>
           </a:p>
         </p:txBody>
@@ -7490,7 +11296,7 @@
     </p:spTree>
     <p:extLst>
       <p:ext uri="{BB962C8B-B14F-4D97-AF65-F5344CB8AC3E}">
-        <p14:creationId xmlns:p14="http://schemas.microsoft.com/office/powerpoint/2010/main" val="3520714539"/>
+        <p14:creationId xmlns:p14="http://schemas.microsoft.com/office/powerpoint/2010/main" val="3107114205"/>
       </p:ext>
     </p:extLst>
   </p:cSld>
@@ -7544,57 +11350,74 @@
           <a:bodyPr/>
           <a:lstStyle/>
           <a:p>
+            <a:r>
+              <a:rPr lang="en-US" dirty="0"/>
+              <a:t>Imagine that you must make your code work with a broad set of objects.</a:t>
+            </a:r>
+            <a:r>
+              <a:rPr lang="zh-CN" altLang="en-US" dirty="0"/>
+              <a:t> </a:t>
+            </a:r>
+            <a:r>
+              <a:rPr lang="en-US" altLang="zh-CN" dirty="0"/>
+              <a:t>Those</a:t>
+            </a:r>
+            <a:r>
+              <a:rPr lang="zh-CN" altLang="en-US" dirty="0"/>
+              <a:t> </a:t>
+            </a:r>
+            <a:r>
+              <a:rPr lang="en-US" altLang="zh-CN" dirty="0"/>
+              <a:t>objects</a:t>
+            </a:r>
+            <a:r>
+              <a:rPr lang="en-US" dirty="0"/>
+              <a:t> belong to a complex library or framework. </a:t>
+            </a:r>
+          </a:p>
+          <a:p>
+            <a:r>
+              <a:rPr lang="en-US" dirty="0"/>
+              <a:t>Usually, you’d need to initialize all those objects, keep track of dependencies, execute methods in the correct order, and so on.</a:t>
+            </a:r>
+          </a:p>
+          <a:p>
+            <a:r>
+              <a:rPr lang="en-US" dirty="0"/>
+              <a:t>As a result, the business logic of your classes would become tightly coupled to the implementation details of 3rd-party classes, making it hard to maintain.</a:t>
+            </a:r>
+          </a:p>
+          <a:p>
             <a:endParaRPr lang="en-US" dirty="0"/>
           </a:p>
           <a:p>
+            <a:pPr marL="0" marR="0" lvl="0" indent="0" algn="l" defTabSz="914400" rtl="0" eaLnBrk="1" fontAlgn="auto" latinLnBrk="0" hangingPunct="1">
+              <a:lnSpc>
+                <a:spcPct val="100000"/>
+              </a:lnSpc>
+              <a:spcBef>
+                <a:spcPts val="0"/>
+              </a:spcBef>
+              <a:spcAft>
+                <a:spcPts val="0"/>
+              </a:spcAft>
+              <a:buClrTx/>
+              <a:buSzTx/>
+              <a:buFontTx/>
+              <a:buNone/>
+              <a:tabLst/>
+              <a:defRPr/>
+            </a:pPr>
+            <a:r>
+              <a:rPr lang="en-US" b="1" dirty="0"/>
+              <a:t>Facade</a:t>
+            </a:r>
             <a:r>
               <a:rPr lang="en-US" dirty="0"/>
-              <a:t>Since t</a:t>
-            </a:r>
-            <a:r>
-              <a:rPr lang="en-US" altLang="zh-CN" dirty="0"/>
-              <a:t>he client code won’t get into </a:t>
-            </a:r>
-            <a:r>
-              <a:rPr lang="en-US" dirty="0"/>
-              <a:t>complex logic of one or several subsystems.</a:t>
-            </a:r>
-          </a:p>
-          <a:p>
-            <a:endParaRPr lang="en-US" dirty="0"/>
-          </a:p>
-          <a:p>
-            <a:r>
-              <a:rPr lang="en-US" dirty="0"/>
-              <a:t>However, the Facade delegates the requests to subsystem.</a:t>
-            </a:r>
-          </a:p>
-          <a:p>
-            <a:endParaRPr lang="en-US" dirty="0"/>
-          </a:p>
-          <a:p>
-            <a:r>
-              <a:rPr lang="en-US" b="0" i="0" dirty="0">
-                <a:solidFill>
-                  <a:srgbClr val="444444"/>
-                </a:solidFill>
-                <a:effectLst/>
-                <a:latin typeface="PT Sans" panose="020B0503020203020204" pitchFamily="34" charset="0"/>
-              </a:rPr>
-              <a:t>Subsystems often get more complex over time. The configuration it requires grows ever larger.</a:t>
-            </a:r>
-          </a:p>
-          <a:p>
-            <a:r>
-              <a:rPr lang="en-US" b="0" i="0" dirty="0">
-                <a:solidFill>
-                  <a:srgbClr val="444444"/>
-                </a:solidFill>
-                <a:effectLst/>
-                <a:latin typeface="PT Sans" panose="020B0503020203020204" pitchFamily="34" charset="0"/>
-              </a:rPr>
-              <a:t>The Facade attempts to fix this problem by providing a shortcut to the most-used features of the subsystem which fit most client requirements.</a:t>
-            </a:r>
+              <a:t> provides a simplified interface to a library, a framework, or any other complex set of classes.</a:t>
+            </a:r>
+          </a:p>
+          <a:p>
             <a:endParaRPr lang="en-US" dirty="0"/>
           </a:p>
           <a:p>
@@ -7628,7 +11451,7 @@
     </p:spTree>
     <p:extLst>
       <p:ext uri="{BB962C8B-B14F-4D97-AF65-F5344CB8AC3E}">
-        <p14:creationId xmlns:p14="http://schemas.microsoft.com/office/powerpoint/2010/main" val="1328381463"/>
+        <p14:creationId xmlns:p14="http://schemas.microsoft.com/office/powerpoint/2010/main" val="976043851"/>
       </p:ext>
     </p:extLst>
   </p:cSld>
@@ -7683,18 +11506,45 @@
           <a:lstStyle/>
           <a:p>
             <a:r>
+              <a:rPr lang="en-US" dirty="0"/>
+              <a:t>The </a:t>
+            </a:r>
+            <a:r>
               <a:rPr lang="en-US" b="1" dirty="0"/>
-              <a:t>Proxy</a:t>
+              <a:t>Facade</a:t>
             </a:r>
             <a:r>
               <a:rPr lang="en-US" dirty="0"/>
-              <a:t> is a structural design pattern that lets you provide a substitute or placeholder for another object. </a:t>
-            </a:r>
+              <a:t> provides convenient access to a particular part of the subsystem’s functionality. It knows where to direct the client’s request and how to operate all the moving parts.</a:t>
+            </a:r>
+          </a:p>
+          <a:p>
+            <a:endParaRPr lang="en-US" dirty="0"/>
           </a:p>
           <a:p>
             <a:r>
               <a:rPr lang="en-US" dirty="0"/>
-              <a:t>A proxy controls access to the original object, allowing you to perform something either before or after the request gets through to the original object.</a:t>
+              <a:t>The </a:t>
+            </a:r>
+            <a:r>
+              <a:rPr lang="en-US" b="1" dirty="0"/>
+              <a:t>Complex Subsystem</a:t>
+            </a:r>
+            <a:r>
+              <a:rPr lang="en-US" dirty="0"/>
+              <a:t> consists of dozens of various objects. </a:t>
+            </a:r>
+          </a:p>
+          <a:p>
+            <a:r>
+              <a:rPr lang="en-US" dirty="0"/>
+              <a:t>To make them all do something meaningful, you must dive deep into the subsystem’s implementation details, such as initializing objects in the correct order and supplying them with data in the proper format.</a:t>
+            </a:r>
+          </a:p>
+          <a:p>
+            <a:r>
+              <a:rPr lang="en-US" dirty="0"/>
+              <a:t>Subsystem classes aren’t aware of the facade’s existence. They operate within the system and work with each other directly.</a:t>
             </a:r>
           </a:p>
         </p:txBody>
@@ -7725,7 +11575,7 @@
     </p:spTree>
     <p:extLst>
       <p:ext uri="{BB962C8B-B14F-4D97-AF65-F5344CB8AC3E}">
-        <p14:creationId xmlns:p14="http://schemas.microsoft.com/office/powerpoint/2010/main" val="2830808032"/>
+        <p14:creationId xmlns:p14="http://schemas.microsoft.com/office/powerpoint/2010/main" val="3520714539"/>
       </p:ext>
     </p:extLst>
   </p:cSld>
@@ -7779,17 +11629,20 @@
           <a:bodyPr/>
           <a:lstStyle/>
           <a:p>
+            <a:endParaRPr lang="en-US" dirty="0"/>
+          </a:p>
+          <a:p>
             <a:r>
               <a:rPr lang="en-US" dirty="0"/>
-              <a:t>The </a:t>
-            </a:r>
-            <a:r>
-              <a:rPr lang="en-US" b="1" dirty="0"/>
-              <a:t>Service Interface</a:t>
+              <a:t>Since t</a:t>
+            </a:r>
+            <a:r>
+              <a:rPr lang="en-US" altLang="zh-CN" dirty="0"/>
+              <a:t>he client code won’t get into </a:t>
             </a:r>
             <a:r>
               <a:rPr lang="en-US" dirty="0"/>
-              <a:t> declares the interface of the Service. The proxy must follow this interface to be able to disguise itself as a service object.</a:t>
+              <a:t>complex logic of one or several subsystems.</a:t>
             </a:r>
           </a:p>
           <a:p>
@@ -7798,15 +11651,7 @@
           <a:p>
             <a:r>
               <a:rPr lang="en-US" dirty="0"/>
-              <a:t>The </a:t>
-            </a:r>
-            <a:r>
-              <a:rPr lang="en-US" b="1" dirty="0"/>
-              <a:t>Service</a:t>
-            </a:r>
-            <a:r>
-              <a:rPr lang="en-US" dirty="0"/>
-              <a:t> is a class that provides some useful business logic.</a:t>
+              <a:t>However, the Facade delegates the requests to subsystem.</a:t>
             </a:r>
           </a:p>
           <a:p>
@@ -7814,29 +11659,28 @@
           </a:p>
           <a:p>
             <a:r>
-              <a:rPr lang="en-US" dirty="0"/>
-              <a:t>The </a:t>
-            </a:r>
-            <a:r>
-              <a:rPr lang="en-US" b="1" dirty="0"/>
-              <a:t>Proxy</a:t>
-            </a:r>
-            <a:r>
-              <a:rPr lang="en-US" dirty="0"/>
-              <a:t> class has a reference field that points to a service object. </a:t>
-            </a:r>
-          </a:p>
-          <a:p>
-            <a:r>
-              <a:rPr lang="en-US" dirty="0"/>
-              <a:t>After the proxy finishes its processing (e.g., lazy initialization, logging, access control, caching, etc.), it passes the request to the service object.</a:t>
-            </a:r>
-          </a:p>
-          <a:p>
-            <a:r>
-              <a:rPr lang="en-US" dirty="0"/>
-              <a:t>Usually, proxies manage the full lifecycle of their service objects.</a:t>
-            </a:r>
+              <a:rPr lang="en-US" b="0" i="0" dirty="0">
+                <a:solidFill>
+                  <a:srgbClr val="444444"/>
+                </a:solidFill>
+                <a:effectLst/>
+                <a:latin typeface="PT Sans" panose="020B0503020203020204" pitchFamily="34" charset="0"/>
+              </a:rPr>
+              <a:t>Subsystems often get more complex over time. The configuration it requires grows ever larger.</a:t>
+            </a:r>
+          </a:p>
+          <a:p>
+            <a:r>
+              <a:rPr lang="en-US" b="0" i="0" dirty="0">
+                <a:solidFill>
+                  <a:srgbClr val="444444"/>
+                </a:solidFill>
+                <a:effectLst/>
+                <a:latin typeface="PT Sans" panose="020B0503020203020204" pitchFamily="34" charset="0"/>
+              </a:rPr>
+              <a:t>The Facade attempts to fix this problem by providing a shortcut to the most-used features of the subsystem which fit most client requirements.</a:t>
+            </a:r>
+            <a:endParaRPr lang="en-US" dirty="0"/>
           </a:p>
           <a:p>
             <a:endParaRPr lang="en-US" dirty="0"/>
@@ -7869,7 +11713,7 @@
     </p:spTree>
     <p:extLst>
       <p:ext uri="{BB962C8B-B14F-4D97-AF65-F5344CB8AC3E}">
-        <p14:creationId xmlns:p14="http://schemas.microsoft.com/office/powerpoint/2010/main" val="3283522435"/>
+        <p14:creationId xmlns:p14="http://schemas.microsoft.com/office/powerpoint/2010/main" val="1328381463"/>
       </p:ext>
     </p:extLst>
   </p:cSld>
@@ -7925,37 +11769,17 @@
           <a:p>
             <a:r>
               <a:rPr lang="en-US" b="1" dirty="0"/>
-              <a:t>Bridge</a:t>
+              <a:t>Proxy</a:t>
             </a:r>
             <a:r>
               <a:rPr lang="en-US" dirty="0"/>
-              <a:t> is a structural design pattern that lets you split a large class or a set of closely related classes into two separate hierarchies—abstraction and </a:t>
-            </a:r>
-            <a:r>
-              <a:rPr lang="en-US"/>
-              <a:t>implementation—</a:t>
-            </a:r>
-          </a:p>
-          <a:p>
-            <a:r>
-              <a:rPr lang="en-US"/>
-              <a:t>which </a:t>
-            </a:r>
+              <a:t> is a structural design pattern that lets you provide a substitute or placeholder for another object. </a:t>
+            </a:r>
+          </a:p>
+          <a:p>
             <a:r>
               <a:rPr lang="en-US" dirty="0"/>
-              <a:t>can be developed independently of each other.</a:t>
-            </a:r>
-          </a:p>
-          <a:p>
-            <a:endParaRPr lang="en-US" dirty="0"/>
-          </a:p>
-          <a:p>
-            <a:endParaRPr lang="en-US" dirty="0"/>
-          </a:p>
-          <a:p>
-            <a:r>
-              <a:rPr lang="en-US" dirty="0"/>
-              <a:t>Different implementations are interchangeable as long as they follow a common interface.</a:t>
+              <a:t>A proxy controls access to the original object, allowing you to perform something either before or after the request gets through to the original object.</a:t>
             </a:r>
           </a:p>
         </p:txBody>
@@ -7986,7 +11810,7 @@
     </p:spTree>
     <p:extLst>
       <p:ext uri="{BB962C8B-B14F-4D97-AF65-F5344CB8AC3E}">
-        <p14:creationId xmlns:p14="http://schemas.microsoft.com/office/powerpoint/2010/main" val="3524886519"/>
+        <p14:creationId xmlns:p14="http://schemas.microsoft.com/office/powerpoint/2010/main" val="2830808032"/>
       </p:ext>
     </p:extLst>
   </p:cSld>
@@ -8613,6 +12437,479 @@
     <p:extLst>
       <p:ext uri="{BB962C8B-B14F-4D97-AF65-F5344CB8AC3E}">
         <p14:creationId xmlns:p14="http://schemas.microsoft.com/office/powerpoint/2010/main" val="1927206215"/>
+      </p:ext>
+    </p:extLst>
+  </p:cSld>
+  <p:clrMapOvr>
+    <a:masterClrMapping/>
+  </p:clrMapOvr>
+</p:sldLayout>
+</file>
+
+<file path=ppt/slideLayouts/slideLayout12.xml><?xml version="1.0" encoding="utf-8"?>
+<p:sldLayout xmlns:a="http://schemas.openxmlformats.org/drawingml/2006/main" xmlns:r="http://schemas.openxmlformats.org/officeDocument/2006/relationships" xmlns:p="http://schemas.openxmlformats.org/presentationml/2006/main" userDrawn="1">
+  <p:cSld name="1_Title Slide">
+    <p:bg>
+      <p:bgPr>
+        <a:solidFill>
+          <a:schemeClr val="accent2"/>
+        </a:solidFill>
+        <a:effectLst/>
+      </p:bgPr>
+    </p:bg>
+    <p:spTree>
+      <p:nvGrpSpPr>
+        <p:cNvPr id="1" name=""/>
+        <p:cNvGrpSpPr/>
+        <p:nvPr/>
+      </p:nvGrpSpPr>
+      <p:grpSpPr>
+        <a:xfrm>
+          <a:off x="0" y="0"/>
+          <a:ext cx="0" cy="0"/>
+          <a:chOff x="0" y="0"/>
+          <a:chExt cx="0" cy="0"/>
+        </a:xfrm>
+      </p:grpSpPr>
+      <p:pic>
+        <p:nvPicPr>
+          <p:cNvPr id="18" name="Picture 17">
+            <a:extLst>
+              <a:ext uri="{FF2B5EF4-FFF2-40B4-BE49-F238E27FC236}">
+                <a16:creationId xmlns:a16="http://schemas.microsoft.com/office/drawing/2014/main" id="{6FE637BE-4FB2-4CA4-825C-C0F425E2BF22}"/>
+              </a:ext>
+            </a:extLst>
+          </p:cNvPr>
+          <p:cNvPicPr>
+            <a:picLocks noChangeAspect="1"/>
+          </p:cNvPicPr>
+          <p:nvPr userDrawn="1"/>
+        </p:nvPicPr>
+        <p:blipFill rotWithShape="1">
+          <a:blip r:embed="rId2" cstate="print">
+            <a:extLst>
+              <a:ext uri="{28A0092B-C50C-407E-A947-70E740481C1C}">
+                <a14:useLocalDpi xmlns:a14="http://schemas.microsoft.com/office/drawing/2010/main" val="0"/>
+              </a:ext>
+            </a:extLst>
+          </a:blip>
+          <a:srcRect l="52792" b="60877"/>
+          <a:stretch/>
+        </p:blipFill>
+        <p:spPr>
+          <a:xfrm>
+            <a:off x="6111240" y="0"/>
+            <a:ext cx="6080760" cy="2834640"/>
+          </a:xfrm>
+          <a:prstGeom prst="rect">
+            <a:avLst/>
+          </a:prstGeom>
+        </p:spPr>
+      </p:pic>
+      <p:sp>
+        <p:nvSpPr>
+          <p:cNvPr id="5" name="Footer Placeholder 4"/>
+          <p:cNvSpPr>
+            <a:spLocks noGrp="1"/>
+          </p:cNvSpPr>
+          <p:nvPr>
+            <p:ph type="ftr" sz="quarter" idx="3"/>
+          </p:nvPr>
+        </p:nvSpPr>
+        <p:spPr>
+          <a:xfrm>
+            <a:off x="540000" y="6480000"/>
+            <a:ext cx="1080000" cy="90000"/>
+          </a:xfrm>
+          <a:prstGeom prst="rect">
+            <a:avLst/>
+          </a:prstGeom>
+        </p:spPr>
+        <p:txBody>
+          <a:bodyPr vert="horz" lIns="0" tIns="0" rIns="0" bIns="0" rtlCol="0" anchor="b"/>
+          <a:lstStyle>
+            <a:lvl1pPr algn="l">
+              <a:defRPr sz="600" spc="-25" baseline="0">
+                <a:solidFill>
+                  <a:schemeClr val="bg1"/>
+                </a:solidFill>
+              </a:defRPr>
+            </a:lvl1pPr>
+          </a:lstStyle>
+          <a:p>
+            <a:r>
+              <a:rPr lang="en-AU"/>
+              <a:t>© 2020 CargoWise</a:t>
+            </a:r>
+            <a:endParaRPr lang="en-AU" dirty="0"/>
+          </a:p>
+        </p:txBody>
+      </p:sp>
+      <p:sp>
+        <p:nvSpPr>
+          <p:cNvPr id="7" name="Text Placeholder 6"/>
+          <p:cNvSpPr>
+            <a:spLocks noGrp="1"/>
+          </p:cNvSpPr>
+          <p:nvPr>
+            <p:ph type="body" sz="quarter" idx="10" hasCustomPrompt="1"/>
+          </p:nvPr>
+        </p:nvSpPr>
+        <p:spPr>
+          <a:xfrm>
+            <a:off x="3971764" y="1278000"/>
+            <a:ext cx="7674236" cy="242788"/>
+          </a:xfrm>
+          <a:solidFill>
+            <a:schemeClr val="accent2"/>
+          </a:solidFill>
+        </p:spPr>
+        <p:txBody>
+          <a:bodyPr>
+            <a:noAutofit/>
+          </a:bodyPr>
+          <a:lstStyle>
+            <a:lvl1pPr algn="r">
+              <a:defRPr sz="1400" b="0">
+                <a:solidFill>
+                  <a:schemeClr val="bg1"/>
+                </a:solidFill>
+              </a:defRPr>
+            </a:lvl1pPr>
+            <a:lvl2pPr algn="r">
+              <a:defRPr sz="1200" b="0">
+                <a:solidFill>
+                  <a:schemeClr val="bg1"/>
+                </a:solidFill>
+              </a:defRPr>
+            </a:lvl2pPr>
+            <a:lvl3pPr algn="r">
+              <a:defRPr sz="1200" b="0">
+                <a:solidFill>
+                  <a:schemeClr val="bg1"/>
+                </a:solidFill>
+              </a:defRPr>
+            </a:lvl3pPr>
+            <a:lvl4pPr algn="r">
+              <a:defRPr sz="1200" b="0">
+                <a:solidFill>
+                  <a:schemeClr val="bg1"/>
+                </a:solidFill>
+              </a:defRPr>
+            </a:lvl4pPr>
+            <a:lvl5pPr algn="r">
+              <a:defRPr sz="1200" b="0">
+                <a:solidFill>
+                  <a:schemeClr val="bg1"/>
+                </a:solidFill>
+              </a:defRPr>
+            </a:lvl5pPr>
+          </a:lstStyle>
+          <a:p>
+            <a:pPr lvl="0"/>
+            <a:r>
+              <a:rPr lang="en-US" dirty="0"/>
+              <a:t>Optional tagline here</a:t>
+            </a:r>
+          </a:p>
+        </p:txBody>
+      </p:sp>
+      <p:sp>
+        <p:nvSpPr>
+          <p:cNvPr id="12" name="Rectangle 11">
+            <a:extLst>
+              <a:ext uri="{FF2B5EF4-FFF2-40B4-BE49-F238E27FC236}">
+                <a16:creationId xmlns:a16="http://schemas.microsoft.com/office/drawing/2014/main" id="{F1AD2683-1E74-4610-97D7-54780EE4B926}"/>
+              </a:ext>
+            </a:extLst>
+          </p:cNvPr>
+          <p:cNvSpPr/>
+          <p:nvPr userDrawn="1"/>
+        </p:nvSpPr>
+        <p:spPr>
+          <a:xfrm>
+            <a:off x="540000" y="6670548"/>
+            <a:ext cx="28575" cy="187452"/>
+          </a:xfrm>
+          <a:prstGeom prst="rect">
+            <a:avLst/>
+          </a:prstGeom>
+          <a:solidFill>
+            <a:schemeClr val="bg2"/>
+          </a:solidFill>
+          <a:ln>
+            <a:noFill/>
+          </a:ln>
+        </p:spPr>
+        <p:style>
+          <a:lnRef idx="2">
+            <a:schemeClr val="accent1">
+              <a:shade val="50000"/>
+            </a:schemeClr>
+          </a:lnRef>
+          <a:fillRef idx="1">
+            <a:schemeClr val="accent1"/>
+          </a:fillRef>
+          <a:effectRef idx="0">
+            <a:schemeClr val="accent1"/>
+          </a:effectRef>
+          <a:fontRef idx="minor">
+            <a:schemeClr val="lt1"/>
+          </a:fontRef>
+        </p:style>
+        <p:txBody>
+          <a:bodyPr rtlCol="0" anchor="ctr"/>
+          <a:lstStyle/>
+          <a:p>
+            <a:pPr algn="ctr"/>
+            <a:endParaRPr lang="en-AU" sz="2400"/>
+          </a:p>
+        </p:txBody>
+      </p:sp>
+      <p:sp>
+        <p:nvSpPr>
+          <p:cNvPr id="14" name="Text Placeholder 12">
+            <a:extLst>
+              <a:ext uri="{FF2B5EF4-FFF2-40B4-BE49-F238E27FC236}">
+                <a16:creationId xmlns:a16="http://schemas.microsoft.com/office/drawing/2014/main" id="{90BC05EC-D049-4CF5-9BD2-E8C0C8E7D2CD}"/>
+              </a:ext>
+            </a:extLst>
+          </p:cNvPr>
+          <p:cNvSpPr>
+            <a:spLocks noGrp="1"/>
+          </p:cNvSpPr>
+          <p:nvPr>
+            <p:ph type="body" sz="quarter" idx="13" hasCustomPrompt="1"/>
+          </p:nvPr>
+        </p:nvSpPr>
+        <p:spPr>
+          <a:xfrm>
+            <a:off x="540000" y="5409220"/>
+            <a:ext cx="9516440" cy="180020"/>
+          </a:xfrm>
+        </p:spPr>
+        <p:txBody>
+          <a:bodyPr>
+            <a:normAutofit/>
+          </a:bodyPr>
+          <a:lstStyle>
+            <a:lvl1pPr>
+              <a:defRPr sz="1000" b="0">
+                <a:solidFill>
+                  <a:schemeClr val="bg1"/>
+                </a:solidFill>
+              </a:defRPr>
+            </a:lvl1pPr>
+          </a:lstStyle>
+          <a:p>
+            <a:pPr lvl="0"/>
+            <a:r>
+              <a:rPr lang="en-US" dirty="0"/>
+              <a:t>DD Month YYYY</a:t>
+            </a:r>
+            <a:endParaRPr lang="en-AU" dirty="0"/>
+          </a:p>
+        </p:txBody>
+      </p:sp>
+      <p:sp>
+        <p:nvSpPr>
+          <p:cNvPr id="15" name="Text Placeholder 14">
+            <a:extLst>
+              <a:ext uri="{FF2B5EF4-FFF2-40B4-BE49-F238E27FC236}">
+                <a16:creationId xmlns:a16="http://schemas.microsoft.com/office/drawing/2014/main" id="{089659E0-17D5-4934-875E-9ACF338809FE}"/>
+              </a:ext>
+            </a:extLst>
+          </p:cNvPr>
+          <p:cNvSpPr>
+            <a:spLocks noGrp="1"/>
+          </p:cNvSpPr>
+          <p:nvPr>
+            <p:ph type="body" sz="quarter" idx="14" hasCustomPrompt="1"/>
+          </p:nvPr>
+        </p:nvSpPr>
+        <p:spPr>
+          <a:xfrm>
+            <a:off x="540000" y="2312876"/>
+            <a:ext cx="9516440" cy="2016224"/>
+          </a:xfrm>
+        </p:spPr>
+        <p:txBody>
+          <a:bodyPr anchor="b">
+            <a:normAutofit/>
+          </a:bodyPr>
+          <a:lstStyle>
+            <a:lvl1pPr>
+              <a:defRPr sz="4000" b="0">
+                <a:solidFill>
+                  <a:schemeClr val="bg1"/>
+                </a:solidFill>
+              </a:defRPr>
+            </a:lvl1pPr>
+            <a:lvl2pPr>
+              <a:defRPr sz="1600">
+                <a:solidFill>
+                  <a:schemeClr val="bg1"/>
+                </a:solidFill>
+              </a:defRPr>
+            </a:lvl2pPr>
+            <a:lvl3pPr marL="0" indent="0">
+              <a:buNone/>
+              <a:defRPr sz="1200">
+                <a:solidFill>
+                  <a:schemeClr val="bg1"/>
+                </a:solidFill>
+              </a:defRPr>
+            </a:lvl3pPr>
+            <a:lvl4pPr marL="189000" indent="0">
+              <a:buNone/>
+              <a:defRPr>
+                <a:solidFill>
+                  <a:schemeClr val="bg1"/>
+                </a:solidFill>
+              </a:defRPr>
+            </a:lvl4pPr>
+          </a:lstStyle>
+          <a:p>
+            <a:pPr lvl="0"/>
+            <a:r>
+              <a:rPr lang="en-US" dirty="0"/>
+              <a:t>Presentation title</a:t>
+            </a:r>
+          </a:p>
+        </p:txBody>
+      </p:sp>
+      <p:sp>
+        <p:nvSpPr>
+          <p:cNvPr id="16" name="Text Placeholder 20">
+            <a:extLst>
+              <a:ext uri="{FF2B5EF4-FFF2-40B4-BE49-F238E27FC236}">
+                <a16:creationId xmlns:a16="http://schemas.microsoft.com/office/drawing/2014/main" id="{3B04C8A9-086B-4819-8256-42AE7DEF6D95}"/>
+              </a:ext>
+            </a:extLst>
+          </p:cNvPr>
+          <p:cNvSpPr>
+            <a:spLocks noGrp="1"/>
+          </p:cNvSpPr>
+          <p:nvPr>
+            <p:ph type="body" sz="quarter" idx="16" hasCustomPrompt="1"/>
+          </p:nvPr>
+        </p:nvSpPr>
+        <p:spPr>
+          <a:xfrm>
+            <a:off x="539552" y="4761148"/>
+            <a:ext cx="9516440" cy="187452"/>
+          </a:xfrm>
+        </p:spPr>
+        <p:txBody>
+          <a:bodyPr>
+            <a:noAutofit/>
+          </a:bodyPr>
+          <a:lstStyle>
+            <a:lvl1pPr>
+              <a:defRPr sz="1400" b="0">
+                <a:solidFill>
+                  <a:schemeClr val="bg1"/>
+                </a:solidFill>
+              </a:defRPr>
+            </a:lvl1pPr>
+          </a:lstStyle>
+          <a:p>
+            <a:pPr lvl="0"/>
+            <a:r>
+              <a:rPr lang="en-US" dirty="0"/>
+              <a:t>Position of presenter</a:t>
+            </a:r>
+            <a:endParaRPr lang="en-AU" dirty="0"/>
+          </a:p>
+        </p:txBody>
+      </p:sp>
+      <p:sp>
+        <p:nvSpPr>
+          <p:cNvPr id="17" name="Text Placeholder 23">
+            <a:extLst>
+              <a:ext uri="{FF2B5EF4-FFF2-40B4-BE49-F238E27FC236}">
+                <a16:creationId xmlns:a16="http://schemas.microsoft.com/office/drawing/2014/main" id="{8B02B82A-902C-4BA8-83C9-8F13085DDBB5}"/>
+              </a:ext>
+            </a:extLst>
+          </p:cNvPr>
+          <p:cNvSpPr>
+            <a:spLocks noGrp="1"/>
+          </p:cNvSpPr>
+          <p:nvPr>
+            <p:ph type="body" sz="quarter" idx="17" hasCustomPrompt="1"/>
+          </p:nvPr>
+        </p:nvSpPr>
+        <p:spPr>
+          <a:xfrm>
+            <a:off x="539552" y="4401108"/>
+            <a:ext cx="9516440" cy="294382"/>
+          </a:xfrm>
+        </p:spPr>
+        <p:txBody>
+          <a:bodyPr>
+            <a:noAutofit/>
+          </a:bodyPr>
+          <a:lstStyle>
+            <a:lvl1pPr>
+              <a:defRPr sz="2200" b="0">
+                <a:solidFill>
+                  <a:schemeClr val="bg1"/>
+                </a:solidFill>
+              </a:defRPr>
+            </a:lvl1pPr>
+          </a:lstStyle>
+          <a:p>
+            <a:pPr lvl="0"/>
+            <a:r>
+              <a:rPr lang="en-US" dirty="0"/>
+              <a:t>Name of presenter</a:t>
+            </a:r>
+            <a:endParaRPr lang="en-AU" dirty="0"/>
+          </a:p>
+        </p:txBody>
+      </p:sp>
+      <p:pic>
+        <p:nvPicPr>
+          <p:cNvPr id="3" name="Graphic 2">
+            <a:extLst>
+              <a:ext uri="{FF2B5EF4-FFF2-40B4-BE49-F238E27FC236}">
+                <a16:creationId xmlns:a16="http://schemas.microsoft.com/office/drawing/2014/main" id="{1751CD96-1EBD-1243-BD1E-79EB8936D635}"/>
+              </a:ext>
+            </a:extLst>
+          </p:cNvPr>
+          <p:cNvPicPr>
+            <a:picLocks noChangeAspect="1"/>
+          </p:cNvPicPr>
+          <p:nvPr userDrawn="1"/>
+        </p:nvPicPr>
+        <p:blipFill rotWithShape="1">
+          <a:blip r:embed="rId3">
+            <a:extLst>
+              <a:ext uri="{28A0092B-C50C-407E-A947-70E740481C1C}">
+                <a14:useLocalDpi xmlns:a14="http://schemas.microsoft.com/office/drawing/2010/main" val="0"/>
+              </a:ext>
+              <a:ext uri="{96DAC541-7B7A-43D3-8B79-37D633B846F1}">
+                <asvg:svgBlip xmlns:asvg="http://schemas.microsoft.com/office/drawing/2016/SVG/main" r:embed="rId4"/>
+              </a:ext>
+            </a:extLst>
+          </a:blip>
+          <a:srcRect l="-28684" t="-283259"/>
+          <a:stretch/>
+        </p:blipFill>
+        <p:spPr>
+          <a:xfrm>
+            <a:off x="0" y="0"/>
+            <a:ext cx="2420552" cy="1732452"/>
+          </a:xfrm>
+          <a:prstGeom prst="rect">
+            <a:avLst/>
+          </a:prstGeom>
+        </p:spPr>
+      </p:pic>
+    </p:spTree>
+    <p:extLst>
+      <p:ext uri="{BB962C8B-B14F-4D97-AF65-F5344CB8AC3E}">
+        <p14:creationId xmlns:p14="http://schemas.microsoft.com/office/powerpoint/2010/main" val="2628796587"/>
       </p:ext>
     </p:extLst>
   </p:cSld>
@@ -10909,6 +15206,7 @@
     <p:sldLayoutId id="2147483657" r:id="rId9"/>
     <p:sldLayoutId id="2147483658" r:id="rId10"/>
     <p:sldLayoutId id="2147483659" r:id="rId11"/>
+    <p:sldLayoutId id="2147483660" r:id="rId12"/>
   </p:sldLayoutIdLst>
   <p:txStyles>
     <p:titleStyle>
@@ -11212,10 +15510,372 @@
       </p:grpSpPr>
       <p:sp>
         <p:nvSpPr>
+          <p:cNvPr id="30" name="Footer Placeholder 29">
+            <a:extLst>
+              <a:ext uri="{FF2B5EF4-FFF2-40B4-BE49-F238E27FC236}">
+                <a16:creationId xmlns:a16="http://schemas.microsoft.com/office/drawing/2014/main" id="{62D608DF-2C21-42F8-B47A-E608979F4842}"/>
+              </a:ext>
+            </a:extLst>
+          </p:cNvPr>
+          <p:cNvSpPr>
+            <a:spLocks noGrp="1"/>
+          </p:cNvSpPr>
+          <p:nvPr>
+            <p:ph type="ftr" sz="quarter" idx="3"/>
+          </p:nvPr>
+        </p:nvSpPr>
+        <p:spPr/>
+        <p:txBody>
+          <a:bodyPr/>
+          <a:lstStyle/>
+          <a:p>
+            <a:r>
+              <a:rPr lang="en-AU" dirty="0"/>
+              <a:t>© 2022 CargoWise</a:t>
+            </a:r>
+          </a:p>
+        </p:txBody>
+      </p:sp>
+      <p:sp>
+        <p:nvSpPr>
+          <p:cNvPr id="4" name="Text Placeholder 3"/>
+          <p:cNvSpPr>
+            <a:spLocks noGrp="1"/>
+          </p:cNvSpPr>
+          <p:nvPr>
+            <p:ph type="body" sz="quarter" idx="10"/>
+          </p:nvPr>
+        </p:nvSpPr>
+        <p:spPr/>
+        <p:txBody>
+          <a:bodyPr/>
+          <a:lstStyle/>
+          <a:p>
+            <a:r>
+              <a:rPr lang="en-AU" dirty="0"/>
+              <a:t>Empowering and enabling the logistics industry globally.</a:t>
+            </a:r>
+          </a:p>
+        </p:txBody>
+      </p:sp>
+      <p:sp>
+        <p:nvSpPr>
+          <p:cNvPr id="11" name="Text Placeholder 10"/>
+          <p:cNvSpPr>
+            <a:spLocks noGrp="1"/>
+          </p:cNvSpPr>
+          <p:nvPr>
+            <p:ph type="body" sz="quarter" idx="13"/>
+          </p:nvPr>
+        </p:nvSpPr>
+        <p:spPr/>
+        <p:txBody>
+          <a:bodyPr>
+            <a:normAutofit fontScale="70000" lnSpcReduction="20000"/>
+          </a:bodyPr>
+          <a:lstStyle/>
+          <a:p>
+            <a:r>
+              <a:rPr lang="en-AU" dirty="0"/>
+              <a:t>DD Month YYYY</a:t>
+            </a:r>
+          </a:p>
+        </p:txBody>
+      </p:sp>
+      <p:sp>
+        <p:nvSpPr>
+          <p:cNvPr id="27" name="Text Placeholder 26">
+            <a:extLst>
+              <a:ext uri="{FF2B5EF4-FFF2-40B4-BE49-F238E27FC236}">
+                <a16:creationId xmlns:a16="http://schemas.microsoft.com/office/drawing/2014/main" id="{594F3E21-D692-461A-AD2A-FB3F38438A48}"/>
+              </a:ext>
+            </a:extLst>
+          </p:cNvPr>
+          <p:cNvSpPr>
+            <a:spLocks noGrp="1"/>
+          </p:cNvSpPr>
+          <p:nvPr>
+            <p:ph type="body" sz="quarter" idx="14"/>
+          </p:nvPr>
+        </p:nvSpPr>
+        <p:spPr/>
+        <p:txBody>
+          <a:bodyPr/>
+          <a:lstStyle/>
+          <a:p>
+            <a:r>
+              <a:rPr lang="en-US" dirty="0"/>
+              <a:t>Presentation title</a:t>
+            </a:r>
+          </a:p>
+        </p:txBody>
+      </p:sp>
+      <p:sp>
+        <p:nvSpPr>
+          <p:cNvPr id="28" name="Text Placeholder 27">
+            <a:extLst>
+              <a:ext uri="{FF2B5EF4-FFF2-40B4-BE49-F238E27FC236}">
+                <a16:creationId xmlns:a16="http://schemas.microsoft.com/office/drawing/2014/main" id="{331A3310-348C-4AC9-9F49-D834DB7FD6A9}"/>
+              </a:ext>
+            </a:extLst>
+          </p:cNvPr>
+          <p:cNvSpPr>
+            <a:spLocks noGrp="1"/>
+          </p:cNvSpPr>
+          <p:nvPr>
+            <p:ph type="body" sz="quarter" idx="16"/>
+          </p:nvPr>
+        </p:nvSpPr>
+        <p:spPr/>
+        <p:txBody>
+          <a:bodyPr/>
+          <a:lstStyle/>
+          <a:p>
+            <a:r>
+              <a:rPr lang="en-US" dirty="0"/>
+              <a:t>Position of presenter</a:t>
+            </a:r>
+          </a:p>
+        </p:txBody>
+      </p:sp>
+      <p:sp>
+        <p:nvSpPr>
+          <p:cNvPr id="29" name="Text Placeholder 28">
+            <a:extLst>
+              <a:ext uri="{FF2B5EF4-FFF2-40B4-BE49-F238E27FC236}">
+                <a16:creationId xmlns:a16="http://schemas.microsoft.com/office/drawing/2014/main" id="{E4F08E83-EE7D-46E7-A38D-939CDC959B71}"/>
+              </a:ext>
+            </a:extLst>
+          </p:cNvPr>
+          <p:cNvSpPr>
+            <a:spLocks noGrp="1"/>
+          </p:cNvSpPr>
+          <p:nvPr>
+            <p:ph type="body" sz="quarter" idx="17"/>
+          </p:nvPr>
+        </p:nvSpPr>
+        <p:spPr/>
+        <p:txBody>
+          <a:bodyPr/>
+          <a:lstStyle/>
+          <a:p>
+            <a:r>
+              <a:rPr lang="en-US" dirty="0"/>
+              <a:t>Name of presenter</a:t>
+            </a:r>
+          </a:p>
+        </p:txBody>
+      </p:sp>
+    </p:spTree>
+    <p:extLst>
+      <p:ext uri="{BB962C8B-B14F-4D97-AF65-F5344CB8AC3E}">
+        <p14:creationId xmlns:p14="http://schemas.microsoft.com/office/powerpoint/2010/main" val="3087458597"/>
+      </p:ext>
+    </p:extLst>
+  </p:cSld>
+  <p:clrMapOvr>
+    <a:masterClrMapping/>
+  </p:clrMapOvr>
+</p:sld>
+</file>
+
+<file path=ppt/slides/slide10.xml><?xml version="1.0" encoding="utf-8"?>
+<p:sld xmlns:a="http://schemas.openxmlformats.org/drawingml/2006/main" xmlns:r="http://schemas.openxmlformats.org/officeDocument/2006/relationships" xmlns:p="http://schemas.openxmlformats.org/presentationml/2006/main">
+  <p:cSld>
+    <p:spTree>
+      <p:nvGrpSpPr>
+        <p:cNvPr id="1" name=""/>
+        <p:cNvGrpSpPr/>
+        <p:nvPr/>
+      </p:nvGrpSpPr>
+      <p:grpSpPr>
+        <a:xfrm>
+          <a:off x="0" y="0"/>
+          <a:ext cx="0" cy="0"/>
+          <a:chOff x="0" y="0"/>
+          <a:chExt cx="0" cy="0"/>
+        </a:xfrm>
+      </p:grpSpPr>
+      <p:pic>
+        <p:nvPicPr>
+          <p:cNvPr id="5" name="Content Placeholder 4" descr="Diagram&#10;&#10;Description automatically generated">
+            <a:extLst>
+              <a:ext uri="{FF2B5EF4-FFF2-40B4-BE49-F238E27FC236}">
+                <a16:creationId xmlns:a16="http://schemas.microsoft.com/office/drawing/2014/main" id="{40AAB099-C690-33C8-B9EA-DC447C1C79AC}"/>
+              </a:ext>
+            </a:extLst>
+          </p:cNvPr>
+          <p:cNvPicPr>
+            <a:picLocks noGrp="1" noChangeAspect="1"/>
+          </p:cNvPicPr>
+          <p:nvPr>
+            <p:ph idx="1"/>
+          </p:nvPr>
+        </p:nvPicPr>
+        <p:blipFill>
+          <a:blip r:embed="rId3">
+            <a:extLst>
+              <a:ext uri="{28A0092B-C50C-407E-A947-70E740481C1C}">
+                <a14:useLocalDpi xmlns:a14="http://schemas.microsoft.com/office/drawing/2010/main" val="0"/>
+              </a:ext>
+            </a:extLst>
+          </a:blip>
+          <a:stretch>
+            <a:fillRect/>
+          </a:stretch>
+        </p:blipFill>
+        <p:spPr>
+          <a:xfrm>
+            <a:off x="5846667" y="1536732"/>
+            <a:ext cx="4351338" cy="4351338"/>
+          </a:xfrm>
+        </p:spPr>
+      </p:pic>
+      <p:sp>
+        <p:nvSpPr>
+          <p:cNvPr id="8" name="Title 1">
+            <a:extLst>
+              <a:ext uri="{FF2B5EF4-FFF2-40B4-BE49-F238E27FC236}">
+                <a16:creationId xmlns:a16="http://schemas.microsoft.com/office/drawing/2014/main" id="{FC316B89-0AAF-FFAA-1FE5-60CB2957DB61}"/>
+              </a:ext>
+            </a:extLst>
+          </p:cNvPr>
+          <p:cNvSpPr txBox="1">
+            <a:spLocks/>
+          </p:cNvSpPr>
+          <p:nvPr/>
+        </p:nvSpPr>
+        <p:spPr>
+          <a:xfrm>
+            <a:off x="563878" y="390144"/>
+            <a:ext cx="3441194" cy="2390712"/>
+          </a:xfrm>
+          <a:prstGeom prst="rect">
+            <a:avLst/>
+          </a:prstGeom>
+        </p:spPr>
+        <p:txBody>
+          <a:bodyPr vert="horz" lIns="91440" tIns="45720" rIns="91440" bIns="45720" rtlCol="0" anchor="ctr">
+            <a:normAutofit fontScale="90000"/>
+          </a:bodyPr>
+          <a:lstStyle>
+            <a:lvl1pPr algn="l" defTabSz="914400" rtl="0" eaLnBrk="1" latinLnBrk="0" hangingPunct="1">
+              <a:lnSpc>
+                <a:spcPct val="90000"/>
+              </a:lnSpc>
+              <a:spcBef>
+                <a:spcPct val="0"/>
+              </a:spcBef>
+              <a:buNone/>
+              <a:defRPr sz="4400" kern="1200">
+                <a:solidFill>
+                  <a:schemeClr val="tx1"/>
+                </a:solidFill>
+                <a:latin typeface="+mj-lt"/>
+                <a:ea typeface="+mj-ea"/>
+                <a:cs typeface="+mj-cs"/>
+              </a:defRPr>
+            </a:lvl1pPr>
+          </a:lstStyle>
+          <a:p>
+            <a:pPr marL="571500" indent="-571500">
+              <a:buFont typeface="Arial" panose="020B0604020202020204" pitchFamily="34" charset="0"/>
+              <a:buChar char="•"/>
+            </a:pPr>
+            <a:r>
+              <a:rPr lang="en-US" sz="3300" dirty="0">
+                <a:solidFill>
+                  <a:srgbClr val="000000"/>
+                </a:solidFill>
+                <a:latin typeface="Cascadia Mono" panose="020B0609020000020004" pitchFamily="49" charset="0"/>
+              </a:rPr>
+              <a:t>Subject</a:t>
+            </a:r>
+          </a:p>
+          <a:p>
+            <a:endParaRPr lang="en-US" sz="3300" dirty="0">
+              <a:solidFill>
+                <a:srgbClr val="000000"/>
+              </a:solidFill>
+              <a:latin typeface="Cascadia Mono" panose="020B0609020000020004" pitchFamily="49" charset="0"/>
+            </a:endParaRPr>
+          </a:p>
+          <a:p>
+            <a:pPr marL="571500" indent="-571500">
+              <a:buFont typeface="Arial" panose="020B0604020202020204" pitchFamily="34" charset="0"/>
+              <a:buChar char="•"/>
+            </a:pPr>
+            <a:r>
+              <a:rPr lang="en-US" sz="3300" dirty="0">
+                <a:solidFill>
+                  <a:srgbClr val="000000"/>
+                </a:solidFill>
+                <a:latin typeface="Cascadia Mono" panose="020B0609020000020004" pitchFamily="49" charset="0"/>
+              </a:rPr>
+              <a:t>Real Subject</a:t>
+            </a:r>
+          </a:p>
+          <a:p>
+            <a:endParaRPr lang="en-US" sz="3300" dirty="0">
+              <a:solidFill>
+                <a:srgbClr val="000000"/>
+              </a:solidFill>
+              <a:latin typeface="Cascadia Mono" panose="020B0609020000020004" pitchFamily="49" charset="0"/>
+            </a:endParaRPr>
+          </a:p>
+          <a:p>
+            <a:pPr marL="571500" indent="-571500">
+              <a:buFont typeface="Arial" panose="020B0604020202020204" pitchFamily="34" charset="0"/>
+              <a:buChar char="•"/>
+            </a:pPr>
+            <a:r>
+              <a:rPr lang="en-US" sz="3300" dirty="0">
+                <a:solidFill>
+                  <a:srgbClr val="000000"/>
+                </a:solidFill>
+                <a:latin typeface="Cascadia Mono" panose="020B0609020000020004" pitchFamily="49" charset="0"/>
+              </a:rPr>
+              <a:t>Proxy</a:t>
+            </a:r>
+          </a:p>
+        </p:txBody>
+      </p:sp>
+    </p:spTree>
+    <p:extLst>
+      <p:ext uri="{BB962C8B-B14F-4D97-AF65-F5344CB8AC3E}">
+        <p14:creationId xmlns:p14="http://schemas.microsoft.com/office/powerpoint/2010/main" val="2167652116"/>
+      </p:ext>
+    </p:extLst>
+  </p:cSld>
+  <p:clrMapOvr>
+    <a:masterClrMapping/>
+  </p:clrMapOvr>
+</p:sld>
+</file>
+
+<file path=ppt/slides/slide11.xml><?xml version="1.0" encoding="utf-8"?>
+<p:sld xmlns:a="http://schemas.openxmlformats.org/drawingml/2006/main" xmlns:r="http://schemas.openxmlformats.org/officeDocument/2006/relationships" xmlns:p="http://schemas.openxmlformats.org/presentationml/2006/main">
+  <p:cSld>
+    <p:spTree>
+      <p:nvGrpSpPr>
+        <p:cNvPr id="1" name=""/>
+        <p:cNvGrpSpPr/>
+        <p:nvPr/>
+      </p:nvGrpSpPr>
+      <p:grpSpPr>
+        <a:xfrm>
+          <a:off x="0" y="0"/>
+          <a:ext cx="0" cy="0"/>
+          <a:chOff x="0" y="0"/>
+          <a:chExt cx="0" cy="0"/>
+        </a:xfrm>
+      </p:grpSpPr>
+      <p:sp>
+        <p:nvSpPr>
           <p:cNvPr id="2" name="Title 1">
             <a:extLst>
               <a:ext uri="{FF2B5EF4-FFF2-40B4-BE49-F238E27FC236}">
-                <a16:creationId xmlns:a16="http://schemas.microsoft.com/office/drawing/2014/main" id="{1ECEEA58-2936-A969-9C58-D03DBA4B24F5}"/>
+                <a16:creationId xmlns:a16="http://schemas.microsoft.com/office/drawing/2014/main" id="{8DE78398-2207-9753-79EF-15D1EC6C1D98}"/>
               </a:ext>
             </a:extLst>
           </p:cNvPr>
@@ -11233,51 +15893,51 @@
           <a:p>
             <a:r>
               <a:rPr lang="en-US" b="1" dirty="0"/>
-              <a:t>Design</a:t>
-            </a:r>
-            <a:r>
-              <a:rPr lang="en-US" dirty="0"/>
-              <a:t> </a:t>
-            </a:r>
-            <a:r>
-              <a:rPr lang="en-US" b="1" dirty="0"/>
-              <a:t>Patterns</a:t>
-            </a:r>
+              <a:t>4. Bridge</a:t>
+            </a:r>
+            <a:endParaRPr lang="en-US" dirty="0"/>
           </a:p>
         </p:txBody>
       </p:sp>
-      <p:graphicFrame>
-        <p:nvGraphicFramePr>
-          <p:cNvPr id="22" name="Diagram 21">
+      <p:pic>
+        <p:nvPicPr>
+          <p:cNvPr id="6" name="Content Placeholder 5" descr="A picture containing text&#10;&#10;Description automatically generated">
             <a:extLst>
               <a:ext uri="{FF2B5EF4-FFF2-40B4-BE49-F238E27FC236}">
-                <a16:creationId xmlns:a16="http://schemas.microsoft.com/office/drawing/2014/main" id="{7A93C3F4-480A-057B-AC82-1CB092523802}"/>
+                <a16:creationId xmlns:a16="http://schemas.microsoft.com/office/drawing/2014/main" id="{42039D81-CE51-2587-2924-FDE22803ECF8}"/>
               </a:ext>
             </a:extLst>
           </p:cNvPr>
-          <p:cNvGraphicFramePr/>
+          <p:cNvPicPr>
+            <a:picLocks noGrp="1" noChangeAspect="1"/>
+          </p:cNvPicPr>
           <p:nvPr>
-            <p:extLst>
-              <p:ext uri="{D42A27DB-BD31-4B8C-83A1-F6EECF244321}">
-                <p14:modId xmlns:p14="http://schemas.microsoft.com/office/powerpoint/2010/main" val="2609676746"/>
-              </p:ext>
-            </p:extLst>
+            <p:ph idx="1"/>
           </p:nvPr>
-        </p:nvGraphicFramePr>
-        <p:xfrm>
-          <a:off x="2366169" y="1700213"/>
-          <a:ext cx="7459662" cy="4447645"/>
-        </p:xfrm>
-        <a:graphic>
-          <a:graphicData uri="http://schemas.openxmlformats.org/drawingml/2006/diagram">
-            <dgm:relIds xmlns:dgm="http://schemas.openxmlformats.org/drawingml/2006/diagram" xmlns:r="http://schemas.openxmlformats.org/officeDocument/2006/relationships" r:dm="rId3" r:lo="rId4" r:qs="rId5" r:cs="rId6"/>
-          </a:graphicData>
-        </a:graphic>
-      </p:graphicFrame>
+        </p:nvPicPr>
+        <p:blipFill>
+          <a:blip r:embed="rId3">
+            <a:extLst>
+              <a:ext uri="{28A0092B-C50C-407E-A947-70E740481C1C}">
+                <a14:useLocalDpi xmlns:a14="http://schemas.microsoft.com/office/drawing/2010/main" val="0"/>
+              </a:ext>
+            </a:extLst>
+          </a:blip>
+          <a:stretch>
+            <a:fillRect/>
+          </a:stretch>
+        </p:blipFill>
+        <p:spPr>
+          <a:xfrm>
+            <a:off x="1744662" y="1790989"/>
+            <a:ext cx="8702676" cy="4351338"/>
+          </a:xfrm>
+        </p:spPr>
+      </p:pic>
     </p:spTree>
     <p:extLst>
       <p:ext uri="{BB962C8B-B14F-4D97-AF65-F5344CB8AC3E}">
-        <p14:creationId xmlns:p14="http://schemas.microsoft.com/office/powerpoint/2010/main" val="3779576144"/>
+        <p14:creationId xmlns:p14="http://schemas.microsoft.com/office/powerpoint/2010/main" val="2255792575"/>
       </p:ext>
     </p:extLst>
   </p:cSld>
@@ -11287,7 +15947,7 @@
 </p:sld>
 </file>
 
-<file path=ppt/slides/slide10.xml><?xml version="1.0" encoding="utf-8"?>
+<file path=ppt/slides/slide12.xml><?xml version="1.0" encoding="utf-8"?>
 <p:sld xmlns:a="http://schemas.openxmlformats.org/drawingml/2006/main" xmlns:r="http://schemas.openxmlformats.org/officeDocument/2006/relationships" xmlns:p="http://schemas.openxmlformats.org/presentationml/2006/main">
   <p:cSld>
     <p:spTree>
@@ -11541,7 +16201,7 @@
 </p:sld>
 </file>
 
-<file path=ppt/slides/slide11.xml><?xml version="1.0" encoding="utf-8"?>
+<file path=ppt/slides/slide13.xml><?xml version="1.0" encoding="utf-8"?>
 <p:sld xmlns:a="http://schemas.openxmlformats.org/drawingml/2006/main" xmlns:r="http://schemas.openxmlformats.org/officeDocument/2006/relationships" xmlns:p="http://schemas.openxmlformats.org/presentationml/2006/main">
   <p:cSld>
     <p:spTree>
@@ -11580,12 +16240,8 @@
           <a:lstStyle/>
           <a:p>
             <a:r>
-              <a:rPr lang="en-US" b="1"/>
-              <a:t>5. </a:t>
-            </a:r>
-            <a:r>
               <a:rPr lang="en-US" b="1" dirty="0"/>
-              <a:t>Decorator</a:t>
+              <a:t>5. Decorator</a:t>
             </a:r>
             <a:endParaRPr lang="en-US" dirty="0"/>
           </a:p>
@@ -11639,7 +16295,7 @@
 </p:sld>
 </file>
 
-<file path=ppt/slides/slide12.xml><?xml version="1.0" encoding="utf-8"?>
+<file path=ppt/slides/slide14.xml><?xml version="1.0" encoding="utf-8"?>
 <p:sld xmlns:a="http://schemas.openxmlformats.org/drawingml/2006/main" xmlns:r="http://schemas.openxmlformats.org/officeDocument/2006/relationships" xmlns:p="http://schemas.openxmlformats.org/presentationml/2006/main">
   <p:cSld>
     <p:spTree>
@@ -11885,7 +16541,419 @@
 </p:sld>
 </file>
 
+<file path=ppt/slides/slide15.xml><?xml version="1.0" encoding="utf-8"?>
+<p:sld xmlns:a="http://schemas.openxmlformats.org/drawingml/2006/main" xmlns:r="http://schemas.openxmlformats.org/officeDocument/2006/relationships" xmlns:p="http://schemas.openxmlformats.org/presentationml/2006/main">
+  <p:cSld>
+    <p:bg>
+      <p:bgPr>
+        <a:solidFill>
+          <a:schemeClr val="bg1"/>
+        </a:solidFill>
+        <a:effectLst/>
+      </p:bgPr>
+    </p:bg>
+    <p:spTree>
+      <p:nvGrpSpPr>
+        <p:cNvPr id="1" name=""/>
+        <p:cNvGrpSpPr/>
+        <p:nvPr/>
+      </p:nvGrpSpPr>
+      <p:grpSpPr>
+        <a:xfrm>
+          <a:off x="0" y="0"/>
+          <a:ext cx="0" cy="0"/>
+          <a:chOff x="0" y="0"/>
+          <a:chExt cx="0" cy="0"/>
+        </a:xfrm>
+      </p:grpSpPr>
+      <p:sp useBgFill="1">
+        <p:nvSpPr>
+          <p:cNvPr id="27" name="Rectangle 26">
+            <a:extLst>
+              <a:ext uri="{FF2B5EF4-FFF2-40B4-BE49-F238E27FC236}">
+                <a16:creationId xmlns:a16="http://schemas.microsoft.com/office/drawing/2014/main" id="{9DBC8166-481C-4473-95F5-9A5B9073B7F1}"/>
+              </a:ext>
+              <a:ext uri="{C183D7F6-B498-43B3-948B-1728B52AA6E4}">
+                <adec:decorative xmlns:adec="http://schemas.microsoft.com/office/drawing/2017/decorative" val="1"/>
+              </a:ext>
+            </a:extLst>
+          </p:cNvPr>
+          <p:cNvSpPr>
+            <a:spLocks noGrp="1" noRot="1" noChangeAspect="1" noMove="1" noResize="1" noEditPoints="1" noAdjustHandles="1" noChangeArrowheads="1" noChangeShapeType="1" noTextEdit="1"/>
+          </p:cNvSpPr>
+          <p:nvPr>
+            <p:extLst>
+              <p:ext uri="{386F3935-93C4-4BCD-93E2-E3B085C9AB24}">
+                <p16:designElem xmlns:p16="http://schemas.microsoft.com/office/powerpoint/2015/main" val="1"/>
+              </p:ext>
+            </p:extLst>
+          </p:nvPr>
+        </p:nvSpPr>
+        <p:spPr>
+          <a:xfrm>
+            <a:off x="0" y="0"/>
+            <a:ext cx="12188952" cy="6858000"/>
+          </a:xfrm>
+          <a:prstGeom prst="rect">
+            <a:avLst/>
+          </a:prstGeom>
+          <a:ln>
+            <a:noFill/>
+          </a:ln>
+        </p:spPr>
+        <p:style>
+          <a:lnRef idx="2">
+            <a:schemeClr val="accent1">
+              <a:shade val="50000"/>
+            </a:schemeClr>
+          </a:lnRef>
+          <a:fillRef idx="1">
+            <a:schemeClr val="accent1"/>
+          </a:fillRef>
+          <a:effectRef idx="0">
+            <a:schemeClr val="accent1"/>
+          </a:effectRef>
+          <a:fontRef idx="minor">
+            <a:schemeClr val="lt1"/>
+          </a:fontRef>
+        </p:style>
+        <p:txBody>
+          <a:bodyPr rtlCol="0" anchor="ctr"/>
+          <a:lstStyle/>
+          <a:p>
+            <a:pPr algn="ctr"/>
+            <a:endParaRPr lang="en-US"/>
+          </a:p>
+        </p:txBody>
+      </p:sp>
+      <p:sp>
+        <p:nvSpPr>
+          <p:cNvPr id="29" name="Freeform: Shape 28">
+            <a:extLst>
+              <a:ext uri="{FF2B5EF4-FFF2-40B4-BE49-F238E27FC236}">
+                <a16:creationId xmlns:a16="http://schemas.microsoft.com/office/drawing/2014/main" id="{A5A5CE6E-90AF-4D43-A014-1F9EC83EB93D}"/>
+              </a:ext>
+              <a:ext uri="{C183D7F6-B498-43B3-948B-1728B52AA6E4}">
+                <adec:decorative xmlns:adec="http://schemas.microsoft.com/office/drawing/2017/decorative" val="1"/>
+              </a:ext>
+            </a:extLst>
+          </p:cNvPr>
+          <p:cNvSpPr>
+            <a:spLocks noGrp="1" noRot="1" noChangeAspect="1" noMove="1" noResize="1" noEditPoints="1" noAdjustHandles="1" noChangeArrowheads="1" noChangeShapeType="1" noTextEdit="1"/>
+          </p:cNvSpPr>
+          <p:nvPr>
+            <p:extLst>
+              <p:ext uri="{386F3935-93C4-4BCD-93E2-E3B085C9AB24}">
+                <p16:designElem xmlns:p16="http://schemas.microsoft.com/office/powerpoint/2015/main" val="1"/>
+              </p:ext>
+            </p:extLst>
+          </p:nvPr>
+        </p:nvSpPr>
+        <p:spPr>
+          <a:xfrm>
+            <a:off x="0" y="1"/>
+            <a:ext cx="4512467" cy="6858000"/>
+          </a:xfrm>
+          <a:custGeom>
+            <a:avLst/>
+            <a:gdLst>
+              <a:gd name="connsiteX0" fmla="*/ 0 w 4512467"/>
+              <a:gd name="connsiteY0" fmla="*/ 0 h 6858000"/>
+              <a:gd name="connsiteX1" fmla="*/ 2579526 w 4512467"/>
+              <a:gd name="connsiteY1" fmla="*/ 0 h 6858000"/>
+              <a:gd name="connsiteX2" fmla="*/ 2583267 w 4512467"/>
+              <a:gd name="connsiteY2" fmla="*/ 2151 h 6858000"/>
+              <a:gd name="connsiteX3" fmla="*/ 4512467 w 4512467"/>
+              <a:gd name="connsiteY3" fmla="*/ 3429000 h 6858000"/>
+              <a:gd name="connsiteX4" fmla="*/ 2583267 w 4512467"/>
+              <a:gd name="connsiteY4" fmla="*/ 6855849 h 6858000"/>
+              <a:gd name="connsiteX5" fmla="*/ 2579526 w 4512467"/>
+              <a:gd name="connsiteY5" fmla="*/ 6858000 h 6858000"/>
+              <a:gd name="connsiteX6" fmla="*/ 0 w 4512467"/>
+              <a:gd name="connsiteY6" fmla="*/ 6858000 h 6858000"/>
+            </a:gdLst>
+            <a:ahLst/>
+            <a:cxnLst>
+              <a:cxn ang="0">
+                <a:pos x="connsiteX0" y="connsiteY0"/>
+              </a:cxn>
+              <a:cxn ang="0">
+                <a:pos x="connsiteX1" y="connsiteY1"/>
+              </a:cxn>
+              <a:cxn ang="0">
+                <a:pos x="connsiteX2" y="connsiteY2"/>
+              </a:cxn>
+              <a:cxn ang="0">
+                <a:pos x="connsiteX3" y="connsiteY3"/>
+              </a:cxn>
+              <a:cxn ang="0">
+                <a:pos x="connsiteX4" y="connsiteY4"/>
+              </a:cxn>
+              <a:cxn ang="0">
+                <a:pos x="connsiteX5" y="connsiteY5"/>
+              </a:cxn>
+              <a:cxn ang="0">
+                <a:pos x="connsiteX6" y="connsiteY6"/>
+              </a:cxn>
+            </a:cxnLst>
+            <a:rect l="l" t="t" r="r" b="b"/>
+            <a:pathLst>
+              <a:path w="4512467" h="6858000">
+                <a:moveTo>
+                  <a:pt x="0" y="0"/>
+                </a:moveTo>
+                <a:lnTo>
+                  <a:pt x="2579526" y="0"/>
+                </a:lnTo>
+                <a:lnTo>
+                  <a:pt x="2583267" y="2151"/>
+                </a:lnTo>
+                <a:cubicBezTo>
+                  <a:pt x="3739868" y="704919"/>
+                  <a:pt x="4512467" y="1976735"/>
+                  <a:pt x="4512467" y="3429000"/>
+                </a:cubicBezTo>
+                <a:cubicBezTo>
+                  <a:pt x="4512467" y="4881266"/>
+                  <a:pt x="3739868" y="6153081"/>
+                  <a:pt x="2583267" y="6855849"/>
+                </a:cubicBezTo>
+                <a:lnTo>
+                  <a:pt x="2579526" y="6858000"/>
+                </a:lnTo>
+                <a:lnTo>
+                  <a:pt x="0" y="6858000"/>
+                </a:lnTo>
+                <a:close/>
+              </a:path>
+            </a:pathLst>
+          </a:custGeom>
+          <a:solidFill>
+            <a:schemeClr val="accent2"/>
+          </a:solidFill>
+          <a:ln>
+            <a:noFill/>
+          </a:ln>
+        </p:spPr>
+        <p:style>
+          <a:lnRef idx="2">
+            <a:schemeClr val="accent1">
+              <a:shade val="50000"/>
+            </a:schemeClr>
+          </a:lnRef>
+          <a:fillRef idx="1">
+            <a:schemeClr val="accent1"/>
+          </a:fillRef>
+          <a:effectRef idx="0">
+            <a:schemeClr val="accent1"/>
+          </a:effectRef>
+          <a:fontRef idx="minor">
+            <a:schemeClr val="lt1"/>
+          </a:fontRef>
+        </p:style>
+        <p:txBody>
+          <a:bodyPr wrap="square" rtlCol="0" anchor="ctr">
+            <a:noAutofit/>
+          </a:bodyPr>
+          <a:lstStyle/>
+          <a:p>
+            <a:pPr algn="ctr"/>
+            <a:endParaRPr lang="en-US">
+              <a:solidFill>
+                <a:schemeClr val="bg1"/>
+              </a:solidFill>
+            </a:endParaRPr>
+          </a:p>
+        </p:txBody>
+      </p:sp>
+      <p:sp>
+        <p:nvSpPr>
+          <p:cNvPr id="6" name="TextBox 5">
+            <a:extLst>
+              <a:ext uri="{FF2B5EF4-FFF2-40B4-BE49-F238E27FC236}">
+                <a16:creationId xmlns:a16="http://schemas.microsoft.com/office/drawing/2014/main" id="{3FB7BDD9-9B0E-E59D-891E-50C1F28334AE}"/>
+              </a:ext>
+            </a:extLst>
+          </p:cNvPr>
+          <p:cNvSpPr txBox="1"/>
+          <p:nvPr/>
+        </p:nvSpPr>
+        <p:spPr>
+          <a:xfrm>
+            <a:off x="838200" y="643467"/>
+            <a:ext cx="2951205" cy="5571066"/>
+          </a:xfrm>
+          <a:prstGeom prst="rect">
+            <a:avLst/>
+          </a:prstGeom>
+        </p:spPr>
+        <p:txBody>
+          <a:bodyPr vert="horz" lIns="91440" tIns="45720" rIns="91440" bIns="45720" rtlCol="0" anchor="ctr">
+            <a:normAutofit/>
+          </a:bodyPr>
+          <a:lstStyle/>
+          <a:p>
+            <a:pPr lvl="0">
+              <a:lnSpc>
+                <a:spcPct val="90000"/>
+              </a:lnSpc>
+              <a:spcBef>
+                <a:spcPct val="0"/>
+              </a:spcBef>
+              <a:spcAft>
+                <a:spcPts val="600"/>
+              </a:spcAft>
+            </a:pPr>
+            <a:r>
+              <a:rPr lang="en-US" sz="4400" b="1" kern="1200" dirty="0">
+                <a:solidFill>
+                  <a:srgbClr val="FFFFFF"/>
+                </a:solidFill>
+                <a:latin typeface="+mj-lt"/>
+                <a:ea typeface="+mj-ea"/>
+                <a:cs typeface="+mj-cs"/>
+              </a:rPr>
+              <a:t>Structural Design Patterns</a:t>
+            </a:r>
+          </a:p>
+        </p:txBody>
+      </p:sp>
+      <p:graphicFrame>
+        <p:nvGraphicFramePr>
+          <p:cNvPr id="4" name="Diagram 3">
+            <a:extLst>
+              <a:ext uri="{FF2B5EF4-FFF2-40B4-BE49-F238E27FC236}">
+                <a16:creationId xmlns:a16="http://schemas.microsoft.com/office/drawing/2014/main" id="{F24AEBD7-4394-A74A-64EE-2AE4E6086DB6}"/>
+              </a:ext>
+            </a:extLst>
+          </p:cNvPr>
+          <p:cNvGraphicFramePr/>
+          <p:nvPr>
+            <p:extLst>
+              <p:ext uri="{D42A27DB-BD31-4B8C-83A1-F6EECF244321}">
+                <p14:modId xmlns:p14="http://schemas.microsoft.com/office/powerpoint/2010/main" val="965056879"/>
+              </p:ext>
+            </p:extLst>
+          </p:nvPr>
+        </p:nvGraphicFramePr>
+        <p:xfrm>
+          <a:off x="5207640" y="643466"/>
+          <a:ext cx="6291714" cy="5530735"/>
+        </p:xfrm>
+        <a:graphic>
+          <a:graphicData uri="http://schemas.openxmlformats.org/drawingml/2006/diagram">
+            <dgm:relIds xmlns:dgm="http://schemas.openxmlformats.org/drawingml/2006/diagram" xmlns:r="http://schemas.openxmlformats.org/officeDocument/2006/relationships" r:dm="rId3" r:lo="rId4" r:qs="rId5" r:cs="rId6"/>
+          </a:graphicData>
+        </a:graphic>
+      </p:graphicFrame>
+    </p:spTree>
+    <p:extLst>
+      <p:ext uri="{BB962C8B-B14F-4D97-AF65-F5344CB8AC3E}">
+        <p14:creationId xmlns:p14="http://schemas.microsoft.com/office/powerpoint/2010/main" val="291393146"/>
+      </p:ext>
+    </p:extLst>
+  </p:cSld>
+  <p:clrMapOvr>
+    <a:masterClrMapping/>
+  </p:clrMapOvr>
+</p:sld>
+</file>
+
 <file path=ppt/slides/slide2.xml><?xml version="1.0" encoding="utf-8"?>
+<p:sld xmlns:a="http://schemas.openxmlformats.org/drawingml/2006/main" xmlns:r="http://schemas.openxmlformats.org/officeDocument/2006/relationships" xmlns:p="http://schemas.openxmlformats.org/presentationml/2006/main">
+  <p:cSld>
+    <p:spTree>
+      <p:nvGrpSpPr>
+        <p:cNvPr id="1" name=""/>
+        <p:cNvGrpSpPr/>
+        <p:nvPr/>
+      </p:nvGrpSpPr>
+      <p:grpSpPr>
+        <a:xfrm>
+          <a:off x="0" y="0"/>
+          <a:ext cx="0" cy="0"/>
+          <a:chOff x="0" y="0"/>
+          <a:chExt cx="0" cy="0"/>
+        </a:xfrm>
+      </p:grpSpPr>
+      <p:sp>
+        <p:nvSpPr>
+          <p:cNvPr id="2" name="Title 1">
+            <a:extLst>
+              <a:ext uri="{FF2B5EF4-FFF2-40B4-BE49-F238E27FC236}">
+                <a16:creationId xmlns:a16="http://schemas.microsoft.com/office/drawing/2014/main" id="{1ECEEA58-2936-A969-9C58-D03DBA4B24F5}"/>
+              </a:ext>
+            </a:extLst>
+          </p:cNvPr>
+          <p:cNvSpPr>
+            <a:spLocks noGrp="1"/>
+          </p:cNvSpPr>
+          <p:nvPr>
+            <p:ph type="title"/>
+          </p:nvPr>
+        </p:nvSpPr>
+        <p:spPr/>
+        <p:txBody>
+          <a:bodyPr/>
+          <a:lstStyle/>
+          <a:p>
+            <a:r>
+              <a:rPr lang="en-US" b="1" dirty="0"/>
+              <a:t>Design</a:t>
+            </a:r>
+            <a:r>
+              <a:rPr lang="en-US" dirty="0"/>
+              <a:t> </a:t>
+            </a:r>
+            <a:r>
+              <a:rPr lang="en-US" b="1" dirty="0"/>
+              <a:t>Patterns</a:t>
+            </a:r>
+          </a:p>
+        </p:txBody>
+      </p:sp>
+      <p:graphicFrame>
+        <p:nvGraphicFramePr>
+          <p:cNvPr id="22" name="Diagram 21">
+            <a:extLst>
+              <a:ext uri="{FF2B5EF4-FFF2-40B4-BE49-F238E27FC236}">
+                <a16:creationId xmlns:a16="http://schemas.microsoft.com/office/drawing/2014/main" id="{7A93C3F4-480A-057B-AC82-1CB092523802}"/>
+              </a:ext>
+            </a:extLst>
+          </p:cNvPr>
+          <p:cNvGraphicFramePr/>
+          <p:nvPr>
+            <p:extLst>
+              <p:ext uri="{D42A27DB-BD31-4B8C-83A1-F6EECF244321}">
+                <p14:modId xmlns:p14="http://schemas.microsoft.com/office/powerpoint/2010/main" val="2609676746"/>
+              </p:ext>
+            </p:extLst>
+          </p:nvPr>
+        </p:nvGraphicFramePr>
+        <p:xfrm>
+          <a:off x="2366169" y="1700213"/>
+          <a:ext cx="7459662" cy="4447645"/>
+        </p:xfrm>
+        <a:graphic>
+          <a:graphicData uri="http://schemas.openxmlformats.org/drawingml/2006/diagram">
+            <dgm:relIds xmlns:dgm="http://schemas.openxmlformats.org/drawingml/2006/diagram" xmlns:r="http://schemas.openxmlformats.org/officeDocument/2006/relationships" r:dm="rId3" r:lo="rId4" r:qs="rId5" r:cs="rId6"/>
+          </a:graphicData>
+        </a:graphic>
+      </p:graphicFrame>
+    </p:spTree>
+    <p:extLst>
+      <p:ext uri="{BB962C8B-B14F-4D97-AF65-F5344CB8AC3E}">
+        <p14:creationId xmlns:p14="http://schemas.microsoft.com/office/powerpoint/2010/main" val="3779576144"/>
+      </p:ext>
+    </p:extLst>
+  </p:cSld>
+  <p:clrMapOvr>
+    <a:masterClrMapping/>
+  </p:clrMapOvr>
+</p:sld>
+</file>
+
+<file path=ppt/slides/slide3.xml><?xml version="1.0" encoding="utf-8"?>
 <p:sld xmlns:a="http://schemas.openxmlformats.org/drawingml/2006/main" xmlns:r="http://schemas.openxmlformats.org/officeDocument/2006/relationships" xmlns:p="http://schemas.openxmlformats.org/presentationml/2006/main">
   <p:cSld>
     <p:spTree>
@@ -11979,7 +17047,7 @@
 </p:sld>
 </file>
 
-<file path=ppt/slides/slide3.xml><?xml version="1.0" encoding="utf-8"?>
+<file path=ppt/slides/slide4.xml><?xml version="1.0" encoding="utf-8"?>
 <p:sld xmlns:a="http://schemas.openxmlformats.org/drawingml/2006/main" xmlns:r="http://schemas.openxmlformats.org/officeDocument/2006/relationships" xmlns:p="http://schemas.openxmlformats.org/presentationml/2006/main">
   <p:cSld>
     <p:spTree>
@@ -12366,7 +17434,67 @@
 </p:sld>
 </file>
 
-<file path=ppt/slides/slide4.xml><?xml version="1.0" encoding="utf-8"?>
+<file path=ppt/slides/slide5.xml><?xml version="1.0" encoding="utf-8"?>
+<p:sld xmlns:a="http://schemas.openxmlformats.org/drawingml/2006/main" xmlns:r="http://schemas.openxmlformats.org/officeDocument/2006/relationships" xmlns:p="http://schemas.openxmlformats.org/presentationml/2006/main">
+  <p:cSld>
+    <p:spTree>
+      <p:nvGrpSpPr>
+        <p:cNvPr id="1" name=""/>
+        <p:cNvGrpSpPr/>
+        <p:nvPr/>
+      </p:nvGrpSpPr>
+      <p:grpSpPr>
+        <a:xfrm>
+          <a:off x="0" y="0"/>
+          <a:ext cx="0" cy="0"/>
+          <a:chOff x="0" y="0"/>
+          <a:chExt cx="0" cy="0"/>
+        </a:xfrm>
+      </p:grpSpPr>
+      <p:pic>
+        <p:nvPicPr>
+          <p:cNvPr id="15" name="Picture 14">
+            <a:extLst>
+              <a:ext uri="{FF2B5EF4-FFF2-40B4-BE49-F238E27FC236}">
+                <a16:creationId xmlns:a16="http://schemas.microsoft.com/office/drawing/2014/main" id="{BC61C289-C67E-409D-9ED2-6E397B660BD1}"/>
+              </a:ext>
+            </a:extLst>
+          </p:cNvPr>
+          <p:cNvPicPr>
+            <a:picLocks noChangeAspect="1"/>
+          </p:cNvPicPr>
+          <p:nvPr/>
+        </p:nvPicPr>
+        <p:blipFill>
+          <a:blip r:embed="rId3"/>
+          <a:stretch>
+            <a:fillRect/>
+          </a:stretch>
+        </p:blipFill>
+        <p:spPr>
+          <a:xfrm>
+            <a:off x="602413" y="1196064"/>
+            <a:ext cx="10884668" cy="3143167"/>
+          </a:xfrm>
+          <a:prstGeom prst="rect">
+            <a:avLst/>
+          </a:prstGeom>
+        </p:spPr>
+      </p:pic>
+    </p:spTree>
+    <p:extLst>
+      <p:ext uri="{BB962C8B-B14F-4D97-AF65-F5344CB8AC3E}">
+        <p14:creationId xmlns:p14="http://schemas.microsoft.com/office/powerpoint/2010/main" val="4200344580"/>
+      </p:ext>
+    </p:extLst>
+  </p:cSld>
+  <p:clrMapOvr>
+    <a:masterClrMapping/>
+  </p:clrMapOvr>
+</p:sld>
+</file>
+
+<file path=ppt/slides/slide6.xml><?xml version="1.0" encoding="utf-8"?>
 <p:sld xmlns:a="http://schemas.openxmlformats.org/drawingml/2006/main" xmlns:r="http://schemas.openxmlformats.org/officeDocument/2006/relationships" xmlns:p="http://schemas.openxmlformats.org/presentationml/2006/main">
   <p:cSld>
     <p:spTree>
@@ -12460,7 +17588,7 @@
 </p:sld>
 </file>
 
-<file path=ppt/slides/slide5.xml><?xml version="1.0" encoding="utf-8"?>
+<file path=ppt/slides/slide7.xml><?xml version="1.0" encoding="utf-8"?>
 <p:sld xmlns:a="http://schemas.openxmlformats.org/drawingml/2006/main" xmlns:r="http://schemas.openxmlformats.org/officeDocument/2006/relationships" xmlns:p="http://schemas.openxmlformats.org/presentationml/2006/main">
   <p:cSld>
     <p:spTree>
@@ -12618,7 +17746,7 @@
 </p:sld>
 </file>
 
-<file path=ppt/slides/slide6.xml><?xml version="1.0" encoding="utf-8"?>
+<file path=ppt/slides/slide8.xml><?xml version="1.0" encoding="utf-8"?>
 <p:sld xmlns:a="http://schemas.openxmlformats.org/drawingml/2006/main" xmlns:r="http://schemas.openxmlformats.org/officeDocument/2006/relationships" xmlns:p="http://schemas.openxmlformats.org/presentationml/2006/main">
   <p:cSld>
     <p:spTree>
@@ -12659,398 +17787,15 @@
         </p:blipFill>
         <p:spPr>
           <a:xfrm>
-            <a:off x="645999" y="434119"/>
+            <a:off x="563937" y="1876057"/>
             <a:ext cx="10897761" cy="2221157"/>
-          </a:xfrm>
-        </p:spPr>
-      </p:pic>
-      <p:pic>
-        <p:nvPicPr>
-          <p:cNvPr id="10" name="Picture 9">
-            <a:extLst>
-              <a:ext uri="{FF2B5EF4-FFF2-40B4-BE49-F238E27FC236}">
-                <a16:creationId xmlns:a16="http://schemas.microsoft.com/office/drawing/2014/main" id="{853AB060-79AA-9040-67D3-59E8CF9E73C4}"/>
-              </a:ext>
-            </a:extLst>
-          </p:cNvPr>
-          <p:cNvPicPr>
-            <a:picLocks noChangeAspect="1"/>
-          </p:cNvPicPr>
-          <p:nvPr/>
-        </p:nvPicPr>
-        <p:blipFill rotWithShape="1">
-          <a:blip r:embed="rId4"/>
-          <a:srcRect b="48866"/>
-          <a:stretch/>
-        </p:blipFill>
-        <p:spPr>
-          <a:xfrm>
-            <a:off x="602481" y="2826740"/>
-            <a:ext cx="9918547" cy="1024291"/>
-          </a:xfrm>
-          <a:prstGeom prst="rect">
-            <a:avLst/>
-          </a:prstGeom>
-        </p:spPr>
-      </p:pic>
-      <p:sp>
-        <p:nvSpPr>
-          <p:cNvPr id="14" name="TextBox 13">
-            <a:extLst>
-              <a:ext uri="{FF2B5EF4-FFF2-40B4-BE49-F238E27FC236}">
-                <a16:creationId xmlns:a16="http://schemas.microsoft.com/office/drawing/2014/main" id="{B0F6B178-4355-2CC2-8828-0943D4C2F8BA}"/>
-              </a:ext>
-            </a:extLst>
-          </p:cNvPr>
-          <p:cNvSpPr txBox="1"/>
-          <p:nvPr/>
-        </p:nvSpPr>
-        <p:spPr>
-          <a:xfrm>
-            <a:off x="1740877" y="3908867"/>
-            <a:ext cx="9032632" cy="923330"/>
-          </a:xfrm>
-          <a:prstGeom prst="rect">
-            <a:avLst/>
-          </a:prstGeom>
-          <a:noFill/>
-        </p:spPr>
-        <p:txBody>
-          <a:bodyPr wrap="square">
-            <a:spAutoFit/>
-          </a:bodyPr>
-          <a:lstStyle/>
-          <a:p>
-            <a:r>
-              <a:rPr lang="en-US" b="1" i="0" dirty="0">
-                <a:solidFill>
-                  <a:srgbClr val="444444"/>
-                </a:solidFill>
-                <a:effectLst/>
-                <a:latin typeface="PT Sans" panose="020B0503020203020204" pitchFamily="34" charset="0"/>
-              </a:rPr>
-              <a:t>When </a:t>
-            </a:r>
-            <a:r>
-              <a:rPr lang="en-US" b="1" dirty="0">
-                <a:solidFill>
-                  <a:srgbClr val="444444"/>
-                </a:solidFill>
-                <a:latin typeface="PT Sans" panose="020B0503020203020204" pitchFamily="34" charset="0"/>
-              </a:rPr>
-              <a:t>t</a:t>
-            </a:r>
-            <a:r>
-              <a:rPr lang="en-US" b="1" i="0" dirty="0">
-                <a:solidFill>
-                  <a:srgbClr val="444444"/>
-                </a:solidFill>
-                <a:effectLst/>
-                <a:latin typeface="PT Sans" panose="020B0503020203020204" pitchFamily="34" charset="0"/>
-              </a:rPr>
-              <a:t>here’s a lot of dependency between the client and multiple subsystems.</a:t>
-            </a:r>
-          </a:p>
-          <a:p>
-            <a:r>
-              <a:rPr lang="en-US" b="1" i="0" dirty="0">
-                <a:solidFill>
-                  <a:srgbClr val="444444"/>
-                </a:solidFill>
-                <a:effectLst/>
-                <a:latin typeface="PT Sans" panose="020B0503020203020204" pitchFamily="34" charset="0"/>
-              </a:rPr>
-              <a:t>When you want to have a straightforward access to functions in </a:t>
-            </a:r>
-            <a:r>
-              <a:rPr lang="en-US" b="1" i="0">
-                <a:solidFill>
-                  <a:srgbClr val="444444"/>
-                </a:solidFill>
-                <a:effectLst/>
-                <a:latin typeface="PT Sans" panose="020B0503020203020204" pitchFamily="34" charset="0"/>
-              </a:rPr>
-              <a:t>different subsystems.</a:t>
-            </a:r>
-            <a:endParaRPr lang="en-US" dirty="0"/>
-          </a:p>
-          <a:p>
-            <a:endParaRPr lang="en-US" dirty="0"/>
-          </a:p>
-        </p:txBody>
-      </p:sp>
-    </p:spTree>
-    <p:extLst>
-      <p:ext uri="{BB962C8B-B14F-4D97-AF65-F5344CB8AC3E}">
-        <p14:creationId xmlns:p14="http://schemas.microsoft.com/office/powerpoint/2010/main" val="3242724567"/>
-      </p:ext>
-    </p:extLst>
-  </p:cSld>
-  <p:clrMapOvr>
-    <a:masterClrMapping/>
-  </p:clrMapOvr>
-</p:sld>
-</file>
-
-<file path=ppt/slides/slide7.xml><?xml version="1.0" encoding="utf-8"?>
-<p:sld xmlns:a="http://schemas.openxmlformats.org/drawingml/2006/main" xmlns:r="http://schemas.openxmlformats.org/officeDocument/2006/relationships" xmlns:p="http://schemas.openxmlformats.org/presentationml/2006/main">
-  <p:cSld>
-    <p:spTree>
-      <p:nvGrpSpPr>
-        <p:cNvPr id="1" name=""/>
-        <p:cNvGrpSpPr/>
-        <p:nvPr/>
-      </p:nvGrpSpPr>
-      <p:grpSpPr>
-        <a:xfrm>
-          <a:off x="0" y="0"/>
-          <a:ext cx="0" cy="0"/>
-          <a:chOff x="0" y="0"/>
-          <a:chExt cx="0" cy="0"/>
-        </a:xfrm>
-      </p:grpSpPr>
-      <p:sp>
-        <p:nvSpPr>
-          <p:cNvPr id="2" name="Title 1">
-            <a:extLst>
-              <a:ext uri="{FF2B5EF4-FFF2-40B4-BE49-F238E27FC236}">
-                <a16:creationId xmlns:a16="http://schemas.microsoft.com/office/drawing/2014/main" id="{8DE78398-2207-9753-79EF-15D1EC6C1D98}"/>
-              </a:ext>
-            </a:extLst>
-          </p:cNvPr>
-          <p:cNvSpPr>
-            <a:spLocks noGrp="1"/>
-          </p:cNvSpPr>
-          <p:nvPr>
-            <p:ph type="title"/>
-          </p:nvPr>
-        </p:nvSpPr>
-        <p:spPr/>
-        <p:txBody>
-          <a:bodyPr/>
-          <a:lstStyle/>
-          <a:p>
-            <a:r>
-              <a:rPr lang="en-US" b="1" dirty="0"/>
-              <a:t>3. Proxy</a:t>
-            </a:r>
-            <a:endParaRPr lang="en-US" dirty="0"/>
-          </a:p>
-        </p:txBody>
-      </p:sp>
-      <p:pic>
-        <p:nvPicPr>
-          <p:cNvPr id="6" name="Content Placeholder 5" descr="A picture containing diagram&#10;&#10;Description automatically generated">
-            <a:extLst>
-              <a:ext uri="{FF2B5EF4-FFF2-40B4-BE49-F238E27FC236}">
-                <a16:creationId xmlns:a16="http://schemas.microsoft.com/office/drawing/2014/main" id="{D728CF11-38D5-52C4-2A39-55225D5678E2}"/>
-              </a:ext>
-            </a:extLst>
-          </p:cNvPr>
-          <p:cNvPicPr>
-            <a:picLocks noGrp="1" noChangeAspect="1"/>
-          </p:cNvPicPr>
-          <p:nvPr>
-            <p:ph idx="1"/>
-          </p:nvPr>
-        </p:nvPicPr>
-        <p:blipFill>
-          <a:blip r:embed="rId3">
-            <a:extLst>
-              <a:ext uri="{28A0092B-C50C-407E-A947-70E740481C1C}">
-                <a14:useLocalDpi xmlns:a14="http://schemas.microsoft.com/office/drawing/2010/main" val="0"/>
-              </a:ext>
-            </a:extLst>
-          </a:blip>
-          <a:stretch>
-            <a:fillRect/>
-          </a:stretch>
-        </p:blipFill>
-        <p:spPr>
-          <a:xfrm>
-            <a:off x="2614930" y="1825625"/>
-            <a:ext cx="6962140" cy="4351338"/>
           </a:xfrm>
         </p:spPr>
       </p:pic>
     </p:spTree>
     <p:extLst>
       <p:ext uri="{BB962C8B-B14F-4D97-AF65-F5344CB8AC3E}">
-        <p14:creationId xmlns:p14="http://schemas.microsoft.com/office/powerpoint/2010/main" val="642753227"/>
-      </p:ext>
-    </p:extLst>
-  </p:cSld>
-  <p:clrMapOvr>
-    <a:masterClrMapping/>
-  </p:clrMapOvr>
-</p:sld>
-</file>
-
-<file path=ppt/slides/slide8.xml><?xml version="1.0" encoding="utf-8"?>
-<p:sld xmlns:a="http://schemas.openxmlformats.org/drawingml/2006/main" xmlns:r="http://schemas.openxmlformats.org/officeDocument/2006/relationships" xmlns:p="http://schemas.openxmlformats.org/presentationml/2006/main">
-  <p:cSld>
-    <p:spTree>
-      <p:nvGrpSpPr>
-        <p:cNvPr id="1" name=""/>
-        <p:cNvGrpSpPr/>
-        <p:nvPr/>
-      </p:nvGrpSpPr>
-      <p:grpSpPr>
-        <a:xfrm>
-          <a:off x="0" y="0"/>
-          <a:ext cx="0" cy="0"/>
-          <a:chOff x="0" y="0"/>
-          <a:chExt cx="0" cy="0"/>
-        </a:xfrm>
-      </p:grpSpPr>
-      <p:pic>
-        <p:nvPicPr>
-          <p:cNvPr id="5" name="Content Placeholder 4" descr="Diagram&#10;&#10;Description automatically generated">
-            <a:extLst>
-              <a:ext uri="{FF2B5EF4-FFF2-40B4-BE49-F238E27FC236}">
-                <a16:creationId xmlns:a16="http://schemas.microsoft.com/office/drawing/2014/main" id="{40AAB099-C690-33C8-B9EA-DC447C1C79AC}"/>
-              </a:ext>
-            </a:extLst>
-          </p:cNvPr>
-          <p:cNvPicPr>
-            <a:picLocks noGrp="1" noChangeAspect="1"/>
-          </p:cNvPicPr>
-          <p:nvPr>
-            <p:ph idx="1"/>
-          </p:nvPr>
-        </p:nvPicPr>
-        <p:blipFill>
-          <a:blip r:embed="rId3">
-            <a:extLst>
-              <a:ext uri="{28A0092B-C50C-407E-A947-70E740481C1C}">
-                <a14:useLocalDpi xmlns:a14="http://schemas.microsoft.com/office/drawing/2010/main" val="0"/>
-              </a:ext>
-            </a:extLst>
-          </a:blip>
-          <a:stretch>
-            <a:fillRect/>
-          </a:stretch>
-        </p:blipFill>
-        <p:spPr>
-          <a:xfrm>
-            <a:off x="5846667" y="1536732"/>
-            <a:ext cx="4351338" cy="4351338"/>
-          </a:xfrm>
-        </p:spPr>
-      </p:pic>
-      <p:sp>
-        <p:nvSpPr>
-          <p:cNvPr id="8" name="Title 1">
-            <a:extLst>
-              <a:ext uri="{FF2B5EF4-FFF2-40B4-BE49-F238E27FC236}">
-                <a16:creationId xmlns:a16="http://schemas.microsoft.com/office/drawing/2014/main" id="{FC316B89-0AAF-FFAA-1FE5-60CB2957DB61}"/>
-              </a:ext>
-            </a:extLst>
-          </p:cNvPr>
-          <p:cNvSpPr txBox="1">
-            <a:spLocks/>
-          </p:cNvSpPr>
-          <p:nvPr/>
-        </p:nvSpPr>
-        <p:spPr>
-          <a:xfrm>
-            <a:off x="563878" y="390144"/>
-            <a:ext cx="3441194" cy="2390712"/>
-          </a:xfrm>
-          <a:prstGeom prst="rect">
-            <a:avLst/>
-          </a:prstGeom>
-        </p:spPr>
-        <p:txBody>
-          <a:bodyPr vert="horz" lIns="91440" tIns="45720" rIns="91440" bIns="45720" rtlCol="0" anchor="ctr">
-            <a:normAutofit fontScale="90000"/>
-          </a:bodyPr>
-          <a:lstStyle>
-            <a:lvl1pPr algn="l" defTabSz="914400" rtl="0" eaLnBrk="1" latinLnBrk="0" hangingPunct="1">
-              <a:lnSpc>
-                <a:spcPct val="90000"/>
-              </a:lnSpc>
-              <a:spcBef>
-                <a:spcPct val="0"/>
-              </a:spcBef>
-              <a:buNone/>
-              <a:defRPr sz="4400" kern="1200">
-                <a:solidFill>
-                  <a:schemeClr val="tx1"/>
-                </a:solidFill>
-                <a:latin typeface="+mj-lt"/>
-                <a:ea typeface="+mj-ea"/>
-                <a:cs typeface="+mj-cs"/>
-              </a:defRPr>
-            </a:lvl1pPr>
-          </a:lstStyle>
-          <a:p>
-            <a:pPr marL="571500" indent="-571500">
-              <a:buFont typeface="Arial" panose="020B0604020202020204" pitchFamily="34" charset="0"/>
-              <a:buChar char="•"/>
-            </a:pPr>
-            <a:r>
-              <a:rPr lang="en-US" sz="3300" dirty="0">
-                <a:solidFill>
-                  <a:srgbClr val="000000"/>
-                </a:solidFill>
-                <a:latin typeface="Cascadia Mono" panose="020B0609020000020004" pitchFamily="49" charset="0"/>
-              </a:rPr>
-              <a:t>Subject</a:t>
-            </a:r>
-          </a:p>
-          <a:p>
-            <a:endParaRPr lang="en-US" sz="3300" dirty="0">
-              <a:solidFill>
-                <a:srgbClr val="000000"/>
-              </a:solidFill>
-              <a:latin typeface="Cascadia Mono" panose="020B0609020000020004" pitchFamily="49" charset="0"/>
-            </a:endParaRPr>
-          </a:p>
-          <a:p>
-            <a:pPr marL="571500" indent="-571500">
-              <a:buFont typeface="Arial" panose="020B0604020202020204" pitchFamily="34" charset="0"/>
-              <a:buChar char="•"/>
-            </a:pPr>
-            <a:r>
-              <a:rPr lang="en-US" sz="3300" dirty="0">
-                <a:solidFill>
-                  <a:srgbClr val="000000"/>
-                </a:solidFill>
-                <a:latin typeface="Cascadia Mono" panose="020B0609020000020004" pitchFamily="49" charset="0"/>
-              </a:rPr>
-              <a:t>Real Subject</a:t>
-            </a:r>
-          </a:p>
-          <a:p>
-            <a:endParaRPr lang="en-US" sz="3300" dirty="0">
-              <a:solidFill>
-                <a:srgbClr val="000000"/>
-              </a:solidFill>
-              <a:latin typeface="Cascadia Mono" panose="020B0609020000020004" pitchFamily="49" charset="0"/>
-            </a:endParaRPr>
-          </a:p>
-          <a:p>
-            <a:pPr marL="571500" indent="-571500">
-              <a:buFont typeface="Arial" panose="020B0604020202020204" pitchFamily="34" charset="0"/>
-              <a:buChar char="•"/>
-            </a:pPr>
-            <a:r>
-              <a:rPr lang="en-US" sz="3300" dirty="0">
-                <a:solidFill>
-                  <a:srgbClr val="000000"/>
-                </a:solidFill>
-                <a:latin typeface="Cascadia Mono" panose="020B0609020000020004" pitchFamily="49" charset="0"/>
-              </a:rPr>
-              <a:t>Proxy</a:t>
-            </a:r>
-          </a:p>
-        </p:txBody>
-      </p:sp>
-    </p:spTree>
-    <p:extLst>
-      <p:ext uri="{BB962C8B-B14F-4D97-AF65-F5344CB8AC3E}">
-        <p14:creationId xmlns:p14="http://schemas.microsoft.com/office/powerpoint/2010/main" val="2167652116"/>
+        <p14:creationId xmlns:p14="http://schemas.microsoft.com/office/powerpoint/2010/main" val="3242724567"/>
       </p:ext>
     </p:extLst>
   </p:cSld>
@@ -13100,7 +17845,7 @@
           <a:p>
             <a:r>
               <a:rPr lang="en-US" b="1" dirty="0"/>
-              <a:t>4. Bridge</a:t>
+              <a:t>3. Proxy</a:t>
             </a:r>
             <a:endParaRPr lang="en-US" dirty="0"/>
           </a:p>
@@ -13108,10 +17853,10 @@
       </p:sp>
       <p:pic>
         <p:nvPicPr>
-          <p:cNvPr id="6" name="Content Placeholder 5" descr="A picture containing text&#10;&#10;Description automatically generated">
+          <p:cNvPr id="6" name="Content Placeholder 5" descr="A picture containing diagram&#10;&#10;Description automatically generated">
             <a:extLst>
               <a:ext uri="{FF2B5EF4-FFF2-40B4-BE49-F238E27FC236}">
-                <a16:creationId xmlns:a16="http://schemas.microsoft.com/office/drawing/2014/main" id="{42039D81-CE51-2587-2924-FDE22803ECF8}"/>
+                <a16:creationId xmlns:a16="http://schemas.microsoft.com/office/drawing/2014/main" id="{D728CF11-38D5-52C4-2A39-55225D5678E2}"/>
               </a:ext>
             </a:extLst>
           </p:cNvPr>
@@ -13136,15 +17881,15 @@
         </p:blipFill>
         <p:spPr>
           <a:xfrm>
-            <a:off x="1744662" y="1790989"/>
-            <a:ext cx="8702676" cy="4351338"/>
+            <a:off x="2614930" y="1825625"/>
+            <a:ext cx="6962140" cy="4351338"/>
           </a:xfrm>
         </p:spPr>
       </p:pic>
     </p:spTree>
     <p:extLst>
       <p:ext uri="{BB962C8B-B14F-4D97-AF65-F5344CB8AC3E}">
-        <p14:creationId xmlns:p14="http://schemas.microsoft.com/office/powerpoint/2010/main" val="2255792575"/>
+        <p14:creationId xmlns:p14="http://schemas.microsoft.com/office/powerpoint/2010/main" val="642753227"/>
       </p:ext>
     </p:extLst>
   </p:cSld>
